--- a/Praesentation/FMSynthese-Gary.pptx
+++ b/Praesentation/FMSynthese-Gary.pptx
@@ -5,15 +5,30 @@
     <p:sldMasterId id="2147483648" r:id="rId1"/>
   </p:sldMasterIdLst>
   <p:notesMasterIdLst>
-    <p:notesMasterId r:id="rId8"/>
+    <p:notesMasterId r:id="rId23"/>
   </p:notesMasterIdLst>
   <p:sldIdLst>
-    <p:sldId id="258" r:id="rId2"/>
-    <p:sldId id="259" r:id="rId3"/>
-    <p:sldId id="260" r:id="rId4"/>
-    <p:sldId id="261" r:id="rId5"/>
-    <p:sldId id="262" r:id="rId6"/>
-    <p:sldId id="263" r:id="rId7"/>
+    <p:sldId id="259" r:id="rId2"/>
+    <p:sldId id="258" r:id="rId3"/>
+    <p:sldId id="265" r:id="rId4"/>
+    <p:sldId id="260" r:id="rId5"/>
+    <p:sldId id="261" r:id="rId6"/>
+    <p:sldId id="272" r:id="rId7"/>
+    <p:sldId id="262" r:id="rId8"/>
+    <p:sldId id="263" r:id="rId9"/>
+    <p:sldId id="271" r:id="rId10"/>
+    <p:sldId id="264" r:id="rId11"/>
+    <p:sldId id="266" r:id="rId12"/>
+    <p:sldId id="267" r:id="rId13"/>
+    <p:sldId id="268" r:id="rId14"/>
+    <p:sldId id="269" r:id="rId15"/>
+    <p:sldId id="270" r:id="rId16"/>
+    <p:sldId id="274" r:id="rId17"/>
+    <p:sldId id="273" r:id="rId18"/>
+    <p:sldId id="275" r:id="rId19"/>
+    <p:sldId id="276" r:id="rId20"/>
+    <p:sldId id="277" r:id="rId21"/>
+    <p:sldId id="278" r:id="rId22"/>
   </p:sldIdLst>
   <p:sldSz cx="9144000" cy="5143500" type="screen16x9"/>
   <p:notesSz cx="6858000" cy="9144000"/>
@@ -145,32 +160,6 @@
 </p:presentation>
 </file>
 
-<file path=ppt/commentAuthors.xml><?xml version="1.0" encoding="utf-8"?>
-<p:cmAuthorLst xmlns:a="http://schemas.openxmlformats.org/drawingml/2006/main" xmlns:r="http://schemas.openxmlformats.org/officeDocument/2006/relationships" xmlns:p="http://schemas.openxmlformats.org/presentationml/2006/main">
-  <p:cmAuthor id="1" name="Stefan Gerasch" initials="SG" lastIdx="2" clrIdx="0">
-    <p:extLst>
-      <p:ext uri="{19B8F6BF-5375-455C-9EA6-DF929625EA0E}">
-        <p15:presenceInfo xmlns:p15="http://schemas.microsoft.com/office/powerpoint/2012/main" userId="598ddf3b84a370a1" providerId="Windows Live"/>
-      </p:ext>
-    </p:extLst>
-  </p:cmAuthor>
-</p:cmAuthorLst>
-</file>
-
-<file path=ppt/comments/comment1.xml><?xml version="1.0" encoding="utf-8"?>
-<p:cmLst xmlns:a="http://schemas.openxmlformats.org/drawingml/2006/main" xmlns:r="http://schemas.openxmlformats.org/officeDocument/2006/relationships" xmlns:p="http://schemas.openxmlformats.org/presentationml/2006/main">
-  <p:cm authorId="1" dt="2015-06-16T23:29:26.998" idx="1">
-    <p:pos x="3246" y="1624"/>
-    <p:text>Formeln</p:text>
-    <p:extLst>
-      <p:ext uri="{C676402C-5697-4E1C-873F-D02D1690AC5C}">
-        <p15:threadingInfo xmlns:p15="http://schemas.microsoft.com/office/powerpoint/2012/main" timeZoneBias="-120"/>
-      </p:ext>
-    </p:extLst>
-  </p:cm>
-</p:cmLst>
-</file>
-
 <file path=ppt/notesMasters/notesMaster1.xml><?xml version="1.0" encoding="utf-8"?>
 <p:notesMaster xmlns:a="http://schemas.openxmlformats.org/drawingml/2006/main" xmlns:r="http://schemas.openxmlformats.org/officeDocument/2006/relationships" xmlns:p="http://schemas.openxmlformats.org/presentationml/2006/main">
   <p:cSld>
@@ -425,7 +414,7 @@
     </p:spTree>
     <p:extLst>
       <p:ext uri="{BB962C8B-B14F-4D97-AF65-F5344CB8AC3E}">
-        <p14:creationId xmlns:p14="http://schemas.microsoft.com/office/powerpoint/2010/main" val="3246696395"/>
+        <p14:creationId xmlns:p14="http://schemas.microsoft.com/office/powerpoint/2010/main" val="3455555729"/>
       </p:ext>
     </p:extLst>
   </p:cSld>
@@ -525,8 +514,178 @@
 </p:notesMaster>
 </file>
 
+<file path=ppt/notesSlides/notesSlide1.xml><?xml version="1.0" encoding="utf-8"?>
+<p:notes xmlns:a="http://schemas.openxmlformats.org/drawingml/2006/main" xmlns:r="http://schemas.openxmlformats.org/officeDocument/2006/relationships" xmlns:p="http://schemas.openxmlformats.org/presentationml/2006/main">
+  <p:cSld>
+    <p:spTree>
+      <p:nvGrpSpPr>
+        <p:cNvPr id="1" name=""/>
+        <p:cNvGrpSpPr/>
+        <p:nvPr/>
+      </p:nvGrpSpPr>
+      <p:grpSpPr>
+        <a:xfrm>
+          <a:off x="0" y="0"/>
+          <a:ext cx="0" cy="0"/>
+          <a:chOff x="0" y="0"/>
+          <a:chExt cx="0" cy="0"/>
+        </a:xfrm>
+      </p:grpSpPr>
+      <p:sp>
+        <p:nvSpPr>
+          <p:cNvPr id="2" name="Folienbildplatzhalter 1"/>
+          <p:cNvSpPr>
+            <a:spLocks noGrp="1" noRot="1" noChangeAspect="1"/>
+          </p:cNvSpPr>
+          <p:nvPr>
+            <p:ph type="sldImg"/>
+          </p:nvPr>
+        </p:nvSpPr>
+        <p:spPr/>
+      </p:sp>
+      <p:sp>
+        <p:nvSpPr>
+          <p:cNvPr id="3" name="Notizenplatzhalter 2"/>
+          <p:cNvSpPr>
+            <a:spLocks noGrp="1"/>
+          </p:cNvSpPr>
+          <p:nvPr>
+            <p:ph type="body" idx="1"/>
+          </p:nvPr>
+        </p:nvSpPr>
+        <p:spPr/>
+        <p:txBody>
+          <a:bodyPr/>
+          <a:lstStyle/>
+          <a:p>
+            <a:endParaRPr lang="en-US"/>
+          </a:p>
+        </p:txBody>
+      </p:sp>
+      <p:sp>
+        <p:nvSpPr>
+          <p:cNvPr id="4" name="Foliennummernplatzhalter 3"/>
+          <p:cNvSpPr>
+            <a:spLocks noGrp="1"/>
+          </p:cNvSpPr>
+          <p:nvPr>
+            <p:ph type="sldNum" sz="quarter" idx="10"/>
+          </p:nvPr>
+        </p:nvSpPr>
+        <p:spPr/>
+        <p:txBody>
+          <a:bodyPr/>
+          <a:lstStyle/>
+          <a:p>
+            <a:fld id="{B162E40F-E87F-4C0D-9DAF-92DD7B84B6D5}" type="slidenum">
+              <a:rPr lang="de-DE" smtClean="0"/>
+              <a:pPr/>
+              <a:t>2</a:t>
+            </a:fld>
+            <a:endParaRPr lang="de-DE"/>
+          </a:p>
+        </p:txBody>
+      </p:sp>
+    </p:spTree>
+    <p:extLst>
+      <p:ext uri="{BB962C8B-B14F-4D97-AF65-F5344CB8AC3E}">
+        <p14:creationId xmlns:p14="http://schemas.microsoft.com/office/powerpoint/2010/main" val="4006459351"/>
+      </p:ext>
+    </p:extLst>
+  </p:cSld>
+  <p:clrMapOvr>
+    <a:masterClrMapping/>
+  </p:clrMapOvr>
+</p:notes>
+</file>
+
+<file path=ppt/notesSlides/notesSlide2.xml><?xml version="1.0" encoding="utf-8"?>
+<p:notes xmlns:a="http://schemas.openxmlformats.org/drawingml/2006/main" xmlns:r="http://schemas.openxmlformats.org/officeDocument/2006/relationships" xmlns:p="http://schemas.openxmlformats.org/presentationml/2006/main">
+  <p:cSld>
+    <p:spTree>
+      <p:nvGrpSpPr>
+        <p:cNvPr id="1" name=""/>
+        <p:cNvGrpSpPr/>
+        <p:nvPr/>
+      </p:nvGrpSpPr>
+      <p:grpSpPr>
+        <a:xfrm>
+          <a:off x="0" y="0"/>
+          <a:ext cx="0" cy="0"/>
+          <a:chOff x="0" y="0"/>
+          <a:chExt cx="0" cy="0"/>
+        </a:xfrm>
+      </p:grpSpPr>
+      <p:sp>
+        <p:nvSpPr>
+          <p:cNvPr id="2" name="Folienbildplatzhalter 1"/>
+          <p:cNvSpPr>
+            <a:spLocks noGrp="1" noRot="1" noChangeAspect="1"/>
+          </p:cNvSpPr>
+          <p:nvPr>
+            <p:ph type="sldImg"/>
+          </p:nvPr>
+        </p:nvSpPr>
+        <p:spPr/>
+      </p:sp>
+      <p:sp>
+        <p:nvSpPr>
+          <p:cNvPr id="3" name="Notizenplatzhalter 2"/>
+          <p:cNvSpPr>
+            <a:spLocks noGrp="1"/>
+          </p:cNvSpPr>
+          <p:nvPr>
+            <p:ph type="body" idx="1"/>
+          </p:nvPr>
+        </p:nvSpPr>
+        <p:spPr/>
+        <p:txBody>
+          <a:bodyPr/>
+          <a:lstStyle/>
+          <a:p>
+            <a:endParaRPr lang="en-US"/>
+          </a:p>
+        </p:txBody>
+      </p:sp>
+      <p:sp>
+        <p:nvSpPr>
+          <p:cNvPr id="4" name="Foliennummernplatzhalter 3"/>
+          <p:cNvSpPr>
+            <a:spLocks noGrp="1"/>
+          </p:cNvSpPr>
+          <p:nvPr>
+            <p:ph type="sldNum" sz="quarter" idx="10"/>
+          </p:nvPr>
+        </p:nvSpPr>
+        <p:spPr/>
+        <p:txBody>
+          <a:bodyPr/>
+          <a:lstStyle/>
+          <a:p>
+            <a:fld id="{B162E40F-E87F-4C0D-9DAF-92DD7B84B6D5}" type="slidenum">
+              <a:rPr lang="de-DE" smtClean="0"/>
+              <a:pPr/>
+              <a:t>3</a:t>
+            </a:fld>
+            <a:endParaRPr lang="de-DE"/>
+          </a:p>
+        </p:txBody>
+      </p:sp>
+    </p:spTree>
+    <p:extLst>
+      <p:ext uri="{BB962C8B-B14F-4D97-AF65-F5344CB8AC3E}">
+        <p14:creationId xmlns:p14="http://schemas.microsoft.com/office/powerpoint/2010/main" val="1167967951"/>
+      </p:ext>
+    </p:extLst>
+  </p:cSld>
+  <p:clrMapOvr>
+    <a:masterClrMapping/>
+  </p:clrMapOvr>
+</p:notes>
+</file>
+
 <file path=ppt/slideLayouts/slideLayout1.xml><?xml version="1.0" encoding="utf-8"?>
-<p:sldLayout xmlns:a="http://schemas.openxmlformats.org/drawingml/2006/main" xmlns:r="http://schemas.openxmlformats.org/officeDocument/2006/relationships" xmlns:p="http://schemas.openxmlformats.org/presentationml/2006/main" type="title" preserve="1">
+<p:sldLayout xmlns:a="http://schemas.openxmlformats.org/drawingml/2006/main" xmlns:r="http://schemas.openxmlformats.org/officeDocument/2006/relationships" xmlns:p="http://schemas.openxmlformats.org/presentationml/2006/main" preserve="1" userDrawn="1">
   <p:cSld name="Titelfolie">
     <p:spTree>
       <p:nvGrpSpPr>
@@ -542,34 +701,38 @@
           <a:chExt cx="0" cy="0"/>
         </a:xfrm>
       </p:grpSpPr>
-      <p:sp>
-        <p:nvSpPr>
-          <p:cNvPr id="2" name="Titel 1"/>
-          <p:cNvSpPr>
-            <a:spLocks noGrp="1"/>
-          </p:cNvSpPr>
-          <p:nvPr>
-            <p:ph type="ctrTitle"/>
-          </p:nvPr>
-        </p:nvSpPr>
+      <p:pic>
+        <p:nvPicPr>
+          <p:cNvPr id="13" name="Grafik 12"/>
+          <p:cNvPicPr>
+            <a:picLocks noChangeAspect="1"/>
+          </p:cNvPicPr>
+          <p:nvPr userDrawn="1"/>
+        </p:nvPicPr>
+        <p:blipFill rotWithShape="1">
+          <a:blip r:embed="rId2" cstate="print">
+            <a:extLst>
+              <a:ext uri="{28A0092B-C50C-407E-A947-70E740481C1C}">
+                <a14:useLocalDpi xmlns:a14="http://schemas.microsoft.com/office/drawing/2010/main" val="0"/>
+              </a:ext>
+            </a:extLst>
+          </a:blip>
+          <a:srcRect r="33768"/>
+          <a:stretch/>
+        </p:blipFill>
         <p:spPr>
           <a:xfrm>
-            <a:off x="685800" y="1597819"/>
-            <a:ext cx="7772400" cy="1102519"/>
+            <a:off x="0" y="4155926"/>
+            <a:ext cx="9180512" cy="918071"/>
           </a:xfrm>
+          <a:prstGeom prst="rect">
+            <a:avLst/>
+          </a:prstGeom>
+          <a:solidFill>
+            <a:schemeClr val="bg1"/>
+          </a:solidFill>
         </p:spPr>
-        <p:txBody>
-          <a:bodyPr/>
-          <a:lstStyle/>
-          <a:p>
-            <a:r>
-              <a:rPr lang="de-DE" dirty="0" smtClean="0"/>
-              <a:t>Titelmasterformat durch Klicken bearbeiten</a:t>
-            </a:r>
-            <a:endParaRPr lang="de-DE" dirty="0"/>
-          </a:p>
-        </p:txBody>
-      </p:sp>
+      </p:pic>
       <p:sp>
         <p:nvSpPr>
           <p:cNvPr id="3" name="Untertitel 2"/>
@@ -682,16 +845,44 @@
           </a:lstStyle>
           <a:p>
             <a:r>
-              <a:rPr lang="de-DE" smtClean="0"/>
+              <a:rPr lang="de-DE" dirty="0" smtClean="0"/>
               <a:t>Formatvorlage des Untertitelmasters durch Klicken bearbeiten</a:t>
             </a:r>
-            <a:endParaRPr lang="de-DE"/>
-          </a:p>
-        </p:txBody>
-      </p:sp>
-      <p:sp>
-        <p:nvSpPr>
-          <p:cNvPr id="7" name="Datumsplatzhalter 6"/>
+            <a:endParaRPr lang="de-DE" dirty="0"/>
+          </a:p>
+        </p:txBody>
+      </p:sp>
+      <p:sp>
+        <p:nvSpPr>
+          <p:cNvPr id="11" name="Titel 10"/>
+          <p:cNvSpPr>
+            <a:spLocks noGrp="1"/>
+          </p:cNvSpPr>
+          <p:nvPr>
+            <p:ph type="title"/>
+          </p:nvPr>
+        </p:nvSpPr>
+        <p:spPr>
+          <a:xfrm>
+            <a:off x="457200" y="1779662"/>
+            <a:ext cx="8229600" cy="857250"/>
+          </a:xfrm>
+        </p:spPr>
+        <p:txBody>
+          <a:bodyPr/>
+          <a:lstStyle/>
+          <a:p>
+            <a:r>
+              <a:rPr lang="de-DE" dirty="0" smtClean="0"/>
+              <a:t>Titelmasterformat durch Klicken bearbeiten</a:t>
+            </a:r>
+            <a:endParaRPr lang="en-US" dirty="0"/>
+          </a:p>
+        </p:txBody>
+      </p:sp>
+      <p:sp>
+        <p:nvSpPr>
+          <p:cNvPr id="2" name="Datumsplatzhalter 1"/>
           <p:cNvSpPr>
             <a:spLocks noGrp="1"/>
           </p:cNvSpPr>
@@ -704,23 +895,45 @@
           <a:bodyPr/>
           <a:lstStyle/>
           <a:p>
-            <a:fld id="{D1973D6C-51AD-4508-B508-FD358C94A360}" type="datetime1">
-              <a:rPr lang="de-DE" smtClean="0"/>
-              <a:pPr/>
+            <a:fld id="{296000BE-0612-4D88-A1AC-FF1287139C2E}" type="datetime1">
+              <a:rPr lang="de-DE" smtClean="0"/>
               <a:t>17.06.2015</a:t>
             </a:fld>
-            <a:endParaRPr lang="de-DE"/>
-          </a:p>
-        </p:txBody>
-      </p:sp>
-      <p:sp>
-        <p:nvSpPr>
-          <p:cNvPr id="8" name="Foliennummernplatzhalter 7"/>
-          <p:cNvSpPr>
-            <a:spLocks noGrp="1"/>
-          </p:cNvSpPr>
-          <p:nvPr>
-            <p:ph type="sldNum" sz="quarter" idx="11"/>
+            <a:endParaRPr lang="de-DE" dirty="0"/>
+          </a:p>
+        </p:txBody>
+      </p:sp>
+      <p:sp>
+        <p:nvSpPr>
+          <p:cNvPr id="4" name="Fußzeilenplatzhalter 3"/>
+          <p:cNvSpPr>
+            <a:spLocks noGrp="1"/>
+          </p:cNvSpPr>
+          <p:nvPr>
+            <p:ph type="ftr" sz="quarter" idx="11"/>
+          </p:nvPr>
+        </p:nvSpPr>
+        <p:spPr/>
+        <p:txBody>
+          <a:bodyPr/>
+          <a:lstStyle/>
+          <a:p>
+            <a:r>
+              <a:rPr lang="de-DE" smtClean="0"/>
+              <a:t>FM-Synthese</a:t>
+            </a:r>
+            <a:endParaRPr lang="de-DE" dirty="0"/>
+          </a:p>
+        </p:txBody>
+      </p:sp>
+      <p:sp>
+        <p:nvSpPr>
+          <p:cNvPr id="5" name="Foliennummernplatzhalter 4"/>
+          <p:cNvSpPr>
+            <a:spLocks noGrp="1"/>
+          </p:cNvSpPr>
+          <p:nvPr>
+            <p:ph type="sldNum" sz="quarter" idx="12"/>
           </p:nvPr>
         </p:nvSpPr>
         <p:spPr/>
@@ -733,30 +946,11 @@
               <a:pPr/>
               <a:t>‹Nr.›</a:t>
             </a:fld>
-            <a:endParaRPr lang="de-DE"/>
-          </a:p>
-        </p:txBody>
-      </p:sp>
-      <p:sp>
-        <p:nvSpPr>
-          <p:cNvPr id="9" name="Fußzeilenplatzhalter 8"/>
-          <p:cNvSpPr>
-            <a:spLocks noGrp="1"/>
-          </p:cNvSpPr>
-          <p:nvPr>
-            <p:ph type="ftr" sz="quarter" idx="12"/>
-          </p:nvPr>
-        </p:nvSpPr>
-        <p:spPr/>
-        <p:txBody>
-          <a:bodyPr/>
-          <a:lstStyle/>
-          <a:p>
-            <a:r>
-              <a:rPr lang="de-DE" smtClean="0"/>
-              <a:t>FM-Synthese</a:t>
-            </a:r>
-            <a:endParaRPr lang="de-DE"/>
+            <a:r>
+              <a:rPr lang="de-DE" smtClean="0"/>
+              <a:t>   </a:t>
+            </a:r>
+            <a:endParaRPr lang="de-DE" dirty="0"/>
           </a:p>
         </p:txBody>
       </p:sp>
@@ -765,6 +959,13 @@
   <p:clrMapOvr>
     <a:masterClrMapping/>
   </p:clrMapOvr>
+  <p:timing>
+    <p:tnLst>
+      <p:par>
+        <p:cTn id="1" dur="indefinite" restart="never" nodeType="tmRoot"/>
+      </p:par>
+    </p:tnLst>
+  </p:timing>
 </p:sldLayout>
 </file>
 
@@ -875,9 +1076,8 @@
           <a:bodyPr/>
           <a:lstStyle/>
           <a:p>
-            <a:fld id="{16CA1741-E8C7-4D32-930D-2CBEC658BBE9}" type="datetime1">
-              <a:rPr lang="de-DE" smtClean="0"/>
-              <a:pPr/>
+            <a:fld id="{118C39E7-DE90-41C1-AA3B-F993836B02BE}" type="datetime1">
+              <a:rPr lang="de-DE" smtClean="0"/>
               <a:t>17.06.2015</a:t>
             </a:fld>
             <a:endParaRPr lang="de-DE"/>
@@ -1056,9 +1256,8 @@
           <a:bodyPr/>
           <a:lstStyle/>
           <a:p>
-            <a:fld id="{BA20089B-28E9-4E3D-8F82-6328AE8CACA6}" type="datetime1">
-              <a:rPr lang="de-DE" smtClean="0"/>
-              <a:pPr/>
+            <a:fld id="{B1B93457-8CBC-4CBC-AFA6-88355C5DAFDC}" type="datetime1">
+              <a:rPr lang="de-DE" smtClean="0"/>
               <a:t>17.06.2015</a:t>
             </a:fld>
             <a:endParaRPr lang="de-DE"/>
@@ -1149,14 +1348,22 @@
         </p:nvSpPr>
         <p:spPr/>
         <p:txBody>
-          <a:bodyPr/>
-          <a:lstStyle/>
-          <a:p>
-            <a:r>
-              <a:rPr lang="de-DE" smtClean="0"/>
+          <a:bodyPr>
+            <a:noAutofit/>
+          </a:bodyPr>
+          <a:lstStyle>
+            <a:lvl1pPr>
+              <a:defRPr sz="3600">
+                <a:latin typeface="Lato" panose="020F0502020204030203" pitchFamily="34" charset="0"/>
+              </a:defRPr>
+            </a:lvl1pPr>
+          </a:lstStyle>
+          <a:p>
+            <a:r>
+              <a:rPr lang="de-DE" dirty="0" smtClean="0"/>
               <a:t>Titelmasterformat durch Klicken bearbeiten</a:t>
             </a:r>
-            <a:endParaRPr lang="de-DE"/>
+            <a:endParaRPr lang="de-DE" dirty="0"/>
           </a:p>
         </p:txBody>
       </p:sp>
@@ -1177,44 +1384,44 @@
           <a:p>
             <a:pPr lvl="0"/>
             <a:r>
-              <a:rPr lang="de-DE" smtClean="0"/>
+              <a:rPr lang="de-DE" dirty="0" smtClean="0"/>
               <a:t>Textmasterformate durch Klicken bearbeiten</a:t>
             </a:r>
           </a:p>
           <a:p>
             <a:pPr lvl="1"/>
             <a:r>
-              <a:rPr lang="de-DE" smtClean="0"/>
+              <a:rPr lang="de-DE" dirty="0" smtClean="0"/>
               <a:t>Zweite Ebene</a:t>
             </a:r>
           </a:p>
           <a:p>
             <a:pPr lvl="2"/>
             <a:r>
-              <a:rPr lang="de-DE" smtClean="0"/>
+              <a:rPr lang="de-DE" dirty="0" smtClean="0"/>
               <a:t>Dritte Ebene</a:t>
             </a:r>
           </a:p>
           <a:p>
             <a:pPr lvl="3"/>
             <a:r>
-              <a:rPr lang="de-DE" smtClean="0"/>
+              <a:rPr lang="de-DE" dirty="0" smtClean="0"/>
               <a:t>Vierte Ebene</a:t>
             </a:r>
           </a:p>
           <a:p>
             <a:pPr lvl="4"/>
             <a:r>
-              <a:rPr lang="de-DE" smtClean="0"/>
+              <a:rPr lang="de-DE" dirty="0" smtClean="0"/>
               <a:t>Fünfte Ebene</a:t>
             </a:r>
-            <a:endParaRPr lang="de-DE"/>
-          </a:p>
-        </p:txBody>
-      </p:sp>
-      <p:sp>
-        <p:nvSpPr>
-          <p:cNvPr id="4" name="Datumsplatzhalter 3"/>
+            <a:endParaRPr lang="de-DE" dirty="0"/>
+          </a:p>
+        </p:txBody>
+      </p:sp>
+      <p:sp>
+        <p:nvSpPr>
+          <p:cNvPr id="7" name="Datumsplatzhalter 6"/>
           <p:cNvSpPr>
             <a:spLocks noGrp="1"/>
           </p:cNvSpPr>
@@ -1227,18 +1434,17 @@
           <a:bodyPr/>
           <a:lstStyle/>
           <a:p>
-            <a:fld id="{1C72BD4E-61B2-40A3-A75C-5FDEDE8E5EC5}" type="datetime1">
-              <a:rPr lang="de-DE" smtClean="0"/>
-              <a:pPr/>
+            <a:fld id="{296000BE-0612-4D88-A1AC-FF1287139C2E}" type="datetime1">
+              <a:rPr lang="de-DE" smtClean="0"/>
               <a:t>17.06.2015</a:t>
             </a:fld>
-            <a:endParaRPr lang="de-DE"/>
-          </a:p>
-        </p:txBody>
-      </p:sp>
-      <p:sp>
-        <p:nvSpPr>
-          <p:cNvPr id="5" name="Fußzeilenplatzhalter 4"/>
+            <a:endParaRPr lang="de-DE" dirty="0"/>
+          </a:p>
+        </p:txBody>
+      </p:sp>
+      <p:sp>
+        <p:nvSpPr>
+          <p:cNvPr id="8" name="Fußzeilenplatzhalter 7"/>
           <p:cNvSpPr>
             <a:spLocks noGrp="1"/>
           </p:cNvSpPr>
@@ -1255,13 +1461,13 @@
               <a:rPr lang="de-DE" smtClean="0"/>
               <a:t>FM-Synthese</a:t>
             </a:r>
-            <a:endParaRPr lang="de-DE"/>
-          </a:p>
-        </p:txBody>
-      </p:sp>
-      <p:sp>
-        <p:nvSpPr>
-          <p:cNvPr id="6" name="Foliennummernplatzhalter 5"/>
+            <a:endParaRPr lang="de-DE" dirty="0"/>
+          </a:p>
+        </p:txBody>
+      </p:sp>
+      <p:sp>
+        <p:nvSpPr>
+          <p:cNvPr id="9" name="Foliennummernplatzhalter 8"/>
           <p:cNvSpPr>
             <a:spLocks noGrp="1"/>
           </p:cNvSpPr>
@@ -1274,11 +1480,14 @@
           <a:bodyPr/>
           <a:lstStyle/>
           <a:p>
-            <a:fld id="{6C6AE60A-B69C-4790-82F7-3882EDF23186}" type="slidenum">
-              <a:rPr lang="de-DE" smtClean="0"/>
-              <a:pPr/>
+            <a:fld id="{8740CB20-F870-467D-84CE-AB32061190A1}" type="slidenum">
+              <a:rPr lang="en-US" smtClean="0"/>
               <a:t>‹Nr.›</a:t>
             </a:fld>
+            <a:r>
+              <a:rPr lang="de-DE" smtClean="0"/>
+              <a:t>   </a:t>
+            </a:r>
             <a:endParaRPr lang="de-DE" dirty="0"/>
           </a:p>
         </p:txBody>
@@ -1340,10 +1549,10 @@
           </a:lstStyle>
           <a:p>
             <a:r>
-              <a:rPr lang="de-DE" smtClean="0"/>
+              <a:rPr lang="de-DE" dirty="0" smtClean="0"/>
               <a:t>Titelmasterformat durch Klicken bearbeiten</a:t>
             </a:r>
-            <a:endParaRPr lang="de-DE"/>
+            <a:endParaRPr lang="de-DE" dirty="0"/>
           </a:p>
         </p:txBody>
       </p:sp>
@@ -1460,7 +1669,7 @@
           <a:p>
             <a:pPr lvl="0"/>
             <a:r>
-              <a:rPr lang="de-DE" smtClean="0"/>
+              <a:rPr lang="de-DE" dirty="0" smtClean="0"/>
               <a:t>Textmasterformate durch Klicken bearbeiten</a:t>
             </a:r>
           </a:p>
@@ -1481,9 +1690,8 @@
           <a:bodyPr/>
           <a:lstStyle/>
           <a:p>
-            <a:fld id="{48E855D6-EEBE-45BF-8BB5-776601FA5085}" type="datetime1">
-              <a:rPr lang="de-DE" smtClean="0"/>
-              <a:pPr/>
+            <a:fld id="{C80D71F6-99A2-4718-B360-65885A8D0927}" type="datetime1">
+              <a:rPr lang="de-DE" smtClean="0"/>
               <a:t>17.06.2015</a:t>
             </a:fld>
             <a:endParaRPr lang="de-DE"/>
@@ -1585,10 +1793,10 @@
           <a:lstStyle/>
           <a:p>
             <a:r>
-              <a:rPr lang="de-DE" smtClean="0"/>
+              <a:rPr lang="de-DE" dirty="0" smtClean="0"/>
               <a:t>Titelmasterformat durch Klicken bearbeiten</a:t>
             </a:r>
-            <a:endParaRPr lang="de-DE"/>
+            <a:endParaRPr lang="de-DE" dirty="0"/>
           </a:p>
         </p:txBody>
       </p:sp>
@@ -1642,38 +1850,38 @@
           <a:p>
             <a:pPr lvl="0"/>
             <a:r>
-              <a:rPr lang="de-DE" smtClean="0"/>
+              <a:rPr lang="de-DE" dirty="0" smtClean="0"/>
               <a:t>Textmasterformate durch Klicken bearbeiten</a:t>
             </a:r>
           </a:p>
           <a:p>
             <a:pPr lvl="1"/>
             <a:r>
-              <a:rPr lang="de-DE" smtClean="0"/>
+              <a:rPr lang="de-DE" dirty="0" smtClean="0"/>
               <a:t>Zweite Ebene</a:t>
             </a:r>
           </a:p>
           <a:p>
             <a:pPr lvl="2"/>
             <a:r>
-              <a:rPr lang="de-DE" smtClean="0"/>
+              <a:rPr lang="de-DE" dirty="0" smtClean="0"/>
               <a:t>Dritte Ebene</a:t>
             </a:r>
           </a:p>
           <a:p>
             <a:pPr lvl="3"/>
             <a:r>
-              <a:rPr lang="de-DE" smtClean="0"/>
+              <a:rPr lang="de-DE" dirty="0" smtClean="0"/>
               <a:t>Vierte Ebene</a:t>
             </a:r>
           </a:p>
           <a:p>
             <a:pPr lvl="4"/>
             <a:r>
-              <a:rPr lang="de-DE" smtClean="0"/>
+              <a:rPr lang="de-DE" dirty="0" smtClean="0"/>
               <a:t>Fünfte Ebene</a:t>
             </a:r>
-            <a:endParaRPr lang="de-DE"/>
+            <a:endParaRPr lang="de-DE" dirty="0"/>
           </a:p>
         </p:txBody>
       </p:sp>
@@ -1727,38 +1935,38 @@
           <a:p>
             <a:pPr lvl="0"/>
             <a:r>
-              <a:rPr lang="de-DE" smtClean="0"/>
+              <a:rPr lang="de-DE" dirty="0" smtClean="0"/>
               <a:t>Textmasterformate durch Klicken bearbeiten</a:t>
             </a:r>
           </a:p>
           <a:p>
             <a:pPr lvl="1"/>
             <a:r>
-              <a:rPr lang="de-DE" smtClean="0"/>
+              <a:rPr lang="de-DE" dirty="0" smtClean="0"/>
               <a:t>Zweite Ebene</a:t>
             </a:r>
           </a:p>
           <a:p>
             <a:pPr lvl="2"/>
             <a:r>
-              <a:rPr lang="de-DE" smtClean="0"/>
+              <a:rPr lang="de-DE" dirty="0" smtClean="0"/>
               <a:t>Dritte Ebene</a:t>
             </a:r>
           </a:p>
           <a:p>
             <a:pPr lvl="3"/>
             <a:r>
-              <a:rPr lang="de-DE" smtClean="0"/>
+              <a:rPr lang="de-DE" dirty="0" smtClean="0"/>
               <a:t>Vierte Ebene</a:t>
             </a:r>
           </a:p>
           <a:p>
             <a:pPr lvl="4"/>
             <a:r>
-              <a:rPr lang="de-DE" smtClean="0"/>
+              <a:rPr lang="de-DE" dirty="0" smtClean="0"/>
               <a:t>Fünfte Ebene</a:t>
             </a:r>
-            <a:endParaRPr lang="de-DE"/>
+            <a:endParaRPr lang="de-DE" dirty="0"/>
           </a:p>
         </p:txBody>
       </p:sp>
@@ -1777,9 +1985,8 @@
           <a:bodyPr/>
           <a:lstStyle/>
           <a:p>
-            <a:fld id="{EF380378-A65B-4494-A5A7-886B50CB4937}" type="datetime1">
-              <a:rPr lang="de-DE" smtClean="0"/>
-              <a:pPr/>
+            <a:fld id="{29DA34F2-331A-4BAF-BC0B-E5952E369A92}" type="datetime1">
+              <a:rPr lang="de-DE" smtClean="0"/>
               <a:t>17.06.2015</a:t>
             </a:fld>
             <a:endParaRPr lang="de-DE"/>
@@ -1838,6 +2045,13 @@
   <p:clrMapOvr>
     <a:masterClrMapping/>
   </p:clrMapOvr>
+  <p:timing>
+    <p:tnLst>
+      <p:par>
+        <p:cTn id="1" dur="indefinite" restart="never" nodeType="tmRoot"/>
+      </p:par>
+    </p:tnLst>
+  </p:timing>
 </p:sldLayout>
 </file>
 
@@ -1878,10 +2092,10 @@
           </a:lstStyle>
           <a:p>
             <a:r>
-              <a:rPr lang="de-DE" smtClean="0"/>
+              <a:rPr lang="de-DE" dirty="0" smtClean="0"/>
               <a:t>Titelmasterformat durch Klicken bearbeiten</a:t>
             </a:r>
-            <a:endParaRPr lang="de-DE"/>
+            <a:endParaRPr lang="de-DE" dirty="0"/>
           </a:p>
         </p:txBody>
       </p:sp>
@@ -1944,7 +2158,7 @@
           <a:p>
             <a:pPr lvl="0"/>
             <a:r>
-              <a:rPr lang="de-DE" smtClean="0"/>
+              <a:rPr lang="de-DE" dirty="0" smtClean="0"/>
               <a:t>Textmasterformate durch Klicken bearbeiten</a:t>
             </a:r>
           </a:p>
@@ -2000,38 +2214,38 @@
           <a:p>
             <a:pPr lvl="0"/>
             <a:r>
-              <a:rPr lang="de-DE" smtClean="0"/>
+              <a:rPr lang="de-DE" dirty="0" smtClean="0"/>
               <a:t>Textmasterformate durch Klicken bearbeiten</a:t>
             </a:r>
           </a:p>
           <a:p>
             <a:pPr lvl="1"/>
             <a:r>
-              <a:rPr lang="de-DE" smtClean="0"/>
+              <a:rPr lang="de-DE" dirty="0" smtClean="0"/>
               <a:t>Zweite Ebene</a:t>
             </a:r>
           </a:p>
           <a:p>
             <a:pPr lvl="2"/>
             <a:r>
-              <a:rPr lang="de-DE" smtClean="0"/>
+              <a:rPr lang="de-DE" dirty="0" smtClean="0"/>
               <a:t>Dritte Ebene</a:t>
             </a:r>
           </a:p>
           <a:p>
             <a:pPr lvl="3"/>
             <a:r>
-              <a:rPr lang="de-DE" smtClean="0"/>
+              <a:rPr lang="de-DE" dirty="0" smtClean="0"/>
               <a:t>Vierte Ebene</a:t>
             </a:r>
           </a:p>
           <a:p>
             <a:pPr lvl="4"/>
             <a:r>
-              <a:rPr lang="de-DE" smtClean="0"/>
+              <a:rPr lang="de-DE" dirty="0" smtClean="0"/>
               <a:t>Fünfte Ebene</a:t>
             </a:r>
-            <a:endParaRPr lang="de-DE"/>
+            <a:endParaRPr lang="de-DE" dirty="0"/>
           </a:p>
         </p:txBody>
       </p:sp>
@@ -2094,7 +2308,7 @@
           <a:p>
             <a:pPr lvl="0"/>
             <a:r>
-              <a:rPr lang="de-DE" smtClean="0"/>
+              <a:rPr lang="de-DE" dirty="0" smtClean="0"/>
               <a:t>Textmasterformate durch Klicken bearbeiten</a:t>
             </a:r>
           </a:p>
@@ -2150,38 +2364,38 @@
           <a:p>
             <a:pPr lvl="0"/>
             <a:r>
-              <a:rPr lang="de-DE" smtClean="0"/>
+              <a:rPr lang="de-DE" dirty="0" smtClean="0"/>
               <a:t>Textmasterformate durch Klicken bearbeiten</a:t>
             </a:r>
           </a:p>
           <a:p>
             <a:pPr lvl="1"/>
             <a:r>
-              <a:rPr lang="de-DE" smtClean="0"/>
+              <a:rPr lang="de-DE" dirty="0" smtClean="0"/>
               <a:t>Zweite Ebene</a:t>
             </a:r>
           </a:p>
           <a:p>
             <a:pPr lvl="2"/>
             <a:r>
-              <a:rPr lang="de-DE" smtClean="0"/>
+              <a:rPr lang="de-DE" dirty="0" smtClean="0"/>
               <a:t>Dritte Ebene</a:t>
             </a:r>
           </a:p>
           <a:p>
             <a:pPr lvl="3"/>
             <a:r>
-              <a:rPr lang="de-DE" smtClean="0"/>
+              <a:rPr lang="de-DE" dirty="0" smtClean="0"/>
               <a:t>Vierte Ebene</a:t>
             </a:r>
           </a:p>
           <a:p>
             <a:pPr lvl="4"/>
             <a:r>
-              <a:rPr lang="de-DE" smtClean="0"/>
+              <a:rPr lang="de-DE" dirty="0" smtClean="0"/>
               <a:t>Fünfte Ebene</a:t>
             </a:r>
-            <a:endParaRPr lang="de-DE"/>
+            <a:endParaRPr lang="de-DE" dirty="0"/>
           </a:p>
         </p:txBody>
       </p:sp>
@@ -2200,9 +2414,8 @@
           <a:bodyPr/>
           <a:lstStyle/>
           <a:p>
-            <a:fld id="{BF9B2ACF-C63C-45AF-B5D6-56753CCBEEC7}" type="datetime1">
-              <a:rPr lang="de-DE" smtClean="0"/>
-              <a:pPr/>
+            <a:fld id="{6E10866E-AA72-4753-8ABE-452D5C085871}" type="datetime1">
+              <a:rPr lang="de-DE" smtClean="0"/>
               <a:t>17.06.2015</a:t>
             </a:fld>
             <a:endParaRPr lang="de-DE"/>
@@ -2261,6 +2474,13 @@
   <p:clrMapOvr>
     <a:masterClrMapping/>
   </p:clrMapOvr>
+  <p:timing>
+    <p:tnLst>
+      <p:par>
+        <p:cTn id="1" dur="indefinite" restart="never" nodeType="tmRoot"/>
+      </p:par>
+    </p:tnLst>
+  </p:timing>
 </p:sldLayout>
 </file>
 
@@ -2297,10 +2517,10 @@
           <a:lstStyle/>
           <a:p>
             <a:r>
-              <a:rPr lang="de-DE" smtClean="0"/>
+              <a:rPr lang="de-DE" dirty="0" smtClean="0"/>
               <a:t>Titelmasterformat durch Klicken bearbeiten</a:t>
             </a:r>
-            <a:endParaRPr lang="de-DE"/>
+            <a:endParaRPr lang="de-DE" dirty="0"/>
           </a:p>
         </p:txBody>
       </p:sp>
@@ -2319,9 +2539,8 @@
           <a:bodyPr/>
           <a:lstStyle/>
           <a:p>
-            <a:fld id="{782C60A8-75F3-45EE-8F68-824804B9A36B}" type="datetime1">
-              <a:rPr lang="de-DE" smtClean="0"/>
-              <a:pPr/>
+            <a:fld id="{A782DF66-3609-46AF-9A5C-DF0EDD34A7DB}" type="datetime1">
+              <a:rPr lang="de-DE" smtClean="0"/>
               <a:t>17.06.2015</a:t>
             </a:fld>
             <a:endParaRPr lang="de-DE"/>
@@ -2415,9 +2634,8 @@
           <a:bodyPr/>
           <a:lstStyle/>
           <a:p>
-            <a:fld id="{AC76AE4E-B847-44C0-9E80-FADAC514238D}" type="datetime1">
-              <a:rPr lang="de-DE" smtClean="0"/>
-              <a:pPr/>
+            <a:fld id="{D9A33BE7-191D-4D84-96A8-D32FBF7D1E60}" type="datetime1">
+              <a:rPr lang="de-DE" smtClean="0"/>
               <a:t>17.06.2015</a:t>
             </a:fld>
             <a:endParaRPr lang="de-DE"/>
@@ -2521,10 +2739,10 @@
           </a:lstStyle>
           <a:p>
             <a:r>
-              <a:rPr lang="de-DE" smtClean="0"/>
+              <a:rPr lang="de-DE" dirty="0" smtClean="0"/>
               <a:t>Titelmasterformat durch Klicken bearbeiten</a:t>
             </a:r>
-            <a:endParaRPr lang="de-DE"/>
+            <a:endParaRPr lang="de-DE" dirty="0"/>
           </a:p>
         </p:txBody>
       </p:sp>
@@ -2578,38 +2796,38 @@
           <a:p>
             <a:pPr lvl="0"/>
             <a:r>
-              <a:rPr lang="de-DE" smtClean="0"/>
+              <a:rPr lang="de-DE" dirty="0" smtClean="0"/>
               <a:t>Textmasterformate durch Klicken bearbeiten</a:t>
             </a:r>
           </a:p>
           <a:p>
             <a:pPr lvl="1"/>
             <a:r>
-              <a:rPr lang="de-DE" smtClean="0"/>
+              <a:rPr lang="de-DE" dirty="0" smtClean="0"/>
               <a:t>Zweite Ebene</a:t>
             </a:r>
           </a:p>
           <a:p>
             <a:pPr lvl="2"/>
             <a:r>
-              <a:rPr lang="de-DE" smtClean="0"/>
+              <a:rPr lang="de-DE" dirty="0" smtClean="0"/>
               <a:t>Dritte Ebene</a:t>
             </a:r>
           </a:p>
           <a:p>
             <a:pPr lvl="3"/>
             <a:r>
-              <a:rPr lang="de-DE" smtClean="0"/>
+              <a:rPr lang="de-DE" dirty="0" smtClean="0"/>
               <a:t>Vierte Ebene</a:t>
             </a:r>
           </a:p>
           <a:p>
             <a:pPr lvl="4"/>
             <a:r>
-              <a:rPr lang="de-DE" smtClean="0"/>
+              <a:rPr lang="de-DE" dirty="0" smtClean="0"/>
               <a:t>Fünfte Ebene</a:t>
             </a:r>
-            <a:endParaRPr lang="de-DE"/>
+            <a:endParaRPr lang="de-DE" dirty="0"/>
           </a:p>
         </p:txBody>
       </p:sp>
@@ -2672,7 +2890,7 @@
           <a:p>
             <a:pPr lvl="0"/>
             <a:r>
-              <a:rPr lang="de-DE" smtClean="0"/>
+              <a:rPr lang="de-DE" dirty="0" smtClean="0"/>
               <a:t>Textmasterformate durch Klicken bearbeiten</a:t>
             </a:r>
           </a:p>
@@ -2693,9 +2911,8 @@
           <a:bodyPr/>
           <a:lstStyle/>
           <a:p>
-            <a:fld id="{93EB1BC4-DA1F-4C44-8E36-1B9FD72AD58E}" type="datetime1">
-              <a:rPr lang="de-DE" smtClean="0"/>
-              <a:pPr/>
+            <a:fld id="{B525E46A-CAE0-47F8-9D57-934823E6F137}" type="datetime1">
+              <a:rPr lang="de-DE" smtClean="0"/>
               <a:t>17.06.2015</a:t>
             </a:fld>
             <a:endParaRPr lang="de-DE"/>
@@ -2947,9 +3164,8 @@
           <a:bodyPr/>
           <a:lstStyle/>
           <a:p>
-            <a:fld id="{E23DD280-69E3-4A3C-8762-77BE68C0FDBF}" type="datetime1">
-              <a:rPr lang="de-DE" smtClean="0"/>
-              <a:pPr/>
+            <a:fld id="{A77F82AC-1FA4-4A3F-9E15-2C049775FF58}" type="datetime1">
+              <a:rPr lang="de-DE" smtClean="0"/>
               <a:t>17.06.2015</a:t>
             </a:fld>
             <a:endParaRPr lang="de-DE"/>
@@ -3161,9 +3377,8 @@
             </a:lvl1pPr>
           </a:lstStyle>
           <a:p>
-            <a:fld id="{A1830189-BAB1-4688-8766-4D2AC2DF7C33}" type="datetime1">
-              <a:rPr lang="de-DE" smtClean="0"/>
-              <a:pPr/>
+            <a:fld id="{296000BE-0612-4D88-A1AC-FF1287139C2E}" type="datetime1">
+              <a:rPr lang="de-DE" smtClean="0"/>
               <a:t>17.06.2015</a:t>
             </a:fld>
             <a:endParaRPr lang="de-DE" dirty="0"/>
@@ -3265,17 +3480,15 @@
           </p:cNvPicPr>
           <p:nvPr userDrawn="1"/>
         </p:nvPicPr>
-        <p:blipFill>
+        <p:blipFill rotWithShape="1">
           <a:blip r:embed="rId13" cstate="print"/>
-          <a:srcRect r="9219"/>
-          <a:stretch>
-            <a:fillRect/>
-          </a:stretch>
+          <a:srcRect l="-1" r="32962"/>
+          <a:stretch/>
         </p:blipFill>
         <p:spPr bwMode="auto">
           <a:xfrm>
             <a:off x="0" y="4160995"/>
-            <a:ext cx="12529392" cy="918071"/>
+            <a:ext cx="9252520" cy="918071"/>
           </a:xfrm>
           <a:prstGeom prst="rect">
             <a:avLst/>
@@ -3346,7 +3559,7 @@
         </a:spcBef>
         <a:buFont typeface="Arial" pitchFamily="34" charset="0"/>
         <a:buChar char="–"/>
-        <a:defRPr sz="2200" kern="1200">
+        <a:defRPr sz="2000" kern="1200">
           <a:solidFill>
             <a:schemeClr val="tx1"/>
           </a:solidFill>
@@ -3361,7 +3574,7 @@
         </a:spcBef>
         <a:buFont typeface="Arial" pitchFamily="34" charset="0"/>
         <a:buChar char="•"/>
-        <a:defRPr sz="1800" kern="1200">
+        <a:defRPr sz="1600" kern="1200">
           <a:solidFill>
             <a:schemeClr val="tx1"/>
           </a:solidFill>
@@ -3376,7 +3589,7 @@
         </a:spcBef>
         <a:buFont typeface="Arial" pitchFamily="34" charset="0"/>
         <a:buChar char="–"/>
-        <a:defRPr sz="2000" kern="1200">
+        <a:defRPr sz="1400" kern="1200">
           <a:solidFill>
             <a:schemeClr val="tx1"/>
           </a:solidFill>
@@ -3391,7 +3604,7 @@
         </a:spcBef>
         <a:buFont typeface="Arial" pitchFamily="34" charset="0"/>
         <a:buChar char="»"/>
-        <a:defRPr sz="2000" kern="1200">
+        <a:defRPr sz="1400" kern="1200">
           <a:solidFill>
             <a:schemeClr val="tx1"/>
           </a:solidFill>
@@ -3579,6 +3792,94 @@
       </p:grpSpPr>
       <p:sp>
         <p:nvSpPr>
+          <p:cNvPr id="16" name="Untertitel 15"/>
+          <p:cNvSpPr>
+            <a:spLocks noGrp="1"/>
+          </p:cNvSpPr>
+          <p:nvPr>
+            <p:ph type="subTitle" idx="1"/>
+          </p:nvPr>
+        </p:nvSpPr>
+        <p:spPr/>
+        <p:txBody>
+          <a:bodyPr/>
+          <a:lstStyle/>
+          <a:p>
+            <a:r>
+              <a:rPr lang="de-DE" dirty="0" smtClean="0"/>
+              <a:t>Stefan Gerasch</a:t>
+            </a:r>
+            <a:endParaRPr lang="en-US" dirty="0"/>
+          </a:p>
+        </p:txBody>
+      </p:sp>
+      <p:sp>
+        <p:nvSpPr>
+          <p:cNvPr id="15" name="Titel 14"/>
+          <p:cNvSpPr>
+            <a:spLocks noGrp="1"/>
+          </p:cNvSpPr>
+          <p:nvPr>
+            <p:ph type="title"/>
+          </p:nvPr>
+        </p:nvSpPr>
+        <p:spPr>
+          <a:xfrm>
+            <a:off x="457200" y="1779662"/>
+            <a:ext cx="8229600" cy="857250"/>
+          </a:xfrm>
+        </p:spPr>
+        <p:txBody>
+          <a:bodyPr/>
+          <a:lstStyle/>
+          <a:p>
+            <a:r>
+              <a:rPr lang="de-DE" dirty="0" smtClean="0"/>
+              <a:t>Praktische Anwendung der FM-Synthese</a:t>
+            </a:r>
+            <a:endParaRPr lang="en-US" dirty="0"/>
+          </a:p>
+        </p:txBody>
+      </p:sp>
+    </p:spTree>
+    <p:extLst>
+      <p:ext uri="{BB962C8B-B14F-4D97-AF65-F5344CB8AC3E}">
+        <p14:creationId xmlns:p14="http://schemas.microsoft.com/office/powerpoint/2010/main" val="2108295798"/>
+      </p:ext>
+    </p:extLst>
+  </p:cSld>
+  <p:clrMapOvr>
+    <a:masterClrMapping/>
+  </p:clrMapOvr>
+  <p:timing>
+    <p:tnLst>
+      <p:par>
+        <p:cTn id="1" dur="indefinite" restart="never" nodeType="tmRoot"/>
+      </p:par>
+    </p:tnLst>
+  </p:timing>
+</p:sld>
+</file>
+
+<file path=ppt/slides/slide10.xml><?xml version="1.0" encoding="utf-8"?>
+<p:sld xmlns:a="http://schemas.openxmlformats.org/drawingml/2006/main" xmlns:r="http://schemas.openxmlformats.org/officeDocument/2006/relationships" xmlns:p="http://schemas.openxmlformats.org/presentationml/2006/main">
+  <p:cSld>
+    <p:spTree>
+      <p:nvGrpSpPr>
+        <p:cNvPr id="1" name=""/>
+        <p:cNvGrpSpPr/>
+        <p:nvPr/>
+      </p:nvGrpSpPr>
+      <p:grpSpPr>
+        <a:xfrm>
+          <a:off x="0" y="0"/>
+          <a:ext cx="0" cy="0"/>
+          <a:chOff x="0" y="0"/>
+          <a:chExt cx="0" cy="0"/>
+        </a:xfrm>
+      </p:grpSpPr>
+      <p:sp>
+        <p:nvSpPr>
           <p:cNvPr id="2" name="Titel 1"/>
           <p:cNvSpPr>
             <a:spLocks noGrp="1"/>
@@ -3594,7 +3895,30 @@
           <a:p>
             <a:r>
               <a:rPr lang="de-DE" dirty="0" smtClean="0"/>
-              <a:t>Gliederung</a:t>
+              <a:t>Filter</a:t>
+            </a:r>
+            <a:endParaRPr lang="en-US" dirty="0"/>
+          </a:p>
+        </p:txBody>
+      </p:sp>
+      <p:sp>
+        <p:nvSpPr>
+          <p:cNvPr id="3" name="Inhaltsplatzhalter 2"/>
+          <p:cNvSpPr>
+            <a:spLocks noGrp="1"/>
+          </p:cNvSpPr>
+          <p:nvPr>
+            <p:ph idx="1"/>
+          </p:nvPr>
+        </p:nvSpPr>
+        <p:spPr/>
+        <p:txBody>
+          <a:bodyPr/>
+          <a:lstStyle/>
+          <a:p>
+            <a:r>
+              <a:rPr lang="de-DE" dirty="0" err="1" smtClean="0"/>
+              <a:t>Hochpass</a:t>
             </a:r>
             <a:endParaRPr lang="de-DE" dirty="0"/>
           </a:p>
@@ -3602,41 +3926,6 @@
       </p:sp>
       <p:sp>
         <p:nvSpPr>
-          <p:cNvPr id="3" name="Inhaltsplatzhalter 2"/>
-          <p:cNvSpPr>
-            <a:spLocks noGrp="1"/>
-          </p:cNvSpPr>
-          <p:nvPr>
-            <p:ph idx="1"/>
-          </p:nvPr>
-        </p:nvSpPr>
-        <p:spPr/>
-        <p:txBody>
-          <a:bodyPr/>
-          <a:lstStyle/>
-          <a:p>
-            <a:r>
-              <a:rPr lang="de-DE" dirty="0" smtClean="0"/>
-              <a:t>Methoden zur Generierung eines Instrumententones mittels FM-Synthese</a:t>
-            </a:r>
-          </a:p>
-          <a:p>
-            <a:r>
-              <a:rPr lang="de-DE" dirty="0" smtClean="0"/>
-              <a:t>Nachbildung eines Tones einer Querflöte mittels FM-Synthese in Matlab</a:t>
-            </a:r>
-          </a:p>
-          <a:p>
-            <a:r>
-              <a:rPr lang="de-DE" dirty="0" smtClean="0"/>
-              <a:t>Modulationsframework</a:t>
-            </a:r>
-            <a:endParaRPr lang="de-DE" dirty="0"/>
-          </a:p>
-        </p:txBody>
-      </p:sp>
-      <p:sp>
-        <p:nvSpPr>
           <p:cNvPr id="4" name="Datumsplatzhalter 3"/>
           <p:cNvSpPr>
             <a:spLocks noGrp="1"/>
@@ -3650,12 +3939,11 @@
           <a:bodyPr/>
           <a:lstStyle/>
           <a:p>
-            <a:fld id="{1C72BD4E-61B2-40A3-A75C-5FDEDE8E5EC5}" type="datetime1">
-              <a:rPr lang="de-DE" smtClean="0"/>
-              <a:pPr/>
+            <a:fld id="{296000BE-0612-4D88-A1AC-FF1287139C2E}" type="datetime1">
+              <a:rPr lang="de-DE" smtClean="0"/>
               <a:t>17.06.2015</a:t>
             </a:fld>
-            <a:endParaRPr lang="de-DE"/>
+            <a:endParaRPr lang="de-DE" dirty="0"/>
           </a:p>
         </p:txBody>
       </p:sp>
@@ -3678,7 +3966,7 @@
               <a:rPr lang="de-DE" smtClean="0"/>
               <a:t>FM-Synthese</a:t>
             </a:r>
-            <a:endParaRPr lang="de-DE"/>
+            <a:endParaRPr lang="de-DE" dirty="0"/>
           </a:p>
         </p:txBody>
       </p:sp>
@@ -3697,16 +3985,1709 @@
           <a:bodyPr/>
           <a:lstStyle/>
           <a:p>
-            <a:fld id="{6C6AE60A-B69C-4790-82F7-3882EDF23186}" type="slidenum">
-              <a:rPr lang="de-DE" smtClean="0"/>
-              <a:pPr/>
-              <a:t>1</a:t>
+            <a:fld id="{8740CB20-F870-467D-84CE-AB32061190A1}" type="slidenum">
+              <a:rPr lang="en-US" smtClean="0"/>
+              <a:t>10</a:t>
+            </a:fld>
+            <a:r>
+              <a:rPr lang="de-DE" smtClean="0"/>
+              <a:t>   </a:t>
+            </a:r>
+            <a:endParaRPr lang="de-DE" dirty="0"/>
+          </a:p>
+        </p:txBody>
+      </p:sp>
+      <p:pic>
+        <p:nvPicPr>
+          <p:cNvPr id="7" name="Grafik 6"/>
+          <p:cNvPicPr>
+            <a:picLocks noChangeAspect="1"/>
+          </p:cNvPicPr>
+          <p:nvPr/>
+        </p:nvPicPr>
+        <p:blipFill>
+          <a:blip r:embed="rId2">
+            <a:extLst>
+              <a:ext uri="{28A0092B-C50C-407E-A947-70E740481C1C}">
+                <a14:useLocalDpi xmlns:a14="http://schemas.microsoft.com/office/drawing/2010/main" val="0"/>
+              </a:ext>
+            </a:extLst>
+          </a:blip>
+          <a:stretch>
+            <a:fillRect/>
+          </a:stretch>
+        </p:blipFill>
+        <p:spPr>
+          <a:xfrm>
+            <a:off x="650362" y="1923678"/>
+            <a:ext cx="7843275" cy="2376263"/>
+          </a:xfrm>
+          <a:prstGeom prst="rect">
+            <a:avLst/>
+          </a:prstGeom>
+        </p:spPr>
+      </p:pic>
+    </p:spTree>
+    <p:extLst>
+      <p:ext uri="{BB962C8B-B14F-4D97-AF65-F5344CB8AC3E}">
+        <p14:creationId xmlns:p14="http://schemas.microsoft.com/office/powerpoint/2010/main" val="3406687946"/>
+      </p:ext>
+    </p:extLst>
+  </p:cSld>
+  <p:clrMapOvr>
+    <a:masterClrMapping/>
+  </p:clrMapOvr>
+  <p:timing>
+    <p:tnLst>
+      <p:par>
+        <p:cTn id="1" dur="indefinite" restart="never" nodeType="tmRoot"/>
+      </p:par>
+    </p:tnLst>
+  </p:timing>
+</p:sld>
+</file>
+
+<file path=ppt/slides/slide11.xml><?xml version="1.0" encoding="utf-8"?>
+<p:sld xmlns:a="http://schemas.openxmlformats.org/drawingml/2006/main" xmlns:r="http://schemas.openxmlformats.org/officeDocument/2006/relationships" xmlns:p="http://schemas.openxmlformats.org/presentationml/2006/main">
+  <p:cSld>
+    <p:spTree>
+      <p:nvGrpSpPr>
+        <p:cNvPr id="1" name=""/>
+        <p:cNvGrpSpPr/>
+        <p:nvPr/>
+      </p:nvGrpSpPr>
+      <p:grpSpPr>
+        <a:xfrm>
+          <a:off x="0" y="0"/>
+          <a:ext cx="0" cy="0"/>
+          <a:chOff x="0" y="0"/>
+          <a:chExt cx="0" cy="0"/>
+        </a:xfrm>
+      </p:grpSpPr>
+      <p:sp>
+        <p:nvSpPr>
+          <p:cNvPr id="2" name="Titel 1"/>
+          <p:cNvSpPr>
+            <a:spLocks noGrp="1"/>
+          </p:cNvSpPr>
+          <p:nvPr>
+            <p:ph type="title"/>
+          </p:nvPr>
+        </p:nvSpPr>
+        <p:spPr/>
+        <p:txBody>
+          <a:bodyPr/>
+          <a:lstStyle/>
+          <a:p>
+            <a:r>
+              <a:rPr lang="de-DE" dirty="0" smtClean="0"/>
+              <a:t>Filter</a:t>
+            </a:r>
+            <a:endParaRPr lang="en-US" dirty="0"/>
+          </a:p>
+        </p:txBody>
+      </p:sp>
+      <p:sp>
+        <p:nvSpPr>
+          <p:cNvPr id="3" name="Inhaltsplatzhalter 2"/>
+          <p:cNvSpPr>
+            <a:spLocks noGrp="1"/>
+          </p:cNvSpPr>
+          <p:nvPr>
+            <p:ph idx="1"/>
+          </p:nvPr>
+        </p:nvSpPr>
+        <p:spPr/>
+        <p:txBody>
+          <a:bodyPr/>
+          <a:lstStyle/>
+          <a:p>
+            <a:r>
+              <a:rPr lang="de-DE" dirty="0" smtClean="0"/>
+              <a:t>Tiefpass</a:t>
+            </a:r>
+            <a:endParaRPr lang="de-DE" dirty="0"/>
+          </a:p>
+        </p:txBody>
+      </p:sp>
+      <p:sp>
+        <p:nvSpPr>
+          <p:cNvPr id="4" name="Datumsplatzhalter 3"/>
+          <p:cNvSpPr>
+            <a:spLocks noGrp="1"/>
+          </p:cNvSpPr>
+          <p:nvPr>
+            <p:ph type="dt" sz="half" idx="10"/>
+          </p:nvPr>
+        </p:nvSpPr>
+        <p:spPr/>
+        <p:txBody>
+          <a:bodyPr/>
+          <a:lstStyle/>
+          <a:p>
+            <a:fld id="{296000BE-0612-4D88-A1AC-FF1287139C2E}" type="datetime1">
+              <a:rPr lang="de-DE" smtClean="0"/>
+              <a:t>17.06.2015</a:t>
             </a:fld>
             <a:endParaRPr lang="de-DE" dirty="0"/>
           </a:p>
         </p:txBody>
       </p:sp>
+      <p:sp>
+        <p:nvSpPr>
+          <p:cNvPr id="5" name="Fußzeilenplatzhalter 4"/>
+          <p:cNvSpPr>
+            <a:spLocks noGrp="1"/>
+          </p:cNvSpPr>
+          <p:nvPr>
+            <p:ph type="ftr" sz="quarter" idx="11"/>
+          </p:nvPr>
+        </p:nvSpPr>
+        <p:spPr/>
+        <p:txBody>
+          <a:bodyPr/>
+          <a:lstStyle/>
+          <a:p>
+            <a:r>
+              <a:rPr lang="de-DE" smtClean="0"/>
+              <a:t>FM-Synthese</a:t>
+            </a:r>
+            <a:endParaRPr lang="de-DE" dirty="0"/>
+          </a:p>
+        </p:txBody>
+      </p:sp>
+      <p:sp>
+        <p:nvSpPr>
+          <p:cNvPr id="6" name="Foliennummernplatzhalter 5"/>
+          <p:cNvSpPr>
+            <a:spLocks noGrp="1"/>
+          </p:cNvSpPr>
+          <p:nvPr>
+            <p:ph type="sldNum" sz="quarter" idx="12"/>
+          </p:nvPr>
+        </p:nvSpPr>
+        <p:spPr/>
+        <p:txBody>
+          <a:bodyPr/>
+          <a:lstStyle/>
+          <a:p>
+            <a:fld id="{8740CB20-F870-467D-84CE-AB32061190A1}" type="slidenum">
+              <a:rPr lang="en-US" smtClean="0"/>
+              <a:t>11</a:t>
+            </a:fld>
+            <a:r>
+              <a:rPr lang="de-DE" smtClean="0"/>
+              <a:t>   </a:t>
+            </a:r>
+            <a:endParaRPr lang="de-DE" dirty="0"/>
+          </a:p>
+        </p:txBody>
+      </p:sp>
+      <p:pic>
+        <p:nvPicPr>
+          <p:cNvPr id="7" name="Grafik 6"/>
+          <p:cNvPicPr>
+            <a:picLocks noChangeAspect="1"/>
+          </p:cNvPicPr>
+          <p:nvPr/>
+        </p:nvPicPr>
+        <p:blipFill>
+          <a:blip r:embed="rId2">
+            <a:extLst>
+              <a:ext uri="{28A0092B-C50C-407E-A947-70E740481C1C}">
+                <a14:useLocalDpi xmlns:a14="http://schemas.microsoft.com/office/drawing/2010/main" val="0"/>
+              </a:ext>
+            </a:extLst>
+          </a:blip>
+          <a:stretch>
+            <a:fillRect/>
+          </a:stretch>
+        </p:blipFill>
+        <p:spPr>
+          <a:xfrm>
+            <a:off x="650362" y="1923678"/>
+            <a:ext cx="7843275" cy="2376263"/>
+          </a:xfrm>
+          <a:prstGeom prst="rect">
+            <a:avLst/>
+          </a:prstGeom>
+        </p:spPr>
+      </p:pic>
     </p:spTree>
+    <p:extLst>
+      <p:ext uri="{BB962C8B-B14F-4D97-AF65-F5344CB8AC3E}">
+        <p14:creationId xmlns:p14="http://schemas.microsoft.com/office/powerpoint/2010/main" val="3536602094"/>
+      </p:ext>
+    </p:extLst>
+  </p:cSld>
+  <p:clrMapOvr>
+    <a:masterClrMapping/>
+  </p:clrMapOvr>
+  <p:timing>
+    <p:tnLst>
+      <p:par>
+        <p:cTn id="1" dur="indefinite" restart="never" nodeType="tmRoot"/>
+      </p:par>
+    </p:tnLst>
+  </p:timing>
+</p:sld>
+</file>
+
+<file path=ppt/slides/slide12.xml><?xml version="1.0" encoding="utf-8"?>
+<p:sld xmlns:a="http://schemas.openxmlformats.org/drawingml/2006/main" xmlns:r="http://schemas.openxmlformats.org/officeDocument/2006/relationships" xmlns:p="http://schemas.openxmlformats.org/presentationml/2006/main">
+  <p:cSld>
+    <p:spTree>
+      <p:nvGrpSpPr>
+        <p:cNvPr id="1" name=""/>
+        <p:cNvGrpSpPr/>
+        <p:nvPr/>
+      </p:nvGrpSpPr>
+      <p:grpSpPr>
+        <a:xfrm>
+          <a:off x="0" y="0"/>
+          <a:ext cx="0" cy="0"/>
+          <a:chOff x="0" y="0"/>
+          <a:chExt cx="0" cy="0"/>
+        </a:xfrm>
+      </p:grpSpPr>
+      <p:sp>
+        <p:nvSpPr>
+          <p:cNvPr id="2" name="Titel 1"/>
+          <p:cNvSpPr>
+            <a:spLocks noGrp="1"/>
+          </p:cNvSpPr>
+          <p:nvPr>
+            <p:ph type="title"/>
+          </p:nvPr>
+        </p:nvSpPr>
+        <p:spPr/>
+        <p:txBody>
+          <a:bodyPr/>
+          <a:lstStyle/>
+          <a:p>
+            <a:r>
+              <a:rPr lang="de-DE" dirty="0" smtClean="0"/>
+              <a:t>Filter</a:t>
+            </a:r>
+            <a:endParaRPr lang="en-US" dirty="0"/>
+          </a:p>
+        </p:txBody>
+      </p:sp>
+      <p:sp>
+        <p:nvSpPr>
+          <p:cNvPr id="3" name="Inhaltsplatzhalter 2"/>
+          <p:cNvSpPr>
+            <a:spLocks noGrp="1"/>
+          </p:cNvSpPr>
+          <p:nvPr>
+            <p:ph idx="1"/>
+          </p:nvPr>
+        </p:nvSpPr>
+        <p:spPr/>
+        <p:txBody>
+          <a:bodyPr/>
+          <a:lstStyle/>
+          <a:p>
+            <a:r>
+              <a:rPr lang="de-DE" dirty="0" smtClean="0"/>
+              <a:t>Bandpass</a:t>
+            </a:r>
+            <a:endParaRPr lang="de-DE" dirty="0"/>
+          </a:p>
+        </p:txBody>
+      </p:sp>
+      <p:sp>
+        <p:nvSpPr>
+          <p:cNvPr id="4" name="Datumsplatzhalter 3"/>
+          <p:cNvSpPr>
+            <a:spLocks noGrp="1"/>
+          </p:cNvSpPr>
+          <p:nvPr>
+            <p:ph type="dt" sz="half" idx="10"/>
+          </p:nvPr>
+        </p:nvSpPr>
+        <p:spPr/>
+        <p:txBody>
+          <a:bodyPr/>
+          <a:lstStyle/>
+          <a:p>
+            <a:fld id="{296000BE-0612-4D88-A1AC-FF1287139C2E}" type="datetime1">
+              <a:rPr lang="de-DE" smtClean="0"/>
+              <a:t>17.06.2015</a:t>
+            </a:fld>
+            <a:endParaRPr lang="de-DE" dirty="0"/>
+          </a:p>
+        </p:txBody>
+      </p:sp>
+      <p:sp>
+        <p:nvSpPr>
+          <p:cNvPr id="5" name="Fußzeilenplatzhalter 4"/>
+          <p:cNvSpPr>
+            <a:spLocks noGrp="1"/>
+          </p:cNvSpPr>
+          <p:nvPr>
+            <p:ph type="ftr" sz="quarter" idx="11"/>
+          </p:nvPr>
+        </p:nvSpPr>
+        <p:spPr/>
+        <p:txBody>
+          <a:bodyPr/>
+          <a:lstStyle/>
+          <a:p>
+            <a:r>
+              <a:rPr lang="de-DE" smtClean="0"/>
+              <a:t>FM-Synthese</a:t>
+            </a:r>
+            <a:endParaRPr lang="de-DE" dirty="0"/>
+          </a:p>
+        </p:txBody>
+      </p:sp>
+      <p:sp>
+        <p:nvSpPr>
+          <p:cNvPr id="6" name="Foliennummernplatzhalter 5"/>
+          <p:cNvSpPr>
+            <a:spLocks noGrp="1"/>
+          </p:cNvSpPr>
+          <p:nvPr>
+            <p:ph type="sldNum" sz="quarter" idx="12"/>
+          </p:nvPr>
+        </p:nvSpPr>
+        <p:spPr/>
+        <p:txBody>
+          <a:bodyPr/>
+          <a:lstStyle/>
+          <a:p>
+            <a:fld id="{8740CB20-F870-467D-84CE-AB32061190A1}" type="slidenum">
+              <a:rPr lang="en-US" smtClean="0"/>
+              <a:t>12</a:t>
+            </a:fld>
+            <a:r>
+              <a:rPr lang="de-DE" smtClean="0"/>
+              <a:t>   </a:t>
+            </a:r>
+            <a:endParaRPr lang="de-DE" dirty="0"/>
+          </a:p>
+        </p:txBody>
+      </p:sp>
+      <p:pic>
+        <p:nvPicPr>
+          <p:cNvPr id="7" name="Grafik 6"/>
+          <p:cNvPicPr>
+            <a:picLocks noChangeAspect="1"/>
+          </p:cNvPicPr>
+          <p:nvPr/>
+        </p:nvPicPr>
+        <p:blipFill>
+          <a:blip r:embed="rId2">
+            <a:extLst>
+              <a:ext uri="{28A0092B-C50C-407E-A947-70E740481C1C}">
+                <a14:useLocalDpi xmlns:a14="http://schemas.microsoft.com/office/drawing/2010/main" val="0"/>
+              </a:ext>
+            </a:extLst>
+          </a:blip>
+          <a:stretch>
+            <a:fillRect/>
+          </a:stretch>
+        </p:blipFill>
+        <p:spPr>
+          <a:xfrm>
+            <a:off x="650363" y="1923678"/>
+            <a:ext cx="7843272" cy="2376263"/>
+          </a:xfrm>
+          <a:prstGeom prst="rect">
+            <a:avLst/>
+          </a:prstGeom>
+        </p:spPr>
+      </p:pic>
+    </p:spTree>
+    <p:extLst>
+      <p:ext uri="{BB962C8B-B14F-4D97-AF65-F5344CB8AC3E}">
+        <p14:creationId xmlns:p14="http://schemas.microsoft.com/office/powerpoint/2010/main" val="2121110781"/>
+      </p:ext>
+    </p:extLst>
+  </p:cSld>
+  <p:clrMapOvr>
+    <a:masterClrMapping/>
+  </p:clrMapOvr>
+  <p:timing>
+    <p:tnLst>
+      <p:par>
+        <p:cTn id="1" dur="indefinite" restart="never" nodeType="tmRoot"/>
+      </p:par>
+    </p:tnLst>
+  </p:timing>
+</p:sld>
+</file>
+
+<file path=ppt/slides/slide13.xml><?xml version="1.0" encoding="utf-8"?>
+<p:sld xmlns:a="http://schemas.openxmlformats.org/drawingml/2006/main" xmlns:r="http://schemas.openxmlformats.org/officeDocument/2006/relationships" xmlns:p="http://schemas.openxmlformats.org/presentationml/2006/main">
+  <p:cSld>
+    <p:spTree>
+      <p:nvGrpSpPr>
+        <p:cNvPr id="1" name=""/>
+        <p:cNvGrpSpPr/>
+        <p:nvPr/>
+      </p:nvGrpSpPr>
+      <p:grpSpPr>
+        <a:xfrm>
+          <a:off x="0" y="0"/>
+          <a:ext cx="0" cy="0"/>
+          <a:chOff x="0" y="0"/>
+          <a:chExt cx="0" cy="0"/>
+        </a:xfrm>
+      </p:grpSpPr>
+      <p:sp>
+        <p:nvSpPr>
+          <p:cNvPr id="2" name="Titel 1"/>
+          <p:cNvSpPr>
+            <a:spLocks noGrp="1"/>
+          </p:cNvSpPr>
+          <p:nvPr>
+            <p:ph type="title"/>
+          </p:nvPr>
+        </p:nvSpPr>
+        <p:spPr/>
+        <p:txBody>
+          <a:bodyPr/>
+          <a:lstStyle/>
+          <a:p>
+            <a:r>
+              <a:rPr lang="de-DE" dirty="0" smtClean="0"/>
+              <a:t>Filter</a:t>
+            </a:r>
+            <a:endParaRPr lang="en-US" dirty="0"/>
+          </a:p>
+        </p:txBody>
+      </p:sp>
+      <p:sp>
+        <p:nvSpPr>
+          <p:cNvPr id="3" name="Inhaltsplatzhalter 2"/>
+          <p:cNvSpPr>
+            <a:spLocks noGrp="1"/>
+          </p:cNvSpPr>
+          <p:nvPr>
+            <p:ph idx="1"/>
+          </p:nvPr>
+        </p:nvSpPr>
+        <p:spPr/>
+        <p:txBody>
+          <a:bodyPr/>
+          <a:lstStyle/>
+          <a:p>
+            <a:r>
+              <a:rPr lang="de-DE" dirty="0" smtClean="0"/>
+              <a:t>Bandsperre</a:t>
+            </a:r>
+            <a:endParaRPr lang="de-DE" dirty="0"/>
+          </a:p>
+        </p:txBody>
+      </p:sp>
+      <p:sp>
+        <p:nvSpPr>
+          <p:cNvPr id="4" name="Datumsplatzhalter 3"/>
+          <p:cNvSpPr>
+            <a:spLocks noGrp="1"/>
+          </p:cNvSpPr>
+          <p:nvPr>
+            <p:ph type="dt" sz="half" idx="10"/>
+          </p:nvPr>
+        </p:nvSpPr>
+        <p:spPr/>
+        <p:txBody>
+          <a:bodyPr/>
+          <a:lstStyle/>
+          <a:p>
+            <a:fld id="{296000BE-0612-4D88-A1AC-FF1287139C2E}" type="datetime1">
+              <a:rPr lang="de-DE" smtClean="0"/>
+              <a:t>17.06.2015</a:t>
+            </a:fld>
+            <a:endParaRPr lang="de-DE" dirty="0"/>
+          </a:p>
+        </p:txBody>
+      </p:sp>
+      <p:sp>
+        <p:nvSpPr>
+          <p:cNvPr id="5" name="Fußzeilenplatzhalter 4"/>
+          <p:cNvSpPr>
+            <a:spLocks noGrp="1"/>
+          </p:cNvSpPr>
+          <p:nvPr>
+            <p:ph type="ftr" sz="quarter" idx="11"/>
+          </p:nvPr>
+        </p:nvSpPr>
+        <p:spPr/>
+        <p:txBody>
+          <a:bodyPr/>
+          <a:lstStyle/>
+          <a:p>
+            <a:r>
+              <a:rPr lang="de-DE" smtClean="0"/>
+              <a:t>FM-Synthese</a:t>
+            </a:r>
+            <a:endParaRPr lang="de-DE" dirty="0"/>
+          </a:p>
+        </p:txBody>
+      </p:sp>
+      <p:sp>
+        <p:nvSpPr>
+          <p:cNvPr id="6" name="Foliennummernplatzhalter 5"/>
+          <p:cNvSpPr>
+            <a:spLocks noGrp="1"/>
+          </p:cNvSpPr>
+          <p:nvPr>
+            <p:ph type="sldNum" sz="quarter" idx="12"/>
+          </p:nvPr>
+        </p:nvSpPr>
+        <p:spPr/>
+        <p:txBody>
+          <a:bodyPr/>
+          <a:lstStyle/>
+          <a:p>
+            <a:fld id="{8740CB20-F870-467D-84CE-AB32061190A1}" type="slidenum">
+              <a:rPr lang="en-US" smtClean="0"/>
+              <a:t>13</a:t>
+            </a:fld>
+            <a:r>
+              <a:rPr lang="de-DE" smtClean="0"/>
+              <a:t>   </a:t>
+            </a:r>
+            <a:endParaRPr lang="de-DE" dirty="0"/>
+          </a:p>
+        </p:txBody>
+      </p:sp>
+      <p:pic>
+        <p:nvPicPr>
+          <p:cNvPr id="7" name="Grafik 6"/>
+          <p:cNvPicPr>
+            <a:picLocks noChangeAspect="1"/>
+          </p:cNvPicPr>
+          <p:nvPr/>
+        </p:nvPicPr>
+        <p:blipFill>
+          <a:blip r:embed="rId2">
+            <a:extLst>
+              <a:ext uri="{28A0092B-C50C-407E-A947-70E740481C1C}">
+                <a14:useLocalDpi xmlns:a14="http://schemas.microsoft.com/office/drawing/2010/main" val="0"/>
+              </a:ext>
+            </a:extLst>
+          </a:blip>
+          <a:stretch>
+            <a:fillRect/>
+          </a:stretch>
+        </p:blipFill>
+        <p:spPr>
+          <a:xfrm>
+            <a:off x="650363" y="1923678"/>
+            <a:ext cx="7843272" cy="2376262"/>
+          </a:xfrm>
+          <a:prstGeom prst="rect">
+            <a:avLst/>
+          </a:prstGeom>
+        </p:spPr>
+      </p:pic>
+    </p:spTree>
+    <p:extLst>
+      <p:ext uri="{BB962C8B-B14F-4D97-AF65-F5344CB8AC3E}">
+        <p14:creationId xmlns:p14="http://schemas.microsoft.com/office/powerpoint/2010/main" val="3803697138"/>
+      </p:ext>
+    </p:extLst>
+  </p:cSld>
+  <p:clrMapOvr>
+    <a:masterClrMapping/>
+  </p:clrMapOvr>
+  <p:timing>
+    <p:tnLst>
+      <p:par>
+        <p:cTn id="1" dur="indefinite" restart="never" nodeType="tmRoot"/>
+      </p:par>
+    </p:tnLst>
+  </p:timing>
+</p:sld>
+</file>
+
+<file path=ppt/slides/slide14.xml><?xml version="1.0" encoding="utf-8"?>
+<p:sld xmlns:a="http://schemas.openxmlformats.org/drawingml/2006/main" xmlns:r="http://schemas.openxmlformats.org/officeDocument/2006/relationships" xmlns:p="http://schemas.openxmlformats.org/presentationml/2006/main">
+  <p:cSld>
+    <p:spTree>
+      <p:nvGrpSpPr>
+        <p:cNvPr id="1" name=""/>
+        <p:cNvGrpSpPr/>
+        <p:nvPr/>
+      </p:nvGrpSpPr>
+      <p:grpSpPr>
+        <a:xfrm>
+          <a:off x="0" y="0"/>
+          <a:ext cx="0" cy="0"/>
+          <a:chOff x="0" y="0"/>
+          <a:chExt cx="0" cy="0"/>
+        </a:xfrm>
+      </p:grpSpPr>
+      <p:sp>
+        <p:nvSpPr>
+          <p:cNvPr id="2" name="Titel 1"/>
+          <p:cNvSpPr>
+            <a:spLocks noGrp="1"/>
+          </p:cNvSpPr>
+          <p:nvPr>
+            <p:ph type="title"/>
+          </p:nvPr>
+        </p:nvSpPr>
+        <p:spPr/>
+        <p:txBody>
+          <a:bodyPr/>
+          <a:lstStyle/>
+          <a:p>
+            <a:r>
+              <a:rPr lang="de-DE" dirty="0" smtClean="0"/>
+              <a:t>Filter</a:t>
+            </a:r>
+            <a:endParaRPr lang="en-US" dirty="0"/>
+          </a:p>
+        </p:txBody>
+      </p:sp>
+      <p:sp>
+        <p:nvSpPr>
+          <p:cNvPr id="3" name="Inhaltsplatzhalter 2"/>
+          <p:cNvSpPr>
+            <a:spLocks noGrp="1"/>
+          </p:cNvSpPr>
+          <p:nvPr>
+            <p:ph idx="1"/>
+          </p:nvPr>
+        </p:nvSpPr>
+        <p:spPr/>
+        <p:txBody>
+          <a:bodyPr/>
+          <a:lstStyle/>
+          <a:p>
+            <a:r>
+              <a:rPr lang="de-DE" dirty="0" smtClean="0"/>
+              <a:t>Multibandpass</a:t>
+            </a:r>
+            <a:endParaRPr lang="de-DE" dirty="0"/>
+          </a:p>
+        </p:txBody>
+      </p:sp>
+      <p:sp>
+        <p:nvSpPr>
+          <p:cNvPr id="4" name="Datumsplatzhalter 3"/>
+          <p:cNvSpPr>
+            <a:spLocks noGrp="1"/>
+          </p:cNvSpPr>
+          <p:nvPr>
+            <p:ph type="dt" sz="half" idx="10"/>
+          </p:nvPr>
+        </p:nvSpPr>
+        <p:spPr/>
+        <p:txBody>
+          <a:bodyPr/>
+          <a:lstStyle/>
+          <a:p>
+            <a:fld id="{296000BE-0612-4D88-A1AC-FF1287139C2E}" type="datetime1">
+              <a:rPr lang="de-DE" smtClean="0"/>
+              <a:t>17.06.2015</a:t>
+            </a:fld>
+            <a:endParaRPr lang="de-DE" dirty="0"/>
+          </a:p>
+        </p:txBody>
+      </p:sp>
+      <p:sp>
+        <p:nvSpPr>
+          <p:cNvPr id="5" name="Fußzeilenplatzhalter 4"/>
+          <p:cNvSpPr>
+            <a:spLocks noGrp="1"/>
+          </p:cNvSpPr>
+          <p:nvPr>
+            <p:ph type="ftr" sz="quarter" idx="11"/>
+          </p:nvPr>
+        </p:nvSpPr>
+        <p:spPr/>
+        <p:txBody>
+          <a:bodyPr/>
+          <a:lstStyle/>
+          <a:p>
+            <a:r>
+              <a:rPr lang="de-DE" smtClean="0"/>
+              <a:t>FM-Synthese</a:t>
+            </a:r>
+            <a:endParaRPr lang="de-DE" dirty="0"/>
+          </a:p>
+        </p:txBody>
+      </p:sp>
+      <p:sp>
+        <p:nvSpPr>
+          <p:cNvPr id="6" name="Foliennummernplatzhalter 5"/>
+          <p:cNvSpPr>
+            <a:spLocks noGrp="1"/>
+          </p:cNvSpPr>
+          <p:nvPr>
+            <p:ph type="sldNum" sz="quarter" idx="12"/>
+          </p:nvPr>
+        </p:nvSpPr>
+        <p:spPr/>
+        <p:txBody>
+          <a:bodyPr/>
+          <a:lstStyle/>
+          <a:p>
+            <a:fld id="{8740CB20-F870-467D-84CE-AB32061190A1}" type="slidenum">
+              <a:rPr lang="en-US" smtClean="0"/>
+              <a:t>14</a:t>
+            </a:fld>
+            <a:r>
+              <a:rPr lang="de-DE" smtClean="0"/>
+              <a:t>   </a:t>
+            </a:r>
+            <a:endParaRPr lang="de-DE" dirty="0"/>
+          </a:p>
+        </p:txBody>
+      </p:sp>
+      <p:pic>
+        <p:nvPicPr>
+          <p:cNvPr id="7" name="Grafik 6"/>
+          <p:cNvPicPr>
+            <a:picLocks noChangeAspect="1"/>
+          </p:cNvPicPr>
+          <p:nvPr/>
+        </p:nvPicPr>
+        <p:blipFill>
+          <a:blip r:embed="rId2">
+            <a:extLst>
+              <a:ext uri="{28A0092B-C50C-407E-A947-70E740481C1C}">
+                <a14:useLocalDpi xmlns:a14="http://schemas.microsoft.com/office/drawing/2010/main" val="0"/>
+              </a:ext>
+            </a:extLst>
+          </a:blip>
+          <a:stretch>
+            <a:fillRect/>
+          </a:stretch>
+        </p:blipFill>
+        <p:spPr>
+          <a:xfrm>
+            <a:off x="650365" y="1923678"/>
+            <a:ext cx="7843268" cy="2376262"/>
+          </a:xfrm>
+          <a:prstGeom prst="rect">
+            <a:avLst/>
+          </a:prstGeom>
+        </p:spPr>
+      </p:pic>
+    </p:spTree>
+    <p:extLst>
+      <p:ext uri="{BB962C8B-B14F-4D97-AF65-F5344CB8AC3E}">
+        <p14:creationId xmlns:p14="http://schemas.microsoft.com/office/powerpoint/2010/main" val="3979698544"/>
+      </p:ext>
+    </p:extLst>
+  </p:cSld>
+  <p:clrMapOvr>
+    <a:masterClrMapping/>
+  </p:clrMapOvr>
+  <p:timing>
+    <p:tnLst>
+      <p:par>
+        <p:cTn id="1" dur="indefinite" restart="never" nodeType="tmRoot"/>
+      </p:par>
+    </p:tnLst>
+  </p:timing>
+</p:sld>
+</file>
+
+<file path=ppt/slides/slide15.xml><?xml version="1.0" encoding="utf-8"?>
+<p:sld xmlns:a="http://schemas.openxmlformats.org/drawingml/2006/main" xmlns:r="http://schemas.openxmlformats.org/officeDocument/2006/relationships" xmlns:p="http://schemas.openxmlformats.org/presentationml/2006/main">
+  <p:cSld>
+    <p:spTree>
+      <p:nvGrpSpPr>
+        <p:cNvPr id="1" name=""/>
+        <p:cNvGrpSpPr/>
+        <p:nvPr/>
+      </p:nvGrpSpPr>
+      <p:grpSpPr>
+        <a:xfrm>
+          <a:off x="0" y="0"/>
+          <a:ext cx="0" cy="0"/>
+          <a:chOff x="0" y="0"/>
+          <a:chExt cx="0" cy="0"/>
+        </a:xfrm>
+      </p:grpSpPr>
+      <p:sp>
+        <p:nvSpPr>
+          <p:cNvPr id="2" name="Titel 1"/>
+          <p:cNvSpPr>
+            <a:spLocks noGrp="1"/>
+          </p:cNvSpPr>
+          <p:nvPr>
+            <p:ph type="title"/>
+          </p:nvPr>
+        </p:nvSpPr>
+        <p:spPr/>
+        <p:txBody>
+          <a:bodyPr/>
+          <a:lstStyle/>
+          <a:p>
+            <a:r>
+              <a:rPr lang="de-DE" dirty="0" smtClean="0"/>
+              <a:t>Filter</a:t>
+            </a:r>
+            <a:endParaRPr lang="en-US" dirty="0"/>
+          </a:p>
+        </p:txBody>
+      </p:sp>
+      <p:sp>
+        <p:nvSpPr>
+          <p:cNvPr id="3" name="Inhaltsplatzhalter 2"/>
+          <p:cNvSpPr>
+            <a:spLocks noGrp="1"/>
+          </p:cNvSpPr>
+          <p:nvPr>
+            <p:ph idx="1"/>
+          </p:nvPr>
+        </p:nvSpPr>
+        <p:spPr/>
+        <p:txBody>
+          <a:bodyPr/>
+          <a:lstStyle/>
+          <a:p>
+            <a:r>
+              <a:rPr lang="de-DE" dirty="0" smtClean="0"/>
+              <a:t>Multibandsperre</a:t>
+            </a:r>
+            <a:endParaRPr lang="de-DE" dirty="0"/>
+          </a:p>
+        </p:txBody>
+      </p:sp>
+      <p:sp>
+        <p:nvSpPr>
+          <p:cNvPr id="4" name="Datumsplatzhalter 3"/>
+          <p:cNvSpPr>
+            <a:spLocks noGrp="1"/>
+          </p:cNvSpPr>
+          <p:nvPr>
+            <p:ph type="dt" sz="half" idx="10"/>
+          </p:nvPr>
+        </p:nvSpPr>
+        <p:spPr/>
+        <p:txBody>
+          <a:bodyPr/>
+          <a:lstStyle/>
+          <a:p>
+            <a:fld id="{296000BE-0612-4D88-A1AC-FF1287139C2E}" type="datetime1">
+              <a:rPr lang="de-DE" smtClean="0"/>
+              <a:t>17.06.2015</a:t>
+            </a:fld>
+            <a:endParaRPr lang="de-DE" dirty="0"/>
+          </a:p>
+        </p:txBody>
+      </p:sp>
+      <p:sp>
+        <p:nvSpPr>
+          <p:cNvPr id="5" name="Fußzeilenplatzhalter 4"/>
+          <p:cNvSpPr>
+            <a:spLocks noGrp="1"/>
+          </p:cNvSpPr>
+          <p:nvPr>
+            <p:ph type="ftr" sz="quarter" idx="11"/>
+          </p:nvPr>
+        </p:nvSpPr>
+        <p:spPr/>
+        <p:txBody>
+          <a:bodyPr/>
+          <a:lstStyle/>
+          <a:p>
+            <a:r>
+              <a:rPr lang="de-DE" smtClean="0"/>
+              <a:t>FM-Synthese</a:t>
+            </a:r>
+            <a:endParaRPr lang="de-DE" dirty="0"/>
+          </a:p>
+        </p:txBody>
+      </p:sp>
+      <p:sp>
+        <p:nvSpPr>
+          <p:cNvPr id="6" name="Foliennummernplatzhalter 5"/>
+          <p:cNvSpPr>
+            <a:spLocks noGrp="1"/>
+          </p:cNvSpPr>
+          <p:nvPr>
+            <p:ph type="sldNum" sz="quarter" idx="12"/>
+          </p:nvPr>
+        </p:nvSpPr>
+        <p:spPr/>
+        <p:txBody>
+          <a:bodyPr/>
+          <a:lstStyle/>
+          <a:p>
+            <a:fld id="{8740CB20-F870-467D-84CE-AB32061190A1}" type="slidenum">
+              <a:rPr lang="en-US" smtClean="0"/>
+              <a:t>15</a:t>
+            </a:fld>
+            <a:r>
+              <a:rPr lang="de-DE" smtClean="0"/>
+              <a:t>   </a:t>
+            </a:r>
+            <a:endParaRPr lang="de-DE" dirty="0"/>
+          </a:p>
+        </p:txBody>
+      </p:sp>
+      <p:pic>
+        <p:nvPicPr>
+          <p:cNvPr id="7" name="Grafik 6"/>
+          <p:cNvPicPr>
+            <a:picLocks noChangeAspect="1"/>
+          </p:cNvPicPr>
+          <p:nvPr/>
+        </p:nvPicPr>
+        <p:blipFill>
+          <a:blip r:embed="rId2">
+            <a:extLst>
+              <a:ext uri="{28A0092B-C50C-407E-A947-70E740481C1C}">
+                <a14:useLocalDpi xmlns:a14="http://schemas.microsoft.com/office/drawing/2010/main" val="0"/>
+              </a:ext>
+            </a:extLst>
+          </a:blip>
+          <a:stretch>
+            <a:fillRect/>
+          </a:stretch>
+        </p:blipFill>
+        <p:spPr>
+          <a:xfrm>
+            <a:off x="650365" y="1923678"/>
+            <a:ext cx="7843268" cy="2376261"/>
+          </a:xfrm>
+          <a:prstGeom prst="rect">
+            <a:avLst/>
+          </a:prstGeom>
+        </p:spPr>
+      </p:pic>
+    </p:spTree>
+    <p:extLst>
+      <p:ext uri="{BB962C8B-B14F-4D97-AF65-F5344CB8AC3E}">
+        <p14:creationId xmlns:p14="http://schemas.microsoft.com/office/powerpoint/2010/main" val="883418089"/>
+      </p:ext>
+    </p:extLst>
+  </p:cSld>
+  <p:clrMapOvr>
+    <a:masterClrMapping/>
+  </p:clrMapOvr>
+  <p:timing>
+    <p:tnLst>
+      <p:par>
+        <p:cTn id="1" dur="indefinite" restart="never" nodeType="tmRoot"/>
+      </p:par>
+    </p:tnLst>
+  </p:timing>
+</p:sld>
+</file>
+
+<file path=ppt/slides/slide16.xml><?xml version="1.0" encoding="utf-8"?>
+<p:sld xmlns:a="http://schemas.openxmlformats.org/drawingml/2006/main" xmlns:r="http://schemas.openxmlformats.org/officeDocument/2006/relationships" xmlns:p="http://schemas.openxmlformats.org/presentationml/2006/main">
+  <p:cSld>
+    <p:spTree>
+      <p:nvGrpSpPr>
+        <p:cNvPr id="1" name=""/>
+        <p:cNvGrpSpPr/>
+        <p:nvPr/>
+      </p:nvGrpSpPr>
+      <p:grpSpPr>
+        <a:xfrm>
+          <a:off x="0" y="0"/>
+          <a:ext cx="0" cy="0"/>
+          <a:chOff x="0" y="0"/>
+          <a:chExt cx="0" cy="0"/>
+        </a:xfrm>
+      </p:grpSpPr>
+      <p:sp>
+        <p:nvSpPr>
+          <p:cNvPr id="2" name="Titel 1"/>
+          <p:cNvSpPr>
+            <a:spLocks noGrp="1"/>
+          </p:cNvSpPr>
+          <p:nvPr>
+            <p:ph type="title"/>
+          </p:nvPr>
+        </p:nvSpPr>
+        <p:spPr/>
+        <p:txBody>
+          <a:bodyPr/>
+          <a:lstStyle/>
+          <a:p>
+            <a:r>
+              <a:rPr lang="de-DE" dirty="0" err="1" smtClean="0"/>
+              <a:t>Raumhall</a:t>
+            </a:r>
+            <a:endParaRPr lang="en-US" dirty="0"/>
+          </a:p>
+        </p:txBody>
+      </p:sp>
+      <p:sp>
+        <p:nvSpPr>
+          <p:cNvPr id="3" name="Inhaltsplatzhalter 2"/>
+          <p:cNvSpPr>
+            <a:spLocks noGrp="1"/>
+          </p:cNvSpPr>
+          <p:nvPr>
+            <p:ph idx="1"/>
+          </p:nvPr>
+        </p:nvSpPr>
+        <p:spPr/>
+        <p:txBody>
+          <a:bodyPr/>
+          <a:lstStyle/>
+          <a:p>
+            <a:r>
+              <a:rPr lang="de-DE" dirty="0" smtClean="0"/>
+              <a:t>Schall wird diffus reflektiert</a:t>
+            </a:r>
+          </a:p>
+          <a:p>
+            <a:r>
+              <a:rPr lang="de-DE" dirty="0" smtClean="0"/>
+              <a:t>unendlich viele Echos</a:t>
+            </a:r>
+            <a:endParaRPr lang="en-US" dirty="0"/>
+          </a:p>
+        </p:txBody>
+      </p:sp>
+      <p:sp>
+        <p:nvSpPr>
+          <p:cNvPr id="4" name="Datumsplatzhalter 3"/>
+          <p:cNvSpPr>
+            <a:spLocks noGrp="1"/>
+          </p:cNvSpPr>
+          <p:nvPr>
+            <p:ph type="dt" sz="half" idx="10"/>
+          </p:nvPr>
+        </p:nvSpPr>
+        <p:spPr/>
+        <p:txBody>
+          <a:bodyPr/>
+          <a:lstStyle/>
+          <a:p>
+            <a:fld id="{296000BE-0612-4D88-A1AC-FF1287139C2E}" type="datetime1">
+              <a:rPr lang="de-DE" smtClean="0"/>
+              <a:t>17.06.2015</a:t>
+            </a:fld>
+            <a:endParaRPr lang="de-DE" dirty="0"/>
+          </a:p>
+        </p:txBody>
+      </p:sp>
+      <p:sp>
+        <p:nvSpPr>
+          <p:cNvPr id="5" name="Fußzeilenplatzhalter 4"/>
+          <p:cNvSpPr>
+            <a:spLocks noGrp="1"/>
+          </p:cNvSpPr>
+          <p:nvPr>
+            <p:ph type="ftr" sz="quarter" idx="11"/>
+          </p:nvPr>
+        </p:nvSpPr>
+        <p:spPr/>
+        <p:txBody>
+          <a:bodyPr/>
+          <a:lstStyle/>
+          <a:p>
+            <a:r>
+              <a:rPr lang="de-DE" smtClean="0"/>
+              <a:t>FM-Synthese</a:t>
+            </a:r>
+            <a:endParaRPr lang="de-DE" dirty="0"/>
+          </a:p>
+        </p:txBody>
+      </p:sp>
+      <p:sp>
+        <p:nvSpPr>
+          <p:cNvPr id="6" name="Foliennummernplatzhalter 5"/>
+          <p:cNvSpPr>
+            <a:spLocks noGrp="1"/>
+          </p:cNvSpPr>
+          <p:nvPr>
+            <p:ph type="sldNum" sz="quarter" idx="12"/>
+          </p:nvPr>
+        </p:nvSpPr>
+        <p:spPr/>
+        <p:txBody>
+          <a:bodyPr/>
+          <a:lstStyle/>
+          <a:p>
+            <a:fld id="{8740CB20-F870-467D-84CE-AB32061190A1}" type="slidenum">
+              <a:rPr lang="en-US" smtClean="0"/>
+              <a:t>16</a:t>
+            </a:fld>
+            <a:r>
+              <a:rPr lang="de-DE" smtClean="0"/>
+              <a:t>   </a:t>
+            </a:r>
+            <a:endParaRPr lang="de-DE" dirty="0"/>
+          </a:p>
+        </p:txBody>
+      </p:sp>
+      <p:pic>
+        <p:nvPicPr>
+          <p:cNvPr id="7" name="Grafik 6"/>
+          <p:cNvPicPr>
+            <a:picLocks noChangeAspect="1"/>
+          </p:cNvPicPr>
+          <p:nvPr/>
+        </p:nvPicPr>
+        <p:blipFill>
+          <a:blip r:embed="rId2"/>
+          <a:stretch>
+            <a:fillRect/>
+          </a:stretch>
+        </p:blipFill>
+        <p:spPr>
+          <a:xfrm>
+            <a:off x="2189792" y="2283718"/>
+            <a:ext cx="4779696" cy="2007168"/>
+          </a:xfrm>
+          <a:prstGeom prst="rect">
+            <a:avLst/>
+          </a:prstGeom>
+        </p:spPr>
+      </p:pic>
+      <p:sp>
+        <p:nvSpPr>
+          <p:cNvPr id="8" name="Textfeld 7"/>
+          <p:cNvSpPr txBox="1"/>
+          <p:nvPr/>
+        </p:nvSpPr>
+        <p:spPr>
+          <a:xfrm>
+            <a:off x="2189792" y="4290886"/>
+            <a:ext cx="5976664" cy="276999"/>
+          </a:xfrm>
+          <a:prstGeom prst="rect">
+            <a:avLst/>
+          </a:prstGeom>
+          <a:noFill/>
+        </p:spPr>
+        <p:txBody>
+          <a:bodyPr wrap="square" rtlCol="0">
+            <a:spAutoFit/>
+          </a:bodyPr>
+          <a:lstStyle/>
+          <a:p>
+            <a:r>
+              <a:rPr lang="de-DE" sz="1200" dirty="0" smtClean="0"/>
+              <a:t>Quelle: </a:t>
+            </a:r>
+            <a:r>
+              <a:rPr lang="de-DE" sz="1200" dirty="0" err="1" smtClean="0"/>
+              <a:t>Computergestütze</a:t>
+            </a:r>
+            <a:r>
+              <a:rPr lang="de-DE" sz="1200" dirty="0" smtClean="0"/>
+              <a:t> Audio und Videotechnik [Sto11]</a:t>
+            </a:r>
+            <a:endParaRPr lang="en-US" sz="1200" dirty="0"/>
+          </a:p>
+        </p:txBody>
+      </p:sp>
+    </p:spTree>
+    <p:extLst>
+      <p:ext uri="{BB962C8B-B14F-4D97-AF65-F5344CB8AC3E}">
+        <p14:creationId xmlns:p14="http://schemas.microsoft.com/office/powerpoint/2010/main" val="253928005"/>
+      </p:ext>
+    </p:extLst>
+  </p:cSld>
+  <p:clrMapOvr>
+    <a:masterClrMapping/>
+  </p:clrMapOvr>
+  <p:timing>
+    <p:tnLst>
+      <p:par>
+        <p:cTn id="1" dur="indefinite" restart="never" nodeType="tmRoot"/>
+      </p:par>
+    </p:tnLst>
+  </p:timing>
+</p:sld>
+</file>
+
+<file path=ppt/slides/slide17.xml><?xml version="1.0" encoding="utf-8"?>
+<p:sld xmlns:a="http://schemas.openxmlformats.org/drawingml/2006/main" xmlns:r="http://schemas.openxmlformats.org/officeDocument/2006/relationships" xmlns:p="http://schemas.openxmlformats.org/presentationml/2006/main">
+  <p:cSld>
+    <p:spTree>
+      <p:nvGrpSpPr>
+        <p:cNvPr id="1" name=""/>
+        <p:cNvGrpSpPr/>
+        <p:nvPr/>
+      </p:nvGrpSpPr>
+      <p:grpSpPr>
+        <a:xfrm>
+          <a:off x="0" y="0"/>
+          <a:ext cx="0" cy="0"/>
+          <a:chOff x="0" y="0"/>
+          <a:chExt cx="0" cy="0"/>
+        </a:xfrm>
+      </p:grpSpPr>
+      <p:sp>
+        <p:nvSpPr>
+          <p:cNvPr id="8" name="Untertitel 7"/>
+          <p:cNvSpPr>
+            <a:spLocks noGrp="1"/>
+          </p:cNvSpPr>
+          <p:nvPr>
+            <p:ph type="subTitle" idx="1"/>
+          </p:nvPr>
+        </p:nvSpPr>
+        <p:spPr/>
+        <p:txBody>
+          <a:bodyPr/>
+          <a:lstStyle/>
+          <a:p>
+            <a:endParaRPr lang="en-US"/>
+          </a:p>
+        </p:txBody>
+      </p:sp>
+      <p:sp>
+        <p:nvSpPr>
+          <p:cNvPr id="7" name="Titel 6"/>
+          <p:cNvSpPr>
+            <a:spLocks noGrp="1"/>
+          </p:cNvSpPr>
+          <p:nvPr>
+            <p:ph type="title"/>
+          </p:nvPr>
+        </p:nvSpPr>
+        <p:spPr/>
+        <p:txBody>
+          <a:bodyPr/>
+          <a:lstStyle/>
+          <a:p>
+            <a:r>
+              <a:rPr lang="de-DE" dirty="0" smtClean="0"/>
+              <a:t>Nachbildung eines Tones in Matlab</a:t>
+            </a:r>
+            <a:endParaRPr lang="en-US" dirty="0"/>
+          </a:p>
+        </p:txBody>
+      </p:sp>
+      <p:sp>
+        <p:nvSpPr>
+          <p:cNvPr id="4" name="Datumsplatzhalter 3"/>
+          <p:cNvSpPr>
+            <a:spLocks noGrp="1"/>
+          </p:cNvSpPr>
+          <p:nvPr>
+            <p:ph type="dt" sz="half" idx="10"/>
+          </p:nvPr>
+        </p:nvSpPr>
+        <p:spPr/>
+        <p:txBody>
+          <a:bodyPr/>
+          <a:lstStyle/>
+          <a:p>
+            <a:fld id="{296000BE-0612-4D88-A1AC-FF1287139C2E}" type="datetime1">
+              <a:rPr lang="de-DE" smtClean="0"/>
+              <a:t>17.06.2015</a:t>
+            </a:fld>
+            <a:endParaRPr lang="de-DE" dirty="0"/>
+          </a:p>
+        </p:txBody>
+      </p:sp>
+      <p:sp>
+        <p:nvSpPr>
+          <p:cNvPr id="5" name="Fußzeilenplatzhalter 4"/>
+          <p:cNvSpPr>
+            <a:spLocks noGrp="1"/>
+          </p:cNvSpPr>
+          <p:nvPr>
+            <p:ph type="ftr" sz="quarter" idx="11"/>
+          </p:nvPr>
+        </p:nvSpPr>
+        <p:spPr/>
+        <p:txBody>
+          <a:bodyPr/>
+          <a:lstStyle/>
+          <a:p>
+            <a:r>
+              <a:rPr lang="de-DE" smtClean="0"/>
+              <a:t>FM-Synthese</a:t>
+            </a:r>
+            <a:endParaRPr lang="de-DE" dirty="0"/>
+          </a:p>
+        </p:txBody>
+      </p:sp>
+      <p:sp>
+        <p:nvSpPr>
+          <p:cNvPr id="6" name="Foliennummernplatzhalter 5"/>
+          <p:cNvSpPr>
+            <a:spLocks noGrp="1"/>
+          </p:cNvSpPr>
+          <p:nvPr>
+            <p:ph type="sldNum" sz="quarter" idx="12"/>
+          </p:nvPr>
+        </p:nvSpPr>
+        <p:spPr/>
+        <p:txBody>
+          <a:bodyPr/>
+          <a:lstStyle/>
+          <a:p>
+            <a:fld id="{8740CB20-F870-467D-84CE-AB32061190A1}" type="slidenum">
+              <a:rPr lang="en-US" smtClean="0"/>
+              <a:t>17</a:t>
+            </a:fld>
+            <a:r>
+              <a:rPr lang="de-DE" smtClean="0"/>
+              <a:t>   </a:t>
+            </a:r>
+            <a:endParaRPr lang="de-DE" dirty="0"/>
+          </a:p>
+        </p:txBody>
+      </p:sp>
+    </p:spTree>
+    <p:extLst>
+      <p:ext uri="{BB962C8B-B14F-4D97-AF65-F5344CB8AC3E}">
+        <p14:creationId xmlns:p14="http://schemas.microsoft.com/office/powerpoint/2010/main" val="4117715782"/>
+      </p:ext>
+    </p:extLst>
+  </p:cSld>
+  <p:clrMapOvr>
+    <a:masterClrMapping/>
+  </p:clrMapOvr>
+  <p:timing>
+    <p:tnLst>
+      <p:par>
+        <p:cTn id="1" dur="indefinite" restart="never" nodeType="tmRoot"/>
+      </p:par>
+    </p:tnLst>
+  </p:timing>
+</p:sld>
+</file>
+
+<file path=ppt/slides/slide18.xml><?xml version="1.0" encoding="utf-8"?>
+<p:sld xmlns:a="http://schemas.openxmlformats.org/drawingml/2006/main" xmlns:r="http://schemas.openxmlformats.org/officeDocument/2006/relationships" xmlns:p="http://schemas.openxmlformats.org/presentationml/2006/main">
+  <p:cSld>
+    <p:spTree>
+      <p:nvGrpSpPr>
+        <p:cNvPr id="1" name=""/>
+        <p:cNvGrpSpPr/>
+        <p:nvPr/>
+      </p:nvGrpSpPr>
+      <p:grpSpPr>
+        <a:xfrm>
+          <a:off x="0" y="0"/>
+          <a:ext cx="0" cy="0"/>
+          <a:chOff x="0" y="0"/>
+          <a:chExt cx="0" cy="0"/>
+        </a:xfrm>
+      </p:grpSpPr>
+      <p:sp>
+        <p:nvSpPr>
+          <p:cNvPr id="8" name="Untertitel 7"/>
+          <p:cNvSpPr>
+            <a:spLocks noGrp="1"/>
+          </p:cNvSpPr>
+          <p:nvPr>
+            <p:ph type="subTitle" idx="1"/>
+          </p:nvPr>
+        </p:nvSpPr>
+        <p:spPr/>
+        <p:txBody>
+          <a:bodyPr/>
+          <a:lstStyle/>
+          <a:p>
+            <a:endParaRPr lang="en-US"/>
+          </a:p>
+        </p:txBody>
+      </p:sp>
+      <p:sp>
+        <p:nvSpPr>
+          <p:cNvPr id="7" name="Titel 6"/>
+          <p:cNvSpPr>
+            <a:spLocks noGrp="1"/>
+          </p:cNvSpPr>
+          <p:nvPr>
+            <p:ph type="title"/>
+          </p:nvPr>
+        </p:nvSpPr>
+        <p:spPr/>
+        <p:txBody>
+          <a:bodyPr/>
+          <a:lstStyle/>
+          <a:p>
+            <a:r>
+              <a:rPr lang="de-DE" dirty="0"/>
+              <a:t>FM-Synthesizer in C</a:t>
+            </a:r>
+            <a:r>
+              <a:rPr lang="de-DE" dirty="0" smtClean="0"/>
+              <a:t>++</a:t>
+            </a:r>
+            <a:endParaRPr lang="en-US" dirty="0"/>
+          </a:p>
+        </p:txBody>
+      </p:sp>
+      <p:sp>
+        <p:nvSpPr>
+          <p:cNvPr id="4" name="Datumsplatzhalter 3"/>
+          <p:cNvSpPr>
+            <a:spLocks noGrp="1"/>
+          </p:cNvSpPr>
+          <p:nvPr>
+            <p:ph type="dt" sz="half" idx="10"/>
+          </p:nvPr>
+        </p:nvSpPr>
+        <p:spPr/>
+        <p:txBody>
+          <a:bodyPr/>
+          <a:lstStyle/>
+          <a:p>
+            <a:fld id="{296000BE-0612-4D88-A1AC-FF1287139C2E}" type="datetime1">
+              <a:rPr lang="de-DE" smtClean="0"/>
+              <a:t>17.06.2015</a:t>
+            </a:fld>
+            <a:endParaRPr lang="de-DE" dirty="0"/>
+          </a:p>
+        </p:txBody>
+      </p:sp>
+      <p:sp>
+        <p:nvSpPr>
+          <p:cNvPr id="5" name="Fußzeilenplatzhalter 4"/>
+          <p:cNvSpPr>
+            <a:spLocks noGrp="1"/>
+          </p:cNvSpPr>
+          <p:nvPr>
+            <p:ph type="ftr" sz="quarter" idx="11"/>
+          </p:nvPr>
+        </p:nvSpPr>
+        <p:spPr/>
+        <p:txBody>
+          <a:bodyPr/>
+          <a:lstStyle/>
+          <a:p>
+            <a:r>
+              <a:rPr lang="de-DE" smtClean="0"/>
+              <a:t>FM-Synthese</a:t>
+            </a:r>
+            <a:endParaRPr lang="de-DE" dirty="0"/>
+          </a:p>
+        </p:txBody>
+      </p:sp>
+      <p:sp>
+        <p:nvSpPr>
+          <p:cNvPr id="6" name="Foliennummernplatzhalter 5"/>
+          <p:cNvSpPr>
+            <a:spLocks noGrp="1"/>
+          </p:cNvSpPr>
+          <p:nvPr>
+            <p:ph type="sldNum" sz="quarter" idx="12"/>
+          </p:nvPr>
+        </p:nvSpPr>
+        <p:spPr/>
+        <p:txBody>
+          <a:bodyPr/>
+          <a:lstStyle/>
+          <a:p>
+            <a:fld id="{8740CB20-F870-467D-84CE-AB32061190A1}" type="slidenum">
+              <a:rPr lang="en-US" smtClean="0"/>
+              <a:t>18</a:t>
+            </a:fld>
+            <a:r>
+              <a:rPr lang="de-DE" smtClean="0"/>
+              <a:t>   </a:t>
+            </a:r>
+            <a:endParaRPr lang="de-DE" dirty="0"/>
+          </a:p>
+        </p:txBody>
+      </p:sp>
+    </p:spTree>
+    <p:extLst>
+      <p:ext uri="{BB962C8B-B14F-4D97-AF65-F5344CB8AC3E}">
+        <p14:creationId xmlns:p14="http://schemas.microsoft.com/office/powerpoint/2010/main" val="1166838381"/>
+      </p:ext>
+    </p:extLst>
+  </p:cSld>
+  <p:clrMapOvr>
+    <a:masterClrMapping/>
+  </p:clrMapOvr>
+  <p:timing>
+    <p:tnLst>
+      <p:par>
+        <p:cTn id="1" dur="indefinite" restart="never" nodeType="tmRoot"/>
+      </p:par>
+    </p:tnLst>
+  </p:timing>
+</p:sld>
+</file>
+
+<file path=ppt/slides/slide19.xml><?xml version="1.0" encoding="utf-8"?>
+<p:sld xmlns:a="http://schemas.openxmlformats.org/drawingml/2006/main" xmlns:r="http://schemas.openxmlformats.org/officeDocument/2006/relationships" xmlns:p="http://schemas.openxmlformats.org/presentationml/2006/main">
+  <p:cSld>
+    <p:spTree>
+      <p:nvGrpSpPr>
+        <p:cNvPr id="1" name=""/>
+        <p:cNvGrpSpPr/>
+        <p:nvPr/>
+      </p:nvGrpSpPr>
+      <p:grpSpPr>
+        <a:xfrm>
+          <a:off x="0" y="0"/>
+          <a:ext cx="0" cy="0"/>
+          <a:chOff x="0" y="0"/>
+          <a:chExt cx="0" cy="0"/>
+        </a:xfrm>
+      </p:grpSpPr>
+      <p:sp>
+        <p:nvSpPr>
+          <p:cNvPr id="2" name="Titel 1"/>
+          <p:cNvSpPr>
+            <a:spLocks noGrp="1"/>
+          </p:cNvSpPr>
+          <p:nvPr>
+            <p:ph type="title"/>
+          </p:nvPr>
+        </p:nvSpPr>
+        <p:spPr/>
+        <p:txBody>
+          <a:bodyPr/>
+          <a:lstStyle/>
+          <a:p>
+            <a:r>
+              <a:rPr lang="de-DE" dirty="0" smtClean="0"/>
+              <a:t>Framework</a:t>
+            </a:r>
+            <a:endParaRPr lang="en-US" dirty="0"/>
+          </a:p>
+        </p:txBody>
+      </p:sp>
+      <p:sp>
+        <p:nvSpPr>
+          <p:cNvPr id="4" name="Datumsplatzhalter 3"/>
+          <p:cNvSpPr>
+            <a:spLocks noGrp="1"/>
+          </p:cNvSpPr>
+          <p:nvPr>
+            <p:ph type="dt" sz="half" idx="10"/>
+          </p:nvPr>
+        </p:nvSpPr>
+        <p:spPr/>
+        <p:txBody>
+          <a:bodyPr/>
+          <a:lstStyle/>
+          <a:p>
+            <a:fld id="{296000BE-0612-4D88-A1AC-FF1287139C2E}" type="datetime1">
+              <a:rPr lang="de-DE" smtClean="0"/>
+              <a:t>17.06.2015</a:t>
+            </a:fld>
+            <a:endParaRPr lang="de-DE" dirty="0"/>
+          </a:p>
+        </p:txBody>
+      </p:sp>
+      <p:sp>
+        <p:nvSpPr>
+          <p:cNvPr id="5" name="Fußzeilenplatzhalter 4"/>
+          <p:cNvSpPr>
+            <a:spLocks noGrp="1"/>
+          </p:cNvSpPr>
+          <p:nvPr>
+            <p:ph type="ftr" sz="quarter" idx="11"/>
+          </p:nvPr>
+        </p:nvSpPr>
+        <p:spPr/>
+        <p:txBody>
+          <a:bodyPr/>
+          <a:lstStyle/>
+          <a:p>
+            <a:r>
+              <a:rPr lang="de-DE" smtClean="0"/>
+              <a:t>FM-Synthese</a:t>
+            </a:r>
+            <a:endParaRPr lang="de-DE" dirty="0"/>
+          </a:p>
+        </p:txBody>
+      </p:sp>
+      <p:sp>
+        <p:nvSpPr>
+          <p:cNvPr id="6" name="Foliennummernplatzhalter 5"/>
+          <p:cNvSpPr>
+            <a:spLocks noGrp="1"/>
+          </p:cNvSpPr>
+          <p:nvPr>
+            <p:ph type="sldNum" sz="quarter" idx="12"/>
+          </p:nvPr>
+        </p:nvSpPr>
+        <p:spPr/>
+        <p:txBody>
+          <a:bodyPr/>
+          <a:lstStyle/>
+          <a:p>
+            <a:fld id="{8740CB20-F870-467D-84CE-AB32061190A1}" type="slidenum">
+              <a:rPr lang="en-US" smtClean="0"/>
+              <a:t>19</a:t>
+            </a:fld>
+            <a:r>
+              <a:rPr lang="de-DE" smtClean="0"/>
+              <a:t>   </a:t>
+            </a:r>
+            <a:endParaRPr lang="de-DE" dirty="0"/>
+          </a:p>
+        </p:txBody>
+      </p:sp>
+      <p:pic>
+        <p:nvPicPr>
+          <p:cNvPr id="15" name="Grafik 14"/>
+          <p:cNvPicPr>
+            <a:picLocks noChangeAspect="1"/>
+          </p:cNvPicPr>
+          <p:nvPr/>
+        </p:nvPicPr>
+        <p:blipFill>
+          <a:blip r:embed="rId2">
+            <a:extLst>
+              <a:ext uri="{28A0092B-C50C-407E-A947-70E740481C1C}">
+                <a14:useLocalDpi xmlns:a14="http://schemas.microsoft.com/office/drawing/2010/main" val="0"/>
+              </a:ext>
+            </a:extLst>
+          </a:blip>
+          <a:stretch>
+            <a:fillRect/>
+          </a:stretch>
+        </p:blipFill>
+        <p:spPr>
+          <a:xfrm>
+            <a:off x="1247930" y="1419622"/>
+            <a:ext cx="6648140" cy="2742358"/>
+          </a:xfrm>
+          <a:prstGeom prst="rect">
+            <a:avLst/>
+          </a:prstGeom>
+        </p:spPr>
+      </p:pic>
+      <p:sp>
+        <p:nvSpPr>
+          <p:cNvPr id="17" name="Textfeld 16"/>
+          <p:cNvSpPr txBox="1"/>
+          <p:nvPr/>
+        </p:nvSpPr>
+        <p:spPr>
+          <a:xfrm>
+            <a:off x="6804248" y="4161980"/>
+            <a:ext cx="2304256" cy="276999"/>
+          </a:xfrm>
+          <a:prstGeom prst="rect">
+            <a:avLst/>
+          </a:prstGeom>
+          <a:noFill/>
+        </p:spPr>
+        <p:txBody>
+          <a:bodyPr wrap="square" rtlCol="0">
+            <a:spAutoFit/>
+          </a:bodyPr>
+          <a:lstStyle/>
+          <a:p>
+            <a:r>
+              <a:rPr lang="de-DE" sz="1200" dirty="0" smtClean="0"/>
+              <a:t>Quelle: http://www.juce.com</a:t>
+            </a:r>
+            <a:endParaRPr lang="en-US" sz="1200" dirty="0"/>
+          </a:p>
+        </p:txBody>
+      </p:sp>
+    </p:spTree>
+    <p:extLst>
+      <p:ext uri="{BB962C8B-B14F-4D97-AF65-F5344CB8AC3E}">
+        <p14:creationId xmlns:p14="http://schemas.microsoft.com/office/powerpoint/2010/main" val="671220262"/>
+      </p:ext>
+    </p:extLst>
   </p:cSld>
   <p:clrMapOvr>
     <a:masterClrMapping/>
@@ -3740,7 +5721,7 @@
       </p:grpSpPr>
       <p:sp>
         <p:nvSpPr>
-          <p:cNvPr id="2" name="Titel 1"/>
+          <p:cNvPr id="9" name="Titel 1"/>
           <p:cNvSpPr>
             <a:spLocks noGrp="1"/>
           </p:cNvSpPr>
@@ -3748,289 +5729,323 @@
             <p:ph type="title"/>
           </p:nvPr>
         </p:nvSpPr>
-        <p:spPr/>
-        <p:txBody>
-          <a:bodyPr/>
-          <a:lstStyle/>
-          <a:p>
-            <a:r>
-              <a:rPr lang="de-DE" dirty="0" smtClean="0"/>
-              <a:t>Methoden</a:t>
+        <p:spPr>
+          <a:xfrm>
+            <a:off x="457200" y="205979"/>
+            <a:ext cx="8229600" cy="857250"/>
+          </a:xfrm>
+        </p:spPr>
+        <p:txBody>
+          <a:bodyPr/>
+          <a:lstStyle/>
+          <a:p>
+            <a:r>
+              <a:rPr lang="de-DE" dirty="0" smtClean="0"/>
+              <a:t>Gliederung</a:t>
+            </a:r>
+            <a:endParaRPr lang="de-DE" dirty="0"/>
+          </a:p>
+        </p:txBody>
+      </p:sp>
+      <p:sp>
+        <p:nvSpPr>
+          <p:cNvPr id="10" name="Inhaltsplatzhalter 2"/>
+          <p:cNvSpPr txBox="1">
+            <a:spLocks/>
+          </p:cNvSpPr>
+          <p:nvPr/>
+        </p:nvSpPr>
+        <p:spPr>
+          <a:xfrm>
+            <a:off x="457200" y="1200151"/>
+            <a:ext cx="8229600" cy="3394472"/>
+          </a:xfrm>
+          <a:prstGeom prst="rect">
+            <a:avLst/>
+          </a:prstGeom>
+        </p:spPr>
+        <p:txBody>
+          <a:bodyPr vert="horz" lIns="91440" tIns="45720" rIns="91440" bIns="45720" rtlCol="0">
+            <a:normAutofit/>
+          </a:bodyPr>
+          <a:lstStyle>
+            <a:lvl1pPr marL="0" indent="0" algn="ctr" defTabSz="914400" rtl="0" eaLnBrk="1" latinLnBrk="0" hangingPunct="1">
+              <a:spcBef>
+                <a:spcPct val="20000"/>
+              </a:spcBef>
+              <a:buFont typeface="Arial" pitchFamily="34" charset="0"/>
+              <a:buNone/>
+              <a:defRPr sz="2800" kern="1200">
+                <a:solidFill>
+                  <a:schemeClr val="tx1">
+                    <a:tint val="75000"/>
+                  </a:schemeClr>
+                </a:solidFill>
+                <a:latin typeface="Lato" panose="020F0502020204030203" pitchFamily="34" charset="0"/>
+                <a:ea typeface="+mn-ea"/>
+                <a:cs typeface="+mn-cs"/>
+              </a:defRPr>
+            </a:lvl1pPr>
+            <a:lvl2pPr marL="457200" indent="0" algn="ctr" defTabSz="914400" rtl="0" eaLnBrk="1" latinLnBrk="0" hangingPunct="1">
+              <a:spcBef>
+                <a:spcPct val="20000"/>
+              </a:spcBef>
+              <a:buFont typeface="Arial" pitchFamily="34" charset="0"/>
+              <a:buNone/>
+              <a:defRPr sz="2000" kern="1200">
+                <a:solidFill>
+                  <a:schemeClr val="tx1">
+                    <a:tint val="75000"/>
+                  </a:schemeClr>
+                </a:solidFill>
+                <a:latin typeface="Lato" panose="020F0502020204030203" pitchFamily="34" charset="0"/>
+                <a:ea typeface="+mn-ea"/>
+                <a:cs typeface="+mn-cs"/>
+              </a:defRPr>
+            </a:lvl2pPr>
+            <a:lvl3pPr marL="914400" indent="0" algn="ctr" defTabSz="914400" rtl="0" eaLnBrk="1" latinLnBrk="0" hangingPunct="1">
+              <a:spcBef>
+                <a:spcPct val="20000"/>
+              </a:spcBef>
+              <a:buFont typeface="Arial" pitchFamily="34" charset="0"/>
+              <a:buNone/>
+              <a:defRPr sz="1600" kern="1200">
+                <a:solidFill>
+                  <a:schemeClr val="tx1">
+                    <a:tint val="75000"/>
+                  </a:schemeClr>
+                </a:solidFill>
+                <a:latin typeface="Lato" panose="020F0502020204030203" pitchFamily="34" charset="0"/>
+                <a:ea typeface="+mn-ea"/>
+                <a:cs typeface="+mn-cs"/>
+              </a:defRPr>
+            </a:lvl3pPr>
+            <a:lvl4pPr marL="1371600" indent="0" algn="ctr" defTabSz="914400" rtl="0" eaLnBrk="1" latinLnBrk="0" hangingPunct="1">
+              <a:spcBef>
+                <a:spcPct val="20000"/>
+              </a:spcBef>
+              <a:buFont typeface="Arial" pitchFamily="34" charset="0"/>
+              <a:buNone/>
+              <a:defRPr sz="1400" kern="1200">
+                <a:solidFill>
+                  <a:schemeClr val="tx1">
+                    <a:tint val="75000"/>
+                  </a:schemeClr>
+                </a:solidFill>
+                <a:latin typeface="Lato" panose="020F0502020204030203" pitchFamily="34" charset="0"/>
+                <a:ea typeface="+mn-ea"/>
+                <a:cs typeface="+mn-cs"/>
+              </a:defRPr>
+            </a:lvl4pPr>
+            <a:lvl5pPr marL="1828800" indent="0" algn="ctr" defTabSz="914400" rtl="0" eaLnBrk="1" latinLnBrk="0" hangingPunct="1">
+              <a:spcBef>
+                <a:spcPct val="20000"/>
+              </a:spcBef>
+              <a:buFont typeface="Arial" pitchFamily="34" charset="0"/>
+              <a:buNone/>
+              <a:defRPr sz="1400" kern="1200">
+                <a:solidFill>
+                  <a:schemeClr val="tx1">
+                    <a:tint val="75000"/>
+                  </a:schemeClr>
+                </a:solidFill>
+                <a:latin typeface="Lato" panose="020F0502020204030203" pitchFamily="34" charset="0"/>
+                <a:ea typeface="+mn-ea"/>
+                <a:cs typeface="+mn-cs"/>
+              </a:defRPr>
+            </a:lvl5pPr>
+            <a:lvl6pPr marL="2286000" indent="0" algn="ctr" defTabSz="914400" rtl="0" eaLnBrk="1" latinLnBrk="0" hangingPunct="1">
+              <a:spcBef>
+                <a:spcPct val="20000"/>
+              </a:spcBef>
+              <a:buFont typeface="Arial" pitchFamily="34" charset="0"/>
+              <a:buNone/>
+              <a:defRPr sz="2000" kern="1200">
+                <a:solidFill>
+                  <a:schemeClr val="tx1">
+                    <a:tint val="75000"/>
+                  </a:schemeClr>
+                </a:solidFill>
+                <a:latin typeface="+mn-lt"/>
+                <a:ea typeface="+mn-ea"/>
+                <a:cs typeface="+mn-cs"/>
+              </a:defRPr>
+            </a:lvl6pPr>
+            <a:lvl7pPr marL="2743200" indent="0" algn="ctr" defTabSz="914400" rtl="0" eaLnBrk="1" latinLnBrk="0" hangingPunct="1">
+              <a:spcBef>
+                <a:spcPct val="20000"/>
+              </a:spcBef>
+              <a:buFont typeface="Arial" pitchFamily="34" charset="0"/>
+              <a:buNone/>
+              <a:defRPr sz="2000" kern="1200">
+                <a:solidFill>
+                  <a:schemeClr val="tx1">
+                    <a:tint val="75000"/>
+                  </a:schemeClr>
+                </a:solidFill>
+                <a:latin typeface="+mn-lt"/>
+                <a:ea typeface="+mn-ea"/>
+                <a:cs typeface="+mn-cs"/>
+              </a:defRPr>
+            </a:lvl7pPr>
+            <a:lvl8pPr marL="3200400" indent="0" algn="ctr" defTabSz="914400" rtl="0" eaLnBrk="1" latinLnBrk="0" hangingPunct="1">
+              <a:spcBef>
+                <a:spcPct val="20000"/>
+              </a:spcBef>
+              <a:buFont typeface="Arial" pitchFamily="34" charset="0"/>
+              <a:buNone/>
+              <a:defRPr sz="2000" kern="1200">
+                <a:solidFill>
+                  <a:schemeClr val="tx1">
+                    <a:tint val="75000"/>
+                  </a:schemeClr>
+                </a:solidFill>
+                <a:latin typeface="+mn-lt"/>
+                <a:ea typeface="+mn-ea"/>
+                <a:cs typeface="+mn-cs"/>
+              </a:defRPr>
+            </a:lvl8pPr>
+            <a:lvl9pPr marL="3657600" indent="0" algn="ctr" defTabSz="914400" rtl="0" eaLnBrk="1" latinLnBrk="0" hangingPunct="1">
+              <a:spcBef>
+                <a:spcPct val="20000"/>
+              </a:spcBef>
+              <a:buFont typeface="Arial" pitchFamily="34" charset="0"/>
+              <a:buNone/>
+              <a:defRPr sz="2000" kern="1200">
+                <a:solidFill>
+                  <a:schemeClr val="tx1">
+                    <a:tint val="75000"/>
+                  </a:schemeClr>
+                </a:solidFill>
+                <a:latin typeface="+mn-lt"/>
+                <a:ea typeface="+mn-ea"/>
+                <a:cs typeface="+mn-cs"/>
+              </a:defRPr>
+            </a:lvl9pPr>
+          </a:lstStyle>
+          <a:p>
+            <a:pPr marL="457200" indent="-457200" algn="l">
+              <a:buFont typeface="Arial" panose="020B0604020202020204" pitchFamily="34" charset="0"/>
+              <a:buChar char="•"/>
+            </a:pPr>
+            <a:r>
+              <a:rPr lang="de-DE" dirty="0" smtClean="0">
+                <a:solidFill>
+                  <a:schemeClr val="tx1"/>
+                </a:solidFill>
+              </a:rPr>
+              <a:t>Techniken zur Generierung eines Instrumententones</a:t>
+            </a:r>
+          </a:p>
+          <a:p>
+            <a:pPr marL="457200" indent="-457200" algn="l">
+              <a:buFont typeface="Arial" panose="020B0604020202020204" pitchFamily="34" charset="0"/>
+              <a:buChar char="•"/>
+            </a:pPr>
+            <a:r>
+              <a:rPr lang="de-DE" dirty="0" smtClean="0">
+                <a:solidFill>
+                  <a:schemeClr val="tx1"/>
+                </a:solidFill>
+              </a:rPr>
+              <a:t>Nachbildung eines Tones in Matlab</a:t>
+            </a:r>
+          </a:p>
+          <a:p>
+            <a:pPr marL="457200" indent="-457200" algn="l">
+              <a:buFont typeface="Arial" panose="020B0604020202020204" pitchFamily="34" charset="0"/>
+              <a:buChar char="•"/>
+            </a:pPr>
+            <a:r>
+              <a:rPr lang="de-DE" dirty="0" smtClean="0">
+                <a:solidFill>
+                  <a:schemeClr val="tx1"/>
+                </a:solidFill>
+              </a:rPr>
+              <a:t>FM-Synthesizer in C++</a:t>
+            </a:r>
+            <a:endParaRPr lang="de-DE" dirty="0">
+              <a:solidFill>
+                <a:schemeClr val="tx1"/>
+              </a:solidFill>
+            </a:endParaRPr>
+          </a:p>
+        </p:txBody>
+      </p:sp>
+    </p:spTree>
+  </p:cSld>
+  <p:clrMapOvr>
+    <a:masterClrMapping/>
+  </p:clrMapOvr>
+  <p:timing>
+    <p:tnLst>
+      <p:par>
+        <p:cTn id="1" dur="indefinite" restart="never" nodeType="tmRoot"/>
+      </p:par>
+    </p:tnLst>
+  </p:timing>
+</p:sld>
+</file>
+
+<file path=ppt/slides/slide20.xml><?xml version="1.0" encoding="utf-8"?>
+<p:sld xmlns:a="http://schemas.openxmlformats.org/drawingml/2006/main" xmlns:r="http://schemas.openxmlformats.org/officeDocument/2006/relationships" xmlns:p="http://schemas.openxmlformats.org/presentationml/2006/main">
+  <p:cSld>
+    <p:spTree>
+      <p:nvGrpSpPr>
+        <p:cNvPr id="1" name=""/>
+        <p:cNvGrpSpPr/>
+        <p:nvPr/>
+      </p:nvGrpSpPr>
+      <p:grpSpPr>
+        <a:xfrm>
+          <a:off x="0" y="0"/>
+          <a:ext cx="0" cy="0"/>
+          <a:chOff x="0" y="0"/>
+          <a:chExt cx="0" cy="0"/>
+        </a:xfrm>
+      </p:grpSpPr>
+      <p:sp>
+        <p:nvSpPr>
+          <p:cNvPr id="8" name="Untertitel 7"/>
+          <p:cNvSpPr>
+            <a:spLocks noGrp="1"/>
+          </p:cNvSpPr>
+          <p:nvPr>
+            <p:ph type="subTitle" idx="1"/>
+          </p:nvPr>
+        </p:nvSpPr>
+        <p:spPr/>
+        <p:txBody>
+          <a:bodyPr/>
+          <a:lstStyle/>
+          <a:p>
+            <a:endParaRPr lang="en-US"/>
+          </a:p>
+        </p:txBody>
+      </p:sp>
+      <p:sp>
+        <p:nvSpPr>
+          <p:cNvPr id="7" name="Titel 6"/>
+          <p:cNvSpPr>
+            <a:spLocks noGrp="1"/>
+          </p:cNvSpPr>
+          <p:nvPr>
+            <p:ph type="title"/>
+          </p:nvPr>
+        </p:nvSpPr>
+        <p:spPr/>
+        <p:txBody>
+          <a:bodyPr/>
+          <a:lstStyle/>
+          <a:p>
+            <a:r>
+              <a:rPr lang="de-DE" dirty="0" smtClean="0"/>
+              <a:t>Vielen Dank für ihre Aufmerksamkeit</a:t>
             </a:r>
             <a:endParaRPr lang="en-US" dirty="0"/>
           </a:p>
         </p:txBody>
       </p:sp>
-      <mc:AlternateContent xmlns:mc="http://schemas.openxmlformats.org/markup-compatibility/2006" xmlns:a14="http://schemas.microsoft.com/office/drawing/2010/main">
-        <mc:Choice Requires="a14">
-          <p:sp>
-            <p:nvSpPr>
-              <p:cNvPr id="3" name="Inhaltsplatzhalter 2"/>
-              <p:cNvSpPr>
-                <a:spLocks noGrp="1"/>
-              </p:cNvSpPr>
-              <p:nvPr>
-                <p:ph idx="1"/>
-              </p:nvPr>
-            </p:nvSpPr>
-            <p:spPr/>
-            <p:txBody>
-              <a:bodyPr/>
-              <a:lstStyle/>
-              <a:p>
-                <a:r>
-                  <a:rPr lang="de-DE" dirty="0" smtClean="0"/>
-                  <a:t>Parametrisierung der Formel der FM-Synthese</a:t>
-                </a:r>
-              </a:p>
-              <a:p>
-                <a:pPr lvl="2"/>
-                <a14:m>
-                  <m:oMath xmlns:m="http://schemas.openxmlformats.org/officeDocument/2006/math">
-                    <m:r>
-                      <m:rPr>
-                        <m:nor/>
-                      </m:rPr>
-                      <a:rPr lang="de-DE" b="0" i="0" dirty="0" smtClean="0"/>
-                      <m:t>y</m:t>
-                    </m:r>
-                    <m:r>
-                      <m:rPr>
-                        <m:nor/>
-                      </m:rPr>
-                      <a:rPr lang="de-DE" dirty="0"/>
-                      <m:t>(</m:t>
-                    </m:r>
-                    <m:r>
-                      <m:rPr>
-                        <m:nor/>
-                      </m:rPr>
-                      <a:rPr lang="de-DE" i="1" dirty="0"/>
-                      <m:t>t</m:t>
-                    </m:r>
-                    <m:r>
-                      <m:rPr>
-                        <m:nor/>
-                      </m:rPr>
-                      <a:rPr lang="de-DE" dirty="0"/>
-                      <m:t>) = </m:t>
-                    </m:r>
-                    <m:r>
-                      <m:rPr>
-                        <m:nor/>
-                      </m:rPr>
-                      <a:rPr lang="de-DE" dirty="0"/>
-                      <m:t>sin</m:t>
-                    </m:r>
-                    <m:r>
-                      <m:rPr>
-                        <m:nor/>
-                      </m:rPr>
-                      <a:rPr lang="de-DE" dirty="0"/>
-                      <m:t>(2∗</m:t>
-                    </m:r>
-                    <m:r>
-                      <m:rPr>
-                        <m:sty m:val="p"/>
-                      </m:rPr>
-                      <a:rPr lang="el-GR" i="1" dirty="0" smtClean="0">
-                        <a:latin typeface="Cambria Math" panose="02040503050406030204" pitchFamily="18" charset="0"/>
-                        <a:ea typeface="Cambria Math" panose="02040503050406030204" pitchFamily="18" charset="0"/>
-                      </a:rPr>
-                      <m:t>π</m:t>
-                    </m:r>
-                    <m:r>
-                      <m:rPr>
-                        <m:nor/>
-                      </m:rPr>
-                      <a:rPr lang="de-DE" dirty="0"/>
-                      <m:t>∗</m:t>
-                    </m:r>
-                    <m:r>
-                      <m:rPr>
-                        <m:nor/>
-                      </m:rPr>
-                      <a:rPr lang="de-DE" b="1" dirty="0"/>
-                      <m:t>fc</m:t>
-                    </m:r>
-                    <m:r>
-                      <m:rPr>
-                        <m:nor/>
-                      </m:rPr>
-                      <a:rPr lang="de-DE" i="0" dirty="0" smtClean="0"/>
-                      <m:t>∗</m:t>
-                    </m:r>
-                    <m:r>
-                      <m:rPr>
-                        <m:nor/>
-                      </m:rPr>
-                      <a:rPr lang="de-DE" i="0" dirty="0" smtClean="0"/>
-                      <m:t>t</m:t>
-                    </m:r>
-                    <m:r>
-                      <m:rPr>
-                        <m:nor/>
-                      </m:rPr>
-                      <a:rPr lang="de-DE" dirty="0"/>
-                      <m:t> + </m:t>
-                    </m:r>
-                    <m:r>
-                      <m:rPr>
-                        <m:nor/>
-                      </m:rPr>
-                      <a:rPr lang="de-DE" b="1" dirty="0"/>
-                      <m:t>I</m:t>
-                    </m:r>
-                    <m:r>
-                      <m:rPr>
-                        <m:nor/>
-                      </m:rPr>
-                      <a:rPr lang="de-DE" dirty="0"/>
-                      <m:t>∗</m:t>
-                    </m:r>
-                    <m:r>
-                      <m:rPr>
-                        <m:nor/>
-                      </m:rPr>
-                      <a:rPr lang="de-DE" dirty="0"/>
-                      <m:t>sin</m:t>
-                    </m:r>
-                    <m:r>
-                      <m:rPr>
-                        <m:nor/>
-                      </m:rPr>
-                      <a:rPr lang="de-DE" dirty="0"/>
-                      <m:t>(2∗</m:t>
-                    </m:r>
-                    <m:r>
-                      <m:rPr>
-                        <m:sty m:val="p"/>
-                      </m:rPr>
-                      <a:rPr lang="el-GR" i="1" dirty="0" smtClean="0">
-                        <a:latin typeface="Cambria Math" panose="02040503050406030204" pitchFamily="18" charset="0"/>
-                        <a:ea typeface="Cambria Math" panose="02040503050406030204" pitchFamily="18" charset="0"/>
-                      </a:rPr>
-                      <m:t>π</m:t>
-                    </m:r>
-                    <m:r>
-                      <m:rPr>
-                        <m:nor/>
-                      </m:rPr>
-                      <a:rPr lang="de-DE" dirty="0"/>
-                      <m:t>∗</m:t>
-                    </m:r>
-                    <m:r>
-                      <m:rPr>
-                        <m:nor/>
-                      </m:rPr>
-                      <a:rPr lang="de-DE" b="1" dirty="0"/>
-                      <m:t>fm</m:t>
-                    </m:r>
-                    <m:r>
-                      <m:rPr>
-                        <m:nor/>
-                      </m:rPr>
-                      <a:rPr lang="de-DE" i="0" dirty="0" smtClean="0"/>
-                      <m:t>∗</m:t>
-                    </m:r>
-                    <m:r>
-                      <m:rPr>
-                        <m:nor/>
-                      </m:rPr>
-                      <a:rPr lang="de-DE" i="0" dirty="0" smtClean="0"/>
-                      <m:t>t</m:t>
-                    </m:r>
-                    <m:r>
-                      <m:rPr>
-                        <m:nor/>
-                      </m:rPr>
-                      <a:rPr lang="de-DE" dirty="0"/>
-                      <m:t>))</m:t>
-                    </m:r>
-                  </m:oMath>
-                </a14:m>
-                <a:endParaRPr lang="de-DE" dirty="0"/>
-              </a:p>
-              <a:p>
-                <a:pPr lvl="2"/>
-                <a:r>
-                  <a:rPr lang="de-DE" dirty="0"/>
-                  <a:t>Trägerfrequenz </a:t>
-                </a:r>
-                <a:r>
-                  <a:rPr lang="de-DE" b="1" dirty="0" err="1" smtClean="0"/>
-                  <a:t>fc</a:t>
-                </a:r>
-                <a:endParaRPr lang="de-DE" b="1" dirty="0" smtClean="0"/>
-              </a:p>
-              <a:p>
-                <a:pPr lvl="2"/>
-                <a:r>
-                  <a:rPr lang="de-DE" dirty="0" smtClean="0"/>
-                  <a:t>Modulationsindex </a:t>
-                </a:r>
-                <a:r>
-                  <a:rPr lang="de-DE" b="1" dirty="0" smtClean="0"/>
-                  <a:t>I</a:t>
-                </a:r>
-              </a:p>
-              <a:p>
-                <a:pPr lvl="2"/>
-                <a:r>
-                  <a:rPr lang="de-DE" dirty="0" smtClean="0"/>
-                  <a:t>Modulationsfrequenz </a:t>
-                </a:r>
-                <a:r>
-                  <a:rPr lang="de-DE" b="1" dirty="0" err="1" smtClean="0"/>
-                  <a:t>fm</a:t>
-                </a:r>
-                <a:endParaRPr lang="de-DE" b="1" dirty="0" smtClean="0"/>
-              </a:p>
-              <a:p>
-                <a:pPr lvl="1"/>
-                <a:r>
-                  <a:rPr lang="de-DE" dirty="0" smtClean="0"/>
-                  <a:t>Spektrogram / Spektrum</a:t>
-                </a:r>
-                <a:endParaRPr lang="en-US" dirty="0"/>
-              </a:p>
-            </p:txBody>
-          </p:sp>
-        </mc:Choice>
-        <mc:Fallback xmlns="">
-          <p:sp>
-            <p:nvSpPr>
-              <p:cNvPr id="3" name="Inhaltsplatzhalter 2"/>
-              <p:cNvSpPr>
-                <a:spLocks noGrp="1" noRot="1" noChangeAspect="1" noMove="1" noResize="1" noEditPoints="1" noAdjustHandles="1" noChangeArrowheads="1" noChangeShapeType="1" noTextEdit="1"/>
-              </p:cNvSpPr>
-              <p:nvPr>
-                <p:ph idx="1"/>
-              </p:nvPr>
-            </p:nvSpPr>
-            <p:spPr>
-              <a:blipFill rotWithShape="0">
-                <a:blip r:embed="rId2"/>
-                <a:stretch>
-                  <a:fillRect l="-1704" t="-2334" r="-889"/>
-                </a:stretch>
-              </a:blipFill>
-            </p:spPr>
-            <p:txBody>
-              <a:bodyPr/>
-              <a:lstStyle/>
-              <a:p>
-                <a:r>
-                  <a:rPr lang="en-US">
-                    <a:noFill/>
-                  </a:rPr>
-                  <a:t> </a:t>
-                </a:r>
-              </a:p>
-            </p:txBody>
-          </p:sp>
-        </mc:Fallback>
-      </mc:AlternateContent>
       <p:sp>
         <p:nvSpPr>
           <p:cNvPr id="4" name="Datumsplatzhalter 3"/>
@@ -4046,12 +6061,11 @@
           <a:bodyPr/>
           <a:lstStyle/>
           <a:p>
-            <a:fld id="{1C72BD4E-61B2-40A3-A75C-5FDEDE8E5EC5}" type="datetime1">
-              <a:rPr lang="de-DE" smtClean="0"/>
-              <a:pPr/>
+            <a:fld id="{296000BE-0612-4D88-A1AC-FF1287139C2E}" type="datetime1">
+              <a:rPr lang="de-DE" smtClean="0"/>
               <a:t>17.06.2015</a:t>
             </a:fld>
-            <a:endParaRPr lang="de-DE"/>
+            <a:endParaRPr lang="de-DE" dirty="0"/>
           </a:p>
         </p:txBody>
       </p:sp>
@@ -4074,7 +6088,7 @@
               <a:rPr lang="de-DE" smtClean="0"/>
               <a:t>FM-Synthese</a:t>
             </a:r>
-            <a:endParaRPr lang="de-DE"/>
+            <a:endParaRPr lang="de-DE" dirty="0"/>
           </a:p>
         </p:txBody>
       </p:sp>
@@ -4093,11 +6107,14 @@
           <a:bodyPr/>
           <a:lstStyle/>
           <a:p>
-            <a:fld id="{6C6AE60A-B69C-4790-82F7-3882EDF23186}" type="slidenum">
-              <a:rPr lang="de-DE" smtClean="0"/>
-              <a:pPr/>
-              <a:t>2</a:t>
+            <a:fld id="{8740CB20-F870-467D-84CE-AB32061190A1}" type="slidenum">
+              <a:rPr lang="en-US" smtClean="0"/>
+              <a:t>20</a:t>
             </a:fld>
+            <a:r>
+              <a:rPr lang="de-DE" smtClean="0"/>
+              <a:t>   </a:t>
+            </a:r>
             <a:endParaRPr lang="de-DE" dirty="0"/>
           </a:p>
         </p:txBody>
@@ -4105,7 +6122,290 @@
     </p:spTree>
     <p:extLst>
       <p:ext uri="{BB962C8B-B14F-4D97-AF65-F5344CB8AC3E}">
-        <p14:creationId xmlns:p14="http://schemas.microsoft.com/office/powerpoint/2010/main" val="2604678958"/>
+        <p14:creationId xmlns:p14="http://schemas.microsoft.com/office/powerpoint/2010/main" val="3741543770"/>
+      </p:ext>
+    </p:extLst>
+  </p:cSld>
+  <p:clrMapOvr>
+    <a:masterClrMapping/>
+  </p:clrMapOvr>
+  <p:timing>
+    <p:tnLst>
+      <p:par>
+        <p:cTn id="1" dur="indefinite" restart="never" nodeType="tmRoot"/>
+      </p:par>
+    </p:tnLst>
+  </p:timing>
+</p:sld>
+</file>
+
+<file path=ppt/slides/slide21.xml><?xml version="1.0" encoding="utf-8"?>
+<p:sld xmlns:a="http://schemas.openxmlformats.org/drawingml/2006/main" xmlns:r="http://schemas.openxmlformats.org/officeDocument/2006/relationships" xmlns:p="http://schemas.openxmlformats.org/presentationml/2006/main">
+  <p:cSld>
+    <p:spTree>
+      <p:nvGrpSpPr>
+        <p:cNvPr id="1" name=""/>
+        <p:cNvGrpSpPr/>
+        <p:nvPr/>
+      </p:nvGrpSpPr>
+      <p:grpSpPr>
+        <a:xfrm>
+          <a:off x="0" y="0"/>
+          <a:ext cx="0" cy="0"/>
+          <a:chOff x="0" y="0"/>
+          <a:chExt cx="0" cy="0"/>
+        </a:xfrm>
+      </p:grpSpPr>
+      <p:sp>
+        <p:nvSpPr>
+          <p:cNvPr id="2" name="Titel 1"/>
+          <p:cNvSpPr>
+            <a:spLocks noGrp="1"/>
+          </p:cNvSpPr>
+          <p:nvPr>
+            <p:ph type="title"/>
+          </p:nvPr>
+        </p:nvSpPr>
+        <p:spPr/>
+        <p:txBody>
+          <a:bodyPr/>
+          <a:lstStyle/>
+          <a:p>
+            <a:r>
+              <a:rPr lang="de-DE" dirty="0" smtClean="0"/>
+              <a:t>Quellen</a:t>
+            </a:r>
+            <a:endParaRPr lang="en-US" dirty="0"/>
+          </a:p>
+        </p:txBody>
+      </p:sp>
+      <p:sp>
+        <p:nvSpPr>
+          <p:cNvPr id="4" name="Datumsplatzhalter 3"/>
+          <p:cNvSpPr>
+            <a:spLocks noGrp="1"/>
+          </p:cNvSpPr>
+          <p:nvPr>
+            <p:ph type="dt" sz="half" idx="10"/>
+          </p:nvPr>
+        </p:nvSpPr>
+        <p:spPr/>
+        <p:txBody>
+          <a:bodyPr/>
+          <a:lstStyle/>
+          <a:p>
+            <a:fld id="{296000BE-0612-4D88-A1AC-FF1287139C2E}" type="datetime1">
+              <a:rPr lang="de-DE" smtClean="0"/>
+              <a:t>17.06.2015</a:t>
+            </a:fld>
+            <a:endParaRPr lang="de-DE" dirty="0"/>
+          </a:p>
+        </p:txBody>
+      </p:sp>
+      <p:sp>
+        <p:nvSpPr>
+          <p:cNvPr id="5" name="Fußzeilenplatzhalter 4"/>
+          <p:cNvSpPr>
+            <a:spLocks noGrp="1"/>
+          </p:cNvSpPr>
+          <p:nvPr>
+            <p:ph type="ftr" sz="quarter" idx="11"/>
+          </p:nvPr>
+        </p:nvSpPr>
+        <p:spPr/>
+        <p:txBody>
+          <a:bodyPr/>
+          <a:lstStyle/>
+          <a:p>
+            <a:r>
+              <a:rPr lang="de-DE" smtClean="0"/>
+              <a:t>FM-Synthese</a:t>
+            </a:r>
+            <a:endParaRPr lang="de-DE" dirty="0"/>
+          </a:p>
+        </p:txBody>
+      </p:sp>
+      <p:sp>
+        <p:nvSpPr>
+          <p:cNvPr id="6" name="Foliennummernplatzhalter 5"/>
+          <p:cNvSpPr>
+            <a:spLocks noGrp="1"/>
+          </p:cNvSpPr>
+          <p:nvPr>
+            <p:ph type="sldNum" sz="quarter" idx="12"/>
+          </p:nvPr>
+        </p:nvSpPr>
+        <p:spPr/>
+        <p:txBody>
+          <a:bodyPr/>
+          <a:lstStyle/>
+          <a:p>
+            <a:fld id="{8740CB20-F870-467D-84CE-AB32061190A1}" type="slidenum">
+              <a:rPr lang="en-US" smtClean="0"/>
+              <a:t>21</a:t>
+            </a:fld>
+            <a:r>
+              <a:rPr lang="de-DE" smtClean="0"/>
+              <a:t>   </a:t>
+            </a:r>
+            <a:endParaRPr lang="de-DE" dirty="0"/>
+          </a:p>
+        </p:txBody>
+      </p:sp>
+      <p:grpSp>
+        <p:nvGrpSpPr>
+          <p:cNvPr id="13" name="Gruppieren 12"/>
+          <p:cNvGrpSpPr/>
+          <p:nvPr/>
+        </p:nvGrpSpPr>
+        <p:grpSpPr>
+          <a:xfrm>
+            <a:off x="911108" y="1261210"/>
+            <a:ext cx="7470228" cy="3038732"/>
+            <a:chOff x="911108" y="1419622"/>
+            <a:chExt cx="7470228" cy="3038732"/>
+          </a:xfrm>
+        </p:grpSpPr>
+        <p:grpSp>
+          <p:nvGrpSpPr>
+            <p:cNvPr id="11" name="Gruppieren 10"/>
+            <p:cNvGrpSpPr/>
+            <p:nvPr/>
+          </p:nvGrpSpPr>
+          <p:grpSpPr>
+            <a:xfrm>
+              <a:off x="911108" y="1419622"/>
+              <a:ext cx="7337064" cy="2484364"/>
+              <a:chOff x="439011" y="1131590"/>
+              <a:chExt cx="7337064" cy="2484364"/>
+            </a:xfrm>
+          </p:grpSpPr>
+          <p:pic>
+            <p:nvPicPr>
+              <p:cNvPr id="7" name="Grafik 6"/>
+              <p:cNvPicPr>
+                <a:picLocks noChangeAspect="1"/>
+              </p:cNvPicPr>
+              <p:nvPr/>
+            </p:nvPicPr>
+            <p:blipFill>
+              <a:blip r:embed="rId2"/>
+              <a:stretch>
+                <a:fillRect/>
+              </a:stretch>
+            </p:blipFill>
+            <p:spPr>
+              <a:xfrm>
+                <a:off x="453525" y="1131590"/>
+                <a:ext cx="7302134" cy="515843"/>
+              </a:xfrm>
+              <a:prstGeom prst="rect">
+                <a:avLst/>
+              </a:prstGeom>
+            </p:spPr>
+          </p:pic>
+          <p:pic>
+            <p:nvPicPr>
+              <p:cNvPr id="8" name="Grafik 7"/>
+              <p:cNvPicPr>
+                <a:picLocks noChangeAspect="1"/>
+              </p:cNvPicPr>
+              <p:nvPr/>
+            </p:nvPicPr>
+            <p:blipFill>
+              <a:blip r:embed="rId3"/>
+              <a:stretch>
+                <a:fillRect/>
+              </a:stretch>
+            </p:blipFill>
+            <p:spPr>
+              <a:xfrm>
+                <a:off x="439011" y="1715794"/>
+                <a:ext cx="7217877" cy="495916"/>
+              </a:xfrm>
+              <a:prstGeom prst="rect">
+                <a:avLst/>
+              </a:prstGeom>
+            </p:spPr>
+          </p:pic>
+          <p:pic>
+            <p:nvPicPr>
+              <p:cNvPr id="9" name="Grafik 8"/>
+              <p:cNvPicPr>
+                <a:picLocks noChangeAspect="1"/>
+              </p:cNvPicPr>
+              <p:nvPr/>
+            </p:nvPicPr>
+            <p:blipFill>
+              <a:blip r:embed="rId4"/>
+              <a:stretch>
+                <a:fillRect/>
+              </a:stretch>
+            </p:blipFill>
+            <p:spPr>
+              <a:xfrm>
+                <a:off x="473941" y="2280071"/>
+                <a:ext cx="7276688" cy="703245"/>
+              </a:xfrm>
+              <a:prstGeom prst="rect">
+                <a:avLst/>
+              </a:prstGeom>
+            </p:spPr>
+          </p:pic>
+          <p:pic>
+            <p:nvPicPr>
+              <p:cNvPr id="10" name="Grafik 9"/>
+              <p:cNvPicPr>
+                <a:picLocks noChangeAspect="1"/>
+              </p:cNvPicPr>
+              <p:nvPr/>
+            </p:nvPicPr>
+            <p:blipFill>
+              <a:blip r:embed="rId5"/>
+              <a:stretch>
+                <a:fillRect/>
+              </a:stretch>
+            </p:blipFill>
+            <p:spPr>
+              <a:xfrm>
+                <a:off x="473941" y="3052622"/>
+                <a:ext cx="7302134" cy="563332"/>
+              </a:xfrm>
+              <a:prstGeom prst="rect">
+                <a:avLst/>
+              </a:prstGeom>
+            </p:spPr>
+          </p:pic>
+        </p:grpSp>
+        <p:pic>
+          <p:nvPicPr>
+            <p:cNvPr id="12" name="Grafik 11"/>
+            <p:cNvPicPr>
+              <a:picLocks noChangeAspect="1"/>
+            </p:cNvPicPr>
+            <p:nvPr/>
+          </p:nvPicPr>
+          <p:blipFill>
+            <a:blip r:embed="rId6"/>
+            <a:stretch>
+              <a:fillRect/>
+            </a:stretch>
+          </p:blipFill>
+          <p:spPr>
+            <a:xfrm>
+              <a:off x="920856" y="3867894"/>
+              <a:ext cx="7460480" cy="590460"/>
+            </a:xfrm>
+            <a:prstGeom prst="rect">
+              <a:avLst/>
+            </a:prstGeom>
+          </p:spPr>
+        </p:pic>
+      </p:grpSp>
+    </p:spTree>
+    <p:extLst>
+      <p:ext uri="{BB962C8B-B14F-4D97-AF65-F5344CB8AC3E}">
+        <p14:creationId xmlns:p14="http://schemas.microsoft.com/office/powerpoint/2010/main" val="1367311520"/>
       </p:ext>
     </p:extLst>
   </p:cSld>
@@ -4141,7 +6441,26 @@
       </p:grpSpPr>
       <p:sp>
         <p:nvSpPr>
-          <p:cNvPr id="2" name="Titel 1"/>
+          <p:cNvPr id="10" name="Untertitel 9"/>
+          <p:cNvSpPr>
+            <a:spLocks noGrp="1"/>
+          </p:cNvSpPr>
+          <p:nvPr>
+            <p:ph type="subTitle" idx="1"/>
+          </p:nvPr>
+        </p:nvSpPr>
+        <p:spPr/>
+        <p:txBody>
+          <a:bodyPr/>
+          <a:lstStyle/>
+          <a:p>
+            <a:endParaRPr lang="en-US" dirty="0"/>
+          </a:p>
+        </p:txBody>
+      </p:sp>
+      <p:sp>
+        <p:nvSpPr>
+          <p:cNvPr id="9" name="Titel 8"/>
           <p:cNvSpPr>
             <a:spLocks noGrp="1"/>
           </p:cNvSpPr>
@@ -4155,138 +6474,9 @@
           <a:lstStyle/>
           <a:p>
             <a:r>
-              <a:rPr lang="de-DE" dirty="0" smtClean="0"/>
-              <a:t>Methoden</a:t>
-            </a:r>
-            <a:endParaRPr lang="en-US" dirty="0"/>
-          </a:p>
-        </p:txBody>
-      </p:sp>
-      <p:sp>
-        <p:nvSpPr>
-          <p:cNvPr id="3" name="Inhaltsplatzhalter 2"/>
-          <p:cNvSpPr>
-            <a:spLocks noGrp="1"/>
-          </p:cNvSpPr>
-          <p:nvPr>
-            <p:ph idx="1"/>
-          </p:nvPr>
-        </p:nvSpPr>
-        <p:spPr/>
-        <p:txBody>
-          <a:bodyPr/>
-          <a:lstStyle/>
-          <a:p>
-            <a:r>
-              <a:rPr lang="de-DE" dirty="0" smtClean="0"/>
-              <a:t>Art der FM-Synthese</a:t>
-            </a:r>
-          </a:p>
-          <a:p>
-            <a:pPr lvl="1"/>
-            <a:r>
-              <a:rPr lang="de-DE" dirty="0" smtClean="0"/>
-              <a:t>Komplex</a:t>
-            </a:r>
-          </a:p>
-          <a:p>
-            <a:pPr lvl="2"/>
-            <a:r>
-              <a:rPr lang="de-DE" dirty="0" smtClean="0"/>
-              <a:t>Parallel</a:t>
-            </a:r>
-          </a:p>
-          <a:p>
-            <a:pPr lvl="2"/>
-            <a:r>
-              <a:rPr lang="de-DE" dirty="0" smtClean="0"/>
-              <a:t>In Reihe</a:t>
-            </a:r>
-          </a:p>
-          <a:p>
-            <a:pPr lvl="2"/>
-            <a:r>
-              <a:rPr lang="de-DE" dirty="0" smtClean="0"/>
-              <a:t>Feedback</a:t>
-            </a:r>
-          </a:p>
-          <a:p>
-            <a:pPr lvl="1"/>
-            <a:r>
-              <a:rPr lang="de-DE" dirty="0" smtClean="0"/>
-              <a:t>Einfach</a:t>
-            </a:r>
-            <a:endParaRPr lang="de-DE" dirty="0"/>
-          </a:p>
-        </p:txBody>
-      </p:sp>
-      <p:sp>
-        <p:nvSpPr>
-          <p:cNvPr id="4" name="Datumsplatzhalter 3"/>
-          <p:cNvSpPr>
-            <a:spLocks noGrp="1"/>
-          </p:cNvSpPr>
-          <p:nvPr>
-            <p:ph type="dt" sz="half" idx="10"/>
-          </p:nvPr>
-        </p:nvSpPr>
-        <p:spPr/>
-        <p:txBody>
-          <a:bodyPr/>
-          <a:lstStyle/>
-          <a:p>
-            <a:fld id="{1C72BD4E-61B2-40A3-A75C-5FDEDE8E5EC5}" type="datetime1">
-              <a:rPr lang="de-DE" smtClean="0"/>
-              <a:pPr/>
-              <a:t>17.06.2015</a:t>
-            </a:fld>
-            <a:endParaRPr lang="de-DE"/>
-          </a:p>
-        </p:txBody>
-      </p:sp>
-      <p:sp>
-        <p:nvSpPr>
-          <p:cNvPr id="5" name="Fußzeilenplatzhalter 4"/>
-          <p:cNvSpPr>
-            <a:spLocks noGrp="1"/>
-          </p:cNvSpPr>
-          <p:nvPr>
-            <p:ph type="ftr" sz="quarter" idx="11"/>
-          </p:nvPr>
-        </p:nvSpPr>
-        <p:spPr/>
-        <p:txBody>
-          <a:bodyPr/>
-          <a:lstStyle/>
-          <a:p>
-            <a:r>
-              <a:rPr lang="de-DE" smtClean="0"/>
-              <a:t>FM-Synthese</a:t>
-            </a:r>
-            <a:endParaRPr lang="de-DE"/>
-          </a:p>
-        </p:txBody>
-      </p:sp>
-      <p:sp>
-        <p:nvSpPr>
-          <p:cNvPr id="6" name="Foliennummernplatzhalter 5"/>
-          <p:cNvSpPr>
-            <a:spLocks noGrp="1"/>
-          </p:cNvSpPr>
-          <p:nvPr>
-            <p:ph type="sldNum" sz="quarter" idx="12"/>
-          </p:nvPr>
-        </p:nvSpPr>
-        <p:spPr/>
-        <p:txBody>
-          <a:bodyPr/>
-          <a:lstStyle/>
-          <a:p>
-            <a:fld id="{6C6AE60A-B69C-4790-82F7-3882EDF23186}" type="slidenum">
-              <a:rPr lang="de-DE" smtClean="0"/>
-              <a:pPr/>
-              <a:t>3</a:t>
-            </a:fld>
+              <a:rPr lang="de-DE" dirty="0"/>
+              <a:t>Techniken zur Generierung eines Instrumententones</a:t>
+            </a:r>
             <a:endParaRPr lang="de-DE" dirty="0"/>
           </a:p>
         </p:txBody>
@@ -4294,7 +6484,7 @@
     </p:spTree>
     <p:extLst>
       <p:ext uri="{BB962C8B-B14F-4D97-AF65-F5344CB8AC3E}">
-        <p14:creationId xmlns:p14="http://schemas.microsoft.com/office/powerpoint/2010/main" val="1067947077"/>
+        <p14:creationId xmlns:p14="http://schemas.microsoft.com/office/powerpoint/2010/main" val="305410400"/>
       </p:ext>
     </p:extLst>
   </p:cSld>
@@ -4344,8 +6534,12 @@
           <a:lstStyle/>
           <a:p>
             <a:r>
-              <a:rPr lang="de-DE" dirty="0" smtClean="0"/>
-              <a:t>Methoden</a:t>
+              <a:rPr lang="de-DE" dirty="0"/>
+              <a:t>Parametrisierung </a:t>
+            </a:r>
+            <a:r>
+              <a:rPr lang="de-DE" dirty="0" smtClean="0"/>
+              <a:t>der FM-Synthese-Formel</a:t>
             </a:r>
             <a:endParaRPr lang="en-US" dirty="0"/>
           </a:p>
@@ -4361,16 +6555,49 @@
             <p:ph idx="1"/>
           </p:nvPr>
         </p:nvSpPr>
-        <p:spPr/>
-        <p:txBody>
-          <a:bodyPr/>
-          <a:lstStyle/>
-          <a:p>
-            <a:r>
-              <a:rPr lang="de-DE" dirty="0" smtClean="0"/>
-              <a:t>ADSR-Hüllkurve</a:t>
-            </a:r>
-            <a:endParaRPr lang="en-US" dirty="0"/>
+        <p:spPr>
+          <a:xfrm>
+            <a:off x="452168" y="1502635"/>
+            <a:ext cx="8229600" cy="3013331"/>
+          </a:xfrm>
+        </p:spPr>
+        <p:txBody>
+          <a:bodyPr>
+            <a:normAutofit/>
+          </a:bodyPr>
+          <a:lstStyle/>
+          <a:p>
+            <a:pPr marL="0" indent="0">
+              <a:buNone/>
+            </a:pPr>
+            <a:endParaRPr lang="de-DE" dirty="0" smtClean="0"/>
+          </a:p>
+          <a:p>
+            <a:pPr marL="0" indent="0">
+              <a:buNone/>
+            </a:pPr>
+            <a:endParaRPr lang="de-DE" dirty="0"/>
+          </a:p>
+          <a:p>
+            <a:r>
+              <a:rPr lang="de-DE" dirty="0" smtClean="0"/>
+              <a:t>Trägerfrequenz </a:t>
+            </a:r>
+            <a:endParaRPr lang="de-DE" dirty="0" smtClean="0"/>
+          </a:p>
+          <a:p>
+            <a:r>
+              <a:rPr lang="de-DE" dirty="0" smtClean="0"/>
+              <a:t>Modulationsindex </a:t>
+            </a:r>
+            <a:endParaRPr lang="de-DE" b="1" dirty="0"/>
+          </a:p>
+          <a:p>
+            <a:r>
+              <a:rPr lang="de-DE" dirty="0"/>
+              <a:t>Modulationsfrequenz </a:t>
+            </a:r>
+            <a:endParaRPr lang="de-DE" b="1" dirty="0"/>
           </a:p>
         </p:txBody>
       </p:sp>
@@ -4389,12 +6616,11 @@
           <a:bodyPr/>
           <a:lstStyle/>
           <a:p>
-            <a:fld id="{1C72BD4E-61B2-40A3-A75C-5FDEDE8E5EC5}" type="datetime1">
-              <a:rPr lang="de-DE" smtClean="0"/>
-              <a:pPr/>
+            <a:fld id="{296000BE-0612-4D88-A1AC-FF1287139C2E}" type="datetime1">
+              <a:rPr lang="de-DE" smtClean="0"/>
               <a:t>17.06.2015</a:t>
             </a:fld>
-            <a:endParaRPr lang="de-DE"/>
+            <a:endParaRPr lang="de-DE" dirty="0"/>
           </a:p>
         </p:txBody>
       </p:sp>
@@ -4417,7 +6643,7 @@
               <a:rPr lang="de-DE" smtClean="0"/>
               <a:t>FM-Synthese</a:t>
             </a:r>
-            <a:endParaRPr lang="de-DE"/>
+            <a:endParaRPr lang="de-DE" dirty="0"/>
           </a:p>
         </p:txBody>
       </p:sp>
@@ -4436,25 +6662,32 @@
           <a:bodyPr/>
           <a:lstStyle/>
           <a:p>
-            <a:fld id="{6C6AE60A-B69C-4790-82F7-3882EDF23186}" type="slidenum">
-              <a:rPr lang="de-DE" smtClean="0"/>
-              <a:pPr/>
+            <a:fld id="{8740CB20-F870-467D-84CE-AB32061190A1}" type="slidenum">
+              <a:rPr lang="en-US" smtClean="0"/>
               <a:t>4</a:t>
             </a:fld>
+            <a:r>
+              <a:rPr lang="de-DE" smtClean="0"/>
+              <a:t>   </a:t>
+            </a:r>
             <a:endParaRPr lang="de-DE" dirty="0"/>
           </a:p>
         </p:txBody>
       </p:sp>
       <p:pic>
         <p:nvPicPr>
-          <p:cNvPr id="9" name="Grafik 8"/>
+          <p:cNvPr id="22" name="Grafik 21"/>
           <p:cNvPicPr>
             <a:picLocks noChangeAspect="1"/>
           </p:cNvPicPr>
-          <p:nvPr/>
+          <p:nvPr>
+            <p:custDataLst>
+              <p:tags r:id="rId1"/>
+            </p:custDataLst>
+          </p:nvPr>
         </p:nvPicPr>
         <p:blipFill>
-          <a:blip r:embed="rId2" cstate="print">
+          <a:blip r:embed="rId6" cstate="print">
             <a:extLst>
               <a:ext uri="{28A0092B-C50C-407E-A947-70E740481C1C}">
                 <a14:useLocalDpi xmlns:a14="http://schemas.microsoft.com/office/drawing/2010/main" val="0"/>
@@ -4467,18 +6700,240 @@
         </p:blipFill>
         <p:spPr>
           <a:xfrm>
-            <a:off x="971600" y="1851670"/>
-            <a:ext cx="6912768" cy="2468846"/>
+            <a:off x="2479182" y="1634432"/>
+            <a:ext cx="4241884" cy="253019"/>
           </a:xfrm>
           <a:prstGeom prst="rect">
             <a:avLst/>
           </a:prstGeom>
         </p:spPr>
       </p:pic>
+      <p:grpSp>
+        <p:nvGrpSpPr>
+          <p:cNvPr id="23" name="Gruppieren 22"/>
+          <p:cNvGrpSpPr/>
+          <p:nvPr/>
+        </p:nvGrpSpPr>
+        <p:grpSpPr>
+          <a:xfrm>
+            <a:off x="3383867" y="2583737"/>
+            <a:ext cx="1512169" cy="1511040"/>
+            <a:chOff x="3160569" y="2340422"/>
+            <a:chExt cx="827790" cy="820442"/>
+          </a:xfrm>
+        </p:grpSpPr>
+        <p:pic>
+          <p:nvPicPr>
+            <p:cNvPr id="16" name="Grafik 15"/>
+            <p:cNvPicPr>
+              <a:picLocks noChangeAspect="1"/>
+            </p:cNvPicPr>
+            <p:nvPr>
+              <p:custDataLst>
+                <p:tags r:id="rId2"/>
+              </p:custDataLst>
+            </p:nvPr>
+          </p:nvPicPr>
+          <p:blipFill>
+            <a:blip r:embed="rId7" cstate="print">
+              <a:extLst>
+                <a:ext uri="{28A0092B-C50C-407E-A947-70E740481C1C}">
+                  <a14:useLocalDpi xmlns:a14="http://schemas.microsoft.com/office/drawing/2010/main" val="0"/>
+                </a:ext>
+              </a:extLst>
+            </a:blip>
+            <a:stretch>
+              <a:fillRect/>
+            </a:stretch>
+          </p:blipFill>
+          <p:spPr>
+            <a:xfrm>
+              <a:off x="3160569" y="2340422"/>
+              <a:ext cx="198148" cy="230156"/>
+            </a:xfrm>
+            <a:prstGeom prst="rect">
+              <a:avLst/>
+            </a:prstGeom>
+          </p:spPr>
+        </p:pic>
+        <p:pic>
+          <p:nvPicPr>
+            <p:cNvPr id="17" name="Grafik 16"/>
+            <p:cNvPicPr>
+              <a:picLocks noChangeAspect="1"/>
+            </p:cNvPicPr>
+            <p:nvPr>
+              <p:custDataLst>
+                <p:tags r:id="rId3"/>
+              </p:custDataLst>
+            </p:nvPr>
+          </p:nvPicPr>
+          <p:blipFill>
+            <a:blip r:embed="rId8" cstate="print">
+              <a:extLst>
+                <a:ext uri="{28A0092B-C50C-407E-A947-70E740481C1C}">
+                  <a14:useLocalDpi xmlns:a14="http://schemas.microsoft.com/office/drawing/2010/main" val="0"/>
+                </a:ext>
+              </a:extLst>
+            </a:blip>
+            <a:stretch>
+              <a:fillRect/>
+            </a:stretch>
+          </p:blipFill>
+          <p:spPr>
+            <a:xfrm>
+              <a:off x="3419872" y="2657934"/>
+              <a:ext cx="118889" cy="172236"/>
+            </a:xfrm>
+            <a:prstGeom prst="rect">
+              <a:avLst/>
+            </a:prstGeom>
+          </p:spPr>
+        </p:pic>
+        <p:pic>
+          <p:nvPicPr>
+            <p:cNvPr id="18" name="Grafik 17"/>
+            <p:cNvPicPr>
+              <a:picLocks noChangeAspect="1"/>
+            </p:cNvPicPr>
+            <p:nvPr>
+              <p:custDataLst>
+                <p:tags r:id="rId4"/>
+              </p:custDataLst>
+            </p:nvPr>
+          </p:nvPicPr>
+          <p:blipFill>
+            <a:blip r:embed="rId9" cstate="print">
+              <a:extLst>
+                <a:ext uri="{28A0092B-C50C-407E-A947-70E740481C1C}">
+                  <a14:useLocalDpi xmlns:a14="http://schemas.microsoft.com/office/drawing/2010/main" val="0"/>
+                </a:ext>
+              </a:extLst>
+            </a:blip>
+            <a:stretch>
+              <a:fillRect/>
+            </a:stretch>
+          </p:blipFill>
+          <p:spPr>
+            <a:xfrm>
+              <a:off x="3707904" y="2930708"/>
+              <a:ext cx="280455" cy="230156"/>
+            </a:xfrm>
+            <a:prstGeom prst="rect">
+              <a:avLst/>
+            </a:prstGeom>
+          </p:spPr>
+        </p:pic>
+      </p:grpSp>
+      <p:cxnSp>
+        <p:nvCxnSpPr>
+          <p:cNvPr id="31" name="Gewinkelte Verbindung 30"/>
+          <p:cNvCxnSpPr/>
+          <p:nvPr/>
+        </p:nvCxnSpPr>
+        <p:spPr>
+          <a:xfrm rot="5400000">
+            <a:off x="3705095" y="2148140"/>
+            <a:ext cx="875347" cy="570436"/>
+          </a:xfrm>
+          <a:prstGeom prst="bentConnector3">
+            <a:avLst>
+              <a:gd name="adj1" fmla="val 100206"/>
+            </a:avLst>
+          </a:prstGeom>
+          <a:ln>
+            <a:tailEnd type="triangle"/>
+          </a:ln>
+        </p:spPr>
+        <p:style>
+          <a:lnRef idx="1">
+            <a:schemeClr val="accent1"/>
+          </a:lnRef>
+          <a:fillRef idx="0">
+            <a:schemeClr val="accent1"/>
+          </a:fillRef>
+          <a:effectRef idx="0">
+            <a:schemeClr val="accent1"/>
+          </a:effectRef>
+          <a:fontRef idx="minor">
+            <a:schemeClr val="tx1"/>
+          </a:fontRef>
+        </p:style>
+      </p:cxnSp>
+      <p:cxnSp>
+        <p:nvCxnSpPr>
+          <p:cNvPr id="34" name="Gewinkelte Verbindung 33"/>
+          <p:cNvCxnSpPr/>
+          <p:nvPr/>
+        </p:nvCxnSpPr>
+        <p:spPr>
+          <a:xfrm rot="5400000">
+            <a:off x="3866248" y="2261323"/>
+            <a:ext cx="1331431" cy="800159"/>
+          </a:xfrm>
+          <a:prstGeom prst="bentConnector3">
+            <a:avLst>
+              <a:gd name="adj1" fmla="val 100044"/>
+            </a:avLst>
+          </a:prstGeom>
+          <a:ln>
+            <a:tailEnd type="triangle"/>
+          </a:ln>
+        </p:spPr>
+        <p:style>
+          <a:lnRef idx="1">
+            <a:schemeClr val="accent1"/>
+          </a:lnRef>
+          <a:fillRef idx="0">
+            <a:schemeClr val="accent1"/>
+          </a:fillRef>
+          <a:effectRef idx="0">
+            <a:schemeClr val="accent1"/>
+          </a:effectRef>
+          <a:fontRef idx="minor">
+            <a:schemeClr val="tx1"/>
+          </a:fontRef>
+        </p:style>
+      </p:cxnSp>
+      <p:cxnSp>
+        <p:nvCxnSpPr>
+          <p:cNvPr id="37" name="Gewinkelte Verbindung 36"/>
+          <p:cNvCxnSpPr/>
+          <p:nvPr/>
+        </p:nvCxnSpPr>
+        <p:spPr>
+          <a:xfrm rot="5400000">
+            <a:off x="4671331" y="2311041"/>
+            <a:ext cx="2016226" cy="1385512"/>
+          </a:xfrm>
+          <a:prstGeom prst="bentConnector3">
+            <a:avLst>
+              <a:gd name="adj1" fmla="val 99922"/>
+            </a:avLst>
+          </a:prstGeom>
+          <a:ln>
+            <a:tailEnd type="triangle"/>
+          </a:ln>
+        </p:spPr>
+        <p:style>
+          <a:lnRef idx="1">
+            <a:schemeClr val="accent1"/>
+          </a:lnRef>
+          <a:fillRef idx="0">
+            <a:schemeClr val="accent1"/>
+          </a:fillRef>
+          <a:effectRef idx="0">
+            <a:schemeClr val="accent1"/>
+          </a:effectRef>
+          <a:fontRef idx="minor">
+            <a:schemeClr val="tx1"/>
+          </a:fontRef>
+        </p:style>
+      </p:cxnSp>
     </p:spTree>
     <p:extLst>
       <p:ext uri="{BB962C8B-B14F-4D97-AF65-F5344CB8AC3E}">
-        <p14:creationId xmlns:p14="http://schemas.microsoft.com/office/powerpoint/2010/main" val="1164786770"/>
+        <p14:creationId xmlns:p14="http://schemas.microsoft.com/office/powerpoint/2010/main" val="3740568292"/>
       </p:ext>
     </p:extLst>
   </p:cSld>
@@ -4512,6 +6967,380 @@
           <a:chExt cx="0" cy="0"/>
         </a:xfrm>
       </p:grpSpPr>
+      <p:graphicFrame>
+        <p:nvGraphicFramePr>
+          <p:cNvPr id="11" name="Inhaltsplatzhalter 10"/>
+          <p:cNvGraphicFramePr>
+            <a:graphicFrameLocks noGrp="1"/>
+          </p:cNvGraphicFramePr>
+          <p:nvPr>
+            <p:ph idx="1"/>
+            <p:extLst>
+              <p:ext uri="{D42A27DB-BD31-4B8C-83A1-F6EECF244321}">
+                <p14:modId xmlns:p14="http://schemas.microsoft.com/office/powerpoint/2010/main" val="271589209"/>
+              </p:ext>
+            </p:extLst>
+          </p:nvPr>
+        </p:nvGraphicFramePr>
+        <p:xfrm>
+          <a:off x="457200" y="1200150"/>
+          <a:ext cx="8229600" cy="2966720"/>
+        </p:xfrm>
+        <a:graphic>
+          <a:graphicData uri="http://schemas.openxmlformats.org/drawingml/2006/table">
+            <a:tbl>
+              <a:tblPr bandRow="1">
+                <a:tableStyleId>{3B4B98B0-60AC-42C2-AFA5-B58CD77FA1E5}</a:tableStyleId>
+              </a:tblPr>
+              <a:tblGrid>
+                <a:gridCol w="8229600"/>
+              </a:tblGrid>
+              <a:tr h="370840">
+                <a:tc>
+                  <a:txBody>
+                    <a:bodyPr/>
+                    <a:lstStyle/>
+                    <a:p>
+                      <a:r>
+                        <a:rPr lang="de-DE" dirty="0" smtClean="0"/>
+                        <a:t>Einfache</a:t>
+                      </a:r>
+                      <a:r>
+                        <a:rPr lang="de-DE" baseline="0" dirty="0" smtClean="0"/>
+                        <a:t> FM-Synthese</a:t>
+                      </a:r>
+                      <a:endParaRPr lang="de-DE" dirty="0" smtClean="0"/>
+                    </a:p>
+                  </a:txBody>
+                  <a:tcPr/>
+                </a:tc>
+              </a:tr>
+              <a:tr h="370840">
+                <a:tc>
+                  <a:txBody>
+                    <a:bodyPr/>
+                    <a:lstStyle/>
+                    <a:p>
+                      <a:endParaRPr lang="de-DE" dirty="0" smtClean="0"/>
+                    </a:p>
+                  </a:txBody>
+                  <a:tcPr/>
+                </a:tc>
+              </a:tr>
+              <a:tr h="370840">
+                <a:tc>
+                  <a:txBody>
+                    <a:bodyPr/>
+                    <a:lstStyle/>
+                    <a:p>
+                      <a:r>
+                        <a:rPr lang="de-DE" dirty="0" smtClean="0"/>
+                        <a:t>Komplex Modulatoren in Reihe</a:t>
+                      </a:r>
+                      <a:endParaRPr lang="en-US" dirty="0"/>
+                    </a:p>
+                  </a:txBody>
+                  <a:tcPr/>
+                </a:tc>
+              </a:tr>
+              <a:tr h="370840">
+                <a:tc>
+                  <a:txBody>
+                    <a:bodyPr/>
+                    <a:lstStyle/>
+                    <a:p>
+                      <a:pPr marL="0" marR="0" indent="0" algn="l" defTabSz="914400" rtl="0" eaLnBrk="1" fontAlgn="auto" latinLnBrk="0" hangingPunct="1">
+                        <a:lnSpc>
+                          <a:spcPct val="100000"/>
+                        </a:lnSpc>
+                        <a:spcBef>
+                          <a:spcPts val="0"/>
+                        </a:spcBef>
+                        <a:spcAft>
+                          <a:spcPts val="0"/>
+                        </a:spcAft>
+                        <a:buClrTx/>
+                        <a:buSzTx/>
+                        <a:buFontTx/>
+                        <a:buNone/>
+                        <a:tabLst/>
+                        <a:defRPr/>
+                      </a:pPr>
+                      <a:endParaRPr lang="en-US" dirty="0"/>
+                    </a:p>
+                  </a:txBody>
+                  <a:tcPr/>
+                </a:tc>
+              </a:tr>
+              <a:tr h="370840">
+                <a:tc>
+                  <a:txBody>
+                    <a:bodyPr/>
+                    <a:lstStyle/>
+                    <a:p>
+                      <a:pPr marL="0" marR="0" indent="0" algn="l" defTabSz="914400" rtl="0" eaLnBrk="1" fontAlgn="auto" latinLnBrk="0" hangingPunct="1">
+                        <a:lnSpc>
+                          <a:spcPct val="100000"/>
+                        </a:lnSpc>
+                        <a:spcBef>
+                          <a:spcPts val="0"/>
+                        </a:spcBef>
+                        <a:spcAft>
+                          <a:spcPts val="0"/>
+                        </a:spcAft>
+                        <a:buClrTx/>
+                        <a:buSzTx/>
+                        <a:buFontTx/>
+                        <a:buNone/>
+                        <a:tabLst/>
+                        <a:defRPr/>
+                      </a:pPr>
+                      <a:r>
+                        <a:rPr lang="de-DE" dirty="0" smtClean="0"/>
+                        <a:t>Komplex Modulatoren</a:t>
+                      </a:r>
+                      <a:r>
+                        <a:rPr lang="de-DE" baseline="0" dirty="0" smtClean="0"/>
+                        <a:t> </a:t>
+                      </a:r>
+                      <a:r>
+                        <a:rPr lang="de-DE" dirty="0" smtClean="0"/>
+                        <a:t>geschachtelt</a:t>
+                      </a:r>
+                      <a:endParaRPr lang="en-US" dirty="0" smtClean="0"/>
+                    </a:p>
+                  </a:txBody>
+                  <a:tcPr/>
+                </a:tc>
+              </a:tr>
+              <a:tr h="370840">
+                <a:tc>
+                  <a:txBody>
+                    <a:bodyPr/>
+                    <a:lstStyle/>
+                    <a:p>
+                      <a:endParaRPr lang="de-DE" dirty="0" smtClean="0"/>
+                    </a:p>
+                  </a:txBody>
+                  <a:tcPr/>
+                </a:tc>
+              </a:tr>
+              <a:tr h="370840">
+                <a:tc>
+                  <a:txBody>
+                    <a:bodyPr/>
+                    <a:lstStyle/>
+                    <a:p>
+                      <a:pPr marL="0" marR="0" indent="0" algn="l" defTabSz="914400" rtl="0" eaLnBrk="1" fontAlgn="auto" latinLnBrk="0" hangingPunct="1">
+                        <a:lnSpc>
+                          <a:spcPct val="100000"/>
+                        </a:lnSpc>
+                        <a:spcBef>
+                          <a:spcPts val="0"/>
+                        </a:spcBef>
+                        <a:spcAft>
+                          <a:spcPts val="0"/>
+                        </a:spcAft>
+                        <a:buClrTx/>
+                        <a:buSzTx/>
+                        <a:buFontTx/>
+                        <a:buNone/>
+                        <a:tabLst/>
+                        <a:defRPr/>
+                      </a:pPr>
+                      <a:r>
+                        <a:rPr lang="de-DE" dirty="0" smtClean="0"/>
+                        <a:t>Komplex Feedback</a:t>
+                      </a:r>
+                    </a:p>
+                  </a:txBody>
+                  <a:tcPr/>
+                </a:tc>
+              </a:tr>
+              <a:tr h="370840">
+                <a:tc>
+                  <a:txBody>
+                    <a:bodyPr/>
+                    <a:lstStyle/>
+                    <a:p>
+                      <a:pPr marL="0" marR="0" indent="0" algn="l" defTabSz="914400" rtl="0" eaLnBrk="1" fontAlgn="auto" latinLnBrk="0" hangingPunct="1">
+                        <a:lnSpc>
+                          <a:spcPct val="100000"/>
+                        </a:lnSpc>
+                        <a:spcBef>
+                          <a:spcPts val="0"/>
+                        </a:spcBef>
+                        <a:spcAft>
+                          <a:spcPts val="0"/>
+                        </a:spcAft>
+                        <a:buClrTx/>
+                        <a:buSzTx/>
+                        <a:buFontTx/>
+                        <a:buNone/>
+                        <a:tabLst/>
+                        <a:defRPr/>
+                      </a:pPr>
+                      <a:endParaRPr lang="de-DE" dirty="0" smtClean="0"/>
+                    </a:p>
+                  </a:txBody>
+                  <a:tcPr/>
+                </a:tc>
+              </a:tr>
+            </a:tbl>
+          </a:graphicData>
+        </a:graphic>
+      </p:graphicFrame>
+      <p:grpSp>
+        <p:nvGrpSpPr>
+          <p:cNvPr id="16" name="Gruppieren 15"/>
+          <p:cNvGrpSpPr/>
+          <p:nvPr/>
+        </p:nvGrpSpPr>
+        <p:grpSpPr>
+          <a:xfrm>
+            <a:off x="680953" y="1628558"/>
+            <a:ext cx="6843375" cy="2476071"/>
+            <a:chOff x="680953" y="1628558"/>
+            <a:chExt cx="6843375" cy="2476071"/>
+          </a:xfrm>
+        </p:grpSpPr>
+        <p:pic>
+          <p:nvPicPr>
+            <p:cNvPr id="8" name="Grafik 7"/>
+            <p:cNvPicPr>
+              <a:picLocks noChangeAspect="1"/>
+            </p:cNvPicPr>
+            <p:nvPr>
+              <p:custDataLst>
+                <p:tags r:id="rId1"/>
+              </p:custDataLst>
+            </p:nvPr>
+          </p:nvPicPr>
+          <p:blipFill>
+            <a:blip r:embed="rId6" cstate="print">
+              <a:extLst>
+                <a:ext uri="{28A0092B-C50C-407E-A947-70E740481C1C}">
+                  <a14:useLocalDpi xmlns:a14="http://schemas.microsoft.com/office/drawing/2010/main" val="0"/>
+                </a:ext>
+              </a:extLst>
+            </a:blip>
+            <a:stretch>
+              <a:fillRect/>
+            </a:stretch>
+          </p:blipFill>
+          <p:spPr>
+            <a:xfrm>
+              <a:off x="683568" y="1628558"/>
+              <a:ext cx="4241884" cy="253019"/>
+            </a:xfrm>
+            <a:prstGeom prst="rect">
+              <a:avLst/>
+            </a:prstGeom>
+          </p:spPr>
+        </p:pic>
+        <p:pic>
+          <p:nvPicPr>
+            <p:cNvPr id="13" name="Grafik 12"/>
+            <p:cNvPicPr>
+              <a:picLocks noChangeAspect="1"/>
+            </p:cNvPicPr>
+            <p:nvPr>
+              <p:custDataLst>
+                <p:tags r:id="rId2"/>
+              </p:custDataLst>
+            </p:nvPr>
+          </p:nvPicPr>
+          <p:blipFill>
+            <a:blip r:embed="rId7" cstate="print">
+              <a:extLst>
+                <a:ext uri="{28A0092B-C50C-407E-A947-70E740481C1C}">
+                  <a14:useLocalDpi xmlns:a14="http://schemas.microsoft.com/office/drawing/2010/main" val="0"/>
+                </a:ext>
+              </a:extLst>
+            </a:blip>
+            <a:stretch>
+              <a:fillRect/>
+            </a:stretch>
+          </p:blipFill>
+          <p:spPr>
+            <a:xfrm>
+              <a:off x="683568" y="3110392"/>
+              <a:ext cx="6840760" cy="259320"/>
+            </a:xfrm>
+            <a:prstGeom prst="rect">
+              <a:avLst/>
+            </a:prstGeom>
+          </p:spPr>
+        </p:pic>
+        <p:pic>
+          <p:nvPicPr>
+            <p:cNvPr id="14" name="Grafik 13"/>
+            <p:cNvPicPr>
+              <a:picLocks noChangeAspect="1"/>
+            </p:cNvPicPr>
+            <p:nvPr>
+              <p:custDataLst>
+                <p:tags r:id="rId3"/>
+              </p:custDataLst>
+            </p:nvPr>
+          </p:nvPicPr>
+          <p:blipFill>
+            <a:blip r:embed="rId8" cstate="print">
+              <a:extLst>
+                <a:ext uri="{28A0092B-C50C-407E-A947-70E740481C1C}">
+                  <a14:useLocalDpi xmlns:a14="http://schemas.microsoft.com/office/drawing/2010/main" val="0"/>
+                </a:ext>
+              </a:extLst>
+            </a:blip>
+            <a:stretch>
+              <a:fillRect/>
+            </a:stretch>
+          </p:blipFill>
+          <p:spPr>
+            <a:xfrm>
+              <a:off x="683568" y="2381704"/>
+              <a:ext cx="6674525" cy="253019"/>
+            </a:xfrm>
+            <a:prstGeom prst="rect">
+              <a:avLst/>
+            </a:prstGeom>
+          </p:spPr>
+        </p:pic>
+        <p:pic>
+          <p:nvPicPr>
+            <p:cNvPr id="15" name="Grafik 14"/>
+            <p:cNvPicPr>
+              <a:picLocks noChangeAspect="1"/>
+            </p:cNvPicPr>
+            <p:nvPr>
+              <p:custDataLst>
+                <p:tags r:id="rId4"/>
+              </p:custDataLst>
+            </p:nvPr>
+          </p:nvPicPr>
+          <p:blipFill>
+            <a:blip r:embed="rId9" cstate="print">
+              <a:extLst>
+                <a:ext uri="{28A0092B-C50C-407E-A947-70E740481C1C}">
+                  <a14:useLocalDpi xmlns:a14="http://schemas.microsoft.com/office/drawing/2010/main" val="0"/>
+                </a:ext>
+              </a:extLst>
+            </a:blip>
+            <a:stretch>
+              <a:fillRect/>
+            </a:stretch>
+          </p:blipFill>
+          <p:spPr>
+            <a:xfrm>
+              <a:off x="680953" y="3845309"/>
+              <a:ext cx="4147574" cy="259320"/>
+            </a:xfrm>
+            <a:prstGeom prst="rect">
+              <a:avLst/>
+            </a:prstGeom>
+          </p:spPr>
+        </p:pic>
+      </p:grpSp>
       <p:sp>
         <p:nvSpPr>
           <p:cNvPr id="2" name="Titel 1"/>
@@ -4529,7 +7358,15 @@
           <a:p>
             <a:r>
               <a:rPr lang="de-DE" dirty="0" smtClean="0"/>
-              <a:t>Methoden</a:t>
+              <a:t>Wahl </a:t>
+            </a:r>
+            <a:r>
+              <a:rPr lang="de-DE" dirty="0"/>
+              <a:t>der </a:t>
+            </a:r>
+            <a:r>
+              <a:rPr lang="de-DE" dirty="0" smtClean="0"/>
+              <a:t>FM-Synthese</a:t>
             </a:r>
             <a:endParaRPr lang="en-US" dirty="0"/>
           </a:p>
@@ -4537,44 +7374,6 @@
       </p:sp>
       <p:sp>
         <p:nvSpPr>
-          <p:cNvPr id="3" name="Inhaltsplatzhalter 2"/>
-          <p:cNvSpPr>
-            <a:spLocks noGrp="1"/>
-          </p:cNvSpPr>
-          <p:nvPr>
-            <p:ph idx="1"/>
-          </p:nvPr>
-        </p:nvSpPr>
-        <p:spPr/>
-        <p:txBody>
-          <a:bodyPr/>
-          <a:lstStyle/>
-          <a:p>
-            <a:r>
-              <a:rPr lang="de-DE" dirty="0" smtClean="0"/>
-              <a:t>Variierung des Modulationsindex</a:t>
-            </a:r>
-          </a:p>
-          <a:p>
-            <a:pPr lvl="1"/>
-            <a:r>
-              <a:rPr lang="de-DE" dirty="0" smtClean="0"/>
-              <a:t>Anzahl der Seitenfrequenzen steigen bei </a:t>
-            </a:r>
-            <a:r>
-              <a:rPr lang="de-DE" dirty="0" err="1" smtClean="0"/>
-              <a:t>Attack</a:t>
-            </a:r>
-            <a:r>
-              <a:rPr lang="de-DE" dirty="0" smtClean="0"/>
-              <a:t> an und nehmen in Release ab</a:t>
-            </a:r>
-            <a:endParaRPr lang="en-US" dirty="0"/>
-          </a:p>
-        </p:txBody>
-      </p:sp>
-      <p:sp>
-        <p:nvSpPr>
           <p:cNvPr id="4" name="Datumsplatzhalter 3"/>
           <p:cNvSpPr>
             <a:spLocks noGrp="1"/>
@@ -4588,12 +7387,11 @@
           <a:bodyPr/>
           <a:lstStyle/>
           <a:p>
-            <a:fld id="{1C72BD4E-61B2-40A3-A75C-5FDEDE8E5EC5}" type="datetime1">
-              <a:rPr lang="de-DE" smtClean="0"/>
-              <a:pPr/>
+            <a:fld id="{296000BE-0612-4D88-A1AC-FF1287139C2E}" type="datetime1">
+              <a:rPr lang="de-DE" smtClean="0"/>
               <a:t>17.06.2015</a:t>
             </a:fld>
-            <a:endParaRPr lang="de-DE"/>
+            <a:endParaRPr lang="de-DE" dirty="0"/>
           </a:p>
         </p:txBody>
       </p:sp>
@@ -4613,10 +7411,10 @@
           <a:lstStyle/>
           <a:p>
             <a:r>
-              <a:rPr lang="de-DE" smtClean="0"/>
+              <a:rPr lang="de-DE" dirty="0" smtClean="0"/>
               <a:t>FM-Synthese</a:t>
             </a:r>
-            <a:endParaRPr lang="de-DE"/>
+            <a:endParaRPr lang="de-DE" dirty="0"/>
           </a:p>
         </p:txBody>
       </p:sp>
@@ -4635,11 +7433,14 @@
           <a:bodyPr/>
           <a:lstStyle/>
           <a:p>
-            <a:fld id="{6C6AE60A-B69C-4790-82F7-3882EDF23186}" type="slidenum">
-              <a:rPr lang="de-DE" smtClean="0"/>
-              <a:pPr/>
+            <a:fld id="{8740CB20-F870-467D-84CE-AB32061190A1}" type="slidenum">
+              <a:rPr lang="en-US" smtClean="0"/>
               <a:t>5</a:t>
             </a:fld>
+            <a:r>
+              <a:rPr lang="de-DE" smtClean="0"/>
+              <a:t>   </a:t>
+            </a:r>
             <a:endParaRPr lang="de-DE" dirty="0"/>
           </a:p>
         </p:txBody>
@@ -4647,7 +7448,7 @@
     </p:spTree>
     <p:extLst>
       <p:ext uri="{BB962C8B-B14F-4D97-AF65-F5344CB8AC3E}">
-        <p14:creationId xmlns:p14="http://schemas.microsoft.com/office/powerpoint/2010/main" val="1454111037"/>
+        <p14:creationId xmlns:p14="http://schemas.microsoft.com/office/powerpoint/2010/main" val="4058812350"/>
       </p:ext>
     </p:extLst>
   </p:cSld>
@@ -4698,7 +7499,7 @@
           <a:p>
             <a:r>
               <a:rPr lang="de-DE" dirty="0" smtClean="0"/>
-              <a:t>Methoden</a:t>
+              <a:t>Spektren der Arten der FM-Synthese</a:t>
             </a:r>
             <a:endParaRPr lang="en-US" dirty="0"/>
           </a:p>
@@ -4706,74 +7507,6 @@
       </p:sp>
       <p:sp>
         <p:nvSpPr>
-          <p:cNvPr id="3" name="Inhaltsplatzhalter 2"/>
-          <p:cNvSpPr>
-            <a:spLocks noGrp="1"/>
-          </p:cNvSpPr>
-          <p:nvPr>
-            <p:ph idx="1"/>
-          </p:nvPr>
-        </p:nvSpPr>
-        <p:spPr/>
-        <p:txBody>
-          <a:bodyPr>
-            <a:normAutofit/>
-          </a:bodyPr>
-          <a:lstStyle/>
-          <a:p>
-            <a:r>
-              <a:rPr lang="de-DE" dirty="0" smtClean="0"/>
-              <a:t>Filter</a:t>
-            </a:r>
-          </a:p>
-          <a:p>
-            <a:pPr lvl="1"/>
-            <a:r>
-              <a:rPr lang="de-DE" dirty="0" err="1" smtClean="0"/>
-              <a:t>Hochpass</a:t>
-            </a:r>
-            <a:endParaRPr lang="de-DE" dirty="0"/>
-          </a:p>
-          <a:p>
-            <a:pPr lvl="1"/>
-            <a:r>
-              <a:rPr lang="de-DE" dirty="0" smtClean="0"/>
-              <a:t>Tiefpass</a:t>
-            </a:r>
-          </a:p>
-          <a:p>
-            <a:pPr lvl="1"/>
-            <a:r>
-              <a:rPr lang="de-DE" dirty="0" smtClean="0"/>
-              <a:t>Bandpass</a:t>
-            </a:r>
-          </a:p>
-          <a:p>
-            <a:pPr lvl="1"/>
-            <a:r>
-              <a:rPr lang="de-DE" dirty="0" smtClean="0"/>
-              <a:t>Bandsperre</a:t>
-            </a:r>
-          </a:p>
-          <a:p>
-            <a:pPr lvl="1"/>
-            <a:r>
-              <a:rPr lang="de-DE" dirty="0" smtClean="0"/>
-              <a:t>Multibandpass</a:t>
-            </a:r>
-          </a:p>
-          <a:p>
-            <a:pPr lvl="1"/>
-            <a:r>
-              <a:rPr lang="de-DE" dirty="0" smtClean="0"/>
-              <a:t>Multibandsperre</a:t>
-            </a:r>
-            <a:endParaRPr lang="en-US" dirty="0"/>
-          </a:p>
-        </p:txBody>
-      </p:sp>
-      <p:sp>
-        <p:nvSpPr>
           <p:cNvPr id="4" name="Datumsplatzhalter 3"/>
           <p:cNvSpPr>
             <a:spLocks noGrp="1"/>
@@ -4787,12 +7520,11 @@
           <a:bodyPr/>
           <a:lstStyle/>
           <a:p>
-            <a:fld id="{1C72BD4E-61B2-40A3-A75C-5FDEDE8E5EC5}" type="datetime1">
-              <a:rPr lang="de-DE" smtClean="0"/>
-              <a:pPr/>
+            <a:fld id="{296000BE-0612-4D88-A1AC-FF1287139C2E}" type="datetime1">
+              <a:rPr lang="de-DE" smtClean="0"/>
               <a:t>17.06.2015</a:t>
             </a:fld>
-            <a:endParaRPr lang="de-DE"/>
+            <a:endParaRPr lang="de-DE" dirty="0"/>
           </a:p>
         </p:txBody>
       </p:sp>
@@ -4815,7 +7547,7 @@
               <a:rPr lang="de-DE" smtClean="0"/>
               <a:t>FM-Synthese</a:t>
             </a:r>
-            <a:endParaRPr lang="de-DE"/>
+            <a:endParaRPr lang="de-DE" dirty="0"/>
           </a:p>
         </p:txBody>
       </p:sp>
@@ -4834,19 +7566,85 @@
           <a:bodyPr/>
           <a:lstStyle/>
           <a:p>
-            <a:fld id="{6C6AE60A-B69C-4790-82F7-3882EDF23186}" type="slidenum">
-              <a:rPr lang="de-DE" smtClean="0"/>
-              <a:pPr/>
+            <a:fld id="{8740CB20-F870-467D-84CE-AB32061190A1}" type="slidenum">
+              <a:rPr lang="en-US" smtClean="0"/>
               <a:t>6</a:t>
             </a:fld>
+            <a:r>
+              <a:rPr lang="de-DE" smtClean="0"/>
+              <a:t>   </a:t>
+            </a:r>
             <a:endParaRPr lang="de-DE" dirty="0"/>
           </a:p>
         </p:txBody>
       </p:sp>
+      <p:pic>
+        <p:nvPicPr>
+          <p:cNvPr id="12" name="Grafik 11"/>
+          <p:cNvPicPr>
+            <a:picLocks noChangeAspect="1"/>
+          </p:cNvPicPr>
+          <p:nvPr/>
+        </p:nvPicPr>
+        <p:blipFill rotWithShape="1">
+          <a:blip r:embed="rId3" cstate="print">
+            <a:extLst>
+              <a:ext uri="{28A0092B-C50C-407E-A947-70E740481C1C}">
+                <a14:useLocalDpi xmlns:a14="http://schemas.microsoft.com/office/drawing/2010/main" val="0"/>
+              </a:ext>
+            </a:extLst>
+          </a:blip>
+          <a:srcRect l="10262" r="6809"/>
+          <a:stretch/>
+        </p:blipFill>
+        <p:spPr>
+          <a:xfrm>
+            <a:off x="431534" y="1779662"/>
+            <a:ext cx="8368108" cy="2522654"/>
+          </a:xfrm>
+          <a:prstGeom prst="rect">
+            <a:avLst/>
+          </a:prstGeom>
+        </p:spPr>
+      </p:pic>
+      <p:pic>
+        <p:nvPicPr>
+          <p:cNvPr id="14" name="Grafik 13"/>
+          <p:cNvPicPr>
+            <a:picLocks noChangeAspect="1"/>
+          </p:cNvPicPr>
+          <p:nvPr>
+            <p:custDataLst>
+              <p:tags r:id="rId1"/>
+            </p:custDataLst>
+          </p:nvPr>
+        </p:nvPicPr>
+        <p:blipFill>
+          <a:blip r:embed="rId4" cstate="print">
+            <a:extLst>
+              <a:ext uri="{28A0092B-C50C-407E-A947-70E740481C1C}">
+                <a14:useLocalDpi xmlns:a14="http://schemas.microsoft.com/office/drawing/2010/main" val="0"/>
+              </a:ext>
+            </a:extLst>
+          </a:blip>
+          <a:stretch>
+            <a:fillRect/>
+          </a:stretch>
+        </p:blipFill>
+        <p:spPr>
+          <a:xfrm>
+            <a:off x="3055408" y="1347614"/>
+            <a:ext cx="3033183" cy="230156"/>
+          </a:xfrm>
+          <a:prstGeom prst="rect">
+            <a:avLst/>
+          </a:prstGeom>
+        </p:spPr>
+      </p:pic>
     </p:spTree>
     <p:extLst>
       <p:ext uri="{BB962C8B-B14F-4D97-AF65-F5344CB8AC3E}">
-        <p14:creationId xmlns:p14="http://schemas.microsoft.com/office/powerpoint/2010/main" val="1468111241"/>
+        <p14:creationId xmlns:p14="http://schemas.microsoft.com/office/powerpoint/2010/main" val="554932686"/>
       </p:ext>
     </p:extLst>
   </p:cSld>
@@ -4863,12 +7661,772 @@
 </p:sld>
 </file>
 
+<file path=ppt/slides/slide7.xml><?xml version="1.0" encoding="utf-8"?>
+<p:sld xmlns:a="http://schemas.openxmlformats.org/drawingml/2006/main" xmlns:r="http://schemas.openxmlformats.org/officeDocument/2006/relationships" xmlns:p="http://schemas.openxmlformats.org/presentationml/2006/main">
+  <p:cSld>
+    <p:spTree>
+      <p:nvGrpSpPr>
+        <p:cNvPr id="1" name=""/>
+        <p:cNvGrpSpPr/>
+        <p:nvPr/>
+      </p:nvGrpSpPr>
+      <p:grpSpPr>
+        <a:xfrm>
+          <a:off x="0" y="0"/>
+          <a:ext cx="0" cy="0"/>
+          <a:chOff x="0" y="0"/>
+          <a:chExt cx="0" cy="0"/>
+        </a:xfrm>
+      </p:grpSpPr>
+      <p:sp>
+        <p:nvSpPr>
+          <p:cNvPr id="2" name="Titel 1"/>
+          <p:cNvSpPr>
+            <a:spLocks noGrp="1"/>
+          </p:cNvSpPr>
+          <p:nvPr>
+            <p:ph type="title"/>
+          </p:nvPr>
+        </p:nvSpPr>
+        <p:spPr/>
+        <p:txBody>
+          <a:bodyPr/>
+          <a:lstStyle/>
+          <a:p>
+            <a:r>
+              <a:rPr lang="de-DE" dirty="0" smtClean="0"/>
+              <a:t>ADSR-Hüllkurve</a:t>
+            </a:r>
+            <a:endParaRPr lang="en-US" dirty="0"/>
+          </a:p>
+        </p:txBody>
+      </p:sp>
+      <p:sp>
+        <p:nvSpPr>
+          <p:cNvPr id="3" name="Inhaltsplatzhalter 2"/>
+          <p:cNvSpPr>
+            <a:spLocks noGrp="1"/>
+          </p:cNvSpPr>
+          <p:nvPr>
+            <p:ph idx="1"/>
+          </p:nvPr>
+        </p:nvSpPr>
+        <p:spPr/>
+        <p:txBody>
+          <a:bodyPr/>
+          <a:lstStyle/>
+          <a:p>
+            <a:r>
+              <a:rPr lang="de-DE" dirty="0" smtClean="0"/>
+              <a:t>Phasen</a:t>
+            </a:r>
+            <a:r>
+              <a:rPr lang="de-DE" dirty="0"/>
+              <a:t>: (</a:t>
+            </a:r>
+            <a:r>
+              <a:rPr lang="de-DE" dirty="0" smtClean="0"/>
+              <a:t>Hold), </a:t>
+            </a:r>
+            <a:r>
+              <a:rPr lang="de-DE" dirty="0" err="1" smtClean="0"/>
+              <a:t>Attack</a:t>
+            </a:r>
+            <a:r>
+              <a:rPr lang="de-DE" dirty="0" smtClean="0"/>
+              <a:t>, </a:t>
+            </a:r>
+            <a:r>
+              <a:rPr lang="de-DE" dirty="0" err="1" smtClean="0"/>
+              <a:t>Decay</a:t>
+            </a:r>
+            <a:r>
+              <a:rPr lang="de-DE" dirty="0" smtClean="0"/>
+              <a:t>, </a:t>
+            </a:r>
+            <a:r>
+              <a:rPr lang="de-DE" dirty="0" err="1" smtClean="0"/>
+              <a:t>Sustain</a:t>
+            </a:r>
+            <a:r>
+              <a:rPr lang="de-DE" dirty="0" smtClean="0"/>
+              <a:t>, Release</a:t>
+            </a:r>
+            <a:endParaRPr lang="en-US" dirty="0"/>
+          </a:p>
+        </p:txBody>
+      </p:sp>
+      <p:sp>
+        <p:nvSpPr>
+          <p:cNvPr id="4" name="Datumsplatzhalter 3"/>
+          <p:cNvSpPr>
+            <a:spLocks noGrp="1"/>
+          </p:cNvSpPr>
+          <p:nvPr>
+            <p:ph type="dt" sz="half" idx="10"/>
+          </p:nvPr>
+        </p:nvSpPr>
+        <p:spPr/>
+        <p:txBody>
+          <a:bodyPr/>
+          <a:lstStyle/>
+          <a:p>
+            <a:fld id="{296000BE-0612-4D88-A1AC-FF1287139C2E}" type="datetime1">
+              <a:rPr lang="de-DE" smtClean="0"/>
+              <a:t>17.06.2015</a:t>
+            </a:fld>
+            <a:endParaRPr lang="de-DE" dirty="0"/>
+          </a:p>
+        </p:txBody>
+      </p:sp>
+      <p:sp>
+        <p:nvSpPr>
+          <p:cNvPr id="5" name="Fußzeilenplatzhalter 4"/>
+          <p:cNvSpPr>
+            <a:spLocks noGrp="1"/>
+          </p:cNvSpPr>
+          <p:nvPr>
+            <p:ph type="ftr" sz="quarter" idx="11"/>
+          </p:nvPr>
+        </p:nvSpPr>
+        <p:spPr/>
+        <p:txBody>
+          <a:bodyPr/>
+          <a:lstStyle/>
+          <a:p>
+            <a:r>
+              <a:rPr lang="de-DE" smtClean="0"/>
+              <a:t>FM-Synthese</a:t>
+            </a:r>
+            <a:endParaRPr lang="de-DE" dirty="0"/>
+          </a:p>
+        </p:txBody>
+      </p:sp>
+      <p:sp>
+        <p:nvSpPr>
+          <p:cNvPr id="6" name="Foliennummernplatzhalter 5"/>
+          <p:cNvSpPr>
+            <a:spLocks noGrp="1"/>
+          </p:cNvSpPr>
+          <p:nvPr>
+            <p:ph type="sldNum" sz="quarter" idx="12"/>
+          </p:nvPr>
+        </p:nvSpPr>
+        <p:spPr/>
+        <p:txBody>
+          <a:bodyPr/>
+          <a:lstStyle/>
+          <a:p>
+            <a:fld id="{8740CB20-F870-467D-84CE-AB32061190A1}" type="slidenum">
+              <a:rPr lang="en-US" smtClean="0"/>
+              <a:t>7</a:t>
+            </a:fld>
+            <a:r>
+              <a:rPr lang="de-DE" smtClean="0"/>
+              <a:t>   </a:t>
+            </a:r>
+            <a:endParaRPr lang="de-DE" dirty="0"/>
+          </a:p>
+        </p:txBody>
+      </p:sp>
+      <p:pic>
+        <p:nvPicPr>
+          <p:cNvPr id="8" name="Grafik 7"/>
+          <p:cNvPicPr>
+            <a:picLocks noChangeAspect="1"/>
+          </p:cNvPicPr>
+          <p:nvPr/>
+        </p:nvPicPr>
+        <p:blipFill>
+          <a:blip r:embed="rId2" cstate="print">
+            <a:extLst>
+              <a:ext uri="{28A0092B-C50C-407E-A947-70E740481C1C}">
+                <a14:useLocalDpi xmlns:a14="http://schemas.microsoft.com/office/drawing/2010/main" val="0"/>
+              </a:ext>
+            </a:extLst>
+          </a:blip>
+          <a:stretch>
+            <a:fillRect/>
+          </a:stretch>
+        </p:blipFill>
+        <p:spPr>
+          <a:xfrm>
+            <a:off x="899592" y="2067694"/>
+            <a:ext cx="6912768" cy="2468846"/>
+          </a:xfrm>
+          <a:prstGeom prst="rect">
+            <a:avLst/>
+          </a:prstGeom>
+        </p:spPr>
+      </p:pic>
+    </p:spTree>
+    <p:extLst>
+      <p:ext uri="{BB962C8B-B14F-4D97-AF65-F5344CB8AC3E}">
+        <p14:creationId xmlns:p14="http://schemas.microsoft.com/office/powerpoint/2010/main" val="1784953685"/>
+      </p:ext>
+    </p:extLst>
+  </p:cSld>
+  <p:clrMapOvr>
+    <a:masterClrMapping/>
+  </p:clrMapOvr>
+  <p:timing>
+    <p:tnLst>
+      <p:par>
+        <p:cTn id="1" dur="indefinite" restart="never" nodeType="tmRoot"/>
+      </p:par>
+    </p:tnLst>
+  </p:timing>
+</p:sld>
+</file>
+
+<file path=ppt/slides/slide8.xml><?xml version="1.0" encoding="utf-8"?>
+<p:sld xmlns:a="http://schemas.openxmlformats.org/drawingml/2006/main" xmlns:r="http://schemas.openxmlformats.org/officeDocument/2006/relationships" xmlns:p="http://schemas.openxmlformats.org/presentationml/2006/main">
+  <p:cSld>
+    <p:spTree>
+      <p:nvGrpSpPr>
+        <p:cNvPr id="1" name=""/>
+        <p:cNvGrpSpPr/>
+        <p:nvPr/>
+      </p:nvGrpSpPr>
+      <p:grpSpPr>
+        <a:xfrm>
+          <a:off x="0" y="0"/>
+          <a:ext cx="0" cy="0"/>
+          <a:chOff x="0" y="0"/>
+          <a:chExt cx="0" cy="0"/>
+        </a:xfrm>
+      </p:grpSpPr>
+      <p:sp>
+        <p:nvSpPr>
+          <p:cNvPr id="2" name="Titel 1"/>
+          <p:cNvSpPr>
+            <a:spLocks noGrp="1"/>
+          </p:cNvSpPr>
+          <p:nvPr>
+            <p:ph type="title"/>
+          </p:nvPr>
+        </p:nvSpPr>
+        <p:spPr/>
+        <p:txBody>
+          <a:bodyPr/>
+          <a:lstStyle/>
+          <a:p>
+            <a:r>
+              <a:rPr lang="de-DE" dirty="0"/>
+              <a:t>Variierung des </a:t>
+            </a:r>
+            <a:r>
+              <a:rPr lang="de-DE" dirty="0" smtClean="0"/>
+              <a:t>Modulationsindex</a:t>
+            </a:r>
+            <a:endParaRPr lang="en-US" dirty="0"/>
+          </a:p>
+        </p:txBody>
+      </p:sp>
+      <p:sp>
+        <p:nvSpPr>
+          <p:cNvPr id="3" name="Inhaltsplatzhalter 2"/>
+          <p:cNvSpPr>
+            <a:spLocks noGrp="1"/>
+          </p:cNvSpPr>
+          <p:nvPr>
+            <p:ph idx="1"/>
+          </p:nvPr>
+        </p:nvSpPr>
+        <p:spPr/>
+        <p:txBody>
+          <a:bodyPr/>
+          <a:lstStyle/>
+          <a:p>
+            <a:r>
+              <a:rPr lang="de-DE" dirty="0" smtClean="0"/>
+              <a:t>Anzahl </a:t>
+            </a:r>
+            <a:r>
+              <a:rPr lang="de-DE" dirty="0" smtClean="0"/>
+              <a:t>der Seitenfrequenzen steigen bei </a:t>
+            </a:r>
+            <a:r>
+              <a:rPr lang="de-DE" dirty="0" err="1" smtClean="0"/>
+              <a:t>Attack</a:t>
+            </a:r>
+            <a:r>
+              <a:rPr lang="de-DE" dirty="0" smtClean="0"/>
+              <a:t> an und nehmen in Release </a:t>
+            </a:r>
+            <a:r>
+              <a:rPr lang="de-DE" dirty="0" smtClean="0"/>
+              <a:t>ab</a:t>
+            </a:r>
+          </a:p>
+          <a:p>
+            <a:pPr marL="0" indent="0">
+              <a:buNone/>
+            </a:pPr>
+            <a:endParaRPr lang="de-DE" dirty="0" smtClean="0"/>
+          </a:p>
+          <a:p>
+            <a:pPr marL="0" indent="0">
+              <a:buNone/>
+            </a:pPr>
+            <a:r>
+              <a:rPr lang="de-DE" dirty="0" smtClean="0"/>
+              <a:t>=&gt; Modulationsindex mit ADSR-Hüllkurve modulieren</a:t>
+            </a:r>
+            <a:endParaRPr lang="en-US" dirty="0"/>
+          </a:p>
+        </p:txBody>
+      </p:sp>
+      <p:sp>
+        <p:nvSpPr>
+          <p:cNvPr id="4" name="Datumsplatzhalter 3"/>
+          <p:cNvSpPr>
+            <a:spLocks noGrp="1"/>
+          </p:cNvSpPr>
+          <p:nvPr>
+            <p:ph type="dt" sz="half" idx="10"/>
+          </p:nvPr>
+        </p:nvSpPr>
+        <p:spPr/>
+        <p:txBody>
+          <a:bodyPr/>
+          <a:lstStyle/>
+          <a:p>
+            <a:fld id="{296000BE-0612-4D88-A1AC-FF1287139C2E}" type="datetime1">
+              <a:rPr lang="de-DE" smtClean="0"/>
+              <a:t>17.06.2015</a:t>
+            </a:fld>
+            <a:endParaRPr lang="de-DE" dirty="0"/>
+          </a:p>
+        </p:txBody>
+      </p:sp>
+      <p:sp>
+        <p:nvSpPr>
+          <p:cNvPr id="5" name="Fußzeilenplatzhalter 4"/>
+          <p:cNvSpPr>
+            <a:spLocks noGrp="1"/>
+          </p:cNvSpPr>
+          <p:nvPr>
+            <p:ph type="ftr" sz="quarter" idx="11"/>
+          </p:nvPr>
+        </p:nvSpPr>
+        <p:spPr/>
+        <p:txBody>
+          <a:bodyPr/>
+          <a:lstStyle/>
+          <a:p>
+            <a:r>
+              <a:rPr lang="de-DE" smtClean="0"/>
+              <a:t>FM-Synthese</a:t>
+            </a:r>
+            <a:endParaRPr lang="de-DE" dirty="0"/>
+          </a:p>
+        </p:txBody>
+      </p:sp>
+      <p:sp>
+        <p:nvSpPr>
+          <p:cNvPr id="6" name="Foliennummernplatzhalter 5"/>
+          <p:cNvSpPr>
+            <a:spLocks noGrp="1"/>
+          </p:cNvSpPr>
+          <p:nvPr>
+            <p:ph type="sldNum" sz="quarter" idx="12"/>
+          </p:nvPr>
+        </p:nvSpPr>
+        <p:spPr/>
+        <p:txBody>
+          <a:bodyPr/>
+          <a:lstStyle/>
+          <a:p>
+            <a:fld id="{8740CB20-F870-467D-84CE-AB32061190A1}" type="slidenum">
+              <a:rPr lang="en-US" smtClean="0"/>
+              <a:t>8</a:t>
+            </a:fld>
+            <a:r>
+              <a:rPr lang="de-DE" smtClean="0"/>
+              <a:t>   </a:t>
+            </a:r>
+            <a:endParaRPr lang="de-DE" dirty="0"/>
+          </a:p>
+        </p:txBody>
+      </p:sp>
+    </p:spTree>
+    <p:extLst>
+      <p:ext uri="{BB962C8B-B14F-4D97-AF65-F5344CB8AC3E}">
+        <p14:creationId xmlns:p14="http://schemas.microsoft.com/office/powerpoint/2010/main" val="2936568210"/>
+      </p:ext>
+    </p:extLst>
+  </p:cSld>
+  <p:clrMapOvr>
+    <a:masterClrMapping/>
+  </p:clrMapOvr>
+  <p:timing>
+    <p:tnLst>
+      <p:par>
+        <p:cTn id="1" dur="indefinite" restart="never" nodeType="tmRoot"/>
+      </p:par>
+    </p:tnLst>
+  </p:timing>
+</p:sld>
+</file>
+
+<file path=ppt/slides/slide9.xml><?xml version="1.0" encoding="utf-8"?>
+<p:sld xmlns:a="http://schemas.openxmlformats.org/drawingml/2006/main" xmlns:r="http://schemas.openxmlformats.org/officeDocument/2006/relationships" xmlns:p="http://schemas.openxmlformats.org/presentationml/2006/main">
+  <p:cSld>
+    <p:spTree>
+      <p:nvGrpSpPr>
+        <p:cNvPr id="1" name=""/>
+        <p:cNvGrpSpPr/>
+        <p:nvPr/>
+      </p:nvGrpSpPr>
+      <p:grpSpPr>
+        <a:xfrm>
+          <a:off x="0" y="0"/>
+          <a:ext cx="0" cy="0"/>
+          <a:chOff x="0" y="0"/>
+          <a:chExt cx="0" cy="0"/>
+        </a:xfrm>
+      </p:grpSpPr>
+      <p:sp>
+        <p:nvSpPr>
+          <p:cNvPr id="2" name="Titel 1"/>
+          <p:cNvSpPr>
+            <a:spLocks noGrp="1"/>
+          </p:cNvSpPr>
+          <p:nvPr>
+            <p:ph type="title"/>
+          </p:nvPr>
+        </p:nvSpPr>
+        <p:spPr>
+          <a:xfrm>
+            <a:off x="492224" y="87612"/>
+            <a:ext cx="8229600" cy="857250"/>
+          </a:xfrm>
+        </p:spPr>
+        <p:txBody>
+          <a:bodyPr/>
+          <a:lstStyle/>
+          <a:p>
+            <a:r>
+              <a:rPr lang="de-DE" dirty="0" smtClean="0"/>
+              <a:t>Rauschen</a:t>
+            </a:r>
+            <a:endParaRPr lang="en-US" dirty="0"/>
+          </a:p>
+        </p:txBody>
+      </p:sp>
+      <p:sp>
+        <p:nvSpPr>
+          <p:cNvPr id="3" name="Inhaltsplatzhalter 2"/>
+          <p:cNvSpPr>
+            <a:spLocks noGrp="1"/>
+          </p:cNvSpPr>
+          <p:nvPr>
+            <p:ph idx="1"/>
+          </p:nvPr>
+        </p:nvSpPr>
+        <p:spPr>
+          <a:xfrm>
+            <a:off x="457200" y="1200151"/>
+            <a:ext cx="5482952" cy="3394472"/>
+          </a:xfrm>
+        </p:spPr>
+        <p:txBody>
+          <a:bodyPr/>
+          <a:lstStyle/>
+          <a:p>
+            <a:r>
+              <a:rPr lang="de-DE" dirty="0" smtClean="0"/>
+              <a:t>Feedback-FM kann Rauschen generieren</a:t>
+            </a:r>
+          </a:p>
+          <a:p>
+            <a:r>
+              <a:rPr lang="de-DE" dirty="0" smtClean="0"/>
+              <a:t>Instrumente erzeugen Rauschen</a:t>
+            </a:r>
+          </a:p>
+          <a:p>
+            <a:pPr lvl="1"/>
+            <a:r>
+              <a:rPr lang="de-DE" dirty="0" err="1" smtClean="0"/>
+              <a:t>Luftverwirblungen</a:t>
+            </a:r>
+            <a:endParaRPr lang="de-DE" dirty="0" smtClean="0"/>
+          </a:p>
+          <a:p>
+            <a:pPr lvl="1"/>
+            <a:r>
+              <a:rPr lang="de-DE" dirty="0" smtClean="0"/>
+              <a:t>Unebenheiten der Bauform</a:t>
+            </a:r>
+          </a:p>
+        </p:txBody>
+      </p:sp>
+      <p:sp>
+        <p:nvSpPr>
+          <p:cNvPr id="4" name="Datumsplatzhalter 3"/>
+          <p:cNvSpPr>
+            <a:spLocks noGrp="1"/>
+          </p:cNvSpPr>
+          <p:nvPr>
+            <p:ph type="dt" sz="half" idx="10"/>
+          </p:nvPr>
+        </p:nvSpPr>
+        <p:spPr/>
+        <p:txBody>
+          <a:bodyPr/>
+          <a:lstStyle/>
+          <a:p>
+            <a:fld id="{296000BE-0612-4D88-A1AC-FF1287139C2E}" type="datetime1">
+              <a:rPr lang="de-DE" smtClean="0"/>
+              <a:t>17.06.2015</a:t>
+            </a:fld>
+            <a:endParaRPr lang="de-DE" dirty="0"/>
+          </a:p>
+        </p:txBody>
+      </p:sp>
+      <p:sp>
+        <p:nvSpPr>
+          <p:cNvPr id="5" name="Fußzeilenplatzhalter 4"/>
+          <p:cNvSpPr>
+            <a:spLocks noGrp="1"/>
+          </p:cNvSpPr>
+          <p:nvPr>
+            <p:ph type="ftr" sz="quarter" idx="11"/>
+          </p:nvPr>
+        </p:nvSpPr>
+        <p:spPr/>
+        <p:txBody>
+          <a:bodyPr/>
+          <a:lstStyle/>
+          <a:p>
+            <a:r>
+              <a:rPr lang="de-DE" smtClean="0"/>
+              <a:t>FM-Synthese</a:t>
+            </a:r>
+            <a:endParaRPr lang="de-DE" dirty="0"/>
+          </a:p>
+        </p:txBody>
+      </p:sp>
+      <p:sp>
+        <p:nvSpPr>
+          <p:cNvPr id="6" name="Foliennummernplatzhalter 5"/>
+          <p:cNvSpPr>
+            <a:spLocks noGrp="1"/>
+          </p:cNvSpPr>
+          <p:nvPr>
+            <p:ph type="sldNum" sz="quarter" idx="12"/>
+          </p:nvPr>
+        </p:nvSpPr>
+        <p:spPr/>
+        <p:txBody>
+          <a:bodyPr/>
+          <a:lstStyle/>
+          <a:p>
+            <a:fld id="{8740CB20-F870-467D-84CE-AB32061190A1}" type="slidenum">
+              <a:rPr lang="en-US" smtClean="0"/>
+              <a:t>9</a:t>
+            </a:fld>
+            <a:r>
+              <a:rPr lang="de-DE" smtClean="0"/>
+              <a:t>   </a:t>
+            </a:r>
+            <a:endParaRPr lang="de-DE" dirty="0"/>
+          </a:p>
+        </p:txBody>
+      </p:sp>
+      <p:pic>
+        <p:nvPicPr>
+          <p:cNvPr id="15" name="Grafik 14"/>
+          <p:cNvPicPr>
+            <a:picLocks noChangeAspect="1"/>
+          </p:cNvPicPr>
+          <p:nvPr/>
+        </p:nvPicPr>
+        <p:blipFill>
+          <a:blip r:embed="rId2" cstate="print">
+            <a:extLst>
+              <a:ext uri="{28A0092B-C50C-407E-A947-70E740481C1C}">
+                <a14:useLocalDpi xmlns:a14="http://schemas.microsoft.com/office/drawing/2010/main" val="0"/>
+              </a:ext>
+            </a:extLst>
+          </a:blip>
+          <a:stretch>
+            <a:fillRect/>
+          </a:stretch>
+        </p:blipFill>
+        <p:spPr>
+          <a:xfrm>
+            <a:off x="5961517" y="1059582"/>
+            <a:ext cx="2760306" cy="3312368"/>
+          </a:xfrm>
+          <a:prstGeom prst="rect">
+            <a:avLst/>
+          </a:prstGeom>
+        </p:spPr>
+      </p:pic>
+    </p:spTree>
+    <p:extLst>
+      <p:ext uri="{BB962C8B-B14F-4D97-AF65-F5344CB8AC3E}">
+        <p14:creationId xmlns:p14="http://schemas.microsoft.com/office/powerpoint/2010/main" val="628179053"/>
+      </p:ext>
+    </p:extLst>
+  </p:cSld>
+  <p:clrMapOvr>
+    <a:masterClrMapping/>
+  </p:clrMapOvr>
+  <p:timing>
+    <p:tnLst>
+      <p:par>
+        <p:cTn id="1" dur="indefinite" restart="never" nodeType="tmRoot"/>
+      </p:par>
+    </p:tnLst>
+  </p:timing>
+</p:sld>
+</file>
+
+<file path=ppt/tags/tag1.xml><?xml version="1.0" encoding="utf-8"?>
+<p:tagLst xmlns:a="http://schemas.openxmlformats.org/drawingml/2006/main" xmlns:r="http://schemas.openxmlformats.org/officeDocument/2006/relationships" xmlns:p="http://schemas.openxmlformats.org/presentationml/2006/main">
+  <p:tag name="ORIGINALHEIGHT" val="124.5174"/>
+  <p:tag name="ORIGINALWIDTH" val="2087.542"/>
+  <p:tag name="LATEXADDIN" val="\documentclass{article}&#10;\usepackage{amsmath}&#10;\pagestyle{empty}&#10;\begin{document}&#10;&#10;$y(t) = \sin(2\pi \cdot t \cdot f_c + I \sin(2\pi \cdot t \cdot f_m ))$&#10;&#10;&#10;\end{document}"/>
+  <p:tag name="IGUANATEXSIZE" val="20"/>
+  <p:tag name="IGUANATEXCURSOR" val="138"/>
+  <p:tag name="TRANSPARENCY" val="Wahr"/>
+  <p:tag name="FILENAME" val=""/>
+  <p:tag name="INPUTTYPE" val="0"/>
+  <p:tag name="LATEXENGINEID" val="1"/>
+  <p:tag name="TEMPFOLDER" val="C:\Users\Stefan\AppData\Local\Temp\.ssh\"/>
+</p:tagLst>
+</file>
+
+<file path=ppt/tags/tag2.xml><?xml version="1.0" encoding="utf-8"?>
+<p:tagLst xmlns:a="http://schemas.openxmlformats.org/drawingml/2006/main" xmlns:r="http://schemas.openxmlformats.org/officeDocument/2006/relationships" xmlns:p="http://schemas.openxmlformats.org/presentationml/2006/main">
+  <p:tag name="ORIGINALHEIGHT" val="113.2658"/>
+  <p:tag name="ORIGINALWIDTH" val="97.51362"/>
+  <p:tag name="LATEXADDIN" val="\documentclass{article}&#10;\usepackage{amsmath}&#10;\pagestyle{empty}&#10;\begin{document}&#10;&#10;$f_c$&#10;&#10;&#10;\end{document}"/>
+  <p:tag name="IGUANATEXSIZE" val="20"/>
+  <p:tag name="IGUANATEXCURSOR" val="86"/>
+  <p:tag name="TRANSPARENCY" val="Wahr"/>
+  <p:tag name="FILENAME" val=""/>
+  <p:tag name="INPUTTYPE" val="0"/>
+  <p:tag name="LATEXENGINEID" val="1"/>
+  <p:tag name="TEMPFOLDER" val="C:\Users\Stefan\AppData\Local\Temp\.ssh\"/>
+</p:tagLst>
+</file>
+
+<file path=ppt/tags/tag3.xml><?xml version="1.0" encoding="utf-8"?>
+<p:tagLst xmlns:a="http://schemas.openxmlformats.org/drawingml/2006/main" xmlns:r="http://schemas.openxmlformats.org/officeDocument/2006/relationships" xmlns:p="http://schemas.openxmlformats.org/presentationml/2006/main">
+  <p:tag name="ORIGINALHEIGHT" val="84.76181"/>
+  <p:tag name="ORIGINALWIDTH" val="58.50819"/>
+  <p:tag name="LATEXADDIN" val="\documentclass{article}&#10;\usepackage{amsmath}&#10;\pagestyle{empty}&#10;\begin{document}&#10;&#10;$I$&#10;&#10;&#10;\end{document}"/>
+  <p:tag name="IGUANATEXSIZE" val="20"/>
+  <p:tag name="IGUANATEXCURSOR" val="84"/>
+  <p:tag name="TRANSPARENCY" val="Wahr"/>
+  <p:tag name="FILENAME" val=""/>
+  <p:tag name="INPUTTYPE" val="0"/>
+  <p:tag name="LATEXENGINEID" val="1"/>
+  <p:tag name="TEMPFOLDER" val="C:\Users\Stefan\AppData\Local\Temp\.ssh\"/>
+</p:tagLst>
+</file>
+
+<file path=ppt/tags/tag4.xml><?xml version="1.0" encoding="utf-8"?>
+<p:tagLst xmlns:a="http://schemas.openxmlformats.org/drawingml/2006/main" xmlns:r="http://schemas.openxmlformats.org/officeDocument/2006/relationships" xmlns:p="http://schemas.openxmlformats.org/presentationml/2006/main">
+  <p:tag name="ORIGINALHEIGHT" val="113.2658"/>
+  <p:tag name="ORIGINALWIDTH" val="138.0193"/>
+  <p:tag name="LATEXADDIN" val="\documentclass{article}&#10;\usepackage{amsmath}&#10;\pagestyle{empty}&#10;\begin{document}&#10;&#10;$f_m$&#10;&#10;&#10;\end{document}"/>
+  <p:tag name="IGUANATEXSIZE" val="20"/>
+  <p:tag name="IGUANATEXCURSOR" val="86"/>
+  <p:tag name="TRANSPARENCY" val="Wahr"/>
+  <p:tag name="FILENAME" val=""/>
+  <p:tag name="INPUTTYPE" val="0"/>
+  <p:tag name="LATEXENGINEID" val="1"/>
+  <p:tag name="TEMPFOLDER" val="C:\Users\Stefan\AppData\Local\Temp\.ssh\"/>
+</p:tagLst>
+</file>
+
+<file path=ppt/tags/tag5.xml><?xml version="1.0" encoding="utf-8"?>
+<p:tagLst xmlns:a="http://schemas.openxmlformats.org/drawingml/2006/main" xmlns:r="http://schemas.openxmlformats.org/officeDocument/2006/relationships" xmlns:p="http://schemas.openxmlformats.org/presentationml/2006/main">
+  <p:tag name="ORIGINALHEIGHT" val="124.5174"/>
+  <p:tag name="ORIGINALWIDTH" val="2087.542"/>
+  <p:tag name="LATEXADDIN" val="\documentclass{article}&#10;\usepackage{amsmath}&#10;\pagestyle{empty}&#10;\begin{document}&#10;&#10;$y(t) = \sin(2\pi \cdot t \cdot f_c + I \sin(2\pi \cdot t \cdot f_m ))$&#10;&#10;&#10;\end{document}"/>
+  <p:tag name="IGUANATEXSIZE" val="20"/>
+  <p:tag name="IGUANATEXCURSOR" val="138"/>
+  <p:tag name="TRANSPARENCY" val="Wahr"/>
+  <p:tag name="FILENAME" val=""/>
+  <p:tag name="INPUTTYPE" val="0"/>
+  <p:tag name="LATEXENGINEID" val="1"/>
+  <p:tag name="TEMPFOLDER" val="C:\Users\Stefan\AppData\Local\Temp\.ssh\"/>
+</p:tagLst>
+</file>
+
+<file path=ppt/tags/tag6.xml><?xml version="1.0" encoding="utf-8"?>
+<p:tagLst xmlns:a="http://schemas.openxmlformats.org/drawingml/2006/main" xmlns:r="http://schemas.openxmlformats.org/officeDocument/2006/relationships" xmlns:p="http://schemas.openxmlformats.org/presentationml/2006/main">
+  <p:tag name="ORIGINALHEIGHT" val="124.5174"/>
+  <p:tag name="ORIGINALWIDTH" val="3284.708"/>
+  <p:tag name="LATEXADDIN" val="\documentclass{article}&#10;\usepackage{amsmath}&#10;\pagestyle{empty}&#10;\begin{document}&#10;&#10;$y(t) = \sin(2\pi \cdot t \cdot f_c + I_1 \sin(2\pi \cdot t \cdot f_{m1} + I_2 \sin(2\pi \cdot t \cdot f_{m2} )))$&#10;&#10;&#10;\end{document}"/>
+  <p:tag name="IGUANATEXSIZE" val="20"/>
+  <p:tag name="IGUANATEXCURSOR" val="121"/>
+  <p:tag name="TRANSPARENCY" val="Wahr"/>
+  <p:tag name="FILENAME" val=""/>
+  <p:tag name="INPUTTYPE" val="0"/>
+  <p:tag name="LATEXENGINEID" val="1"/>
+  <p:tag name="TEMPFOLDER" val="C:\Users\Stefan\AppData\Local\Temp\.ssh\"/>
+</p:tagLst>
+</file>
+
+<file path=ppt/tags/tag7.xml><?xml version="1.0" encoding="utf-8"?>
+<p:tagLst xmlns:a="http://schemas.openxmlformats.org/drawingml/2006/main" xmlns:r="http://schemas.openxmlformats.org/officeDocument/2006/relationships" xmlns:p="http://schemas.openxmlformats.org/presentationml/2006/main">
+  <p:tag name="ORIGINALHEIGHT" val="124.5174"/>
+  <p:tag name="ORIGINALWIDTH" val="3284.708"/>
+  <p:tag name="LATEXADDIN" val="\documentclass{article}&#10;\usepackage{amsmath}&#10;\pagestyle{empty}&#10;\begin{document}&#10;&#10;$y(t) = \sin(2\pi \cdot t \cdot f_c + I_1 \sin(2\pi \cdot t \cdot f_{m1} ) + I_2 \sin(2\pi \cdot t \cdot f_{m2} ))$&#10;&#10;&#10;\end{document}"/>
+  <p:tag name="IGUANATEXSIZE" val="20"/>
+  <p:tag name="IGUANATEXCURSOR" val="121"/>
+  <p:tag name="TRANSPARENCY" val="Wahr"/>
+  <p:tag name="FILENAME" val=""/>
+  <p:tag name="INPUTTYPE" val="0"/>
+  <p:tag name="LATEXENGINEID" val="1"/>
+  <p:tag name="TEMPFOLDER" val="C:\Users\Stefan\AppData\Local\Temp\.ssh\"/>
+</p:tagLst>
+</file>
+
+<file path=ppt/tags/tag8.xml><?xml version="1.0" encoding="utf-8"?>
+<p:tagLst xmlns:a="http://schemas.openxmlformats.org/drawingml/2006/main" xmlns:r="http://schemas.openxmlformats.org/officeDocument/2006/relationships" xmlns:p="http://schemas.openxmlformats.org/presentationml/2006/main">
+  <p:tag name="ORIGINALHEIGHT" val="124.5174"/>
+  <p:tag name="ORIGINALWIDTH" val="1991.528"/>
+  <p:tag name="LATEXADDIN" val="\documentclass{article}&#10;\usepackage{amsmath}&#10;\pagestyle{empty}&#10;\begin{document}&#10;&#10;$y(t) = \sin(2\pi \cdot t \cdot f_c + I \sin(y(t-1)))$&#10;&#10;&#10;\end{document}"/>
+  <p:tag name="IGUANATEXSIZE" val="20"/>
+  <p:tag name="IGUANATEXCURSOR" val="120"/>
+  <p:tag name="TRANSPARENCY" val="Wahr"/>
+  <p:tag name="FILENAME" val=""/>
+  <p:tag name="INPUTTYPE" val="0"/>
+  <p:tag name="LATEXENGINEID" val="1"/>
+  <p:tag name="TEMPFOLDER" val="C:\Users\Stefan\AppData\Local\Temp\.ssh\"/>
+</p:tagLst>
+</file>
+
+<file path=ppt/tags/tag9.xml><?xml version="1.0" encoding="utf-8"?>
+<p:tagLst xmlns:a="http://schemas.openxmlformats.org/drawingml/2006/main" xmlns:r="http://schemas.openxmlformats.org/officeDocument/2006/relationships" xmlns:p="http://schemas.openxmlformats.org/presentationml/2006/main">
+  <p:tag name="ORIGINALHEIGHT" val="113.2658"/>
+  <p:tag name="ORIGINALWIDTH" val="1492.708"/>
+  <p:tag name="LATEXADDIN" val="\documentclass{article}&#10;\usepackage{amsmath}&#10;\pagestyle{empty}&#10;\begin{document}&#10;&#10;$I = 1, f_c = 1000, f_m = 1000$&#10;&#10;&#10;\end{document}"/>
+  <p:tag name="IGUANATEXSIZE" val="20"/>
+  <p:tag name="IGUANATEXCURSOR" val="112"/>
+  <p:tag name="TRANSPARENCY" val="Wahr"/>
+  <p:tag name="FILENAME" val=""/>
+  <p:tag name="INPUTTYPE" val="0"/>
+  <p:tag name="LATEXENGINEID" val="1"/>
+  <p:tag name="TEMPFOLDER" val="C:\Users\Stefan\AppData\Local\Temp\.ssh\"/>
+</p:tagLst>
+</file>
+
 <file path=ppt/theme/theme1.xml><?xml version="1.0" encoding="utf-8"?>
 <a:theme xmlns:a="http://schemas.openxmlformats.org/drawingml/2006/main" name="Larissa-Design">
   <a:themeElements>
     <a:clrScheme name="Larissa">
       <a:dk1>
-        <a:sysClr val="windowText" lastClr="2A2A2A"/>
+        <a:sysClr val="windowText" lastClr="000000"/>
       </a:dk1>
       <a:lt1>
         <a:sysClr val="window" lastClr="FFFFFF"/>
@@ -4904,74 +8462,16 @@
         <a:srgbClr val="800080"/>
       </a:folHlink>
     </a:clrScheme>
-    <a:fontScheme name="Larissa">
+    <a:fontScheme name="Lato">
       <a:majorFont>
-        <a:latin typeface="Calibri"/>
+        <a:latin typeface="Lato"/>
         <a:ea typeface=""/>
         <a:cs typeface=""/>
-        <a:font script="Jpan" typeface="ＭＳ Ｐゴシック"/>
-        <a:font script="Hang" typeface="맑은 고딕"/>
-        <a:font script="Hans" typeface="宋体"/>
-        <a:font script="Hant" typeface="新細明體"/>
-        <a:font script="Arab" typeface="Times New Roman"/>
-        <a:font script="Hebr" typeface="Times New Roman"/>
-        <a:font script="Thai" typeface="Angsana New"/>
-        <a:font script="Ethi" typeface="Nyala"/>
-        <a:font script="Beng" typeface="Vrinda"/>
-        <a:font script="Gujr" typeface="Shruti"/>
-        <a:font script="Khmr" typeface="MoolBoran"/>
-        <a:font script="Knda" typeface="Tunga"/>
-        <a:font script="Guru" typeface="Raavi"/>
-        <a:font script="Cans" typeface="Euphemia"/>
-        <a:font script="Cher" typeface="Plantagenet Cherokee"/>
-        <a:font script="Yiii" typeface="Microsoft Yi Baiti"/>
-        <a:font script="Tibt" typeface="Microsoft Himalaya"/>
-        <a:font script="Thaa" typeface="MV Boli"/>
-        <a:font script="Deva" typeface="Mangal"/>
-        <a:font script="Telu" typeface="Gautami"/>
-        <a:font script="Taml" typeface="Latha"/>
-        <a:font script="Syrc" typeface="Estrangelo Edessa"/>
-        <a:font script="Orya" typeface="Kalinga"/>
-        <a:font script="Mlym" typeface="Kartika"/>
-        <a:font script="Laoo" typeface="DokChampa"/>
-        <a:font script="Sinh" typeface="Iskoola Pota"/>
-        <a:font script="Mong" typeface="Mongolian Baiti"/>
-        <a:font script="Viet" typeface="Times New Roman"/>
-        <a:font script="Uigh" typeface="Microsoft Uighur"/>
       </a:majorFont>
       <a:minorFont>
-        <a:latin typeface="Calibri"/>
+        <a:latin typeface="Lato"/>
         <a:ea typeface=""/>
         <a:cs typeface=""/>
-        <a:font script="Jpan" typeface="ＭＳ Ｐゴシック"/>
-        <a:font script="Hang" typeface="맑은 고딕"/>
-        <a:font script="Hans" typeface="宋体"/>
-        <a:font script="Hant" typeface="新細明體"/>
-        <a:font script="Arab" typeface="Arial"/>
-        <a:font script="Hebr" typeface="Arial"/>
-        <a:font script="Thai" typeface="Cordia New"/>
-        <a:font script="Ethi" typeface="Nyala"/>
-        <a:font script="Beng" typeface="Vrinda"/>
-        <a:font script="Gujr" typeface="Shruti"/>
-        <a:font script="Khmr" typeface="DaunPenh"/>
-        <a:font script="Knda" typeface="Tunga"/>
-        <a:font script="Guru" typeface="Raavi"/>
-        <a:font script="Cans" typeface="Euphemia"/>
-        <a:font script="Cher" typeface="Plantagenet Cherokee"/>
-        <a:font script="Yiii" typeface="Microsoft Yi Baiti"/>
-        <a:font script="Tibt" typeface="Microsoft Himalaya"/>
-        <a:font script="Thaa" typeface="MV Boli"/>
-        <a:font script="Deva" typeface="Mangal"/>
-        <a:font script="Telu" typeface="Gautami"/>
-        <a:font script="Taml" typeface="Latha"/>
-        <a:font script="Syrc" typeface="Estrangelo Edessa"/>
-        <a:font script="Orya" typeface="Kalinga"/>
-        <a:font script="Mlym" typeface="Kartika"/>
-        <a:font script="Laoo" typeface="DokChampa"/>
-        <a:font script="Sinh" typeface="Iskoola Pota"/>
-        <a:font script="Mong" typeface="Mongolian Baiti"/>
-        <a:font script="Viet" typeface="Arial"/>
-        <a:font script="Uigh" typeface="Microsoft Uighur"/>
       </a:minorFont>
     </a:fontScheme>
     <a:fmtScheme name="Larissa">
@@ -5151,7 +8651,7 @@
   <a:themeElements>
     <a:clrScheme name="Larissa">
       <a:dk1>
-        <a:sysClr val="windowText" lastClr="2A2A2A"/>
+        <a:sysClr val="windowText" lastClr="000000"/>
       </a:dk1>
       <a:lt1>
         <a:sysClr val="window" lastClr="FFFFFF"/>

--- a/Praesentation/FMSynthese-Gary.pptx
+++ b/Praesentation/FMSynthese-Gary.pptx
@@ -5,7 +5,7 @@
     <p:sldMasterId id="2147483648" r:id="rId1"/>
   </p:sldMasterIdLst>
   <p:notesMasterIdLst>
-    <p:notesMasterId r:id="rId23"/>
+    <p:notesMasterId r:id="rId24"/>
   </p:notesMasterIdLst>
   <p:sldIdLst>
     <p:sldId id="259" r:id="rId2"/>
@@ -27,8 +27,9 @@
     <p:sldId id="273" r:id="rId18"/>
     <p:sldId id="275" r:id="rId19"/>
     <p:sldId id="276" r:id="rId20"/>
-    <p:sldId id="277" r:id="rId21"/>
-    <p:sldId id="278" r:id="rId22"/>
+    <p:sldId id="279" r:id="rId21"/>
+    <p:sldId id="277" r:id="rId22"/>
+    <p:sldId id="278" r:id="rId23"/>
   </p:sldIdLst>
   <p:sldSz cx="9144000" cy="5143500" type="screen16x9"/>
   <p:notesSz cx="6858000" cy="9144000"/>
@@ -243,7 +244,7 @@
             <a:fld id="{364A5697-ABCF-455C-8519-931EFDD64AAA}" type="datetimeFigureOut">
               <a:rPr lang="de-DE" smtClean="0"/>
               <a:pPr/>
-              <a:t>17.06.2015</a:t>
+              <a:t>18.06.2015</a:t>
             </a:fld>
             <a:endParaRPr lang="de-DE"/>
           </a:p>
@@ -897,7 +898,7 @@
           <a:p>
             <a:fld id="{296000BE-0612-4D88-A1AC-FF1287139C2E}" type="datetime1">
               <a:rPr lang="de-DE" smtClean="0"/>
-              <a:t>17.06.2015</a:t>
+              <a:t>18.06.2015</a:t>
             </a:fld>
             <a:endParaRPr lang="de-DE" dirty="0"/>
           </a:p>
@@ -1078,7 +1079,7 @@
           <a:p>
             <a:fld id="{118C39E7-DE90-41C1-AA3B-F993836B02BE}" type="datetime1">
               <a:rPr lang="de-DE" smtClean="0"/>
-              <a:t>17.06.2015</a:t>
+              <a:t>18.06.2015</a:t>
             </a:fld>
             <a:endParaRPr lang="de-DE"/>
           </a:p>
@@ -1258,7 +1259,7 @@
           <a:p>
             <a:fld id="{B1B93457-8CBC-4CBC-AFA6-88355C5DAFDC}" type="datetime1">
               <a:rPr lang="de-DE" smtClean="0"/>
-              <a:t>17.06.2015</a:t>
+              <a:t>18.06.2015</a:t>
             </a:fld>
             <a:endParaRPr lang="de-DE"/>
           </a:p>
@@ -1436,7 +1437,7 @@
           <a:p>
             <a:fld id="{296000BE-0612-4D88-A1AC-FF1287139C2E}" type="datetime1">
               <a:rPr lang="de-DE" smtClean="0"/>
-              <a:t>17.06.2015</a:t>
+              <a:t>18.06.2015</a:t>
             </a:fld>
             <a:endParaRPr lang="de-DE" dirty="0"/>
           </a:p>
@@ -1692,7 +1693,7 @@
           <a:p>
             <a:fld id="{C80D71F6-99A2-4718-B360-65885A8D0927}" type="datetime1">
               <a:rPr lang="de-DE" smtClean="0"/>
-              <a:t>17.06.2015</a:t>
+              <a:t>18.06.2015</a:t>
             </a:fld>
             <a:endParaRPr lang="de-DE"/>
           </a:p>
@@ -1987,7 +1988,7 @@
           <a:p>
             <a:fld id="{29DA34F2-331A-4BAF-BC0B-E5952E369A92}" type="datetime1">
               <a:rPr lang="de-DE" smtClean="0"/>
-              <a:t>17.06.2015</a:t>
+              <a:t>18.06.2015</a:t>
             </a:fld>
             <a:endParaRPr lang="de-DE"/>
           </a:p>
@@ -2416,7 +2417,7 @@
           <a:p>
             <a:fld id="{6E10866E-AA72-4753-8ABE-452D5C085871}" type="datetime1">
               <a:rPr lang="de-DE" smtClean="0"/>
-              <a:t>17.06.2015</a:t>
+              <a:t>18.06.2015</a:t>
             </a:fld>
             <a:endParaRPr lang="de-DE"/>
           </a:p>
@@ -2541,7 +2542,7 @@
           <a:p>
             <a:fld id="{A782DF66-3609-46AF-9A5C-DF0EDD34A7DB}" type="datetime1">
               <a:rPr lang="de-DE" smtClean="0"/>
-              <a:t>17.06.2015</a:t>
+              <a:t>18.06.2015</a:t>
             </a:fld>
             <a:endParaRPr lang="de-DE"/>
           </a:p>
@@ -2636,7 +2637,7 @@
           <a:p>
             <a:fld id="{D9A33BE7-191D-4D84-96A8-D32FBF7D1E60}" type="datetime1">
               <a:rPr lang="de-DE" smtClean="0"/>
-              <a:t>17.06.2015</a:t>
+              <a:t>18.06.2015</a:t>
             </a:fld>
             <a:endParaRPr lang="de-DE"/>
           </a:p>
@@ -2913,7 +2914,7 @@
           <a:p>
             <a:fld id="{B525E46A-CAE0-47F8-9D57-934823E6F137}" type="datetime1">
               <a:rPr lang="de-DE" smtClean="0"/>
-              <a:t>17.06.2015</a:t>
+              <a:t>18.06.2015</a:t>
             </a:fld>
             <a:endParaRPr lang="de-DE"/>
           </a:p>
@@ -3166,7 +3167,7 @@
           <a:p>
             <a:fld id="{A77F82AC-1FA4-4A3F-9E15-2C049775FF58}" type="datetime1">
               <a:rPr lang="de-DE" smtClean="0"/>
-              <a:t>17.06.2015</a:t>
+              <a:t>18.06.2015</a:t>
             </a:fld>
             <a:endParaRPr lang="de-DE"/>
           </a:p>
@@ -3379,7 +3380,7 @@
           <a:p>
             <a:fld id="{296000BE-0612-4D88-A1AC-FF1287139C2E}" type="datetime1">
               <a:rPr lang="de-DE" smtClean="0"/>
-              <a:t>17.06.2015</a:t>
+              <a:t>18.06.2015</a:t>
             </a:fld>
             <a:endParaRPr lang="de-DE" dirty="0"/>
           </a:p>
@@ -3941,7 +3942,7 @@
           <a:p>
             <a:fld id="{296000BE-0612-4D88-A1AC-FF1287139C2E}" type="datetime1">
               <a:rPr lang="de-DE" smtClean="0"/>
-              <a:t>17.06.2015</a:t>
+              <a:t>18.06.2015</a:t>
             </a:fld>
             <a:endParaRPr lang="de-DE" dirty="0"/>
           </a:p>
@@ -4127,7 +4128,7 @@
           <a:p>
             <a:fld id="{296000BE-0612-4D88-A1AC-FF1287139C2E}" type="datetime1">
               <a:rPr lang="de-DE" smtClean="0"/>
-              <a:t>17.06.2015</a:t>
+              <a:t>18.06.2015</a:t>
             </a:fld>
             <a:endParaRPr lang="de-DE" dirty="0"/>
           </a:p>
@@ -4313,7 +4314,7 @@
           <a:p>
             <a:fld id="{296000BE-0612-4D88-A1AC-FF1287139C2E}" type="datetime1">
               <a:rPr lang="de-DE" smtClean="0"/>
-              <a:t>17.06.2015</a:t>
+              <a:t>18.06.2015</a:t>
             </a:fld>
             <a:endParaRPr lang="de-DE" dirty="0"/>
           </a:p>
@@ -4499,7 +4500,7 @@
           <a:p>
             <a:fld id="{296000BE-0612-4D88-A1AC-FF1287139C2E}" type="datetime1">
               <a:rPr lang="de-DE" smtClean="0"/>
-              <a:t>17.06.2015</a:t>
+              <a:t>18.06.2015</a:t>
             </a:fld>
             <a:endParaRPr lang="de-DE" dirty="0"/>
           </a:p>
@@ -4685,7 +4686,7 @@
           <a:p>
             <a:fld id="{296000BE-0612-4D88-A1AC-FF1287139C2E}" type="datetime1">
               <a:rPr lang="de-DE" smtClean="0"/>
-              <a:t>17.06.2015</a:t>
+              <a:t>18.06.2015</a:t>
             </a:fld>
             <a:endParaRPr lang="de-DE" dirty="0"/>
           </a:p>
@@ -4871,7 +4872,7 @@
           <a:p>
             <a:fld id="{296000BE-0612-4D88-A1AC-FF1287139C2E}" type="datetime1">
               <a:rPr lang="de-DE" smtClean="0"/>
-              <a:t>17.06.2015</a:t>
+              <a:t>18.06.2015</a:t>
             </a:fld>
             <a:endParaRPr lang="de-DE" dirty="0"/>
           </a:p>
@@ -5040,7 +5041,11 @@
           <a:p>
             <a:r>
               <a:rPr lang="de-DE" dirty="0" smtClean="0"/>
-              <a:t>unendlich viele Echos</a:t>
+              <a:t>unendlich viele </a:t>
+            </a:r>
+            <a:r>
+              <a:rPr lang="de-DE" dirty="0" smtClean="0"/>
+              <a:t>Echos entstehen</a:t>
             </a:r>
             <a:endParaRPr lang="en-US" dirty="0"/>
           </a:p>
@@ -5063,7 +5068,7 @@
           <a:p>
             <a:fld id="{296000BE-0612-4D88-A1AC-FF1287139C2E}" type="datetime1">
               <a:rPr lang="de-DE" smtClean="0"/>
-              <a:t>17.06.2015</a:t>
+              <a:t>18.06.2015</a:t>
             </a:fld>
             <a:endParaRPr lang="de-DE" dirty="0"/>
           </a:p>
@@ -5170,12 +5175,12 @@
               <a:t>Quelle: </a:t>
             </a:r>
             <a:r>
-              <a:rPr lang="de-DE" sz="1200" dirty="0" err="1" smtClean="0"/>
-              <a:t>Computergestütze</a:t>
-            </a:r>
-            <a:r>
               <a:rPr lang="de-DE" sz="1200" dirty="0" smtClean="0"/>
-              <a:t> Audio und Videotechnik [Sto11]</a:t>
+              <a:t>Computergestützte </a:t>
+            </a:r>
+            <a:r>
+              <a:rPr lang="de-DE" sz="1200" dirty="0" smtClean="0"/>
+              <a:t>Audio und Videotechnik [Sto11]</a:t>
             </a:r>
             <a:endParaRPr lang="en-US" sz="1200" dirty="0"/>
           </a:p>
@@ -5277,7 +5282,7 @@
           <a:p>
             <a:fld id="{296000BE-0612-4D88-A1AC-FF1287139C2E}" type="datetime1">
               <a:rPr lang="de-DE" smtClean="0"/>
-              <a:t>17.06.2015</a:t>
+              <a:t>18.06.2015</a:t>
             </a:fld>
             <a:endParaRPr lang="de-DE" dirty="0"/>
           </a:p>
@@ -5433,7 +5438,7 @@
           <a:p>
             <a:fld id="{296000BE-0612-4D88-A1AC-FF1287139C2E}" type="datetime1">
               <a:rPr lang="de-DE" smtClean="0"/>
-              <a:t>17.06.2015</a:t>
+              <a:t>18.06.2015</a:t>
             </a:fld>
             <a:endParaRPr lang="de-DE" dirty="0"/>
           </a:p>
@@ -5566,7 +5571,7 @@
           <a:p>
             <a:fld id="{296000BE-0612-4D88-A1AC-FF1287139C2E}" type="datetime1">
               <a:rPr lang="de-DE" smtClean="0"/>
-              <a:t>17.06.2015</a:t>
+              <a:t>18.06.2015</a:t>
             </a:fld>
             <a:endParaRPr lang="de-DE" dirty="0"/>
           </a:p>
@@ -6006,26 +6011,7 @@
       </p:grpSpPr>
       <p:sp>
         <p:nvSpPr>
-          <p:cNvPr id="8" name="Untertitel 7"/>
-          <p:cNvSpPr>
-            <a:spLocks noGrp="1"/>
-          </p:cNvSpPr>
-          <p:nvPr>
-            <p:ph type="subTitle" idx="1"/>
-          </p:nvPr>
-        </p:nvSpPr>
-        <p:spPr/>
-        <p:txBody>
-          <a:bodyPr/>
-          <a:lstStyle/>
-          <a:p>
-            <a:endParaRPr lang="en-US"/>
-          </a:p>
-        </p:txBody>
-      </p:sp>
-      <p:sp>
-        <p:nvSpPr>
-          <p:cNvPr id="7" name="Titel 6"/>
+          <p:cNvPr id="2" name="Titel 1"/>
           <p:cNvSpPr>
             <a:spLocks noGrp="1"/>
           </p:cNvSpPr>
@@ -6040,7 +6026,7 @@
           <a:p>
             <a:r>
               <a:rPr lang="de-DE" dirty="0" smtClean="0"/>
-              <a:t>Vielen Dank für ihre Aufmerksamkeit</a:t>
+              <a:t>Fazit</a:t>
             </a:r>
             <a:endParaRPr lang="en-US" dirty="0"/>
           </a:p>
@@ -6048,6 +6034,41 @@
       </p:sp>
       <p:sp>
         <p:nvSpPr>
+          <p:cNvPr id="3" name="Inhaltsplatzhalter 2"/>
+          <p:cNvSpPr>
+            <a:spLocks noGrp="1"/>
+          </p:cNvSpPr>
+          <p:nvPr>
+            <p:ph idx="1"/>
+          </p:nvPr>
+        </p:nvSpPr>
+        <p:spPr/>
+        <p:txBody>
+          <a:bodyPr/>
+          <a:lstStyle/>
+          <a:p>
+            <a:r>
+              <a:rPr lang="de-DE" dirty="0" smtClean="0"/>
+              <a:t>Instrumententon generieren ist schwierig</a:t>
+            </a:r>
+          </a:p>
+          <a:p>
+            <a:r>
+              <a:rPr lang="de-DE" dirty="0" smtClean="0"/>
+              <a:t>Generierter Instrumententon hat große Ähnlichkeit zum Original</a:t>
+            </a:r>
+          </a:p>
+          <a:p>
+            <a:r>
+              <a:rPr lang="de-DE" dirty="0" smtClean="0"/>
+              <a:t>FM-Synthesizer Programm bietet eine einfache Möglichkeit sich mit der FM-Synthese vertraut zu machen.</a:t>
+            </a:r>
+            <a:endParaRPr lang="en-US" dirty="0"/>
+          </a:p>
+        </p:txBody>
+      </p:sp>
+      <p:sp>
+        <p:nvSpPr>
           <p:cNvPr id="4" name="Datumsplatzhalter 3"/>
           <p:cNvSpPr>
             <a:spLocks noGrp="1"/>
@@ -6063,7 +6084,7 @@
           <a:p>
             <a:fld id="{296000BE-0612-4D88-A1AC-FF1287139C2E}" type="datetime1">
               <a:rPr lang="de-DE" smtClean="0"/>
-              <a:t>17.06.2015</a:t>
+              <a:t>18.06.2015</a:t>
             </a:fld>
             <a:endParaRPr lang="de-DE" dirty="0"/>
           </a:p>
@@ -6122,7 +6143,7 @@
     </p:spTree>
     <p:extLst>
       <p:ext uri="{BB962C8B-B14F-4D97-AF65-F5344CB8AC3E}">
-        <p14:creationId xmlns:p14="http://schemas.microsoft.com/office/powerpoint/2010/main" val="3741543770"/>
+        <p14:creationId xmlns:p14="http://schemas.microsoft.com/office/powerpoint/2010/main" val="223964149"/>
       </p:ext>
     </p:extLst>
   </p:cSld>
@@ -6158,7 +6179,26 @@
       </p:grpSpPr>
       <p:sp>
         <p:nvSpPr>
-          <p:cNvPr id="2" name="Titel 1"/>
+          <p:cNvPr id="8" name="Untertitel 7"/>
+          <p:cNvSpPr>
+            <a:spLocks noGrp="1"/>
+          </p:cNvSpPr>
+          <p:nvPr>
+            <p:ph type="subTitle" idx="1"/>
+          </p:nvPr>
+        </p:nvSpPr>
+        <p:spPr/>
+        <p:txBody>
+          <a:bodyPr/>
+          <a:lstStyle/>
+          <a:p>
+            <a:endParaRPr lang="en-US"/>
+          </a:p>
+        </p:txBody>
+      </p:sp>
+      <p:sp>
+        <p:nvSpPr>
+          <p:cNvPr id="7" name="Titel 6"/>
           <p:cNvSpPr>
             <a:spLocks noGrp="1"/>
           </p:cNvSpPr>
@@ -6173,7 +6213,7 @@
           <a:p>
             <a:r>
               <a:rPr lang="de-DE" dirty="0" smtClean="0"/>
-              <a:t>Quellen</a:t>
+              <a:t>Vielen Dank für ihre Aufmerksamkeit</a:t>
             </a:r>
             <a:endParaRPr lang="en-US" dirty="0"/>
           </a:p>
@@ -6196,7 +6236,7 @@
           <a:p>
             <a:fld id="{296000BE-0612-4D88-A1AC-FF1287139C2E}" type="datetime1">
               <a:rPr lang="de-DE" smtClean="0"/>
-              <a:t>17.06.2015</a:t>
+              <a:t>18.06.2015</a:t>
             </a:fld>
             <a:endParaRPr lang="de-DE" dirty="0"/>
           </a:p>
@@ -6252,131 +6292,249 @@
           </a:p>
         </p:txBody>
       </p:sp>
+    </p:spTree>
+    <p:extLst>
+      <p:ext uri="{BB962C8B-B14F-4D97-AF65-F5344CB8AC3E}">
+        <p14:creationId xmlns:p14="http://schemas.microsoft.com/office/powerpoint/2010/main" val="3741543770"/>
+      </p:ext>
+    </p:extLst>
+  </p:cSld>
+  <p:clrMapOvr>
+    <a:masterClrMapping/>
+  </p:clrMapOvr>
+  <p:timing>
+    <p:tnLst>
+      <p:par>
+        <p:cTn id="1" dur="indefinite" restart="never" nodeType="tmRoot"/>
+      </p:par>
+    </p:tnLst>
+  </p:timing>
+</p:sld>
+</file>
+
+<file path=ppt/slides/slide22.xml><?xml version="1.0" encoding="utf-8"?>
+<p:sld xmlns:a="http://schemas.openxmlformats.org/drawingml/2006/main" xmlns:r="http://schemas.openxmlformats.org/officeDocument/2006/relationships" xmlns:p="http://schemas.openxmlformats.org/presentationml/2006/main">
+  <p:cSld>
+    <p:spTree>
+      <p:nvGrpSpPr>
+        <p:cNvPr id="1" name=""/>
+        <p:cNvGrpSpPr/>
+        <p:nvPr/>
+      </p:nvGrpSpPr>
+      <p:grpSpPr>
+        <a:xfrm>
+          <a:off x="0" y="0"/>
+          <a:ext cx="0" cy="0"/>
+          <a:chOff x="0" y="0"/>
+          <a:chExt cx="0" cy="0"/>
+        </a:xfrm>
+      </p:grpSpPr>
+      <p:sp>
+        <p:nvSpPr>
+          <p:cNvPr id="2" name="Titel 1"/>
+          <p:cNvSpPr>
+            <a:spLocks noGrp="1"/>
+          </p:cNvSpPr>
+          <p:nvPr>
+            <p:ph type="title"/>
+          </p:nvPr>
+        </p:nvSpPr>
+        <p:spPr/>
+        <p:txBody>
+          <a:bodyPr/>
+          <a:lstStyle/>
+          <a:p>
+            <a:r>
+              <a:rPr lang="de-DE" dirty="0" smtClean="0"/>
+              <a:t>Quellen</a:t>
+            </a:r>
+            <a:endParaRPr lang="en-US" dirty="0"/>
+          </a:p>
+        </p:txBody>
+      </p:sp>
+      <p:sp>
+        <p:nvSpPr>
+          <p:cNvPr id="4" name="Datumsplatzhalter 3"/>
+          <p:cNvSpPr>
+            <a:spLocks noGrp="1"/>
+          </p:cNvSpPr>
+          <p:nvPr>
+            <p:ph type="dt" sz="half" idx="10"/>
+          </p:nvPr>
+        </p:nvSpPr>
+        <p:spPr/>
+        <p:txBody>
+          <a:bodyPr/>
+          <a:lstStyle/>
+          <a:p>
+            <a:fld id="{296000BE-0612-4D88-A1AC-FF1287139C2E}" type="datetime1">
+              <a:rPr lang="de-DE" smtClean="0"/>
+              <a:t>18.06.2015</a:t>
+            </a:fld>
+            <a:endParaRPr lang="de-DE" dirty="0"/>
+          </a:p>
+        </p:txBody>
+      </p:sp>
+      <p:sp>
+        <p:nvSpPr>
+          <p:cNvPr id="5" name="Fußzeilenplatzhalter 4"/>
+          <p:cNvSpPr>
+            <a:spLocks noGrp="1"/>
+          </p:cNvSpPr>
+          <p:nvPr>
+            <p:ph type="ftr" sz="quarter" idx="11"/>
+          </p:nvPr>
+        </p:nvSpPr>
+        <p:spPr/>
+        <p:txBody>
+          <a:bodyPr/>
+          <a:lstStyle/>
+          <a:p>
+            <a:r>
+              <a:rPr lang="de-DE" smtClean="0"/>
+              <a:t>FM-Synthese</a:t>
+            </a:r>
+            <a:endParaRPr lang="de-DE" dirty="0"/>
+          </a:p>
+        </p:txBody>
+      </p:sp>
+      <p:sp>
+        <p:nvSpPr>
+          <p:cNvPr id="6" name="Foliennummernplatzhalter 5"/>
+          <p:cNvSpPr>
+            <a:spLocks noGrp="1"/>
+          </p:cNvSpPr>
+          <p:nvPr>
+            <p:ph type="sldNum" sz="quarter" idx="12"/>
+          </p:nvPr>
+        </p:nvSpPr>
+        <p:spPr/>
+        <p:txBody>
+          <a:bodyPr/>
+          <a:lstStyle/>
+          <a:p>
+            <a:fld id="{8740CB20-F870-467D-84CE-AB32061190A1}" type="slidenum">
+              <a:rPr lang="en-US" smtClean="0"/>
+              <a:t>22</a:t>
+            </a:fld>
+            <a:r>
+              <a:rPr lang="de-DE" smtClean="0"/>
+              <a:t>   </a:t>
+            </a:r>
+            <a:endParaRPr lang="de-DE" dirty="0"/>
+          </a:p>
+        </p:txBody>
+      </p:sp>
       <p:grpSp>
         <p:nvGrpSpPr>
-          <p:cNvPr id="13" name="Gruppieren 12"/>
+          <p:cNvPr id="3" name="Gruppieren 2"/>
           <p:cNvGrpSpPr/>
           <p:nvPr/>
         </p:nvGrpSpPr>
         <p:grpSpPr>
           <a:xfrm>
-            <a:off x="911108" y="1261210"/>
-            <a:ext cx="7470228" cy="3038732"/>
-            <a:chOff x="911108" y="1419622"/>
-            <a:chExt cx="7470228" cy="3038732"/>
+            <a:off x="827584" y="1083027"/>
+            <a:ext cx="7524264" cy="3304142"/>
+            <a:chOff x="827584" y="1083027"/>
+            <a:chExt cx="7524264" cy="3304142"/>
           </a:xfrm>
         </p:grpSpPr>
-        <p:grpSp>
-          <p:nvGrpSpPr>
-            <p:cNvPr id="11" name="Gruppieren 10"/>
-            <p:cNvGrpSpPr/>
+        <p:pic>
+          <p:nvPicPr>
+            <p:cNvPr id="7" name="Grafik 6"/>
+            <p:cNvPicPr>
+              <a:picLocks noChangeAspect="1"/>
+            </p:cNvPicPr>
             <p:nvPr/>
-          </p:nvGrpSpPr>
-          <p:grpSpPr>
+          </p:nvPicPr>
+          <p:blipFill>
+            <a:blip r:embed="rId2"/>
+            <a:stretch>
+              <a:fillRect/>
+            </a:stretch>
+          </p:blipFill>
+          <p:spPr>
             <a:xfrm>
-              <a:off x="911108" y="1419622"/>
-              <a:ext cx="7337064" cy="2484364"/>
-              <a:chOff x="439011" y="1131590"/>
-              <a:chExt cx="7337064" cy="2484364"/>
+              <a:off x="859040" y="1083027"/>
+              <a:ext cx="7302134" cy="515843"/>
             </a:xfrm>
-          </p:grpSpPr>
-          <p:pic>
-            <p:nvPicPr>
-              <p:cNvPr id="7" name="Grafik 6"/>
-              <p:cNvPicPr>
-                <a:picLocks noChangeAspect="1"/>
-              </p:cNvPicPr>
-              <p:nvPr/>
-            </p:nvPicPr>
-            <p:blipFill>
-              <a:blip r:embed="rId2"/>
-              <a:stretch>
-                <a:fillRect/>
-              </a:stretch>
-            </p:blipFill>
-            <p:spPr>
-              <a:xfrm>
-                <a:off x="453525" y="1131590"/>
-                <a:ext cx="7302134" cy="515843"/>
-              </a:xfrm>
-              <a:prstGeom prst="rect">
-                <a:avLst/>
-              </a:prstGeom>
-            </p:spPr>
-          </p:pic>
-          <p:pic>
-            <p:nvPicPr>
-              <p:cNvPr id="8" name="Grafik 7"/>
-              <p:cNvPicPr>
-                <a:picLocks noChangeAspect="1"/>
-              </p:cNvPicPr>
-              <p:nvPr/>
-            </p:nvPicPr>
-            <p:blipFill>
-              <a:blip r:embed="rId3"/>
-              <a:stretch>
-                <a:fillRect/>
-              </a:stretch>
-            </p:blipFill>
-            <p:spPr>
-              <a:xfrm>
-                <a:off x="439011" y="1715794"/>
-                <a:ext cx="7217877" cy="495916"/>
-              </a:xfrm>
-              <a:prstGeom prst="rect">
-                <a:avLst/>
-              </a:prstGeom>
-            </p:spPr>
-          </p:pic>
-          <p:pic>
-            <p:nvPicPr>
-              <p:cNvPr id="9" name="Grafik 8"/>
-              <p:cNvPicPr>
-                <a:picLocks noChangeAspect="1"/>
-              </p:cNvPicPr>
-              <p:nvPr/>
-            </p:nvPicPr>
-            <p:blipFill>
-              <a:blip r:embed="rId4"/>
-              <a:stretch>
-                <a:fillRect/>
-              </a:stretch>
-            </p:blipFill>
-            <p:spPr>
-              <a:xfrm>
-                <a:off x="473941" y="2280071"/>
-                <a:ext cx="7276688" cy="703245"/>
-              </a:xfrm>
-              <a:prstGeom prst="rect">
-                <a:avLst/>
-              </a:prstGeom>
-            </p:spPr>
-          </p:pic>
-          <p:pic>
-            <p:nvPicPr>
-              <p:cNvPr id="10" name="Grafik 9"/>
-              <p:cNvPicPr>
-                <a:picLocks noChangeAspect="1"/>
-              </p:cNvPicPr>
-              <p:nvPr/>
-            </p:nvPicPr>
-            <p:blipFill>
-              <a:blip r:embed="rId5"/>
-              <a:stretch>
-                <a:fillRect/>
-              </a:stretch>
-            </p:blipFill>
-            <p:spPr>
-              <a:xfrm>
-                <a:off x="473941" y="3052622"/>
-                <a:ext cx="7302134" cy="563332"/>
-              </a:xfrm>
-              <a:prstGeom prst="rect">
-                <a:avLst/>
-              </a:prstGeom>
-            </p:spPr>
-          </p:pic>
-        </p:grpSp>
+            <a:prstGeom prst="rect">
+              <a:avLst/>
+            </a:prstGeom>
+          </p:spPr>
+        </p:pic>
+        <p:pic>
+          <p:nvPicPr>
+            <p:cNvPr id="8" name="Grafik 7"/>
+            <p:cNvPicPr>
+              <a:picLocks noChangeAspect="1"/>
+            </p:cNvPicPr>
+            <p:nvPr/>
+          </p:nvPicPr>
+          <p:blipFill>
+            <a:blip r:embed="rId3"/>
+            <a:stretch>
+              <a:fillRect/>
+            </a:stretch>
+          </p:blipFill>
+          <p:spPr>
+            <a:xfrm>
+              <a:off x="827584" y="2378262"/>
+              <a:ext cx="7217877" cy="495916"/>
+            </a:xfrm>
+            <a:prstGeom prst="rect">
+              <a:avLst/>
+            </a:prstGeom>
+          </p:spPr>
+        </p:pic>
+        <p:pic>
+          <p:nvPicPr>
+            <p:cNvPr id="9" name="Grafik 8"/>
+            <p:cNvPicPr>
+              <a:picLocks noChangeAspect="1"/>
+            </p:cNvPicPr>
+            <p:nvPr/>
+          </p:nvPicPr>
+          <p:blipFill>
+            <a:blip r:embed="rId4"/>
+            <a:stretch>
+              <a:fillRect/>
+            </a:stretch>
+          </p:blipFill>
+          <p:spPr>
+            <a:xfrm>
+              <a:off x="854274" y="2982286"/>
+              <a:ext cx="7276688" cy="703245"/>
+            </a:xfrm>
+            <a:prstGeom prst="rect">
+              <a:avLst/>
+            </a:prstGeom>
+          </p:spPr>
+        </p:pic>
+        <p:pic>
+          <p:nvPicPr>
+            <p:cNvPr id="10" name="Grafik 9"/>
+            <p:cNvPicPr>
+              <a:picLocks noChangeAspect="1"/>
+            </p:cNvPicPr>
+            <p:nvPr/>
+          </p:nvPicPr>
+          <p:blipFill>
+            <a:blip r:embed="rId5"/>
+            <a:stretch>
+              <a:fillRect/>
+            </a:stretch>
+          </p:blipFill>
+          <p:spPr>
+            <a:xfrm>
+              <a:off x="854274" y="1706822"/>
+              <a:ext cx="7302134" cy="563332"/>
+            </a:xfrm>
+            <a:prstGeom prst="rect">
+              <a:avLst/>
+            </a:prstGeom>
+          </p:spPr>
+        </p:pic>
         <p:pic>
           <p:nvPicPr>
             <p:cNvPr id="12" name="Grafik 11"/>
@@ -6393,7 +6551,7 @@
           </p:blipFill>
           <p:spPr>
             <a:xfrm>
-              <a:off x="920856" y="3867894"/>
+              <a:off x="891368" y="3796709"/>
               <a:ext cx="7460480" cy="590460"/>
             </a:xfrm>
             <a:prstGeom prst="rect">
@@ -6477,7 +6635,6 @@
               <a:rPr lang="de-DE" dirty="0"/>
               <a:t>Techniken zur Generierung eines Instrumententones</a:t>
             </a:r>
-            <a:endParaRPr lang="de-DE" dirty="0"/>
           </a:p>
         </p:txBody>
       </p:sp>
@@ -6583,7 +6740,6 @@
               <a:rPr lang="de-DE" dirty="0" smtClean="0"/>
               <a:t>Trägerfrequenz </a:t>
             </a:r>
-            <a:endParaRPr lang="de-DE" dirty="0" smtClean="0"/>
           </a:p>
           <a:p>
             <a:r>
@@ -6618,7 +6774,7 @@
           <a:p>
             <a:fld id="{296000BE-0612-4D88-A1AC-FF1287139C2E}" type="datetime1">
               <a:rPr lang="de-DE" smtClean="0"/>
-              <a:t>17.06.2015</a:t>
+              <a:t>18.06.2015</a:t>
             </a:fld>
             <a:endParaRPr lang="de-DE" dirty="0"/>
           </a:p>
@@ -6700,8 +6856,8 @@
         </p:blipFill>
         <p:spPr>
           <a:xfrm>
-            <a:off x="2479182" y="1634432"/>
-            <a:ext cx="4241884" cy="253019"/>
+            <a:off x="748850" y="1458569"/>
+            <a:ext cx="7782049" cy="464182"/>
           </a:xfrm>
           <a:prstGeom prst="rect">
             <a:avLst/>
@@ -6868,12 +7024,12 @@
         </p:nvCxnSpPr>
         <p:spPr>
           <a:xfrm rot="5400000">
-            <a:off x="3866248" y="2261323"/>
-            <a:ext cx="1331431" cy="800159"/>
+            <a:off x="4058018" y="2069552"/>
+            <a:ext cx="1331434" cy="1183699"/>
           </a:xfrm>
           <a:prstGeom prst="bentConnector3">
             <a:avLst>
-              <a:gd name="adj1" fmla="val 100044"/>
+              <a:gd name="adj1" fmla="val 100364"/>
             </a:avLst>
           </a:prstGeom>
           <a:ln>
@@ -6902,13 +7058,13 @@
           <p:nvPr/>
         </p:nvCxnSpPr>
         <p:spPr>
-          <a:xfrm rot="5400000">
-            <a:off x="4671331" y="2311041"/>
-            <a:ext cx="2016226" cy="1385512"/>
+          <a:xfrm rot="10800000" flipV="1">
+            <a:off x="4954909" y="1995683"/>
+            <a:ext cx="2878462" cy="1887149"/>
           </a:xfrm>
           <a:prstGeom prst="bentConnector3">
             <a:avLst>
-              <a:gd name="adj1" fmla="val 99922"/>
+              <a:gd name="adj1" fmla="val 20"/>
             </a:avLst>
           </a:prstGeom>
           <a:ln>
@@ -7389,7 +7545,7 @@
           <a:p>
             <a:fld id="{296000BE-0612-4D88-A1AC-FF1287139C2E}" type="datetime1">
               <a:rPr lang="de-DE" smtClean="0"/>
-              <a:t>17.06.2015</a:t>
+              <a:t>18.06.2015</a:t>
             </a:fld>
             <a:endParaRPr lang="de-DE" dirty="0"/>
           </a:p>
@@ -7522,7 +7678,7 @@
           <a:p>
             <a:fld id="{296000BE-0612-4D88-A1AC-FF1287139C2E}" type="datetime1">
               <a:rPr lang="de-DE" smtClean="0"/>
-              <a:t>17.06.2015</a:t>
+              <a:t>18.06.2015</a:t>
             </a:fld>
             <a:endParaRPr lang="de-DE" dirty="0"/>
           </a:p>
@@ -7773,7 +7929,7 @@
           <a:p>
             <a:fld id="{296000BE-0612-4D88-A1AC-FF1287139C2E}" type="datetime1">
               <a:rPr lang="de-DE" smtClean="0"/>
-              <a:t>17.06.2015</a:t>
+              <a:t>18.06.2015</a:t>
             </a:fld>
             <a:endParaRPr lang="de-DE" dirty="0"/>
           </a:p>
@@ -7940,11 +8096,17 @@
           <a:p>
             <a:r>
               <a:rPr lang="de-DE" dirty="0" smtClean="0"/>
-              <a:t>Anzahl </a:t>
-            </a:r>
-            <a:r>
-              <a:rPr lang="de-DE" dirty="0" smtClean="0"/>
-              <a:t>der Seitenfrequenzen steigen bei </a:t>
+              <a:t>Anzahl der Seitenfrequenzen </a:t>
+            </a:r>
+            <a:r>
+              <a:rPr lang="de-DE" dirty="0" smtClean="0"/>
+              <a:t>nicht statisch</a:t>
+            </a:r>
+          </a:p>
+          <a:p>
+            <a:r>
+              <a:rPr lang="de-DE" dirty="0" smtClean="0"/>
+              <a:t>Nehmen während </a:t>
             </a:r>
             <a:r>
               <a:rPr lang="de-DE" dirty="0" err="1" smtClean="0"/>
@@ -7952,12 +8114,15 @@
             </a:r>
             <a:r>
               <a:rPr lang="de-DE" dirty="0" smtClean="0"/>
-              <a:t> an und nehmen in Release </a:t>
-            </a:r>
-            <a:r>
-              <a:rPr lang="de-DE" dirty="0" smtClean="0"/>
-              <a:t>ab</a:t>
-            </a:r>
+              <a:t> zu</a:t>
+            </a:r>
+          </a:p>
+          <a:p>
+            <a:r>
+              <a:rPr lang="de-DE" dirty="0" smtClean="0"/>
+              <a:t>Nehmen während Release ab</a:t>
+            </a:r>
+            <a:endParaRPr lang="de-DE" dirty="0" smtClean="0"/>
           </a:p>
           <a:p>
             <a:pPr marL="0" indent="0">
@@ -7971,7 +8136,11 @@
             </a:pPr>
             <a:r>
               <a:rPr lang="de-DE" dirty="0" smtClean="0"/>
-              <a:t>=&gt; Modulationsindex mit ADSR-Hüllkurve modulieren</a:t>
+              <a:t>=&gt; Modulationsindex </a:t>
+            </a:r>
+            <a:r>
+              <a:rPr lang="de-DE" dirty="0" smtClean="0"/>
+              <a:t>mit ADSR-Hüllkurve modulieren</a:t>
             </a:r>
             <a:endParaRPr lang="en-US" dirty="0"/>
           </a:p>
@@ -7994,7 +8163,7 @@
           <a:p>
             <a:fld id="{296000BE-0612-4D88-A1AC-FF1287139C2E}" type="datetime1">
               <a:rPr lang="de-DE" smtClean="0"/>
-              <a:t>17.06.2015</a:t>
+              <a:t>18.06.2015</a:t>
             </a:fld>
             <a:endParaRPr lang="de-DE" dirty="0"/>
           </a:p>
@@ -8132,34 +8301,57 @@
           </a:xfrm>
         </p:spPr>
         <p:txBody>
-          <a:bodyPr/>
-          <a:lstStyle/>
-          <a:p>
-            <a:r>
-              <a:rPr lang="de-DE" dirty="0" smtClean="0"/>
-              <a:t>Feedback-FM kann Rauschen generieren</a:t>
-            </a:r>
-          </a:p>
-          <a:p>
-            <a:r>
-              <a:rPr lang="de-DE" dirty="0" smtClean="0"/>
+          <a:bodyPr>
+            <a:normAutofit/>
+          </a:bodyPr>
+          <a:lstStyle/>
+          <a:p>
+            <a:r>
+              <a:rPr lang="de-DE" dirty="0"/>
               <a:t>Instrumente erzeugen Rauschen</a:t>
             </a:r>
           </a:p>
           <a:p>
             <a:pPr lvl="1"/>
             <a:r>
-              <a:rPr lang="de-DE" dirty="0" err="1" smtClean="0"/>
-              <a:t>Luftverwirblungen</a:t>
+              <a:rPr lang="de-DE" dirty="0" err="1"/>
+              <a:t>Luftverwirbelungen</a:t>
+            </a:r>
+            <a:endParaRPr lang="de-DE" dirty="0"/>
+          </a:p>
+          <a:p>
+            <a:pPr lvl="1"/>
+            <a:r>
+              <a:rPr lang="de-DE" dirty="0"/>
+              <a:t>Blasgeräusche</a:t>
+            </a:r>
+          </a:p>
+          <a:p>
+            <a:pPr lvl="1"/>
+            <a:r>
+              <a:rPr lang="de-DE" dirty="0"/>
+              <a:t>Unebenheiten der </a:t>
+            </a:r>
+            <a:r>
+              <a:rPr lang="de-DE" dirty="0" smtClean="0"/>
+              <a:t>Bauform</a:t>
             </a:r>
             <a:endParaRPr lang="de-DE" dirty="0" smtClean="0"/>
           </a:p>
           <a:p>
-            <a:pPr lvl="1"/>
-            <a:r>
-              <a:rPr lang="de-DE" dirty="0" smtClean="0"/>
-              <a:t>Unebenheiten der Bauform</a:t>
-            </a:r>
+            <a:r>
+              <a:rPr lang="de-DE" dirty="0" smtClean="0"/>
+              <a:t>Feedback-FM </a:t>
+            </a:r>
+            <a:r>
+              <a:rPr lang="de-DE" dirty="0" smtClean="0"/>
+              <a:t>kann Rauschen </a:t>
+            </a:r>
+            <a:r>
+              <a:rPr lang="de-DE" dirty="0" smtClean="0"/>
+              <a:t>generieren</a:t>
+            </a:r>
+            <a:endParaRPr lang="de-DE" dirty="0" smtClean="0"/>
           </a:p>
         </p:txBody>
       </p:sp>
@@ -8180,7 +8372,7 @@
           <a:p>
             <a:fld id="{296000BE-0612-4D88-A1AC-FF1287139C2E}" type="datetime1">
               <a:rPr lang="de-DE" smtClean="0"/>
-              <a:t>17.06.2015</a:t>
+              <a:t>18.06.2015</a:t>
             </a:fld>
             <a:endParaRPr lang="de-DE" dirty="0"/>
           </a:p>

--- a/Praesentation/FMSynthese-Gary.pptx
+++ b/Praesentation/FMSynthese-Gary.pptx
@@ -244,7 +244,7 @@
             <a:fld id="{364A5697-ABCF-455C-8519-931EFDD64AAA}" type="datetimeFigureOut">
               <a:rPr lang="de-DE" smtClean="0"/>
               <a:pPr/>
-              <a:t>18.06.2015</a:t>
+              <a:t>19.06.2015</a:t>
             </a:fld>
             <a:endParaRPr lang="de-DE"/>
           </a:p>
@@ -898,7 +898,7 @@
           <a:p>
             <a:fld id="{296000BE-0612-4D88-A1AC-FF1287139C2E}" type="datetime1">
               <a:rPr lang="de-DE" smtClean="0"/>
-              <a:t>18.06.2015</a:t>
+              <a:t>19.06.2015</a:t>
             </a:fld>
             <a:endParaRPr lang="de-DE" dirty="0"/>
           </a:p>
@@ -1079,7 +1079,7 @@
           <a:p>
             <a:fld id="{118C39E7-DE90-41C1-AA3B-F993836B02BE}" type="datetime1">
               <a:rPr lang="de-DE" smtClean="0"/>
-              <a:t>18.06.2015</a:t>
+              <a:t>19.06.2015</a:t>
             </a:fld>
             <a:endParaRPr lang="de-DE"/>
           </a:p>
@@ -1259,7 +1259,7 @@
           <a:p>
             <a:fld id="{B1B93457-8CBC-4CBC-AFA6-88355C5DAFDC}" type="datetime1">
               <a:rPr lang="de-DE" smtClean="0"/>
-              <a:t>18.06.2015</a:t>
+              <a:t>19.06.2015</a:t>
             </a:fld>
             <a:endParaRPr lang="de-DE"/>
           </a:p>
@@ -1437,7 +1437,7 @@
           <a:p>
             <a:fld id="{296000BE-0612-4D88-A1AC-FF1287139C2E}" type="datetime1">
               <a:rPr lang="de-DE" smtClean="0"/>
-              <a:t>18.06.2015</a:t>
+              <a:t>19.06.2015</a:t>
             </a:fld>
             <a:endParaRPr lang="de-DE" dirty="0"/>
           </a:p>
@@ -1693,7 +1693,7 @@
           <a:p>
             <a:fld id="{C80D71F6-99A2-4718-B360-65885A8D0927}" type="datetime1">
               <a:rPr lang="de-DE" smtClean="0"/>
-              <a:t>18.06.2015</a:t>
+              <a:t>19.06.2015</a:t>
             </a:fld>
             <a:endParaRPr lang="de-DE"/>
           </a:p>
@@ -1988,7 +1988,7 @@
           <a:p>
             <a:fld id="{29DA34F2-331A-4BAF-BC0B-E5952E369A92}" type="datetime1">
               <a:rPr lang="de-DE" smtClean="0"/>
-              <a:t>18.06.2015</a:t>
+              <a:t>19.06.2015</a:t>
             </a:fld>
             <a:endParaRPr lang="de-DE"/>
           </a:p>
@@ -2417,7 +2417,7 @@
           <a:p>
             <a:fld id="{6E10866E-AA72-4753-8ABE-452D5C085871}" type="datetime1">
               <a:rPr lang="de-DE" smtClean="0"/>
-              <a:t>18.06.2015</a:t>
+              <a:t>19.06.2015</a:t>
             </a:fld>
             <a:endParaRPr lang="de-DE"/>
           </a:p>
@@ -2542,7 +2542,7 @@
           <a:p>
             <a:fld id="{A782DF66-3609-46AF-9A5C-DF0EDD34A7DB}" type="datetime1">
               <a:rPr lang="de-DE" smtClean="0"/>
-              <a:t>18.06.2015</a:t>
+              <a:t>19.06.2015</a:t>
             </a:fld>
             <a:endParaRPr lang="de-DE"/>
           </a:p>
@@ -2637,7 +2637,7 @@
           <a:p>
             <a:fld id="{D9A33BE7-191D-4D84-96A8-D32FBF7D1E60}" type="datetime1">
               <a:rPr lang="de-DE" smtClean="0"/>
-              <a:t>18.06.2015</a:t>
+              <a:t>19.06.2015</a:t>
             </a:fld>
             <a:endParaRPr lang="de-DE"/>
           </a:p>
@@ -2914,7 +2914,7 @@
           <a:p>
             <a:fld id="{B525E46A-CAE0-47F8-9D57-934823E6F137}" type="datetime1">
               <a:rPr lang="de-DE" smtClean="0"/>
-              <a:t>18.06.2015</a:t>
+              <a:t>19.06.2015</a:t>
             </a:fld>
             <a:endParaRPr lang="de-DE"/>
           </a:p>
@@ -3167,7 +3167,7 @@
           <a:p>
             <a:fld id="{A77F82AC-1FA4-4A3F-9E15-2C049775FF58}" type="datetime1">
               <a:rPr lang="de-DE" smtClean="0"/>
-              <a:t>18.06.2015</a:t>
+              <a:t>19.06.2015</a:t>
             </a:fld>
             <a:endParaRPr lang="de-DE"/>
           </a:p>
@@ -3380,7 +3380,7 @@
           <a:p>
             <a:fld id="{296000BE-0612-4D88-A1AC-FF1287139C2E}" type="datetime1">
               <a:rPr lang="de-DE" smtClean="0"/>
-              <a:t>18.06.2015</a:t>
+              <a:t>19.06.2015</a:t>
             </a:fld>
             <a:endParaRPr lang="de-DE" dirty="0"/>
           </a:p>
@@ -3942,7 +3942,7 @@
           <a:p>
             <a:fld id="{296000BE-0612-4D88-A1AC-FF1287139C2E}" type="datetime1">
               <a:rPr lang="de-DE" smtClean="0"/>
-              <a:t>18.06.2015</a:t>
+              <a:t>19.06.2015</a:t>
             </a:fld>
             <a:endParaRPr lang="de-DE" dirty="0"/>
           </a:p>
@@ -4128,7 +4128,7 @@
           <a:p>
             <a:fld id="{296000BE-0612-4D88-A1AC-FF1287139C2E}" type="datetime1">
               <a:rPr lang="de-DE" smtClean="0"/>
-              <a:t>18.06.2015</a:t>
+              <a:t>19.06.2015</a:t>
             </a:fld>
             <a:endParaRPr lang="de-DE" dirty="0"/>
           </a:p>
@@ -4314,7 +4314,7 @@
           <a:p>
             <a:fld id="{296000BE-0612-4D88-A1AC-FF1287139C2E}" type="datetime1">
               <a:rPr lang="de-DE" smtClean="0"/>
-              <a:t>18.06.2015</a:t>
+              <a:t>19.06.2015</a:t>
             </a:fld>
             <a:endParaRPr lang="de-DE" dirty="0"/>
           </a:p>
@@ -4500,7 +4500,7 @@
           <a:p>
             <a:fld id="{296000BE-0612-4D88-A1AC-FF1287139C2E}" type="datetime1">
               <a:rPr lang="de-DE" smtClean="0"/>
-              <a:t>18.06.2015</a:t>
+              <a:t>19.06.2015</a:t>
             </a:fld>
             <a:endParaRPr lang="de-DE" dirty="0"/>
           </a:p>
@@ -4686,7 +4686,7 @@
           <a:p>
             <a:fld id="{296000BE-0612-4D88-A1AC-FF1287139C2E}" type="datetime1">
               <a:rPr lang="de-DE" smtClean="0"/>
-              <a:t>18.06.2015</a:t>
+              <a:t>19.06.2015</a:t>
             </a:fld>
             <a:endParaRPr lang="de-DE" dirty="0"/>
           </a:p>
@@ -4872,7 +4872,7 @@
           <a:p>
             <a:fld id="{296000BE-0612-4D88-A1AC-FF1287139C2E}" type="datetime1">
               <a:rPr lang="de-DE" smtClean="0"/>
-              <a:t>18.06.2015</a:t>
+              <a:t>19.06.2015</a:t>
             </a:fld>
             <a:endParaRPr lang="de-DE" dirty="0"/>
           </a:p>
@@ -5041,11 +5041,7 @@
           <a:p>
             <a:r>
               <a:rPr lang="de-DE" dirty="0" smtClean="0"/>
-              <a:t>unendlich viele </a:t>
-            </a:r>
-            <a:r>
-              <a:rPr lang="de-DE" dirty="0" smtClean="0"/>
-              <a:t>Echos entstehen</a:t>
+              <a:t>unendlich viele Echos entstehen</a:t>
             </a:r>
             <a:endParaRPr lang="en-US" dirty="0"/>
           </a:p>
@@ -5068,7 +5064,7 @@
           <a:p>
             <a:fld id="{296000BE-0612-4D88-A1AC-FF1287139C2E}" type="datetime1">
               <a:rPr lang="de-DE" smtClean="0"/>
-              <a:t>18.06.2015</a:t>
+              <a:t>19.06.2015</a:t>
             </a:fld>
             <a:endParaRPr lang="de-DE" dirty="0"/>
           </a:p>
@@ -5172,15 +5168,7 @@
           <a:p>
             <a:r>
               <a:rPr lang="de-DE" sz="1200" dirty="0" smtClean="0"/>
-              <a:t>Quelle: </a:t>
-            </a:r>
-            <a:r>
-              <a:rPr lang="de-DE" sz="1200" dirty="0" smtClean="0"/>
-              <a:t>Computergestützte </a:t>
-            </a:r>
-            <a:r>
-              <a:rPr lang="de-DE" sz="1200" dirty="0" smtClean="0"/>
-              <a:t>Audio und Videotechnik [Sto11]</a:t>
+              <a:t>Quelle: Computergestützte Audio und Videotechnik [Sto11]</a:t>
             </a:r>
             <a:endParaRPr lang="en-US" sz="1200" dirty="0"/>
           </a:p>
@@ -5282,7 +5270,7 @@
           <a:p>
             <a:fld id="{296000BE-0612-4D88-A1AC-FF1287139C2E}" type="datetime1">
               <a:rPr lang="de-DE" smtClean="0"/>
-              <a:t>18.06.2015</a:t>
+              <a:t>19.06.2015</a:t>
             </a:fld>
             <a:endParaRPr lang="de-DE" dirty="0"/>
           </a:p>
@@ -5438,7 +5426,7 @@
           <a:p>
             <a:fld id="{296000BE-0612-4D88-A1AC-FF1287139C2E}" type="datetime1">
               <a:rPr lang="de-DE" smtClean="0"/>
-              <a:t>18.06.2015</a:t>
+              <a:t>19.06.2015</a:t>
             </a:fld>
             <a:endParaRPr lang="de-DE" dirty="0"/>
           </a:p>
@@ -5571,7 +5559,7 @@
           <a:p>
             <a:fld id="{296000BE-0612-4D88-A1AC-FF1287139C2E}" type="datetime1">
               <a:rPr lang="de-DE" smtClean="0"/>
-              <a:t>18.06.2015</a:t>
+              <a:t>19.06.2015</a:t>
             </a:fld>
             <a:endParaRPr lang="de-DE" dirty="0"/>
           </a:p>
@@ -5939,7 +5927,31 @@
                   <a:schemeClr val="tx1"/>
                 </a:solidFill>
               </a:rPr>
-              <a:t>Techniken zur Generierung eines Instrumententones</a:t>
+              <a:t>Techniken </a:t>
+            </a:r>
+            <a:r>
+              <a:rPr lang="de-DE" smtClean="0">
+                <a:solidFill>
+                  <a:schemeClr val="tx1"/>
+                </a:solidFill>
+              </a:rPr>
+              <a:t>zur </a:t>
+            </a:r>
+            <a:r>
+              <a:rPr lang="de-DE" smtClean="0">
+                <a:solidFill>
+                  <a:schemeClr val="tx1"/>
+                </a:solidFill>
+              </a:rPr>
+              <a:t>Nachbildung eines </a:t>
+            </a:r>
+            <a:r>
+              <a:rPr lang="de-DE" dirty="0" smtClean="0">
+                <a:solidFill>
+                  <a:schemeClr val="tx1"/>
+                </a:solidFill>
+              </a:rPr>
+              <a:t>Instrumententones</a:t>
             </a:r>
           </a:p>
           <a:p>
@@ -6084,7 +6096,7 @@
           <a:p>
             <a:fld id="{296000BE-0612-4D88-A1AC-FF1287139C2E}" type="datetime1">
               <a:rPr lang="de-DE" smtClean="0"/>
-              <a:t>18.06.2015</a:t>
+              <a:t>19.06.2015</a:t>
             </a:fld>
             <a:endParaRPr lang="de-DE" dirty="0"/>
           </a:p>
@@ -6236,7 +6248,7 @@
           <a:p>
             <a:fld id="{296000BE-0612-4D88-A1AC-FF1287139C2E}" type="datetime1">
               <a:rPr lang="de-DE" smtClean="0"/>
-              <a:t>18.06.2015</a:t>
+              <a:t>19.06.2015</a:t>
             </a:fld>
             <a:endParaRPr lang="de-DE" dirty="0"/>
           </a:p>
@@ -6369,7 +6381,7 @@
           <a:p>
             <a:fld id="{296000BE-0612-4D88-A1AC-FF1287139C2E}" type="datetime1">
               <a:rPr lang="de-DE" smtClean="0"/>
-              <a:t>18.06.2015</a:t>
+              <a:t>19.06.2015</a:t>
             </a:fld>
             <a:endParaRPr lang="de-DE" dirty="0"/>
           </a:p>
@@ -6633,7 +6645,15 @@
           <a:p>
             <a:r>
               <a:rPr lang="de-DE" dirty="0"/>
-              <a:t>Techniken zur Generierung eines Instrumententones</a:t>
+              <a:t>Techniken zur </a:t>
+            </a:r>
+            <a:r>
+              <a:rPr lang="de-DE" dirty="0" smtClean="0"/>
+              <a:t>Nachbildung eines </a:t>
+            </a:r>
+            <a:r>
+              <a:rPr lang="de-DE" dirty="0"/>
+              <a:t>Instrumententones</a:t>
             </a:r>
           </a:p>
         </p:txBody>
@@ -6774,7 +6794,7 @@
           <a:p>
             <a:fld id="{296000BE-0612-4D88-A1AC-FF1287139C2E}" type="datetime1">
               <a:rPr lang="de-DE" smtClean="0"/>
-              <a:t>18.06.2015</a:t>
+              <a:t>19.06.2015</a:t>
             </a:fld>
             <a:endParaRPr lang="de-DE" dirty="0"/>
           </a:p>
@@ -7545,7 +7565,7 @@
           <a:p>
             <a:fld id="{296000BE-0612-4D88-A1AC-FF1287139C2E}" type="datetime1">
               <a:rPr lang="de-DE" smtClean="0"/>
-              <a:t>18.06.2015</a:t>
+              <a:t>19.06.2015</a:t>
             </a:fld>
             <a:endParaRPr lang="de-DE" dirty="0"/>
           </a:p>
@@ -7678,7 +7698,7 @@
           <a:p>
             <a:fld id="{296000BE-0612-4D88-A1AC-FF1287139C2E}" type="datetime1">
               <a:rPr lang="de-DE" smtClean="0"/>
-              <a:t>18.06.2015</a:t>
+              <a:t>19.06.2015</a:t>
             </a:fld>
             <a:endParaRPr lang="de-DE" dirty="0"/>
           </a:p>
@@ -7929,7 +7949,7 @@
           <a:p>
             <a:fld id="{296000BE-0612-4D88-A1AC-FF1287139C2E}" type="datetime1">
               <a:rPr lang="de-DE" smtClean="0"/>
-              <a:t>18.06.2015</a:t>
+              <a:t>19.06.2015</a:t>
             </a:fld>
             <a:endParaRPr lang="de-DE" dirty="0"/>
           </a:p>
@@ -8096,11 +8116,7 @@
           <a:p>
             <a:r>
               <a:rPr lang="de-DE" dirty="0" smtClean="0"/>
-              <a:t>Anzahl der Seitenfrequenzen </a:t>
-            </a:r>
-            <a:r>
-              <a:rPr lang="de-DE" dirty="0" smtClean="0"/>
-              <a:t>nicht statisch</a:t>
+              <a:t>Anzahl der Seitenfrequenzen nicht statisch</a:t>
             </a:r>
           </a:p>
           <a:p>
@@ -8122,7 +8138,6 @@
               <a:rPr lang="de-DE" dirty="0" smtClean="0"/>
               <a:t>Nehmen während Release ab</a:t>
             </a:r>
-            <a:endParaRPr lang="de-DE" dirty="0" smtClean="0"/>
           </a:p>
           <a:p>
             <a:pPr marL="0" indent="0">
@@ -8136,11 +8151,7 @@
             </a:pPr>
             <a:r>
               <a:rPr lang="de-DE" dirty="0" smtClean="0"/>
-              <a:t>=&gt; Modulationsindex </a:t>
-            </a:r>
-            <a:r>
-              <a:rPr lang="de-DE" dirty="0" smtClean="0"/>
-              <a:t>mit ADSR-Hüllkurve modulieren</a:t>
+              <a:t>=&gt; Modulationsindex mit ADSR-Hüllkurve modulieren</a:t>
             </a:r>
             <a:endParaRPr lang="en-US" dirty="0"/>
           </a:p>
@@ -8163,7 +8174,7 @@
           <a:p>
             <a:fld id="{296000BE-0612-4D88-A1AC-FF1287139C2E}" type="datetime1">
               <a:rPr lang="de-DE" smtClean="0"/>
-              <a:t>18.06.2015</a:t>
+              <a:t>19.06.2015</a:t>
             </a:fld>
             <a:endParaRPr lang="de-DE" dirty="0"/>
           </a:p>
@@ -8336,22 +8347,12 @@
               <a:rPr lang="de-DE" dirty="0" smtClean="0"/>
               <a:t>Bauform</a:t>
             </a:r>
-            <a:endParaRPr lang="de-DE" dirty="0" smtClean="0"/>
-          </a:p>
-          <a:p>
-            <a:r>
-              <a:rPr lang="de-DE" dirty="0" smtClean="0"/>
-              <a:t>Feedback-FM </a:t>
-            </a:r>
-            <a:r>
-              <a:rPr lang="de-DE" dirty="0" smtClean="0"/>
-              <a:t>kann Rauschen </a:t>
-            </a:r>
-            <a:r>
-              <a:rPr lang="de-DE" dirty="0" smtClean="0"/>
-              <a:t>generieren</a:t>
-            </a:r>
-            <a:endParaRPr lang="de-DE" dirty="0" smtClean="0"/>
+          </a:p>
+          <a:p>
+            <a:r>
+              <a:rPr lang="de-DE" dirty="0" smtClean="0"/>
+              <a:t>Feedback-FM kann Rauschen generieren</a:t>
+            </a:r>
           </a:p>
         </p:txBody>
       </p:sp>
@@ -8372,7 +8373,7 @@
           <a:p>
             <a:fld id="{296000BE-0612-4D88-A1AC-FF1287139C2E}" type="datetime1">
               <a:rPr lang="de-DE" smtClean="0"/>
-              <a:t>18.06.2015</a:t>
+              <a:t>19.06.2015</a:t>
             </a:fld>
             <a:endParaRPr lang="de-DE" dirty="0"/>
           </a:p>

--- a/Praesentation/FMSynthese-Gary.pptx
+++ b/Praesentation/FMSynthese-Gary.pptx
@@ -159,6 +159,32 @@
     </p:ext>
   </p:extLst>
 </p:presentation>
+</file>
+
+<file path=ppt/commentAuthors.xml><?xml version="1.0" encoding="utf-8"?>
+<p:cmAuthorLst xmlns:a="http://schemas.openxmlformats.org/drawingml/2006/main" xmlns:r="http://schemas.openxmlformats.org/officeDocument/2006/relationships" xmlns:p="http://schemas.openxmlformats.org/presentationml/2006/main">
+  <p:cmAuthor id="1" name="Stefan Gerasch" initials="SG" lastIdx="1" clrIdx="0">
+    <p:extLst>
+      <p:ext uri="{19B8F6BF-5375-455C-9EA6-DF929625EA0E}">
+        <p15:presenceInfo xmlns:p15="http://schemas.microsoft.com/office/powerpoint/2012/main" userId="598ddf3b84a370a1" providerId="Windows Live"/>
+      </p:ext>
+    </p:extLst>
+  </p:cmAuthor>
+</p:cmAuthorLst>
+</file>
+
+<file path=ppt/comments/comment1.xml><?xml version="1.0" encoding="utf-8"?>
+<p:cmLst xmlns:a="http://schemas.openxmlformats.org/drawingml/2006/main" xmlns:r="http://schemas.openxmlformats.org/officeDocument/2006/relationships" xmlns:p="http://schemas.openxmlformats.org/presentationml/2006/main">
+  <p:cm authorId="1" dt="2015-06-19T16:23:17.393" idx="1">
+    <p:pos x="5472" y="756"/>
+    <p:text>Skalierung zu Hochpass anpassen</p:text>
+    <p:extLst>
+      <p:ext uri="{C676402C-5697-4E1C-873F-D02D1690AC5C}">
+        <p15:threadingInfo xmlns:p15="http://schemas.microsoft.com/office/powerpoint/2012/main" timeZoneBias="-120"/>
+      </p:ext>
+    </p:extLst>
+  </p:cm>
+</p:cmLst>
 </file>
 
 <file path=ppt/notesMasters/notesMaster1.xml><?xml version="1.0" encoding="utf-8"?>
@@ -3836,7 +3862,18 @@
           <a:p>
             <a:r>
               <a:rPr lang="de-DE" dirty="0" smtClean="0"/>
-              <a:t>Praktische Anwendung der FM-Synthese</a:t>
+              <a:t>Praktische Anwendung der </a:t>
+            </a:r>
+            <a:r>
+              <a:rPr lang="de-DE" dirty="0"/>
+              <a:t/>
+            </a:r>
+            <a:br>
+              <a:rPr lang="de-DE" dirty="0"/>
+            </a:br>
+            <a:r>
+              <a:rPr lang="de-DE" dirty="0" smtClean="0"/>
+              <a:t>FM-Synthese</a:t>
             </a:r>
             <a:endParaRPr lang="en-US" dirty="0"/>
           </a:p>
@@ -5213,12 +5250,39 @@
       </p:grpSpPr>
       <p:sp>
         <p:nvSpPr>
-          <p:cNvPr id="8" name="Untertitel 7"/>
-          <p:cNvSpPr>
-            <a:spLocks noGrp="1"/>
-          </p:cNvSpPr>
-          <p:nvPr>
-            <p:ph type="subTitle" idx="1"/>
+          <p:cNvPr id="7" name="Titel 6"/>
+          <p:cNvSpPr>
+            <a:spLocks noGrp="1"/>
+          </p:cNvSpPr>
+          <p:nvPr>
+            <p:ph type="title"/>
+          </p:nvPr>
+        </p:nvSpPr>
+        <p:spPr/>
+        <p:txBody>
+          <a:bodyPr/>
+          <a:lstStyle/>
+          <a:p>
+            <a:r>
+              <a:rPr lang="de-DE" dirty="0" smtClean="0"/>
+              <a:t>Tonnachbildung </a:t>
+            </a:r>
+            <a:r>
+              <a:rPr lang="de-DE" dirty="0" err="1" smtClean="0"/>
+              <a:t>praxis</a:t>
+            </a:r>
+            <a:endParaRPr lang="en-US" dirty="0"/>
+          </a:p>
+        </p:txBody>
+      </p:sp>
+      <p:sp>
+        <p:nvSpPr>
+          <p:cNvPr id="2" name="Textplatzhalter 1"/>
+          <p:cNvSpPr>
+            <a:spLocks noGrp="1"/>
+          </p:cNvSpPr>
+          <p:nvPr>
+            <p:ph type="body" idx="1"/>
           </p:nvPr>
         </p:nvSpPr>
         <p:spPr/>
@@ -5227,29 +5291,6 @@
           <a:lstStyle/>
           <a:p>
             <a:endParaRPr lang="en-US"/>
-          </a:p>
-        </p:txBody>
-      </p:sp>
-      <p:sp>
-        <p:nvSpPr>
-          <p:cNvPr id="7" name="Titel 6"/>
-          <p:cNvSpPr>
-            <a:spLocks noGrp="1"/>
-          </p:cNvSpPr>
-          <p:nvPr>
-            <p:ph type="title"/>
-          </p:nvPr>
-        </p:nvSpPr>
-        <p:spPr/>
-        <p:txBody>
-          <a:bodyPr/>
-          <a:lstStyle/>
-          <a:p>
-            <a:r>
-              <a:rPr lang="de-DE" dirty="0" smtClean="0"/>
-              <a:t>Nachbildung eines Tones in Matlab</a:t>
-            </a:r>
-            <a:endParaRPr lang="en-US" dirty="0"/>
           </a:p>
         </p:txBody>
       </p:sp>
@@ -5365,25 +5406,6 @@
       </p:grpSpPr>
       <p:sp>
         <p:nvSpPr>
-          <p:cNvPr id="8" name="Untertitel 7"/>
-          <p:cNvSpPr>
-            <a:spLocks noGrp="1"/>
-          </p:cNvSpPr>
-          <p:nvPr>
-            <p:ph type="subTitle" idx="1"/>
-          </p:nvPr>
-        </p:nvSpPr>
-        <p:spPr/>
-        <p:txBody>
-          <a:bodyPr/>
-          <a:lstStyle/>
-          <a:p>
-            <a:endParaRPr lang="en-US"/>
-          </a:p>
-        </p:txBody>
-      </p:sp>
-      <p:sp>
-        <p:nvSpPr>
           <p:cNvPr id="7" name="Titel 6"/>
           <p:cNvSpPr>
             <a:spLocks noGrp="1"/>
@@ -5406,6 +5428,25 @@
               <a:t>++</a:t>
             </a:r>
             <a:endParaRPr lang="en-US" dirty="0"/>
+          </a:p>
+        </p:txBody>
+      </p:sp>
+      <p:sp>
+        <p:nvSpPr>
+          <p:cNvPr id="2" name="Textplatzhalter 1"/>
+          <p:cNvSpPr>
+            <a:spLocks noGrp="1"/>
+          </p:cNvSpPr>
+          <p:nvPr>
+            <p:ph type="body" idx="1"/>
+          </p:nvPr>
+        </p:nvSpPr>
+        <p:spPr/>
+        <p:txBody>
+          <a:bodyPr/>
+          <a:lstStyle/>
+          <a:p>
+            <a:endParaRPr lang="en-US"/>
           </a:p>
         </p:txBody>
       </p:sp>
@@ -5722,12 +5763,7 @@
             <p:ph type="title"/>
           </p:nvPr>
         </p:nvSpPr>
-        <p:spPr>
-          <a:xfrm>
-            <a:off x="457200" y="205979"/>
-            <a:ext cx="8229600" cy="857250"/>
-          </a:xfrm>
-        </p:spPr>
+        <p:spPr/>
         <p:txBody>
           <a:bodyPr/>
           <a:lstStyle/>
@@ -5927,32 +5963,32 @@
                   <a:schemeClr val="tx1"/>
                 </a:solidFill>
               </a:rPr>
-              <a:t>Techniken </a:t>
-            </a:r>
-            <a:r>
-              <a:rPr lang="de-DE" smtClean="0">
-                <a:solidFill>
-                  <a:schemeClr val="tx1"/>
-                </a:solidFill>
-              </a:rPr>
-              <a:t>zur </a:t>
-            </a:r>
-            <a:r>
-              <a:rPr lang="de-DE" smtClean="0">
-                <a:solidFill>
-                  <a:schemeClr val="tx1"/>
-                </a:solidFill>
-              </a:rPr>
-              <a:t>Nachbildung eines </a:t>
-            </a:r>
+              <a:t>Tonnachbildung Theorie</a:t>
+            </a:r>
+            <a:endParaRPr lang="de-DE" dirty="0" smtClean="0">
+              <a:solidFill>
+                <a:schemeClr val="tx1"/>
+              </a:solidFill>
+            </a:endParaRPr>
+          </a:p>
+          <a:p>
+            <a:pPr marL="457200" indent="-457200" algn="l">
+              <a:buFont typeface="Arial" panose="020B0604020202020204" pitchFamily="34" charset="0"/>
+              <a:buChar char="•"/>
+            </a:pPr>
             <a:r>
               <a:rPr lang="de-DE" dirty="0" smtClean="0">
                 <a:solidFill>
                   <a:schemeClr val="tx1"/>
                 </a:solidFill>
               </a:rPr>
-              <a:t>Instrumententones</a:t>
-            </a:r>
+              <a:t>Tonnachbildung Praxis</a:t>
+            </a:r>
+            <a:endParaRPr lang="de-DE" dirty="0">
+              <a:solidFill>
+                <a:schemeClr val="tx1"/>
+              </a:solidFill>
+            </a:endParaRPr>
           </a:p>
           <a:p>
             <a:pPr marL="457200" indent="-457200" algn="l">
@@ -5965,27 +6001,94 @@
                   <a:schemeClr val="tx1"/>
                 </a:solidFill>
               </a:rPr>
-              <a:t>Nachbildung eines Tones in Matlab</a:t>
-            </a:r>
-          </a:p>
-          <a:p>
-            <a:pPr marL="457200" indent="-457200" algn="l">
-              <a:buFont typeface="Arial" panose="020B0604020202020204" pitchFamily="34" charset="0"/>
-              <a:buChar char="•"/>
-            </a:pPr>
+              <a:t>FM-Synthesizer </a:t>
+            </a:r>
             <a:r>
               <a:rPr lang="de-DE" dirty="0" smtClean="0">
                 <a:solidFill>
                   <a:schemeClr val="tx1"/>
                 </a:solidFill>
               </a:rPr>
-              <a:t>FM-Synthesizer in C++</a:t>
+              <a:t>in C++</a:t>
             </a:r>
             <a:endParaRPr lang="de-DE" dirty="0">
               <a:solidFill>
                 <a:schemeClr val="tx1"/>
               </a:solidFill>
             </a:endParaRPr>
+          </a:p>
+        </p:txBody>
+      </p:sp>
+      <p:sp>
+        <p:nvSpPr>
+          <p:cNvPr id="3" name="Datumsplatzhalter 2"/>
+          <p:cNvSpPr>
+            <a:spLocks noGrp="1"/>
+          </p:cNvSpPr>
+          <p:nvPr>
+            <p:ph type="dt" sz="half" idx="10"/>
+          </p:nvPr>
+        </p:nvSpPr>
+        <p:spPr/>
+        <p:txBody>
+          <a:bodyPr/>
+          <a:lstStyle/>
+          <a:p>
+            <a:fld id="{54A5E96F-7890-4333-8D04-AF19E98716D9}" type="datetime1">
+              <a:rPr lang="de-DE" smtClean="0"/>
+              <a:t>19.06.2015</a:t>
+            </a:fld>
+            <a:endParaRPr lang="de-DE" dirty="0"/>
+          </a:p>
+        </p:txBody>
+      </p:sp>
+      <p:sp>
+        <p:nvSpPr>
+          <p:cNvPr id="4" name="Fußzeilenplatzhalter 3"/>
+          <p:cNvSpPr>
+            <a:spLocks noGrp="1"/>
+          </p:cNvSpPr>
+          <p:nvPr>
+            <p:ph type="ftr" sz="quarter" idx="11"/>
+          </p:nvPr>
+        </p:nvSpPr>
+        <p:spPr/>
+        <p:txBody>
+          <a:bodyPr/>
+          <a:lstStyle/>
+          <a:p>
+            <a:r>
+              <a:rPr lang="de-DE" smtClean="0"/>
+              <a:t>FM-Synthese</a:t>
+            </a:r>
+            <a:endParaRPr lang="de-DE" dirty="0"/>
+          </a:p>
+        </p:txBody>
+      </p:sp>
+      <p:sp>
+        <p:nvSpPr>
+          <p:cNvPr id="5" name="Foliennummernplatzhalter 4"/>
+          <p:cNvSpPr>
+            <a:spLocks noGrp="1"/>
+          </p:cNvSpPr>
+          <p:nvPr>
+            <p:ph type="sldNum" sz="quarter" idx="12"/>
+          </p:nvPr>
+        </p:nvSpPr>
+        <p:spPr/>
+        <p:txBody>
+          <a:bodyPr/>
+          <a:lstStyle/>
+          <a:p>
+            <a:fld id="{8740CB20-F870-467D-84CE-AB32061190A1}" type="slidenum">
+              <a:rPr lang="en-US" smtClean="0"/>
+              <a:t>2</a:t>
+            </a:fld>
+            <a:r>
+              <a:rPr lang="de-DE" smtClean="0"/>
+              <a:t>   </a:t>
+            </a:r>
+            <a:endParaRPr lang="de-DE" dirty="0"/>
           </a:p>
         </p:txBody>
       </p:sp>
@@ -6073,7 +6176,11 @@
           <a:p>
             <a:r>
               <a:rPr lang="de-DE" dirty="0" smtClean="0"/>
-              <a:t>FM-Synthesizer Programm bietet eine einfache Möglichkeit sich mit der FM-Synthese vertraut zu machen.</a:t>
+              <a:t>FM-Synthesizer Programm </a:t>
+            </a:r>
+            <a:r>
+              <a:rPr lang="de-DE" dirty="0" smtClean="0"/>
+              <a:t>einfacher Einstieg</a:t>
             </a:r>
             <a:endParaRPr lang="en-US" dirty="0"/>
           </a:p>
@@ -6225,7 +6332,18 @@
           <a:p>
             <a:r>
               <a:rPr lang="de-DE" dirty="0" smtClean="0"/>
-              <a:t>Vielen Dank für ihre Aufmerksamkeit</a:t>
+              <a:t>Vielen Dank für ihre </a:t>
+            </a:r>
+            <a:r>
+              <a:rPr lang="de-DE" dirty="0" smtClean="0"/>
+              <a:t/>
+            </a:r>
+            <a:br>
+              <a:rPr lang="de-DE" dirty="0" smtClean="0"/>
+            </a:br>
+            <a:r>
+              <a:rPr lang="de-DE" dirty="0" smtClean="0"/>
+              <a:t>Aufmerksamkeit</a:t>
             </a:r>
             <a:endParaRPr lang="en-US" dirty="0"/>
           </a:p>
@@ -6611,25 +6729,6 @@
       </p:grpSpPr>
       <p:sp>
         <p:nvSpPr>
-          <p:cNvPr id="10" name="Untertitel 9"/>
-          <p:cNvSpPr>
-            <a:spLocks noGrp="1"/>
-          </p:cNvSpPr>
-          <p:nvPr>
-            <p:ph type="subTitle" idx="1"/>
-          </p:nvPr>
-        </p:nvSpPr>
-        <p:spPr/>
-        <p:txBody>
-          <a:bodyPr/>
-          <a:lstStyle/>
-          <a:p>
-            <a:endParaRPr lang="en-US" dirty="0"/>
-          </a:p>
-        </p:txBody>
-      </p:sp>
-      <p:sp>
-        <p:nvSpPr>
           <p:cNvPr id="9" name="Titel 8"/>
           <p:cNvSpPr>
             <a:spLocks noGrp="1"/>
@@ -6644,17 +6743,99 @@
           <a:lstStyle/>
           <a:p>
             <a:r>
-              <a:rPr lang="de-DE" dirty="0"/>
-              <a:t>Techniken zur </a:t>
-            </a:r>
-            <a:r>
-              <a:rPr lang="de-DE" dirty="0" smtClean="0"/>
-              <a:t>Nachbildung eines </a:t>
-            </a:r>
-            <a:r>
-              <a:rPr lang="de-DE" dirty="0"/>
-              <a:t>Instrumententones</a:t>
-            </a:r>
+              <a:rPr lang="de-DE" dirty="0" smtClean="0"/>
+              <a:t>Tonnachbildung Theorie</a:t>
+            </a:r>
+            <a:endParaRPr lang="de-DE" dirty="0"/>
+          </a:p>
+        </p:txBody>
+      </p:sp>
+      <p:sp>
+        <p:nvSpPr>
+          <p:cNvPr id="3" name="Textplatzhalter 2"/>
+          <p:cNvSpPr>
+            <a:spLocks noGrp="1"/>
+          </p:cNvSpPr>
+          <p:nvPr>
+            <p:ph type="body" idx="1"/>
+          </p:nvPr>
+        </p:nvSpPr>
+        <p:spPr/>
+        <p:txBody>
+          <a:bodyPr/>
+          <a:lstStyle/>
+          <a:p>
+            <a:endParaRPr lang="en-US"/>
+          </a:p>
+        </p:txBody>
+      </p:sp>
+      <p:sp>
+        <p:nvSpPr>
+          <p:cNvPr id="4" name="Datumsplatzhalter 3"/>
+          <p:cNvSpPr>
+            <a:spLocks noGrp="1"/>
+          </p:cNvSpPr>
+          <p:nvPr>
+            <p:ph type="dt" sz="half" idx="10"/>
+          </p:nvPr>
+        </p:nvSpPr>
+        <p:spPr/>
+        <p:txBody>
+          <a:bodyPr/>
+          <a:lstStyle/>
+          <a:p>
+            <a:fld id="{D63A8337-BE16-45CB-AB94-830A8AFD22E2}" type="datetime1">
+              <a:rPr lang="de-DE" smtClean="0"/>
+              <a:t>19.06.2015</a:t>
+            </a:fld>
+            <a:endParaRPr lang="de-DE"/>
+          </a:p>
+        </p:txBody>
+      </p:sp>
+      <p:sp>
+        <p:nvSpPr>
+          <p:cNvPr id="5" name="Fußzeilenplatzhalter 4"/>
+          <p:cNvSpPr>
+            <a:spLocks noGrp="1"/>
+          </p:cNvSpPr>
+          <p:nvPr>
+            <p:ph type="ftr" sz="quarter" idx="11"/>
+          </p:nvPr>
+        </p:nvSpPr>
+        <p:spPr/>
+        <p:txBody>
+          <a:bodyPr/>
+          <a:lstStyle/>
+          <a:p>
+            <a:r>
+              <a:rPr lang="de-DE" smtClean="0"/>
+              <a:t>FM-Synthese</a:t>
+            </a:r>
+            <a:endParaRPr lang="de-DE"/>
+          </a:p>
+        </p:txBody>
+      </p:sp>
+      <p:sp>
+        <p:nvSpPr>
+          <p:cNvPr id="6" name="Foliennummernplatzhalter 5"/>
+          <p:cNvSpPr>
+            <a:spLocks noGrp="1"/>
+          </p:cNvSpPr>
+          <p:nvPr>
+            <p:ph type="sldNum" sz="quarter" idx="12"/>
+          </p:nvPr>
+        </p:nvSpPr>
+        <p:spPr/>
+        <p:txBody>
+          <a:bodyPr/>
+          <a:lstStyle/>
+          <a:p>
+            <a:fld id="{6C6AE60A-B69C-4790-82F7-3882EDF23186}" type="slidenum">
+              <a:rPr lang="de-DE" smtClean="0"/>
+              <a:pPr/>
+              <a:t>3</a:t>
+            </a:fld>
+            <a:endParaRPr lang="de-DE"/>
           </a:p>
         </p:txBody>
       </p:sp>
@@ -7763,7 +7944,7 @@
           <p:nvPr/>
         </p:nvPicPr>
         <p:blipFill rotWithShape="1">
-          <a:blip r:embed="rId3" cstate="print">
+          <a:blip r:embed="rId11" cstate="print">
             <a:extLst>
               <a:ext uri="{28A0092B-C50C-407E-A947-70E740481C1C}">
                 <a14:useLocalDpi xmlns:a14="http://schemas.microsoft.com/office/drawing/2010/main" val="0"/>
@@ -7796,7 +7977,7 @@
           </p:nvPr>
         </p:nvPicPr>
         <p:blipFill>
-          <a:blip r:embed="rId4" cstate="print">
+          <a:blip r:embed="rId12" cstate="print">
             <a:extLst>
               <a:ext uri="{28A0092B-C50C-407E-A947-70E740481C1C}">
                 <a14:useLocalDpi xmlns:a14="http://schemas.microsoft.com/office/drawing/2010/main" val="0"/>
@@ -7817,6 +7998,140 @@
           </a:prstGeom>
         </p:spPr>
       </p:pic>
+      <p:pic>
+        <p:nvPicPr>
+          <p:cNvPr id="10" name="einfache">
+            <a:hlinkClick r:id="" action="ppaction://media"/>
+          </p:cNvPr>
+          <p:cNvPicPr>
+            <a:picLocks noChangeAspect="1"/>
+          </p:cNvPicPr>
+          <p:nvPr>
+            <a:audioFile r:link="rId3"/>
+            <p:extLst>
+              <p:ext uri="{DAA4B4D4-6D71-4841-9C94-3DE7FCFB9230}">
+                <p14:media xmlns:p14="http://schemas.microsoft.com/office/powerpoint/2010/main" r:embed="rId2"/>
+              </p:ext>
+            </p:extLst>
+          </p:nvPr>
+        </p:nvPicPr>
+        <p:blipFill>
+          <a:blip r:embed="rId13"/>
+          <a:stretch>
+            <a:fillRect/>
+          </a:stretch>
+        </p:blipFill>
+        <p:spPr>
+          <a:xfrm>
+            <a:off x="1259632" y="4253511"/>
+            <a:ext cx="609600" cy="609600"/>
+          </a:xfrm>
+          <a:prstGeom prst="rect">
+            <a:avLst/>
+          </a:prstGeom>
+        </p:spPr>
+      </p:pic>
+      <p:pic>
+        <p:nvPicPr>
+          <p:cNvPr id="11" name="geschachtelt">
+            <a:hlinkClick r:id="" action="ppaction://media"/>
+          </p:cNvPr>
+          <p:cNvPicPr>
+            <a:picLocks noChangeAspect="1"/>
+          </p:cNvPicPr>
+          <p:nvPr>
+            <a:audioFile r:link="rId5"/>
+            <p:extLst>
+              <p:ext uri="{DAA4B4D4-6D71-4841-9C94-3DE7FCFB9230}">
+                <p14:media xmlns:p14="http://schemas.microsoft.com/office/powerpoint/2010/main" r:embed="rId4"/>
+              </p:ext>
+            </p:extLst>
+          </p:nvPr>
+        </p:nvPicPr>
+        <p:blipFill>
+          <a:blip r:embed="rId13"/>
+          <a:stretch>
+            <a:fillRect/>
+          </a:stretch>
+        </p:blipFill>
+        <p:spPr>
+          <a:xfrm>
+            <a:off x="3323149" y="4251324"/>
+            <a:ext cx="609600" cy="609600"/>
+          </a:xfrm>
+          <a:prstGeom prst="rect">
+            <a:avLst/>
+          </a:prstGeom>
+        </p:spPr>
+      </p:pic>
+      <p:pic>
+        <p:nvPicPr>
+          <p:cNvPr id="13" name="inReihe">
+            <a:hlinkClick r:id="" action="ppaction://media"/>
+          </p:cNvPr>
+          <p:cNvPicPr>
+            <a:picLocks noChangeAspect="1"/>
+          </p:cNvPicPr>
+          <p:nvPr>
+            <a:audioFile r:link="rId7"/>
+            <p:extLst>
+              <p:ext uri="{DAA4B4D4-6D71-4841-9C94-3DE7FCFB9230}">
+                <p14:media xmlns:p14="http://schemas.microsoft.com/office/powerpoint/2010/main" r:embed="rId6"/>
+              </p:ext>
+            </p:extLst>
+          </p:nvPr>
+        </p:nvPicPr>
+        <p:blipFill>
+          <a:blip r:embed="rId13"/>
+          <a:stretch>
+            <a:fillRect/>
+          </a:stretch>
+        </p:blipFill>
+        <p:spPr>
+          <a:xfrm>
+            <a:off x="5386666" y="4251324"/>
+            <a:ext cx="609600" cy="609600"/>
+          </a:xfrm>
+          <a:prstGeom prst="rect">
+            <a:avLst/>
+          </a:prstGeom>
+        </p:spPr>
+      </p:pic>
+      <p:pic>
+        <p:nvPicPr>
+          <p:cNvPr id="15" name="feedback">
+            <a:hlinkClick r:id="" action="ppaction://media"/>
+          </p:cNvPr>
+          <p:cNvPicPr>
+            <a:picLocks noChangeAspect="1"/>
+          </p:cNvPicPr>
+          <p:nvPr>
+            <a:audioFile r:link="rId9"/>
+            <p:extLst>
+              <p:ext uri="{DAA4B4D4-6D71-4841-9C94-3DE7FCFB9230}">
+                <p14:media xmlns:p14="http://schemas.microsoft.com/office/powerpoint/2010/main" r:embed="rId8">
+                  <p14:fade in="100" out="100"/>
+                </p14:media>
+              </p:ext>
+            </p:extLst>
+          </p:nvPr>
+        </p:nvPicPr>
+        <p:blipFill>
+          <a:blip r:embed="rId13"/>
+          <a:stretch>
+            <a:fillRect/>
+          </a:stretch>
+        </p:blipFill>
+        <p:spPr>
+          <a:xfrm>
+            <a:off x="7450183" y="4251324"/>
+            <a:ext cx="609600" cy="609600"/>
+          </a:xfrm>
+          <a:prstGeom prst="rect">
+            <a:avLst/>
+          </a:prstGeom>
+        </p:spPr>
+      </p:pic>
     </p:spTree>
     <p:extLst>
       <p:ext uri="{BB962C8B-B14F-4D97-AF65-F5344CB8AC3E}">
@@ -7830,7 +8145,318 @@
   <p:timing>
     <p:tnLst>
       <p:par>
-        <p:cTn id="1" dur="indefinite" restart="never" nodeType="tmRoot"/>
+        <p:cTn id="1" dur="indefinite" restart="never" nodeType="tmRoot">
+          <p:childTnLst>
+            <p:seq concurrent="1" nextAc="seek">
+              <p:cTn id="2" restart="whenNotActive" fill="hold" evtFilter="cancelBubble" nodeType="interactiveSeq">
+                <p:stCondLst>
+                  <p:cond evt="onClick" delay="0">
+                    <p:tgtEl>
+                      <p:spTgt spid="10"/>
+                    </p:tgtEl>
+                  </p:cond>
+                </p:stCondLst>
+                <p:endSync evt="end" delay="0">
+                  <p:rtn val="all"/>
+                </p:endSync>
+                <p:childTnLst>
+                  <p:par>
+                    <p:cTn id="3" fill="hold">
+                      <p:stCondLst>
+                        <p:cond delay="0"/>
+                      </p:stCondLst>
+                      <p:childTnLst>
+                        <p:par>
+                          <p:cTn id="4" fill="hold">
+                            <p:stCondLst>
+                              <p:cond delay="0"/>
+                            </p:stCondLst>
+                            <p:childTnLst>
+                              <p:par>
+                                <p:cTn id="5" presetID="1" presetClass="mediacall" presetSubtype="0" fill="hold" nodeType="clickEffect">
+                                  <p:stCondLst>
+                                    <p:cond delay="0"/>
+                                  </p:stCondLst>
+                                  <p:childTnLst>
+                                    <p:cmd type="call" cmd="playFrom(0.0)">
+                                      <p:cBhvr>
+                                        <p:cTn id="6" dur="2037" fill="hold"/>
+                                        <p:tgtEl>
+                                          <p:spTgt spid="10"/>
+                                        </p:tgtEl>
+                                      </p:cBhvr>
+                                    </p:cmd>
+                                  </p:childTnLst>
+                                </p:cTn>
+                              </p:par>
+                            </p:childTnLst>
+                          </p:cTn>
+                        </p:par>
+                      </p:childTnLst>
+                    </p:cTn>
+                  </p:par>
+                </p:childTnLst>
+              </p:cTn>
+              <p:nextCondLst>
+                <p:cond evt="onClick" delay="0">
+                  <p:tgtEl>
+                    <p:spTgt spid="10"/>
+                  </p:tgtEl>
+                </p:cond>
+              </p:nextCondLst>
+            </p:seq>
+            <p:audio>
+              <p:cMediaNode vol="80000">
+                <p:cTn id="7" fill="hold" display="0">
+                  <p:stCondLst>
+                    <p:cond delay="indefinite"/>
+                  </p:stCondLst>
+                  <p:endCondLst>
+                    <p:cond evt="onStopAudio" delay="0">
+                      <p:tgtEl>
+                        <p:sldTgt/>
+                      </p:tgtEl>
+                    </p:cond>
+                  </p:endCondLst>
+                </p:cTn>
+                <p:tgtEl>
+                  <p:spTgt spid="10"/>
+                </p:tgtEl>
+              </p:cMediaNode>
+            </p:audio>
+            <p:seq concurrent="1" nextAc="seek">
+              <p:cTn id="8" restart="whenNotActive" fill="hold" evtFilter="cancelBubble" nodeType="interactiveSeq">
+                <p:stCondLst>
+                  <p:cond evt="onClick" delay="0">
+                    <p:tgtEl>
+                      <p:spTgt spid="11"/>
+                    </p:tgtEl>
+                  </p:cond>
+                </p:stCondLst>
+                <p:endSync evt="end" delay="0">
+                  <p:rtn val="all"/>
+                </p:endSync>
+                <p:childTnLst>
+                  <p:par>
+                    <p:cTn id="9" fill="hold">
+                      <p:stCondLst>
+                        <p:cond delay="0"/>
+                      </p:stCondLst>
+                      <p:childTnLst>
+                        <p:par>
+                          <p:cTn id="10" fill="hold">
+                            <p:stCondLst>
+                              <p:cond delay="0"/>
+                            </p:stCondLst>
+                            <p:childTnLst>
+                              <p:par>
+                                <p:cTn id="11" presetID="1" presetClass="mediacall" presetSubtype="0" fill="hold" nodeType="clickEffect">
+                                  <p:stCondLst>
+                                    <p:cond delay="0"/>
+                                  </p:stCondLst>
+                                  <p:childTnLst>
+                                    <p:cmd type="call" cmd="playFrom(0.0)">
+                                      <p:cBhvr>
+                                        <p:cTn id="12" dur="2037" fill="hold"/>
+                                        <p:tgtEl>
+                                          <p:spTgt spid="11"/>
+                                        </p:tgtEl>
+                                      </p:cBhvr>
+                                    </p:cmd>
+                                  </p:childTnLst>
+                                </p:cTn>
+                              </p:par>
+                            </p:childTnLst>
+                          </p:cTn>
+                        </p:par>
+                      </p:childTnLst>
+                    </p:cTn>
+                  </p:par>
+                </p:childTnLst>
+              </p:cTn>
+              <p:nextCondLst>
+                <p:cond evt="onClick" delay="0">
+                  <p:tgtEl>
+                    <p:spTgt spid="11"/>
+                  </p:tgtEl>
+                </p:cond>
+              </p:nextCondLst>
+            </p:seq>
+            <p:audio>
+              <p:cMediaNode vol="80000">
+                <p:cTn id="13" fill="hold" display="0">
+                  <p:stCondLst>
+                    <p:cond delay="indefinite"/>
+                  </p:stCondLst>
+                  <p:endCondLst>
+                    <p:cond evt="onStopAudio" delay="0">
+                      <p:tgtEl>
+                        <p:sldTgt/>
+                      </p:tgtEl>
+                    </p:cond>
+                  </p:endCondLst>
+                </p:cTn>
+                <p:tgtEl>
+                  <p:spTgt spid="11"/>
+                </p:tgtEl>
+              </p:cMediaNode>
+            </p:audio>
+            <p:seq concurrent="1" nextAc="seek">
+              <p:cTn id="14" restart="whenNotActive" fill="hold" evtFilter="cancelBubble" nodeType="interactiveSeq">
+                <p:stCondLst>
+                  <p:cond evt="onClick" delay="0">
+                    <p:tgtEl>
+                      <p:spTgt spid="13"/>
+                    </p:tgtEl>
+                  </p:cond>
+                </p:stCondLst>
+                <p:endSync evt="end" delay="0">
+                  <p:rtn val="all"/>
+                </p:endSync>
+                <p:childTnLst>
+                  <p:par>
+                    <p:cTn id="15" fill="hold">
+                      <p:stCondLst>
+                        <p:cond delay="0"/>
+                      </p:stCondLst>
+                      <p:childTnLst>
+                        <p:par>
+                          <p:cTn id="16" fill="hold">
+                            <p:stCondLst>
+                              <p:cond delay="0"/>
+                            </p:stCondLst>
+                            <p:childTnLst>
+                              <p:par>
+                                <p:cTn id="17" presetID="1" presetClass="mediacall" presetSubtype="0" fill="hold" nodeType="clickEffect">
+                                  <p:stCondLst>
+                                    <p:cond delay="0"/>
+                                  </p:stCondLst>
+                                  <p:childTnLst>
+                                    <p:cmd type="call" cmd="playFrom(0.0)">
+                                      <p:cBhvr>
+                                        <p:cTn id="18" dur="2037" fill="hold"/>
+                                        <p:tgtEl>
+                                          <p:spTgt spid="13"/>
+                                        </p:tgtEl>
+                                      </p:cBhvr>
+                                    </p:cmd>
+                                  </p:childTnLst>
+                                </p:cTn>
+                              </p:par>
+                            </p:childTnLst>
+                          </p:cTn>
+                        </p:par>
+                      </p:childTnLst>
+                    </p:cTn>
+                  </p:par>
+                </p:childTnLst>
+              </p:cTn>
+              <p:nextCondLst>
+                <p:cond evt="onClick" delay="0">
+                  <p:tgtEl>
+                    <p:spTgt spid="13"/>
+                  </p:tgtEl>
+                </p:cond>
+              </p:nextCondLst>
+            </p:seq>
+            <p:audio>
+              <p:cMediaNode vol="80000">
+                <p:cTn id="19" fill="hold" display="0">
+                  <p:stCondLst>
+                    <p:cond delay="indefinite"/>
+                  </p:stCondLst>
+                  <p:endCondLst>
+                    <p:cond evt="onStopAudio" delay="0">
+                      <p:tgtEl>
+                        <p:sldTgt/>
+                      </p:tgtEl>
+                    </p:cond>
+                  </p:endCondLst>
+                </p:cTn>
+                <p:tgtEl>
+                  <p:spTgt spid="13"/>
+                </p:tgtEl>
+              </p:cMediaNode>
+            </p:audio>
+            <p:seq concurrent="1" nextAc="seek">
+              <p:cTn id="20" restart="whenNotActive" fill="hold" evtFilter="cancelBubble" nodeType="interactiveSeq">
+                <p:stCondLst>
+                  <p:cond evt="onClick" delay="0">
+                    <p:tgtEl>
+                      <p:spTgt spid="15"/>
+                    </p:tgtEl>
+                  </p:cond>
+                </p:stCondLst>
+                <p:endSync evt="end" delay="0">
+                  <p:rtn val="all"/>
+                </p:endSync>
+                <p:childTnLst>
+                  <p:par>
+                    <p:cTn id="21" fill="hold">
+                      <p:stCondLst>
+                        <p:cond delay="0"/>
+                      </p:stCondLst>
+                      <p:childTnLst>
+                        <p:par>
+                          <p:cTn id="22" fill="hold">
+                            <p:stCondLst>
+                              <p:cond delay="0"/>
+                            </p:stCondLst>
+                            <p:childTnLst>
+                              <p:par>
+                                <p:cTn id="23" presetID="1" presetClass="mediacall" presetSubtype="0" fill="hold" nodeType="clickEffect">
+                                  <p:stCondLst>
+                                    <p:cond delay="0"/>
+                                  </p:stCondLst>
+                                  <p:childTnLst>
+                                    <p:cmd type="call" cmd="playFrom(0.0)">
+                                      <p:cBhvr>
+                                        <p:cTn id="24" dur="2037" fill="hold"/>
+                                        <p:tgtEl>
+                                          <p:spTgt spid="15"/>
+                                        </p:tgtEl>
+                                      </p:cBhvr>
+                                    </p:cmd>
+                                  </p:childTnLst>
+                                </p:cTn>
+                              </p:par>
+                            </p:childTnLst>
+                          </p:cTn>
+                        </p:par>
+                      </p:childTnLst>
+                    </p:cTn>
+                  </p:par>
+                </p:childTnLst>
+              </p:cTn>
+              <p:nextCondLst>
+                <p:cond evt="onClick" delay="0">
+                  <p:tgtEl>
+                    <p:spTgt spid="15"/>
+                  </p:tgtEl>
+                </p:cond>
+              </p:nextCondLst>
+            </p:seq>
+            <p:audio>
+              <p:cMediaNode vol="80000">
+                <p:cTn id="25" fill="hold" display="0">
+                  <p:stCondLst>
+                    <p:cond delay="indefinite"/>
+                  </p:stCondLst>
+                  <p:endCondLst>
+                    <p:cond evt="onStopAudio" delay="0">
+                      <p:tgtEl>
+                        <p:sldTgt/>
+                      </p:tgtEl>
+                    </p:cond>
+                  </p:endCondLst>
+                </p:cTn>
+                <p:tgtEl>
+                  <p:spTgt spid="15"/>
+                </p:tgtEl>
+              </p:cMediaNode>
+            </p:audio>
+          </p:childTnLst>
+        </p:cTn>
       </p:par>
     </p:tnLst>
   </p:timing>
@@ -8150,8 +8776,28 @@
               <a:buNone/>
             </a:pPr>
             <a:r>
-              <a:rPr lang="de-DE" dirty="0" smtClean="0"/>
-              <a:t>=&gt; Modulationsindex mit ADSR-Hüllkurve modulieren</a:t>
+              <a:rPr lang="de-DE" dirty="0" smtClean="0">
+                <a:latin typeface="Arial" panose="020B0604020202020204" pitchFamily="34" charset="0"/>
+                <a:cs typeface="Arial" panose="020B0604020202020204" pitchFamily="34" charset="0"/>
+                <a:sym typeface="Symbol" panose="05050102010706020507" pitchFamily="18" charset="2"/>
+              </a:rPr>
+              <a:t></a:t>
+            </a:r>
+            <a:r>
+              <a:rPr lang="de-DE" dirty="0" smtClean="0"/>
+              <a:t> Modulationsindex </a:t>
+            </a:r>
+            <a:r>
+              <a:rPr lang="de-DE" dirty="0" smtClean="0"/>
+              <a:t>mit </a:t>
+            </a:r>
+            <a:r>
+              <a:rPr lang="de-DE" dirty="0" smtClean="0"/>
+              <a:t>Hüllkurve </a:t>
+            </a:r>
+            <a:r>
+              <a:rPr lang="de-DE" dirty="0" smtClean="0"/>
+              <a:t>modulieren</a:t>
             </a:r>
             <a:endParaRPr lang="en-US" dirty="0"/>
           </a:p>

--- a/Praesentation/FMSynthese-Gary.pptx
+++ b/Praesentation/FMSynthese-Gary.pptx
@@ -5,7 +5,7 @@
     <p:sldMasterId id="2147483648" r:id="rId1"/>
   </p:sldMasterIdLst>
   <p:notesMasterIdLst>
-    <p:notesMasterId r:id="rId24"/>
+    <p:notesMasterId r:id="rId25"/>
   </p:notesMasterIdLst>
   <p:sldIdLst>
     <p:sldId id="259" r:id="rId2"/>
@@ -25,11 +25,12 @@
     <p:sldId id="270" r:id="rId16"/>
     <p:sldId id="274" r:id="rId17"/>
     <p:sldId id="273" r:id="rId18"/>
-    <p:sldId id="275" r:id="rId19"/>
-    <p:sldId id="276" r:id="rId20"/>
-    <p:sldId id="279" r:id="rId21"/>
-    <p:sldId id="277" r:id="rId22"/>
-    <p:sldId id="278" r:id="rId23"/>
+    <p:sldId id="280" r:id="rId19"/>
+    <p:sldId id="275" r:id="rId20"/>
+    <p:sldId id="276" r:id="rId21"/>
+    <p:sldId id="279" r:id="rId22"/>
+    <p:sldId id="277" r:id="rId23"/>
+    <p:sldId id="278" r:id="rId24"/>
   </p:sldIdLst>
   <p:sldSz cx="9144000" cy="5143500" type="screen16x9"/>
   <p:notesSz cx="6858000" cy="9144000"/>
@@ -163,7 +164,7 @@
 
 <file path=ppt/commentAuthors.xml><?xml version="1.0" encoding="utf-8"?>
 <p:cmAuthorLst xmlns:a="http://schemas.openxmlformats.org/drawingml/2006/main" xmlns:r="http://schemas.openxmlformats.org/officeDocument/2006/relationships" xmlns:p="http://schemas.openxmlformats.org/presentationml/2006/main">
-  <p:cmAuthor id="1" name="Stefan Gerasch" initials="SG" lastIdx="1" clrIdx="0">
+  <p:cmAuthor id="1" name="Stefan Gerasch" initials="SG" lastIdx="2" clrIdx="0">
     <p:extLst>
       <p:ext uri="{19B8F6BF-5375-455C-9EA6-DF929625EA0E}">
         <p15:presenceInfo xmlns:p15="http://schemas.microsoft.com/office/powerpoint/2012/main" userId="598ddf3b84a370a1" providerId="Windows Live"/>
@@ -175,9 +176,9 @@
 
 <file path=ppt/comments/comment1.xml><?xml version="1.0" encoding="utf-8"?>
 <p:cmLst xmlns:a="http://schemas.openxmlformats.org/drawingml/2006/main" xmlns:r="http://schemas.openxmlformats.org/officeDocument/2006/relationships" xmlns:p="http://schemas.openxmlformats.org/presentationml/2006/main">
-  <p:cm authorId="1" dt="2015-06-19T16:23:17.393" idx="1">
-    <p:pos x="5472" y="756"/>
-    <p:text>Skalierung zu Hochpass anpassen</p:text>
+  <p:cm authorId="1" dt="2015-06-20T12:56:09.904" idx="2">
+    <p:pos x="2098" y="2198"/>
+    <p:text>testen ob man mit dem stift im präsi modus schreiben kann</p:text>
     <p:extLst>
       <p:ext uri="{C676402C-5697-4E1C-873F-D02D1690AC5C}">
         <p15:threadingInfo xmlns:p15="http://schemas.microsoft.com/office/powerpoint/2012/main" timeZoneBias="-120"/>
@@ -270,7 +271,7 @@
             <a:fld id="{364A5697-ABCF-455C-8519-931EFDD64AAA}" type="datetimeFigureOut">
               <a:rPr lang="de-DE" smtClean="0"/>
               <a:pPr/>
-              <a:t>19.06.2015</a:t>
+              <a:t>20.06.2015</a:t>
             </a:fld>
             <a:endParaRPr lang="de-DE"/>
           </a:p>
@@ -711,6 +712,124 @@
 </p:notes>
 </file>
 
+<file path=ppt/notesSlides/notesSlide3.xml><?xml version="1.0" encoding="utf-8"?>
+<p:notes xmlns:a="http://schemas.openxmlformats.org/drawingml/2006/main" xmlns:r="http://schemas.openxmlformats.org/officeDocument/2006/relationships" xmlns:p="http://schemas.openxmlformats.org/presentationml/2006/main">
+  <p:cSld>
+    <p:spTree>
+      <p:nvGrpSpPr>
+        <p:cNvPr id="1" name=""/>
+        <p:cNvGrpSpPr/>
+        <p:nvPr/>
+      </p:nvGrpSpPr>
+      <p:grpSpPr>
+        <a:xfrm>
+          <a:off x="0" y="0"/>
+          <a:ext cx="0" cy="0"/>
+          <a:chOff x="0" y="0"/>
+          <a:chExt cx="0" cy="0"/>
+        </a:xfrm>
+      </p:grpSpPr>
+      <p:sp>
+        <p:nvSpPr>
+          <p:cNvPr id="2" name="Folienbildplatzhalter 1"/>
+          <p:cNvSpPr>
+            <a:spLocks noGrp="1" noRot="1" noChangeAspect="1"/>
+          </p:cNvSpPr>
+          <p:nvPr>
+            <p:ph type="sldImg"/>
+          </p:nvPr>
+        </p:nvSpPr>
+        <p:spPr/>
+      </p:sp>
+      <p:sp>
+        <p:nvSpPr>
+          <p:cNvPr id="3" name="Notizenplatzhalter 2"/>
+          <p:cNvSpPr>
+            <a:spLocks noGrp="1"/>
+          </p:cNvSpPr>
+          <p:nvPr>
+            <p:ph type="body" idx="1"/>
+          </p:nvPr>
+        </p:nvSpPr>
+        <p:spPr/>
+        <p:txBody>
+          <a:bodyPr/>
+          <a:lstStyle/>
+          <a:p>
+            <a:r>
+              <a:rPr lang="de-DE" dirty="0" smtClean="0"/>
+              <a:t>1 = Sample</a:t>
+            </a:r>
+          </a:p>
+          <a:p>
+            <a:r>
+              <a:rPr lang="de-DE" dirty="0" smtClean="0"/>
+              <a:t>2</a:t>
+            </a:r>
+            <a:r>
+              <a:rPr lang="de-DE" baseline="0" dirty="0" smtClean="0"/>
+              <a:t> = FM </a:t>
+            </a:r>
+            <a:r>
+              <a:rPr lang="de-DE" baseline="0" dirty="0" err="1" smtClean="0"/>
+              <a:t>Synth</a:t>
+            </a:r>
+            <a:endParaRPr lang="de-DE" baseline="0" dirty="0" smtClean="0"/>
+          </a:p>
+          <a:p>
+            <a:r>
+              <a:rPr lang="de-DE" baseline="0" dirty="0" smtClean="0"/>
+              <a:t>3 = FM8</a:t>
+            </a:r>
+          </a:p>
+          <a:p>
+            <a:r>
+              <a:rPr lang="de-DE" baseline="0" dirty="0" smtClean="0"/>
+              <a:t>4 = Original</a:t>
+            </a:r>
+          </a:p>
+          <a:p>
+            <a:endParaRPr lang="en-US" dirty="0"/>
+          </a:p>
+        </p:txBody>
+      </p:sp>
+      <p:sp>
+        <p:nvSpPr>
+          <p:cNvPr id="4" name="Foliennummernplatzhalter 3"/>
+          <p:cNvSpPr>
+            <a:spLocks noGrp="1"/>
+          </p:cNvSpPr>
+          <p:nvPr>
+            <p:ph type="sldNum" sz="quarter" idx="10"/>
+          </p:nvPr>
+        </p:nvSpPr>
+        <p:spPr/>
+        <p:txBody>
+          <a:bodyPr/>
+          <a:lstStyle/>
+          <a:p>
+            <a:fld id="{B162E40F-E87F-4C0D-9DAF-92DD7B84B6D5}" type="slidenum">
+              <a:rPr lang="de-DE" smtClean="0"/>
+              <a:pPr/>
+              <a:t>18</a:t>
+            </a:fld>
+            <a:endParaRPr lang="de-DE"/>
+          </a:p>
+        </p:txBody>
+      </p:sp>
+    </p:spTree>
+    <p:extLst>
+      <p:ext uri="{BB962C8B-B14F-4D97-AF65-F5344CB8AC3E}">
+        <p14:creationId xmlns:p14="http://schemas.microsoft.com/office/powerpoint/2010/main" val="4211575174"/>
+      </p:ext>
+    </p:extLst>
+  </p:cSld>
+  <p:clrMapOvr>
+    <a:masterClrMapping/>
+  </p:clrMapOvr>
+</p:notes>
+</file>
+
 <file path=ppt/slideLayouts/slideLayout1.xml><?xml version="1.0" encoding="utf-8"?>
 <p:sldLayout xmlns:a="http://schemas.openxmlformats.org/drawingml/2006/main" xmlns:r="http://schemas.openxmlformats.org/officeDocument/2006/relationships" xmlns:p="http://schemas.openxmlformats.org/presentationml/2006/main" preserve="1" userDrawn="1">
   <p:cSld name="Titelfolie">
@@ -924,7 +1043,7 @@
           <a:p>
             <a:fld id="{296000BE-0612-4D88-A1AC-FF1287139C2E}" type="datetime1">
               <a:rPr lang="de-DE" smtClean="0"/>
-              <a:t>19.06.2015</a:t>
+              <a:t>20.06.2015</a:t>
             </a:fld>
             <a:endParaRPr lang="de-DE" dirty="0"/>
           </a:p>
@@ -986,6 +1105,18 @@
   <p:clrMapOvr>
     <a:masterClrMapping/>
   </p:clrMapOvr>
+  <mc:AlternateContent xmlns:mc="http://schemas.openxmlformats.org/markup-compatibility/2006">
+    <mc:Choice xmlns:p14="http://schemas.microsoft.com/office/powerpoint/2010/main" Requires="p14">
+      <p:transition spd="med" p14:dur="700">
+        <p:fade/>
+      </p:transition>
+    </mc:Choice>
+    <mc:Fallback>
+      <p:transition spd="med">
+        <p:fade/>
+      </p:transition>
+    </mc:Fallback>
+  </mc:AlternateContent>
   <p:timing>
     <p:tnLst>
       <p:par>
@@ -1105,7 +1236,7 @@
           <a:p>
             <a:fld id="{118C39E7-DE90-41C1-AA3B-F993836B02BE}" type="datetime1">
               <a:rPr lang="de-DE" smtClean="0"/>
-              <a:t>19.06.2015</a:t>
+              <a:t>20.06.2015</a:t>
             </a:fld>
             <a:endParaRPr lang="de-DE"/>
           </a:p>
@@ -1163,6 +1294,18 @@
   <p:clrMapOvr>
     <a:masterClrMapping/>
   </p:clrMapOvr>
+  <mc:AlternateContent xmlns:mc="http://schemas.openxmlformats.org/markup-compatibility/2006">
+    <mc:Choice xmlns:p14="http://schemas.microsoft.com/office/powerpoint/2010/main" Requires="p14">
+      <p:transition spd="med" p14:dur="700">
+        <p:fade/>
+      </p:transition>
+    </mc:Choice>
+    <mc:Fallback>
+      <p:transition spd="med">
+        <p:fade/>
+      </p:transition>
+    </mc:Fallback>
+  </mc:AlternateContent>
 </p:sldLayout>
 </file>
 
@@ -1285,7 +1428,7 @@
           <a:p>
             <a:fld id="{B1B93457-8CBC-4CBC-AFA6-88355C5DAFDC}" type="datetime1">
               <a:rPr lang="de-DE" smtClean="0"/>
-              <a:t>19.06.2015</a:t>
+              <a:t>20.06.2015</a:t>
             </a:fld>
             <a:endParaRPr lang="de-DE"/>
           </a:p>
@@ -1343,6 +1486,18 @@
   <p:clrMapOvr>
     <a:masterClrMapping/>
   </p:clrMapOvr>
+  <mc:AlternateContent xmlns:mc="http://schemas.openxmlformats.org/markup-compatibility/2006">
+    <mc:Choice xmlns:p14="http://schemas.microsoft.com/office/powerpoint/2010/main" Requires="p14">
+      <p:transition spd="med" p14:dur="700">
+        <p:fade/>
+      </p:transition>
+    </mc:Choice>
+    <mc:Fallback>
+      <p:transition spd="med">
+        <p:fade/>
+      </p:transition>
+    </mc:Fallback>
+  </mc:AlternateContent>
 </p:sldLayout>
 </file>
 
@@ -1463,7 +1618,7 @@
           <a:p>
             <a:fld id="{296000BE-0612-4D88-A1AC-FF1287139C2E}" type="datetime1">
               <a:rPr lang="de-DE" smtClean="0"/>
-              <a:t>19.06.2015</a:t>
+              <a:t>20.06.2015</a:t>
             </a:fld>
             <a:endParaRPr lang="de-DE" dirty="0"/>
           </a:p>
@@ -1524,6 +1679,18 @@
   <p:clrMapOvr>
     <a:masterClrMapping/>
   </p:clrMapOvr>
+  <mc:AlternateContent xmlns:mc="http://schemas.openxmlformats.org/markup-compatibility/2006">
+    <mc:Choice xmlns:p14="http://schemas.microsoft.com/office/powerpoint/2010/main" Requires="p14">
+      <p:transition spd="med" p14:dur="700">
+        <p:fade/>
+      </p:transition>
+    </mc:Choice>
+    <mc:Fallback>
+      <p:transition spd="med">
+        <p:fade/>
+      </p:transition>
+    </mc:Fallback>
+  </mc:AlternateContent>
   <p:timing>
     <p:tnLst>
       <p:par>
@@ -1719,7 +1886,7 @@
           <a:p>
             <a:fld id="{C80D71F6-99A2-4718-B360-65885A8D0927}" type="datetime1">
               <a:rPr lang="de-DE" smtClean="0"/>
-              <a:t>19.06.2015</a:t>
+              <a:t>20.06.2015</a:t>
             </a:fld>
             <a:endParaRPr lang="de-DE"/>
           </a:p>
@@ -1777,6 +1944,18 @@
   <p:clrMapOvr>
     <a:masterClrMapping/>
   </p:clrMapOvr>
+  <mc:AlternateContent xmlns:mc="http://schemas.openxmlformats.org/markup-compatibility/2006">
+    <mc:Choice xmlns:p14="http://schemas.microsoft.com/office/powerpoint/2010/main" Requires="p14">
+      <p:transition spd="med" p14:dur="700">
+        <p:fade/>
+      </p:transition>
+    </mc:Choice>
+    <mc:Fallback>
+      <p:transition spd="med">
+        <p:fade/>
+      </p:transition>
+    </mc:Fallback>
+  </mc:AlternateContent>
   <p:timing>
     <p:tnLst>
       <p:par>
@@ -2014,7 +2193,7 @@
           <a:p>
             <a:fld id="{29DA34F2-331A-4BAF-BC0B-E5952E369A92}" type="datetime1">
               <a:rPr lang="de-DE" smtClean="0"/>
-              <a:t>19.06.2015</a:t>
+              <a:t>20.06.2015</a:t>
             </a:fld>
             <a:endParaRPr lang="de-DE"/>
           </a:p>
@@ -2072,6 +2251,18 @@
   <p:clrMapOvr>
     <a:masterClrMapping/>
   </p:clrMapOvr>
+  <mc:AlternateContent xmlns:mc="http://schemas.openxmlformats.org/markup-compatibility/2006">
+    <mc:Choice xmlns:p14="http://schemas.microsoft.com/office/powerpoint/2010/main" Requires="p14">
+      <p:transition spd="med" p14:dur="700">
+        <p:fade/>
+      </p:transition>
+    </mc:Choice>
+    <mc:Fallback>
+      <p:transition spd="med">
+        <p:fade/>
+      </p:transition>
+    </mc:Fallback>
+  </mc:AlternateContent>
   <p:timing>
     <p:tnLst>
       <p:par>
@@ -2443,7 +2634,7 @@
           <a:p>
             <a:fld id="{6E10866E-AA72-4753-8ABE-452D5C085871}" type="datetime1">
               <a:rPr lang="de-DE" smtClean="0"/>
-              <a:t>19.06.2015</a:t>
+              <a:t>20.06.2015</a:t>
             </a:fld>
             <a:endParaRPr lang="de-DE"/>
           </a:p>
@@ -2501,6 +2692,18 @@
   <p:clrMapOvr>
     <a:masterClrMapping/>
   </p:clrMapOvr>
+  <mc:AlternateContent xmlns:mc="http://schemas.openxmlformats.org/markup-compatibility/2006">
+    <mc:Choice xmlns:p14="http://schemas.microsoft.com/office/powerpoint/2010/main" Requires="p14">
+      <p:transition spd="med" p14:dur="700">
+        <p:fade/>
+      </p:transition>
+    </mc:Choice>
+    <mc:Fallback>
+      <p:transition spd="med">
+        <p:fade/>
+      </p:transition>
+    </mc:Fallback>
+  </mc:AlternateContent>
   <p:timing>
     <p:tnLst>
       <p:par>
@@ -2568,7 +2771,7 @@
           <a:p>
             <a:fld id="{A782DF66-3609-46AF-9A5C-DF0EDD34A7DB}" type="datetime1">
               <a:rPr lang="de-DE" smtClean="0"/>
-              <a:t>19.06.2015</a:t>
+              <a:t>20.06.2015</a:t>
             </a:fld>
             <a:endParaRPr lang="de-DE"/>
           </a:p>
@@ -2626,6 +2829,18 @@
   <p:clrMapOvr>
     <a:masterClrMapping/>
   </p:clrMapOvr>
+  <mc:AlternateContent xmlns:mc="http://schemas.openxmlformats.org/markup-compatibility/2006">
+    <mc:Choice xmlns:p14="http://schemas.microsoft.com/office/powerpoint/2010/main" Requires="p14">
+      <p:transition spd="med" p14:dur="700">
+        <p:fade/>
+      </p:transition>
+    </mc:Choice>
+    <mc:Fallback>
+      <p:transition spd="med">
+        <p:fade/>
+      </p:transition>
+    </mc:Fallback>
+  </mc:AlternateContent>
 </p:sldLayout>
 </file>
 
@@ -2663,7 +2878,7 @@
           <a:p>
             <a:fld id="{D9A33BE7-191D-4D84-96A8-D32FBF7D1E60}" type="datetime1">
               <a:rPr lang="de-DE" smtClean="0"/>
-              <a:t>19.06.2015</a:t>
+              <a:t>20.06.2015</a:t>
             </a:fld>
             <a:endParaRPr lang="de-DE"/>
           </a:p>
@@ -2721,6 +2936,18 @@
   <p:clrMapOvr>
     <a:masterClrMapping/>
   </p:clrMapOvr>
+  <mc:AlternateContent xmlns:mc="http://schemas.openxmlformats.org/markup-compatibility/2006">
+    <mc:Choice xmlns:p14="http://schemas.microsoft.com/office/powerpoint/2010/main" Requires="p14">
+      <p:transition spd="med" p14:dur="700">
+        <p:fade/>
+      </p:transition>
+    </mc:Choice>
+    <mc:Fallback>
+      <p:transition spd="med">
+        <p:fade/>
+      </p:transition>
+    </mc:Fallback>
+  </mc:AlternateContent>
 </p:sldLayout>
 </file>
 
@@ -2940,7 +3167,7 @@
           <a:p>
             <a:fld id="{B525E46A-CAE0-47F8-9D57-934823E6F137}" type="datetime1">
               <a:rPr lang="de-DE" smtClean="0"/>
-              <a:t>19.06.2015</a:t>
+              <a:t>20.06.2015</a:t>
             </a:fld>
             <a:endParaRPr lang="de-DE"/>
           </a:p>
@@ -2998,6 +3225,18 @@
   <p:clrMapOvr>
     <a:masterClrMapping/>
   </p:clrMapOvr>
+  <mc:AlternateContent xmlns:mc="http://schemas.openxmlformats.org/markup-compatibility/2006">
+    <mc:Choice xmlns:p14="http://schemas.microsoft.com/office/powerpoint/2010/main" Requires="p14">
+      <p:transition spd="med" p14:dur="700">
+        <p:fade/>
+      </p:transition>
+    </mc:Choice>
+    <mc:Fallback>
+      <p:transition spd="med">
+        <p:fade/>
+      </p:transition>
+    </mc:Fallback>
+  </mc:AlternateContent>
 </p:sldLayout>
 </file>
 
@@ -3193,7 +3432,7 @@
           <a:p>
             <a:fld id="{A77F82AC-1FA4-4A3F-9E15-2C049775FF58}" type="datetime1">
               <a:rPr lang="de-DE" smtClean="0"/>
-              <a:t>19.06.2015</a:t>
+              <a:t>20.06.2015</a:t>
             </a:fld>
             <a:endParaRPr lang="de-DE"/>
           </a:p>
@@ -3251,6 +3490,18 @@
   <p:clrMapOvr>
     <a:masterClrMapping/>
   </p:clrMapOvr>
+  <mc:AlternateContent xmlns:mc="http://schemas.openxmlformats.org/markup-compatibility/2006">
+    <mc:Choice xmlns:p14="http://schemas.microsoft.com/office/powerpoint/2010/main" Requires="p14">
+      <p:transition spd="med" p14:dur="700">
+        <p:fade/>
+      </p:transition>
+    </mc:Choice>
+    <mc:Fallback>
+      <p:transition spd="med">
+        <p:fade/>
+      </p:transition>
+    </mc:Fallback>
+  </mc:AlternateContent>
 </p:sldLayout>
 </file>
 
@@ -3406,7 +3657,7 @@
           <a:p>
             <a:fld id="{296000BE-0612-4D88-A1AC-FF1287139C2E}" type="datetime1">
               <a:rPr lang="de-DE" smtClean="0"/>
-              <a:t>19.06.2015</a:t>
+              <a:t>20.06.2015</a:t>
             </a:fld>
             <a:endParaRPr lang="de-DE" dirty="0"/>
           </a:p>
@@ -3539,6 +3790,18 @@
     <p:sldLayoutId id="2147483658" r:id="rId10"/>
     <p:sldLayoutId id="2147483659" r:id="rId11"/>
   </p:sldLayoutIdLst>
+  <mc:AlternateContent xmlns:mc="http://schemas.openxmlformats.org/markup-compatibility/2006">
+    <mc:Choice xmlns:p14="http://schemas.microsoft.com/office/powerpoint/2010/main" Requires="p14">
+      <p:transition spd="med" p14:dur="700">
+        <p:fade/>
+      </p:transition>
+    </mc:Choice>
+    <mc:Fallback>
+      <p:transition spd="med">
+        <p:fade/>
+      </p:transition>
+    </mc:Fallback>
+  </mc:AlternateContent>
   <p:timing>
     <p:tnLst>
       <p:par>
@@ -3889,6 +4152,18 @@
   <p:clrMapOvr>
     <a:masterClrMapping/>
   </p:clrMapOvr>
+  <mc:AlternateContent xmlns:mc="http://schemas.openxmlformats.org/markup-compatibility/2006">
+    <mc:Choice xmlns:p14="http://schemas.microsoft.com/office/powerpoint/2010/main" Requires="p14">
+      <p:transition spd="med" p14:dur="700">
+        <p:fade/>
+      </p:transition>
+    </mc:Choice>
+    <mc:Fallback>
+      <p:transition spd="med">
+        <p:fade/>
+      </p:transition>
+    </mc:Fallback>
+  </mc:AlternateContent>
   <p:timing>
     <p:tnLst>
       <p:par>
@@ -3979,7 +4254,7 @@
           <a:p>
             <a:fld id="{296000BE-0612-4D88-A1AC-FF1287139C2E}" type="datetime1">
               <a:rPr lang="de-DE" smtClean="0"/>
-              <a:t>19.06.2015</a:t>
+              <a:t>20.06.2015</a:t>
             </a:fld>
             <a:endParaRPr lang="de-DE" dirty="0"/>
           </a:p>
@@ -4075,6 +4350,18 @@
   <p:clrMapOvr>
     <a:masterClrMapping/>
   </p:clrMapOvr>
+  <mc:AlternateContent xmlns:mc="http://schemas.openxmlformats.org/markup-compatibility/2006">
+    <mc:Choice xmlns:p14="http://schemas.microsoft.com/office/powerpoint/2010/main" Requires="p14">
+      <p:transition spd="med" p14:dur="700">
+        <p:fade/>
+      </p:transition>
+    </mc:Choice>
+    <mc:Fallback>
+      <p:transition spd="med">
+        <p:fade/>
+      </p:transition>
+    </mc:Fallback>
+  </mc:AlternateContent>
   <p:timing>
     <p:tnLst>
       <p:par>
@@ -4165,7 +4452,7 @@
           <a:p>
             <a:fld id="{296000BE-0612-4D88-A1AC-FF1287139C2E}" type="datetime1">
               <a:rPr lang="de-DE" smtClean="0"/>
-              <a:t>19.06.2015</a:t>
+              <a:t>20.06.2015</a:t>
             </a:fld>
             <a:endParaRPr lang="de-DE" dirty="0"/>
           </a:p>
@@ -4261,6 +4548,18 @@
   <p:clrMapOvr>
     <a:masterClrMapping/>
   </p:clrMapOvr>
+  <mc:AlternateContent xmlns:mc="http://schemas.openxmlformats.org/markup-compatibility/2006">
+    <mc:Choice xmlns:p14="http://schemas.microsoft.com/office/powerpoint/2010/main" Requires="p14">
+      <p:transition spd="med" p14:dur="700">
+        <p:fade/>
+      </p:transition>
+    </mc:Choice>
+    <mc:Fallback>
+      <p:transition spd="med">
+        <p:fade/>
+      </p:transition>
+    </mc:Fallback>
+  </mc:AlternateContent>
   <p:timing>
     <p:tnLst>
       <p:par>
@@ -4351,7 +4650,7 @@
           <a:p>
             <a:fld id="{296000BE-0612-4D88-A1AC-FF1287139C2E}" type="datetime1">
               <a:rPr lang="de-DE" smtClean="0"/>
-              <a:t>19.06.2015</a:t>
+              <a:t>20.06.2015</a:t>
             </a:fld>
             <a:endParaRPr lang="de-DE" dirty="0"/>
           </a:p>
@@ -4447,6 +4746,18 @@
   <p:clrMapOvr>
     <a:masterClrMapping/>
   </p:clrMapOvr>
+  <mc:AlternateContent xmlns:mc="http://schemas.openxmlformats.org/markup-compatibility/2006">
+    <mc:Choice xmlns:p14="http://schemas.microsoft.com/office/powerpoint/2010/main" Requires="p14">
+      <p:transition spd="med" p14:dur="700">
+        <p:fade/>
+      </p:transition>
+    </mc:Choice>
+    <mc:Fallback>
+      <p:transition spd="med">
+        <p:fade/>
+      </p:transition>
+    </mc:Fallback>
+  </mc:AlternateContent>
   <p:timing>
     <p:tnLst>
       <p:par>
@@ -4537,7 +4848,7 @@
           <a:p>
             <a:fld id="{296000BE-0612-4D88-A1AC-FF1287139C2E}" type="datetime1">
               <a:rPr lang="de-DE" smtClean="0"/>
-              <a:t>19.06.2015</a:t>
+              <a:t>20.06.2015</a:t>
             </a:fld>
             <a:endParaRPr lang="de-DE" dirty="0"/>
           </a:p>
@@ -4633,6 +4944,18 @@
   <p:clrMapOvr>
     <a:masterClrMapping/>
   </p:clrMapOvr>
+  <mc:AlternateContent xmlns:mc="http://schemas.openxmlformats.org/markup-compatibility/2006">
+    <mc:Choice xmlns:p14="http://schemas.microsoft.com/office/powerpoint/2010/main" Requires="p14">
+      <p:transition spd="med" p14:dur="700">
+        <p:fade/>
+      </p:transition>
+    </mc:Choice>
+    <mc:Fallback>
+      <p:transition spd="med">
+        <p:fade/>
+      </p:transition>
+    </mc:Fallback>
+  </mc:AlternateContent>
   <p:timing>
     <p:tnLst>
       <p:par>
@@ -4723,7 +5046,7 @@
           <a:p>
             <a:fld id="{296000BE-0612-4D88-A1AC-FF1287139C2E}" type="datetime1">
               <a:rPr lang="de-DE" smtClean="0"/>
-              <a:t>19.06.2015</a:t>
+              <a:t>20.06.2015</a:t>
             </a:fld>
             <a:endParaRPr lang="de-DE" dirty="0"/>
           </a:p>
@@ -4819,6 +5142,18 @@
   <p:clrMapOvr>
     <a:masterClrMapping/>
   </p:clrMapOvr>
+  <mc:AlternateContent xmlns:mc="http://schemas.openxmlformats.org/markup-compatibility/2006">
+    <mc:Choice xmlns:p14="http://schemas.microsoft.com/office/powerpoint/2010/main" Requires="p14">
+      <p:transition spd="med" p14:dur="700">
+        <p:fade/>
+      </p:transition>
+    </mc:Choice>
+    <mc:Fallback>
+      <p:transition spd="med">
+        <p:fade/>
+      </p:transition>
+    </mc:Fallback>
+  </mc:AlternateContent>
   <p:timing>
     <p:tnLst>
       <p:par>
@@ -4909,7 +5244,7 @@
           <a:p>
             <a:fld id="{296000BE-0612-4D88-A1AC-FF1287139C2E}" type="datetime1">
               <a:rPr lang="de-DE" smtClean="0"/>
-              <a:t>19.06.2015</a:t>
+              <a:t>20.06.2015</a:t>
             </a:fld>
             <a:endParaRPr lang="de-DE" dirty="0"/>
           </a:p>
@@ -5005,6 +5340,18 @@
   <p:clrMapOvr>
     <a:masterClrMapping/>
   </p:clrMapOvr>
+  <mc:AlternateContent xmlns:mc="http://schemas.openxmlformats.org/markup-compatibility/2006">
+    <mc:Choice xmlns:p14="http://schemas.microsoft.com/office/powerpoint/2010/main" Requires="p14">
+      <p:transition spd="med" p14:dur="700">
+        <p:fade/>
+      </p:transition>
+    </mc:Choice>
+    <mc:Fallback>
+      <p:transition spd="med">
+        <p:fade/>
+      </p:transition>
+    </mc:Fallback>
+  </mc:AlternateContent>
   <p:timing>
     <p:tnLst>
       <p:par>
@@ -5101,7 +5448,7 @@
           <a:p>
             <a:fld id="{296000BE-0612-4D88-A1AC-FF1287139C2E}" type="datetime1">
               <a:rPr lang="de-DE" smtClean="0"/>
-              <a:t>19.06.2015</a:t>
+              <a:t>20.06.2015</a:t>
             </a:fld>
             <a:endParaRPr lang="de-DE" dirty="0"/>
           </a:p>
@@ -5221,12 +5568,138 @@
   <p:clrMapOvr>
     <a:masterClrMapping/>
   </p:clrMapOvr>
+  <mc:AlternateContent xmlns:mc="http://schemas.openxmlformats.org/markup-compatibility/2006">
+    <mc:Choice xmlns:p14="http://schemas.microsoft.com/office/powerpoint/2010/main" Requires="p14">
+      <p:transition spd="med" p14:dur="700">
+        <p:fade/>
+      </p:transition>
+    </mc:Choice>
+    <mc:Fallback>
+      <p:transition spd="med">
+        <p:fade/>
+      </p:transition>
+    </mc:Fallback>
+  </mc:AlternateContent>
   <p:timing>
     <p:tnLst>
       <p:par>
-        <p:cTn id="1" dur="indefinite" restart="never" nodeType="tmRoot"/>
+        <p:cTn id="1" dur="indefinite" restart="never" nodeType="tmRoot">
+          <p:childTnLst>
+            <p:seq concurrent="1" nextAc="seek">
+              <p:cTn id="2" dur="indefinite" nodeType="mainSeq">
+                <p:childTnLst>
+                  <p:par>
+                    <p:cTn id="3" fill="hold">
+                      <p:stCondLst>
+                        <p:cond delay="indefinite"/>
+                      </p:stCondLst>
+                      <p:childTnLst>
+                        <p:par>
+                          <p:cTn id="4" fill="hold">
+                            <p:stCondLst>
+                              <p:cond delay="0"/>
+                            </p:stCondLst>
+                            <p:childTnLst>
+                              <p:par>
+                                <p:cTn id="5" presetID="10" presetClass="entr" presetSubtype="0" fill="hold" nodeType="clickEffect">
+                                  <p:stCondLst>
+                                    <p:cond delay="0"/>
+                                  </p:stCondLst>
+                                  <p:childTnLst>
+                                    <p:set>
+                                      <p:cBhvr>
+                                        <p:cTn id="6" dur="1" fill="hold">
+                                          <p:stCondLst>
+                                            <p:cond delay="0"/>
+                                          </p:stCondLst>
+                                        </p:cTn>
+                                        <p:tgtEl>
+                                          <p:spTgt spid="7"/>
+                                        </p:tgtEl>
+                                        <p:attrNameLst>
+                                          <p:attrName>style.visibility</p:attrName>
+                                        </p:attrNameLst>
+                                      </p:cBhvr>
+                                      <p:to>
+                                        <p:strVal val="visible"/>
+                                      </p:to>
+                                    </p:set>
+                                    <p:animEffect transition="in" filter="fade">
+                                      <p:cBhvr>
+                                        <p:cTn id="7" dur="500"/>
+                                        <p:tgtEl>
+                                          <p:spTgt spid="7"/>
+                                        </p:tgtEl>
+                                      </p:cBhvr>
+                                    </p:animEffect>
+                                  </p:childTnLst>
+                                </p:cTn>
+                              </p:par>
+                              <p:par>
+                                <p:cTn id="8" presetID="10" presetClass="entr" presetSubtype="0" fill="hold" grpId="0" nodeType="withEffect">
+                                  <p:stCondLst>
+                                    <p:cond delay="0"/>
+                                  </p:stCondLst>
+                                  <p:childTnLst>
+                                    <p:set>
+                                      <p:cBhvr>
+                                        <p:cTn id="9" dur="1" fill="hold">
+                                          <p:stCondLst>
+                                            <p:cond delay="0"/>
+                                          </p:stCondLst>
+                                        </p:cTn>
+                                        <p:tgtEl>
+                                          <p:spTgt spid="8"/>
+                                        </p:tgtEl>
+                                        <p:attrNameLst>
+                                          <p:attrName>style.visibility</p:attrName>
+                                        </p:attrNameLst>
+                                      </p:cBhvr>
+                                      <p:to>
+                                        <p:strVal val="visible"/>
+                                      </p:to>
+                                    </p:set>
+                                    <p:animEffect transition="in" filter="fade">
+                                      <p:cBhvr>
+                                        <p:cTn id="10" dur="500"/>
+                                        <p:tgtEl>
+                                          <p:spTgt spid="8"/>
+                                        </p:tgtEl>
+                                      </p:cBhvr>
+                                    </p:animEffect>
+                                  </p:childTnLst>
+                                </p:cTn>
+                              </p:par>
+                            </p:childTnLst>
+                          </p:cTn>
+                        </p:par>
+                      </p:childTnLst>
+                    </p:cTn>
+                  </p:par>
+                </p:childTnLst>
+              </p:cTn>
+              <p:prevCondLst>
+                <p:cond evt="onPrev" delay="0">
+                  <p:tgtEl>
+                    <p:sldTgt/>
+                  </p:tgtEl>
+                </p:cond>
+              </p:prevCondLst>
+              <p:nextCondLst>
+                <p:cond evt="onNext" delay="0">
+                  <p:tgtEl>
+                    <p:sldTgt/>
+                  </p:tgtEl>
+                </p:cond>
+              </p:nextCondLst>
+            </p:seq>
+          </p:childTnLst>
+        </p:cTn>
       </p:par>
     </p:tnLst>
+    <p:bldLst>
+      <p:bldP spid="8" grpId="0"/>
+    </p:bldLst>
   </p:timing>
 </p:sld>
 </file>
@@ -5311,7 +5784,7 @@
           <a:p>
             <a:fld id="{296000BE-0612-4D88-A1AC-FF1287139C2E}" type="datetime1">
               <a:rPr lang="de-DE" smtClean="0"/>
-              <a:t>19.06.2015</a:t>
+              <a:t>20.06.2015</a:t>
             </a:fld>
             <a:endParaRPr lang="de-DE" dirty="0"/>
           </a:p>
@@ -5377,6 +5850,18 @@
   <p:clrMapOvr>
     <a:masterClrMapping/>
   </p:clrMapOvr>
+  <mc:AlternateContent xmlns:mc="http://schemas.openxmlformats.org/markup-compatibility/2006">
+    <mc:Choice xmlns:p14="http://schemas.microsoft.com/office/powerpoint/2010/main" Requires="p14">
+      <p:transition spd="med" p14:dur="700">
+        <p:fade/>
+      </p:transition>
+    </mc:Choice>
+    <mc:Fallback>
+      <p:transition spd="med">
+        <p:fade/>
+      </p:transition>
+    </mc:Fallback>
+  </mc:AlternateContent>
   <p:timing>
     <p:tnLst>
       <p:par>
@@ -5420,12 +5905,8 @@
           <a:lstStyle/>
           <a:p>
             <a:r>
-              <a:rPr lang="de-DE" dirty="0"/>
-              <a:t>FM-Synthesizer in C</a:t>
-            </a:r>
-            <a:r>
               <a:rPr lang="de-DE" dirty="0" smtClean="0"/>
-              <a:t>++</a:t>
+              <a:t>Hörbeispiele</a:t>
             </a:r>
             <a:endParaRPr lang="en-US" dirty="0"/>
           </a:p>
@@ -5433,25 +5914,6 @@
       </p:sp>
       <p:sp>
         <p:nvSpPr>
-          <p:cNvPr id="2" name="Textplatzhalter 1"/>
-          <p:cNvSpPr>
-            <a:spLocks noGrp="1"/>
-          </p:cNvSpPr>
-          <p:nvPr>
-            <p:ph type="body" idx="1"/>
-          </p:nvPr>
-        </p:nvSpPr>
-        <p:spPr/>
-        <p:txBody>
-          <a:bodyPr/>
-          <a:lstStyle/>
-          <a:p>
-            <a:endParaRPr lang="en-US"/>
-          </a:p>
-        </p:txBody>
-      </p:sp>
-      <p:sp>
-        <p:nvSpPr>
           <p:cNvPr id="4" name="Datumsplatzhalter 3"/>
           <p:cNvSpPr>
             <a:spLocks noGrp="1"/>
@@ -5465,11 +5927,11 @@
           <a:bodyPr/>
           <a:lstStyle/>
           <a:p>
-            <a:fld id="{296000BE-0612-4D88-A1AC-FF1287139C2E}" type="datetime1">
-              <a:rPr lang="de-DE" smtClean="0"/>
-              <a:t>19.06.2015</a:t>
+            <a:fld id="{C80D71F6-99A2-4718-B360-65885A8D0927}" type="datetime1">
+              <a:rPr lang="de-DE" smtClean="0"/>
+              <a:t>20.06.2015</a:t>
             </a:fld>
-            <a:endParaRPr lang="de-DE" dirty="0"/>
+            <a:endParaRPr lang="de-DE"/>
           </a:p>
         </p:txBody>
       </p:sp>
@@ -5492,7 +5954,7 @@
               <a:rPr lang="de-DE" smtClean="0"/>
               <a:t>FM-Synthese</a:t>
             </a:r>
-            <a:endParaRPr lang="de-DE" dirty="0"/>
+            <a:endParaRPr lang="de-DE"/>
           </a:p>
         </p:txBody>
       </p:sp>
@@ -5511,32 +5973,376 @@
           <a:bodyPr/>
           <a:lstStyle/>
           <a:p>
-            <a:fld id="{8740CB20-F870-467D-84CE-AB32061190A1}" type="slidenum">
-              <a:rPr lang="en-US" smtClean="0"/>
+            <a:fld id="{6C6AE60A-B69C-4790-82F7-3882EDF23186}" type="slidenum">
+              <a:rPr lang="de-DE" smtClean="0"/>
+              <a:pPr/>
               <a:t>18</a:t>
             </a:fld>
-            <a:r>
-              <a:rPr lang="de-DE" smtClean="0"/>
-              <a:t>   </a:t>
-            </a:r>
-            <a:endParaRPr lang="de-DE" dirty="0"/>
+            <a:endParaRPr lang="de-DE"/>
+          </a:p>
+        </p:txBody>
+      </p:sp>
+      <p:pic>
+        <p:nvPicPr>
+          <p:cNvPr id="9" name="Flute Sample G5">
+            <a:hlinkClick r:id="" action="ppaction://media"/>
+          </p:cNvPr>
+          <p:cNvPicPr>
+            <a:picLocks noChangeAspect="1"/>
+          </p:cNvPicPr>
+          <p:nvPr>
+            <a:audioFile r:link="rId2"/>
+            <p:extLst>
+              <p:ext uri="{DAA4B4D4-6D71-4841-9C94-3DE7FCFB9230}">
+                <p14:media xmlns:p14="http://schemas.microsoft.com/office/powerpoint/2010/main" r:embed="rId1"/>
+              </p:ext>
+            </p:extLst>
+          </p:nvPr>
+        </p:nvPicPr>
+        <p:blipFill>
+          <a:blip r:embed="rId11"/>
+          <a:stretch>
+            <a:fillRect/>
+          </a:stretch>
+        </p:blipFill>
+        <p:spPr>
+          <a:xfrm>
+            <a:off x="2234992" y="2640398"/>
+            <a:ext cx="609600" cy="609600"/>
+          </a:xfrm>
+          <a:prstGeom prst="rect">
+            <a:avLst/>
+          </a:prstGeom>
+        </p:spPr>
+      </p:pic>
+      <p:sp>
+        <p:nvSpPr>
+          <p:cNvPr id="10" name="Textfeld 9"/>
+          <p:cNvSpPr txBox="1"/>
+          <p:nvPr/>
+        </p:nvSpPr>
+        <p:spPr>
+          <a:xfrm>
+            <a:off x="2246530" y="2189684"/>
+            <a:ext cx="586524" cy="369332"/>
+          </a:xfrm>
+          <a:prstGeom prst="rect">
+            <a:avLst/>
+          </a:prstGeom>
+          <a:noFill/>
+        </p:spPr>
+        <p:txBody>
+          <a:bodyPr wrap="square" rtlCol="0">
+            <a:spAutoFit/>
+          </a:bodyPr>
+          <a:lstStyle/>
+          <a:p>
+            <a:pPr algn="ctr"/>
+            <a:r>
+              <a:rPr lang="de-DE" dirty="0" smtClean="0"/>
+              <a:t>1</a:t>
+            </a:r>
+            <a:endParaRPr lang="en-US" dirty="0"/>
+          </a:p>
+        </p:txBody>
+      </p:sp>
+      <p:pic>
+        <p:nvPicPr>
+          <p:cNvPr id="11" name="Flute FM G5">
+            <a:hlinkClick r:id="" action="ppaction://media"/>
+          </p:cNvPr>
+          <p:cNvPicPr>
+            <a:picLocks noChangeAspect="1"/>
+          </p:cNvPicPr>
+          <p:nvPr>
+            <a:audioFile r:link="rId4"/>
+            <p:extLst>
+              <p:ext uri="{DAA4B4D4-6D71-4841-9C94-3DE7FCFB9230}">
+                <p14:media xmlns:p14="http://schemas.microsoft.com/office/powerpoint/2010/main" r:embed="rId3"/>
+              </p:ext>
+            </p:extLst>
+          </p:nvPr>
+        </p:nvPicPr>
+        <p:blipFill>
+          <a:blip r:embed="rId11"/>
+          <a:stretch>
+            <a:fillRect/>
+          </a:stretch>
+        </p:blipFill>
+        <p:spPr>
+          <a:xfrm>
+            <a:off x="3647924" y="2644945"/>
+            <a:ext cx="609600" cy="609600"/>
+          </a:xfrm>
+          <a:prstGeom prst="rect">
+            <a:avLst/>
+          </a:prstGeom>
+        </p:spPr>
+      </p:pic>
+      <p:sp>
+        <p:nvSpPr>
+          <p:cNvPr id="12" name="Textfeld 11"/>
+          <p:cNvSpPr txBox="1"/>
+          <p:nvPr/>
+        </p:nvSpPr>
+        <p:spPr>
+          <a:xfrm>
+            <a:off x="3825765" y="2189684"/>
+            <a:ext cx="284486" cy="369332"/>
+          </a:xfrm>
+          <a:prstGeom prst="rect">
+            <a:avLst/>
+          </a:prstGeom>
+          <a:noFill/>
+        </p:spPr>
+        <p:txBody>
+          <a:bodyPr wrap="square" rtlCol="0">
+            <a:spAutoFit/>
+          </a:bodyPr>
+          <a:lstStyle/>
+          <a:p>
+            <a:pPr algn="ctr"/>
+            <a:r>
+              <a:rPr lang="de-DE" dirty="0" smtClean="0"/>
+              <a:t>2</a:t>
+            </a:r>
+            <a:endParaRPr lang="en-US" dirty="0"/>
+          </a:p>
+        </p:txBody>
+      </p:sp>
+      <p:pic>
+        <p:nvPicPr>
+          <p:cNvPr id="13" name="Flute Original G5">
+            <a:hlinkClick r:id="" action="ppaction://media"/>
+          </p:cNvPr>
+          <p:cNvPicPr>
+            <a:picLocks noChangeAspect="1"/>
+          </p:cNvPicPr>
+          <p:nvPr>
+            <a:audioFile r:link="rId6"/>
+            <p:extLst>
+              <p:ext uri="{DAA4B4D4-6D71-4841-9C94-3DE7FCFB9230}">
+                <p14:media xmlns:p14="http://schemas.microsoft.com/office/powerpoint/2010/main" r:embed="rId5"/>
+              </p:ext>
+            </p:extLst>
+          </p:nvPr>
+        </p:nvPicPr>
+        <p:blipFill>
+          <a:blip r:embed="rId11"/>
+          <a:stretch>
+            <a:fillRect/>
+          </a:stretch>
+        </p:blipFill>
+        <p:spPr>
+          <a:xfrm>
+            <a:off x="6359468" y="2640398"/>
+            <a:ext cx="609600" cy="609600"/>
+          </a:xfrm>
+          <a:prstGeom prst="rect">
+            <a:avLst/>
+          </a:prstGeom>
+        </p:spPr>
+      </p:pic>
+      <p:sp>
+        <p:nvSpPr>
+          <p:cNvPr id="14" name="Textfeld 13"/>
+          <p:cNvSpPr txBox="1"/>
+          <p:nvPr/>
+        </p:nvSpPr>
+        <p:spPr>
+          <a:xfrm>
+            <a:off x="6522270" y="2189684"/>
+            <a:ext cx="283996" cy="369332"/>
+          </a:xfrm>
+          <a:prstGeom prst="rect">
+            <a:avLst/>
+          </a:prstGeom>
+          <a:noFill/>
+        </p:spPr>
+        <p:txBody>
+          <a:bodyPr wrap="square" rtlCol="0">
+            <a:spAutoFit/>
+          </a:bodyPr>
+          <a:lstStyle/>
+          <a:p>
+            <a:pPr algn="ctr"/>
+            <a:r>
+              <a:rPr lang="de-DE" dirty="0"/>
+              <a:t>4</a:t>
+            </a:r>
+            <a:endParaRPr lang="en-US" dirty="0"/>
+          </a:p>
+        </p:txBody>
+      </p:sp>
+      <p:pic>
+        <p:nvPicPr>
+          <p:cNvPr id="15" name="Flute FM8 G5">
+            <a:hlinkClick r:id="" action="ppaction://media"/>
+          </p:cNvPr>
+          <p:cNvPicPr>
+            <a:picLocks noChangeAspect="1"/>
+          </p:cNvPicPr>
+          <p:nvPr>
+            <a:audioFile r:link="rId8"/>
+            <p:extLst>
+              <p:ext uri="{DAA4B4D4-6D71-4841-9C94-3DE7FCFB9230}">
+                <p14:media xmlns:p14="http://schemas.microsoft.com/office/powerpoint/2010/main" r:embed="rId7"/>
+              </p:ext>
+            </p:extLst>
+          </p:nvPr>
+        </p:nvPicPr>
+        <p:blipFill>
+          <a:blip r:embed="rId11"/>
+          <a:stretch>
+            <a:fillRect/>
+          </a:stretch>
+        </p:blipFill>
+        <p:spPr>
+          <a:xfrm>
+            <a:off x="5052080" y="2647227"/>
+            <a:ext cx="609600" cy="609600"/>
+          </a:xfrm>
+          <a:prstGeom prst="rect">
+            <a:avLst/>
+          </a:prstGeom>
+        </p:spPr>
+      </p:pic>
+      <p:sp>
+        <p:nvSpPr>
+          <p:cNvPr id="16" name="Textfeld 15"/>
+          <p:cNvSpPr txBox="1"/>
+          <p:nvPr/>
+        </p:nvSpPr>
+        <p:spPr>
+          <a:xfrm>
+            <a:off x="5245264" y="2189684"/>
+            <a:ext cx="223232" cy="369332"/>
+          </a:xfrm>
+          <a:prstGeom prst="rect">
+            <a:avLst/>
+          </a:prstGeom>
+          <a:noFill/>
+        </p:spPr>
+        <p:txBody>
+          <a:bodyPr wrap="square" rtlCol="0">
+            <a:spAutoFit/>
+          </a:bodyPr>
+          <a:lstStyle/>
+          <a:p>
+            <a:pPr algn="ctr"/>
+            <a:r>
+              <a:rPr lang="de-DE" dirty="0" smtClean="0"/>
+              <a:t>3</a:t>
+            </a:r>
+            <a:endParaRPr lang="en-US" dirty="0"/>
           </a:p>
         </p:txBody>
       </p:sp>
     </p:spTree>
     <p:extLst>
       <p:ext uri="{BB962C8B-B14F-4D97-AF65-F5344CB8AC3E}">
-        <p14:creationId xmlns:p14="http://schemas.microsoft.com/office/powerpoint/2010/main" val="1166838381"/>
+        <p14:creationId xmlns:p14="http://schemas.microsoft.com/office/powerpoint/2010/main" val="1269451123"/>
       </p:ext>
     </p:extLst>
   </p:cSld>
   <p:clrMapOvr>
     <a:masterClrMapping/>
   </p:clrMapOvr>
+  <mc:AlternateContent xmlns:mc="http://schemas.openxmlformats.org/markup-compatibility/2006">
+    <mc:Choice xmlns:p14="http://schemas.microsoft.com/office/powerpoint/2010/main" Requires="p14">
+      <p:transition spd="med" p14:dur="700">
+        <p:fade/>
+      </p:transition>
+    </mc:Choice>
+    <mc:Fallback>
+      <p:transition spd="med">
+        <p:fade/>
+      </p:transition>
+    </mc:Fallback>
+  </mc:AlternateContent>
   <p:timing>
     <p:tnLst>
       <p:par>
-        <p:cTn id="1" dur="indefinite" restart="never" nodeType="tmRoot"/>
+        <p:cTn id="1" dur="indefinite" restart="never" nodeType="tmRoot">
+          <p:childTnLst>
+            <p:audio>
+              <p:cMediaNode vol="80000">
+                <p:cTn id="2" fill="hold" display="0">
+                  <p:stCondLst>
+                    <p:cond delay="indefinite"/>
+                  </p:stCondLst>
+                  <p:endCondLst>
+                    <p:cond evt="onStopAudio" delay="0">
+                      <p:tgtEl>
+                        <p:sldTgt/>
+                      </p:tgtEl>
+                    </p:cond>
+                  </p:endCondLst>
+                </p:cTn>
+                <p:tgtEl>
+                  <p:spTgt spid="9"/>
+                </p:tgtEl>
+              </p:cMediaNode>
+            </p:audio>
+            <p:audio>
+              <p:cMediaNode vol="80000">
+                <p:cTn id="3" fill="hold" display="0">
+                  <p:stCondLst>
+                    <p:cond delay="indefinite"/>
+                  </p:stCondLst>
+                  <p:endCondLst>
+                    <p:cond evt="onStopAudio" delay="0">
+                      <p:tgtEl>
+                        <p:sldTgt/>
+                      </p:tgtEl>
+                    </p:cond>
+                  </p:endCondLst>
+                </p:cTn>
+                <p:tgtEl>
+                  <p:spTgt spid="11"/>
+                </p:tgtEl>
+              </p:cMediaNode>
+            </p:audio>
+            <p:audio>
+              <p:cMediaNode vol="80000">
+                <p:cTn id="4" fill="hold" display="0">
+                  <p:stCondLst>
+                    <p:cond delay="indefinite"/>
+                  </p:stCondLst>
+                  <p:endCondLst>
+                    <p:cond evt="onStopAudio" delay="0">
+                      <p:tgtEl>
+                        <p:sldTgt/>
+                      </p:tgtEl>
+                    </p:cond>
+                  </p:endCondLst>
+                </p:cTn>
+                <p:tgtEl>
+                  <p:spTgt spid="13"/>
+                </p:tgtEl>
+              </p:cMediaNode>
+            </p:audio>
+            <p:audio>
+              <p:cMediaNode vol="80000">
+                <p:cTn id="5" fill="hold" display="0">
+                  <p:stCondLst>
+                    <p:cond delay="indefinite"/>
+                  </p:stCondLst>
+                  <p:endCondLst>
+                    <p:cond evt="onStopAudio" delay="0">
+                      <p:tgtEl>
+                        <p:sldTgt/>
+                      </p:tgtEl>
+                    </p:cond>
+                  </p:endCondLst>
+                </p:cTn>
+                <p:tgtEl>
+                  <p:spTgt spid="15"/>
+                </p:tgtEl>
+              </p:cMediaNode>
+            </p:audio>
+          </p:childTnLst>
+        </p:cTn>
       </p:par>
     </p:tnLst>
   </p:timing>
@@ -5562,7 +6368,7 @@
       </p:grpSpPr>
       <p:sp>
         <p:nvSpPr>
-          <p:cNvPr id="2" name="Titel 1"/>
+          <p:cNvPr id="7" name="Titel 6"/>
           <p:cNvSpPr>
             <a:spLocks noGrp="1"/>
           </p:cNvSpPr>
@@ -5576,8 +6382,12 @@
           <a:lstStyle/>
           <a:p>
             <a:r>
+              <a:rPr lang="de-DE" dirty="0"/>
+              <a:t>FM-Synthesizer in C</a:t>
+            </a:r>
+            <a:r>
               <a:rPr lang="de-DE" dirty="0" smtClean="0"/>
-              <a:t>Framework</a:t>
+              <a:t>++</a:t>
             </a:r>
             <a:endParaRPr lang="en-US" dirty="0"/>
           </a:p>
@@ -5585,6 +6395,25 @@
       </p:sp>
       <p:sp>
         <p:nvSpPr>
+          <p:cNvPr id="2" name="Textplatzhalter 1"/>
+          <p:cNvSpPr>
+            <a:spLocks noGrp="1"/>
+          </p:cNvSpPr>
+          <p:nvPr>
+            <p:ph type="body" idx="1"/>
+          </p:nvPr>
+        </p:nvSpPr>
+        <p:spPr/>
+        <p:txBody>
+          <a:bodyPr/>
+          <a:lstStyle/>
+          <a:p>
+            <a:endParaRPr lang="en-US"/>
+          </a:p>
+        </p:txBody>
+      </p:sp>
+      <p:sp>
+        <p:nvSpPr>
           <p:cNvPr id="4" name="Datumsplatzhalter 3"/>
           <p:cNvSpPr>
             <a:spLocks noGrp="1"/>
@@ -5600,7 +6429,7 @@
           <a:p>
             <a:fld id="{296000BE-0612-4D88-A1AC-FF1287139C2E}" type="datetime1">
               <a:rPr lang="de-DE" smtClean="0"/>
-              <a:t>19.06.2015</a:t>
+              <a:t>20.06.2015</a:t>
             </a:fld>
             <a:endParaRPr lang="de-DE" dirty="0"/>
           </a:p>
@@ -5656,76 +6485,28 @@
           </a:p>
         </p:txBody>
       </p:sp>
-      <p:pic>
-        <p:nvPicPr>
-          <p:cNvPr id="15" name="Grafik 14"/>
-          <p:cNvPicPr>
-            <a:picLocks noChangeAspect="1"/>
-          </p:cNvPicPr>
-          <p:nvPr/>
-        </p:nvPicPr>
-        <p:blipFill>
-          <a:blip r:embed="rId2">
-            <a:extLst>
-              <a:ext uri="{28A0092B-C50C-407E-A947-70E740481C1C}">
-                <a14:useLocalDpi xmlns:a14="http://schemas.microsoft.com/office/drawing/2010/main" val="0"/>
-              </a:ext>
-            </a:extLst>
-          </a:blip>
-          <a:stretch>
-            <a:fillRect/>
-          </a:stretch>
-        </p:blipFill>
-        <p:spPr>
-          <a:xfrm>
-            <a:off x="1247930" y="1419622"/>
-            <a:ext cx="6648140" cy="2742358"/>
-          </a:xfrm>
-          <a:prstGeom prst="rect">
-            <a:avLst/>
-          </a:prstGeom>
-        </p:spPr>
-      </p:pic>
-      <p:sp>
-        <p:nvSpPr>
-          <p:cNvPr id="17" name="Textfeld 16"/>
-          <p:cNvSpPr txBox="1"/>
-          <p:nvPr/>
-        </p:nvSpPr>
-        <p:spPr>
-          <a:xfrm>
-            <a:off x="6804248" y="4161980"/>
-            <a:ext cx="2304256" cy="276999"/>
-          </a:xfrm>
-          <a:prstGeom prst="rect">
-            <a:avLst/>
-          </a:prstGeom>
-          <a:noFill/>
-        </p:spPr>
-        <p:txBody>
-          <a:bodyPr wrap="square" rtlCol="0">
-            <a:spAutoFit/>
-          </a:bodyPr>
-          <a:lstStyle/>
-          <a:p>
-            <a:r>
-              <a:rPr lang="de-DE" sz="1200" dirty="0" smtClean="0"/>
-              <a:t>Quelle: http://www.juce.com</a:t>
-            </a:r>
-            <a:endParaRPr lang="en-US" sz="1200" dirty="0"/>
-          </a:p>
-        </p:txBody>
-      </p:sp>
     </p:spTree>
     <p:extLst>
       <p:ext uri="{BB962C8B-B14F-4D97-AF65-F5344CB8AC3E}">
-        <p14:creationId xmlns:p14="http://schemas.microsoft.com/office/powerpoint/2010/main" val="671220262"/>
+        <p14:creationId xmlns:p14="http://schemas.microsoft.com/office/powerpoint/2010/main" val="1166838381"/>
       </p:ext>
     </p:extLst>
   </p:cSld>
   <p:clrMapOvr>
     <a:masterClrMapping/>
   </p:clrMapOvr>
+  <mc:AlternateContent xmlns:mc="http://schemas.openxmlformats.org/markup-compatibility/2006">
+    <mc:Choice xmlns:p14="http://schemas.microsoft.com/office/powerpoint/2010/main" Requires="p14">
+      <p:transition spd="med" p14:dur="700">
+        <p:fade/>
+      </p:transition>
+    </mc:Choice>
+    <mc:Fallback>
+      <p:transition spd="med">
+        <p:fade/>
+      </p:transition>
+    </mc:Fallback>
+  </mc:AlternateContent>
   <p:timing>
     <p:tnLst>
       <p:par>
@@ -5965,11 +6746,6 @@
               </a:rPr>
               <a:t>Tonnachbildung Theorie</a:t>
             </a:r>
-            <a:endParaRPr lang="de-DE" dirty="0" smtClean="0">
-              <a:solidFill>
-                <a:schemeClr val="tx1"/>
-              </a:solidFill>
-            </a:endParaRPr>
           </a:p>
           <a:p>
             <a:pPr marL="457200" indent="-457200" algn="l">
@@ -6001,15 +6777,7 @@
                   <a:schemeClr val="tx1"/>
                 </a:solidFill>
               </a:rPr>
-              <a:t>FM-Synthesizer </a:t>
-            </a:r>
-            <a:r>
-              <a:rPr lang="de-DE" dirty="0" smtClean="0">
-                <a:solidFill>
-                  <a:schemeClr val="tx1"/>
-                </a:solidFill>
-              </a:rPr>
-              <a:t>in C++</a:t>
+              <a:t>FM-Synthesizer in C++</a:t>
             </a:r>
             <a:endParaRPr lang="de-DE" dirty="0">
               <a:solidFill>
@@ -6036,7 +6804,7 @@
           <a:p>
             <a:fld id="{54A5E96F-7890-4333-8D04-AF19E98716D9}" type="datetime1">
               <a:rPr lang="de-DE" smtClean="0"/>
-              <a:t>19.06.2015</a:t>
+              <a:t>20.06.2015</a:t>
             </a:fld>
             <a:endParaRPr lang="de-DE" dirty="0"/>
           </a:p>
@@ -6097,6 +6865,18 @@
   <p:clrMapOvr>
     <a:masterClrMapping/>
   </p:clrMapOvr>
+  <mc:AlternateContent xmlns:mc="http://schemas.openxmlformats.org/markup-compatibility/2006">
+    <mc:Choice xmlns:p14="http://schemas.microsoft.com/office/powerpoint/2010/main" Requires="p14">
+      <p:transition spd="med" p14:dur="700">
+        <p:fade/>
+      </p:transition>
+    </mc:Choice>
+    <mc:Fallback>
+      <p:transition spd="med">
+        <p:fade/>
+      </p:transition>
+    </mc:Fallback>
+  </mc:AlternateContent>
   <p:timing>
     <p:tnLst>
       <p:par>
@@ -6141,7 +6921,7 @@
           <a:p>
             <a:r>
               <a:rPr lang="de-DE" dirty="0" smtClean="0"/>
-              <a:t>Fazit</a:t>
+              <a:t>Framework</a:t>
             </a:r>
             <a:endParaRPr lang="en-US" dirty="0"/>
           </a:p>
@@ -6149,45 +6929,6 @@
       </p:sp>
       <p:sp>
         <p:nvSpPr>
-          <p:cNvPr id="3" name="Inhaltsplatzhalter 2"/>
-          <p:cNvSpPr>
-            <a:spLocks noGrp="1"/>
-          </p:cNvSpPr>
-          <p:nvPr>
-            <p:ph idx="1"/>
-          </p:nvPr>
-        </p:nvSpPr>
-        <p:spPr/>
-        <p:txBody>
-          <a:bodyPr/>
-          <a:lstStyle/>
-          <a:p>
-            <a:r>
-              <a:rPr lang="de-DE" dirty="0" smtClean="0"/>
-              <a:t>Instrumententon generieren ist schwierig</a:t>
-            </a:r>
-          </a:p>
-          <a:p>
-            <a:r>
-              <a:rPr lang="de-DE" dirty="0" smtClean="0"/>
-              <a:t>Generierter Instrumententon hat große Ähnlichkeit zum Original</a:t>
-            </a:r>
-          </a:p>
-          <a:p>
-            <a:r>
-              <a:rPr lang="de-DE" dirty="0" smtClean="0"/>
-              <a:t>FM-Synthesizer Programm </a:t>
-            </a:r>
-            <a:r>
-              <a:rPr lang="de-DE" dirty="0" smtClean="0"/>
-              <a:t>einfacher Einstieg</a:t>
-            </a:r>
-            <a:endParaRPr lang="en-US" dirty="0"/>
-          </a:p>
-        </p:txBody>
-      </p:sp>
-      <p:sp>
-        <p:nvSpPr>
           <p:cNvPr id="4" name="Datumsplatzhalter 3"/>
           <p:cNvSpPr>
             <a:spLocks noGrp="1"/>
@@ -6203,7 +6944,7 @@
           <a:p>
             <a:fld id="{296000BE-0612-4D88-A1AC-FF1287139C2E}" type="datetime1">
               <a:rPr lang="de-DE" smtClean="0"/>
-              <a:t>19.06.2015</a:t>
+              <a:t>20.06.2015</a:t>
             </a:fld>
             <a:endParaRPr lang="de-DE" dirty="0"/>
           </a:p>
@@ -6259,16 +7000,88 @@
           </a:p>
         </p:txBody>
       </p:sp>
+      <p:pic>
+        <p:nvPicPr>
+          <p:cNvPr id="15" name="Grafik 14"/>
+          <p:cNvPicPr>
+            <a:picLocks noChangeAspect="1"/>
+          </p:cNvPicPr>
+          <p:nvPr/>
+        </p:nvPicPr>
+        <p:blipFill>
+          <a:blip r:embed="rId2">
+            <a:extLst>
+              <a:ext uri="{28A0092B-C50C-407E-A947-70E740481C1C}">
+                <a14:useLocalDpi xmlns:a14="http://schemas.microsoft.com/office/drawing/2010/main" val="0"/>
+              </a:ext>
+            </a:extLst>
+          </a:blip>
+          <a:stretch>
+            <a:fillRect/>
+          </a:stretch>
+        </p:blipFill>
+        <p:spPr>
+          <a:xfrm>
+            <a:off x="1247930" y="1419622"/>
+            <a:ext cx="6648140" cy="2742358"/>
+          </a:xfrm>
+          <a:prstGeom prst="rect">
+            <a:avLst/>
+          </a:prstGeom>
+        </p:spPr>
+      </p:pic>
+      <p:sp>
+        <p:nvSpPr>
+          <p:cNvPr id="17" name="Textfeld 16"/>
+          <p:cNvSpPr txBox="1"/>
+          <p:nvPr/>
+        </p:nvSpPr>
+        <p:spPr>
+          <a:xfrm>
+            <a:off x="6804248" y="4161980"/>
+            <a:ext cx="2304256" cy="276999"/>
+          </a:xfrm>
+          <a:prstGeom prst="rect">
+            <a:avLst/>
+          </a:prstGeom>
+          <a:noFill/>
+        </p:spPr>
+        <p:txBody>
+          <a:bodyPr wrap="square" rtlCol="0">
+            <a:spAutoFit/>
+          </a:bodyPr>
+          <a:lstStyle/>
+          <a:p>
+            <a:r>
+              <a:rPr lang="de-DE" sz="1200" dirty="0" smtClean="0"/>
+              <a:t>Quelle: http://www.juce.com</a:t>
+            </a:r>
+            <a:endParaRPr lang="en-US" sz="1200" dirty="0"/>
+          </a:p>
+        </p:txBody>
+      </p:sp>
     </p:spTree>
     <p:extLst>
       <p:ext uri="{BB962C8B-B14F-4D97-AF65-F5344CB8AC3E}">
-        <p14:creationId xmlns:p14="http://schemas.microsoft.com/office/powerpoint/2010/main" val="223964149"/>
+        <p14:creationId xmlns:p14="http://schemas.microsoft.com/office/powerpoint/2010/main" val="671220262"/>
       </p:ext>
     </p:extLst>
   </p:cSld>
   <p:clrMapOvr>
     <a:masterClrMapping/>
   </p:clrMapOvr>
+  <mc:AlternateContent xmlns:mc="http://schemas.openxmlformats.org/markup-compatibility/2006">
+    <mc:Choice xmlns:p14="http://schemas.microsoft.com/office/powerpoint/2010/main" Requires="p14">
+      <p:transition spd="med" p14:dur="700">
+        <p:fade/>
+      </p:transition>
+    </mc:Choice>
+    <mc:Fallback>
+      <p:transition spd="med">
+        <p:fade/>
+      </p:transition>
+    </mc:Fallback>
+  </mc:AlternateContent>
   <p:timing>
     <p:tnLst>
       <p:par>
@@ -6298,26 +7111,7 @@
       </p:grpSpPr>
       <p:sp>
         <p:nvSpPr>
-          <p:cNvPr id="8" name="Untertitel 7"/>
-          <p:cNvSpPr>
-            <a:spLocks noGrp="1"/>
-          </p:cNvSpPr>
-          <p:nvPr>
-            <p:ph type="subTitle" idx="1"/>
-          </p:nvPr>
-        </p:nvSpPr>
-        <p:spPr/>
-        <p:txBody>
-          <a:bodyPr/>
-          <a:lstStyle/>
-          <a:p>
-            <a:endParaRPr lang="en-US"/>
-          </a:p>
-        </p:txBody>
-      </p:sp>
-      <p:sp>
-        <p:nvSpPr>
-          <p:cNvPr id="7" name="Titel 6"/>
+          <p:cNvPr id="2" name="Titel 1"/>
           <p:cNvSpPr>
             <a:spLocks noGrp="1"/>
           </p:cNvSpPr>
@@ -6332,18 +7126,67 @@
           <a:p>
             <a:r>
               <a:rPr lang="de-DE" dirty="0" smtClean="0"/>
-              <a:t>Vielen Dank für ihre </a:t>
-            </a:r>
+              <a:t>Fazit</a:t>
+            </a:r>
+            <a:endParaRPr lang="en-US" dirty="0"/>
+          </a:p>
+        </p:txBody>
+      </p:sp>
+      <p:sp>
+        <p:nvSpPr>
+          <p:cNvPr id="3" name="Inhaltsplatzhalter 2"/>
+          <p:cNvSpPr>
+            <a:spLocks noGrp="1"/>
+          </p:cNvSpPr>
+          <p:nvPr>
+            <p:ph idx="1"/>
+          </p:nvPr>
+        </p:nvSpPr>
+        <p:spPr/>
+        <p:txBody>
+          <a:bodyPr/>
+          <a:lstStyle/>
+          <a:p>
             <a:r>
               <a:rPr lang="de-DE" dirty="0" smtClean="0"/>
-              <a:t/>
-            </a:r>
-            <a:br>
+              <a:t>Instrumententon </a:t>
+            </a:r>
+            <a:r>
               <a:rPr lang="de-DE" dirty="0" smtClean="0"/>
-            </a:br>
+              <a:t>nachbilden </a:t>
+            </a:r>
             <a:r>
               <a:rPr lang="de-DE" dirty="0" smtClean="0"/>
-              <a:t>Aufmerksamkeit</a:t>
+              <a:t>ist schwer</a:t>
+            </a:r>
+            <a:endParaRPr lang="de-DE" dirty="0" smtClean="0"/>
+          </a:p>
+          <a:p>
+            <a:r>
+              <a:rPr lang="de-DE" dirty="0" smtClean="0"/>
+              <a:t>Nachbildung </a:t>
+            </a:r>
+            <a:r>
+              <a:rPr lang="de-DE" dirty="0" smtClean="0"/>
+              <a:t>hat </a:t>
+            </a:r>
+            <a:r>
+              <a:rPr lang="de-DE" dirty="0" smtClean="0"/>
+              <a:t>große Ähnlichkeit zum Original</a:t>
+            </a:r>
+          </a:p>
+          <a:p>
+            <a:r>
+              <a:rPr lang="de-DE" dirty="0" smtClean="0"/>
+              <a:t>FM-Synthesizer Programm </a:t>
+            </a:r>
+            <a:r>
+              <a:rPr lang="de-DE" dirty="0" smtClean="0"/>
+              <a:t>bietet einfachen </a:t>
+            </a:r>
+            <a:r>
+              <a:rPr lang="de-DE" dirty="0" smtClean="0"/>
+              <a:t>Einstieg</a:t>
             </a:r>
             <a:endParaRPr lang="en-US" dirty="0"/>
           </a:p>
@@ -6366,7 +7209,7 @@
           <a:p>
             <a:fld id="{296000BE-0612-4D88-A1AC-FF1287139C2E}" type="datetime1">
               <a:rPr lang="de-DE" smtClean="0"/>
-              <a:t>19.06.2015</a:t>
+              <a:t>20.06.2015</a:t>
             </a:fld>
             <a:endParaRPr lang="de-DE" dirty="0"/>
           </a:p>
@@ -6425,13 +7268,25 @@
     </p:spTree>
     <p:extLst>
       <p:ext uri="{BB962C8B-B14F-4D97-AF65-F5344CB8AC3E}">
-        <p14:creationId xmlns:p14="http://schemas.microsoft.com/office/powerpoint/2010/main" val="3741543770"/>
+        <p14:creationId xmlns:p14="http://schemas.microsoft.com/office/powerpoint/2010/main" val="223964149"/>
       </p:ext>
     </p:extLst>
   </p:cSld>
   <p:clrMapOvr>
     <a:masterClrMapping/>
   </p:clrMapOvr>
+  <mc:AlternateContent xmlns:mc="http://schemas.openxmlformats.org/markup-compatibility/2006">
+    <mc:Choice xmlns:p14="http://schemas.microsoft.com/office/powerpoint/2010/main" Requires="p14">
+      <p:transition spd="med" p14:dur="700">
+        <p:fade/>
+      </p:transition>
+    </mc:Choice>
+    <mc:Fallback>
+      <p:transition spd="med">
+        <p:fade/>
+      </p:transition>
+    </mc:Fallback>
+  </mc:AlternateContent>
   <p:timing>
     <p:tnLst>
       <p:par>
@@ -6461,7 +7316,26 @@
       </p:grpSpPr>
       <p:sp>
         <p:nvSpPr>
-          <p:cNvPr id="2" name="Titel 1"/>
+          <p:cNvPr id="8" name="Untertitel 7"/>
+          <p:cNvSpPr>
+            <a:spLocks noGrp="1"/>
+          </p:cNvSpPr>
+          <p:nvPr>
+            <p:ph type="subTitle" idx="1"/>
+          </p:nvPr>
+        </p:nvSpPr>
+        <p:spPr/>
+        <p:txBody>
+          <a:bodyPr/>
+          <a:lstStyle/>
+          <a:p>
+            <a:endParaRPr lang="en-US"/>
+          </a:p>
+        </p:txBody>
+      </p:sp>
+      <p:sp>
+        <p:nvSpPr>
+          <p:cNvPr id="7" name="Titel 6"/>
           <p:cNvSpPr>
             <a:spLocks noGrp="1"/>
           </p:cNvSpPr>
@@ -6476,7 +7350,14 @@
           <a:p>
             <a:r>
               <a:rPr lang="de-DE" dirty="0" smtClean="0"/>
-              <a:t>Quellen</a:t>
+              <a:t>Vielen Dank für ihre </a:t>
+            </a:r>
+            <a:br>
+              <a:rPr lang="de-DE" dirty="0" smtClean="0"/>
+            </a:br>
+            <a:r>
+              <a:rPr lang="de-DE" dirty="0" smtClean="0"/>
+              <a:t>Aufmerksamkeit</a:t>
             </a:r>
             <a:endParaRPr lang="en-US" dirty="0"/>
           </a:p>
@@ -6499,7 +7380,7 @@
           <a:p>
             <a:fld id="{296000BE-0612-4D88-A1AC-FF1287139C2E}" type="datetime1">
               <a:rPr lang="de-DE" smtClean="0"/>
-              <a:t>19.06.2015</a:t>
+              <a:t>20.06.2015</a:t>
             </a:fld>
             <a:endParaRPr lang="de-DE" dirty="0"/>
           </a:p>
@@ -6546,6 +7427,151 @@
             <a:fld id="{8740CB20-F870-467D-84CE-AB32061190A1}" type="slidenum">
               <a:rPr lang="en-US" smtClean="0"/>
               <a:t>22</a:t>
+            </a:fld>
+            <a:r>
+              <a:rPr lang="de-DE" smtClean="0"/>
+              <a:t>   </a:t>
+            </a:r>
+            <a:endParaRPr lang="de-DE" dirty="0"/>
+          </a:p>
+        </p:txBody>
+      </p:sp>
+    </p:spTree>
+    <p:extLst>
+      <p:ext uri="{BB962C8B-B14F-4D97-AF65-F5344CB8AC3E}">
+        <p14:creationId xmlns:p14="http://schemas.microsoft.com/office/powerpoint/2010/main" val="3741543770"/>
+      </p:ext>
+    </p:extLst>
+  </p:cSld>
+  <p:clrMapOvr>
+    <a:masterClrMapping/>
+  </p:clrMapOvr>
+  <mc:AlternateContent xmlns:mc="http://schemas.openxmlformats.org/markup-compatibility/2006">
+    <mc:Choice xmlns:p14="http://schemas.microsoft.com/office/powerpoint/2010/main" Requires="p14">
+      <p:transition spd="med" p14:dur="700">
+        <p:fade/>
+      </p:transition>
+    </mc:Choice>
+    <mc:Fallback>
+      <p:transition spd="med">
+        <p:fade/>
+      </p:transition>
+    </mc:Fallback>
+  </mc:AlternateContent>
+  <p:timing>
+    <p:tnLst>
+      <p:par>
+        <p:cTn id="1" dur="indefinite" restart="never" nodeType="tmRoot"/>
+      </p:par>
+    </p:tnLst>
+  </p:timing>
+</p:sld>
+</file>
+
+<file path=ppt/slides/slide23.xml><?xml version="1.0" encoding="utf-8"?>
+<p:sld xmlns:a="http://schemas.openxmlformats.org/drawingml/2006/main" xmlns:r="http://schemas.openxmlformats.org/officeDocument/2006/relationships" xmlns:p="http://schemas.openxmlformats.org/presentationml/2006/main">
+  <p:cSld>
+    <p:spTree>
+      <p:nvGrpSpPr>
+        <p:cNvPr id="1" name=""/>
+        <p:cNvGrpSpPr/>
+        <p:nvPr/>
+      </p:nvGrpSpPr>
+      <p:grpSpPr>
+        <a:xfrm>
+          <a:off x="0" y="0"/>
+          <a:ext cx="0" cy="0"/>
+          <a:chOff x="0" y="0"/>
+          <a:chExt cx="0" cy="0"/>
+        </a:xfrm>
+      </p:grpSpPr>
+      <p:sp>
+        <p:nvSpPr>
+          <p:cNvPr id="2" name="Titel 1"/>
+          <p:cNvSpPr>
+            <a:spLocks noGrp="1"/>
+          </p:cNvSpPr>
+          <p:nvPr>
+            <p:ph type="title"/>
+          </p:nvPr>
+        </p:nvSpPr>
+        <p:spPr/>
+        <p:txBody>
+          <a:bodyPr/>
+          <a:lstStyle/>
+          <a:p>
+            <a:r>
+              <a:rPr lang="de-DE" dirty="0" smtClean="0"/>
+              <a:t>Quellen</a:t>
+            </a:r>
+            <a:endParaRPr lang="en-US" dirty="0"/>
+          </a:p>
+        </p:txBody>
+      </p:sp>
+      <p:sp>
+        <p:nvSpPr>
+          <p:cNvPr id="4" name="Datumsplatzhalter 3"/>
+          <p:cNvSpPr>
+            <a:spLocks noGrp="1"/>
+          </p:cNvSpPr>
+          <p:nvPr>
+            <p:ph type="dt" sz="half" idx="10"/>
+          </p:nvPr>
+        </p:nvSpPr>
+        <p:spPr/>
+        <p:txBody>
+          <a:bodyPr/>
+          <a:lstStyle/>
+          <a:p>
+            <a:fld id="{296000BE-0612-4D88-A1AC-FF1287139C2E}" type="datetime1">
+              <a:rPr lang="de-DE" smtClean="0"/>
+              <a:t>20.06.2015</a:t>
+            </a:fld>
+            <a:endParaRPr lang="de-DE" dirty="0"/>
+          </a:p>
+        </p:txBody>
+      </p:sp>
+      <p:sp>
+        <p:nvSpPr>
+          <p:cNvPr id="5" name="Fußzeilenplatzhalter 4"/>
+          <p:cNvSpPr>
+            <a:spLocks noGrp="1"/>
+          </p:cNvSpPr>
+          <p:nvPr>
+            <p:ph type="ftr" sz="quarter" idx="11"/>
+          </p:nvPr>
+        </p:nvSpPr>
+        <p:spPr/>
+        <p:txBody>
+          <a:bodyPr/>
+          <a:lstStyle/>
+          <a:p>
+            <a:r>
+              <a:rPr lang="de-DE" smtClean="0"/>
+              <a:t>FM-Synthese</a:t>
+            </a:r>
+            <a:endParaRPr lang="de-DE" dirty="0"/>
+          </a:p>
+        </p:txBody>
+      </p:sp>
+      <p:sp>
+        <p:nvSpPr>
+          <p:cNvPr id="6" name="Foliennummernplatzhalter 5"/>
+          <p:cNvSpPr>
+            <a:spLocks noGrp="1"/>
+          </p:cNvSpPr>
+          <p:nvPr>
+            <p:ph type="sldNum" sz="quarter" idx="12"/>
+          </p:nvPr>
+        </p:nvSpPr>
+        <p:spPr/>
+        <p:txBody>
+          <a:bodyPr/>
+          <a:lstStyle/>
+          <a:p>
+            <a:fld id="{8740CB20-F870-467D-84CE-AB32061190A1}" type="slidenum">
+              <a:rPr lang="en-US" smtClean="0"/>
+              <a:t>23</a:t>
             </a:fld>
             <a:r>
               <a:rPr lang="de-DE" smtClean="0"/>
@@ -6700,6 +7726,18 @@
   <p:clrMapOvr>
     <a:masterClrMapping/>
   </p:clrMapOvr>
+  <mc:AlternateContent xmlns:mc="http://schemas.openxmlformats.org/markup-compatibility/2006">
+    <mc:Choice xmlns:p14="http://schemas.microsoft.com/office/powerpoint/2010/main" Requires="p14">
+      <p:transition spd="med" p14:dur="700">
+        <p:fade/>
+      </p:transition>
+    </mc:Choice>
+    <mc:Fallback>
+      <p:transition spd="med">
+        <p:fade/>
+      </p:transition>
+    </mc:Fallback>
+  </mc:AlternateContent>
   <p:timing>
     <p:tnLst>
       <p:par>
@@ -6786,7 +7824,7 @@
           <a:p>
             <a:fld id="{D63A8337-BE16-45CB-AB94-830A8AFD22E2}" type="datetime1">
               <a:rPr lang="de-DE" smtClean="0"/>
-              <a:t>19.06.2015</a:t>
+              <a:t>20.06.2015</a:t>
             </a:fld>
             <a:endParaRPr lang="de-DE"/>
           </a:p>
@@ -6849,6 +7887,18 @@
   <p:clrMapOvr>
     <a:masterClrMapping/>
   </p:clrMapOvr>
+  <mc:AlternateContent xmlns:mc="http://schemas.openxmlformats.org/markup-compatibility/2006">
+    <mc:Choice xmlns:p14="http://schemas.microsoft.com/office/powerpoint/2010/main" Requires="p14">
+      <p:transition spd="med" p14:dur="700">
+        <p:fade/>
+      </p:transition>
+    </mc:Choice>
+    <mc:Fallback>
+      <p:transition spd="med">
+        <p:fade/>
+      </p:transition>
+    </mc:Fallback>
+  </mc:AlternateContent>
   <p:timing>
     <p:tnLst>
       <p:par>
@@ -6975,7 +8025,7 @@
           <a:p>
             <a:fld id="{296000BE-0612-4D88-A1AC-FF1287139C2E}" type="datetime1">
               <a:rPr lang="de-DE" smtClean="0"/>
-              <a:t>19.06.2015</a:t>
+              <a:t>20.06.2015</a:t>
             </a:fld>
             <a:endParaRPr lang="de-DE" dirty="0"/>
           </a:p>
@@ -7033,7 +8083,7 @@
       </p:sp>
       <p:pic>
         <p:nvPicPr>
-          <p:cNvPr id="22" name="Grafik 21"/>
+          <p:cNvPr id="7" name="Grafik 6"/>
           <p:cNvPicPr>
             <a:picLocks noChangeAspect="1"/>
           </p:cNvPicPr>
@@ -7058,7 +8108,7 @@
         <p:spPr>
           <a:xfrm>
             <a:off x="748850" y="1458569"/>
-            <a:ext cx="7782049" cy="464182"/>
+            <a:ext cx="7670196" cy="464182"/>
           </a:xfrm>
           <a:prstGeom prst="rect">
             <a:avLst/>
@@ -7297,12 +8347,337 @@
   <p:clrMapOvr>
     <a:masterClrMapping/>
   </p:clrMapOvr>
+  <mc:AlternateContent xmlns:mc="http://schemas.openxmlformats.org/markup-compatibility/2006">
+    <mc:Choice xmlns:p14="http://schemas.microsoft.com/office/powerpoint/2010/main" Requires="p14">
+      <p:transition spd="med" p14:dur="700">
+        <p:fade/>
+      </p:transition>
+    </mc:Choice>
+    <mc:Fallback>
+      <p:transition spd="med">
+        <p:fade/>
+      </p:transition>
+    </mc:Fallback>
+  </mc:AlternateContent>
   <p:timing>
     <p:tnLst>
       <p:par>
-        <p:cTn id="1" dur="indefinite" restart="never" nodeType="tmRoot"/>
+        <p:cTn id="1" dur="indefinite" restart="never" nodeType="tmRoot">
+          <p:childTnLst>
+            <p:seq concurrent="1" nextAc="seek">
+              <p:cTn id="2" dur="indefinite" nodeType="mainSeq">
+                <p:childTnLst>
+                  <p:par>
+                    <p:cTn id="3" fill="hold">
+                      <p:stCondLst>
+                        <p:cond delay="indefinite"/>
+                      </p:stCondLst>
+                      <p:childTnLst>
+                        <p:par>
+                          <p:cTn id="4" fill="hold">
+                            <p:stCondLst>
+                              <p:cond delay="0"/>
+                            </p:stCondLst>
+                            <p:childTnLst>
+                              <p:par>
+                                <p:cTn id="5" presetID="10" presetClass="entr" presetSubtype="0" fill="hold" nodeType="clickEffect">
+                                  <p:stCondLst>
+                                    <p:cond delay="0"/>
+                                  </p:stCondLst>
+                                  <p:childTnLst>
+                                    <p:set>
+                                      <p:cBhvr>
+                                        <p:cTn id="6" dur="1" fill="hold">
+                                          <p:stCondLst>
+                                            <p:cond delay="0"/>
+                                          </p:stCondLst>
+                                        </p:cTn>
+                                        <p:tgtEl>
+                                          <p:spTgt spid="23"/>
+                                        </p:tgtEl>
+                                        <p:attrNameLst>
+                                          <p:attrName>style.visibility</p:attrName>
+                                        </p:attrNameLst>
+                                      </p:cBhvr>
+                                      <p:to>
+                                        <p:strVal val="visible"/>
+                                      </p:to>
+                                    </p:set>
+                                    <p:animEffect transition="in" filter="fade">
+                                      <p:cBhvr>
+                                        <p:cTn id="7" dur="500"/>
+                                        <p:tgtEl>
+                                          <p:spTgt spid="23"/>
+                                        </p:tgtEl>
+                                      </p:cBhvr>
+                                    </p:animEffect>
+                                  </p:childTnLst>
+                                </p:cTn>
+                              </p:par>
+                              <p:par>
+                                <p:cTn id="8" presetID="10" presetClass="entr" presetSubtype="0" fill="hold" nodeType="withEffect">
+                                  <p:stCondLst>
+                                    <p:cond delay="0"/>
+                                  </p:stCondLst>
+                                  <p:childTnLst>
+                                    <p:set>
+                                      <p:cBhvr>
+                                        <p:cTn id="9" dur="1" fill="hold">
+                                          <p:stCondLst>
+                                            <p:cond delay="0"/>
+                                          </p:stCondLst>
+                                        </p:cTn>
+                                        <p:tgtEl>
+                                          <p:spTgt spid="31"/>
+                                        </p:tgtEl>
+                                        <p:attrNameLst>
+                                          <p:attrName>style.visibility</p:attrName>
+                                        </p:attrNameLst>
+                                      </p:cBhvr>
+                                      <p:to>
+                                        <p:strVal val="visible"/>
+                                      </p:to>
+                                    </p:set>
+                                    <p:animEffect transition="in" filter="fade">
+                                      <p:cBhvr>
+                                        <p:cTn id="10" dur="500"/>
+                                        <p:tgtEl>
+                                          <p:spTgt spid="31"/>
+                                        </p:tgtEl>
+                                      </p:cBhvr>
+                                    </p:animEffect>
+                                  </p:childTnLst>
+                                </p:cTn>
+                              </p:par>
+                              <p:par>
+                                <p:cTn id="11" presetID="10" presetClass="entr" presetSubtype="0" fill="hold" nodeType="withEffect">
+                                  <p:stCondLst>
+                                    <p:cond delay="0"/>
+                                  </p:stCondLst>
+                                  <p:childTnLst>
+                                    <p:set>
+                                      <p:cBhvr>
+                                        <p:cTn id="12" dur="1" fill="hold">
+                                          <p:stCondLst>
+                                            <p:cond delay="0"/>
+                                          </p:stCondLst>
+                                        </p:cTn>
+                                        <p:tgtEl>
+                                          <p:spTgt spid="34"/>
+                                        </p:tgtEl>
+                                        <p:attrNameLst>
+                                          <p:attrName>style.visibility</p:attrName>
+                                        </p:attrNameLst>
+                                      </p:cBhvr>
+                                      <p:to>
+                                        <p:strVal val="visible"/>
+                                      </p:to>
+                                    </p:set>
+                                    <p:animEffect transition="in" filter="fade">
+                                      <p:cBhvr>
+                                        <p:cTn id="13" dur="500"/>
+                                        <p:tgtEl>
+                                          <p:spTgt spid="34"/>
+                                        </p:tgtEl>
+                                      </p:cBhvr>
+                                    </p:animEffect>
+                                  </p:childTnLst>
+                                </p:cTn>
+                              </p:par>
+                              <p:par>
+                                <p:cTn id="14" presetID="10" presetClass="entr" presetSubtype="0" fill="hold" nodeType="withEffect">
+                                  <p:stCondLst>
+                                    <p:cond delay="0"/>
+                                  </p:stCondLst>
+                                  <p:childTnLst>
+                                    <p:set>
+                                      <p:cBhvr>
+                                        <p:cTn id="15" dur="1" fill="hold">
+                                          <p:stCondLst>
+                                            <p:cond delay="0"/>
+                                          </p:stCondLst>
+                                        </p:cTn>
+                                        <p:tgtEl>
+                                          <p:spTgt spid="37"/>
+                                        </p:tgtEl>
+                                        <p:attrNameLst>
+                                          <p:attrName>style.visibility</p:attrName>
+                                        </p:attrNameLst>
+                                      </p:cBhvr>
+                                      <p:to>
+                                        <p:strVal val="visible"/>
+                                      </p:to>
+                                    </p:set>
+                                    <p:animEffect transition="in" filter="fade">
+                                      <p:cBhvr>
+                                        <p:cTn id="16" dur="500"/>
+                                        <p:tgtEl>
+                                          <p:spTgt spid="37"/>
+                                        </p:tgtEl>
+                                      </p:cBhvr>
+                                    </p:animEffect>
+                                  </p:childTnLst>
+                                </p:cTn>
+                              </p:par>
+                              <p:par>
+                                <p:cTn id="17" presetID="10" presetClass="entr" presetSubtype="0" fill="hold" grpId="0" nodeType="withEffect">
+                                  <p:stCondLst>
+                                    <p:cond delay="0"/>
+                                  </p:stCondLst>
+                                  <p:childTnLst>
+                                    <p:set>
+                                      <p:cBhvr>
+                                        <p:cTn id="18" dur="1" fill="hold">
+                                          <p:stCondLst>
+                                            <p:cond delay="0"/>
+                                          </p:stCondLst>
+                                        </p:cTn>
+                                        <p:tgtEl>
+                                          <p:spTgt spid="3">
+                                            <p:txEl>
+                                              <p:pRg st="2" end="2"/>
+                                            </p:txEl>
+                                          </p:spTgt>
+                                        </p:tgtEl>
+                                        <p:attrNameLst>
+                                          <p:attrName>style.visibility</p:attrName>
+                                        </p:attrNameLst>
+                                      </p:cBhvr>
+                                      <p:to>
+                                        <p:strVal val="visible"/>
+                                      </p:to>
+                                    </p:set>
+                                    <p:animEffect transition="in" filter="fade">
+                                      <p:cBhvr>
+                                        <p:cTn id="19" dur="500"/>
+                                        <p:tgtEl>
+                                          <p:spTgt spid="3">
+                                            <p:txEl>
+                                              <p:pRg st="2" end="2"/>
+                                            </p:txEl>
+                                          </p:spTgt>
+                                        </p:tgtEl>
+                                      </p:cBhvr>
+                                    </p:animEffect>
+                                  </p:childTnLst>
+                                </p:cTn>
+                              </p:par>
+                              <p:par>
+                                <p:cTn id="20" presetID="10" presetClass="entr" presetSubtype="0" fill="hold" grpId="0" nodeType="withEffect">
+                                  <p:stCondLst>
+                                    <p:cond delay="0"/>
+                                  </p:stCondLst>
+                                  <p:childTnLst>
+                                    <p:set>
+                                      <p:cBhvr>
+                                        <p:cTn id="21" dur="1" fill="hold">
+                                          <p:stCondLst>
+                                            <p:cond delay="0"/>
+                                          </p:stCondLst>
+                                        </p:cTn>
+                                        <p:tgtEl>
+                                          <p:spTgt spid="3">
+                                            <p:txEl>
+                                              <p:pRg st="3" end="3"/>
+                                            </p:txEl>
+                                          </p:spTgt>
+                                        </p:tgtEl>
+                                        <p:attrNameLst>
+                                          <p:attrName>style.visibility</p:attrName>
+                                        </p:attrNameLst>
+                                      </p:cBhvr>
+                                      <p:to>
+                                        <p:strVal val="visible"/>
+                                      </p:to>
+                                    </p:set>
+                                    <p:animEffect transition="in" filter="fade">
+                                      <p:cBhvr>
+                                        <p:cTn id="22" dur="500"/>
+                                        <p:tgtEl>
+                                          <p:spTgt spid="3">
+                                            <p:txEl>
+                                              <p:pRg st="3" end="3"/>
+                                            </p:txEl>
+                                          </p:spTgt>
+                                        </p:tgtEl>
+                                      </p:cBhvr>
+                                    </p:animEffect>
+                                  </p:childTnLst>
+                                </p:cTn>
+                              </p:par>
+                              <p:par>
+                                <p:cTn id="23" presetID="10" presetClass="entr" presetSubtype="0" fill="hold" grpId="0" nodeType="withEffect">
+                                  <p:stCondLst>
+                                    <p:cond delay="0"/>
+                                  </p:stCondLst>
+                                  <p:childTnLst>
+                                    <p:set>
+                                      <p:cBhvr>
+                                        <p:cTn id="24" dur="1" fill="hold">
+                                          <p:stCondLst>
+                                            <p:cond delay="0"/>
+                                          </p:stCondLst>
+                                        </p:cTn>
+                                        <p:tgtEl>
+                                          <p:spTgt spid="3">
+                                            <p:txEl>
+                                              <p:pRg st="4" end="4"/>
+                                            </p:txEl>
+                                          </p:spTgt>
+                                        </p:tgtEl>
+                                        <p:attrNameLst>
+                                          <p:attrName>style.visibility</p:attrName>
+                                        </p:attrNameLst>
+                                      </p:cBhvr>
+                                      <p:to>
+                                        <p:strVal val="visible"/>
+                                      </p:to>
+                                    </p:set>
+                                    <p:animEffect transition="in" filter="fade">
+                                      <p:cBhvr>
+                                        <p:cTn id="25" dur="500"/>
+                                        <p:tgtEl>
+                                          <p:spTgt spid="3">
+                                            <p:txEl>
+                                              <p:pRg st="4" end="4"/>
+                                            </p:txEl>
+                                          </p:spTgt>
+                                        </p:tgtEl>
+                                      </p:cBhvr>
+                                    </p:animEffect>
+                                  </p:childTnLst>
+                                </p:cTn>
+                              </p:par>
+                            </p:childTnLst>
+                          </p:cTn>
+                        </p:par>
+                      </p:childTnLst>
+                    </p:cTn>
+                  </p:par>
+                </p:childTnLst>
+              </p:cTn>
+              <p:prevCondLst>
+                <p:cond evt="onPrev" delay="0">
+                  <p:tgtEl>
+                    <p:sldTgt/>
+                  </p:tgtEl>
+                </p:cond>
+              </p:prevCondLst>
+              <p:nextCondLst>
+                <p:cond evt="onNext" delay="0">
+                  <p:tgtEl>
+                    <p:sldTgt/>
+                  </p:tgtEl>
+                </p:cond>
+              </p:nextCondLst>
+            </p:seq>
+          </p:childTnLst>
+        </p:cTn>
       </p:par>
     </p:tnLst>
+    <p:bldLst>
+      <p:bldP spid="3" grpId="0" uiExpand="1" build="p"/>
+    </p:bldLst>
   </p:timing>
 </p:sld>
 </file>
@@ -7334,7 +8709,7 @@
             <p:ph idx="1"/>
             <p:extLst>
               <p:ext uri="{D42A27DB-BD31-4B8C-83A1-F6EECF244321}">
-                <p14:modId xmlns:p14="http://schemas.microsoft.com/office/powerpoint/2010/main" val="271589209"/>
+                <p14:modId xmlns:p14="http://schemas.microsoft.com/office/powerpoint/2010/main" val="1321948484"/>
               </p:ext>
             </p:extLst>
           </p:nvPr>
@@ -7392,7 +8767,7 @@
                     <a:p>
                       <a:r>
                         <a:rPr lang="de-DE" dirty="0" smtClean="0"/>
-                        <a:t>Komplex Modulatoren in Reihe</a:t>
+                        <a:t>Parallelschaltung</a:t>
                       </a:r>
                       <a:endParaRPr lang="en-US" dirty="0"/>
                     </a:p>
@@ -7454,15 +8829,7 @@
                       </a:pPr>
                       <a:r>
                         <a:rPr lang="de-DE" dirty="0" smtClean="0"/>
-                        <a:t>Komplex Modulatoren</a:t>
-                      </a:r>
-                      <a:r>
-                        <a:rPr lang="de-DE" baseline="0" dirty="0" smtClean="0"/>
-                        <a:t> </a:t>
-                      </a:r>
-                      <a:r>
-                        <a:rPr lang="de-DE" dirty="0" smtClean="0"/>
-                        <a:t>geschachtelt</a:t>
+                        <a:t>Kaskadenschaltung</a:t>
                       </a:r>
                       <a:endParaRPr lang="en-US" dirty="0" smtClean="0"/>
                     </a:p>
@@ -7507,8 +8874,9 @@
                       </a:pPr>
                       <a:r>
                         <a:rPr lang="de-DE" dirty="0" smtClean="0"/>
-                        <a:t>Komplex Feedback</a:t>
+                        <a:t>Feedback</a:t>
                       </a:r>
+                      <a:endParaRPr lang="de-DE" dirty="0" smtClean="0"/>
                     </a:p>
                   </a:txBody>
                   <a:tcPr/>
@@ -7547,157 +8915,6 @@
           </a:graphicData>
         </a:graphic>
       </p:graphicFrame>
-      <p:grpSp>
-        <p:nvGrpSpPr>
-          <p:cNvPr id="16" name="Gruppieren 15"/>
-          <p:cNvGrpSpPr/>
-          <p:nvPr/>
-        </p:nvGrpSpPr>
-        <p:grpSpPr>
-          <a:xfrm>
-            <a:off x="680953" y="1628558"/>
-            <a:ext cx="6843375" cy="2476071"/>
-            <a:chOff x="680953" y="1628558"/>
-            <a:chExt cx="6843375" cy="2476071"/>
-          </a:xfrm>
-        </p:grpSpPr>
-        <p:pic>
-          <p:nvPicPr>
-            <p:cNvPr id="8" name="Grafik 7"/>
-            <p:cNvPicPr>
-              <a:picLocks noChangeAspect="1"/>
-            </p:cNvPicPr>
-            <p:nvPr>
-              <p:custDataLst>
-                <p:tags r:id="rId1"/>
-              </p:custDataLst>
-            </p:nvPr>
-          </p:nvPicPr>
-          <p:blipFill>
-            <a:blip r:embed="rId6" cstate="print">
-              <a:extLst>
-                <a:ext uri="{28A0092B-C50C-407E-A947-70E740481C1C}">
-                  <a14:useLocalDpi xmlns:a14="http://schemas.microsoft.com/office/drawing/2010/main" val="0"/>
-                </a:ext>
-              </a:extLst>
-            </a:blip>
-            <a:stretch>
-              <a:fillRect/>
-            </a:stretch>
-          </p:blipFill>
-          <p:spPr>
-            <a:xfrm>
-              <a:off x="683568" y="1628558"/>
-              <a:ext cx="4241884" cy="253019"/>
-            </a:xfrm>
-            <a:prstGeom prst="rect">
-              <a:avLst/>
-            </a:prstGeom>
-          </p:spPr>
-        </p:pic>
-        <p:pic>
-          <p:nvPicPr>
-            <p:cNvPr id="13" name="Grafik 12"/>
-            <p:cNvPicPr>
-              <a:picLocks noChangeAspect="1"/>
-            </p:cNvPicPr>
-            <p:nvPr>
-              <p:custDataLst>
-                <p:tags r:id="rId2"/>
-              </p:custDataLst>
-            </p:nvPr>
-          </p:nvPicPr>
-          <p:blipFill>
-            <a:blip r:embed="rId7" cstate="print">
-              <a:extLst>
-                <a:ext uri="{28A0092B-C50C-407E-A947-70E740481C1C}">
-                  <a14:useLocalDpi xmlns:a14="http://schemas.microsoft.com/office/drawing/2010/main" val="0"/>
-                </a:ext>
-              </a:extLst>
-            </a:blip>
-            <a:stretch>
-              <a:fillRect/>
-            </a:stretch>
-          </p:blipFill>
-          <p:spPr>
-            <a:xfrm>
-              <a:off x="683568" y="3110392"/>
-              <a:ext cx="6840760" cy="259320"/>
-            </a:xfrm>
-            <a:prstGeom prst="rect">
-              <a:avLst/>
-            </a:prstGeom>
-          </p:spPr>
-        </p:pic>
-        <p:pic>
-          <p:nvPicPr>
-            <p:cNvPr id="14" name="Grafik 13"/>
-            <p:cNvPicPr>
-              <a:picLocks noChangeAspect="1"/>
-            </p:cNvPicPr>
-            <p:nvPr>
-              <p:custDataLst>
-                <p:tags r:id="rId3"/>
-              </p:custDataLst>
-            </p:nvPr>
-          </p:nvPicPr>
-          <p:blipFill>
-            <a:blip r:embed="rId8" cstate="print">
-              <a:extLst>
-                <a:ext uri="{28A0092B-C50C-407E-A947-70E740481C1C}">
-                  <a14:useLocalDpi xmlns:a14="http://schemas.microsoft.com/office/drawing/2010/main" val="0"/>
-                </a:ext>
-              </a:extLst>
-            </a:blip>
-            <a:stretch>
-              <a:fillRect/>
-            </a:stretch>
-          </p:blipFill>
-          <p:spPr>
-            <a:xfrm>
-              <a:off x="683568" y="2381704"/>
-              <a:ext cx="6674525" cy="253019"/>
-            </a:xfrm>
-            <a:prstGeom prst="rect">
-              <a:avLst/>
-            </a:prstGeom>
-          </p:spPr>
-        </p:pic>
-        <p:pic>
-          <p:nvPicPr>
-            <p:cNvPr id="15" name="Grafik 14"/>
-            <p:cNvPicPr>
-              <a:picLocks noChangeAspect="1"/>
-            </p:cNvPicPr>
-            <p:nvPr>
-              <p:custDataLst>
-                <p:tags r:id="rId4"/>
-              </p:custDataLst>
-            </p:nvPr>
-          </p:nvPicPr>
-          <p:blipFill>
-            <a:blip r:embed="rId9" cstate="print">
-              <a:extLst>
-                <a:ext uri="{28A0092B-C50C-407E-A947-70E740481C1C}">
-                  <a14:useLocalDpi xmlns:a14="http://schemas.microsoft.com/office/drawing/2010/main" val="0"/>
-                </a:ext>
-              </a:extLst>
-            </a:blip>
-            <a:stretch>
-              <a:fillRect/>
-            </a:stretch>
-          </p:blipFill>
-          <p:spPr>
-            <a:xfrm>
-              <a:off x="680953" y="3845309"/>
-              <a:ext cx="4147574" cy="259320"/>
-            </a:xfrm>
-            <a:prstGeom prst="rect">
-              <a:avLst/>
-            </a:prstGeom>
-          </p:spPr>
-        </p:pic>
-      </p:grpSp>
       <p:sp>
         <p:nvSpPr>
           <p:cNvPr id="2" name="Titel 1"/>
@@ -7746,7 +8963,7 @@
           <a:p>
             <a:fld id="{296000BE-0612-4D88-A1AC-FF1287139C2E}" type="datetime1">
               <a:rPr lang="de-DE" smtClean="0"/>
-              <a:t>19.06.2015</a:t>
+              <a:t>20.06.2015</a:t>
             </a:fld>
             <a:endParaRPr lang="de-DE" dirty="0"/>
           </a:p>
@@ -7802,6 +9019,142 @@
           </a:p>
         </p:txBody>
       </p:sp>
+      <p:pic>
+        <p:nvPicPr>
+          <p:cNvPr id="12" name="Grafik 11"/>
+          <p:cNvPicPr>
+            <a:picLocks noChangeAspect="1"/>
+          </p:cNvPicPr>
+          <p:nvPr>
+            <p:custDataLst>
+              <p:tags r:id="rId1"/>
+            </p:custDataLst>
+          </p:nvPr>
+        </p:nvPicPr>
+        <p:blipFill>
+          <a:blip r:embed="rId6" cstate="print">
+            <a:extLst>
+              <a:ext uri="{28A0092B-C50C-407E-A947-70E740481C1C}">
+                <a14:useLocalDpi xmlns:a14="http://schemas.microsoft.com/office/drawing/2010/main" val="0"/>
+              </a:ext>
+            </a:extLst>
+          </a:blip>
+          <a:stretch>
+            <a:fillRect/>
+          </a:stretch>
+        </p:blipFill>
+        <p:spPr>
+          <a:xfrm>
+            <a:off x="680953" y="3114682"/>
+            <a:ext cx="6843375" cy="257948"/>
+          </a:xfrm>
+          <a:prstGeom prst="rect">
+            <a:avLst/>
+          </a:prstGeom>
+        </p:spPr>
+      </p:pic>
+      <p:pic>
+        <p:nvPicPr>
+          <p:cNvPr id="17" name="Grafik 16"/>
+          <p:cNvPicPr>
+            <a:picLocks noChangeAspect="1"/>
+          </p:cNvPicPr>
+          <p:nvPr>
+            <p:custDataLst>
+              <p:tags r:id="rId2"/>
+            </p:custDataLst>
+          </p:nvPr>
+        </p:nvPicPr>
+        <p:blipFill>
+          <a:blip r:embed="rId7" cstate="print">
+            <a:extLst>
+              <a:ext uri="{28A0092B-C50C-407E-A947-70E740481C1C}">
+                <a14:useLocalDpi xmlns:a14="http://schemas.microsoft.com/office/drawing/2010/main" val="0"/>
+              </a:ext>
+            </a:extLst>
+          </a:blip>
+          <a:stretch>
+            <a:fillRect/>
+          </a:stretch>
+        </p:blipFill>
+        <p:spPr>
+          <a:xfrm>
+            <a:off x="683568" y="2381704"/>
+            <a:ext cx="6613558" cy="253019"/>
+          </a:xfrm>
+          <a:prstGeom prst="rect">
+            <a:avLst/>
+          </a:prstGeom>
+        </p:spPr>
+      </p:pic>
+      <p:pic>
+        <p:nvPicPr>
+          <p:cNvPr id="18" name="Grafik 17"/>
+          <p:cNvPicPr>
+            <a:picLocks noChangeAspect="1"/>
+          </p:cNvPicPr>
+          <p:nvPr>
+            <p:custDataLst>
+              <p:tags r:id="rId3"/>
+            </p:custDataLst>
+          </p:nvPr>
+        </p:nvPicPr>
+        <p:blipFill>
+          <a:blip r:embed="rId8" cstate="print">
+            <a:extLst>
+              <a:ext uri="{28A0092B-C50C-407E-A947-70E740481C1C}">
+                <a14:useLocalDpi xmlns:a14="http://schemas.microsoft.com/office/drawing/2010/main" val="0"/>
+              </a:ext>
+            </a:extLst>
+          </a:blip>
+          <a:stretch>
+            <a:fillRect/>
+          </a:stretch>
+        </p:blipFill>
+        <p:spPr>
+          <a:xfrm>
+            <a:off x="680954" y="3845309"/>
+            <a:ext cx="4153823" cy="259320"/>
+          </a:xfrm>
+          <a:prstGeom prst="rect">
+            <a:avLst/>
+          </a:prstGeom>
+        </p:spPr>
+      </p:pic>
+      <p:pic>
+        <p:nvPicPr>
+          <p:cNvPr id="19" name="Grafik 18"/>
+          <p:cNvPicPr>
+            <a:picLocks noChangeAspect="1"/>
+          </p:cNvPicPr>
+          <p:nvPr>
+            <p:custDataLst>
+              <p:tags r:id="rId4"/>
+            </p:custDataLst>
+          </p:nvPr>
+        </p:nvPicPr>
+        <p:blipFill>
+          <a:blip r:embed="rId9" cstate="print">
+            <a:extLst>
+              <a:ext uri="{28A0092B-C50C-407E-A947-70E740481C1C}">
+                <a14:useLocalDpi xmlns:a14="http://schemas.microsoft.com/office/drawing/2010/main" val="0"/>
+              </a:ext>
+            </a:extLst>
+          </a:blip>
+          <a:stretch>
+            <a:fillRect/>
+          </a:stretch>
+        </p:blipFill>
+        <p:spPr>
+          <a:xfrm>
+            <a:off x="683568" y="1628558"/>
+            <a:ext cx="4180914" cy="253019"/>
+          </a:xfrm>
+          <a:prstGeom prst="rect">
+            <a:avLst/>
+          </a:prstGeom>
+        </p:spPr>
+      </p:pic>
     </p:spTree>
     <p:extLst>
       <p:ext uri="{BB962C8B-B14F-4D97-AF65-F5344CB8AC3E}">
@@ -7812,10 +9165,204 @@
   <p:clrMapOvr>
     <a:masterClrMapping/>
   </p:clrMapOvr>
+  <mc:AlternateContent xmlns:mc="http://schemas.openxmlformats.org/markup-compatibility/2006">
+    <mc:Choice xmlns:p14="http://schemas.microsoft.com/office/powerpoint/2010/main" Requires="p14">
+      <p:transition spd="med" p14:dur="700">
+        <p:fade/>
+      </p:transition>
+    </mc:Choice>
+    <mc:Fallback>
+      <p:transition spd="med">
+        <p:fade/>
+      </p:transition>
+    </mc:Fallback>
+  </mc:AlternateContent>
   <p:timing>
     <p:tnLst>
       <p:par>
-        <p:cTn id="1" dur="indefinite" restart="never" nodeType="tmRoot"/>
+        <p:cTn id="1" dur="indefinite" restart="never" nodeType="tmRoot">
+          <p:childTnLst>
+            <p:seq concurrent="1" nextAc="seek">
+              <p:cTn id="2" dur="indefinite" nodeType="mainSeq">
+                <p:childTnLst>
+                  <p:par>
+                    <p:cTn id="3" fill="hold">
+                      <p:stCondLst>
+                        <p:cond delay="indefinite"/>
+                      </p:stCondLst>
+                      <p:childTnLst>
+                        <p:par>
+                          <p:cTn id="4" fill="hold">
+                            <p:stCondLst>
+                              <p:cond delay="0"/>
+                            </p:stCondLst>
+                            <p:childTnLst>
+                              <p:par>
+                                <p:cTn id="5" presetID="10" presetClass="entr" presetSubtype="0" fill="hold" nodeType="clickEffect">
+                                  <p:stCondLst>
+                                    <p:cond delay="0"/>
+                                  </p:stCondLst>
+                                  <p:childTnLst>
+                                    <p:set>
+                                      <p:cBhvr>
+                                        <p:cTn id="6" dur="1" fill="hold">
+                                          <p:stCondLst>
+                                            <p:cond delay="0"/>
+                                          </p:stCondLst>
+                                        </p:cTn>
+                                        <p:tgtEl>
+                                          <p:spTgt spid="17"/>
+                                        </p:tgtEl>
+                                        <p:attrNameLst>
+                                          <p:attrName>style.visibility</p:attrName>
+                                        </p:attrNameLst>
+                                      </p:cBhvr>
+                                      <p:to>
+                                        <p:strVal val="visible"/>
+                                      </p:to>
+                                    </p:set>
+                                    <p:animEffect transition="in" filter="fade">
+                                      <p:cBhvr>
+                                        <p:cTn id="7" dur="500"/>
+                                        <p:tgtEl>
+                                          <p:spTgt spid="17"/>
+                                        </p:tgtEl>
+                                      </p:cBhvr>
+                                    </p:animEffect>
+                                  </p:childTnLst>
+                                </p:cTn>
+                              </p:par>
+                            </p:childTnLst>
+                          </p:cTn>
+                        </p:par>
+                      </p:childTnLst>
+                    </p:cTn>
+                  </p:par>
+                  <p:par>
+                    <p:cTn id="8" fill="hold">
+                      <p:stCondLst>
+                        <p:cond delay="indefinite"/>
+                      </p:stCondLst>
+                      <p:childTnLst>
+                        <p:par>
+                          <p:cTn id="9" fill="hold">
+                            <p:stCondLst>
+                              <p:cond delay="0"/>
+                            </p:stCondLst>
+                            <p:childTnLst>
+                              <p:par>
+                                <p:cTn id="10" presetID="10" presetClass="entr" presetSubtype="0" fill="hold" nodeType="clickEffect">
+                                  <p:stCondLst>
+                                    <p:cond delay="0"/>
+                                  </p:stCondLst>
+                                  <p:childTnLst>
+                                    <p:set>
+                                      <p:cBhvr>
+                                        <p:cTn id="11" dur="1" fill="hold">
+                                          <p:stCondLst>
+                                            <p:cond delay="0"/>
+                                          </p:stCondLst>
+                                        </p:cTn>
+                                        <p:tgtEl>
+                                          <p:spTgt spid="12"/>
+                                        </p:tgtEl>
+                                        <p:attrNameLst>
+                                          <p:attrName>style.visibility</p:attrName>
+                                        </p:attrNameLst>
+                                      </p:cBhvr>
+                                      <p:to>
+                                        <p:strVal val="visible"/>
+                                      </p:to>
+                                    </p:set>
+                                    <p:animEffect transition="in" filter="fade">
+                                      <p:cBhvr>
+                                        <p:cTn id="12" dur="500"/>
+                                        <p:tgtEl>
+                                          <p:spTgt spid="12"/>
+                                        </p:tgtEl>
+                                      </p:cBhvr>
+                                    </p:animEffect>
+                                  </p:childTnLst>
+                                </p:cTn>
+                              </p:par>
+                            </p:childTnLst>
+                          </p:cTn>
+                        </p:par>
+                      </p:childTnLst>
+                    </p:cTn>
+                  </p:par>
+                  <p:par>
+                    <p:cTn id="13" fill="hold">
+                      <p:stCondLst>
+                        <p:cond delay="indefinite"/>
+                      </p:stCondLst>
+                      <p:childTnLst>
+                        <p:par>
+                          <p:cTn id="14" fill="hold">
+                            <p:stCondLst>
+                              <p:cond delay="0"/>
+                            </p:stCondLst>
+                            <p:childTnLst>
+                              <p:par>
+                                <p:cTn id="15" presetID="10" presetClass="entr" presetSubtype="0" fill="hold" nodeType="clickEffect">
+                                  <p:stCondLst>
+                                    <p:cond delay="0"/>
+                                  </p:stCondLst>
+                                  <p:childTnLst>
+                                    <p:set>
+                                      <p:cBhvr>
+                                        <p:cTn id="16" dur="1" fill="hold">
+                                          <p:stCondLst>
+                                            <p:cond delay="0"/>
+                                          </p:stCondLst>
+                                        </p:cTn>
+                                        <p:tgtEl>
+                                          <p:spTgt spid="18"/>
+                                        </p:tgtEl>
+                                        <p:attrNameLst>
+                                          <p:attrName>style.visibility</p:attrName>
+                                        </p:attrNameLst>
+                                      </p:cBhvr>
+                                      <p:to>
+                                        <p:strVal val="visible"/>
+                                      </p:to>
+                                    </p:set>
+                                    <p:animEffect transition="in" filter="fade">
+                                      <p:cBhvr>
+                                        <p:cTn id="17" dur="500"/>
+                                        <p:tgtEl>
+                                          <p:spTgt spid="18"/>
+                                        </p:tgtEl>
+                                      </p:cBhvr>
+                                    </p:animEffect>
+                                  </p:childTnLst>
+                                </p:cTn>
+                              </p:par>
+                            </p:childTnLst>
+                          </p:cTn>
+                        </p:par>
+                      </p:childTnLst>
+                    </p:cTn>
+                  </p:par>
+                </p:childTnLst>
+              </p:cTn>
+              <p:prevCondLst>
+                <p:cond evt="onPrev" delay="0">
+                  <p:tgtEl>
+                    <p:sldTgt/>
+                  </p:tgtEl>
+                </p:cond>
+              </p:prevCondLst>
+              <p:nextCondLst>
+                <p:cond evt="onNext" delay="0">
+                  <p:tgtEl>
+                    <p:sldTgt/>
+                  </p:tgtEl>
+                </p:cond>
+              </p:nextCondLst>
+            </p:seq>
+          </p:childTnLst>
+        </p:cTn>
       </p:par>
     </p:tnLst>
   </p:timing>
@@ -7879,7 +9426,7 @@
           <a:p>
             <a:fld id="{296000BE-0612-4D88-A1AC-FF1287139C2E}" type="datetime1">
               <a:rPr lang="de-DE" smtClean="0"/>
-              <a:t>19.06.2015</a:t>
+              <a:t>20.06.2015</a:t>
             </a:fld>
             <a:endParaRPr lang="de-DE" dirty="0"/>
           </a:p>
@@ -7951,13 +9498,13 @@
               </a:ext>
             </a:extLst>
           </a:blip>
-          <a:srcRect l="10262" r="6809"/>
+          <a:srcRect l="9759" r="7743"/>
           <a:stretch/>
         </p:blipFill>
         <p:spPr>
           <a:xfrm>
-            <a:off x="431534" y="1779662"/>
-            <a:ext cx="8368108" cy="2522654"/>
+            <a:off x="395536" y="1707654"/>
+            <a:ext cx="8344227" cy="2528588"/>
           </a:xfrm>
           <a:prstGeom prst="rect">
             <a:avLst/>
@@ -7966,7 +9513,7 @@
       </p:pic>
       <p:pic>
         <p:nvPicPr>
-          <p:cNvPr id="14" name="Grafik 13"/>
+          <p:cNvPr id="17" name="Grafik 16"/>
           <p:cNvPicPr>
             <a:picLocks noChangeAspect="1"/>
           </p:cNvPicPr>
@@ -7990,8 +9537,8 @@
         </p:blipFill>
         <p:spPr>
           <a:xfrm>
-            <a:off x="3055408" y="1347614"/>
-            <a:ext cx="3033183" cy="230156"/>
+            <a:off x="3185950" y="1345698"/>
+            <a:ext cx="2763398" cy="230156"/>
           </a:xfrm>
           <a:prstGeom prst="rect">
             <a:avLst/>
@@ -8000,7 +9547,7 @@
       </p:pic>
       <p:pic>
         <p:nvPicPr>
-          <p:cNvPr id="10" name="einfache">
+          <p:cNvPr id="7" name="einfache">
             <a:hlinkClick r:id="" action="ppaction://media"/>
           </p:cNvPr>
           <p:cNvPicPr>
@@ -8023,7 +9570,7 @@
         </p:blipFill>
         <p:spPr>
           <a:xfrm>
-            <a:off x="1259632" y="4253511"/>
+            <a:off x="1193798" y="4232962"/>
             <a:ext cx="609600" cy="609600"/>
           </a:xfrm>
           <a:prstGeom prst="rect">
@@ -8033,7 +9580,7 @@
       </p:pic>
       <p:pic>
         <p:nvPicPr>
-          <p:cNvPr id="11" name="geschachtelt">
+          <p:cNvPr id="8" name="Parallelschaltung">
             <a:hlinkClick r:id="" action="ppaction://media"/>
           </p:cNvPr>
           <p:cNvPicPr>
@@ -8056,7 +9603,7 @@
         </p:blipFill>
         <p:spPr>
           <a:xfrm>
-            <a:off x="3323149" y="4251324"/>
+            <a:off x="3305819" y="4232962"/>
             <a:ext cx="609600" cy="609600"/>
           </a:xfrm>
           <a:prstGeom prst="rect">
@@ -8066,7 +9613,7 @@
       </p:pic>
       <p:pic>
         <p:nvPicPr>
-          <p:cNvPr id="13" name="inReihe">
+          <p:cNvPr id="9" name="kaskadenschaltung">
             <a:hlinkClick r:id="" action="ppaction://media"/>
           </p:cNvPr>
           <p:cNvPicPr>
@@ -8089,7 +9636,7 @@
         </p:blipFill>
         <p:spPr>
           <a:xfrm>
-            <a:off x="5386666" y="4251324"/>
+            <a:off x="5417840" y="4232962"/>
             <a:ext cx="609600" cy="609600"/>
           </a:xfrm>
           <a:prstGeom prst="rect">
@@ -8099,7 +9646,7 @@
       </p:pic>
       <p:pic>
         <p:nvPicPr>
-          <p:cNvPr id="15" name="feedback">
+          <p:cNvPr id="16" name="feedback">
             <a:hlinkClick r:id="" action="ppaction://media"/>
           </p:cNvPr>
           <p:cNvPicPr>
@@ -8109,9 +9656,7 @@
             <a:audioFile r:link="rId9"/>
             <p:extLst>
               <p:ext uri="{DAA4B4D4-6D71-4841-9C94-3DE7FCFB9230}">
-                <p14:media xmlns:p14="http://schemas.microsoft.com/office/powerpoint/2010/main" r:embed="rId8">
-                  <p14:fade in="100" out="100"/>
-                </p14:media>
+                <p14:media xmlns:p14="http://schemas.microsoft.com/office/powerpoint/2010/main" r:embed="rId8"/>
               </p:ext>
             </p:extLst>
           </p:nvPr>
@@ -8124,7 +9669,7 @@
         </p:blipFill>
         <p:spPr>
           <a:xfrm>
-            <a:off x="7450183" y="4251324"/>
+            <a:off x="7529861" y="4232962"/>
             <a:ext cx="609600" cy="609600"/>
           </a:xfrm>
           <a:prstGeom prst="rect">
@@ -8142,6 +9687,18 @@
   <p:clrMapOvr>
     <a:masterClrMapping/>
   </p:clrMapOvr>
+  <mc:AlternateContent xmlns:mc="http://schemas.openxmlformats.org/markup-compatibility/2006">
+    <mc:Choice xmlns:p14="http://schemas.microsoft.com/office/powerpoint/2010/main" Requires="p14">
+      <p:transition spd="med" p14:dur="700">
+        <p:fade/>
+      </p:transition>
+    </mc:Choice>
+    <mc:Fallback>
+      <p:transition spd="med">
+        <p:fade/>
+      </p:transition>
+    </mc:Fallback>
+  </mc:AlternateContent>
   <p:timing>
     <p:tnLst>
       <p:par>
@@ -8152,7 +9709,7 @@
                 <p:stCondLst>
                   <p:cond evt="onClick" delay="0">
                     <p:tgtEl>
-                      <p:spTgt spid="10"/>
+                      <p:spTgt spid="7"/>
                     </p:tgtEl>
                   </p:cond>
                 </p:stCondLst>
@@ -8182,7 +9739,7 @@
                                       <p:cBhvr>
                                         <p:cTn id="6" dur="2037" fill="hold"/>
                                         <p:tgtEl>
-                                          <p:spTgt spid="10"/>
+                                          <p:spTgt spid="7"/>
                                         </p:tgtEl>
                                       </p:cBhvr>
                                     </p:cmd>
@@ -8200,7 +9757,7 @@
               <p:nextCondLst>
                 <p:cond evt="onClick" delay="0">
                   <p:tgtEl>
-                    <p:spTgt spid="10"/>
+                    <p:spTgt spid="7"/>
                   </p:tgtEl>
                 </p:cond>
               </p:nextCondLst>
@@ -8220,7 +9777,7 @@
                   </p:endCondLst>
                 </p:cTn>
                 <p:tgtEl>
-                  <p:spTgt spid="10"/>
+                  <p:spTgt spid="7"/>
                 </p:tgtEl>
               </p:cMediaNode>
             </p:audio>
@@ -8229,7 +9786,7 @@
                 <p:stCondLst>
                   <p:cond evt="onClick" delay="0">
                     <p:tgtEl>
-                      <p:spTgt spid="11"/>
+                      <p:spTgt spid="8"/>
                     </p:tgtEl>
                   </p:cond>
                 </p:stCondLst>
@@ -8259,7 +9816,7 @@
                                       <p:cBhvr>
                                         <p:cTn id="12" dur="2037" fill="hold"/>
                                         <p:tgtEl>
-                                          <p:spTgt spid="11"/>
+                                          <p:spTgt spid="8"/>
                                         </p:tgtEl>
                                       </p:cBhvr>
                                     </p:cmd>
@@ -8277,7 +9834,7 @@
               <p:nextCondLst>
                 <p:cond evt="onClick" delay="0">
                   <p:tgtEl>
-                    <p:spTgt spid="11"/>
+                    <p:spTgt spid="8"/>
                   </p:tgtEl>
                 </p:cond>
               </p:nextCondLst>
@@ -8297,7 +9854,7 @@
                   </p:endCondLst>
                 </p:cTn>
                 <p:tgtEl>
-                  <p:spTgt spid="11"/>
+                  <p:spTgt spid="8"/>
                 </p:tgtEl>
               </p:cMediaNode>
             </p:audio>
@@ -8306,7 +9863,7 @@
                 <p:stCondLst>
                   <p:cond evt="onClick" delay="0">
                     <p:tgtEl>
-                      <p:spTgt spid="13"/>
+                      <p:spTgt spid="9"/>
                     </p:tgtEl>
                   </p:cond>
                 </p:stCondLst>
@@ -8336,7 +9893,7 @@
                                       <p:cBhvr>
                                         <p:cTn id="18" dur="2037" fill="hold"/>
                                         <p:tgtEl>
-                                          <p:spTgt spid="13"/>
+                                          <p:spTgt spid="9"/>
                                         </p:tgtEl>
                                       </p:cBhvr>
                                     </p:cmd>
@@ -8354,7 +9911,7 @@
               <p:nextCondLst>
                 <p:cond evt="onClick" delay="0">
                   <p:tgtEl>
-                    <p:spTgt spid="13"/>
+                    <p:spTgt spid="9"/>
                   </p:tgtEl>
                 </p:cond>
               </p:nextCondLst>
@@ -8374,7 +9931,7 @@
                   </p:endCondLst>
                 </p:cTn>
                 <p:tgtEl>
-                  <p:spTgt spid="13"/>
+                  <p:spTgt spid="9"/>
                 </p:tgtEl>
               </p:cMediaNode>
             </p:audio>
@@ -8383,7 +9940,7 @@
                 <p:stCondLst>
                   <p:cond evt="onClick" delay="0">
                     <p:tgtEl>
-                      <p:spTgt spid="15"/>
+                      <p:spTgt spid="16"/>
                     </p:tgtEl>
                   </p:cond>
                 </p:stCondLst>
@@ -8413,7 +9970,7 @@
                                       <p:cBhvr>
                                         <p:cTn id="24" dur="2037" fill="hold"/>
                                         <p:tgtEl>
-                                          <p:spTgt spid="15"/>
+                                          <p:spTgt spid="16"/>
                                         </p:tgtEl>
                                       </p:cBhvr>
                                     </p:cmd>
@@ -8431,7 +9988,7 @@
               <p:nextCondLst>
                 <p:cond evt="onClick" delay="0">
                   <p:tgtEl>
-                    <p:spTgt spid="15"/>
+                    <p:spTgt spid="16"/>
                   </p:tgtEl>
                 </p:cond>
               </p:nextCondLst>
@@ -8451,7 +10008,7 @@
                   </p:endCondLst>
                 </p:cTn>
                 <p:tgtEl>
-                  <p:spTgt spid="15"/>
+                  <p:spTgt spid="16"/>
                 </p:tgtEl>
               </p:cMediaNode>
             </p:audio>
@@ -8575,7 +10132,7 @@
           <a:p>
             <a:fld id="{296000BE-0612-4D88-A1AC-FF1287139C2E}" type="datetime1">
               <a:rPr lang="de-DE" smtClean="0"/>
-              <a:t>19.06.2015</a:t>
+              <a:t>20.06.2015</a:t>
             </a:fld>
             <a:endParaRPr lang="de-DE" dirty="0"/>
           </a:p>
@@ -8671,6 +10228,18 @@
   <p:clrMapOvr>
     <a:masterClrMapping/>
   </p:clrMapOvr>
+  <mc:AlternateContent xmlns:mc="http://schemas.openxmlformats.org/markup-compatibility/2006">
+    <mc:Choice xmlns:p14="http://schemas.microsoft.com/office/powerpoint/2010/main" Requires="p14">
+      <p:transition spd="med" p14:dur="700">
+        <p:fade/>
+      </p:transition>
+    </mc:Choice>
+    <mc:Fallback>
+      <p:transition spd="med">
+        <p:fade/>
+      </p:transition>
+    </mc:Fallback>
+  </mc:AlternateContent>
   <p:timing>
     <p:tnLst>
       <p:par>
@@ -8748,7 +10317,7 @@
           <a:p>
             <a:r>
               <a:rPr lang="de-DE" dirty="0" smtClean="0"/>
-              <a:t>Nehmen während </a:t>
+              <a:t>während </a:t>
             </a:r>
             <a:r>
               <a:rPr lang="de-DE" dirty="0" err="1" smtClean="0"/>
@@ -8756,14 +10325,28 @@
             </a:r>
             <a:r>
               <a:rPr lang="de-DE" dirty="0" smtClean="0"/>
-              <a:t> zu</a:t>
-            </a:r>
-          </a:p>
-          <a:p>
+              <a:t> </a:t>
+            </a:r>
             <a:r>
               <a:rPr lang="de-DE" dirty="0" smtClean="0"/>
-              <a:t>Nehmen während Release ab</a:t>
-            </a:r>
+              <a:t>zunehmend</a:t>
+            </a:r>
+            <a:endParaRPr lang="de-DE" dirty="0" smtClean="0"/>
+          </a:p>
+          <a:p>
+            <a:r>
+              <a:rPr lang="de-DE" dirty="0" smtClean="0"/>
+              <a:t>während </a:t>
+            </a:r>
+            <a:r>
+              <a:rPr lang="de-DE" dirty="0" smtClean="0"/>
+              <a:t>Release </a:t>
+            </a:r>
+            <a:r>
+              <a:rPr lang="de-DE" dirty="0" smtClean="0"/>
+              <a:t>abnehmend</a:t>
+            </a:r>
+            <a:endParaRPr lang="de-DE" dirty="0" smtClean="0"/>
           </a:p>
           <a:p>
             <a:pPr marL="0" indent="0">
@@ -8785,19 +10368,7 @@
             </a:r>
             <a:r>
               <a:rPr lang="de-DE" dirty="0" smtClean="0"/>
-              <a:t> Modulationsindex </a:t>
-            </a:r>
-            <a:r>
-              <a:rPr lang="de-DE" dirty="0" smtClean="0"/>
-              <a:t>mit </a:t>
-            </a:r>
-            <a:r>
-              <a:rPr lang="de-DE" dirty="0" smtClean="0"/>
-              <a:t>Hüllkurve </a:t>
-            </a:r>
-            <a:r>
-              <a:rPr lang="de-DE" dirty="0" smtClean="0"/>
-              <a:t>modulieren</a:t>
+              <a:t> Modulationsindex mit Hüllkurve modulieren</a:t>
             </a:r>
             <a:endParaRPr lang="en-US" dirty="0"/>
           </a:p>
@@ -8820,7 +10391,7 @@
           <a:p>
             <a:fld id="{296000BE-0612-4D88-A1AC-FF1287139C2E}" type="datetime1">
               <a:rPr lang="de-DE" smtClean="0"/>
-              <a:t>19.06.2015</a:t>
+              <a:t>20.06.2015</a:t>
             </a:fld>
             <a:endParaRPr lang="de-DE" dirty="0"/>
           </a:p>
@@ -8886,6 +10457,18 @@
   <p:clrMapOvr>
     <a:masterClrMapping/>
   </p:clrMapOvr>
+  <mc:AlternateContent xmlns:mc="http://schemas.openxmlformats.org/markup-compatibility/2006">
+    <mc:Choice xmlns:p14="http://schemas.microsoft.com/office/powerpoint/2010/main" Requires="p14">
+      <p:transition spd="med" p14:dur="700">
+        <p:fade/>
+      </p:transition>
+    </mc:Choice>
+    <mc:Fallback>
+      <p:transition spd="med">
+        <p:fade/>
+      </p:transition>
+    </mc:Fallback>
+  </mc:AlternateContent>
   <p:timing>
     <p:tnLst>
       <p:par>
@@ -9019,7 +10602,7 @@
           <a:p>
             <a:fld id="{296000BE-0612-4D88-A1AC-FF1287139C2E}" type="datetime1">
               <a:rPr lang="de-DE" smtClean="0"/>
-              <a:t>19.06.2015</a:t>
+              <a:t>20.06.2015</a:t>
             </a:fld>
             <a:endParaRPr lang="de-DE" dirty="0"/>
           </a:p>
@@ -9115,12 +10698,304 @@
   <p:clrMapOvr>
     <a:masterClrMapping/>
   </p:clrMapOvr>
+  <mc:AlternateContent xmlns:mc="http://schemas.openxmlformats.org/markup-compatibility/2006">
+    <mc:Choice xmlns:p14="http://schemas.microsoft.com/office/powerpoint/2010/main" Requires="p14">
+      <p:transition spd="med" p14:dur="700">
+        <p:fade/>
+      </p:transition>
+    </mc:Choice>
+    <mc:Fallback>
+      <p:transition spd="med">
+        <p:fade/>
+      </p:transition>
+    </mc:Fallback>
+  </mc:AlternateContent>
   <p:timing>
     <p:tnLst>
       <p:par>
-        <p:cTn id="1" dur="indefinite" restart="never" nodeType="tmRoot"/>
+        <p:cTn id="1" dur="indefinite" restart="never" nodeType="tmRoot">
+          <p:childTnLst>
+            <p:seq concurrent="1" nextAc="seek">
+              <p:cTn id="2" dur="indefinite" nodeType="mainSeq">
+                <p:childTnLst>
+                  <p:par>
+                    <p:cTn id="3" fill="hold">
+                      <p:stCondLst>
+                        <p:cond delay="indefinite"/>
+                        <p:cond evt="onBegin" delay="0">
+                          <p:tn val="2"/>
+                        </p:cond>
+                      </p:stCondLst>
+                      <p:childTnLst>
+                        <p:par>
+                          <p:cTn id="4" fill="hold">
+                            <p:stCondLst>
+                              <p:cond delay="0"/>
+                            </p:stCondLst>
+                            <p:childTnLst>
+                              <p:par>
+                                <p:cTn id="5" presetID="10" presetClass="entr" presetSubtype="0" fill="hold" grpId="0" nodeType="withEffect">
+                                  <p:stCondLst>
+                                    <p:cond delay="0"/>
+                                  </p:stCondLst>
+                                  <p:childTnLst>
+                                    <p:set>
+                                      <p:cBhvr>
+                                        <p:cTn id="6" dur="1" fill="hold">
+                                          <p:stCondLst>
+                                            <p:cond delay="0"/>
+                                          </p:stCondLst>
+                                        </p:cTn>
+                                        <p:tgtEl>
+                                          <p:spTgt spid="3">
+                                            <p:txEl>
+                                              <p:pRg st="0" end="0"/>
+                                            </p:txEl>
+                                          </p:spTgt>
+                                        </p:tgtEl>
+                                        <p:attrNameLst>
+                                          <p:attrName>style.visibility</p:attrName>
+                                        </p:attrNameLst>
+                                      </p:cBhvr>
+                                      <p:to>
+                                        <p:strVal val="visible"/>
+                                      </p:to>
+                                    </p:set>
+                                    <p:animEffect transition="in" filter="fade">
+                                      <p:cBhvr>
+                                        <p:cTn id="7" dur="500"/>
+                                        <p:tgtEl>
+                                          <p:spTgt spid="3">
+                                            <p:txEl>
+                                              <p:pRg st="0" end="0"/>
+                                            </p:txEl>
+                                          </p:spTgt>
+                                        </p:tgtEl>
+                                      </p:cBhvr>
+                                    </p:animEffect>
+                                  </p:childTnLst>
+                                </p:cTn>
+                              </p:par>
+                              <p:par>
+                                <p:cTn id="8" presetID="10" presetClass="entr" presetSubtype="0" fill="hold" grpId="0" nodeType="withEffect">
+                                  <p:stCondLst>
+                                    <p:cond delay="0"/>
+                                  </p:stCondLst>
+                                  <p:childTnLst>
+                                    <p:set>
+                                      <p:cBhvr>
+                                        <p:cTn id="9" dur="1" fill="hold">
+                                          <p:stCondLst>
+                                            <p:cond delay="0"/>
+                                          </p:stCondLst>
+                                        </p:cTn>
+                                        <p:tgtEl>
+                                          <p:spTgt spid="3">
+                                            <p:txEl>
+                                              <p:pRg st="1" end="1"/>
+                                            </p:txEl>
+                                          </p:spTgt>
+                                        </p:tgtEl>
+                                        <p:attrNameLst>
+                                          <p:attrName>style.visibility</p:attrName>
+                                        </p:attrNameLst>
+                                      </p:cBhvr>
+                                      <p:to>
+                                        <p:strVal val="visible"/>
+                                      </p:to>
+                                    </p:set>
+                                    <p:animEffect transition="in" filter="fade">
+                                      <p:cBhvr>
+                                        <p:cTn id="10" dur="500"/>
+                                        <p:tgtEl>
+                                          <p:spTgt spid="3">
+                                            <p:txEl>
+                                              <p:pRg st="1" end="1"/>
+                                            </p:txEl>
+                                          </p:spTgt>
+                                        </p:tgtEl>
+                                      </p:cBhvr>
+                                    </p:animEffect>
+                                  </p:childTnLst>
+                                </p:cTn>
+                              </p:par>
+                              <p:par>
+                                <p:cTn id="11" presetID="10" presetClass="entr" presetSubtype="0" fill="hold" grpId="0" nodeType="withEffect">
+                                  <p:stCondLst>
+                                    <p:cond delay="0"/>
+                                  </p:stCondLst>
+                                  <p:childTnLst>
+                                    <p:set>
+                                      <p:cBhvr>
+                                        <p:cTn id="12" dur="1" fill="hold">
+                                          <p:stCondLst>
+                                            <p:cond delay="0"/>
+                                          </p:stCondLst>
+                                        </p:cTn>
+                                        <p:tgtEl>
+                                          <p:spTgt spid="3">
+                                            <p:txEl>
+                                              <p:pRg st="2" end="2"/>
+                                            </p:txEl>
+                                          </p:spTgt>
+                                        </p:tgtEl>
+                                        <p:attrNameLst>
+                                          <p:attrName>style.visibility</p:attrName>
+                                        </p:attrNameLst>
+                                      </p:cBhvr>
+                                      <p:to>
+                                        <p:strVal val="visible"/>
+                                      </p:to>
+                                    </p:set>
+                                    <p:animEffect transition="in" filter="fade">
+                                      <p:cBhvr>
+                                        <p:cTn id="13" dur="500"/>
+                                        <p:tgtEl>
+                                          <p:spTgt spid="3">
+                                            <p:txEl>
+                                              <p:pRg st="2" end="2"/>
+                                            </p:txEl>
+                                          </p:spTgt>
+                                        </p:tgtEl>
+                                      </p:cBhvr>
+                                    </p:animEffect>
+                                  </p:childTnLst>
+                                </p:cTn>
+                              </p:par>
+                              <p:par>
+                                <p:cTn id="14" presetID="10" presetClass="entr" presetSubtype="0" fill="hold" grpId="0" nodeType="withEffect">
+                                  <p:stCondLst>
+                                    <p:cond delay="0"/>
+                                  </p:stCondLst>
+                                  <p:childTnLst>
+                                    <p:set>
+                                      <p:cBhvr>
+                                        <p:cTn id="15" dur="1" fill="hold">
+                                          <p:stCondLst>
+                                            <p:cond delay="0"/>
+                                          </p:stCondLst>
+                                        </p:cTn>
+                                        <p:tgtEl>
+                                          <p:spTgt spid="3">
+                                            <p:txEl>
+                                              <p:pRg st="3" end="3"/>
+                                            </p:txEl>
+                                          </p:spTgt>
+                                        </p:tgtEl>
+                                        <p:attrNameLst>
+                                          <p:attrName>style.visibility</p:attrName>
+                                        </p:attrNameLst>
+                                      </p:cBhvr>
+                                      <p:to>
+                                        <p:strVal val="visible"/>
+                                      </p:to>
+                                    </p:set>
+                                    <p:animEffect transition="in" filter="fade">
+                                      <p:cBhvr>
+                                        <p:cTn id="16" dur="500"/>
+                                        <p:tgtEl>
+                                          <p:spTgt spid="3">
+                                            <p:txEl>
+                                              <p:pRg st="3" end="3"/>
+                                            </p:txEl>
+                                          </p:spTgt>
+                                        </p:tgtEl>
+                                      </p:cBhvr>
+                                    </p:animEffect>
+                                  </p:childTnLst>
+                                </p:cTn>
+                              </p:par>
+                            </p:childTnLst>
+                          </p:cTn>
+                        </p:par>
+                      </p:childTnLst>
+                    </p:cTn>
+                  </p:par>
+                  <p:par>
+                    <p:cTn id="17" fill="hold">
+                      <p:stCondLst>
+                        <p:cond delay="indefinite"/>
+                      </p:stCondLst>
+                      <p:childTnLst>
+                        <p:par>
+                          <p:cTn id="18" fill="hold">
+                            <p:stCondLst>
+                              <p:cond delay="0"/>
+                            </p:stCondLst>
+                            <p:childTnLst>
+                              <p:par>
+                                <p:cTn id="19" presetID="10" presetClass="entr" presetSubtype="0" fill="hold" grpId="0" nodeType="clickEffect">
+                                  <p:stCondLst>
+                                    <p:cond delay="0"/>
+                                  </p:stCondLst>
+                                  <p:childTnLst>
+                                    <p:set>
+                                      <p:cBhvr>
+                                        <p:cTn id="20" dur="1" fill="hold">
+                                          <p:stCondLst>
+                                            <p:cond delay="0"/>
+                                          </p:stCondLst>
+                                        </p:cTn>
+                                        <p:tgtEl>
+                                          <p:spTgt spid="3">
+                                            <p:txEl>
+                                              <p:pRg st="4" end="4"/>
+                                            </p:txEl>
+                                          </p:spTgt>
+                                        </p:tgtEl>
+                                        <p:attrNameLst>
+                                          <p:attrName>style.visibility</p:attrName>
+                                        </p:attrNameLst>
+                                      </p:cBhvr>
+                                      <p:to>
+                                        <p:strVal val="visible"/>
+                                      </p:to>
+                                    </p:set>
+                                    <p:animEffect transition="in" filter="fade">
+                                      <p:cBhvr>
+                                        <p:cTn id="21" dur="500"/>
+                                        <p:tgtEl>
+                                          <p:spTgt spid="3">
+                                            <p:txEl>
+                                              <p:pRg st="4" end="4"/>
+                                            </p:txEl>
+                                          </p:spTgt>
+                                        </p:tgtEl>
+                                      </p:cBhvr>
+                                    </p:animEffect>
+                                  </p:childTnLst>
+                                </p:cTn>
+                              </p:par>
+                            </p:childTnLst>
+                          </p:cTn>
+                        </p:par>
+                      </p:childTnLst>
+                    </p:cTn>
+                  </p:par>
+                </p:childTnLst>
+              </p:cTn>
+              <p:prevCondLst>
+                <p:cond evt="onPrev" delay="0">
+                  <p:tgtEl>
+                    <p:sldTgt/>
+                  </p:tgtEl>
+                </p:cond>
+              </p:prevCondLst>
+              <p:nextCondLst>
+                <p:cond evt="onNext" delay="0">
+                  <p:tgtEl>
+                    <p:sldTgt/>
+                  </p:tgtEl>
+                </p:cond>
+              </p:nextCondLst>
+            </p:seq>
+          </p:childTnLst>
+        </p:cTn>
       </p:par>
     </p:tnLst>
+    <p:bldLst>
+      <p:bldP spid="3" grpId="0" uiExpand="1" build="p"/>
+    </p:bldLst>
   </p:timing>
 </p:sld>
 </file>
@@ -9128,10 +11003,10 @@
 <file path=ppt/tags/tag1.xml><?xml version="1.0" encoding="utf-8"?>
 <p:tagLst xmlns:a="http://schemas.openxmlformats.org/drawingml/2006/main" xmlns:r="http://schemas.openxmlformats.org/officeDocument/2006/relationships" xmlns:p="http://schemas.openxmlformats.org/presentationml/2006/main">
   <p:tag name="ORIGINALHEIGHT" val="124.5174"/>
-  <p:tag name="ORIGINALWIDTH" val="2087.542"/>
-  <p:tag name="LATEXADDIN" val="\documentclass{article}&#10;\usepackage{amsmath}&#10;\pagestyle{empty}&#10;\begin{document}&#10;&#10;$y(t) = \sin(2\pi \cdot t \cdot f_c + I \sin(2\pi \cdot t \cdot f_m ))$&#10;&#10;&#10;\end{document}"/>
+  <p:tag name="ORIGINALWIDTH" val="2057.537"/>
+  <p:tag name="LATEXADDIN" val="\documentclass{article}&#10;\usepackage{amsmath}&#10;\pagestyle{empty}&#10;\begin{document}&#10;&#10;$y(t) = \sin[2\pi \cdot t \cdot f_c + I \sin(2\pi \cdot t \cdot f_m )]$&#10;&#10;&#10;\end{document}"/>
   <p:tag name="IGUANATEXSIZE" val="20"/>
-  <p:tag name="IGUANATEXCURSOR" val="138"/>
+  <p:tag name="IGUANATEXCURSOR" val="151"/>
   <p:tag name="TRANSPARENCY" val="Wahr"/>
   <p:tag name="FILENAME" val=""/>
   <p:tag name="INPUTTYPE" val="0"/>
@@ -9187,11 +11062,11 @@
 
 <file path=ppt/tags/tag5.xml><?xml version="1.0" encoding="utf-8"?>
 <p:tagLst xmlns:a="http://schemas.openxmlformats.org/drawingml/2006/main" xmlns:r="http://schemas.openxmlformats.org/officeDocument/2006/relationships" xmlns:p="http://schemas.openxmlformats.org/presentationml/2006/main">
-  <p:tag name="ORIGINALHEIGHT" val="124.5174"/>
-  <p:tag name="ORIGINALWIDTH" val="2087.542"/>
-  <p:tag name="LATEXADDIN" val="\documentclass{article}&#10;\usepackage{amsmath}&#10;\pagestyle{empty}&#10;\begin{document}&#10;&#10;$y(t) = \sin(2\pi \cdot t \cdot f_c + I \sin(2\pi \cdot t \cdot f_m ))$&#10;&#10;&#10;\end{document}"/>
+  <p:tag name="ORIGINALHEIGHT" val="27.16496"/>
+  <p:tag name="ORIGINALWIDTH" val="720.6893"/>
+  <p:tag name="LATEXADDIN" val="\documentclass{article}&#10;\usepackage{amsmath}&#10;\pagestyle{empty}&#10;\begin{document}&#10;&#10;$y(t) = \sin\{2\pi \cdot t \cdot f_c + I_1 \sin[2\pi \cdot t \cdot f_{m1} + I_2 \sin(2\pi \cdot t \cdot f_{m2} )]\}$&#10;&#10;&#10;\end{document}"/>
   <p:tag name="IGUANATEXSIZE" val="20"/>
-  <p:tag name="IGUANATEXCURSOR" val="138"/>
+  <p:tag name="IGUANATEXCURSOR" val="195"/>
   <p:tag name="TRANSPARENCY" val="Wahr"/>
   <p:tag name="FILENAME" val=""/>
   <p:tag name="INPUTTYPE" val="0"/>
@@ -9203,10 +11078,10 @@
 <file path=ppt/tags/tag6.xml><?xml version="1.0" encoding="utf-8"?>
 <p:tagLst xmlns:a="http://schemas.openxmlformats.org/drawingml/2006/main" xmlns:r="http://schemas.openxmlformats.org/officeDocument/2006/relationships" xmlns:p="http://schemas.openxmlformats.org/presentationml/2006/main">
   <p:tag name="ORIGINALHEIGHT" val="124.5174"/>
-  <p:tag name="ORIGINALWIDTH" val="3284.708"/>
-  <p:tag name="LATEXADDIN" val="\documentclass{article}&#10;\usepackage{amsmath}&#10;\pagestyle{empty}&#10;\begin{document}&#10;&#10;$y(t) = \sin(2\pi \cdot t \cdot f_c + I_1 \sin(2\pi \cdot t \cdot f_{m1} + I_2 \sin(2\pi \cdot t \cdot f_{m2} )))$&#10;&#10;&#10;\end{document}"/>
+  <p:tag name="ORIGINALWIDTH" val="3254.704"/>
+  <p:tag name="LATEXADDIN" val="\documentclass{article}&#10;\usepackage{amsmath}&#10;\pagestyle{empty}&#10;\begin{document}&#10;&#10;$y(t) = \sin[2\pi \cdot t \cdot f_c + I_1 \sin(2\pi \cdot t \cdot f_{m1} ) + I_2 \sin(2\pi \cdot t \cdot f_{m2} )]$&#10;&#10;&#10;\end{document}"/>
   <p:tag name="IGUANATEXSIZE" val="20"/>
-  <p:tag name="IGUANATEXCURSOR" val="121"/>
+  <p:tag name="IGUANATEXCURSOR" val="195"/>
   <p:tag name="TRANSPARENCY" val="Wahr"/>
   <p:tag name="FILENAME" val=""/>
   <p:tag name="INPUTTYPE" val="0"/>
@@ -9218,10 +11093,10 @@
 <file path=ppt/tags/tag7.xml><?xml version="1.0" encoding="utf-8"?>
 <p:tagLst xmlns:a="http://schemas.openxmlformats.org/drawingml/2006/main" xmlns:r="http://schemas.openxmlformats.org/officeDocument/2006/relationships" xmlns:p="http://schemas.openxmlformats.org/presentationml/2006/main">
   <p:tag name="ORIGINALHEIGHT" val="124.5174"/>
-  <p:tag name="ORIGINALWIDTH" val="3284.708"/>
-  <p:tag name="LATEXADDIN" val="\documentclass{article}&#10;\usepackage{amsmath}&#10;\pagestyle{empty}&#10;\begin{document}&#10;&#10;$y(t) = \sin(2\pi \cdot t \cdot f_c + I_1 \sin(2\pi \cdot t \cdot f_{m1} ) + I_2 \sin(2\pi \cdot t \cdot f_{m2} ))$&#10;&#10;&#10;\end{document}"/>
+  <p:tag name="ORIGINALWIDTH" val="1994.528"/>
+  <p:tag name="LATEXADDIN" val="\documentclass{article}&#10;\usepackage{amsmath}&#10;\pagestyle{empty}&#10;\begin{document}&#10;&#10;$y(t) = \sin\{2\pi \cdot t \cdot f_c + I \sin[y(t-1)]\}$&#10;&#10;&#10;\end{document}"/>
   <p:tag name="IGUANATEXSIZE" val="20"/>
-  <p:tag name="IGUANATEXCURSOR" val="121"/>
+  <p:tag name="IGUANATEXCURSOR" val="135"/>
   <p:tag name="TRANSPARENCY" val="Wahr"/>
   <p:tag name="FILENAME" val=""/>
   <p:tag name="INPUTTYPE" val="0"/>
@@ -9233,10 +11108,10 @@
 <file path=ppt/tags/tag8.xml><?xml version="1.0" encoding="utf-8"?>
 <p:tagLst xmlns:a="http://schemas.openxmlformats.org/drawingml/2006/main" xmlns:r="http://schemas.openxmlformats.org/officeDocument/2006/relationships" xmlns:p="http://schemas.openxmlformats.org/presentationml/2006/main">
   <p:tag name="ORIGINALHEIGHT" val="124.5174"/>
-  <p:tag name="ORIGINALWIDTH" val="1991.528"/>
-  <p:tag name="LATEXADDIN" val="\documentclass{article}&#10;\usepackage{amsmath}&#10;\pagestyle{empty}&#10;\begin{document}&#10;&#10;$y(t) = \sin(2\pi \cdot t \cdot f_c + I \sin(y(t-1)))$&#10;&#10;&#10;\end{document}"/>
+  <p:tag name="ORIGINALWIDTH" val="2057.537"/>
+  <p:tag name="LATEXADDIN" val="\documentclass{article}&#10;\usepackage{amsmath}&#10;\pagestyle{empty}&#10;\begin{document}&#10;&#10;$y(t) = \sin[2\pi \cdot t \cdot f_c + I \sin(2\pi \cdot t \cdot f_m )]$&#10;&#10;&#10;\end{document}"/>
   <p:tag name="IGUANATEXSIZE" val="20"/>
-  <p:tag name="IGUANATEXCURSOR" val="120"/>
+  <p:tag name="IGUANATEXCURSOR" val="151"/>
   <p:tag name="TRANSPARENCY" val="Wahr"/>
   <p:tag name="FILENAME" val=""/>
   <p:tag name="INPUTTYPE" val="0"/>
@@ -9248,10 +11123,10 @@
 <file path=ppt/tags/tag9.xml><?xml version="1.0" encoding="utf-8"?>
 <p:tagLst xmlns:a="http://schemas.openxmlformats.org/drawingml/2006/main" xmlns:r="http://schemas.openxmlformats.org/officeDocument/2006/relationships" xmlns:p="http://schemas.openxmlformats.org/presentationml/2006/main">
   <p:tag name="ORIGINALHEIGHT" val="113.2658"/>
-  <p:tag name="ORIGINALWIDTH" val="1492.708"/>
-  <p:tag name="LATEXADDIN" val="\documentclass{article}&#10;\usepackage{amsmath}&#10;\pagestyle{empty}&#10;\begin{document}&#10;&#10;$I = 1, f_c = 1000, f_m = 1000$&#10;&#10;&#10;\end{document}"/>
+  <p:tag name="ORIGINALWIDTH" val="1359.94"/>
+  <p:tag name="LATEXADDIN" val="\documentclass{article}&#10;\usepackage{amsmath}&#10;\pagestyle{empty}&#10;\begin{document}&#10;&#10;$f_c = 500, f_m = 500, I = 1$&#10;&#10;&#10;\end{document}"/>
   <p:tag name="IGUANATEXSIZE" val="20"/>
-  <p:tag name="IGUANATEXCURSOR" val="112"/>
+  <p:tag name="IGUANATEXCURSOR" val="102"/>
   <p:tag name="TRANSPARENCY" val="Wahr"/>
   <p:tag name="FILENAME" val=""/>
   <p:tag name="INPUTTYPE" val="0"/>

--- a/Praesentation/FMSynthese-Gary.pptx
+++ b/Praesentation/FMSynthese-Gary.pptx
@@ -5,32 +5,33 @@
     <p:sldMasterId id="2147483648" r:id="rId1"/>
   </p:sldMasterIdLst>
   <p:notesMasterIdLst>
-    <p:notesMasterId r:id="rId25"/>
+    <p:notesMasterId r:id="rId26"/>
   </p:notesMasterIdLst>
   <p:sldIdLst>
     <p:sldId id="259" r:id="rId2"/>
     <p:sldId id="258" r:id="rId3"/>
     <p:sldId id="265" r:id="rId4"/>
-    <p:sldId id="260" r:id="rId5"/>
-    <p:sldId id="261" r:id="rId6"/>
-    <p:sldId id="272" r:id="rId7"/>
-    <p:sldId id="262" r:id="rId8"/>
-    <p:sldId id="263" r:id="rId9"/>
-    <p:sldId id="271" r:id="rId10"/>
-    <p:sldId id="264" r:id="rId11"/>
-    <p:sldId id="266" r:id="rId12"/>
-    <p:sldId id="267" r:id="rId13"/>
-    <p:sldId id="268" r:id="rId14"/>
-    <p:sldId id="269" r:id="rId15"/>
-    <p:sldId id="270" r:id="rId16"/>
-    <p:sldId id="274" r:id="rId17"/>
-    <p:sldId id="273" r:id="rId18"/>
-    <p:sldId id="280" r:id="rId19"/>
-    <p:sldId id="275" r:id="rId20"/>
-    <p:sldId id="276" r:id="rId21"/>
-    <p:sldId id="279" r:id="rId22"/>
-    <p:sldId id="277" r:id="rId23"/>
-    <p:sldId id="278" r:id="rId24"/>
+    <p:sldId id="281" r:id="rId5"/>
+    <p:sldId id="260" r:id="rId6"/>
+    <p:sldId id="261" r:id="rId7"/>
+    <p:sldId id="272" r:id="rId8"/>
+    <p:sldId id="262" r:id="rId9"/>
+    <p:sldId id="263" r:id="rId10"/>
+    <p:sldId id="271" r:id="rId11"/>
+    <p:sldId id="264" r:id="rId12"/>
+    <p:sldId id="266" r:id="rId13"/>
+    <p:sldId id="267" r:id="rId14"/>
+    <p:sldId id="268" r:id="rId15"/>
+    <p:sldId id="269" r:id="rId16"/>
+    <p:sldId id="270" r:id="rId17"/>
+    <p:sldId id="274" r:id="rId18"/>
+    <p:sldId id="273" r:id="rId19"/>
+    <p:sldId id="280" r:id="rId20"/>
+    <p:sldId id="275" r:id="rId21"/>
+    <p:sldId id="276" r:id="rId22"/>
+    <p:sldId id="279" r:id="rId23"/>
+    <p:sldId id="277" r:id="rId24"/>
+    <p:sldId id="278" r:id="rId25"/>
   </p:sldIdLst>
   <p:sldSz cx="9144000" cy="5143500" type="screen16x9"/>
   <p:notesSz cx="6858000" cy="9144000"/>
@@ -757,6 +758,115 @@
           <a:lstStyle/>
           <a:p>
             <a:r>
+              <a:rPr lang="en-US" dirty="0" smtClean="0">
+                <a:effectLst/>
+              </a:rPr>
+              <a:t>C5 c</a:t>
+            </a:r>
+            <a:r>
+              <a:rPr lang="en-US" baseline="30000" dirty="0" smtClean="0">
+                <a:effectLst/>
+              </a:rPr>
+              <a:t>2 </a:t>
+            </a:r>
+            <a:r>
+              <a:rPr lang="en-US" dirty="0" smtClean="0">
+                <a:effectLst/>
+              </a:rPr>
+              <a:t>523,251   524</a:t>
+            </a:r>
+          </a:p>
+          <a:p>
+            <a:r>
+              <a:rPr lang="de-DE" dirty="0" smtClean="0"/>
+              <a:t>2. Seitenfrequenz 1048</a:t>
+            </a:r>
+            <a:endParaRPr lang="en-US" dirty="0"/>
+          </a:p>
+        </p:txBody>
+      </p:sp>
+      <p:sp>
+        <p:nvSpPr>
+          <p:cNvPr id="4" name="Foliennummernplatzhalter 3"/>
+          <p:cNvSpPr>
+            <a:spLocks noGrp="1"/>
+          </p:cNvSpPr>
+          <p:nvPr>
+            <p:ph type="sldNum" sz="quarter" idx="10"/>
+          </p:nvPr>
+        </p:nvSpPr>
+        <p:spPr/>
+        <p:txBody>
+          <a:bodyPr/>
+          <a:lstStyle/>
+          <a:p>
+            <a:fld id="{B162E40F-E87F-4C0D-9DAF-92DD7B84B6D5}" type="slidenum">
+              <a:rPr lang="de-DE" smtClean="0"/>
+              <a:pPr/>
+              <a:t>4</a:t>
+            </a:fld>
+            <a:endParaRPr lang="de-DE"/>
+          </a:p>
+        </p:txBody>
+      </p:sp>
+    </p:spTree>
+    <p:extLst>
+      <p:ext uri="{BB962C8B-B14F-4D97-AF65-F5344CB8AC3E}">
+        <p14:creationId xmlns:p14="http://schemas.microsoft.com/office/powerpoint/2010/main" val="4096317560"/>
+      </p:ext>
+    </p:extLst>
+  </p:cSld>
+  <p:clrMapOvr>
+    <a:masterClrMapping/>
+  </p:clrMapOvr>
+</p:notes>
+</file>
+
+<file path=ppt/notesSlides/notesSlide4.xml><?xml version="1.0" encoding="utf-8"?>
+<p:notes xmlns:a="http://schemas.openxmlformats.org/drawingml/2006/main" xmlns:r="http://schemas.openxmlformats.org/officeDocument/2006/relationships" xmlns:p="http://schemas.openxmlformats.org/presentationml/2006/main">
+  <p:cSld>
+    <p:spTree>
+      <p:nvGrpSpPr>
+        <p:cNvPr id="1" name=""/>
+        <p:cNvGrpSpPr/>
+        <p:nvPr/>
+      </p:nvGrpSpPr>
+      <p:grpSpPr>
+        <a:xfrm>
+          <a:off x="0" y="0"/>
+          <a:ext cx="0" cy="0"/>
+          <a:chOff x="0" y="0"/>
+          <a:chExt cx="0" cy="0"/>
+        </a:xfrm>
+      </p:grpSpPr>
+      <p:sp>
+        <p:nvSpPr>
+          <p:cNvPr id="2" name="Folienbildplatzhalter 1"/>
+          <p:cNvSpPr>
+            <a:spLocks noGrp="1" noRot="1" noChangeAspect="1"/>
+          </p:cNvSpPr>
+          <p:nvPr>
+            <p:ph type="sldImg"/>
+          </p:nvPr>
+        </p:nvSpPr>
+        <p:spPr/>
+      </p:sp>
+      <p:sp>
+        <p:nvSpPr>
+          <p:cNvPr id="3" name="Notizenplatzhalter 2"/>
+          <p:cNvSpPr>
+            <a:spLocks noGrp="1"/>
+          </p:cNvSpPr>
+          <p:nvPr>
+            <p:ph type="body" idx="1"/>
+          </p:nvPr>
+        </p:nvSpPr>
+        <p:spPr/>
+        <p:txBody>
+          <a:bodyPr/>
+          <a:lstStyle/>
+          <a:p>
+            <a:r>
               <a:rPr lang="de-DE" dirty="0" smtClean="0"/>
               <a:t>1 = Sample</a:t>
             </a:r>
@@ -811,7 +921,7 @@
             <a:fld id="{B162E40F-E87F-4C0D-9DAF-92DD7B84B6D5}" type="slidenum">
               <a:rPr lang="de-DE" smtClean="0"/>
               <a:pPr/>
-              <a:t>18</a:t>
+              <a:t>19</a:t>
             </a:fld>
             <a:endParaRPr lang="de-DE"/>
           </a:p>
@@ -1105,13 +1215,13 @@
   <p:clrMapOvr>
     <a:masterClrMapping/>
   </p:clrMapOvr>
-  <mc:AlternateContent xmlns:mc="http://schemas.openxmlformats.org/markup-compatibility/2006">
-    <mc:Choice xmlns:p14="http://schemas.microsoft.com/office/powerpoint/2010/main" Requires="p14">
+  <mc:AlternateContent xmlns:mc="http://schemas.openxmlformats.org/markup-compatibility/2006" xmlns:p14="http://schemas.microsoft.com/office/powerpoint/2010/main">
+    <mc:Choice Requires="p14">
       <p:transition spd="med" p14:dur="700">
         <p:fade/>
       </p:transition>
     </mc:Choice>
-    <mc:Fallback>
+    <mc:Fallback xmlns="">
       <p:transition spd="med">
         <p:fade/>
       </p:transition>
@@ -1294,13 +1404,13 @@
   <p:clrMapOvr>
     <a:masterClrMapping/>
   </p:clrMapOvr>
-  <mc:AlternateContent xmlns:mc="http://schemas.openxmlformats.org/markup-compatibility/2006">
-    <mc:Choice xmlns:p14="http://schemas.microsoft.com/office/powerpoint/2010/main" Requires="p14">
+  <mc:AlternateContent xmlns:mc="http://schemas.openxmlformats.org/markup-compatibility/2006" xmlns:p14="http://schemas.microsoft.com/office/powerpoint/2010/main">
+    <mc:Choice Requires="p14">
       <p:transition spd="med" p14:dur="700">
         <p:fade/>
       </p:transition>
     </mc:Choice>
-    <mc:Fallback>
+    <mc:Fallback xmlns="">
       <p:transition spd="med">
         <p:fade/>
       </p:transition>
@@ -1486,13 +1596,13 @@
   <p:clrMapOvr>
     <a:masterClrMapping/>
   </p:clrMapOvr>
-  <mc:AlternateContent xmlns:mc="http://schemas.openxmlformats.org/markup-compatibility/2006">
-    <mc:Choice xmlns:p14="http://schemas.microsoft.com/office/powerpoint/2010/main" Requires="p14">
+  <mc:AlternateContent xmlns:mc="http://schemas.openxmlformats.org/markup-compatibility/2006" xmlns:p14="http://schemas.microsoft.com/office/powerpoint/2010/main">
+    <mc:Choice Requires="p14">
       <p:transition spd="med" p14:dur="700">
         <p:fade/>
       </p:transition>
     </mc:Choice>
-    <mc:Fallback>
+    <mc:Fallback xmlns="">
       <p:transition spd="med">
         <p:fade/>
       </p:transition>
@@ -1679,13 +1789,13 @@
   <p:clrMapOvr>
     <a:masterClrMapping/>
   </p:clrMapOvr>
-  <mc:AlternateContent xmlns:mc="http://schemas.openxmlformats.org/markup-compatibility/2006">
-    <mc:Choice xmlns:p14="http://schemas.microsoft.com/office/powerpoint/2010/main" Requires="p14">
+  <mc:AlternateContent xmlns:mc="http://schemas.openxmlformats.org/markup-compatibility/2006" xmlns:p14="http://schemas.microsoft.com/office/powerpoint/2010/main">
+    <mc:Choice Requires="p14">
       <p:transition spd="med" p14:dur="700">
         <p:fade/>
       </p:transition>
     </mc:Choice>
-    <mc:Fallback>
+    <mc:Fallback xmlns="">
       <p:transition spd="med">
         <p:fade/>
       </p:transition>
@@ -1944,13 +2054,13 @@
   <p:clrMapOvr>
     <a:masterClrMapping/>
   </p:clrMapOvr>
-  <mc:AlternateContent xmlns:mc="http://schemas.openxmlformats.org/markup-compatibility/2006">
-    <mc:Choice xmlns:p14="http://schemas.microsoft.com/office/powerpoint/2010/main" Requires="p14">
+  <mc:AlternateContent xmlns:mc="http://schemas.openxmlformats.org/markup-compatibility/2006" xmlns:p14="http://schemas.microsoft.com/office/powerpoint/2010/main">
+    <mc:Choice Requires="p14">
       <p:transition spd="med" p14:dur="700">
         <p:fade/>
       </p:transition>
     </mc:Choice>
-    <mc:Fallback>
+    <mc:Fallback xmlns="">
       <p:transition spd="med">
         <p:fade/>
       </p:transition>
@@ -2251,13 +2361,13 @@
   <p:clrMapOvr>
     <a:masterClrMapping/>
   </p:clrMapOvr>
-  <mc:AlternateContent xmlns:mc="http://schemas.openxmlformats.org/markup-compatibility/2006">
-    <mc:Choice xmlns:p14="http://schemas.microsoft.com/office/powerpoint/2010/main" Requires="p14">
+  <mc:AlternateContent xmlns:mc="http://schemas.openxmlformats.org/markup-compatibility/2006" xmlns:p14="http://schemas.microsoft.com/office/powerpoint/2010/main">
+    <mc:Choice Requires="p14">
       <p:transition spd="med" p14:dur="700">
         <p:fade/>
       </p:transition>
     </mc:Choice>
-    <mc:Fallback>
+    <mc:Fallback xmlns="">
       <p:transition spd="med">
         <p:fade/>
       </p:transition>
@@ -2692,13 +2802,13 @@
   <p:clrMapOvr>
     <a:masterClrMapping/>
   </p:clrMapOvr>
-  <mc:AlternateContent xmlns:mc="http://schemas.openxmlformats.org/markup-compatibility/2006">
-    <mc:Choice xmlns:p14="http://schemas.microsoft.com/office/powerpoint/2010/main" Requires="p14">
+  <mc:AlternateContent xmlns:mc="http://schemas.openxmlformats.org/markup-compatibility/2006" xmlns:p14="http://schemas.microsoft.com/office/powerpoint/2010/main">
+    <mc:Choice Requires="p14">
       <p:transition spd="med" p14:dur="700">
         <p:fade/>
       </p:transition>
     </mc:Choice>
-    <mc:Fallback>
+    <mc:Fallback xmlns="">
       <p:transition spd="med">
         <p:fade/>
       </p:transition>
@@ -2829,13 +2939,13 @@
   <p:clrMapOvr>
     <a:masterClrMapping/>
   </p:clrMapOvr>
-  <mc:AlternateContent xmlns:mc="http://schemas.openxmlformats.org/markup-compatibility/2006">
-    <mc:Choice xmlns:p14="http://schemas.microsoft.com/office/powerpoint/2010/main" Requires="p14">
+  <mc:AlternateContent xmlns:mc="http://schemas.openxmlformats.org/markup-compatibility/2006" xmlns:p14="http://schemas.microsoft.com/office/powerpoint/2010/main">
+    <mc:Choice Requires="p14">
       <p:transition spd="med" p14:dur="700">
         <p:fade/>
       </p:transition>
     </mc:Choice>
-    <mc:Fallback>
+    <mc:Fallback xmlns="">
       <p:transition spd="med">
         <p:fade/>
       </p:transition>
@@ -2936,13 +3046,13 @@
   <p:clrMapOvr>
     <a:masterClrMapping/>
   </p:clrMapOvr>
-  <mc:AlternateContent xmlns:mc="http://schemas.openxmlformats.org/markup-compatibility/2006">
-    <mc:Choice xmlns:p14="http://schemas.microsoft.com/office/powerpoint/2010/main" Requires="p14">
+  <mc:AlternateContent xmlns:mc="http://schemas.openxmlformats.org/markup-compatibility/2006" xmlns:p14="http://schemas.microsoft.com/office/powerpoint/2010/main">
+    <mc:Choice Requires="p14">
       <p:transition spd="med" p14:dur="700">
         <p:fade/>
       </p:transition>
     </mc:Choice>
-    <mc:Fallback>
+    <mc:Fallback xmlns="">
       <p:transition spd="med">
         <p:fade/>
       </p:transition>
@@ -3225,13 +3335,13 @@
   <p:clrMapOvr>
     <a:masterClrMapping/>
   </p:clrMapOvr>
-  <mc:AlternateContent xmlns:mc="http://schemas.openxmlformats.org/markup-compatibility/2006">
-    <mc:Choice xmlns:p14="http://schemas.microsoft.com/office/powerpoint/2010/main" Requires="p14">
+  <mc:AlternateContent xmlns:mc="http://schemas.openxmlformats.org/markup-compatibility/2006" xmlns:p14="http://schemas.microsoft.com/office/powerpoint/2010/main">
+    <mc:Choice Requires="p14">
       <p:transition spd="med" p14:dur="700">
         <p:fade/>
       </p:transition>
     </mc:Choice>
-    <mc:Fallback>
+    <mc:Fallback xmlns="">
       <p:transition spd="med">
         <p:fade/>
       </p:transition>
@@ -3490,13 +3600,13 @@
   <p:clrMapOvr>
     <a:masterClrMapping/>
   </p:clrMapOvr>
-  <mc:AlternateContent xmlns:mc="http://schemas.openxmlformats.org/markup-compatibility/2006">
-    <mc:Choice xmlns:p14="http://schemas.microsoft.com/office/powerpoint/2010/main" Requires="p14">
+  <mc:AlternateContent xmlns:mc="http://schemas.openxmlformats.org/markup-compatibility/2006" xmlns:p14="http://schemas.microsoft.com/office/powerpoint/2010/main">
+    <mc:Choice Requires="p14">
       <p:transition spd="med" p14:dur="700">
         <p:fade/>
       </p:transition>
     </mc:Choice>
-    <mc:Fallback>
+    <mc:Fallback xmlns="">
       <p:transition spd="med">
         <p:fade/>
       </p:transition>
@@ -3790,13 +3900,13 @@
     <p:sldLayoutId id="2147483658" r:id="rId10"/>
     <p:sldLayoutId id="2147483659" r:id="rId11"/>
   </p:sldLayoutIdLst>
-  <mc:AlternateContent xmlns:mc="http://schemas.openxmlformats.org/markup-compatibility/2006">
-    <mc:Choice xmlns:p14="http://schemas.microsoft.com/office/powerpoint/2010/main" Requires="p14">
+  <mc:AlternateContent xmlns:mc="http://schemas.openxmlformats.org/markup-compatibility/2006" xmlns:p14="http://schemas.microsoft.com/office/powerpoint/2010/main">
+    <mc:Choice Requires="p14">
       <p:transition spd="med" p14:dur="700">
         <p:fade/>
       </p:transition>
     </mc:Choice>
-    <mc:Fallback>
+    <mc:Fallback xmlns="">
       <p:transition spd="med">
         <p:fade/>
       </p:transition>
@@ -4152,13 +4262,13 @@
   <p:clrMapOvr>
     <a:masterClrMapping/>
   </p:clrMapOvr>
-  <mc:AlternateContent xmlns:mc="http://schemas.openxmlformats.org/markup-compatibility/2006">
-    <mc:Choice xmlns:p14="http://schemas.microsoft.com/office/powerpoint/2010/main" Requires="p14">
+  <mc:AlternateContent xmlns:mc="http://schemas.openxmlformats.org/markup-compatibility/2006" xmlns:p14="http://schemas.microsoft.com/office/powerpoint/2010/main">
+    <mc:Choice Requires="p14">
       <p:transition spd="med" p14:dur="700">
         <p:fade/>
       </p:transition>
     </mc:Choice>
-    <mc:Fallback>
+    <mc:Fallback xmlns="">
       <p:transition spd="med">
         <p:fade/>
       </p:transition>
@@ -4201,14 +4311,19 @@
             <p:ph type="title"/>
           </p:nvPr>
         </p:nvSpPr>
-        <p:spPr/>
+        <p:spPr>
+          <a:xfrm>
+            <a:off x="492224" y="87612"/>
+            <a:ext cx="8229600" cy="857250"/>
+          </a:xfrm>
+        </p:spPr>
         <p:txBody>
           <a:bodyPr/>
           <a:lstStyle/>
           <a:p>
             <a:r>
               <a:rPr lang="de-DE" dirty="0" smtClean="0"/>
-              <a:t>Filter</a:t>
+              <a:t>Rauschen</a:t>
             </a:r>
             <a:endParaRPr lang="en-US" dirty="0"/>
           </a:p>
@@ -4224,16 +4339,54 @@
             <p:ph idx="1"/>
           </p:nvPr>
         </p:nvSpPr>
-        <p:spPr/>
-        <p:txBody>
-          <a:bodyPr/>
-          <a:lstStyle/>
-          <a:p>
-            <a:r>
-              <a:rPr lang="de-DE" dirty="0" err="1" smtClean="0"/>
-              <a:t>Hochpass</a:t>
+        <p:spPr>
+          <a:xfrm>
+            <a:off x="457200" y="1200151"/>
+            <a:ext cx="5482952" cy="3394472"/>
+          </a:xfrm>
+        </p:spPr>
+        <p:txBody>
+          <a:bodyPr>
+            <a:normAutofit/>
+          </a:bodyPr>
+          <a:lstStyle/>
+          <a:p>
+            <a:r>
+              <a:rPr lang="de-DE" dirty="0"/>
+              <a:t>Instrumente erzeugen Rauschen</a:t>
+            </a:r>
+          </a:p>
+          <a:p>
+            <a:pPr lvl="1"/>
+            <a:r>
+              <a:rPr lang="de-DE" dirty="0" err="1"/>
+              <a:t>Luftverwirbelungen</a:t>
             </a:r>
             <a:endParaRPr lang="de-DE" dirty="0"/>
+          </a:p>
+          <a:p>
+            <a:pPr lvl="1"/>
+            <a:r>
+              <a:rPr lang="de-DE" dirty="0"/>
+              <a:t>Blasgeräusche</a:t>
+            </a:r>
+          </a:p>
+          <a:p>
+            <a:pPr lvl="1"/>
+            <a:r>
+              <a:rPr lang="de-DE" dirty="0"/>
+              <a:t>Unebenheiten der </a:t>
+            </a:r>
+            <a:r>
+              <a:rPr lang="de-DE" dirty="0" smtClean="0"/>
+              <a:t>Bauform</a:t>
+            </a:r>
+          </a:p>
+          <a:p>
+            <a:r>
+              <a:rPr lang="de-DE" dirty="0" smtClean="0"/>
+              <a:t>Feedback-FM kann Rauschen generieren</a:t>
+            </a:r>
           </a:p>
         </p:txBody>
       </p:sp>
@@ -4301,6 +4454,484 @@
             <a:fld id="{8740CB20-F870-467D-84CE-AB32061190A1}" type="slidenum">
               <a:rPr lang="en-US" smtClean="0"/>
               <a:t>10</a:t>
+            </a:fld>
+            <a:r>
+              <a:rPr lang="de-DE" smtClean="0"/>
+              <a:t>   </a:t>
+            </a:r>
+            <a:endParaRPr lang="de-DE" dirty="0"/>
+          </a:p>
+        </p:txBody>
+      </p:sp>
+      <p:pic>
+        <p:nvPicPr>
+          <p:cNvPr id="15" name="Grafik 14"/>
+          <p:cNvPicPr>
+            <a:picLocks noChangeAspect="1"/>
+          </p:cNvPicPr>
+          <p:nvPr/>
+        </p:nvPicPr>
+        <p:blipFill>
+          <a:blip r:embed="rId2" cstate="print">
+            <a:extLst>
+              <a:ext uri="{28A0092B-C50C-407E-A947-70E740481C1C}">
+                <a14:useLocalDpi xmlns:a14="http://schemas.microsoft.com/office/drawing/2010/main" val="0"/>
+              </a:ext>
+            </a:extLst>
+          </a:blip>
+          <a:stretch>
+            <a:fillRect/>
+          </a:stretch>
+        </p:blipFill>
+        <p:spPr>
+          <a:xfrm>
+            <a:off x="5961517" y="1059582"/>
+            <a:ext cx="2760306" cy="3312368"/>
+          </a:xfrm>
+          <a:prstGeom prst="rect">
+            <a:avLst/>
+          </a:prstGeom>
+        </p:spPr>
+      </p:pic>
+    </p:spTree>
+    <p:extLst>
+      <p:ext uri="{BB962C8B-B14F-4D97-AF65-F5344CB8AC3E}">
+        <p14:creationId xmlns:p14="http://schemas.microsoft.com/office/powerpoint/2010/main" val="628179053"/>
+      </p:ext>
+    </p:extLst>
+  </p:cSld>
+  <p:clrMapOvr>
+    <a:masterClrMapping/>
+  </p:clrMapOvr>
+  <mc:AlternateContent xmlns:mc="http://schemas.openxmlformats.org/markup-compatibility/2006" xmlns:p14="http://schemas.microsoft.com/office/powerpoint/2010/main">
+    <mc:Choice Requires="p14">
+      <p:transition spd="med" p14:dur="700">
+        <p:fade/>
+      </p:transition>
+    </mc:Choice>
+    <mc:Fallback xmlns="">
+      <p:transition spd="med">
+        <p:fade/>
+      </p:transition>
+    </mc:Fallback>
+  </mc:AlternateContent>
+  <p:timing>
+    <p:tnLst>
+      <p:par>
+        <p:cTn id="1" dur="indefinite" restart="never" nodeType="tmRoot">
+          <p:childTnLst>
+            <p:seq concurrent="1" nextAc="seek">
+              <p:cTn id="2" dur="indefinite" nodeType="mainSeq">
+                <p:childTnLst>
+                  <p:par>
+                    <p:cTn id="3" fill="hold">
+                      <p:stCondLst>
+                        <p:cond delay="indefinite"/>
+                        <p:cond evt="onBegin" delay="0">
+                          <p:tn val="2"/>
+                        </p:cond>
+                      </p:stCondLst>
+                      <p:childTnLst>
+                        <p:par>
+                          <p:cTn id="4" fill="hold">
+                            <p:stCondLst>
+                              <p:cond delay="0"/>
+                            </p:stCondLst>
+                            <p:childTnLst>
+                              <p:par>
+                                <p:cTn id="5" presetID="10" presetClass="entr" presetSubtype="0" fill="hold" grpId="0" nodeType="withEffect">
+                                  <p:stCondLst>
+                                    <p:cond delay="0"/>
+                                  </p:stCondLst>
+                                  <p:childTnLst>
+                                    <p:set>
+                                      <p:cBhvr>
+                                        <p:cTn id="6" dur="1" fill="hold">
+                                          <p:stCondLst>
+                                            <p:cond delay="0"/>
+                                          </p:stCondLst>
+                                        </p:cTn>
+                                        <p:tgtEl>
+                                          <p:spTgt spid="3">
+                                            <p:txEl>
+                                              <p:pRg st="0" end="0"/>
+                                            </p:txEl>
+                                          </p:spTgt>
+                                        </p:tgtEl>
+                                        <p:attrNameLst>
+                                          <p:attrName>style.visibility</p:attrName>
+                                        </p:attrNameLst>
+                                      </p:cBhvr>
+                                      <p:to>
+                                        <p:strVal val="visible"/>
+                                      </p:to>
+                                    </p:set>
+                                    <p:animEffect transition="in" filter="fade">
+                                      <p:cBhvr>
+                                        <p:cTn id="7" dur="500"/>
+                                        <p:tgtEl>
+                                          <p:spTgt spid="3">
+                                            <p:txEl>
+                                              <p:pRg st="0" end="0"/>
+                                            </p:txEl>
+                                          </p:spTgt>
+                                        </p:tgtEl>
+                                      </p:cBhvr>
+                                    </p:animEffect>
+                                  </p:childTnLst>
+                                </p:cTn>
+                              </p:par>
+                              <p:par>
+                                <p:cTn id="8" presetID="10" presetClass="entr" presetSubtype="0" fill="hold" grpId="0" nodeType="withEffect">
+                                  <p:stCondLst>
+                                    <p:cond delay="0"/>
+                                  </p:stCondLst>
+                                  <p:childTnLst>
+                                    <p:set>
+                                      <p:cBhvr>
+                                        <p:cTn id="9" dur="1" fill="hold">
+                                          <p:stCondLst>
+                                            <p:cond delay="0"/>
+                                          </p:stCondLst>
+                                        </p:cTn>
+                                        <p:tgtEl>
+                                          <p:spTgt spid="3">
+                                            <p:txEl>
+                                              <p:pRg st="1" end="1"/>
+                                            </p:txEl>
+                                          </p:spTgt>
+                                        </p:tgtEl>
+                                        <p:attrNameLst>
+                                          <p:attrName>style.visibility</p:attrName>
+                                        </p:attrNameLst>
+                                      </p:cBhvr>
+                                      <p:to>
+                                        <p:strVal val="visible"/>
+                                      </p:to>
+                                    </p:set>
+                                    <p:animEffect transition="in" filter="fade">
+                                      <p:cBhvr>
+                                        <p:cTn id="10" dur="500"/>
+                                        <p:tgtEl>
+                                          <p:spTgt spid="3">
+                                            <p:txEl>
+                                              <p:pRg st="1" end="1"/>
+                                            </p:txEl>
+                                          </p:spTgt>
+                                        </p:tgtEl>
+                                      </p:cBhvr>
+                                    </p:animEffect>
+                                  </p:childTnLst>
+                                </p:cTn>
+                              </p:par>
+                              <p:par>
+                                <p:cTn id="11" presetID="10" presetClass="entr" presetSubtype="0" fill="hold" grpId="0" nodeType="withEffect">
+                                  <p:stCondLst>
+                                    <p:cond delay="0"/>
+                                  </p:stCondLst>
+                                  <p:childTnLst>
+                                    <p:set>
+                                      <p:cBhvr>
+                                        <p:cTn id="12" dur="1" fill="hold">
+                                          <p:stCondLst>
+                                            <p:cond delay="0"/>
+                                          </p:stCondLst>
+                                        </p:cTn>
+                                        <p:tgtEl>
+                                          <p:spTgt spid="3">
+                                            <p:txEl>
+                                              <p:pRg st="2" end="2"/>
+                                            </p:txEl>
+                                          </p:spTgt>
+                                        </p:tgtEl>
+                                        <p:attrNameLst>
+                                          <p:attrName>style.visibility</p:attrName>
+                                        </p:attrNameLst>
+                                      </p:cBhvr>
+                                      <p:to>
+                                        <p:strVal val="visible"/>
+                                      </p:to>
+                                    </p:set>
+                                    <p:animEffect transition="in" filter="fade">
+                                      <p:cBhvr>
+                                        <p:cTn id="13" dur="500"/>
+                                        <p:tgtEl>
+                                          <p:spTgt spid="3">
+                                            <p:txEl>
+                                              <p:pRg st="2" end="2"/>
+                                            </p:txEl>
+                                          </p:spTgt>
+                                        </p:tgtEl>
+                                      </p:cBhvr>
+                                    </p:animEffect>
+                                  </p:childTnLst>
+                                </p:cTn>
+                              </p:par>
+                              <p:par>
+                                <p:cTn id="14" presetID="10" presetClass="entr" presetSubtype="0" fill="hold" grpId="0" nodeType="withEffect">
+                                  <p:stCondLst>
+                                    <p:cond delay="0"/>
+                                  </p:stCondLst>
+                                  <p:childTnLst>
+                                    <p:set>
+                                      <p:cBhvr>
+                                        <p:cTn id="15" dur="1" fill="hold">
+                                          <p:stCondLst>
+                                            <p:cond delay="0"/>
+                                          </p:stCondLst>
+                                        </p:cTn>
+                                        <p:tgtEl>
+                                          <p:spTgt spid="3">
+                                            <p:txEl>
+                                              <p:pRg st="3" end="3"/>
+                                            </p:txEl>
+                                          </p:spTgt>
+                                        </p:tgtEl>
+                                        <p:attrNameLst>
+                                          <p:attrName>style.visibility</p:attrName>
+                                        </p:attrNameLst>
+                                      </p:cBhvr>
+                                      <p:to>
+                                        <p:strVal val="visible"/>
+                                      </p:to>
+                                    </p:set>
+                                    <p:animEffect transition="in" filter="fade">
+                                      <p:cBhvr>
+                                        <p:cTn id="16" dur="500"/>
+                                        <p:tgtEl>
+                                          <p:spTgt spid="3">
+                                            <p:txEl>
+                                              <p:pRg st="3" end="3"/>
+                                            </p:txEl>
+                                          </p:spTgt>
+                                        </p:tgtEl>
+                                      </p:cBhvr>
+                                    </p:animEffect>
+                                  </p:childTnLst>
+                                </p:cTn>
+                              </p:par>
+                            </p:childTnLst>
+                          </p:cTn>
+                        </p:par>
+                      </p:childTnLst>
+                    </p:cTn>
+                  </p:par>
+                  <p:par>
+                    <p:cTn id="17" fill="hold">
+                      <p:stCondLst>
+                        <p:cond delay="indefinite"/>
+                      </p:stCondLst>
+                      <p:childTnLst>
+                        <p:par>
+                          <p:cTn id="18" fill="hold">
+                            <p:stCondLst>
+                              <p:cond delay="0"/>
+                            </p:stCondLst>
+                            <p:childTnLst>
+                              <p:par>
+                                <p:cTn id="19" presetID="10" presetClass="entr" presetSubtype="0" fill="hold" grpId="0" nodeType="clickEffect">
+                                  <p:stCondLst>
+                                    <p:cond delay="0"/>
+                                  </p:stCondLst>
+                                  <p:childTnLst>
+                                    <p:set>
+                                      <p:cBhvr>
+                                        <p:cTn id="20" dur="1" fill="hold">
+                                          <p:stCondLst>
+                                            <p:cond delay="0"/>
+                                          </p:stCondLst>
+                                        </p:cTn>
+                                        <p:tgtEl>
+                                          <p:spTgt spid="3">
+                                            <p:txEl>
+                                              <p:pRg st="4" end="4"/>
+                                            </p:txEl>
+                                          </p:spTgt>
+                                        </p:tgtEl>
+                                        <p:attrNameLst>
+                                          <p:attrName>style.visibility</p:attrName>
+                                        </p:attrNameLst>
+                                      </p:cBhvr>
+                                      <p:to>
+                                        <p:strVal val="visible"/>
+                                      </p:to>
+                                    </p:set>
+                                    <p:animEffect transition="in" filter="fade">
+                                      <p:cBhvr>
+                                        <p:cTn id="21" dur="500"/>
+                                        <p:tgtEl>
+                                          <p:spTgt spid="3">
+                                            <p:txEl>
+                                              <p:pRg st="4" end="4"/>
+                                            </p:txEl>
+                                          </p:spTgt>
+                                        </p:tgtEl>
+                                      </p:cBhvr>
+                                    </p:animEffect>
+                                  </p:childTnLst>
+                                </p:cTn>
+                              </p:par>
+                            </p:childTnLst>
+                          </p:cTn>
+                        </p:par>
+                      </p:childTnLst>
+                    </p:cTn>
+                  </p:par>
+                </p:childTnLst>
+              </p:cTn>
+              <p:prevCondLst>
+                <p:cond evt="onPrev" delay="0">
+                  <p:tgtEl>
+                    <p:sldTgt/>
+                  </p:tgtEl>
+                </p:cond>
+              </p:prevCondLst>
+              <p:nextCondLst>
+                <p:cond evt="onNext" delay="0">
+                  <p:tgtEl>
+                    <p:sldTgt/>
+                  </p:tgtEl>
+                </p:cond>
+              </p:nextCondLst>
+            </p:seq>
+          </p:childTnLst>
+        </p:cTn>
+      </p:par>
+    </p:tnLst>
+    <p:bldLst>
+      <p:bldP spid="3" grpId="0" uiExpand="1" build="p"/>
+    </p:bldLst>
+  </p:timing>
+</p:sld>
+</file>
+
+<file path=ppt/slides/slide11.xml><?xml version="1.0" encoding="utf-8"?>
+<p:sld xmlns:a="http://schemas.openxmlformats.org/drawingml/2006/main" xmlns:r="http://schemas.openxmlformats.org/officeDocument/2006/relationships" xmlns:p="http://schemas.openxmlformats.org/presentationml/2006/main">
+  <p:cSld>
+    <p:spTree>
+      <p:nvGrpSpPr>
+        <p:cNvPr id="1" name=""/>
+        <p:cNvGrpSpPr/>
+        <p:nvPr/>
+      </p:nvGrpSpPr>
+      <p:grpSpPr>
+        <a:xfrm>
+          <a:off x="0" y="0"/>
+          <a:ext cx="0" cy="0"/>
+          <a:chOff x="0" y="0"/>
+          <a:chExt cx="0" cy="0"/>
+        </a:xfrm>
+      </p:grpSpPr>
+      <p:sp>
+        <p:nvSpPr>
+          <p:cNvPr id="2" name="Titel 1"/>
+          <p:cNvSpPr>
+            <a:spLocks noGrp="1"/>
+          </p:cNvSpPr>
+          <p:nvPr>
+            <p:ph type="title"/>
+          </p:nvPr>
+        </p:nvSpPr>
+        <p:spPr/>
+        <p:txBody>
+          <a:bodyPr/>
+          <a:lstStyle/>
+          <a:p>
+            <a:r>
+              <a:rPr lang="de-DE" dirty="0" smtClean="0"/>
+              <a:t>Filter</a:t>
+            </a:r>
+            <a:endParaRPr lang="en-US" dirty="0"/>
+          </a:p>
+        </p:txBody>
+      </p:sp>
+      <p:sp>
+        <p:nvSpPr>
+          <p:cNvPr id="3" name="Inhaltsplatzhalter 2"/>
+          <p:cNvSpPr>
+            <a:spLocks noGrp="1"/>
+          </p:cNvSpPr>
+          <p:nvPr>
+            <p:ph idx="1"/>
+          </p:nvPr>
+        </p:nvSpPr>
+        <p:spPr/>
+        <p:txBody>
+          <a:bodyPr/>
+          <a:lstStyle/>
+          <a:p>
+            <a:r>
+              <a:rPr lang="de-DE" dirty="0" err="1" smtClean="0"/>
+              <a:t>Hochpass</a:t>
+            </a:r>
+            <a:endParaRPr lang="de-DE" dirty="0"/>
+          </a:p>
+        </p:txBody>
+      </p:sp>
+      <p:sp>
+        <p:nvSpPr>
+          <p:cNvPr id="4" name="Datumsplatzhalter 3"/>
+          <p:cNvSpPr>
+            <a:spLocks noGrp="1"/>
+          </p:cNvSpPr>
+          <p:nvPr>
+            <p:ph type="dt" sz="half" idx="10"/>
+          </p:nvPr>
+        </p:nvSpPr>
+        <p:spPr/>
+        <p:txBody>
+          <a:bodyPr/>
+          <a:lstStyle/>
+          <a:p>
+            <a:fld id="{296000BE-0612-4D88-A1AC-FF1287139C2E}" type="datetime1">
+              <a:rPr lang="de-DE" smtClean="0"/>
+              <a:t>20.06.2015</a:t>
+            </a:fld>
+            <a:endParaRPr lang="de-DE" dirty="0"/>
+          </a:p>
+        </p:txBody>
+      </p:sp>
+      <p:sp>
+        <p:nvSpPr>
+          <p:cNvPr id="5" name="Fußzeilenplatzhalter 4"/>
+          <p:cNvSpPr>
+            <a:spLocks noGrp="1"/>
+          </p:cNvSpPr>
+          <p:nvPr>
+            <p:ph type="ftr" sz="quarter" idx="11"/>
+          </p:nvPr>
+        </p:nvSpPr>
+        <p:spPr/>
+        <p:txBody>
+          <a:bodyPr/>
+          <a:lstStyle/>
+          <a:p>
+            <a:r>
+              <a:rPr lang="de-DE" smtClean="0"/>
+              <a:t>FM-Synthese</a:t>
+            </a:r>
+            <a:endParaRPr lang="de-DE" dirty="0"/>
+          </a:p>
+        </p:txBody>
+      </p:sp>
+      <p:sp>
+        <p:nvSpPr>
+          <p:cNvPr id="6" name="Foliennummernplatzhalter 5"/>
+          <p:cNvSpPr>
+            <a:spLocks noGrp="1"/>
+          </p:cNvSpPr>
+          <p:nvPr>
+            <p:ph type="sldNum" sz="quarter" idx="12"/>
+          </p:nvPr>
+        </p:nvSpPr>
+        <p:spPr/>
+        <p:txBody>
+          <a:bodyPr/>
+          <a:lstStyle/>
+          <a:p>
+            <a:fld id="{8740CB20-F870-467D-84CE-AB32061190A1}" type="slidenum">
+              <a:rPr lang="en-US" smtClean="0"/>
+              <a:t>11</a:t>
             </a:fld>
             <a:r>
               <a:rPr lang="de-DE" smtClean="0"/>
@@ -4350,13 +4981,13 @@
   <p:clrMapOvr>
     <a:masterClrMapping/>
   </p:clrMapOvr>
-  <mc:AlternateContent xmlns:mc="http://schemas.openxmlformats.org/markup-compatibility/2006">
-    <mc:Choice xmlns:p14="http://schemas.microsoft.com/office/powerpoint/2010/main" Requires="p14">
+  <mc:AlternateContent xmlns:mc="http://schemas.openxmlformats.org/markup-compatibility/2006" xmlns:p14="http://schemas.microsoft.com/office/powerpoint/2010/main">
+    <mc:Choice Requires="p14">
       <p:transition spd="med" p14:dur="700">
         <p:fade/>
       </p:transition>
     </mc:Choice>
-    <mc:Fallback>
+    <mc:Fallback xmlns="">
       <p:transition spd="med">
         <p:fade/>
       </p:transition>
@@ -4372,7 +5003,7 @@
 </p:sld>
 </file>
 
-<file path=ppt/slides/slide11.xml><?xml version="1.0" encoding="utf-8"?>
+<file path=ppt/slides/slide12.xml><?xml version="1.0" encoding="utf-8"?>
 <p:sld xmlns:a="http://schemas.openxmlformats.org/drawingml/2006/main" xmlns:r="http://schemas.openxmlformats.org/officeDocument/2006/relationships" xmlns:p="http://schemas.openxmlformats.org/presentationml/2006/main">
   <p:cSld>
     <p:spTree>
@@ -4498,7 +5129,7 @@
           <a:p>
             <a:fld id="{8740CB20-F870-467D-84CE-AB32061190A1}" type="slidenum">
               <a:rPr lang="en-US" smtClean="0"/>
-              <a:t>11</a:t>
+              <a:t>12</a:t>
             </a:fld>
             <a:r>
               <a:rPr lang="de-DE" smtClean="0"/>
@@ -4548,13 +5179,13 @@
   <p:clrMapOvr>
     <a:masterClrMapping/>
   </p:clrMapOvr>
-  <mc:AlternateContent xmlns:mc="http://schemas.openxmlformats.org/markup-compatibility/2006">
-    <mc:Choice xmlns:p14="http://schemas.microsoft.com/office/powerpoint/2010/main" Requires="p14">
+  <mc:AlternateContent xmlns:mc="http://schemas.openxmlformats.org/markup-compatibility/2006" xmlns:p14="http://schemas.microsoft.com/office/powerpoint/2010/main">
+    <mc:Choice Requires="p14">
       <p:transition spd="med" p14:dur="700">
         <p:fade/>
       </p:transition>
     </mc:Choice>
-    <mc:Fallback>
+    <mc:Fallback xmlns="">
       <p:transition spd="med">
         <p:fade/>
       </p:transition>
@@ -4570,7 +5201,7 @@
 </p:sld>
 </file>
 
-<file path=ppt/slides/slide12.xml><?xml version="1.0" encoding="utf-8"?>
+<file path=ppt/slides/slide13.xml><?xml version="1.0" encoding="utf-8"?>
 <p:sld xmlns:a="http://schemas.openxmlformats.org/drawingml/2006/main" xmlns:r="http://schemas.openxmlformats.org/officeDocument/2006/relationships" xmlns:p="http://schemas.openxmlformats.org/presentationml/2006/main">
   <p:cSld>
     <p:spTree>
@@ -4696,7 +5327,7 @@
           <a:p>
             <a:fld id="{8740CB20-F870-467D-84CE-AB32061190A1}" type="slidenum">
               <a:rPr lang="en-US" smtClean="0"/>
-              <a:t>12</a:t>
+              <a:t>13</a:t>
             </a:fld>
             <a:r>
               <a:rPr lang="de-DE" smtClean="0"/>
@@ -4746,13 +5377,13 @@
   <p:clrMapOvr>
     <a:masterClrMapping/>
   </p:clrMapOvr>
-  <mc:AlternateContent xmlns:mc="http://schemas.openxmlformats.org/markup-compatibility/2006">
-    <mc:Choice xmlns:p14="http://schemas.microsoft.com/office/powerpoint/2010/main" Requires="p14">
+  <mc:AlternateContent xmlns:mc="http://schemas.openxmlformats.org/markup-compatibility/2006" xmlns:p14="http://schemas.microsoft.com/office/powerpoint/2010/main">
+    <mc:Choice Requires="p14">
       <p:transition spd="med" p14:dur="700">
         <p:fade/>
       </p:transition>
     </mc:Choice>
-    <mc:Fallback>
+    <mc:Fallback xmlns="">
       <p:transition spd="med">
         <p:fade/>
       </p:transition>
@@ -4768,7 +5399,7 @@
 </p:sld>
 </file>
 
-<file path=ppt/slides/slide13.xml><?xml version="1.0" encoding="utf-8"?>
+<file path=ppt/slides/slide14.xml><?xml version="1.0" encoding="utf-8"?>
 <p:sld xmlns:a="http://schemas.openxmlformats.org/drawingml/2006/main" xmlns:r="http://schemas.openxmlformats.org/officeDocument/2006/relationships" xmlns:p="http://schemas.openxmlformats.org/presentationml/2006/main">
   <p:cSld>
     <p:spTree>
@@ -4894,7 +5525,7 @@
           <a:p>
             <a:fld id="{8740CB20-F870-467D-84CE-AB32061190A1}" type="slidenum">
               <a:rPr lang="en-US" smtClean="0"/>
-              <a:t>13</a:t>
+              <a:t>14</a:t>
             </a:fld>
             <a:r>
               <a:rPr lang="de-DE" smtClean="0"/>
@@ -4944,13 +5575,13 @@
   <p:clrMapOvr>
     <a:masterClrMapping/>
   </p:clrMapOvr>
-  <mc:AlternateContent xmlns:mc="http://schemas.openxmlformats.org/markup-compatibility/2006">
-    <mc:Choice xmlns:p14="http://schemas.microsoft.com/office/powerpoint/2010/main" Requires="p14">
+  <mc:AlternateContent xmlns:mc="http://schemas.openxmlformats.org/markup-compatibility/2006" xmlns:p14="http://schemas.microsoft.com/office/powerpoint/2010/main">
+    <mc:Choice Requires="p14">
       <p:transition spd="med" p14:dur="700">
         <p:fade/>
       </p:transition>
     </mc:Choice>
-    <mc:Fallback>
+    <mc:Fallback xmlns="">
       <p:transition spd="med">
         <p:fade/>
       </p:transition>
@@ -4966,7 +5597,7 @@
 </p:sld>
 </file>
 
-<file path=ppt/slides/slide14.xml><?xml version="1.0" encoding="utf-8"?>
+<file path=ppt/slides/slide15.xml><?xml version="1.0" encoding="utf-8"?>
 <p:sld xmlns:a="http://schemas.openxmlformats.org/drawingml/2006/main" xmlns:r="http://schemas.openxmlformats.org/officeDocument/2006/relationships" xmlns:p="http://schemas.openxmlformats.org/presentationml/2006/main">
   <p:cSld>
     <p:spTree>
@@ -5092,7 +5723,7 @@
           <a:p>
             <a:fld id="{8740CB20-F870-467D-84CE-AB32061190A1}" type="slidenum">
               <a:rPr lang="en-US" smtClean="0"/>
-              <a:t>14</a:t>
+              <a:t>15</a:t>
             </a:fld>
             <a:r>
               <a:rPr lang="de-DE" smtClean="0"/>
@@ -5142,13 +5773,13 @@
   <p:clrMapOvr>
     <a:masterClrMapping/>
   </p:clrMapOvr>
-  <mc:AlternateContent xmlns:mc="http://schemas.openxmlformats.org/markup-compatibility/2006">
-    <mc:Choice xmlns:p14="http://schemas.microsoft.com/office/powerpoint/2010/main" Requires="p14">
+  <mc:AlternateContent xmlns:mc="http://schemas.openxmlformats.org/markup-compatibility/2006" xmlns:p14="http://schemas.microsoft.com/office/powerpoint/2010/main">
+    <mc:Choice Requires="p14">
       <p:transition spd="med" p14:dur="700">
         <p:fade/>
       </p:transition>
     </mc:Choice>
-    <mc:Fallback>
+    <mc:Fallback xmlns="">
       <p:transition spd="med">
         <p:fade/>
       </p:transition>
@@ -5164,7 +5795,7 @@
 </p:sld>
 </file>
 
-<file path=ppt/slides/slide15.xml><?xml version="1.0" encoding="utf-8"?>
+<file path=ppt/slides/slide16.xml><?xml version="1.0" encoding="utf-8"?>
 <p:sld xmlns:a="http://schemas.openxmlformats.org/drawingml/2006/main" xmlns:r="http://schemas.openxmlformats.org/officeDocument/2006/relationships" xmlns:p="http://schemas.openxmlformats.org/presentationml/2006/main">
   <p:cSld>
     <p:spTree>
@@ -5290,7 +5921,7 @@
           <a:p>
             <a:fld id="{8740CB20-F870-467D-84CE-AB32061190A1}" type="slidenum">
               <a:rPr lang="en-US" smtClean="0"/>
-              <a:t>15</a:t>
+              <a:t>16</a:t>
             </a:fld>
             <a:r>
               <a:rPr lang="de-DE" smtClean="0"/>
@@ -5340,13 +5971,13 @@
   <p:clrMapOvr>
     <a:masterClrMapping/>
   </p:clrMapOvr>
-  <mc:AlternateContent xmlns:mc="http://schemas.openxmlformats.org/markup-compatibility/2006">
-    <mc:Choice xmlns:p14="http://schemas.microsoft.com/office/powerpoint/2010/main" Requires="p14">
+  <mc:AlternateContent xmlns:mc="http://schemas.openxmlformats.org/markup-compatibility/2006" xmlns:p14="http://schemas.microsoft.com/office/powerpoint/2010/main">
+    <mc:Choice Requires="p14">
       <p:transition spd="med" p14:dur="700">
         <p:fade/>
       </p:transition>
     </mc:Choice>
-    <mc:Fallback>
+    <mc:Fallback xmlns="">
       <p:transition spd="med">
         <p:fade/>
       </p:transition>
@@ -5362,7 +5993,7 @@
 </p:sld>
 </file>
 
-<file path=ppt/slides/slide16.xml><?xml version="1.0" encoding="utf-8"?>
+<file path=ppt/slides/slide17.xml><?xml version="1.0" encoding="utf-8"?>
 <p:sld xmlns:a="http://schemas.openxmlformats.org/drawingml/2006/main" xmlns:r="http://schemas.openxmlformats.org/officeDocument/2006/relationships" xmlns:p="http://schemas.openxmlformats.org/presentationml/2006/main">
   <p:cSld>
     <p:spTree>
@@ -5494,7 +6125,7 @@
           <a:p>
             <a:fld id="{8740CB20-F870-467D-84CE-AB32061190A1}" type="slidenum">
               <a:rPr lang="en-US" smtClean="0"/>
-              <a:t>16</a:t>
+              <a:t>17</a:t>
             </a:fld>
             <a:r>
               <a:rPr lang="de-DE" smtClean="0"/>
@@ -5568,13 +6199,13 @@
   <p:clrMapOvr>
     <a:masterClrMapping/>
   </p:clrMapOvr>
-  <mc:AlternateContent xmlns:mc="http://schemas.openxmlformats.org/markup-compatibility/2006">
-    <mc:Choice xmlns:p14="http://schemas.microsoft.com/office/powerpoint/2010/main" Requires="p14">
+  <mc:AlternateContent xmlns:mc="http://schemas.openxmlformats.org/markup-compatibility/2006" xmlns:p14="http://schemas.microsoft.com/office/powerpoint/2010/main">
+    <mc:Choice Requires="p14">
       <p:transition spd="med" p14:dur="700">
         <p:fade/>
       </p:transition>
     </mc:Choice>
-    <mc:Fallback>
+    <mc:Fallback xmlns="">
       <p:transition spd="med">
         <p:fade/>
       </p:transition>
@@ -5704,174 +6335,6 @@
 </p:sld>
 </file>
 
-<file path=ppt/slides/slide17.xml><?xml version="1.0" encoding="utf-8"?>
-<p:sld xmlns:a="http://schemas.openxmlformats.org/drawingml/2006/main" xmlns:r="http://schemas.openxmlformats.org/officeDocument/2006/relationships" xmlns:p="http://schemas.openxmlformats.org/presentationml/2006/main">
-  <p:cSld>
-    <p:spTree>
-      <p:nvGrpSpPr>
-        <p:cNvPr id="1" name=""/>
-        <p:cNvGrpSpPr/>
-        <p:nvPr/>
-      </p:nvGrpSpPr>
-      <p:grpSpPr>
-        <a:xfrm>
-          <a:off x="0" y="0"/>
-          <a:ext cx="0" cy="0"/>
-          <a:chOff x="0" y="0"/>
-          <a:chExt cx="0" cy="0"/>
-        </a:xfrm>
-      </p:grpSpPr>
-      <p:sp>
-        <p:nvSpPr>
-          <p:cNvPr id="7" name="Titel 6"/>
-          <p:cNvSpPr>
-            <a:spLocks noGrp="1"/>
-          </p:cNvSpPr>
-          <p:nvPr>
-            <p:ph type="title"/>
-          </p:nvPr>
-        </p:nvSpPr>
-        <p:spPr/>
-        <p:txBody>
-          <a:bodyPr/>
-          <a:lstStyle/>
-          <a:p>
-            <a:r>
-              <a:rPr lang="de-DE" dirty="0" smtClean="0"/>
-              <a:t>Tonnachbildung </a:t>
-            </a:r>
-            <a:r>
-              <a:rPr lang="de-DE" dirty="0" err="1" smtClean="0"/>
-              <a:t>praxis</a:t>
-            </a:r>
-            <a:endParaRPr lang="en-US" dirty="0"/>
-          </a:p>
-        </p:txBody>
-      </p:sp>
-      <p:sp>
-        <p:nvSpPr>
-          <p:cNvPr id="2" name="Textplatzhalter 1"/>
-          <p:cNvSpPr>
-            <a:spLocks noGrp="1"/>
-          </p:cNvSpPr>
-          <p:nvPr>
-            <p:ph type="body" idx="1"/>
-          </p:nvPr>
-        </p:nvSpPr>
-        <p:spPr/>
-        <p:txBody>
-          <a:bodyPr/>
-          <a:lstStyle/>
-          <a:p>
-            <a:endParaRPr lang="en-US"/>
-          </a:p>
-        </p:txBody>
-      </p:sp>
-      <p:sp>
-        <p:nvSpPr>
-          <p:cNvPr id="4" name="Datumsplatzhalter 3"/>
-          <p:cNvSpPr>
-            <a:spLocks noGrp="1"/>
-          </p:cNvSpPr>
-          <p:nvPr>
-            <p:ph type="dt" sz="half" idx="10"/>
-          </p:nvPr>
-        </p:nvSpPr>
-        <p:spPr/>
-        <p:txBody>
-          <a:bodyPr/>
-          <a:lstStyle/>
-          <a:p>
-            <a:fld id="{296000BE-0612-4D88-A1AC-FF1287139C2E}" type="datetime1">
-              <a:rPr lang="de-DE" smtClean="0"/>
-              <a:t>20.06.2015</a:t>
-            </a:fld>
-            <a:endParaRPr lang="de-DE" dirty="0"/>
-          </a:p>
-        </p:txBody>
-      </p:sp>
-      <p:sp>
-        <p:nvSpPr>
-          <p:cNvPr id="5" name="Fußzeilenplatzhalter 4"/>
-          <p:cNvSpPr>
-            <a:spLocks noGrp="1"/>
-          </p:cNvSpPr>
-          <p:nvPr>
-            <p:ph type="ftr" sz="quarter" idx="11"/>
-          </p:nvPr>
-        </p:nvSpPr>
-        <p:spPr/>
-        <p:txBody>
-          <a:bodyPr/>
-          <a:lstStyle/>
-          <a:p>
-            <a:r>
-              <a:rPr lang="de-DE" smtClean="0"/>
-              <a:t>FM-Synthese</a:t>
-            </a:r>
-            <a:endParaRPr lang="de-DE" dirty="0"/>
-          </a:p>
-        </p:txBody>
-      </p:sp>
-      <p:sp>
-        <p:nvSpPr>
-          <p:cNvPr id="6" name="Foliennummernplatzhalter 5"/>
-          <p:cNvSpPr>
-            <a:spLocks noGrp="1"/>
-          </p:cNvSpPr>
-          <p:nvPr>
-            <p:ph type="sldNum" sz="quarter" idx="12"/>
-          </p:nvPr>
-        </p:nvSpPr>
-        <p:spPr/>
-        <p:txBody>
-          <a:bodyPr/>
-          <a:lstStyle/>
-          <a:p>
-            <a:fld id="{8740CB20-F870-467D-84CE-AB32061190A1}" type="slidenum">
-              <a:rPr lang="en-US" smtClean="0"/>
-              <a:t>17</a:t>
-            </a:fld>
-            <a:r>
-              <a:rPr lang="de-DE" smtClean="0"/>
-              <a:t>   </a:t>
-            </a:r>
-            <a:endParaRPr lang="de-DE" dirty="0"/>
-          </a:p>
-        </p:txBody>
-      </p:sp>
-    </p:spTree>
-    <p:extLst>
-      <p:ext uri="{BB962C8B-B14F-4D97-AF65-F5344CB8AC3E}">
-        <p14:creationId xmlns:p14="http://schemas.microsoft.com/office/powerpoint/2010/main" val="4117715782"/>
-      </p:ext>
-    </p:extLst>
-  </p:cSld>
-  <p:clrMapOvr>
-    <a:masterClrMapping/>
-  </p:clrMapOvr>
-  <mc:AlternateContent xmlns:mc="http://schemas.openxmlformats.org/markup-compatibility/2006">
-    <mc:Choice xmlns:p14="http://schemas.microsoft.com/office/powerpoint/2010/main" Requires="p14">
-      <p:transition spd="med" p14:dur="700">
-        <p:fade/>
-      </p:transition>
-    </mc:Choice>
-    <mc:Fallback>
-      <p:transition spd="med">
-        <p:fade/>
-      </p:transition>
-    </mc:Fallback>
-  </mc:AlternateContent>
-  <p:timing>
-    <p:tnLst>
-      <p:par>
-        <p:cTn id="1" dur="indefinite" restart="never" nodeType="tmRoot"/>
-      </p:par>
-    </p:tnLst>
-  </p:timing>
-</p:sld>
-</file>
-
 <file path=ppt/slides/slide18.xml><?xml version="1.0" encoding="utf-8"?>
 <p:sld xmlns:a="http://schemas.openxmlformats.org/drawingml/2006/main" xmlns:r="http://schemas.openxmlformats.org/officeDocument/2006/relationships" xmlns:p="http://schemas.openxmlformats.org/presentationml/2006/main">
   <p:cSld>
@@ -5906,6 +6369,174 @@
           <a:p>
             <a:r>
               <a:rPr lang="de-DE" dirty="0" smtClean="0"/>
+              <a:t>Tonnachbildung </a:t>
+            </a:r>
+            <a:r>
+              <a:rPr lang="de-DE" dirty="0" err="1" smtClean="0"/>
+              <a:t>praxis</a:t>
+            </a:r>
+            <a:endParaRPr lang="en-US" dirty="0"/>
+          </a:p>
+        </p:txBody>
+      </p:sp>
+      <p:sp>
+        <p:nvSpPr>
+          <p:cNvPr id="2" name="Textplatzhalter 1"/>
+          <p:cNvSpPr>
+            <a:spLocks noGrp="1"/>
+          </p:cNvSpPr>
+          <p:nvPr>
+            <p:ph type="body" idx="1"/>
+          </p:nvPr>
+        </p:nvSpPr>
+        <p:spPr/>
+        <p:txBody>
+          <a:bodyPr/>
+          <a:lstStyle/>
+          <a:p>
+            <a:endParaRPr lang="en-US"/>
+          </a:p>
+        </p:txBody>
+      </p:sp>
+      <p:sp>
+        <p:nvSpPr>
+          <p:cNvPr id="4" name="Datumsplatzhalter 3"/>
+          <p:cNvSpPr>
+            <a:spLocks noGrp="1"/>
+          </p:cNvSpPr>
+          <p:nvPr>
+            <p:ph type="dt" sz="half" idx="10"/>
+          </p:nvPr>
+        </p:nvSpPr>
+        <p:spPr/>
+        <p:txBody>
+          <a:bodyPr/>
+          <a:lstStyle/>
+          <a:p>
+            <a:fld id="{296000BE-0612-4D88-A1AC-FF1287139C2E}" type="datetime1">
+              <a:rPr lang="de-DE" smtClean="0"/>
+              <a:t>20.06.2015</a:t>
+            </a:fld>
+            <a:endParaRPr lang="de-DE" dirty="0"/>
+          </a:p>
+        </p:txBody>
+      </p:sp>
+      <p:sp>
+        <p:nvSpPr>
+          <p:cNvPr id="5" name="Fußzeilenplatzhalter 4"/>
+          <p:cNvSpPr>
+            <a:spLocks noGrp="1"/>
+          </p:cNvSpPr>
+          <p:nvPr>
+            <p:ph type="ftr" sz="quarter" idx="11"/>
+          </p:nvPr>
+        </p:nvSpPr>
+        <p:spPr/>
+        <p:txBody>
+          <a:bodyPr/>
+          <a:lstStyle/>
+          <a:p>
+            <a:r>
+              <a:rPr lang="de-DE" smtClean="0"/>
+              <a:t>FM-Synthese</a:t>
+            </a:r>
+            <a:endParaRPr lang="de-DE" dirty="0"/>
+          </a:p>
+        </p:txBody>
+      </p:sp>
+      <p:sp>
+        <p:nvSpPr>
+          <p:cNvPr id="6" name="Foliennummernplatzhalter 5"/>
+          <p:cNvSpPr>
+            <a:spLocks noGrp="1"/>
+          </p:cNvSpPr>
+          <p:nvPr>
+            <p:ph type="sldNum" sz="quarter" idx="12"/>
+          </p:nvPr>
+        </p:nvSpPr>
+        <p:spPr/>
+        <p:txBody>
+          <a:bodyPr/>
+          <a:lstStyle/>
+          <a:p>
+            <a:fld id="{8740CB20-F870-467D-84CE-AB32061190A1}" type="slidenum">
+              <a:rPr lang="en-US" smtClean="0"/>
+              <a:t>18</a:t>
+            </a:fld>
+            <a:r>
+              <a:rPr lang="de-DE" smtClean="0"/>
+              <a:t>   </a:t>
+            </a:r>
+            <a:endParaRPr lang="de-DE" dirty="0"/>
+          </a:p>
+        </p:txBody>
+      </p:sp>
+    </p:spTree>
+    <p:extLst>
+      <p:ext uri="{BB962C8B-B14F-4D97-AF65-F5344CB8AC3E}">
+        <p14:creationId xmlns:p14="http://schemas.microsoft.com/office/powerpoint/2010/main" val="4117715782"/>
+      </p:ext>
+    </p:extLst>
+  </p:cSld>
+  <p:clrMapOvr>
+    <a:masterClrMapping/>
+  </p:clrMapOvr>
+  <mc:AlternateContent xmlns:mc="http://schemas.openxmlformats.org/markup-compatibility/2006" xmlns:p14="http://schemas.microsoft.com/office/powerpoint/2010/main">
+    <mc:Choice Requires="p14">
+      <p:transition spd="med" p14:dur="700">
+        <p:fade/>
+      </p:transition>
+    </mc:Choice>
+    <mc:Fallback xmlns="">
+      <p:transition spd="med">
+        <p:fade/>
+      </p:transition>
+    </mc:Fallback>
+  </mc:AlternateContent>
+  <p:timing>
+    <p:tnLst>
+      <p:par>
+        <p:cTn id="1" dur="indefinite" restart="never" nodeType="tmRoot"/>
+      </p:par>
+    </p:tnLst>
+  </p:timing>
+</p:sld>
+</file>
+
+<file path=ppt/slides/slide19.xml><?xml version="1.0" encoding="utf-8"?>
+<p:sld xmlns:a="http://schemas.openxmlformats.org/drawingml/2006/main" xmlns:r="http://schemas.openxmlformats.org/officeDocument/2006/relationships" xmlns:p="http://schemas.openxmlformats.org/presentationml/2006/main">
+  <p:cSld>
+    <p:spTree>
+      <p:nvGrpSpPr>
+        <p:cNvPr id="1" name=""/>
+        <p:cNvGrpSpPr/>
+        <p:nvPr/>
+      </p:nvGrpSpPr>
+      <p:grpSpPr>
+        <a:xfrm>
+          <a:off x="0" y="0"/>
+          <a:ext cx="0" cy="0"/>
+          <a:chOff x="0" y="0"/>
+          <a:chExt cx="0" cy="0"/>
+        </a:xfrm>
+      </p:grpSpPr>
+      <p:sp>
+        <p:nvSpPr>
+          <p:cNvPr id="7" name="Titel 6"/>
+          <p:cNvSpPr>
+            <a:spLocks noGrp="1"/>
+          </p:cNvSpPr>
+          <p:nvPr>
+            <p:ph type="title"/>
+          </p:nvPr>
+        </p:nvSpPr>
+        <p:spPr/>
+        <p:txBody>
+          <a:bodyPr/>
+          <a:lstStyle/>
+          <a:p>
+            <a:r>
+              <a:rPr lang="de-DE" dirty="0" smtClean="0"/>
               <a:t>Hörbeispiele</a:t>
             </a:r>
             <a:endParaRPr lang="en-US" dirty="0"/>
@@ -5976,7 +6607,7 @@
             <a:fld id="{6C6AE60A-B69C-4790-82F7-3882EDF23186}" type="slidenum">
               <a:rPr lang="de-DE" smtClean="0"/>
               <a:pPr/>
-              <a:t>18</a:t>
+              <a:t>19</a:t>
             </a:fld>
             <a:endParaRPr lang="de-DE"/>
           </a:p>
@@ -6046,39 +6677,6 @@
           </a:p>
         </p:txBody>
       </p:sp>
-      <p:pic>
-        <p:nvPicPr>
-          <p:cNvPr id="11" name="Flute FM G5">
-            <a:hlinkClick r:id="" action="ppaction://media"/>
-          </p:cNvPr>
-          <p:cNvPicPr>
-            <a:picLocks noChangeAspect="1"/>
-          </p:cNvPicPr>
-          <p:nvPr>
-            <a:audioFile r:link="rId4"/>
-            <p:extLst>
-              <p:ext uri="{DAA4B4D4-6D71-4841-9C94-3DE7FCFB9230}">
-                <p14:media xmlns:p14="http://schemas.microsoft.com/office/powerpoint/2010/main" r:embed="rId3"/>
-              </p:ext>
-            </p:extLst>
-          </p:nvPr>
-        </p:nvPicPr>
-        <p:blipFill>
-          <a:blip r:embed="rId11"/>
-          <a:stretch>
-            <a:fillRect/>
-          </a:stretch>
-        </p:blipFill>
-        <p:spPr>
-          <a:xfrm>
-            <a:off x="3647924" y="2644945"/>
-            <a:ext cx="609600" cy="609600"/>
-          </a:xfrm>
-          <a:prstGeom prst="rect">
-            <a:avLst/>
-          </a:prstGeom>
-        </p:spPr>
-      </p:pic>
       <p:sp>
         <p:nvSpPr>
           <p:cNvPr id="12" name="Textfeld 11"/>
@@ -6119,10 +6717,10 @@
             <a:picLocks noChangeAspect="1"/>
           </p:cNvPicPr>
           <p:nvPr>
-            <a:audioFile r:link="rId6"/>
+            <a:audioFile r:link="rId4"/>
             <p:extLst>
               <p:ext uri="{DAA4B4D4-6D71-4841-9C94-3DE7FCFB9230}">
-                <p14:media xmlns:p14="http://schemas.microsoft.com/office/powerpoint/2010/main" r:embed="rId5"/>
+                <p14:media xmlns:p14="http://schemas.microsoft.com/office/powerpoint/2010/main" r:embed="rId3"/>
               </p:ext>
             </p:extLst>
           </p:nvPr>
@@ -6183,10 +6781,10 @@
             <a:picLocks noChangeAspect="1"/>
           </p:cNvPicPr>
           <p:nvPr>
-            <a:audioFile r:link="rId8"/>
+            <a:audioFile r:link="rId6"/>
             <p:extLst>
               <p:ext uri="{DAA4B4D4-6D71-4841-9C94-3DE7FCFB9230}">
-                <p14:media xmlns:p14="http://schemas.microsoft.com/office/powerpoint/2010/main" r:embed="rId7"/>
+                <p14:media xmlns:p14="http://schemas.microsoft.com/office/powerpoint/2010/main" r:embed="rId5"/>
               </p:ext>
             </p:extLst>
           </p:nvPr>
@@ -6238,6 +6836,39 @@
           </a:p>
         </p:txBody>
       </p:sp>
+      <p:pic>
+        <p:nvPicPr>
+          <p:cNvPr id="2" name="Flute FM G5">
+            <a:hlinkClick r:id="" action="ppaction://media"/>
+          </p:cNvPr>
+          <p:cNvPicPr>
+            <a:picLocks noChangeAspect="1"/>
+          </p:cNvPicPr>
+          <p:nvPr>
+            <a:audioFile r:link="rId8"/>
+            <p:extLst>
+              <p:ext uri="{DAA4B4D4-6D71-4841-9C94-3DE7FCFB9230}">
+                <p14:media xmlns:p14="http://schemas.microsoft.com/office/powerpoint/2010/main" r:embed="rId7"/>
+              </p:ext>
+            </p:extLst>
+          </p:nvPr>
+        </p:nvPicPr>
+        <p:blipFill>
+          <a:blip r:embed="rId11"/>
+          <a:stretch>
+            <a:fillRect/>
+          </a:stretch>
+        </p:blipFill>
+        <p:spPr>
+          <a:xfrm>
+            <a:off x="3663208" y="2640398"/>
+            <a:ext cx="609600" cy="609600"/>
+          </a:xfrm>
+          <a:prstGeom prst="rect">
+            <a:avLst/>
+          </a:prstGeom>
+        </p:spPr>
+      </p:pic>
     </p:spTree>
     <p:extLst>
       <p:ext uri="{BB962C8B-B14F-4D97-AF65-F5344CB8AC3E}">
@@ -6248,13 +6879,13 @@
   <p:clrMapOvr>
     <a:masterClrMapping/>
   </p:clrMapOvr>
-  <mc:AlternateContent xmlns:mc="http://schemas.openxmlformats.org/markup-compatibility/2006">
-    <mc:Choice xmlns:p14="http://schemas.microsoft.com/office/powerpoint/2010/main" Requires="p14">
+  <mc:AlternateContent xmlns:mc="http://schemas.openxmlformats.org/markup-compatibility/2006" xmlns:p14="http://schemas.microsoft.com/office/powerpoint/2010/main">
+    <mc:Choice Requires="p14">
       <p:transition spd="med" p14:dur="700">
         <p:fade/>
       </p:transition>
     </mc:Choice>
-    <mc:Fallback>
+    <mc:Fallback xmlns="">
       <p:transition spd="med">
         <p:fade/>
       </p:transition>
@@ -6299,7 +6930,7 @@
                   </p:endCondLst>
                 </p:cTn>
                 <p:tgtEl>
-                  <p:spTgt spid="11"/>
+                  <p:spTgt spid="13"/>
                 </p:tgtEl>
               </p:cMediaNode>
             </p:audio>
@@ -6318,13 +6949,71 @@
                   </p:endCondLst>
                 </p:cTn>
                 <p:tgtEl>
-                  <p:spTgt spid="13"/>
+                  <p:spTgt spid="15"/>
                 </p:tgtEl>
               </p:cMediaNode>
             </p:audio>
+            <p:seq concurrent="1" nextAc="seek">
+              <p:cTn id="5" restart="whenNotActive" fill="hold" evtFilter="cancelBubble" nodeType="interactiveSeq">
+                <p:stCondLst>
+                  <p:cond evt="onClick" delay="0">
+                    <p:tgtEl>
+                      <p:spTgt spid="2"/>
+                    </p:tgtEl>
+                  </p:cond>
+                </p:stCondLst>
+                <p:endSync evt="end" delay="0">
+                  <p:rtn val="all"/>
+                </p:endSync>
+                <p:childTnLst>
+                  <p:par>
+                    <p:cTn id="6" fill="hold">
+                      <p:stCondLst>
+                        <p:cond delay="0"/>
+                      </p:stCondLst>
+                      <p:childTnLst>
+                        <p:par>
+                          <p:cTn id="7" fill="hold">
+                            <p:stCondLst>
+                              <p:cond delay="0"/>
+                            </p:stCondLst>
+                            <p:childTnLst>
+                              <p:par>
+                                <p:cTn id="8" presetID="1" presetClass="mediacall" presetSubtype="0" fill="hold" nodeType="clickEffect">
+                                  <p:stCondLst>
+                                    <p:cond delay="0"/>
+                                  </p:stCondLst>
+                                  <p:childTnLst>
+                                    <p:cmd type="call" cmd="playFrom(0.0)">
+                                      <p:cBhvr>
+                                        <p:cTn id="9" dur="1300" fill="hold"/>
+                                        <p:tgtEl>
+                                          <p:spTgt spid="2"/>
+                                        </p:tgtEl>
+                                      </p:cBhvr>
+                                    </p:cmd>
+                                  </p:childTnLst>
+                                </p:cTn>
+                              </p:par>
+                            </p:childTnLst>
+                          </p:cTn>
+                        </p:par>
+                      </p:childTnLst>
+                    </p:cTn>
+                  </p:par>
+                </p:childTnLst>
+              </p:cTn>
+              <p:nextCondLst>
+                <p:cond evt="onClick" delay="0">
+                  <p:tgtEl>
+                    <p:spTgt spid="2"/>
+                  </p:tgtEl>
+                </p:cond>
+              </p:nextCondLst>
+            </p:seq>
             <p:audio>
               <p:cMediaNode vol="80000">
-                <p:cTn id="5" fill="hold" display="0">
+                <p:cTn id="10" fill="hold" display="0">
                   <p:stCondLst>
                     <p:cond delay="indefinite"/>
                   </p:stCondLst>
@@ -6337,180 +7026,12 @@
                   </p:endCondLst>
                 </p:cTn>
                 <p:tgtEl>
-                  <p:spTgt spid="15"/>
+                  <p:spTgt spid="2"/>
                 </p:tgtEl>
               </p:cMediaNode>
             </p:audio>
           </p:childTnLst>
         </p:cTn>
-      </p:par>
-    </p:tnLst>
-  </p:timing>
-</p:sld>
-</file>
-
-<file path=ppt/slides/slide19.xml><?xml version="1.0" encoding="utf-8"?>
-<p:sld xmlns:a="http://schemas.openxmlformats.org/drawingml/2006/main" xmlns:r="http://schemas.openxmlformats.org/officeDocument/2006/relationships" xmlns:p="http://schemas.openxmlformats.org/presentationml/2006/main">
-  <p:cSld>
-    <p:spTree>
-      <p:nvGrpSpPr>
-        <p:cNvPr id="1" name=""/>
-        <p:cNvGrpSpPr/>
-        <p:nvPr/>
-      </p:nvGrpSpPr>
-      <p:grpSpPr>
-        <a:xfrm>
-          <a:off x="0" y="0"/>
-          <a:ext cx="0" cy="0"/>
-          <a:chOff x="0" y="0"/>
-          <a:chExt cx="0" cy="0"/>
-        </a:xfrm>
-      </p:grpSpPr>
-      <p:sp>
-        <p:nvSpPr>
-          <p:cNvPr id="7" name="Titel 6"/>
-          <p:cNvSpPr>
-            <a:spLocks noGrp="1"/>
-          </p:cNvSpPr>
-          <p:nvPr>
-            <p:ph type="title"/>
-          </p:nvPr>
-        </p:nvSpPr>
-        <p:spPr/>
-        <p:txBody>
-          <a:bodyPr/>
-          <a:lstStyle/>
-          <a:p>
-            <a:r>
-              <a:rPr lang="de-DE" dirty="0"/>
-              <a:t>FM-Synthesizer in C</a:t>
-            </a:r>
-            <a:r>
-              <a:rPr lang="de-DE" dirty="0" smtClean="0"/>
-              <a:t>++</a:t>
-            </a:r>
-            <a:endParaRPr lang="en-US" dirty="0"/>
-          </a:p>
-        </p:txBody>
-      </p:sp>
-      <p:sp>
-        <p:nvSpPr>
-          <p:cNvPr id="2" name="Textplatzhalter 1"/>
-          <p:cNvSpPr>
-            <a:spLocks noGrp="1"/>
-          </p:cNvSpPr>
-          <p:nvPr>
-            <p:ph type="body" idx="1"/>
-          </p:nvPr>
-        </p:nvSpPr>
-        <p:spPr/>
-        <p:txBody>
-          <a:bodyPr/>
-          <a:lstStyle/>
-          <a:p>
-            <a:endParaRPr lang="en-US"/>
-          </a:p>
-        </p:txBody>
-      </p:sp>
-      <p:sp>
-        <p:nvSpPr>
-          <p:cNvPr id="4" name="Datumsplatzhalter 3"/>
-          <p:cNvSpPr>
-            <a:spLocks noGrp="1"/>
-          </p:cNvSpPr>
-          <p:nvPr>
-            <p:ph type="dt" sz="half" idx="10"/>
-          </p:nvPr>
-        </p:nvSpPr>
-        <p:spPr/>
-        <p:txBody>
-          <a:bodyPr/>
-          <a:lstStyle/>
-          <a:p>
-            <a:fld id="{296000BE-0612-4D88-A1AC-FF1287139C2E}" type="datetime1">
-              <a:rPr lang="de-DE" smtClean="0"/>
-              <a:t>20.06.2015</a:t>
-            </a:fld>
-            <a:endParaRPr lang="de-DE" dirty="0"/>
-          </a:p>
-        </p:txBody>
-      </p:sp>
-      <p:sp>
-        <p:nvSpPr>
-          <p:cNvPr id="5" name="Fußzeilenplatzhalter 4"/>
-          <p:cNvSpPr>
-            <a:spLocks noGrp="1"/>
-          </p:cNvSpPr>
-          <p:nvPr>
-            <p:ph type="ftr" sz="quarter" idx="11"/>
-          </p:nvPr>
-        </p:nvSpPr>
-        <p:spPr/>
-        <p:txBody>
-          <a:bodyPr/>
-          <a:lstStyle/>
-          <a:p>
-            <a:r>
-              <a:rPr lang="de-DE" smtClean="0"/>
-              <a:t>FM-Synthese</a:t>
-            </a:r>
-            <a:endParaRPr lang="de-DE" dirty="0"/>
-          </a:p>
-        </p:txBody>
-      </p:sp>
-      <p:sp>
-        <p:nvSpPr>
-          <p:cNvPr id="6" name="Foliennummernplatzhalter 5"/>
-          <p:cNvSpPr>
-            <a:spLocks noGrp="1"/>
-          </p:cNvSpPr>
-          <p:nvPr>
-            <p:ph type="sldNum" sz="quarter" idx="12"/>
-          </p:nvPr>
-        </p:nvSpPr>
-        <p:spPr/>
-        <p:txBody>
-          <a:bodyPr/>
-          <a:lstStyle/>
-          <a:p>
-            <a:fld id="{8740CB20-F870-467D-84CE-AB32061190A1}" type="slidenum">
-              <a:rPr lang="en-US" smtClean="0"/>
-              <a:t>19</a:t>
-            </a:fld>
-            <a:r>
-              <a:rPr lang="de-DE" smtClean="0"/>
-              <a:t>   </a:t>
-            </a:r>
-            <a:endParaRPr lang="de-DE" dirty="0"/>
-          </a:p>
-        </p:txBody>
-      </p:sp>
-    </p:spTree>
-    <p:extLst>
-      <p:ext uri="{BB962C8B-B14F-4D97-AF65-F5344CB8AC3E}">
-        <p14:creationId xmlns:p14="http://schemas.microsoft.com/office/powerpoint/2010/main" val="1166838381"/>
-      </p:ext>
-    </p:extLst>
-  </p:cSld>
-  <p:clrMapOvr>
-    <a:masterClrMapping/>
-  </p:clrMapOvr>
-  <mc:AlternateContent xmlns:mc="http://schemas.openxmlformats.org/markup-compatibility/2006">
-    <mc:Choice xmlns:p14="http://schemas.microsoft.com/office/powerpoint/2010/main" Requires="p14">
-      <p:transition spd="med" p14:dur="700">
-        <p:fade/>
-      </p:transition>
-    </mc:Choice>
-    <mc:Fallback>
-      <p:transition spd="med">
-        <p:fade/>
-      </p:transition>
-    </mc:Fallback>
-  </mc:AlternateContent>
-  <p:timing>
-    <p:tnLst>
-      <p:par>
-        <p:cTn id="1" dur="indefinite" restart="never" nodeType="tmRoot"/>
       </p:par>
     </p:tnLst>
   </p:timing>
@@ -6865,13 +7386,13 @@
   <p:clrMapOvr>
     <a:masterClrMapping/>
   </p:clrMapOvr>
-  <mc:AlternateContent xmlns:mc="http://schemas.openxmlformats.org/markup-compatibility/2006">
-    <mc:Choice xmlns:p14="http://schemas.microsoft.com/office/powerpoint/2010/main" Requires="p14">
+  <mc:AlternateContent xmlns:mc="http://schemas.openxmlformats.org/markup-compatibility/2006" xmlns:p14="http://schemas.microsoft.com/office/powerpoint/2010/main">
+    <mc:Choice Requires="p14">
       <p:transition spd="med" p14:dur="700">
         <p:fade/>
       </p:transition>
     </mc:Choice>
-    <mc:Fallback>
+    <mc:Fallback xmlns="">
       <p:transition spd="med">
         <p:fade/>
       </p:transition>
@@ -6906,7 +7427,7 @@
       </p:grpSpPr>
       <p:sp>
         <p:nvSpPr>
-          <p:cNvPr id="2" name="Titel 1"/>
+          <p:cNvPr id="7" name="Titel 6"/>
           <p:cNvSpPr>
             <a:spLocks noGrp="1"/>
           </p:cNvSpPr>
@@ -6920,10 +7441,33 @@
           <a:lstStyle/>
           <a:p>
             <a:r>
+              <a:rPr lang="de-DE" dirty="0"/>
+              <a:t>FM-Synthesizer in C</a:t>
+            </a:r>
+            <a:r>
               <a:rPr lang="de-DE" dirty="0" smtClean="0"/>
-              <a:t>Framework</a:t>
+              <a:t>++</a:t>
             </a:r>
             <a:endParaRPr lang="en-US" dirty="0"/>
+          </a:p>
+        </p:txBody>
+      </p:sp>
+      <p:sp>
+        <p:nvSpPr>
+          <p:cNvPr id="2" name="Textplatzhalter 1"/>
+          <p:cNvSpPr>
+            <a:spLocks noGrp="1"/>
+          </p:cNvSpPr>
+          <p:nvPr>
+            <p:ph type="body" idx="1"/>
+          </p:nvPr>
+        </p:nvSpPr>
+        <p:spPr/>
+        <p:txBody>
+          <a:bodyPr/>
+          <a:lstStyle/>
+          <a:p>
+            <a:endParaRPr lang="en-US"/>
           </a:p>
         </p:txBody>
       </p:sp>
@@ -7000,83 +7544,23 @@
           </a:p>
         </p:txBody>
       </p:sp>
-      <p:pic>
-        <p:nvPicPr>
-          <p:cNvPr id="15" name="Grafik 14"/>
-          <p:cNvPicPr>
-            <a:picLocks noChangeAspect="1"/>
-          </p:cNvPicPr>
-          <p:nvPr/>
-        </p:nvPicPr>
-        <p:blipFill>
-          <a:blip r:embed="rId2">
-            <a:extLst>
-              <a:ext uri="{28A0092B-C50C-407E-A947-70E740481C1C}">
-                <a14:useLocalDpi xmlns:a14="http://schemas.microsoft.com/office/drawing/2010/main" val="0"/>
-              </a:ext>
-            </a:extLst>
-          </a:blip>
-          <a:stretch>
-            <a:fillRect/>
-          </a:stretch>
-        </p:blipFill>
-        <p:spPr>
-          <a:xfrm>
-            <a:off x="1247930" y="1419622"/>
-            <a:ext cx="6648140" cy="2742358"/>
-          </a:xfrm>
-          <a:prstGeom prst="rect">
-            <a:avLst/>
-          </a:prstGeom>
-        </p:spPr>
-      </p:pic>
-      <p:sp>
-        <p:nvSpPr>
-          <p:cNvPr id="17" name="Textfeld 16"/>
-          <p:cNvSpPr txBox="1"/>
-          <p:nvPr/>
-        </p:nvSpPr>
-        <p:spPr>
-          <a:xfrm>
-            <a:off x="6804248" y="4161980"/>
-            <a:ext cx="2304256" cy="276999"/>
-          </a:xfrm>
-          <a:prstGeom prst="rect">
-            <a:avLst/>
-          </a:prstGeom>
-          <a:noFill/>
-        </p:spPr>
-        <p:txBody>
-          <a:bodyPr wrap="square" rtlCol="0">
-            <a:spAutoFit/>
-          </a:bodyPr>
-          <a:lstStyle/>
-          <a:p>
-            <a:r>
-              <a:rPr lang="de-DE" sz="1200" dirty="0" smtClean="0"/>
-              <a:t>Quelle: http://www.juce.com</a:t>
-            </a:r>
-            <a:endParaRPr lang="en-US" sz="1200" dirty="0"/>
-          </a:p>
-        </p:txBody>
-      </p:sp>
     </p:spTree>
     <p:extLst>
       <p:ext uri="{BB962C8B-B14F-4D97-AF65-F5344CB8AC3E}">
-        <p14:creationId xmlns:p14="http://schemas.microsoft.com/office/powerpoint/2010/main" val="671220262"/>
+        <p14:creationId xmlns:p14="http://schemas.microsoft.com/office/powerpoint/2010/main" val="1166838381"/>
       </p:ext>
     </p:extLst>
   </p:cSld>
   <p:clrMapOvr>
     <a:masterClrMapping/>
   </p:clrMapOvr>
-  <mc:AlternateContent xmlns:mc="http://schemas.openxmlformats.org/markup-compatibility/2006">
-    <mc:Choice xmlns:p14="http://schemas.microsoft.com/office/powerpoint/2010/main" Requires="p14">
+  <mc:AlternateContent xmlns:mc="http://schemas.openxmlformats.org/markup-compatibility/2006" xmlns:p14="http://schemas.microsoft.com/office/powerpoint/2010/main">
+    <mc:Choice Requires="p14">
       <p:transition spd="med" p14:dur="700">
         <p:fade/>
       </p:transition>
     </mc:Choice>
-    <mc:Fallback>
+    <mc:Fallback xmlns="">
       <p:transition spd="med">
         <p:fade/>
       </p:transition>
@@ -7126,67 +7610,7 @@
           <a:p>
             <a:r>
               <a:rPr lang="de-DE" dirty="0" smtClean="0"/>
-              <a:t>Fazit</a:t>
-            </a:r>
-            <a:endParaRPr lang="en-US" dirty="0"/>
-          </a:p>
-        </p:txBody>
-      </p:sp>
-      <p:sp>
-        <p:nvSpPr>
-          <p:cNvPr id="3" name="Inhaltsplatzhalter 2"/>
-          <p:cNvSpPr>
-            <a:spLocks noGrp="1"/>
-          </p:cNvSpPr>
-          <p:nvPr>
-            <p:ph idx="1"/>
-          </p:nvPr>
-        </p:nvSpPr>
-        <p:spPr/>
-        <p:txBody>
-          <a:bodyPr/>
-          <a:lstStyle/>
-          <a:p>
-            <a:r>
-              <a:rPr lang="de-DE" dirty="0" smtClean="0"/>
-              <a:t>Instrumententon </a:t>
-            </a:r>
-            <a:r>
-              <a:rPr lang="de-DE" dirty="0" smtClean="0"/>
-              <a:t>nachbilden </a:t>
-            </a:r>
-            <a:r>
-              <a:rPr lang="de-DE" dirty="0" smtClean="0"/>
-              <a:t>ist schwer</a:t>
-            </a:r>
-            <a:endParaRPr lang="de-DE" dirty="0" smtClean="0"/>
-          </a:p>
-          <a:p>
-            <a:r>
-              <a:rPr lang="de-DE" dirty="0" smtClean="0"/>
-              <a:t>Nachbildung </a:t>
-            </a:r>
-            <a:r>
-              <a:rPr lang="de-DE" dirty="0" smtClean="0"/>
-              <a:t>hat </a:t>
-            </a:r>
-            <a:r>
-              <a:rPr lang="de-DE" dirty="0" smtClean="0"/>
-              <a:t>große Ähnlichkeit zum Original</a:t>
-            </a:r>
-          </a:p>
-          <a:p>
-            <a:r>
-              <a:rPr lang="de-DE" dirty="0" smtClean="0"/>
-              <a:t>FM-Synthesizer Programm </a:t>
-            </a:r>
-            <a:r>
-              <a:rPr lang="de-DE" dirty="0" smtClean="0"/>
-              <a:t>bietet einfachen </a:t>
-            </a:r>
-            <a:r>
-              <a:rPr lang="de-DE" dirty="0" smtClean="0"/>
-              <a:t>Einstieg</a:t>
+              <a:t>Framework</a:t>
             </a:r>
             <a:endParaRPr lang="en-US" dirty="0"/>
           </a:p>
@@ -7265,23 +7689,83 @@
           </a:p>
         </p:txBody>
       </p:sp>
+      <p:pic>
+        <p:nvPicPr>
+          <p:cNvPr id="15" name="Grafik 14"/>
+          <p:cNvPicPr>
+            <a:picLocks noChangeAspect="1"/>
+          </p:cNvPicPr>
+          <p:nvPr/>
+        </p:nvPicPr>
+        <p:blipFill>
+          <a:blip r:embed="rId2">
+            <a:extLst>
+              <a:ext uri="{28A0092B-C50C-407E-A947-70E740481C1C}">
+                <a14:useLocalDpi xmlns:a14="http://schemas.microsoft.com/office/drawing/2010/main" val="0"/>
+              </a:ext>
+            </a:extLst>
+          </a:blip>
+          <a:stretch>
+            <a:fillRect/>
+          </a:stretch>
+        </p:blipFill>
+        <p:spPr>
+          <a:xfrm>
+            <a:off x="1247930" y="1419622"/>
+            <a:ext cx="6648140" cy="2742358"/>
+          </a:xfrm>
+          <a:prstGeom prst="rect">
+            <a:avLst/>
+          </a:prstGeom>
+        </p:spPr>
+      </p:pic>
+      <p:sp>
+        <p:nvSpPr>
+          <p:cNvPr id="17" name="Textfeld 16"/>
+          <p:cNvSpPr txBox="1"/>
+          <p:nvPr/>
+        </p:nvSpPr>
+        <p:spPr>
+          <a:xfrm>
+            <a:off x="6804248" y="4161980"/>
+            <a:ext cx="2304256" cy="276999"/>
+          </a:xfrm>
+          <a:prstGeom prst="rect">
+            <a:avLst/>
+          </a:prstGeom>
+          <a:noFill/>
+        </p:spPr>
+        <p:txBody>
+          <a:bodyPr wrap="square" rtlCol="0">
+            <a:spAutoFit/>
+          </a:bodyPr>
+          <a:lstStyle/>
+          <a:p>
+            <a:r>
+              <a:rPr lang="de-DE" sz="1200" dirty="0" smtClean="0"/>
+              <a:t>Quelle: http://www.juce.com</a:t>
+            </a:r>
+            <a:endParaRPr lang="en-US" sz="1200" dirty="0"/>
+          </a:p>
+        </p:txBody>
+      </p:sp>
     </p:spTree>
     <p:extLst>
       <p:ext uri="{BB962C8B-B14F-4D97-AF65-F5344CB8AC3E}">
-        <p14:creationId xmlns:p14="http://schemas.microsoft.com/office/powerpoint/2010/main" val="223964149"/>
+        <p14:creationId xmlns:p14="http://schemas.microsoft.com/office/powerpoint/2010/main" val="671220262"/>
       </p:ext>
     </p:extLst>
   </p:cSld>
   <p:clrMapOvr>
     <a:masterClrMapping/>
   </p:clrMapOvr>
-  <mc:AlternateContent xmlns:mc="http://schemas.openxmlformats.org/markup-compatibility/2006">
-    <mc:Choice xmlns:p14="http://schemas.microsoft.com/office/powerpoint/2010/main" Requires="p14">
+  <mc:AlternateContent xmlns:mc="http://schemas.openxmlformats.org/markup-compatibility/2006" xmlns:p14="http://schemas.microsoft.com/office/powerpoint/2010/main">
+    <mc:Choice Requires="p14">
       <p:transition spd="med" p14:dur="700">
         <p:fade/>
       </p:transition>
     </mc:Choice>
-    <mc:Fallback>
+    <mc:Fallback xmlns="">
       <p:transition spd="med">
         <p:fade/>
       </p:transition>
@@ -7316,26 +7800,7 @@
       </p:grpSpPr>
       <p:sp>
         <p:nvSpPr>
-          <p:cNvPr id="8" name="Untertitel 7"/>
-          <p:cNvSpPr>
-            <a:spLocks noGrp="1"/>
-          </p:cNvSpPr>
-          <p:nvPr>
-            <p:ph type="subTitle" idx="1"/>
-          </p:nvPr>
-        </p:nvSpPr>
-        <p:spPr/>
-        <p:txBody>
-          <a:bodyPr/>
-          <a:lstStyle/>
-          <a:p>
-            <a:endParaRPr lang="en-US"/>
-          </a:p>
-        </p:txBody>
-      </p:sp>
-      <p:sp>
-        <p:nvSpPr>
-          <p:cNvPr id="7" name="Titel 6"/>
+          <p:cNvPr id="2" name="Titel 1"/>
           <p:cNvSpPr>
             <a:spLocks noGrp="1"/>
           </p:cNvSpPr>
@@ -7350,14 +7815,42 @@
           <a:p>
             <a:r>
               <a:rPr lang="de-DE" dirty="0" smtClean="0"/>
-              <a:t>Vielen Dank für ihre </a:t>
-            </a:r>
-            <a:br>
+              <a:t>Fazit</a:t>
+            </a:r>
+            <a:endParaRPr lang="en-US" dirty="0"/>
+          </a:p>
+        </p:txBody>
+      </p:sp>
+      <p:sp>
+        <p:nvSpPr>
+          <p:cNvPr id="3" name="Inhaltsplatzhalter 2"/>
+          <p:cNvSpPr>
+            <a:spLocks noGrp="1"/>
+          </p:cNvSpPr>
+          <p:nvPr>
+            <p:ph idx="1"/>
+          </p:nvPr>
+        </p:nvSpPr>
+        <p:spPr/>
+        <p:txBody>
+          <a:bodyPr/>
+          <a:lstStyle/>
+          <a:p>
+            <a:r>
               <a:rPr lang="de-DE" dirty="0" smtClean="0"/>
-            </a:br>
+              <a:t>Instrumententon nachbilden ist schwer</a:t>
+            </a:r>
+          </a:p>
+          <a:p>
             <a:r>
               <a:rPr lang="de-DE" dirty="0" smtClean="0"/>
-              <a:t>Aufmerksamkeit</a:t>
+              <a:t>Nachbildung hat große Ähnlichkeit zum Original</a:t>
+            </a:r>
+          </a:p>
+          <a:p>
+            <a:r>
+              <a:rPr lang="de-DE" dirty="0" smtClean="0"/>
+              <a:t>FM-Synthesizer Programm bietet einfachen Einstieg</a:t>
             </a:r>
             <a:endParaRPr lang="en-US" dirty="0"/>
           </a:p>
@@ -7439,20 +7932,20 @@
     </p:spTree>
     <p:extLst>
       <p:ext uri="{BB962C8B-B14F-4D97-AF65-F5344CB8AC3E}">
-        <p14:creationId xmlns:p14="http://schemas.microsoft.com/office/powerpoint/2010/main" val="3741543770"/>
+        <p14:creationId xmlns:p14="http://schemas.microsoft.com/office/powerpoint/2010/main" val="223964149"/>
       </p:ext>
     </p:extLst>
   </p:cSld>
   <p:clrMapOvr>
     <a:masterClrMapping/>
   </p:clrMapOvr>
-  <mc:AlternateContent xmlns:mc="http://schemas.openxmlformats.org/markup-compatibility/2006">
-    <mc:Choice xmlns:p14="http://schemas.microsoft.com/office/powerpoint/2010/main" Requires="p14">
+  <mc:AlternateContent xmlns:mc="http://schemas.openxmlformats.org/markup-compatibility/2006" xmlns:p14="http://schemas.microsoft.com/office/powerpoint/2010/main">
+    <mc:Choice Requires="p14">
       <p:transition spd="med" p14:dur="700">
         <p:fade/>
       </p:transition>
     </mc:Choice>
-    <mc:Fallback>
+    <mc:Fallback xmlns="">
       <p:transition spd="med">
         <p:fade/>
       </p:transition>
@@ -7487,7 +7980,26 @@
       </p:grpSpPr>
       <p:sp>
         <p:nvSpPr>
-          <p:cNvPr id="2" name="Titel 1"/>
+          <p:cNvPr id="8" name="Untertitel 7"/>
+          <p:cNvSpPr>
+            <a:spLocks noGrp="1"/>
+          </p:cNvSpPr>
+          <p:nvPr>
+            <p:ph type="subTitle" idx="1"/>
+          </p:nvPr>
+        </p:nvSpPr>
+        <p:spPr/>
+        <p:txBody>
+          <a:bodyPr/>
+          <a:lstStyle/>
+          <a:p>
+            <a:endParaRPr lang="en-US"/>
+          </a:p>
+        </p:txBody>
+      </p:sp>
+      <p:sp>
+        <p:nvSpPr>
+          <p:cNvPr id="7" name="Titel 6"/>
           <p:cNvSpPr>
             <a:spLocks noGrp="1"/>
           </p:cNvSpPr>
@@ -7502,7 +8014,14 @@
           <a:p>
             <a:r>
               <a:rPr lang="de-DE" dirty="0" smtClean="0"/>
-              <a:t>Quellen</a:t>
+              <a:t>Vielen Dank für ihre </a:t>
+            </a:r>
+            <a:br>
+              <a:rPr lang="de-DE" dirty="0" smtClean="0"/>
+            </a:br>
+            <a:r>
+              <a:rPr lang="de-DE" dirty="0" smtClean="0"/>
+              <a:t>Aufmerksamkeit</a:t>
             </a:r>
             <a:endParaRPr lang="en-US" dirty="0"/>
           </a:p>
@@ -7572,6 +8091,151 @@
             <a:fld id="{8740CB20-F870-467D-84CE-AB32061190A1}" type="slidenum">
               <a:rPr lang="en-US" smtClean="0"/>
               <a:t>23</a:t>
+            </a:fld>
+            <a:r>
+              <a:rPr lang="de-DE" smtClean="0"/>
+              <a:t>   </a:t>
+            </a:r>
+            <a:endParaRPr lang="de-DE" dirty="0"/>
+          </a:p>
+        </p:txBody>
+      </p:sp>
+    </p:spTree>
+    <p:extLst>
+      <p:ext uri="{BB962C8B-B14F-4D97-AF65-F5344CB8AC3E}">
+        <p14:creationId xmlns:p14="http://schemas.microsoft.com/office/powerpoint/2010/main" val="3741543770"/>
+      </p:ext>
+    </p:extLst>
+  </p:cSld>
+  <p:clrMapOvr>
+    <a:masterClrMapping/>
+  </p:clrMapOvr>
+  <mc:AlternateContent xmlns:mc="http://schemas.openxmlformats.org/markup-compatibility/2006" xmlns:p14="http://schemas.microsoft.com/office/powerpoint/2010/main">
+    <mc:Choice Requires="p14">
+      <p:transition spd="med" p14:dur="700">
+        <p:fade/>
+      </p:transition>
+    </mc:Choice>
+    <mc:Fallback xmlns="">
+      <p:transition spd="med">
+        <p:fade/>
+      </p:transition>
+    </mc:Fallback>
+  </mc:AlternateContent>
+  <p:timing>
+    <p:tnLst>
+      <p:par>
+        <p:cTn id="1" dur="indefinite" restart="never" nodeType="tmRoot"/>
+      </p:par>
+    </p:tnLst>
+  </p:timing>
+</p:sld>
+</file>
+
+<file path=ppt/slides/slide24.xml><?xml version="1.0" encoding="utf-8"?>
+<p:sld xmlns:a="http://schemas.openxmlformats.org/drawingml/2006/main" xmlns:r="http://schemas.openxmlformats.org/officeDocument/2006/relationships" xmlns:p="http://schemas.openxmlformats.org/presentationml/2006/main">
+  <p:cSld>
+    <p:spTree>
+      <p:nvGrpSpPr>
+        <p:cNvPr id="1" name=""/>
+        <p:cNvGrpSpPr/>
+        <p:nvPr/>
+      </p:nvGrpSpPr>
+      <p:grpSpPr>
+        <a:xfrm>
+          <a:off x="0" y="0"/>
+          <a:ext cx="0" cy="0"/>
+          <a:chOff x="0" y="0"/>
+          <a:chExt cx="0" cy="0"/>
+        </a:xfrm>
+      </p:grpSpPr>
+      <p:sp>
+        <p:nvSpPr>
+          <p:cNvPr id="2" name="Titel 1"/>
+          <p:cNvSpPr>
+            <a:spLocks noGrp="1"/>
+          </p:cNvSpPr>
+          <p:nvPr>
+            <p:ph type="title"/>
+          </p:nvPr>
+        </p:nvSpPr>
+        <p:spPr/>
+        <p:txBody>
+          <a:bodyPr/>
+          <a:lstStyle/>
+          <a:p>
+            <a:r>
+              <a:rPr lang="de-DE" dirty="0" smtClean="0"/>
+              <a:t>Quellen</a:t>
+            </a:r>
+            <a:endParaRPr lang="en-US" dirty="0"/>
+          </a:p>
+        </p:txBody>
+      </p:sp>
+      <p:sp>
+        <p:nvSpPr>
+          <p:cNvPr id="4" name="Datumsplatzhalter 3"/>
+          <p:cNvSpPr>
+            <a:spLocks noGrp="1"/>
+          </p:cNvSpPr>
+          <p:nvPr>
+            <p:ph type="dt" sz="half" idx="10"/>
+          </p:nvPr>
+        </p:nvSpPr>
+        <p:spPr/>
+        <p:txBody>
+          <a:bodyPr/>
+          <a:lstStyle/>
+          <a:p>
+            <a:fld id="{296000BE-0612-4D88-A1AC-FF1287139C2E}" type="datetime1">
+              <a:rPr lang="de-DE" smtClean="0"/>
+              <a:t>20.06.2015</a:t>
+            </a:fld>
+            <a:endParaRPr lang="de-DE" dirty="0"/>
+          </a:p>
+        </p:txBody>
+      </p:sp>
+      <p:sp>
+        <p:nvSpPr>
+          <p:cNvPr id="5" name="Fußzeilenplatzhalter 4"/>
+          <p:cNvSpPr>
+            <a:spLocks noGrp="1"/>
+          </p:cNvSpPr>
+          <p:nvPr>
+            <p:ph type="ftr" sz="quarter" idx="11"/>
+          </p:nvPr>
+        </p:nvSpPr>
+        <p:spPr/>
+        <p:txBody>
+          <a:bodyPr/>
+          <a:lstStyle/>
+          <a:p>
+            <a:r>
+              <a:rPr lang="de-DE" smtClean="0"/>
+              <a:t>FM-Synthese</a:t>
+            </a:r>
+            <a:endParaRPr lang="de-DE" dirty="0"/>
+          </a:p>
+        </p:txBody>
+      </p:sp>
+      <p:sp>
+        <p:nvSpPr>
+          <p:cNvPr id="6" name="Foliennummernplatzhalter 5"/>
+          <p:cNvSpPr>
+            <a:spLocks noGrp="1"/>
+          </p:cNvSpPr>
+          <p:nvPr>
+            <p:ph type="sldNum" sz="quarter" idx="12"/>
+          </p:nvPr>
+        </p:nvSpPr>
+        <p:spPr/>
+        <p:txBody>
+          <a:bodyPr/>
+          <a:lstStyle/>
+          <a:p>
+            <a:fld id="{8740CB20-F870-467D-84CE-AB32061190A1}" type="slidenum">
+              <a:rPr lang="en-US" smtClean="0"/>
+              <a:t>24</a:t>
             </a:fld>
             <a:r>
               <a:rPr lang="de-DE" smtClean="0"/>
@@ -7726,13 +8390,13 @@
   <p:clrMapOvr>
     <a:masterClrMapping/>
   </p:clrMapOvr>
-  <mc:AlternateContent xmlns:mc="http://schemas.openxmlformats.org/markup-compatibility/2006">
-    <mc:Choice xmlns:p14="http://schemas.microsoft.com/office/powerpoint/2010/main" Requires="p14">
+  <mc:AlternateContent xmlns:mc="http://schemas.openxmlformats.org/markup-compatibility/2006" xmlns:p14="http://schemas.microsoft.com/office/powerpoint/2010/main">
+    <mc:Choice Requires="p14">
       <p:transition spd="med" p14:dur="700">
         <p:fade/>
       </p:transition>
     </mc:Choice>
-    <mc:Fallback>
+    <mc:Fallback xmlns="">
       <p:transition spd="med">
         <p:fade/>
       </p:transition>
@@ -7887,13 +8551,13 @@
   <p:clrMapOvr>
     <a:masterClrMapping/>
   </p:clrMapOvr>
-  <mc:AlternateContent xmlns:mc="http://schemas.openxmlformats.org/markup-compatibility/2006">
-    <mc:Choice xmlns:p14="http://schemas.microsoft.com/office/powerpoint/2010/main" Requires="p14">
+  <mc:AlternateContent xmlns:mc="http://schemas.openxmlformats.org/markup-compatibility/2006" xmlns:p14="http://schemas.microsoft.com/office/powerpoint/2010/main">
+    <mc:Choice Requires="p14">
       <p:transition spd="med" p14:dur="700">
         <p:fade/>
       </p:transition>
     </mc:Choice>
-    <mc:Fallback>
+    <mc:Fallback xmlns="">
       <p:transition spd="med">
         <p:fade/>
       </p:transition>
@@ -7926,6 +8590,305 @@
           <a:chExt cx="0" cy="0"/>
         </a:xfrm>
       </p:grpSpPr>
+      <p:pic>
+        <p:nvPicPr>
+          <p:cNvPr id="11" name="Trumpet">
+            <a:hlinkClick r:id="" action="ppaction://media"/>
+          </p:cNvPr>
+          <p:cNvPicPr>
+            <a:picLocks noChangeAspect="1"/>
+          </p:cNvPicPr>
+          <p:nvPr>
+            <a:audioFile r:link="rId2"/>
+            <p:extLst>
+              <p:ext uri="{DAA4B4D4-6D71-4841-9C94-3DE7FCFB9230}">
+                <p14:media xmlns:p14="http://schemas.microsoft.com/office/powerpoint/2010/main" r:embed="rId1"/>
+              </p:ext>
+            </p:extLst>
+          </p:nvPr>
+        </p:nvPicPr>
+        <p:blipFill>
+          <a:blip r:embed="rId5"/>
+          <a:stretch>
+            <a:fillRect/>
+          </a:stretch>
+        </p:blipFill>
+        <p:spPr>
+          <a:xfrm>
+            <a:off x="4274840" y="2147331"/>
+            <a:ext cx="609600" cy="609600"/>
+          </a:xfrm>
+          <a:prstGeom prst="rect">
+            <a:avLst/>
+          </a:prstGeom>
+        </p:spPr>
+      </p:pic>
+      <p:sp>
+        <p:nvSpPr>
+          <p:cNvPr id="7" name="Titel 6"/>
+          <p:cNvSpPr>
+            <a:spLocks noGrp="1"/>
+          </p:cNvSpPr>
+          <p:nvPr>
+            <p:ph type="title"/>
+          </p:nvPr>
+        </p:nvSpPr>
+        <p:spPr/>
+        <p:txBody>
+          <a:bodyPr/>
+          <a:lstStyle/>
+          <a:p>
+            <a:r>
+              <a:rPr lang="de-DE" dirty="0" smtClean="0"/>
+              <a:t>Wie sieht ein Ton aus?</a:t>
+            </a:r>
+            <a:endParaRPr lang="en-US" dirty="0"/>
+          </a:p>
+        </p:txBody>
+      </p:sp>
+      <p:sp>
+        <p:nvSpPr>
+          <p:cNvPr id="4" name="Datumsplatzhalter 3"/>
+          <p:cNvSpPr>
+            <a:spLocks noGrp="1"/>
+          </p:cNvSpPr>
+          <p:nvPr>
+            <p:ph type="dt" sz="half" idx="10"/>
+          </p:nvPr>
+        </p:nvSpPr>
+        <p:spPr/>
+        <p:txBody>
+          <a:bodyPr/>
+          <a:lstStyle/>
+          <a:p>
+            <a:fld id="{C80D71F6-99A2-4718-B360-65885A8D0927}" type="datetime1">
+              <a:rPr lang="de-DE" smtClean="0"/>
+              <a:t>21.06.2015</a:t>
+            </a:fld>
+            <a:endParaRPr lang="de-DE"/>
+          </a:p>
+        </p:txBody>
+      </p:sp>
+      <p:sp>
+        <p:nvSpPr>
+          <p:cNvPr id="5" name="Fußzeilenplatzhalter 4"/>
+          <p:cNvSpPr>
+            <a:spLocks noGrp="1"/>
+          </p:cNvSpPr>
+          <p:nvPr>
+            <p:ph type="ftr" sz="quarter" idx="11"/>
+          </p:nvPr>
+        </p:nvSpPr>
+        <p:spPr/>
+        <p:txBody>
+          <a:bodyPr/>
+          <a:lstStyle/>
+          <a:p>
+            <a:r>
+              <a:rPr lang="de-DE" smtClean="0"/>
+              <a:t>FM-Synthese</a:t>
+            </a:r>
+            <a:endParaRPr lang="de-DE"/>
+          </a:p>
+        </p:txBody>
+      </p:sp>
+      <p:sp>
+        <p:nvSpPr>
+          <p:cNvPr id="6" name="Foliennummernplatzhalter 5"/>
+          <p:cNvSpPr>
+            <a:spLocks noGrp="1"/>
+          </p:cNvSpPr>
+          <p:nvPr>
+            <p:ph type="sldNum" sz="quarter" idx="12"/>
+          </p:nvPr>
+        </p:nvSpPr>
+        <p:spPr/>
+        <p:txBody>
+          <a:bodyPr/>
+          <a:lstStyle/>
+          <a:p>
+            <a:fld id="{6C6AE60A-B69C-4790-82F7-3882EDF23186}" type="slidenum">
+              <a:rPr lang="de-DE" smtClean="0"/>
+              <a:pPr/>
+              <a:t>4</a:t>
+            </a:fld>
+            <a:endParaRPr lang="de-DE"/>
+          </a:p>
+        </p:txBody>
+      </p:sp>
+      <p:pic>
+        <p:nvPicPr>
+          <p:cNvPr id="9" name="Grafik 8"/>
+          <p:cNvPicPr>
+            <a:picLocks noChangeAspect="1"/>
+          </p:cNvPicPr>
+          <p:nvPr/>
+        </p:nvPicPr>
+        <p:blipFill rotWithShape="1">
+          <a:blip r:embed="rId6" cstate="print">
+            <a:extLst>
+              <a:ext uri="{28A0092B-C50C-407E-A947-70E740481C1C}">
+                <a14:useLocalDpi xmlns:a14="http://schemas.microsoft.com/office/drawing/2010/main" val="0"/>
+              </a:ext>
+            </a:extLst>
+          </a:blip>
+          <a:srcRect l="10462" t="4390" r="7604" b="5660"/>
+          <a:stretch/>
+        </p:blipFill>
+        <p:spPr>
+          <a:xfrm>
+            <a:off x="165215" y="19386"/>
+            <a:ext cx="8836113" cy="4850270"/>
+          </a:xfrm>
+          <a:prstGeom prst="rect">
+            <a:avLst/>
+          </a:prstGeom>
+        </p:spPr>
+      </p:pic>
+    </p:spTree>
+    <p:extLst>
+      <p:ext uri="{BB962C8B-B14F-4D97-AF65-F5344CB8AC3E}">
+        <p14:creationId xmlns:p14="http://schemas.microsoft.com/office/powerpoint/2010/main" val="1326949593"/>
+      </p:ext>
+    </p:extLst>
+  </p:cSld>
+  <p:clrMapOvr>
+    <a:masterClrMapping/>
+  </p:clrMapOvr>
+  <mc:AlternateContent xmlns:mc="http://schemas.openxmlformats.org/markup-compatibility/2006">
+    <mc:Choice xmlns:p14="http://schemas.microsoft.com/office/powerpoint/2010/main" Requires="p14">
+      <p:transition spd="med" p14:dur="700">
+        <p:fade/>
+      </p:transition>
+    </mc:Choice>
+    <mc:Fallback>
+      <p:transition spd="med">
+        <p:fade/>
+      </p:transition>
+    </mc:Fallback>
+  </mc:AlternateContent>
+  <p:timing>
+    <p:tnLst>
+      <p:par>
+        <p:cTn id="1" dur="indefinite" restart="never" nodeType="tmRoot">
+          <p:childTnLst>
+            <p:seq concurrent="1" nextAc="seek">
+              <p:cTn id="2" dur="indefinite" nodeType="mainSeq">
+                <p:childTnLst>
+                  <p:par>
+                    <p:cTn id="3" fill="hold">
+                      <p:stCondLst>
+                        <p:cond delay="indefinite"/>
+                      </p:stCondLst>
+                      <p:childTnLst>
+                        <p:par>
+                          <p:cTn id="4" fill="hold">
+                            <p:stCondLst>
+                              <p:cond delay="0"/>
+                            </p:stCondLst>
+                            <p:childTnLst>
+                              <p:par>
+                                <p:cTn id="5" presetID="10" presetClass="entr" presetSubtype="0" fill="hold" nodeType="clickEffect">
+                                  <p:stCondLst>
+                                    <p:cond delay="0"/>
+                                  </p:stCondLst>
+                                  <p:childTnLst>
+                                    <p:set>
+                                      <p:cBhvr>
+                                        <p:cTn id="6" dur="1" fill="hold">
+                                          <p:stCondLst>
+                                            <p:cond delay="0"/>
+                                          </p:stCondLst>
+                                        </p:cTn>
+                                        <p:tgtEl>
+                                          <p:spTgt spid="9"/>
+                                        </p:tgtEl>
+                                        <p:attrNameLst>
+                                          <p:attrName>style.visibility</p:attrName>
+                                        </p:attrNameLst>
+                                      </p:cBhvr>
+                                      <p:to>
+                                        <p:strVal val="visible"/>
+                                      </p:to>
+                                    </p:set>
+                                    <p:animEffect transition="in" filter="fade">
+                                      <p:cBhvr>
+                                        <p:cTn id="7" dur="500"/>
+                                        <p:tgtEl>
+                                          <p:spTgt spid="9"/>
+                                        </p:tgtEl>
+                                      </p:cBhvr>
+                                    </p:animEffect>
+                                  </p:childTnLst>
+                                </p:cTn>
+                              </p:par>
+                            </p:childTnLst>
+                          </p:cTn>
+                        </p:par>
+                      </p:childTnLst>
+                    </p:cTn>
+                  </p:par>
+                </p:childTnLst>
+              </p:cTn>
+              <p:prevCondLst>
+                <p:cond evt="onPrev" delay="0">
+                  <p:tgtEl>
+                    <p:sldTgt/>
+                  </p:tgtEl>
+                </p:cond>
+              </p:prevCondLst>
+              <p:nextCondLst>
+                <p:cond evt="onNext" delay="0">
+                  <p:tgtEl>
+                    <p:sldTgt/>
+                  </p:tgtEl>
+                </p:cond>
+              </p:nextCondLst>
+            </p:seq>
+            <p:audio>
+              <p:cMediaNode vol="80000">
+                <p:cTn id="8" fill="hold" display="0">
+                  <p:stCondLst>
+                    <p:cond delay="indefinite"/>
+                  </p:stCondLst>
+                  <p:endCondLst>
+                    <p:cond evt="onStopAudio" delay="0">
+                      <p:tgtEl>
+                        <p:sldTgt/>
+                      </p:tgtEl>
+                    </p:cond>
+                  </p:endCondLst>
+                </p:cTn>
+                <p:tgtEl>
+                  <p:spTgt spid="11"/>
+                </p:tgtEl>
+              </p:cMediaNode>
+            </p:audio>
+          </p:childTnLst>
+        </p:cTn>
+      </p:par>
+    </p:tnLst>
+  </p:timing>
+</p:sld>
+</file>
+
+<file path=ppt/slides/slide5.xml><?xml version="1.0" encoding="utf-8"?>
+<p:sld xmlns:a="http://schemas.openxmlformats.org/drawingml/2006/main" xmlns:r="http://schemas.openxmlformats.org/officeDocument/2006/relationships" xmlns:p="http://schemas.openxmlformats.org/presentationml/2006/main">
+  <p:cSld>
+    <p:spTree>
+      <p:nvGrpSpPr>
+        <p:cNvPr id="1" name=""/>
+        <p:cNvGrpSpPr/>
+        <p:nvPr/>
+      </p:nvGrpSpPr>
+      <p:grpSpPr>
+        <a:xfrm>
+          <a:off x="0" y="0"/>
+          <a:ext cx="0" cy="0"/>
+          <a:chOff x="0" y="0"/>
+          <a:chExt cx="0" cy="0"/>
+        </a:xfrm>
+      </p:grpSpPr>
       <p:sp>
         <p:nvSpPr>
           <p:cNvPr id="2" name="Titel 1"/>
@@ -8071,7 +9034,7 @@
           <a:p>
             <a:fld id="{8740CB20-F870-467D-84CE-AB32061190A1}" type="slidenum">
               <a:rPr lang="en-US" smtClean="0"/>
-              <a:t>4</a:t>
+              <a:t>5</a:t>
             </a:fld>
             <a:r>
               <a:rPr lang="de-DE" smtClean="0"/>
@@ -8347,13 +9310,13 @@
   <p:clrMapOvr>
     <a:masterClrMapping/>
   </p:clrMapOvr>
-  <mc:AlternateContent xmlns:mc="http://schemas.openxmlformats.org/markup-compatibility/2006">
-    <mc:Choice xmlns:p14="http://schemas.microsoft.com/office/powerpoint/2010/main" Requires="p14">
+  <mc:AlternateContent xmlns:mc="http://schemas.openxmlformats.org/markup-compatibility/2006" xmlns:p14="http://schemas.microsoft.com/office/powerpoint/2010/main">
+    <mc:Choice Requires="p14">
       <p:transition spd="med" p14:dur="700">
         <p:fade/>
       </p:transition>
     </mc:Choice>
-    <mc:Fallback>
+    <mc:Fallback xmlns="">
       <p:transition spd="med">
         <p:fade/>
       </p:transition>
@@ -8682,7 +9645,7 @@
 </p:sld>
 </file>
 
-<file path=ppt/slides/slide5.xml><?xml version="1.0" encoding="utf-8"?>
+<file path=ppt/slides/slide6.xml><?xml version="1.0" encoding="utf-8"?>
 <p:sld xmlns:a="http://schemas.openxmlformats.org/drawingml/2006/main" xmlns:r="http://schemas.openxmlformats.org/officeDocument/2006/relationships" xmlns:p="http://schemas.openxmlformats.org/presentationml/2006/main">
   <p:cSld>
     <p:spTree>
@@ -8876,7 +9839,6 @@
                         <a:rPr lang="de-DE" dirty="0" smtClean="0"/>
                         <a:t>Feedback</a:t>
                       </a:r>
-                      <a:endParaRPr lang="de-DE" dirty="0" smtClean="0"/>
                     </a:p>
                   </a:txBody>
                   <a:tcPr/>
@@ -9009,7 +9971,7 @@
           <a:p>
             <a:fld id="{8740CB20-F870-467D-84CE-AB32061190A1}" type="slidenum">
               <a:rPr lang="en-US" smtClean="0"/>
-              <a:t>5</a:t>
+              <a:t>6</a:t>
             </a:fld>
             <a:r>
               <a:rPr lang="de-DE" smtClean="0"/>
@@ -9165,13 +10127,13 @@
   <p:clrMapOvr>
     <a:masterClrMapping/>
   </p:clrMapOvr>
-  <mc:AlternateContent xmlns:mc="http://schemas.openxmlformats.org/markup-compatibility/2006">
-    <mc:Choice xmlns:p14="http://schemas.microsoft.com/office/powerpoint/2010/main" Requires="p14">
+  <mc:AlternateContent xmlns:mc="http://schemas.openxmlformats.org/markup-compatibility/2006" xmlns:p14="http://schemas.microsoft.com/office/powerpoint/2010/main">
+    <mc:Choice Requires="p14">
       <p:transition spd="med" p14:dur="700">
         <p:fade/>
       </p:transition>
     </mc:Choice>
-    <mc:Fallback>
+    <mc:Fallback xmlns="">
       <p:transition spd="med">
         <p:fade/>
       </p:transition>
@@ -9369,7 +10331,7 @@
 </p:sld>
 </file>
 
-<file path=ppt/slides/slide6.xml><?xml version="1.0" encoding="utf-8"?>
+<file path=ppt/slides/slide7.xml><?xml version="1.0" encoding="utf-8"?>
 <p:sld xmlns:a="http://schemas.openxmlformats.org/drawingml/2006/main" xmlns:r="http://schemas.openxmlformats.org/officeDocument/2006/relationships" xmlns:p="http://schemas.openxmlformats.org/presentationml/2006/main">
   <p:cSld>
     <p:spTree>
@@ -9472,7 +10434,7 @@
           <a:p>
             <a:fld id="{8740CB20-F870-467D-84CE-AB32061190A1}" type="slidenum">
               <a:rPr lang="en-US" smtClean="0"/>
-              <a:t>6</a:t>
+              <a:t>7</a:t>
             </a:fld>
             <a:r>
               <a:rPr lang="de-DE" smtClean="0"/>
@@ -9687,13 +10649,13 @@
   <p:clrMapOvr>
     <a:masterClrMapping/>
   </p:clrMapOvr>
-  <mc:AlternateContent xmlns:mc="http://schemas.openxmlformats.org/markup-compatibility/2006">
-    <mc:Choice xmlns:p14="http://schemas.microsoft.com/office/powerpoint/2010/main" Requires="p14">
+  <mc:AlternateContent xmlns:mc="http://schemas.openxmlformats.org/markup-compatibility/2006" xmlns:p14="http://schemas.microsoft.com/office/powerpoint/2010/main">
+    <mc:Choice Requires="p14">
       <p:transition spd="med" p14:dur="700">
         <p:fade/>
       </p:transition>
     </mc:Choice>
-    <mc:Fallback>
+    <mc:Fallback xmlns="">
       <p:transition spd="med">
         <p:fade/>
       </p:transition>
@@ -10020,7 +10982,7 @@
 </p:sld>
 </file>
 
-<file path=ppt/slides/slide7.xml><?xml version="1.0" encoding="utf-8"?>
+<file path=ppt/slides/slide8.xml><?xml version="1.0" encoding="utf-8"?>
 <p:sld xmlns:a="http://schemas.openxmlformats.org/drawingml/2006/main" xmlns:r="http://schemas.openxmlformats.org/officeDocument/2006/relationships" xmlns:p="http://schemas.openxmlformats.org/presentationml/2006/main">
   <p:cSld>
     <p:spTree>
@@ -10178,7 +11140,7 @@
           <a:p>
             <a:fld id="{8740CB20-F870-467D-84CE-AB32061190A1}" type="slidenum">
               <a:rPr lang="en-US" smtClean="0"/>
-              <a:t>7</a:t>
+              <a:t>8</a:t>
             </a:fld>
             <a:r>
               <a:rPr lang="de-DE" smtClean="0"/>
@@ -10228,242 +11190,13 @@
   <p:clrMapOvr>
     <a:masterClrMapping/>
   </p:clrMapOvr>
-  <mc:AlternateContent xmlns:mc="http://schemas.openxmlformats.org/markup-compatibility/2006">
-    <mc:Choice xmlns:p14="http://schemas.microsoft.com/office/powerpoint/2010/main" Requires="p14">
+  <mc:AlternateContent xmlns:mc="http://schemas.openxmlformats.org/markup-compatibility/2006" xmlns:p14="http://schemas.microsoft.com/office/powerpoint/2010/main">
+    <mc:Choice Requires="p14">
       <p:transition spd="med" p14:dur="700">
         <p:fade/>
       </p:transition>
     </mc:Choice>
-    <mc:Fallback>
-      <p:transition spd="med">
-        <p:fade/>
-      </p:transition>
-    </mc:Fallback>
-  </mc:AlternateContent>
-  <p:timing>
-    <p:tnLst>
-      <p:par>
-        <p:cTn id="1" dur="indefinite" restart="never" nodeType="tmRoot"/>
-      </p:par>
-    </p:tnLst>
-  </p:timing>
-</p:sld>
-</file>
-
-<file path=ppt/slides/slide8.xml><?xml version="1.0" encoding="utf-8"?>
-<p:sld xmlns:a="http://schemas.openxmlformats.org/drawingml/2006/main" xmlns:r="http://schemas.openxmlformats.org/officeDocument/2006/relationships" xmlns:p="http://schemas.openxmlformats.org/presentationml/2006/main">
-  <p:cSld>
-    <p:spTree>
-      <p:nvGrpSpPr>
-        <p:cNvPr id="1" name=""/>
-        <p:cNvGrpSpPr/>
-        <p:nvPr/>
-      </p:nvGrpSpPr>
-      <p:grpSpPr>
-        <a:xfrm>
-          <a:off x="0" y="0"/>
-          <a:ext cx="0" cy="0"/>
-          <a:chOff x="0" y="0"/>
-          <a:chExt cx="0" cy="0"/>
-        </a:xfrm>
-      </p:grpSpPr>
-      <p:sp>
-        <p:nvSpPr>
-          <p:cNvPr id="2" name="Titel 1"/>
-          <p:cNvSpPr>
-            <a:spLocks noGrp="1"/>
-          </p:cNvSpPr>
-          <p:nvPr>
-            <p:ph type="title"/>
-          </p:nvPr>
-        </p:nvSpPr>
-        <p:spPr/>
-        <p:txBody>
-          <a:bodyPr/>
-          <a:lstStyle/>
-          <a:p>
-            <a:r>
-              <a:rPr lang="de-DE" dirty="0"/>
-              <a:t>Variierung des </a:t>
-            </a:r>
-            <a:r>
-              <a:rPr lang="de-DE" dirty="0" smtClean="0"/>
-              <a:t>Modulationsindex</a:t>
-            </a:r>
-            <a:endParaRPr lang="en-US" dirty="0"/>
-          </a:p>
-        </p:txBody>
-      </p:sp>
-      <p:sp>
-        <p:nvSpPr>
-          <p:cNvPr id="3" name="Inhaltsplatzhalter 2"/>
-          <p:cNvSpPr>
-            <a:spLocks noGrp="1"/>
-          </p:cNvSpPr>
-          <p:nvPr>
-            <p:ph idx="1"/>
-          </p:nvPr>
-        </p:nvSpPr>
-        <p:spPr/>
-        <p:txBody>
-          <a:bodyPr/>
-          <a:lstStyle/>
-          <a:p>
-            <a:r>
-              <a:rPr lang="de-DE" dirty="0" smtClean="0"/>
-              <a:t>Anzahl der Seitenfrequenzen nicht statisch</a:t>
-            </a:r>
-          </a:p>
-          <a:p>
-            <a:r>
-              <a:rPr lang="de-DE" dirty="0" smtClean="0"/>
-              <a:t>während </a:t>
-            </a:r>
-            <a:r>
-              <a:rPr lang="de-DE" dirty="0" err="1" smtClean="0"/>
-              <a:t>Attack</a:t>
-            </a:r>
-            <a:r>
-              <a:rPr lang="de-DE" dirty="0" smtClean="0"/>
-              <a:t> </a:t>
-            </a:r>
-            <a:r>
-              <a:rPr lang="de-DE" dirty="0" smtClean="0"/>
-              <a:t>zunehmend</a:t>
-            </a:r>
-            <a:endParaRPr lang="de-DE" dirty="0" smtClean="0"/>
-          </a:p>
-          <a:p>
-            <a:r>
-              <a:rPr lang="de-DE" dirty="0" smtClean="0"/>
-              <a:t>während </a:t>
-            </a:r>
-            <a:r>
-              <a:rPr lang="de-DE" dirty="0" smtClean="0"/>
-              <a:t>Release </a:t>
-            </a:r>
-            <a:r>
-              <a:rPr lang="de-DE" dirty="0" smtClean="0"/>
-              <a:t>abnehmend</a:t>
-            </a:r>
-            <a:endParaRPr lang="de-DE" dirty="0" smtClean="0"/>
-          </a:p>
-          <a:p>
-            <a:pPr marL="0" indent="0">
-              <a:buNone/>
-            </a:pPr>
-            <a:endParaRPr lang="de-DE" dirty="0" smtClean="0"/>
-          </a:p>
-          <a:p>
-            <a:pPr marL="0" indent="0">
-              <a:buNone/>
-            </a:pPr>
-            <a:r>
-              <a:rPr lang="de-DE" dirty="0" smtClean="0">
-                <a:latin typeface="Arial" panose="020B0604020202020204" pitchFamily="34" charset="0"/>
-                <a:cs typeface="Arial" panose="020B0604020202020204" pitchFamily="34" charset="0"/>
-                <a:sym typeface="Symbol" panose="05050102010706020507" pitchFamily="18" charset="2"/>
-              </a:rPr>
-              <a:t></a:t>
-            </a:r>
-            <a:r>
-              <a:rPr lang="de-DE" dirty="0" smtClean="0"/>
-              <a:t> Modulationsindex mit Hüllkurve modulieren</a:t>
-            </a:r>
-            <a:endParaRPr lang="en-US" dirty="0"/>
-          </a:p>
-        </p:txBody>
-      </p:sp>
-      <p:sp>
-        <p:nvSpPr>
-          <p:cNvPr id="4" name="Datumsplatzhalter 3"/>
-          <p:cNvSpPr>
-            <a:spLocks noGrp="1"/>
-          </p:cNvSpPr>
-          <p:nvPr>
-            <p:ph type="dt" sz="half" idx="10"/>
-          </p:nvPr>
-        </p:nvSpPr>
-        <p:spPr/>
-        <p:txBody>
-          <a:bodyPr/>
-          <a:lstStyle/>
-          <a:p>
-            <a:fld id="{296000BE-0612-4D88-A1AC-FF1287139C2E}" type="datetime1">
-              <a:rPr lang="de-DE" smtClean="0"/>
-              <a:t>20.06.2015</a:t>
-            </a:fld>
-            <a:endParaRPr lang="de-DE" dirty="0"/>
-          </a:p>
-        </p:txBody>
-      </p:sp>
-      <p:sp>
-        <p:nvSpPr>
-          <p:cNvPr id="5" name="Fußzeilenplatzhalter 4"/>
-          <p:cNvSpPr>
-            <a:spLocks noGrp="1"/>
-          </p:cNvSpPr>
-          <p:nvPr>
-            <p:ph type="ftr" sz="quarter" idx="11"/>
-          </p:nvPr>
-        </p:nvSpPr>
-        <p:spPr/>
-        <p:txBody>
-          <a:bodyPr/>
-          <a:lstStyle/>
-          <a:p>
-            <a:r>
-              <a:rPr lang="de-DE" smtClean="0"/>
-              <a:t>FM-Synthese</a:t>
-            </a:r>
-            <a:endParaRPr lang="de-DE" dirty="0"/>
-          </a:p>
-        </p:txBody>
-      </p:sp>
-      <p:sp>
-        <p:nvSpPr>
-          <p:cNvPr id="6" name="Foliennummernplatzhalter 5"/>
-          <p:cNvSpPr>
-            <a:spLocks noGrp="1"/>
-          </p:cNvSpPr>
-          <p:nvPr>
-            <p:ph type="sldNum" sz="quarter" idx="12"/>
-          </p:nvPr>
-        </p:nvSpPr>
-        <p:spPr/>
-        <p:txBody>
-          <a:bodyPr/>
-          <a:lstStyle/>
-          <a:p>
-            <a:fld id="{8740CB20-F870-467D-84CE-AB32061190A1}" type="slidenum">
-              <a:rPr lang="en-US" smtClean="0"/>
-              <a:t>8</a:t>
-            </a:fld>
-            <a:r>
-              <a:rPr lang="de-DE" smtClean="0"/>
-              <a:t>   </a:t>
-            </a:r>
-            <a:endParaRPr lang="de-DE" dirty="0"/>
-          </a:p>
-        </p:txBody>
-      </p:sp>
-    </p:spTree>
-    <p:extLst>
-      <p:ext uri="{BB962C8B-B14F-4D97-AF65-F5344CB8AC3E}">
-        <p14:creationId xmlns:p14="http://schemas.microsoft.com/office/powerpoint/2010/main" val="2936568210"/>
-      </p:ext>
-    </p:extLst>
-  </p:cSld>
-  <p:clrMapOvr>
-    <a:masterClrMapping/>
-  </p:clrMapOvr>
-  <mc:AlternateContent xmlns:mc="http://schemas.openxmlformats.org/markup-compatibility/2006">
-    <mc:Choice xmlns:p14="http://schemas.microsoft.com/office/powerpoint/2010/main" Requires="p14">
-      <p:transition spd="med" p14:dur="700">
-        <p:fade/>
-      </p:transition>
-    </mc:Choice>
-    <mc:Fallback>
+    <mc:Fallback xmlns="">
       <p:transition spd="med">
         <p:fade/>
       </p:transition>
@@ -10506,19 +11239,18 @@
             <p:ph type="title"/>
           </p:nvPr>
         </p:nvSpPr>
-        <p:spPr>
-          <a:xfrm>
-            <a:off x="492224" y="87612"/>
-            <a:ext cx="8229600" cy="857250"/>
-          </a:xfrm>
-        </p:spPr>
-        <p:txBody>
-          <a:bodyPr/>
-          <a:lstStyle/>
-          <a:p>
+        <p:spPr/>
+        <p:txBody>
+          <a:bodyPr/>
+          <a:lstStyle/>
+          <a:p>
+            <a:r>
+              <a:rPr lang="de-DE" dirty="0"/>
+              <a:t>Variierung des </a:t>
+            </a:r>
             <a:r>
               <a:rPr lang="de-DE" dirty="0" smtClean="0"/>
-              <a:t>Rauschen</a:t>
+              <a:t>Modulationsindex</a:t>
             </a:r>
             <a:endParaRPr lang="en-US" dirty="0"/>
           </a:p>
@@ -10534,54 +11266,59 @@
             <p:ph idx="1"/>
           </p:nvPr>
         </p:nvSpPr>
-        <p:spPr>
-          <a:xfrm>
-            <a:off x="457200" y="1200151"/>
-            <a:ext cx="5482952" cy="3394472"/>
-          </a:xfrm>
-        </p:spPr>
-        <p:txBody>
-          <a:bodyPr>
-            <a:normAutofit/>
-          </a:bodyPr>
-          <a:lstStyle/>
-          <a:p>
-            <a:r>
-              <a:rPr lang="de-DE" dirty="0"/>
-              <a:t>Instrumente erzeugen Rauschen</a:t>
-            </a:r>
-          </a:p>
-          <a:p>
-            <a:pPr lvl="1"/>
-            <a:r>
-              <a:rPr lang="de-DE" dirty="0" err="1"/>
-              <a:t>Luftverwirbelungen</a:t>
-            </a:r>
-            <a:endParaRPr lang="de-DE" dirty="0"/>
-          </a:p>
-          <a:p>
-            <a:pPr lvl="1"/>
-            <a:r>
-              <a:rPr lang="de-DE" dirty="0"/>
-              <a:t>Blasgeräusche</a:t>
-            </a:r>
-          </a:p>
-          <a:p>
-            <a:pPr lvl="1"/>
-            <a:r>
-              <a:rPr lang="de-DE" dirty="0"/>
-              <a:t>Unebenheiten der </a:t>
-            </a:r>
+        <p:spPr/>
+        <p:txBody>
+          <a:bodyPr/>
+          <a:lstStyle/>
+          <a:p>
             <a:r>
               <a:rPr lang="de-DE" dirty="0" smtClean="0"/>
-              <a:t>Bauform</a:t>
+              <a:t>Anzahl der Seitenfrequenzen nicht statisch</a:t>
             </a:r>
           </a:p>
           <a:p>
             <a:r>
               <a:rPr lang="de-DE" dirty="0" smtClean="0"/>
-              <a:t>Feedback-FM kann Rauschen generieren</a:t>
-            </a:r>
+              <a:t>während </a:t>
+            </a:r>
+            <a:r>
+              <a:rPr lang="de-DE" dirty="0" err="1" smtClean="0"/>
+              <a:t>Attack</a:t>
+            </a:r>
+            <a:r>
+              <a:rPr lang="de-DE" dirty="0" smtClean="0"/>
+              <a:t> zunehmend</a:t>
+            </a:r>
+          </a:p>
+          <a:p>
+            <a:r>
+              <a:rPr lang="de-DE" dirty="0" smtClean="0"/>
+              <a:t>während Release abnehmend</a:t>
+            </a:r>
+          </a:p>
+          <a:p>
+            <a:pPr marL="0" indent="0">
+              <a:buNone/>
+            </a:pPr>
+            <a:endParaRPr lang="de-DE" dirty="0" smtClean="0"/>
+          </a:p>
+          <a:p>
+            <a:pPr marL="0" indent="0">
+              <a:buNone/>
+            </a:pPr>
+            <a:r>
+              <a:rPr lang="de-DE" dirty="0" smtClean="0">
+                <a:latin typeface="Arial" panose="020B0604020202020204" pitchFamily="34" charset="0"/>
+                <a:cs typeface="Arial" panose="020B0604020202020204" pitchFamily="34" charset="0"/>
+                <a:sym typeface="Symbol" panose="05050102010706020507" pitchFamily="18" charset="2"/>
+              </a:rPr>
+              <a:t></a:t>
+            </a:r>
+            <a:r>
+              <a:rPr lang="de-DE" dirty="0" smtClean="0"/>
+              <a:t> Modulationsindex mit Hüllkurve modulieren</a:t>
+            </a:r>
+            <a:endParaRPr lang="en-US" dirty="0"/>
           </a:p>
         </p:txBody>
       </p:sp>
@@ -10658,53 +11395,23 @@
           </a:p>
         </p:txBody>
       </p:sp>
-      <p:pic>
-        <p:nvPicPr>
-          <p:cNvPr id="15" name="Grafik 14"/>
-          <p:cNvPicPr>
-            <a:picLocks noChangeAspect="1"/>
-          </p:cNvPicPr>
-          <p:nvPr/>
-        </p:nvPicPr>
-        <p:blipFill>
-          <a:blip r:embed="rId2" cstate="print">
-            <a:extLst>
-              <a:ext uri="{28A0092B-C50C-407E-A947-70E740481C1C}">
-                <a14:useLocalDpi xmlns:a14="http://schemas.microsoft.com/office/drawing/2010/main" val="0"/>
-              </a:ext>
-            </a:extLst>
-          </a:blip>
-          <a:stretch>
-            <a:fillRect/>
-          </a:stretch>
-        </p:blipFill>
-        <p:spPr>
-          <a:xfrm>
-            <a:off x="5961517" y="1059582"/>
-            <a:ext cx="2760306" cy="3312368"/>
-          </a:xfrm>
-          <a:prstGeom prst="rect">
-            <a:avLst/>
-          </a:prstGeom>
-        </p:spPr>
-      </p:pic>
     </p:spTree>
     <p:extLst>
       <p:ext uri="{BB962C8B-B14F-4D97-AF65-F5344CB8AC3E}">
-        <p14:creationId xmlns:p14="http://schemas.microsoft.com/office/powerpoint/2010/main" val="628179053"/>
+        <p14:creationId xmlns:p14="http://schemas.microsoft.com/office/powerpoint/2010/main" val="2936568210"/>
       </p:ext>
     </p:extLst>
   </p:cSld>
   <p:clrMapOvr>
     <a:masterClrMapping/>
   </p:clrMapOvr>
-  <mc:AlternateContent xmlns:mc="http://schemas.openxmlformats.org/markup-compatibility/2006">
-    <mc:Choice xmlns:p14="http://schemas.microsoft.com/office/powerpoint/2010/main" Requires="p14">
+  <mc:AlternateContent xmlns:mc="http://schemas.openxmlformats.org/markup-compatibility/2006" xmlns:p14="http://schemas.microsoft.com/office/powerpoint/2010/main">
+    <mc:Choice Requires="p14">
       <p:transition spd="med" p14:dur="700">
         <p:fade/>
       </p:transition>
     </mc:Choice>
-    <mc:Fallback>
+    <mc:Fallback xmlns="">
       <p:transition spd="med">
         <p:fade/>
       </p:transition>
@@ -10713,289 +11420,9 @@
   <p:timing>
     <p:tnLst>
       <p:par>
-        <p:cTn id="1" dur="indefinite" restart="never" nodeType="tmRoot">
-          <p:childTnLst>
-            <p:seq concurrent="1" nextAc="seek">
-              <p:cTn id="2" dur="indefinite" nodeType="mainSeq">
-                <p:childTnLst>
-                  <p:par>
-                    <p:cTn id="3" fill="hold">
-                      <p:stCondLst>
-                        <p:cond delay="indefinite"/>
-                        <p:cond evt="onBegin" delay="0">
-                          <p:tn val="2"/>
-                        </p:cond>
-                      </p:stCondLst>
-                      <p:childTnLst>
-                        <p:par>
-                          <p:cTn id="4" fill="hold">
-                            <p:stCondLst>
-                              <p:cond delay="0"/>
-                            </p:stCondLst>
-                            <p:childTnLst>
-                              <p:par>
-                                <p:cTn id="5" presetID="10" presetClass="entr" presetSubtype="0" fill="hold" grpId="0" nodeType="withEffect">
-                                  <p:stCondLst>
-                                    <p:cond delay="0"/>
-                                  </p:stCondLst>
-                                  <p:childTnLst>
-                                    <p:set>
-                                      <p:cBhvr>
-                                        <p:cTn id="6" dur="1" fill="hold">
-                                          <p:stCondLst>
-                                            <p:cond delay="0"/>
-                                          </p:stCondLst>
-                                        </p:cTn>
-                                        <p:tgtEl>
-                                          <p:spTgt spid="3">
-                                            <p:txEl>
-                                              <p:pRg st="0" end="0"/>
-                                            </p:txEl>
-                                          </p:spTgt>
-                                        </p:tgtEl>
-                                        <p:attrNameLst>
-                                          <p:attrName>style.visibility</p:attrName>
-                                        </p:attrNameLst>
-                                      </p:cBhvr>
-                                      <p:to>
-                                        <p:strVal val="visible"/>
-                                      </p:to>
-                                    </p:set>
-                                    <p:animEffect transition="in" filter="fade">
-                                      <p:cBhvr>
-                                        <p:cTn id="7" dur="500"/>
-                                        <p:tgtEl>
-                                          <p:spTgt spid="3">
-                                            <p:txEl>
-                                              <p:pRg st="0" end="0"/>
-                                            </p:txEl>
-                                          </p:spTgt>
-                                        </p:tgtEl>
-                                      </p:cBhvr>
-                                    </p:animEffect>
-                                  </p:childTnLst>
-                                </p:cTn>
-                              </p:par>
-                              <p:par>
-                                <p:cTn id="8" presetID="10" presetClass="entr" presetSubtype="0" fill="hold" grpId="0" nodeType="withEffect">
-                                  <p:stCondLst>
-                                    <p:cond delay="0"/>
-                                  </p:stCondLst>
-                                  <p:childTnLst>
-                                    <p:set>
-                                      <p:cBhvr>
-                                        <p:cTn id="9" dur="1" fill="hold">
-                                          <p:stCondLst>
-                                            <p:cond delay="0"/>
-                                          </p:stCondLst>
-                                        </p:cTn>
-                                        <p:tgtEl>
-                                          <p:spTgt spid="3">
-                                            <p:txEl>
-                                              <p:pRg st="1" end="1"/>
-                                            </p:txEl>
-                                          </p:spTgt>
-                                        </p:tgtEl>
-                                        <p:attrNameLst>
-                                          <p:attrName>style.visibility</p:attrName>
-                                        </p:attrNameLst>
-                                      </p:cBhvr>
-                                      <p:to>
-                                        <p:strVal val="visible"/>
-                                      </p:to>
-                                    </p:set>
-                                    <p:animEffect transition="in" filter="fade">
-                                      <p:cBhvr>
-                                        <p:cTn id="10" dur="500"/>
-                                        <p:tgtEl>
-                                          <p:spTgt spid="3">
-                                            <p:txEl>
-                                              <p:pRg st="1" end="1"/>
-                                            </p:txEl>
-                                          </p:spTgt>
-                                        </p:tgtEl>
-                                      </p:cBhvr>
-                                    </p:animEffect>
-                                  </p:childTnLst>
-                                </p:cTn>
-                              </p:par>
-                              <p:par>
-                                <p:cTn id="11" presetID="10" presetClass="entr" presetSubtype="0" fill="hold" grpId="0" nodeType="withEffect">
-                                  <p:stCondLst>
-                                    <p:cond delay="0"/>
-                                  </p:stCondLst>
-                                  <p:childTnLst>
-                                    <p:set>
-                                      <p:cBhvr>
-                                        <p:cTn id="12" dur="1" fill="hold">
-                                          <p:stCondLst>
-                                            <p:cond delay="0"/>
-                                          </p:stCondLst>
-                                        </p:cTn>
-                                        <p:tgtEl>
-                                          <p:spTgt spid="3">
-                                            <p:txEl>
-                                              <p:pRg st="2" end="2"/>
-                                            </p:txEl>
-                                          </p:spTgt>
-                                        </p:tgtEl>
-                                        <p:attrNameLst>
-                                          <p:attrName>style.visibility</p:attrName>
-                                        </p:attrNameLst>
-                                      </p:cBhvr>
-                                      <p:to>
-                                        <p:strVal val="visible"/>
-                                      </p:to>
-                                    </p:set>
-                                    <p:animEffect transition="in" filter="fade">
-                                      <p:cBhvr>
-                                        <p:cTn id="13" dur="500"/>
-                                        <p:tgtEl>
-                                          <p:spTgt spid="3">
-                                            <p:txEl>
-                                              <p:pRg st="2" end="2"/>
-                                            </p:txEl>
-                                          </p:spTgt>
-                                        </p:tgtEl>
-                                      </p:cBhvr>
-                                    </p:animEffect>
-                                  </p:childTnLst>
-                                </p:cTn>
-                              </p:par>
-                              <p:par>
-                                <p:cTn id="14" presetID="10" presetClass="entr" presetSubtype="0" fill="hold" grpId="0" nodeType="withEffect">
-                                  <p:stCondLst>
-                                    <p:cond delay="0"/>
-                                  </p:stCondLst>
-                                  <p:childTnLst>
-                                    <p:set>
-                                      <p:cBhvr>
-                                        <p:cTn id="15" dur="1" fill="hold">
-                                          <p:stCondLst>
-                                            <p:cond delay="0"/>
-                                          </p:stCondLst>
-                                        </p:cTn>
-                                        <p:tgtEl>
-                                          <p:spTgt spid="3">
-                                            <p:txEl>
-                                              <p:pRg st="3" end="3"/>
-                                            </p:txEl>
-                                          </p:spTgt>
-                                        </p:tgtEl>
-                                        <p:attrNameLst>
-                                          <p:attrName>style.visibility</p:attrName>
-                                        </p:attrNameLst>
-                                      </p:cBhvr>
-                                      <p:to>
-                                        <p:strVal val="visible"/>
-                                      </p:to>
-                                    </p:set>
-                                    <p:animEffect transition="in" filter="fade">
-                                      <p:cBhvr>
-                                        <p:cTn id="16" dur="500"/>
-                                        <p:tgtEl>
-                                          <p:spTgt spid="3">
-                                            <p:txEl>
-                                              <p:pRg st="3" end="3"/>
-                                            </p:txEl>
-                                          </p:spTgt>
-                                        </p:tgtEl>
-                                      </p:cBhvr>
-                                    </p:animEffect>
-                                  </p:childTnLst>
-                                </p:cTn>
-                              </p:par>
-                            </p:childTnLst>
-                          </p:cTn>
-                        </p:par>
-                      </p:childTnLst>
-                    </p:cTn>
-                  </p:par>
-                  <p:par>
-                    <p:cTn id="17" fill="hold">
-                      <p:stCondLst>
-                        <p:cond delay="indefinite"/>
-                      </p:stCondLst>
-                      <p:childTnLst>
-                        <p:par>
-                          <p:cTn id="18" fill="hold">
-                            <p:stCondLst>
-                              <p:cond delay="0"/>
-                            </p:stCondLst>
-                            <p:childTnLst>
-                              <p:par>
-                                <p:cTn id="19" presetID="10" presetClass="entr" presetSubtype="0" fill="hold" grpId="0" nodeType="clickEffect">
-                                  <p:stCondLst>
-                                    <p:cond delay="0"/>
-                                  </p:stCondLst>
-                                  <p:childTnLst>
-                                    <p:set>
-                                      <p:cBhvr>
-                                        <p:cTn id="20" dur="1" fill="hold">
-                                          <p:stCondLst>
-                                            <p:cond delay="0"/>
-                                          </p:stCondLst>
-                                        </p:cTn>
-                                        <p:tgtEl>
-                                          <p:spTgt spid="3">
-                                            <p:txEl>
-                                              <p:pRg st="4" end="4"/>
-                                            </p:txEl>
-                                          </p:spTgt>
-                                        </p:tgtEl>
-                                        <p:attrNameLst>
-                                          <p:attrName>style.visibility</p:attrName>
-                                        </p:attrNameLst>
-                                      </p:cBhvr>
-                                      <p:to>
-                                        <p:strVal val="visible"/>
-                                      </p:to>
-                                    </p:set>
-                                    <p:animEffect transition="in" filter="fade">
-                                      <p:cBhvr>
-                                        <p:cTn id="21" dur="500"/>
-                                        <p:tgtEl>
-                                          <p:spTgt spid="3">
-                                            <p:txEl>
-                                              <p:pRg st="4" end="4"/>
-                                            </p:txEl>
-                                          </p:spTgt>
-                                        </p:tgtEl>
-                                      </p:cBhvr>
-                                    </p:animEffect>
-                                  </p:childTnLst>
-                                </p:cTn>
-                              </p:par>
-                            </p:childTnLst>
-                          </p:cTn>
-                        </p:par>
-                      </p:childTnLst>
-                    </p:cTn>
-                  </p:par>
-                </p:childTnLst>
-              </p:cTn>
-              <p:prevCondLst>
-                <p:cond evt="onPrev" delay="0">
-                  <p:tgtEl>
-                    <p:sldTgt/>
-                  </p:tgtEl>
-                </p:cond>
-              </p:prevCondLst>
-              <p:nextCondLst>
-                <p:cond evt="onNext" delay="0">
-                  <p:tgtEl>
-                    <p:sldTgt/>
-                  </p:tgtEl>
-                </p:cond>
-              </p:nextCondLst>
-            </p:seq>
-          </p:childTnLst>
-        </p:cTn>
+        <p:cTn id="1" dur="indefinite" restart="never" nodeType="tmRoot"/>
       </p:par>
     </p:tnLst>
-    <p:bldLst>
-      <p:bldP spid="3" grpId="0" uiExpand="1" build="p"/>
-    </p:bldLst>
   </p:timing>
 </p:sld>
 </file>

--- a/Praesentation/FMSynthese-Gary.pptx
+++ b/Praesentation/FMSynthese-Gary.pptx
@@ -5,7 +5,7 @@
     <p:sldMasterId id="2147483648" r:id="rId1"/>
   </p:sldMasterIdLst>
   <p:notesMasterIdLst>
-    <p:notesMasterId r:id="rId26"/>
+    <p:notesMasterId r:id="rId21"/>
   </p:notesMasterIdLst>
   <p:sldIdLst>
     <p:sldId id="259" r:id="rId2"/>
@@ -18,20 +18,15 @@
     <p:sldId id="262" r:id="rId9"/>
     <p:sldId id="263" r:id="rId10"/>
     <p:sldId id="271" r:id="rId11"/>
-    <p:sldId id="264" r:id="rId12"/>
-    <p:sldId id="266" r:id="rId13"/>
-    <p:sldId id="267" r:id="rId14"/>
-    <p:sldId id="268" r:id="rId15"/>
-    <p:sldId id="269" r:id="rId16"/>
-    <p:sldId id="270" r:id="rId17"/>
-    <p:sldId id="274" r:id="rId18"/>
-    <p:sldId id="273" r:id="rId19"/>
-    <p:sldId id="280" r:id="rId20"/>
-    <p:sldId id="275" r:id="rId21"/>
-    <p:sldId id="276" r:id="rId22"/>
-    <p:sldId id="279" r:id="rId23"/>
-    <p:sldId id="277" r:id="rId24"/>
-    <p:sldId id="278" r:id="rId25"/>
+    <p:sldId id="282" r:id="rId12"/>
+    <p:sldId id="273" r:id="rId13"/>
+    <p:sldId id="280" r:id="rId14"/>
+    <p:sldId id="275" r:id="rId15"/>
+    <p:sldId id="276" r:id="rId16"/>
+    <p:sldId id="279" r:id="rId17"/>
+    <p:sldId id="277" r:id="rId18"/>
+    <p:sldId id="278" r:id="rId19"/>
+    <p:sldId id="274" r:id="rId20"/>
   </p:sldIdLst>
   <p:sldSz cx="9144000" cy="5143500" type="screen16x9"/>
   <p:notesSz cx="6858000" cy="9144000"/>
@@ -272,7 +267,7 @@
             <a:fld id="{364A5697-ABCF-455C-8519-931EFDD64AAA}" type="datetimeFigureOut">
               <a:rPr lang="de-DE" smtClean="0"/>
               <a:pPr/>
-              <a:t>20.06.2015</a:t>
+              <a:t>21.06.2015</a:t>
             </a:fld>
             <a:endParaRPr lang="de-DE"/>
           </a:p>
@@ -921,7 +916,7 @@
             <a:fld id="{B162E40F-E87F-4C0D-9DAF-92DD7B84B6D5}" type="slidenum">
               <a:rPr lang="de-DE" smtClean="0"/>
               <a:pPr/>
-              <a:t>19</a:t>
+              <a:t>13</a:t>
             </a:fld>
             <a:endParaRPr lang="de-DE"/>
           </a:p>
@@ -1151,10 +1146,10 @@
           <a:bodyPr/>
           <a:lstStyle/>
           <a:p>
-            <a:fld id="{296000BE-0612-4D88-A1AC-FF1287139C2E}" type="datetime1">
+            <a:r>
               <a:rPr lang="de-DE" smtClean="0"/>
-              <a:t>20.06.2015</a:t>
-            </a:fld>
+              <a:t>23.06.2015</a:t>
+            </a:r>
             <a:endParaRPr lang="de-DE" dirty="0"/>
           </a:p>
         </p:txBody>
@@ -1344,10 +1339,10 @@
           <a:bodyPr/>
           <a:lstStyle/>
           <a:p>
-            <a:fld id="{118C39E7-DE90-41C1-AA3B-F993836B02BE}" type="datetime1">
+            <a:r>
               <a:rPr lang="de-DE" smtClean="0"/>
-              <a:t>20.06.2015</a:t>
-            </a:fld>
+              <a:t>23.06.2015</a:t>
+            </a:r>
             <a:endParaRPr lang="de-DE"/>
           </a:p>
         </p:txBody>
@@ -1536,10 +1531,10 @@
           <a:bodyPr/>
           <a:lstStyle/>
           <a:p>
-            <a:fld id="{B1B93457-8CBC-4CBC-AFA6-88355C5DAFDC}" type="datetime1">
+            <a:r>
               <a:rPr lang="de-DE" smtClean="0"/>
-              <a:t>20.06.2015</a:t>
-            </a:fld>
+              <a:t>23.06.2015</a:t>
+            </a:r>
             <a:endParaRPr lang="de-DE"/>
           </a:p>
         </p:txBody>
@@ -1705,7 +1700,11 @@
             <a:pPr lvl="4"/>
             <a:r>
               <a:rPr lang="de-DE" dirty="0" smtClean="0"/>
-              <a:t>Fünfte Ebene</a:t>
+              <a:t>Fünfte </a:t>
+            </a:r>
+            <a:r>
+              <a:rPr lang="de-DE" dirty="0" smtClean="0"/>
+              <a:t>Ebene</a:t>
             </a:r>
             <a:endParaRPr lang="de-DE" dirty="0"/>
           </a:p>
@@ -1726,10 +1725,10 @@
           <a:bodyPr/>
           <a:lstStyle/>
           <a:p>
-            <a:fld id="{296000BE-0612-4D88-A1AC-FF1287139C2E}" type="datetime1">
+            <a:r>
               <a:rPr lang="de-DE" smtClean="0"/>
-              <a:t>20.06.2015</a:t>
-            </a:fld>
+              <a:t>23.06.2015</a:t>
+            </a:r>
             <a:endParaRPr lang="de-DE" dirty="0"/>
           </a:p>
         </p:txBody>
@@ -1994,10 +1993,10 @@
           <a:bodyPr/>
           <a:lstStyle/>
           <a:p>
-            <a:fld id="{C80D71F6-99A2-4718-B360-65885A8D0927}" type="datetime1">
+            <a:r>
               <a:rPr lang="de-DE" smtClean="0"/>
-              <a:t>20.06.2015</a:t>
-            </a:fld>
+              <a:t>23.06.2015</a:t>
+            </a:r>
             <a:endParaRPr lang="de-DE"/>
           </a:p>
         </p:txBody>
@@ -2301,10 +2300,10 @@
           <a:bodyPr/>
           <a:lstStyle/>
           <a:p>
-            <a:fld id="{29DA34F2-331A-4BAF-BC0B-E5952E369A92}" type="datetime1">
+            <a:r>
               <a:rPr lang="de-DE" smtClean="0"/>
-              <a:t>20.06.2015</a:t>
-            </a:fld>
+              <a:t>23.06.2015</a:t>
+            </a:r>
             <a:endParaRPr lang="de-DE"/>
           </a:p>
         </p:txBody>
@@ -2742,10 +2741,10 @@
           <a:bodyPr/>
           <a:lstStyle/>
           <a:p>
-            <a:fld id="{6E10866E-AA72-4753-8ABE-452D5C085871}" type="datetime1">
+            <a:r>
               <a:rPr lang="de-DE" smtClean="0"/>
-              <a:t>20.06.2015</a:t>
-            </a:fld>
+              <a:t>23.06.2015</a:t>
+            </a:r>
             <a:endParaRPr lang="de-DE"/>
           </a:p>
         </p:txBody>
@@ -2879,10 +2878,10 @@
           <a:bodyPr/>
           <a:lstStyle/>
           <a:p>
-            <a:fld id="{A782DF66-3609-46AF-9A5C-DF0EDD34A7DB}" type="datetime1">
+            <a:r>
               <a:rPr lang="de-DE" smtClean="0"/>
-              <a:t>20.06.2015</a:t>
-            </a:fld>
+              <a:t>23.06.2015</a:t>
+            </a:r>
             <a:endParaRPr lang="de-DE"/>
           </a:p>
         </p:txBody>
@@ -2986,10 +2985,10 @@
           <a:bodyPr/>
           <a:lstStyle/>
           <a:p>
-            <a:fld id="{D9A33BE7-191D-4D84-96A8-D32FBF7D1E60}" type="datetime1">
+            <a:r>
               <a:rPr lang="de-DE" smtClean="0"/>
-              <a:t>20.06.2015</a:t>
-            </a:fld>
+              <a:t>23.06.2015</a:t>
+            </a:r>
             <a:endParaRPr lang="de-DE"/>
           </a:p>
         </p:txBody>
@@ -3275,10 +3274,10 @@
           <a:bodyPr/>
           <a:lstStyle/>
           <a:p>
-            <a:fld id="{B525E46A-CAE0-47F8-9D57-934823E6F137}" type="datetime1">
+            <a:r>
               <a:rPr lang="de-DE" smtClean="0"/>
-              <a:t>20.06.2015</a:t>
-            </a:fld>
+              <a:t>23.06.2015</a:t>
+            </a:r>
             <a:endParaRPr lang="de-DE"/>
           </a:p>
         </p:txBody>
@@ -3540,10 +3539,10 @@
           <a:bodyPr/>
           <a:lstStyle/>
           <a:p>
-            <a:fld id="{A77F82AC-1FA4-4A3F-9E15-2C049775FF58}" type="datetime1">
+            <a:r>
               <a:rPr lang="de-DE" smtClean="0"/>
-              <a:t>20.06.2015</a:t>
-            </a:fld>
+              <a:t>23.06.2015</a:t>
+            </a:r>
             <a:endParaRPr lang="de-DE"/>
           </a:p>
         </p:txBody>
@@ -3765,10 +3764,10 @@
             </a:lvl1pPr>
           </a:lstStyle>
           <a:p>
-            <a:fld id="{296000BE-0612-4D88-A1AC-FF1287139C2E}" type="datetime1">
+            <a:r>
               <a:rPr lang="de-DE" smtClean="0"/>
-              <a:t>20.06.2015</a:t>
-            </a:fld>
+              <a:t>23.06.2015</a:t>
+            </a:r>
             <a:endParaRPr lang="de-DE" dirty="0"/>
           </a:p>
         </p:txBody>
@@ -4405,10 +4404,10 @@
           <a:bodyPr/>
           <a:lstStyle/>
           <a:p>
-            <a:fld id="{296000BE-0612-4D88-A1AC-FF1287139C2E}" type="datetime1">
+            <a:r>
               <a:rPr lang="de-DE" smtClean="0"/>
-              <a:t>20.06.2015</a:t>
-            </a:fld>
+              <a:t>23.06.2015</a:t>
+            </a:r>
             <a:endParaRPr lang="de-DE" dirty="0"/>
           </a:p>
         </p:txBody>
@@ -4485,7 +4484,7 @@
         </p:blipFill>
         <p:spPr>
           <a:xfrm>
-            <a:off x="5961517" y="1059582"/>
+            <a:off x="5961518" y="1200151"/>
             <a:ext cx="2760306" cy="3312368"/>
           </a:xfrm>
           <a:prstGeom prst="rect">
@@ -4847,29 +4846,6 @@
       </p:sp>
       <p:sp>
         <p:nvSpPr>
-          <p:cNvPr id="3" name="Inhaltsplatzhalter 2"/>
-          <p:cNvSpPr>
-            <a:spLocks noGrp="1"/>
-          </p:cNvSpPr>
-          <p:nvPr>
-            <p:ph idx="1"/>
-          </p:nvPr>
-        </p:nvSpPr>
-        <p:spPr/>
-        <p:txBody>
-          <a:bodyPr/>
-          <a:lstStyle/>
-          <a:p>
-            <a:r>
-              <a:rPr lang="de-DE" dirty="0" err="1" smtClean="0"/>
-              <a:t>Hochpass</a:t>
-            </a:r>
-            <a:endParaRPr lang="de-DE" dirty="0"/>
-          </a:p>
-        </p:txBody>
-      </p:sp>
-      <p:sp>
-        <p:nvSpPr>
           <p:cNvPr id="4" name="Datumsplatzhalter 3"/>
           <p:cNvSpPr>
             <a:spLocks noGrp="1"/>
@@ -4883,10 +4859,10 @@
           <a:bodyPr/>
           <a:lstStyle/>
           <a:p>
-            <a:fld id="{296000BE-0612-4D88-A1AC-FF1287139C2E}" type="datetime1">
+            <a:r>
               <a:rPr lang="de-DE" smtClean="0"/>
-              <a:t>20.06.2015</a:t>
-            </a:fld>
+              <a:t>23.06.2015</a:t>
+            </a:r>
             <a:endParaRPr lang="de-DE" dirty="0"/>
           </a:p>
         </p:txBody>
@@ -4941,53 +4917,154 @@
           </a:p>
         </p:txBody>
       </p:sp>
-      <p:pic>
-        <p:nvPicPr>
-          <p:cNvPr id="7" name="Grafik 6"/>
-          <p:cNvPicPr>
-            <a:picLocks noChangeAspect="1"/>
-          </p:cNvPicPr>
+      <p:grpSp>
+        <p:nvGrpSpPr>
+          <p:cNvPr id="11" name="Gruppieren 10"/>
+          <p:cNvGrpSpPr/>
           <p:nvPr/>
-        </p:nvPicPr>
-        <p:blipFill>
-          <a:blip r:embed="rId2">
-            <a:extLst>
-              <a:ext uri="{28A0092B-C50C-407E-A947-70E740481C1C}">
-                <a14:useLocalDpi xmlns:a14="http://schemas.microsoft.com/office/drawing/2010/main" val="0"/>
-              </a:ext>
-            </a:extLst>
-          </a:blip>
-          <a:stretch>
-            <a:fillRect/>
-          </a:stretch>
-        </p:blipFill>
-        <p:spPr>
+        </p:nvGrpSpPr>
+        <p:grpSpPr>
           <a:xfrm>
-            <a:off x="650362" y="1923678"/>
-            <a:ext cx="7843275" cy="2376263"/>
+            <a:off x="139225" y="1026043"/>
+            <a:ext cx="8801109" cy="3345907"/>
+            <a:chOff x="139225" y="876902"/>
+            <a:chExt cx="8801109" cy="3345907"/>
           </a:xfrm>
-          <a:prstGeom prst="rect">
-            <a:avLst/>
-          </a:prstGeom>
-        </p:spPr>
-      </p:pic>
+        </p:grpSpPr>
+        <p:pic>
+          <p:nvPicPr>
+            <p:cNvPr id="7" name="Grafik 6"/>
+            <p:cNvPicPr>
+              <a:picLocks noChangeAspect="1"/>
+            </p:cNvPicPr>
+            <p:nvPr/>
+          </p:nvPicPr>
+          <p:blipFill rotWithShape="1">
+            <a:blip r:embed="rId2">
+              <a:extLst>
+                <a:ext uri="{28A0092B-C50C-407E-A947-70E740481C1C}">
+                  <a14:useLocalDpi xmlns:a14="http://schemas.microsoft.com/office/drawing/2010/main" val="0"/>
+                </a:ext>
+              </a:extLst>
+            </a:blip>
+            <a:srcRect l="7768" r="11441"/>
+            <a:stretch/>
+          </p:blipFill>
+          <p:spPr>
+            <a:xfrm>
+              <a:off x="139225" y="876902"/>
+              <a:ext cx="4392488" cy="1647182"/>
+            </a:xfrm>
+            <a:prstGeom prst="rect">
+              <a:avLst/>
+            </a:prstGeom>
+          </p:spPr>
+        </p:pic>
+        <p:pic>
+          <p:nvPicPr>
+            <p:cNvPr id="8" name="Grafik 7"/>
+            <p:cNvPicPr>
+              <a:picLocks noChangeAspect="1"/>
+            </p:cNvPicPr>
+            <p:nvPr/>
+          </p:nvPicPr>
+          <p:blipFill rotWithShape="1">
+            <a:blip r:embed="rId3">
+              <a:extLst>
+                <a:ext uri="{28A0092B-C50C-407E-A947-70E740481C1C}">
+                  <a14:useLocalDpi xmlns:a14="http://schemas.microsoft.com/office/drawing/2010/main" val="0"/>
+                </a:ext>
+              </a:extLst>
+            </a:blip>
+            <a:srcRect l="7768" r="11441"/>
+            <a:stretch/>
+          </p:blipFill>
+          <p:spPr>
+            <a:xfrm>
+              <a:off x="4531713" y="876902"/>
+              <a:ext cx="4402825" cy="1651059"/>
+            </a:xfrm>
+            <a:prstGeom prst="rect">
+              <a:avLst/>
+            </a:prstGeom>
+          </p:spPr>
+        </p:pic>
+        <p:pic>
+          <p:nvPicPr>
+            <p:cNvPr id="9" name="Grafik 8"/>
+            <p:cNvPicPr>
+              <a:picLocks noChangeAspect="1"/>
+            </p:cNvPicPr>
+            <p:nvPr/>
+          </p:nvPicPr>
+          <p:blipFill rotWithShape="1">
+            <a:blip r:embed="rId4">
+              <a:extLst>
+                <a:ext uri="{28A0092B-C50C-407E-A947-70E740481C1C}">
+                  <a14:useLocalDpi xmlns:a14="http://schemas.microsoft.com/office/drawing/2010/main" val="0"/>
+                </a:ext>
+              </a:extLst>
+            </a:blip>
+            <a:srcRect l="7768" r="11441"/>
+            <a:stretch/>
+          </p:blipFill>
+          <p:spPr>
+            <a:xfrm>
+              <a:off x="139225" y="2571749"/>
+              <a:ext cx="4392488" cy="1647183"/>
+            </a:xfrm>
+            <a:prstGeom prst="rect">
+              <a:avLst/>
+            </a:prstGeom>
+          </p:spPr>
+        </p:pic>
+        <p:pic>
+          <p:nvPicPr>
+            <p:cNvPr id="10" name="Grafik 9"/>
+            <p:cNvPicPr>
+              <a:picLocks noChangeAspect="1"/>
+            </p:cNvPicPr>
+            <p:nvPr/>
+          </p:nvPicPr>
+          <p:blipFill rotWithShape="1">
+            <a:blip r:embed="rId5">
+              <a:extLst>
+                <a:ext uri="{28A0092B-C50C-407E-A947-70E740481C1C}">
+                  <a14:useLocalDpi xmlns:a14="http://schemas.microsoft.com/office/drawing/2010/main" val="0"/>
+                </a:ext>
+              </a:extLst>
+            </a:blip>
+            <a:srcRect l="7768" r="11441"/>
+            <a:stretch/>
+          </p:blipFill>
+          <p:spPr>
+            <a:xfrm>
+              <a:off x="4537502" y="2571749"/>
+              <a:ext cx="4402832" cy="1651060"/>
+            </a:xfrm>
+            <a:prstGeom prst="rect">
+              <a:avLst/>
+            </a:prstGeom>
+          </p:spPr>
+        </p:pic>
+      </p:grpSp>
     </p:spTree>
     <p:extLst>
       <p:ext uri="{BB962C8B-B14F-4D97-AF65-F5344CB8AC3E}">
-        <p14:creationId xmlns:p14="http://schemas.microsoft.com/office/powerpoint/2010/main" val="3406687946"/>
+        <p14:creationId xmlns:p14="http://schemas.microsoft.com/office/powerpoint/2010/main" val="2084024516"/>
       </p:ext>
     </p:extLst>
   </p:cSld>
   <p:clrMapOvr>
     <a:masterClrMapping/>
   </p:clrMapOvr>
-  <mc:AlternateContent xmlns:mc="http://schemas.openxmlformats.org/markup-compatibility/2006" xmlns:p14="http://schemas.microsoft.com/office/powerpoint/2010/main">
-    <mc:Choice Requires="p14">
+  <mc:AlternateContent xmlns:mc="http://schemas.openxmlformats.org/markup-compatibility/2006">
+    <mc:Choice xmlns:p14="http://schemas.microsoft.com/office/powerpoint/2010/main" Requires="p14">
       <p:transition spd="med" p14:dur="700">
         <p:fade/>
       </p:transition>
     </mc:Choice>
-    <mc:Fallback xmlns="">
+    <mc:Fallback>
       <p:transition spd="med">
         <p:fade/>
       </p:transition>
@@ -5022,7 +5099,7 @@
       </p:grpSpPr>
       <p:sp>
         <p:nvSpPr>
-          <p:cNvPr id="2" name="Titel 1"/>
+          <p:cNvPr id="7" name="Titel 6"/>
           <p:cNvSpPr>
             <a:spLocks noGrp="1"/>
           </p:cNvSpPr>
@@ -5037,7 +5114,11 @@
           <a:p>
             <a:r>
               <a:rPr lang="de-DE" dirty="0" smtClean="0"/>
-              <a:t>Filter</a:t>
+              <a:t>Tonnachbildung </a:t>
+            </a:r>
+            <a:r>
+              <a:rPr lang="de-DE" dirty="0" err="1" smtClean="0"/>
+              <a:t>praxis</a:t>
             </a:r>
             <a:endParaRPr lang="en-US" dirty="0"/>
           </a:p>
@@ -5045,24 +5126,20 @@
       </p:sp>
       <p:sp>
         <p:nvSpPr>
-          <p:cNvPr id="3" name="Inhaltsplatzhalter 2"/>
-          <p:cNvSpPr>
-            <a:spLocks noGrp="1"/>
-          </p:cNvSpPr>
-          <p:nvPr>
-            <p:ph idx="1"/>
-          </p:nvPr>
-        </p:nvSpPr>
-        <p:spPr/>
-        <p:txBody>
-          <a:bodyPr/>
-          <a:lstStyle/>
-          <a:p>
-            <a:r>
-              <a:rPr lang="de-DE" dirty="0" smtClean="0"/>
-              <a:t>Tiefpass</a:t>
-            </a:r>
-            <a:endParaRPr lang="de-DE" dirty="0"/>
+          <p:cNvPr id="2" name="Textplatzhalter 1"/>
+          <p:cNvSpPr>
+            <a:spLocks noGrp="1"/>
+          </p:cNvSpPr>
+          <p:nvPr>
+            <p:ph type="body" idx="1"/>
+          </p:nvPr>
+        </p:nvSpPr>
+        <p:spPr/>
+        <p:txBody>
+          <a:bodyPr/>
+          <a:lstStyle/>
+          <a:p>
+            <a:endParaRPr lang="en-US"/>
           </a:p>
         </p:txBody>
       </p:sp>
@@ -5081,10 +5158,10 @@
           <a:bodyPr/>
           <a:lstStyle/>
           <a:p>
-            <a:fld id="{296000BE-0612-4D88-A1AC-FF1287139C2E}" type="datetime1">
+            <a:r>
               <a:rPr lang="de-DE" smtClean="0"/>
-              <a:t>20.06.2015</a:t>
-            </a:fld>
+              <a:t>23.06.2015</a:t>
+            </a:r>
             <a:endParaRPr lang="de-DE" dirty="0"/>
           </a:p>
         </p:txBody>
@@ -5139,40 +5216,10 @@
           </a:p>
         </p:txBody>
       </p:sp>
-      <p:pic>
-        <p:nvPicPr>
-          <p:cNvPr id="7" name="Grafik 6"/>
-          <p:cNvPicPr>
-            <a:picLocks noChangeAspect="1"/>
-          </p:cNvPicPr>
-          <p:nvPr/>
-        </p:nvPicPr>
-        <p:blipFill>
-          <a:blip r:embed="rId2">
-            <a:extLst>
-              <a:ext uri="{28A0092B-C50C-407E-A947-70E740481C1C}">
-                <a14:useLocalDpi xmlns:a14="http://schemas.microsoft.com/office/drawing/2010/main" val="0"/>
-              </a:ext>
-            </a:extLst>
-          </a:blip>
-          <a:stretch>
-            <a:fillRect/>
-          </a:stretch>
-        </p:blipFill>
-        <p:spPr>
-          <a:xfrm>
-            <a:off x="650362" y="1923678"/>
-            <a:ext cx="7843275" cy="2376263"/>
-          </a:xfrm>
-          <a:prstGeom prst="rect">
-            <a:avLst/>
-          </a:prstGeom>
-        </p:spPr>
-      </p:pic>
     </p:spTree>
     <p:extLst>
       <p:ext uri="{BB962C8B-B14F-4D97-AF65-F5344CB8AC3E}">
-        <p14:creationId xmlns:p14="http://schemas.microsoft.com/office/powerpoint/2010/main" val="3536602094"/>
+        <p14:creationId xmlns:p14="http://schemas.microsoft.com/office/powerpoint/2010/main" val="4117715782"/>
       </p:ext>
     </p:extLst>
   </p:cSld>
@@ -5220,1308 +5267,6 @@
       </p:grpSpPr>
       <p:sp>
         <p:nvSpPr>
-          <p:cNvPr id="2" name="Titel 1"/>
-          <p:cNvSpPr>
-            <a:spLocks noGrp="1"/>
-          </p:cNvSpPr>
-          <p:nvPr>
-            <p:ph type="title"/>
-          </p:nvPr>
-        </p:nvSpPr>
-        <p:spPr/>
-        <p:txBody>
-          <a:bodyPr/>
-          <a:lstStyle/>
-          <a:p>
-            <a:r>
-              <a:rPr lang="de-DE" dirty="0" smtClean="0"/>
-              <a:t>Filter</a:t>
-            </a:r>
-            <a:endParaRPr lang="en-US" dirty="0"/>
-          </a:p>
-        </p:txBody>
-      </p:sp>
-      <p:sp>
-        <p:nvSpPr>
-          <p:cNvPr id="3" name="Inhaltsplatzhalter 2"/>
-          <p:cNvSpPr>
-            <a:spLocks noGrp="1"/>
-          </p:cNvSpPr>
-          <p:nvPr>
-            <p:ph idx="1"/>
-          </p:nvPr>
-        </p:nvSpPr>
-        <p:spPr/>
-        <p:txBody>
-          <a:bodyPr/>
-          <a:lstStyle/>
-          <a:p>
-            <a:r>
-              <a:rPr lang="de-DE" dirty="0" smtClean="0"/>
-              <a:t>Bandpass</a:t>
-            </a:r>
-            <a:endParaRPr lang="de-DE" dirty="0"/>
-          </a:p>
-        </p:txBody>
-      </p:sp>
-      <p:sp>
-        <p:nvSpPr>
-          <p:cNvPr id="4" name="Datumsplatzhalter 3"/>
-          <p:cNvSpPr>
-            <a:spLocks noGrp="1"/>
-          </p:cNvSpPr>
-          <p:nvPr>
-            <p:ph type="dt" sz="half" idx="10"/>
-          </p:nvPr>
-        </p:nvSpPr>
-        <p:spPr/>
-        <p:txBody>
-          <a:bodyPr/>
-          <a:lstStyle/>
-          <a:p>
-            <a:fld id="{296000BE-0612-4D88-A1AC-FF1287139C2E}" type="datetime1">
-              <a:rPr lang="de-DE" smtClean="0"/>
-              <a:t>20.06.2015</a:t>
-            </a:fld>
-            <a:endParaRPr lang="de-DE" dirty="0"/>
-          </a:p>
-        </p:txBody>
-      </p:sp>
-      <p:sp>
-        <p:nvSpPr>
-          <p:cNvPr id="5" name="Fußzeilenplatzhalter 4"/>
-          <p:cNvSpPr>
-            <a:spLocks noGrp="1"/>
-          </p:cNvSpPr>
-          <p:nvPr>
-            <p:ph type="ftr" sz="quarter" idx="11"/>
-          </p:nvPr>
-        </p:nvSpPr>
-        <p:spPr/>
-        <p:txBody>
-          <a:bodyPr/>
-          <a:lstStyle/>
-          <a:p>
-            <a:r>
-              <a:rPr lang="de-DE" smtClean="0"/>
-              <a:t>FM-Synthese</a:t>
-            </a:r>
-            <a:endParaRPr lang="de-DE" dirty="0"/>
-          </a:p>
-        </p:txBody>
-      </p:sp>
-      <p:sp>
-        <p:nvSpPr>
-          <p:cNvPr id="6" name="Foliennummernplatzhalter 5"/>
-          <p:cNvSpPr>
-            <a:spLocks noGrp="1"/>
-          </p:cNvSpPr>
-          <p:nvPr>
-            <p:ph type="sldNum" sz="quarter" idx="12"/>
-          </p:nvPr>
-        </p:nvSpPr>
-        <p:spPr/>
-        <p:txBody>
-          <a:bodyPr/>
-          <a:lstStyle/>
-          <a:p>
-            <a:fld id="{8740CB20-F870-467D-84CE-AB32061190A1}" type="slidenum">
-              <a:rPr lang="en-US" smtClean="0"/>
-              <a:t>13</a:t>
-            </a:fld>
-            <a:r>
-              <a:rPr lang="de-DE" smtClean="0"/>
-              <a:t>   </a:t>
-            </a:r>
-            <a:endParaRPr lang="de-DE" dirty="0"/>
-          </a:p>
-        </p:txBody>
-      </p:sp>
-      <p:pic>
-        <p:nvPicPr>
-          <p:cNvPr id="7" name="Grafik 6"/>
-          <p:cNvPicPr>
-            <a:picLocks noChangeAspect="1"/>
-          </p:cNvPicPr>
-          <p:nvPr/>
-        </p:nvPicPr>
-        <p:blipFill>
-          <a:blip r:embed="rId2">
-            <a:extLst>
-              <a:ext uri="{28A0092B-C50C-407E-A947-70E740481C1C}">
-                <a14:useLocalDpi xmlns:a14="http://schemas.microsoft.com/office/drawing/2010/main" val="0"/>
-              </a:ext>
-            </a:extLst>
-          </a:blip>
-          <a:stretch>
-            <a:fillRect/>
-          </a:stretch>
-        </p:blipFill>
-        <p:spPr>
-          <a:xfrm>
-            <a:off x="650363" y="1923678"/>
-            <a:ext cx="7843272" cy="2376263"/>
-          </a:xfrm>
-          <a:prstGeom prst="rect">
-            <a:avLst/>
-          </a:prstGeom>
-        </p:spPr>
-      </p:pic>
-    </p:spTree>
-    <p:extLst>
-      <p:ext uri="{BB962C8B-B14F-4D97-AF65-F5344CB8AC3E}">
-        <p14:creationId xmlns:p14="http://schemas.microsoft.com/office/powerpoint/2010/main" val="2121110781"/>
-      </p:ext>
-    </p:extLst>
-  </p:cSld>
-  <p:clrMapOvr>
-    <a:masterClrMapping/>
-  </p:clrMapOvr>
-  <mc:AlternateContent xmlns:mc="http://schemas.openxmlformats.org/markup-compatibility/2006" xmlns:p14="http://schemas.microsoft.com/office/powerpoint/2010/main">
-    <mc:Choice Requires="p14">
-      <p:transition spd="med" p14:dur="700">
-        <p:fade/>
-      </p:transition>
-    </mc:Choice>
-    <mc:Fallback xmlns="">
-      <p:transition spd="med">
-        <p:fade/>
-      </p:transition>
-    </mc:Fallback>
-  </mc:AlternateContent>
-  <p:timing>
-    <p:tnLst>
-      <p:par>
-        <p:cTn id="1" dur="indefinite" restart="never" nodeType="tmRoot"/>
-      </p:par>
-    </p:tnLst>
-  </p:timing>
-</p:sld>
-</file>
-
-<file path=ppt/slides/slide14.xml><?xml version="1.0" encoding="utf-8"?>
-<p:sld xmlns:a="http://schemas.openxmlformats.org/drawingml/2006/main" xmlns:r="http://schemas.openxmlformats.org/officeDocument/2006/relationships" xmlns:p="http://schemas.openxmlformats.org/presentationml/2006/main">
-  <p:cSld>
-    <p:spTree>
-      <p:nvGrpSpPr>
-        <p:cNvPr id="1" name=""/>
-        <p:cNvGrpSpPr/>
-        <p:nvPr/>
-      </p:nvGrpSpPr>
-      <p:grpSpPr>
-        <a:xfrm>
-          <a:off x="0" y="0"/>
-          <a:ext cx="0" cy="0"/>
-          <a:chOff x="0" y="0"/>
-          <a:chExt cx="0" cy="0"/>
-        </a:xfrm>
-      </p:grpSpPr>
-      <p:sp>
-        <p:nvSpPr>
-          <p:cNvPr id="2" name="Titel 1"/>
-          <p:cNvSpPr>
-            <a:spLocks noGrp="1"/>
-          </p:cNvSpPr>
-          <p:nvPr>
-            <p:ph type="title"/>
-          </p:nvPr>
-        </p:nvSpPr>
-        <p:spPr/>
-        <p:txBody>
-          <a:bodyPr/>
-          <a:lstStyle/>
-          <a:p>
-            <a:r>
-              <a:rPr lang="de-DE" dirty="0" smtClean="0"/>
-              <a:t>Filter</a:t>
-            </a:r>
-            <a:endParaRPr lang="en-US" dirty="0"/>
-          </a:p>
-        </p:txBody>
-      </p:sp>
-      <p:sp>
-        <p:nvSpPr>
-          <p:cNvPr id="3" name="Inhaltsplatzhalter 2"/>
-          <p:cNvSpPr>
-            <a:spLocks noGrp="1"/>
-          </p:cNvSpPr>
-          <p:nvPr>
-            <p:ph idx="1"/>
-          </p:nvPr>
-        </p:nvSpPr>
-        <p:spPr/>
-        <p:txBody>
-          <a:bodyPr/>
-          <a:lstStyle/>
-          <a:p>
-            <a:r>
-              <a:rPr lang="de-DE" dirty="0" smtClean="0"/>
-              <a:t>Bandsperre</a:t>
-            </a:r>
-            <a:endParaRPr lang="de-DE" dirty="0"/>
-          </a:p>
-        </p:txBody>
-      </p:sp>
-      <p:sp>
-        <p:nvSpPr>
-          <p:cNvPr id="4" name="Datumsplatzhalter 3"/>
-          <p:cNvSpPr>
-            <a:spLocks noGrp="1"/>
-          </p:cNvSpPr>
-          <p:nvPr>
-            <p:ph type="dt" sz="half" idx="10"/>
-          </p:nvPr>
-        </p:nvSpPr>
-        <p:spPr/>
-        <p:txBody>
-          <a:bodyPr/>
-          <a:lstStyle/>
-          <a:p>
-            <a:fld id="{296000BE-0612-4D88-A1AC-FF1287139C2E}" type="datetime1">
-              <a:rPr lang="de-DE" smtClean="0"/>
-              <a:t>20.06.2015</a:t>
-            </a:fld>
-            <a:endParaRPr lang="de-DE" dirty="0"/>
-          </a:p>
-        </p:txBody>
-      </p:sp>
-      <p:sp>
-        <p:nvSpPr>
-          <p:cNvPr id="5" name="Fußzeilenplatzhalter 4"/>
-          <p:cNvSpPr>
-            <a:spLocks noGrp="1"/>
-          </p:cNvSpPr>
-          <p:nvPr>
-            <p:ph type="ftr" sz="quarter" idx="11"/>
-          </p:nvPr>
-        </p:nvSpPr>
-        <p:spPr/>
-        <p:txBody>
-          <a:bodyPr/>
-          <a:lstStyle/>
-          <a:p>
-            <a:r>
-              <a:rPr lang="de-DE" smtClean="0"/>
-              <a:t>FM-Synthese</a:t>
-            </a:r>
-            <a:endParaRPr lang="de-DE" dirty="0"/>
-          </a:p>
-        </p:txBody>
-      </p:sp>
-      <p:sp>
-        <p:nvSpPr>
-          <p:cNvPr id="6" name="Foliennummernplatzhalter 5"/>
-          <p:cNvSpPr>
-            <a:spLocks noGrp="1"/>
-          </p:cNvSpPr>
-          <p:nvPr>
-            <p:ph type="sldNum" sz="quarter" idx="12"/>
-          </p:nvPr>
-        </p:nvSpPr>
-        <p:spPr/>
-        <p:txBody>
-          <a:bodyPr/>
-          <a:lstStyle/>
-          <a:p>
-            <a:fld id="{8740CB20-F870-467D-84CE-AB32061190A1}" type="slidenum">
-              <a:rPr lang="en-US" smtClean="0"/>
-              <a:t>14</a:t>
-            </a:fld>
-            <a:r>
-              <a:rPr lang="de-DE" smtClean="0"/>
-              <a:t>   </a:t>
-            </a:r>
-            <a:endParaRPr lang="de-DE" dirty="0"/>
-          </a:p>
-        </p:txBody>
-      </p:sp>
-      <p:pic>
-        <p:nvPicPr>
-          <p:cNvPr id="7" name="Grafik 6"/>
-          <p:cNvPicPr>
-            <a:picLocks noChangeAspect="1"/>
-          </p:cNvPicPr>
-          <p:nvPr/>
-        </p:nvPicPr>
-        <p:blipFill>
-          <a:blip r:embed="rId2">
-            <a:extLst>
-              <a:ext uri="{28A0092B-C50C-407E-A947-70E740481C1C}">
-                <a14:useLocalDpi xmlns:a14="http://schemas.microsoft.com/office/drawing/2010/main" val="0"/>
-              </a:ext>
-            </a:extLst>
-          </a:blip>
-          <a:stretch>
-            <a:fillRect/>
-          </a:stretch>
-        </p:blipFill>
-        <p:spPr>
-          <a:xfrm>
-            <a:off x="650363" y="1923678"/>
-            <a:ext cx="7843272" cy="2376262"/>
-          </a:xfrm>
-          <a:prstGeom prst="rect">
-            <a:avLst/>
-          </a:prstGeom>
-        </p:spPr>
-      </p:pic>
-    </p:spTree>
-    <p:extLst>
-      <p:ext uri="{BB962C8B-B14F-4D97-AF65-F5344CB8AC3E}">
-        <p14:creationId xmlns:p14="http://schemas.microsoft.com/office/powerpoint/2010/main" val="3803697138"/>
-      </p:ext>
-    </p:extLst>
-  </p:cSld>
-  <p:clrMapOvr>
-    <a:masterClrMapping/>
-  </p:clrMapOvr>
-  <mc:AlternateContent xmlns:mc="http://schemas.openxmlformats.org/markup-compatibility/2006" xmlns:p14="http://schemas.microsoft.com/office/powerpoint/2010/main">
-    <mc:Choice Requires="p14">
-      <p:transition spd="med" p14:dur="700">
-        <p:fade/>
-      </p:transition>
-    </mc:Choice>
-    <mc:Fallback xmlns="">
-      <p:transition spd="med">
-        <p:fade/>
-      </p:transition>
-    </mc:Fallback>
-  </mc:AlternateContent>
-  <p:timing>
-    <p:tnLst>
-      <p:par>
-        <p:cTn id="1" dur="indefinite" restart="never" nodeType="tmRoot"/>
-      </p:par>
-    </p:tnLst>
-  </p:timing>
-</p:sld>
-</file>
-
-<file path=ppt/slides/slide15.xml><?xml version="1.0" encoding="utf-8"?>
-<p:sld xmlns:a="http://schemas.openxmlformats.org/drawingml/2006/main" xmlns:r="http://schemas.openxmlformats.org/officeDocument/2006/relationships" xmlns:p="http://schemas.openxmlformats.org/presentationml/2006/main">
-  <p:cSld>
-    <p:spTree>
-      <p:nvGrpSpPr>
-        <p:cNvPr id="1" name=""/>
-        <p:cNvGrpSpPr/>
-        <p:nvPr/>
-      </p:nvGrpSpPr>
-      <p:grpSpPr>
-        <a:xfrm>
-          <a:off x="0" y="0"/>
-          <a:ext cx="0" cy="0"/>
-          <a:chOff x="0" y="0"/>
-          <a:chExt cx="0" cy="0"/>
-        </a:xfrm>
-      </p:grpSpPr>
-      <p:sp>
-        <p:nvSpPr>
-          <p:cNvPr id="2" name="Titel 1"/>
-          <p:cNvSpPr>
-            <a:spLocks noGrp="1"/>
-          </p:cNvSpPr>
-          <p:nvPr>
-            <p:ph type="title"/>
-          </p:nvPr>
-        </p:nvSpPr>
-        <p:spPr/>
-        <p:txBody>
-          <a:bodyPr/>
-          <a:lstStyle/>
-          <a:p>
-            <a:r>
-              <a:rPr lang="de-DE" dirty="0" smtClean="0"/>
-              <a:t>Filter</a:t>
-            </a:r>
-            <a:endParaRPr lang="en-US" dirty="0"/>
-          </a:p>
-        </p:txBody>
-      </p:sp>
-      <p:sp>
-        <p:nvSpPr>
-          <p:cNvPr id="3" name="Inhaltsplatzhalter 2"/>
-          <p:cNvSpPr>
-            <a:spLocks noGrp="1"/>
-          </p:cNvSpPr>
-          <p:nvPr>
-            <p:ph idx="1"/>
-          </p:nvPr>
-        </p:nvSpPr>
-        <p:spPr/>
-        <p:txBody>
-          <a:bodyPr/>
-          <a:lstStyle/>
-          <a:p>
-            <a:r>
-              <a:rPr lang="de-DE" dirty="0" smtClean="0"/>
-              <a:t>Multibandpass</a:t>
-            </a:r>
-            <a:endParaRPr lang="de-DE" dirty="0"/>
-          </a:p>
-        </p:txBody>
-      </p:sp>
-      <p:sp>
-        <p:nvSpPr>
-          <p:cNvPr id="4" name="Datumsplatzhalter 3"/>
-          <p:cNvSpPr>
-            <a:spLocks noGrp="1"/>
-          </p:cNvSpPr>
-          <p:nvPr>
-            <p:ph type="dt" sz="half" idx="10"/>
-          </p:nvPr>
-        </p:nvSpPr>
-        <p:spPr/>
-        <p:txBody>
-          <a:bodyPr/>
-          <a:lstStyle/>
-          <a:p>
-            <a:fld id="{296000BE-0612-4D88-A1AC-FF1287139C2E}" type="datetime1">
-              <a:rPr lang="de-DE" smtClean="0"/>
-              <a:t>20.06.2015</a:t>
-            </a:fld>
-            <a:endParaRPr lang="de-DE" dirty="0"/>
-          </a:p>
-        </p:txBody>
-      </p:sp>
-      <p:sp>
-        <p:nvSpPr>
-          <p:cNvPr id="5" name="Fußzeilenplatzhalter 4"/>
-          <p:cNvSpPr>
-            <a:spLocks noGrp="1"/>
-          </p:cNvSpPr>
-          <p:nvPr>
-            <p:ph type="ftr" sz="quarter" idx="11"/>
-          </p:nvPr>
-        </p:nvSpPr>
-        <p:spPr/>
-        <p:txBody>
-          <a:bodyPr/>
-          <a:lstStyle/>
-          <a:p>
-            <a:r>
-              <a:rPr lang="de-DE" smtClean="0"/>
-              <a:t>FM-Synthese</a:t>
-            </a:r>
-            <a:endParaRPr lang="de-DE" dirty="0"/>
-          </a:p>
-        </p:txBody>
-      </p:sp>
-      <p:sp>
-        <p:nvSpPr>
-          <p:cNvPr id="6" name="Foliennummernplatzhalter 5"/>
-          <p:cNvSpPr>
-            <a:spLocks noGrp="1"/>
-          </p:cNvSpPr>
-          <p:nvPr>
-            <p:ph type="sldNum" sz="quarter" idx="12"/>
-          </p:nvPr>
-        </p:nvSpPr>
-        <p:spPr/>
-        <p:txBody>
-          <a:bodyPr/>
-          <a:lstStyle/>
-          <a:p>
-            <a:fld id="{8740CB20-F870-467D-84CE-AB32061190A1}" type="slidenum">
-              <a:rPr lang="en-US" smtClean="0"/>
-              <a:t>15</a:t>
-            </a:fld>
-            <a:r>
-              <a:rPr lang="de-DE" smtClean="0"/>
-              <a:t>   </a:t>
-            </a:r>
-            <a:endParaRPr lang="de-DE" dirty="0"/>
-          </a:p>
-        </p:txBody>
-      </p:sp>
-      <p:pic>
-        <p:nvPicPr>
-          <p:cNvPr id="7" name="Grafik 6"/>
-          <p:cNvPicPr>
-            <a:picLocks noChangeAspect="1"/>
-          </p:cNvPicPr>
-          <p:nvPr/>
-        </p:nvPicPr>
-        <p:blipFill>
-          <a:blip r:embed="rId2">
-            <a:extLst>
-              <a:ext uri="{28A0092B-C50C-407E-A947-70E740481C1C}">
-                <a14:useLocalDpi xmlns:a14="http://schemas.microsoft.com/office/drawing/2010/main" val="0"/>
-              </a:ext>
-            </a:extLst>
-          </a:blip>
-          <a:stretch>
-            <a:fillRect/>
-          </a:stretch>
-        </p:blipFill>
-        <p:spPr>
-          <a:xfrm>
-            <a:off x="650365" y="1923678"/>
-            <a:ext cx="7843268" cy="2376262"/>
-          </a:xfrm>
-          <a:prstGeom prst="rect">
-            <a:avLst/>
-          </a:prstGeom>
-        </p:spPr>
-      </p:pic>
-    </p:spTree>
-    <p:extLst>
-      <p:ext uri="{BB962C8B-B14F-4D97-AF65-F5344CB8AC3E}">
-        <p14:creationId xmlns:p14="http://schemas.microsoft.com/office/powerpoint/2010/main" val="3979698544"/>
-      </p:ext>
-    </p:extLst>
-  </p:cSld>
-  <p:clrMapOvr>
-    <a:masterClrMapping/>
-  </p:clrMapOvr>
-  <mc:AlternateContent xmlns:mc="http://schemas.openxmlformats.org/markup-compatibility/2006" xmlns:p14="http://schemas.microsoft.com/office/powerpoint/2010/main">
-    <mc:Choice Requires="p14">
-      <p:transition spd="med" p14:dur="700">
-        <p:fade/>
-      </p:transition>
-    </mc:Choice>
-    <mc:Fallback xmlns="">
-      <p:transition spd="med">
-        <p:fade/>
-      </p:transition>
-    </mc:Fallback>
-  </mc:AlternateContent>
-  <p:timing>
-    <p:tnLst>
-      <p:par>
-        <p:cTn id="1" dur="indefinite" restart="never" nodeType="tmRoot"/>
-      </p:par>
-    </p:tnLst>
-  </p:timing>
-</p:sld>
-</file>
-
-<file path=ppt/slides/slide16.xml><?xml version="1.0" encoding="utf-8"?>
-<p:sld xmlns:a="http://schemas.openxmlformats.org/drawingml/2006/main" xmlns:r="http://schemas.openxmlformats.org/officeDocument/2006/relationships" xmlns:p="http://schemas.openxmlformats.org/presentationml/2006/main">
-  <p:cSld>
-    <p:spTree>
-      <p:nvGrpSpPr>
-        <p:cNvPr id="1" name=""/>
-        <p:cNvGrpSpPr/>
-        <p:nvPr/>
-      </p:nvGrpSpPr>
-      <p:grpSpPr>
-        <a:xfrm>
-          <a:off x="0" y="0"/>
-          <a:ext cx="0" cy="0"/>
-          <a:chOff x="0" y="0"/>
-          <a:chExt cx="0" cy="0"/>
-        </a:xfrm>
-      </p:grpSpPr>
-      <p:sp>
-        <p:nvSpPr>
-          <p:cNvPr id="2" name="Titel 1"/>
-          <p:cNvSpPr>
-            <a:spLocks noGrp="1"/>
-          </p:cNvSpPr>
-          <p:nvPr>
-            <p:ph type="title"/>
-          </p:nvPr>
-        </p:nvSpPr>
-        <p:spPr/>
-        <p:txBody>
-          <a:bodyPr/>
-          <a:lstStyle/>
-          <a:p>
-            <a:r>
-              <a:rPr lang="de-DE" dirty="0" smtClean="0"/>
-              <a:t>Filter</a:t>
-            </a:r>
-            <a:endParaRPr lang="en-US" dirty="0"/>
-          </a:p>
-        </p:txBody>
-      </p:sp>
-      <p:sp>
-        <p:nvSpPr>
-          <p:cNvPr id="3" name="Inhaltsplatzhalter 2"/>
-          <p:cNvSpPr>
-            <a:spLocks noGrp="1"/>
-          </p:cNvSpPr>
-          <p:nvPr>
-            <p:ph idx="1"/>
-          </p:nvPr>
-        </p:nvSpPr>
-        <p:spPr/>
-        <p:txBody>
-          <a:bodyPr/>
-          <a:lstStyle/>
-          <a:p>
-            <a:r>
-              <a:rPr lang="de-DE" dirty="0" smtClean="0"/>
-              <a:t>Multibandsperre</a:t>
-            </a:r>
-            <a:endParaRPr lang="de-DE" dirty="0"/>
-          </a:p>
-        </p:txBody>
-      </p:sp>
-      <p:sp>
-        <p:nvSpPr>
-          <p:cNvPr id="4" name="Datumsplatzhalter 3"/>
-          <p:cNvSpPr>
-            <a:spLocks noGrp="1"/>
-          </p:cNvSpPr>
-          <p:nvPr>
-            <p:ph type="dt" sz="half" idx="10"/>
-          </p:nvPr>
-        </p:nvSpPr>
-        <p:spPr/>
-        <p:txBody>
-          <a:bodyPr/>
-          <a:lstStyle/>
-          <a:p>
-            <a:fld id="{296000BE-0612-4D88-A1AC-FF1287139C2E}" type="datetime1">
-              <a:rPr lang="de-DE" smtClean="0"/>
-              <a:t>20.06.2015</a:t>
-            </a:fld>
-            <a:endParaRPr lang="de-DE" dirty="0"/>
-          </a:p>
-        </p:txBody>
-      </p:sp>
-      <p:sp>
-        <p:nvSpPr>
-          <p:cNvPr id="5" name="Fußzeilenplatzhalter 4"/>
-          <p:cNvSpPr>
-            <a:spLocks noGrp="1"/>
-          </p:cNvSpPr>
-          <p:nvPr>
-            <p:ph type="ftr" sz="quarter" idx="11"/>
-          </p:nvPr>
-        </p:nvSpPr>
-        <p:spPr/>
-        <p:txBody>
-          <a:bodyPr/>
-          <a:lstStyle/>
-          <a:p>
-            <a:r>
-              <a:rPr lang="de-DE" smtClean="0"/>
-              <a:t>FM-Synthese</a:t>
-            </a:r>
-            <a:endParaRPr lang="de-DE" dirty="0"/>
-          </a:p>
-        </p:txBody>
-      </p:sp>
-      <p:sp>
-        <p:nvSpPr>
-          <p:cNvPr id="6" name="Foliennummernplatzhalter 5"/>
-          <p:cNvSpPr>
-            <a:spLocks noGrp="1"/>
-          </p:cNvSpPr>
-          <p:nvPr>
-            <p:ph type="sldNum" sz="quarter" idx="12"/>
-          </p:nvPr>
-        </p:nvSpPr>
-        <p:spPr/>
-        <p:txBody>
-          <a:bodyPr/>
-          <a:lstStyle/>
-          <a:p>
-            <a:fld id="{8740CB20-F870-467D-84CE-AB32061190A1}" type="slidenum">
-              <a:rPr lang="en-US" smtClean="0"/>
-              <a:t>16</a:t>
-            </a:fld>
-            <a:r>
-              <a:rPr lang="de-DE" smtClean="0"/>
-              <a:t>   </a:t>
-            </a:r>
-            <a:endParaRPr lang="de-DE" dirty="0"/>
-          </a:p>
-        </p:txBody>
-      </p:sp>
-      <p:pic>
-        <p:nvPicPr>
-          <p:cNvPr id="7" name="Grafik 6"/>
-          <p:cNvPicPr>
-            <a:picLocks noChangeAspect="1"/>
-          </p:cNvPicPr>
-          <p:nvPr/>
-        </p:nvPicPr>
-        <p:blipFill>
-          <a:blip r:embed="rId2">
-            <a:extLst>
-              <a:ext uri="{28A0092B-C50C-407E-A947-70E740481C1C}">
-                <a14:useLocalDpi xmlns:a14="http://schemas.microsoft.com/office/drawing/2010/main" val="0"/>
-              </a:ext>
-            </a:extLst>
-          </a:blip>
-          <a:stretch>
-            <a:fillRect/>
-          </a:stretch>
-        </p:blipFill>
-        <p:spPr>
-          <a:xfrm>
-            <a:off x="650365" y="1923678"/>
-            <a:ext cx="7843268" cy="2376261"/>
-          </a:xfrm>
-          <a:prstGeom prst="rect">
-            <a:avLst/>
-          </a:prstGeom>
-        </p:spPr>
-      </p:pic>
-    </p:spTree>
-    <p:extLst>
-      <p:ext uri="{BB962C8B-B14F-4D97-AF65-F5344CB8AC3E}">
-        <p14:creationId xmlns:p14="http://schemas.microsoft.com/office/powerpoint/2010/main" val="883418089"/>
-      </p:ext>
-    </p:extLst>
-  </p:cSld>
-  <p:clrMapOvr>
-    <a:masterClrMapping/>
-  </p:clrMapOvr>
-  <mc:AlternateContent xmlns:mc="http://schemas.openxmlformats.org/markup-compatibility/2006" xmlns:p14="http://schemas.microsoft.com/office/powerpoint/2010/main">
-    <mc:Choice Requires="p14">
-      <p:transition spd="med" p14:dur="700">
-        <p:fade/>
-      </p:transition>
-    </mc:Choice>
-    <mc:Fallback xmlns="">
-      <p:transition spd="med">
-        <p:fade/>
-      </p:transition>
-    </mc:Fallback>
-  </mc:AlternateContent>
-  <p:timing>
-    <p:tnLst>
-      <p:par>
-        <p:cTn id="1" dur="indefinite" restart="never" nodeType="tmRoot"/>
-      </p:par>
-    </p:tnLst>
-  </p:timing>
-</p:sld>
-</file>
-
-<file path=ppt/slides/slide17.xml><?xml version="1.0" encoding="utf-8"?>
-<p:sld xmlns:a="http://schemas.openxmlformats.org/drawingml/2006/main" xmlns:r="http://schemas.openxmlformats.org/officeDocument/2006/relationships" xmlns:p="http://schemas.openxmlformats.org/presentationml/2006/main">
-  <p:cSld>
-    <p:spTree>
-      <p:nvGrpSpPr>
-        <p:cNvPr id="1" name=""/>
-        <p:cNvGrpSpPr/>
-        <p:nvPr/>
-      </p:nvGrpSpPr>
-      <p:grpSpPr>
-        <a:xfrm>
-          <a:off x="0" y="0"/>
-          <a:ext cx="0" cy="0"/>
-          <a:chOff x="0" y="0"/>
-          <a:chExt cx="0" cy="0"/>
-        </a:xfrm>
-      </p:grpSpPr>
-      <p:sp>
-        <p:nvSpPr>
-          <p:cNvPr id="2" name="Titel 1"/>
-          <p:cNvSpPr>
-            <a:spLocks noGrp="1"/>
-          </p:cNvSpPr>
-          <p:nvPr>
-            <p:ph type="title"/>
-          </p:nvPr>
-        </p:nvSpPr>
-        <p:spPr/>
-        <p:txBody>
-          <a:bodyPr/>
-          <a:lstStyle/>
-          <a:p>
-            <a:r>
-              <a:rPr lang="de-DE" dirty="0" err="1" smtClean="0"/>
-              <a:t>Raumhall</a:t>
-            </a:r>
-            <a:endParaRPr lang="en-US" dirty="0"/>
-          </a:p>
-        </p:txBody>
-      </p:sp>
-      <p:sp>
-        <p:nvSpPr>
-          <p:cNvPr id="3" name="Inhaltsplatzhalter 2"/>
-          <p:cNvSpPr>
-            <a:spLocks noGrp="1"/>
-          </p:cNvSpPr>
-          <p:nvPr>
-            <p:ph idx="1"/>
-          </p:nvPr>
-        </p:nvSpPr>
-        <p:spPr/>
-        <p:txBody>
-          <a:bodyPr/>
-          <a:lstStyle/>
-          <a:p>
-            <a:r>
-              <a:rPr lang="de-DE" dirty="0" smtClean="0"/>
-              <a:t>Schall wird diffus reflektiert</a:t>
-            </a:r>
-          </a:p>
-          <a:p>
-            <a:r>
-              <a:rPr lang="de-DE" dirty="0" smtClean="0"/>
-              <a:t>unendlich viele Echos entstehen</a:t>
-            </a:r>
-            <a:endParaRPr lang="en-US" dirty="0"/>
-          </a:p>
-        </p:txBody>
-      </p:sp>
-      <p:sp>
-        <p:nvSpPr>
-          <p:cNvPr id="4" name="Datumsplatzhalter 3"/>
-          <p:cNvSpPr>
-            <a:spLocks noGrp="1"/>
-          </p:cNvSpPr>
-          <p:nvPr>
-            <p:ph type="dt" sz="half" idx="10"/>
-          </p:nvPr>
-        </p:nvSpPr>
-        <p:spPr/>
-        <p:txBody>
-          <a:bodyPr/>
-          <a:lstStyle/>
-          <a:p>
-            <a:fld id="{296000BE-0612-4D88-A1AC-FF1287139C2E}" type="datetime1">
-              <a:rPr lang="de-DE" smtClean="0"/>
-              <a:t>20.06.2015</a:t>
-            </a:fld>
-            <a:endParaRPr lang="de-DE" dirty="0"/>
-          </a:p>
-        </p:txBody>
-      </p:sp>
-      <p:sp>
-        <p:nvSpPr>
-          <p:cNvPr id="5" name="Fußzeilenplatzhalter 4"/>
-          <p:cNvSpPr>
-            <a:spLocks noGrp="1"/>
-          </p:cNvSpPr>
-          <p:nvPr>
-            <p:ph type="ftr" sz="quarter" idx="11"/>
-          </p:nvPr>
-        </p:nvSpPr>
-        <p:spPr/>
-        <p:txBody>
-          <a:bodyPr/>
-          <a:lstStyle/>
-          <a:p>
-            <a:r>
-              <a:rPr lang="de-DE" smtClean="0"/>
-              <a:t>FM-Synthese</a:t>
-            </a:r>
-            <a:endParaRPr lang="de-DE" dirty="0"/>
-          </a:p>
-        </p:txBody>
-      </p:sp>
-      <p:sp>
-        <p:nvSpPr>
-          <p:cNvPr id="6" name="Foliennummernplatzhalter 5"/>
-          <p:cNvSpPr>
-            <a:spLocks noGrp="1"/>
-          </p:cNvSpPr>
-          <p:nvPr>
-            <p:ph type="sldNum" sz="quarter" idx="12"/>
-          </p:nvPr>
-        </p:nvSpPr>
-        <p:spPr/>
-        <p:txBody>
-          <a:bodyPr/>
-          <a:lstStyle/>
-          <a:p>
-            <a:fld id="{8740CB20-F870-467D-84CE-AB32061190A1}" type="slidenum">
-              <a:rPr lang="en-US" smtClean="0"/>
-              <a:t>17</a:t>
-            </a:fld>
-            <a:r>
-              <a:rPr lang="de-DE" smtClean="0"/>
-              <a:t>   </a:t>
-            </a:r>
-            <a:endParaRPr lang="de-DE" dirty="0"/>
-          </a:p>
-        </p:txBody>
-      </p:sp>
-      <p:pic>
-        <p:nvPicPr>
-          <p:cNvPr id="7" name="Grafik 6"/>
-          <p:cNvPicPr>
-            <a:picLocks noChangeAspect="1"/>
-          </p:cNvPicPr>
-          <p:nvPr/>
-        </p:nvPicPr>
-        <p:blipFill>
-          <a:blip r:embed="rId2"/>
-          <a:stretch>
-            <a:fillRect/>
-          </a:stretch>
-        </p:blipFill>
-        <p:spPr>
-          <a:xfrm>
-            <a:off x="2189792" y="2283718"/>
-            <a:ext cx="4779696" cy="2007168"/>
-          </a:xfrm>
-          <a:prstGeom prst="rect">
-            <a:avLst/>
-          </a:prstGeom>
-        </p:spPr>
-      </p:pic>
-      <p:sp>
-        <p:nvSpPr>
-          <p:cNvPr id="8" name="Textfeld 7"/>
-          <p:cNvSpPr txBox="1"/>
-          <p:nvPr/>
-        </p:nvSpPr>
-        <p:spPr>
-          <a:xfrm>
-            <a:off x="2189792" y="4290886"/>
-            <a:ext cx="5976664" cy="276999"/>
-          </a:xfrm>
-          <a:prstGeom prst="rect">
-            <a:avLst/>
-          </a:prstGeom>
-          <a:noFill/>
-        </p:spPr>
-        <p:txBody>
-          <a:bodyPr wrap="square" rtlCol="0">
-            <a:spAutoFit/>
-          </a:bodyPr>
-          <a:lstStyle/>
-          <a:p>
-            <a:r>
-              <a:rPr lang="de-DE" sz="1200" dirty="0" smtClean="0"/>
-              <a:t>Quelle: Computergestützte Audio und Videotechnik [Sto11]</a:t>
-            </a:r>
-            <a:endParaRPr lang="en-US" sz="1200" dirty="0"/>
-          </a:p>
-        </p:txBody>
-      </p:sp>
-    </p:spTree>
-    <p:extLst>
-      <p:ext uri="{BB962C8B-B14F-4D97-AF65-F5344CB8AC3E}">
-        <p14:creationId xmlns:p14="http://schemas.microsoft.com/office/powerpoint/2010/main" val="253928005"/>
-      </p:ext>
-    </p:extLst>
-  </p:cSld>
-  <p:clrMapOvr>
-    <a:masterClrMapping/>
-  </p:clrMapOvr>
-  <mc:AlternateContent xmlns:mc="http://schemas.openxmlformats.org/markup-compatibility/2006" xmlns:p14="http://schemas.microsoft.com/office/powerpoint/2010/main">
-    <mc:Choice Requires="p14">
-      <p:transition spd="med" p14:dur="700">
-        <p:fade/>
-      </p:transition>
-    </mc:Choice>
-    <mc:Fallback xmlns="">
-      <p:transition spd="med">
-        <p:fade/>
-      </p:transition>
-    </mc:Fallback>
-  </mc:AlternateContent>
-  <p:timing>
-    <p:tnLst>
-      <p:par>
-        <p:cTn id="1" dur="indefinite" restart="never" nodeType="tmRoot">
-          <p:childTnLst>
-            <p:seq concurrent="1" nextAc="seek">
-              <p:cTn id="2" dur="indefinite" nodeType="mainSeq">
-                <p:childTnLst>
-                  <p:par>
-                    <p:cTn id="3" fill="hold">
-                      <p:stCondLst>
-                        <p:cond delay="indefinite"/>
-                      </p:stCondLst>
-                      <p:childTnLst>
-                        <p:par>
-                          <p:cTn id="4" fill="hold">
-                            <p:stCondLst>
-                              <p:cond delay="0"/>
-                            </p:stCondLst>
-                            <p:childTnLst>
-                              <p:par>
-                                <p:cTn id="5" presetID="10" presetClass="entr" presetSubtype="0" fill="hold" nodeType="clickEffect">
-                                  <p:stCondLst>
-                                    <p:cond delay="0"/>
-                                  </p:stCondLst>
-                                  <p:childTnLst>
-                                    <p:set>
-                                      <p:cBhvr>
-                                        <p:cTn id="6" dur="1" fill="hold">
-                                          <p:stCondLst>
-                                            <p:cond delay="0"/>
-                                          </p:stCondLst>
-                                        </p:cTn>
-                                        <p:tgtEl>
-                                          <p:spTgt spid="7"/>
-                                        </p:tgtEl>
-                                        <p:attrNameLst>
-                                          <p:attrName>style.visibility</p:attrName>
-                                        </p:attrNameLst>
-                                      </p:cBhvr>
-                                      <p:to>
-                                        <p:strVal val="visible"/>
-                                      </p:to>
-                                    </p:set>
-                                    <p:animEffect transition="in" filter="fade">
-                                      <p:cBhvr>
-                                        <p:cTn id="7" dur="500"/>
-                                        <p:tgtEl>
-                                          <p:spTgt spid="7"/>
-                                        </p:tgtEl>
-                                      </p:cBhvr>
-                                    </p:animEffect>
-                                  </p:childTnLst>
-                                </p:cTn>
-                              </p:par>
-                              <p:par>
-                                <p:cTn id="8" presetID="10" presetClass="entr" presetSubtype="0" fill="hold" grpId="0" nodeType="withEffect">
-                                  <p:stCondLst>
-                                    <p:cond delay="0"/>
-                                  </p:stCondLst>
-                                  <p:childTnLst>
-                                    <p:set>
-                                      <p:cBhvr>
-                                        <p:cTn id="9" dur="1" fill="hold">
-                                          <p:stCondLst>
-                                            <p:cond delay="0"/>
-                                          </p:stCondLst>
-                                        </p:cTn>
-                                        <p:tgtEl>
-                                          <p:spTgt spid="8"/>
-                                        </p:tgtEl>
-                                        <p:attrNameLst>
-                                          <p:attrName>style.visibility</p:attrName>
-                                        </p:attrNameLst>
-                                      </p:cBhvr>
-                                      <p:to>
-                                        <p:strVal val="visible"/>
-                                      </p:to>
-                                    </p:set>
-                                    <p:animEffect transition="in" filter="fade">
-                                      <p:cBhvr>
-                                        <p:cTn id="10" dur="500"/>
-                                        <p:tgtEl>
-                                          <p:spTgt spid="8"/>
-                                        </p:tgtEl>
-                                      </p:cBhvr>
-                                    </p:animEffect>
-                                  </p:childTnLst>
-                                </p:cTn>
-                              </p:par>
-                            </p:childTnLst>
-                          </p:cTn>
-                        </p:par>
-                      </p:childTnLst>
-                    </p:cTn>
-                  </p:par>
-                </p:childTnLst>
-              </p:cTn>
-              <p:prevCondLst>
-                <p:cond evt="onPrev" delay="0">
-                  <p:tgtEl>
-                    <p:sldTgt/>
-                  </p:tgtEl>
-                </p:cond>
-              </p:prevCondLst>
-              <p:nextCondLst>
-                <p:cond evt="onNext" delay="0">
-                  <p:tgtEl>
-                    <p:sldTgt/>
-                  </p:tgtEl>
-                </p:cond>
-              </p:nextCondLst>
-            </p:seq>
-          </p:childTnLst>
-        </p:cTn>
-      </p:par>
-    </p:tnLst>
-    <p:bldLst>
-      <p:bldP spid="8" grpId="0"/>
-    </p:bldLst>
-  </p:timing>
-</p:sld>
-</file>
-
-<file path=ppt/slides/slide18.xml><?xml version="1.0" encoding="utf-8"?>
-<p:sld xmlns:a="http://schemas.openxmlformats.org/drawingml/2006/main" xmlns:r="http://schemas.openxmlformats.org/officeDocument/2006/relationships" xmlns:p="http://schemas.openxmlformats.org/presentationml/2006/main">
-  <p:cSld>
-    <p:spTree>
-      <p:nvGrpSpPr>
-        <p:cNvPr id="1" name=""/>
-        <p:cNvGrpSpPr/>
-        <p:nvPr/>
-      </p:nvGrpSpPr>
-      <p:grpSpPr>
-        <a:xfrm>
-          <a:off x="0" y="0"/>
-          <a:ext cx="0" cy="0"/>
-          <a:chOff x="0" y="0"/>
-          <a:chExt cx="0" cy="0"/>
-        </a:xfrm>
-      </p:grpSpPr>
-      <p:sp>
-        <p:nvSpPr>
-          <p:cNvPr id="7" name="Titel 6"/>
-          <p:cNvSpPr>
-            <a:spLocks noGrp="1"/>
-          </p:cNvSpPr>
-          <p:nvPr>
-            <p:ph type="title"/>
-          </p:nvPr>
-        </p:nvSpPr>
-        <p:spPr/>
-        <p:txBody>
-          <a:bodyPr/>
-          <a:lstStyle/>
-          <a:p>
-            <a:r>
-              <a:rPr lang="de-DE" dirty="0" smtClean="0"/>
-              <a:t>Tonnachbildung </a:t>
-            </a:r>
-            <a:r>
-              <a:rPr lang="de-DE" dirty="0" err="1" smtClean="0"/>
-              <a:t>praxis</a:t>
-            </a:r>
-            <a:endParaRPr lang="en-US" dirty="0"/>
-          </a:p>
-        </p:txBody>
-      </p:sp>
-      <p:sp>
-        <p:nvSpPr>
-          <p:cNvPr id="2" name="Textplatzhalter 1"/>
-          <p:cNvSpPr>
-            <a:spLocks noGrp="1"/>
-          </p:cNvSpPr>
-          <p:nvPr>
-            <p:ph type="body" idx="1"/>
-          </p:nvPr>
-        </p:nvSpPr>
-        <p:spPr/>
-        <p:txBody>
-          <a:bodyPr/>
-          <a:lstStyle/>
-          <a:p>
-            <a:endParaRPr lang="en-US"/>
-          </a:p>
-        </p:txBody>
-      </p:sp>
-      <p:sp>
-        <p:nvSpPr>
-          <p:cNvPr id="4" name="Datumsplatzhalter 3"/>
-          <p:cNvSpPr>
-            <a:spLocks noGrp="1"/>
-          </p:cNvSpPr>
-          <p:nvPr>
-            <p:ph type="dt" sz="half" idx="10"/>
-          </p:nvPr>
-        </p:nvSpPr>
-        <p:spPr/>
-        <p:txBody>
-          <a:bodyPr/>
-          <a:lstStyle/>
-          <a:p>
-            <a:fld id="{296000BE-0612-4D88-A1AC-FF1287139C2E}" type="datetime1">
-              <a:rPr lang="de-DE" smtClean="0"/>
-              <a:t>20.06.2015</a:t>
-            </a:fld>
-            <a:endParaRPr lang="de-DE" dirty="0"/>
-          </a:p>
-        </p:txBody>
-      </p:sp>
-      <p:sp>
-        <p:nvSpPr>
-          <p:cNvPr id="5" name="Fußzeilenplatzhalter 4"/>
-          <p:cNvSpPr>
-            <a:spLocks noGrp="1"/>
-          </p:cNvSpPr>
-          <p:nvPr>
-            <p:ph type="ftr" sz="quarter" idx="11"/>
-          </p:nvPr>
-        </p:nvSpPr>
-        <p:spPr/>
-        <p:txBody>
-          <a:bodyPr/>
-          <a:lstStyle/>
-          <a:p>
-            <a:r>
-              <a:rPr lang="de-DE" smtClean="0"/>
-              <a:t>FM-Synthese</a:t>
-            </a:r>
-            <a:endParaRPr lang="de-DE" dirty="0"/>
-          </a:p>
-        </p:txBody>
-      </p:sp>
-      <p:sp>
-        <p:nvSpPr>
-          <p:cNvPr id="6" name="Foliennummernplatzhalter 5"/>
-          <p:cNvSpPr>
-            <a:spLocks noGrp="1"/>
-          </p:cNvSpPr>
-          <p:nvPr>
-            <p:ph type="sldNum" sz="quarter" idx="12"/>
-          </p:nvPr>
-        </p:nvSpPr>
-        <p:spPr/>
-        <p:txBody>
-          <a:bodyPr/>
-          <a:lstStyle/>
-          <a:p>
-            <a:fld id="{8740CB20-F870-467D-84CE-AB32061190A1}" type="slidenum">
-              <a:rPr lang="en-US" smtClean="0"/>
-              <a:t>18</a:t>
-            </a:fld>
-            <a:r>
-              <a:rPr lang="de-DE" smtClean="0"/>
-              <a:t>   </a:t>
-            </a:r>
-            <a:endParaRPr lang="de-DE" dirty="0"/>
-          </a:p>
-        </p:txBody>
-      </p:sp>
-    </p:spTree>
-    <p:extLst>
-      <p:ext uri="{BB962C8B-B14F-4D97-AF65-F5344CB8AC3E}">
-        <p14:creationId xmlns:p14="http://schemas.microsoft.com/office/powerpoint/2010/main" val="4117715782"/>
-      </p:ext>
-    </p:extLst>
-  </p:cSld>
-  <p:clrMapOvr>
-    <a:masterClrMapping/>
-  </p:clrMapOvr>
-  <mc:AlternateContent xmlns:mc="http://schemas.openxmlformats.org/markup-compatibility/2006" xmlns:p14="http://schemas.microsoft.com/office/powerpoint/2010/main">
-    <mc:Choice Requires="p14">
-      <p:transition spd="med" p14:dur="700">
-        <p:fade/>
-      </p:transition>
-    </mc:Choice>
-    <mc:Fallback xmlns="">
-      <p:transition spd="med">
-        <p:fade/>
-      </p:transition>
-    </mc:Fallback>
-  </mc:AlternateContent>
-  <p:timing>
-    <p:tnLst>
-      <p:par>
-        <p:cTn id="1" dur="indefinite" restart="never" nodeType="tmRoot"/>
-      </p:par>
-    </p:tnLst>
-  </p:timing>
-</p:sld>
-</file>
-
-<file path=ppt/slides/slide19.xml><?xml version="1.0" encoding="utf-8"?>
-<p:sld xmlns:a="http://schemas.openxmlformats.org/drawingml/2006/main" xmlns:r="http://schemas.openxmlformats.org/officeDocument/2006/relationships" xmlns:p="http://schemas.openxmlformats.org/presentationml/2006/main">
-  <p:cSld>
-    <p:spTree>
-      <p:nvGrpSpPr>
-        <p:cNvPr id="1" name=""/>
-        <p:cNvGrpSpPr/>
-        <p:nvPr/>
-      </p:nvGrpSpPr>
-      <p:grpSpPr>
-        <a:xfrm>
-          <a:off x="0" y="0"/>
-          <a:ext cx="0" cy="0"/>
-          <a:chOff x="0" y="0"/>
-          <a:chExt cx="0" cy="0"/>
-        </a:xfrm>
-      </p:grpSpPr>
-      <p:sp>
-        <p:nvSpPr>
           <p:cNvPr id="7" name="Titel 6"/>
           <p:cNvSpPr>
             <a:spLocks noGrp="1"/>
@@ -6558,10 +5303,10 @@
           <a:bodyPr/>
           <a:lstStyle/>
           <a:p>
-            <a:fld id="{C80D71F6-99A2-4718-B360-65885A8D0927}" type="datetime1">
+            <a:r>
               <a:rPr lang="de-DE" smtClean="0"/>
-              <a:t>20.06.2015</a:t>
-            </a:fld>
+              <a:t>23.06.2015</a:t>
+            </a:r>
             <a:endParaRPr lang="de-DE"/>
           </a:p>
         </p:txBody>
@@ -6607,7 +5352,7 @@
             <a:fld id="{6C6AE60A-B69C-4790-82F7-3882EDF23186}" type="slidenum">
               <a:rPr lang="de-DE" smtClean="0"/>
               <a:pPr/>
-              <a:t>19</a:t>
+              <a:t>13</a:t>
             </a:fld>
             <a:endParaRPr lang="de-DE"/>
           </a:p>
@@ -7038,7 +5783,7 @@
 </p:sld>
 </file>
 
-<file path=ppt/slides/slide2.xml><?xml version="1.0" encoding="utf-8"?>
+<file path=ppt/slides/slide14.xml><?xml version="1.0" encoding="utf-8"?>
 <p:sld xmlns:a="http://schemas.openxmlformats.org/drawingml/2006/main" xmlns:r="http://schemas.openxmlformats.org/officeDocument/2006/relationships" xmlns:p="http://schemas.openxmlformats.org/presentationml/2006/main">
   <p:cSld>
     <p:spTree>
@@ -7057,7 +5802,7 @@
       </p:grpSpPr>
       <p:sp>
         <p:nvSpPr>
-          <p:cNvPr id="9" name="Titel 1"/>
+          <p:cNvPr id="7" name="Titel 6"/>
           <p:cNvSpPr>
             <a:spLocks noGrp="1"/>
           </p:cNvSpPr>
@@ -7071,8 +5816,54 @@
           <a:lstStyle/>
           <a:p>
             <a:r>
+              <a:rPr lang="de-DE" dirty="0"/>
+              <a:t>FM-Synthesizer in C</a:t>
+            </a:r>
+            <a:r>
               <a:rPr lang="de-DE" dirty="0" smtClean="0"/>
-              <a:t>Gliederung</a:t>
+              <a:t>++</a:t>
+            </a:r>
+            <a:endParaRPr lang="en-US" dirty="0"/>
+          </a:p>
+        </p:txBody>
+      </p:sp>
+      <p:sp>
+        <p:nvSpPr>
+          <p:cNvPr id="2" name="Textplatzhalter 1"/>
+          <p:cNvSpPr>
+            <a:spLocks noGrp="1"/>
+          </p:cNvSpPr>
+          <p:nvPr>
+            <p:ph type="body" idx="1"/>
+          </p:nvPr>
+        </p:nvSpPr>
+        <p:spPr/>
+        <p:txBody>
+          <a:bodyPr/>
+          <a:lstStyle/>
+          <a:p>
+            <a:endParaRPr lang="en-US"/>
+          </a:p>
+        </p:txBody>
+      </p:sp>
+      <p:sp>
+        <p:nvSpPr>
+          <p:cNvPr id="4" name="Datumsplatzhalter 3"/>
+          <p:cNvSpPr>
+            <a:spLocks noGrp="1"/>
+          </p:cNvSpPr>
+          <p:nvPr>
+            <p:ph type="dt" sz="half" idx="10"/>
+          </p:nvPr>
+        </p:nvSpPr>
+        <p:spPr/>
+        <p:txBody>
+          <a:bodyPr/>
+          <a:lstStyle/>
+          <a:p>
+            <a:r>
+              <a:rPr lang="de-DE" smtClean="0"/>
+              <a:t>23.06.2015</a:t>
             </a:r>
             <a:endParaRPr lang="de-DE" dirty="0"/>
           </a:p>
@@ -7080,260 +5871,7 @@
       </p:sp>
       <p:sp>
         <p:nvSpPr>
-          <p:cNvPr id="10" name="Inhaltsplatzhalter 2"/>
-          <p:cNvSpPr txBox="1">
-            <a:spLocks/>
-          </p:cNvSpPr>
-          <p:nvPr/>
-        </p:nvSpPr>
-        <p:spPr>
-          <a:xfrm>
-            <a:off x="457200" y="1200151"/>
-            <a:ext cx="8229600" cy="3394472"/>
-          </a:xfrm>
-          <a:prstGeom prst="rect">
-            <a:avLst/>
-          </a:prstGeom>
-        </p:spPr>
-        <p:txBody>
-          <a:bodyPr vert="horz" lIns="91440" tIns="45720" rIns="91440" bIns="45720" rtlCol="0">
-            <a:normAutofit/>
-          </a:bodyPr>
-          <a:lstStyle>
-            <a:lvl1pPr marL="0" indent="0" algn="ctr" defTabSz="914400" rtl="0" eaLnBrk="1" latinLnBrk="0" hangingPunct="1">
-              <a:spcBef>
-                <a:spcPct val="20000"/>
-              </a:spcBef>
-              <a:buFont typeface="Arial" pitchFamily="34" charset="0"/>
-              <a:buNone/>
-              <a:defRPr sz="2800" kern="1200">
-                <a:solidFill>
-                  <a:schemeClr val="tx1">
-                    <a:tint val="75000"/>
-                  </a:schemeClr>
-                </a:solidFill>
-                <a:latin typeface="Lato" panose="020F0502020204030203" pitchFamily="34" charset="0"/>
-                <a:ea typeface="+mn-ea"/>
-                <a:cs typeface="+mn-cs"/>
-              </a:defRPr>
-            </a:lvl1pPr>
-            <a:lvl2pPr marL="457200" indent="0" algn="ctr" defTabSz="914400" rtl="0" eaLnBrk="1" latinLnBrk="0" hangingPunct="1">
-              <a:spcBef>
-                <a:spcPct val="20000"/>
-              </a:spcBef>
-              <a:buFont typeface="Arial" pitchFamily="34" charset="0"/>
-              <a:buNone/>
-              <a:defRPr sz="2000" kern="1200">
-                <a:solidFill>
-                  <a:schemeClr val="tx1">
-                    <a:tint val="75000"/>
-                  </a:schemeClr>
-                </a:solidFill>
-                <a:latin typeface="Lato" panose="020F0502020204030203" pitchFamily="34" charset="0"/>
-                <a:ea typeface="+mn-ea"/>
-                <a:cs typeface="+mn-cs"/>
-              </a:defRPr>
-            </a:lvl2pPr>
-            <a:lvl3pPr marL="914400" indent="0" algn="ctr" defTabSz="914400" rtl="0" eaLnBrk="1" latinLnBrk="0" hangingPunct="1">
-              <a:spcBef>
-                <a:spcPct val="20000"/>
-              </a:spcBef>
-              <a:buFont typeface="Arial" pitchFamily="34" charset="0"/>
-              <a:buNone/>
-              <a:defRPr sz="1600" kern="1200">
-                <a:solidFill>
-                  <a:schemeClr val="tx1">
-                    <a:tint val="75000"/>
-                  </a:schemeClr>
-                </a:solidFill>
-                <a:latin typeface="Lato" panose="020F0502020204030203" pitchFamily="34" charset="0"/>
-                <a:ea typeface="+mn-ea"/>
-                <a:cs typeface="+mn-cs"/>
-              </a:defRPr>
-            </a:lvl3pPr>
-            <a:lvl4pPr marL="1371600" indent="0" algn="ctr" defTabSz="914400" rtl="0" eaLnBrk="1" latinLnBrk="0" hangingPunct="1">
-              <a:spcBef>
-                <a:spcPct val="20000"/>
-              </a:spcBef>
-              <a:buFont typeface="Arial" pitchFamily="34" charset="0"/>
-              <a:buNone/>
-              <a:defRPr sz="1400" kern="1200">
-                <a:solidFill>
-                  <a:schemeClr val="tx1">
-                    <a:tint val="75000"/>
-                  </a:schemeClr>
-                </a:solidFill>
-                <a:latin typeface="Lato" panose="020F0502020204030203" pitchFamily="34" charset="0"/>
-                <a:ea typeface="+mn-ea"/>
-                <a:cs typeface="+mn-cs"/>
-              </a:defRPr>
-            </a:lvl4pPr>
-            <a:lvl5pPr marL="1828800" indent="0" algn="ctr" defTabSz="914400" rtl="0" eaLnBrk="1" latinLnBrk="0" hangingPunct="1">
-              <a:spcBef>
-                <a:spcPct val="20000"/>
-              </a:spcBef>
-              <a:buFont typeface="Arial" pitchFamily="34" charset="0"/>
-              <a:buNone/>
-              <a:defRPr sz="1400" kern="1200">
-                <a:solidFill>
-                  <a:schemeClr val="tx1">
-                    <a:tint val="75000"/>
-                  </a:schemeClr>
-                </a:solidFill>
-                <a:latin typeface="Lato" panose="020F0502020204030203" pitchFamily="34" charset="0"/>
-                <a:ea typeface="+mn-ea"/>
-                <a:cs typeface="+mn-cs"/>
-              </a:defRPr>
-            </a:lvl5pPr>
-            <a:lvl6pPr marL="2286000" indent="0" algn="ctr" defTabSz="914400" rtl="0" eaLnBrk="1" latinLnBrk="0" hangingPunct="1">
-              <a:spcBef>
-                <a:spcPct val="20000"/>
-              </a:spcBef>
-              <a:buFont typeface="Arial" pitchFamily="34" charset="0"/>
-              <a:buNone/>
-              <a:defRPr sz="2000" kern="1200">
-                <a:solidFill>
-                  <a:schemeClr val="tx1">
-                    <a:tint val="75000"/>
-                  </a:schemeClr>
-                </a:solidFill>
-                <a:latin typeface="+mn-lt"/>
-                <a:ea typeface="+mn-ea"/>
-                <a:cs typeface="+mn-cs"/>
-              </a:defRPr>
-            </a:lvl6pPr>
-            <a:lvl7pPr marL="2743200" indent="0" algn="ctr" defTabSz="914400" rtl="0" eaLnBrk="1" latinLnBrk="0" hangingPunct="1">
-              <a:spcBef>
-                <a:spcPct val="20000"/>
-              </a:spcBef>
-              <a:buFont typeface="Arial" pitchFamily="34" charset="0"/>
-              <a:buNone/>
-              <a:defRPr sz="2000" kern="1200">
-                <a:solidFill>
-                  <a:schemeClr val="tx1">
-                    <a:tint val="75000"/>
-                  </a:schemeClr>
-                </a:solidFill>
-                <a:latin typeface="+mn-lt"/>
-                <a:ea typeface="+mn-ea"/>
-                <a:cs typeface="+mn-cs"/>
-              </a:defRPr>
-            </a:lvl7pPr>
-            <a:lvl8pPr marL="3200400" indent="0" algn="ctr" defTabSz="914400" rtl="0" eaLnBrk="1" latinLnBrk="0" hangingPunct="1">
-              <a:spcBef>
-                <a:spcPct val="20000"/>
-              </a:spcBef>
-              <a:buFont typeface="Arial" pitchFamily="34" charset="0"/>
-              <a:buNone/>
-              <a:defRPr sz="2000" kern="1200">
-                <a:solidFill>
-                  <a:schemeClr val="tx1">
-                    <a:tint val="75000"/>
-                  </a:schemeClr>
-                </a:solidFill>
-                <a:latin typeface="+mn-lt"/>
-                <a:ea typeface="+mn-ea"/>
-                <a:cs typeface="+mn-cs"/>
-              </a:defRPr>
-            </a:lvl8pPr>
-            <a:lvl9pPr marL="3657600" indent="0" algn="ctr" defTabSz="914400" rtl="0" eaLnBrk="1" latinLnBrk="0" hangingPunct="1">
-              <a:spcBef>
-                <a:spcPct val="20000"/>
-              </a:spcBef>
-              <a:buFont typeface="Arial" pitchFamily="34" charset="0"/>
-              <a:buNone/>
-              <a:defRPr sz="2000" kern="1200">
-                <a:solidFill>
-                  <a:schemeClr val="tx1">
-                    <a:tint val="75000"/>
-                  </a:schemeClr>
-                </a:solidFill>
-                <a:latin typeface="+mn-lt"/>
-                <a:ea typeface="+mn-ea"/>
-                <a:cs typeface="+mn-cs"/>
-              </a:defRPr>
-            </a:lvl9pPr>
-          </a:lstStyle>
-          <a:p>
-            <a:pPr marL="457200" indent="-457200" algn="l">
-              <a:buFont typeface="Arial" panose="020B0604020202020204" pitchFamily="34" charset="0"/>
-              <a:buChar char="•"/>
-            </a:pPr>
-            <a:r>
-              <a:rPr lang="de-DE" dirty="0" smtClean="0">
-                <a:solidFill>
-                  <a:schemeClr val="tx1"/>
-                </a:solidFill>
-              </a:rPr>
-              <a:t>Tonnachbildung Theorie</a:t>
-            </a:r>
-          </a:p>
-          <a:p>
-            <a:pPr marL="457200" indent="-457200" algn="l">
-              <a:buFont typeface="Arial" panose="020B0604020202020204" pitchFamily="34" charset="0"/>
-              <a:buChar char="•"/>
-            </a:pPr>
-            <a:r>
-              <a:rPr lang="de-DE" dirty="0" smtClean="0">
-                <a:solidFill>
-                  <a:schemeClr val="tx1"/>
-                </a:solidFill>
-              </a:rPr>
-              <a:t>Tonnachbildung Praxis</a:t>
-            </a:r>
-            <a:endParaRPr lang="de-DE" dirty="0">
-              <a:solidFill>
-                <a:schemeClr val="tx1"/>
-              </a:solidFill>
-            </a:endParaRPr>
-          </a:p>
-          <a:p>
-            <a:pPr marL="457200" indent="-457200" algn="l">
-              <a:buFont typeface="Arial" panose="020B0604020202020204" pitchFamily="34" charset="0"/>
-              <a:buChar char="•"/>
-            </a:pPr>
-            <a:r>
-              <a:rPr lang="de-DE" dirty="0" smtClean="0">
-                <a:solidFill>
-                  <a:schemeClr val="tx1"/>
-                </a:solidFill>
-              </a:rPr>
-              <a:t>FM-Synthesizer in C++</a:t>
-            </a:r>
-            <a:endParaRPr lang="de-DE" dirty="0">
-              <a:solidFill>
-                <a:schemeClr val="tx1"/>
-              </a:solidFill>
-            </a:endParaRPr>
-          </a:p>
-        </p:txBody>
-      </p:sp>
-      <p:sp>
-        <p:nvSpPr>
-          <p:cNvPr id="3" name="Datumsplatzhalter 2"/>
-          <p:cNvSpPr>
-            <a:spLocks noGrp="1"/>
-          </p:cNvSpPr>
-          <p:nvPr>
-            <p:ph type="dt" sz="half" idx="10"/>
-          </p:nvPr>
-        </p:nvSpPr>
-        <p:spPr/>
-        <p:txBody>
-          <a:bodyPr/>
-          <a:lstStyle/>
-          <a:p>
-            <a:fld id="{54A5E96F-7890-4333-8D04-AF19E98716D9}" type="datetime1">
-              <a:rPr lang="de-DE" smtClean="0"/>
-              <a:t>20.06.2015</a:t>
-            </a:fld>
-            <a:endParaRPr lang="de-DE" dirty="0"/>
-          </a:p>
-        </p:txBody>
-      </p:sp>
-      <p:sp>
-        <p:nvSpPr>
-          <p:cNvPr id="4" name="Fußzeilenplatzhalter 3"/>
+          <p:cNvPr id="5" name="Fußzeilenplatzhalter 4"/>
           <p:cNvSpPr>
             <a:spLocks noGrp="1"/>
           </p:cNvSpPr>
@@ -7356,7 +5894,7 @@
       </p:sp>
       <p:sp>
         <p:nvSpPr>
-          <p:cNvPr id="5" name="Foliennummernplatzhalter 4"/>
+          <p:cNvPr id="6" name="Foliennummernplatzhalter 5"/>
           <p:cNvSpPr>
             <a:spLocks noGrp="1"/>
           </p:cNvSpPr>
@@ -7371,170 +5909,7 @@
           <a:p>
             <a:fld id="{8740CB20-F870-467D-84CE-AB32061190A1}" type="slidenum">
               <a:rPr lang="en-US" smtClean="0"/>
-              <a:t>2</a:t>
-            </a:fld>
-            <a:r>
-              <a:rPr lang="de-DE" smtClean="0"/>
-              <a:t>   </a:t>
-            </a:r>
-            <a:endParaRPr lang="de-DE" dirty="0"/>
-          </a:p>
-        </p:txBody>
-      </p:sp>
-    </p:spTree>
-  </p:cSld>
-  <p:clrMapOvr>
-    <a:masterClrMapping/>
-  </p:clrMapOvr>
-  <mc:AlternateContent xmlns:mc="http://schemas.openxmlformats.org/markup-compatibility/2006" xmlns:p14="http://schemas.microsoft.com/office/powerpoint/2010/main">
-    <mc:Choice Requires="p14">
-      <p:transition spd="med" p14:dur="700">
-        <p:fade/>
-      </p:transition>
-    </mc:Choice>
-    <mc:Fallback xmlns="">
-      <p:transition spd="med">
-        <p:fade/>
-      </p:transition>
-    </mc:Fallback>
-  </mc:AlternateContent>
-  <p:timing>
-    <p:tnLst>
-      <p:par>
-        <p:cTn id="1" dur="indefinite" restart="never" nodeType="tmRoot"/>
-      </p:par>
-    </p:tnLst>
-  </p:timing>
-</p:sld>
-</file>
-
-<file path=ppt/slides/slide20.xml><?xml version="1.0" encoding="utf-8"?>
-<p:sld xmlns:a="http://schemas.openxmlformats.org/drawingml/2006/main" xmlns:r="http://schemas.openxmlformats.org/officeDocument/2006/relationships" xmlns:p="http://schemas.openxmlformats.org/presentationml/2006/main">
-  <p:cSld>
-    <p:spTree>
-      <p:nvGrpSpPr>
-        <p:cNvPr id="1" name=""/>
-        <p:cNvGrpSpPr/>
-        <p:nvPr/>
-      </p:nvGrpSpPr>
-      <p:grpSpPr>
-        <a:xfrm>
-          <a:off x="0" y="0"/>
-          <a:ext cx="0" cy="0"/>
-          <a:chOff x="0" y="0"/>
-          <a:chExt cx="0" cy="0"/>
-        </a:xfrm>
-      </p:grpSpPr>
-      <p:sp>
-        <p:nvSpPr>
-          <p:cNvPr id="7" name="Titel 6"/>
-          <p:cNvSpPr>
-            <a:spLocks noGrp="1"/>
-          </p:cNvSpPr>
-          <p:nvPr>
-            <p:ph type="title"/>
-          </p:nvPr>
-        </p:nvSpPr>
-        <p:spPr/>
-        <p:txBody>
-          <a:bodyPr/>
-          <a:lstStyle/>
-          <a:p>
-            <a:r>
-              <a:rPr lang="de-DE" dirty="0"/>
-              <a:t>FM-Synthesizer in C</a:t>
-            </a:r>
-            <a:r>
-              <a:rPr lang="de-DE" dirty="0" smtClean="0"/>
-              <a:t>++</a:t>
-            </a:r>
-            <a:endParaRPr lang="en-US" dirty="0"/>
-          </a:p>
-        </p:txBody>
-      </p:sp>
-      <p:sp>
-        <p:nvSpPr>
-          <p:cNvPr id="2" name="Textplatzhalter 1"/>
-          <p:cNvSpPr>
-            <a:spLocks noGrp="1"/>
-          </p:cNvSpPr>
-          <p:nvPr>
-            <p:ph type="body" idx="1"/>
-          </p:nvPr>
-        </p:nvSpPr>
-        <p:spPr/>
-        <p:txBody>
-          <a:bodyPr/>
-          <a:lstStyle/>
-          <a:p>
-            <a:endParaRPr lang="en-US"/>
-          </a:p>
-        </p:txBody>
-      </p:sp>
-      <p:sp>
-        <p:nvSpPr>
-          <p:cNvPr id="4" name="Datumsplatzhalter 3"/>
-          <p:cNvSpPr>
-            <a:spLocks noGrp="1"/>
-          </p:cNvSpPr>
-          <p:nvPr>
-            <p:ph type="dt" sz="half" idx="10"/>
-          </p:nvPr>
-        </p:nvSpPr>
-        <p:spPr/>
-        <p:txBody>
-          <a:bodyPr/>
-          <a:lstStyle/>
-          <a:p>
-            <a:fld id="{296000BE-0612-4D88-A1AC-FF1287139C2E}" type="datetime1">
-              <a:rPr lang="de-DE" smtClean="0"/>
-              <a:t>20.06.2015</a:t>
-            </a:fld>
-            <a:endParaRPr lang="de-DE" dirty="0"/>
-          </a:p>
-        </p:txBody>
-      </p:sp>
-      <p:sp>
-        <p:nvSpPr>
-          <p:cNvPr id="5" name="Fußzeilenplatzhalter 4"/>
-          <p:cNvSpPr>
-            <a:spLocks noGrp="1"/>
-          </p:cNvSpPr>
-          <p:nvPr>
-            <p:ph type="ftr" sz="quarter" idx="11"/>
-          </p:nvPr>
-        </p:nvSpPr>
-        <p:spPr/>
-        <p:txBody>
-          <a:bodyPr/>
-          <a:lstStyle/>
-          <a:p>
-            <a:r>
-              <a:rPr lang="de-DE" smtClean="0"/>
-              <a:t>FM-Synthese</a:t>
-            </a:r>
-            <a:endParaRPr lang="de-DE" dirty="0"/>
-          </a:p>
-        </p:txBody>
-      </p:sp>
-      <p:sp>
-        <p:nvSpPr>
-          <p:cNvPr id="6" name="Foliennummernplatzhalter 5"/>
-          <p:cNvSpPr>
-            <a:spLocks noGrp="1"/>
-          </p:cNvSpPr>
-          <p:nvPr>
-            <p:ph type="sldNum" sz="quarter" idx="12"/>
-          </p:nvPr>
-        </p:nvSpPr>
-        <p:spPr/>
-        <p:txBody>
-          <a:bodyPr/>
-          <a:lstStyle/>
-          <a:p>
-            <a:fld id="{8740CB20-F870-467D-84CE-AB32061190A1}" type="slidenum">
-              <a:rPr lang="en-US" smtClean="0"/>
-              <a:t>20</a:t>
+              <a:t>14</a:t>
             </a:fld>
             <a:r>
               <a:rPr lang="de-DE" smtClean="0"/>
@@ -7576,7 +5951,7 @@
 </p:sld>
 </file>
 
-<file path=ppt/slides/slide21.xml><?xml version="1.0" encoding="utf-8"?>
+<file path=ppt/slides/slide15.xml><?xml version="1.0" encoding="utf-8"?>
 <p:sld xmlns:a="http://schemas.openxmlformats.org/drawingml/2006/main" xmlns:r="http://schemas.openxmlformats.org/officeDocument/2006/relationships" xmlns:p="http://schemas.openxmlformats.org/presentationml/2006/main">
   <p:cSld>
     <p:spTree>
@@ -7631,10 +6006,10 @@
           <a:bodyPr/>
           <a:lstStyle/>
           <a:p>
-            <a:fld id="{296000BE-0612-4D88-A1AC-FF1287139C2E}" type="datetime1">
+            <a:r>
               <a:rPr lang="de-DE" smtClean="0"/>
-              <a:t>20.06.2015</a:t>
-            </a:fld>
+              <a:t>23.06.2015</a:t>
+            </a:r>
             <a:endParaRPr lang="de-DE" dirty="0"/>
           </a:p>
         </p:txBody>
@@ -7679,7 +6054,7 @@
           <a:p>
             <a:fld id="{8740CB20-F870-467D-84CE-AB32061190A1}" type="slidenum">
               <a:rPr lang="en-US" smtClean="0"/>
-              <a:t>21</a:t>
+              <a:t>15</a:t>
             </a:fld>
             <a:r>
               <a:rPr lang="de-DE" smtClean="0"/>
@@ -7781,7 +6156,7 @@
 </p:sld>
 </file>
 
-<file path=ppt/slides/slide22.xml><?xml version="1.0" encoding="utf-8"?>
+<file path=ppt/slides/slide16.xml><?xml version="1.0" encoding="utf-8"?>
 <p:sld xmlns:a="http://schemas.openxmlformats.org/drawingml/2006/main" xmlns:r="http://schemas.openxmlformats.org/officeDocument/2006/relationships" xmlns:p="http://schemas.openxmlformats.org/presentationml/2006/main">
   <p:cSld>
     <p:spTree>
@@ -7871,10 +6246,10 @@
           <a:bodyPr/>
           <a:lstStyle/>
           <a:p>
-            <a:fld id="{296000BE-0612-4D88-A1AC-FF1287139C2E}" type="datetime1">
+            <a:r>
               <a:rPr lang="de-DE" smtClean="0"/>
-              <a:t>20.06.2015</a:t>
-            </a:fld>
+              <a:t>23.06.2015</a:t>
+            </a:r>
             <a:endParaRPr lang="de-DE" dirty="0"/>
           </a:p>
         </p:txBody>
@@ -7919,7 +6294,7 @@
           <a:p>
             <a:fld id="{8740CB20-F870-467D-84CE-AB32061190A1}" type="slidenum">
               <a:rPr lang="en-US" smtClean="0"/>
-              <a:t>22</a:t>
+              <a:t>16</a:t>
             </a:fld>
             <a:r>
               <a:rPr lang="de-DE" smtClean="0"/>
@@ -7961,7 +6336,7 @@
 </p:sld>
 </file>
 
-<file path=ppt/slides/slide23.xml><?xml version="1.0" encoding="utf-8"?>
+<file path=ppt/slides/slide17.xml><?xml version="1.0" encoding="utf-8"?>
 <p:sld xmlns:a="http://schemas.openxmlformats.org/drawingml/2006/main" xmlns:r="http://schemas.openxmlformats.org/officeDocument/2006/relationships" xmlns:p="http://schemas.openxmlformats.org/presentationml/2006/main">
   <p:cSld>
     <p:spTree>
@@ -8024,79 +6399,6 @@
               <a:t>Aufmerksamkeit</a:t>
             </a:r>
             <a:endParaRPr lang="en-US" dirty="0"/>
-          </a:p>
-        </p:txBody>
-      </p:sp>
-      <p:sp>
-        <p:nvSpPr>
-          <p:cNvPr id="4" name="Datumsplatzhalter 3"/>
-          <p:cNvSpPr>
-            <a:spLocks noGrp="1"/>
-          </p:cNvSpPr>
-          <p:nvPr>
-            <p:ph type="dt" sz="half" idx="10"/>
-          </p:nvPr>
-        </p:nvSpPr>
-        <p:spPr/>
-        <p:txBody>
-          <a:bodyPr/>
-          <a:lstStyle/>
-          <a:p>
-            <a:fld id="{296000BE-0612-4D88-A1AC-FF1287139C2E}" type="datetime1">
-              <a:rPr lang="de-DE" smtClean="0"/>
-              <a:t>20.06.2015</a:t>
-            </a:fld>
-            <a:endParaRPr lang="de-DE" dirty="0"/>
-          </a:p>
-        </p:txBody>
-      </p:sp>
-      <p:sp>
-        <p:nvSpPr>
-          <p:cNvPr id="5" name="Fußzeilenplatzhalter 4"/>
-          <p:cNvSpPr>
-            <a:spLocks noGrp="1"/>
-          </p:cNvSpPr>
-          <p:nvPr>
-            <p:ph type="ftr" sz="quarter" idx="11"/>
-          </p:nvPr>
-        </p:nvSpPr>
-        <p:spPr/>
-        <p:txBody>
-          <a:bodyPr/>
-          <a:lstStyle/>
-          <a:p>
-            <a:r>
-              <a:rPr lang="de-DE" smtClean="0"/>
-              <a:t>FM-Synthese</a:t>
-            </a:r>
-            <a:endParaRPr lang="de-DE" dirty="0"/>
-          </a:p>
-        </p:txBody>
-      </p:sp>
-      <p:sp>
-        <p:nvSpPr>
-          <p:cNvPr id="6" name="Foliennummernplatzhalter 5"/>
-          <p:cNvSpPr>
-            <a:spLocks noGrp="1"/>
-          </p:cNvSpPr>
-          <p:nvPr>
-            <p:ph type="sldNum" sz="quarter" idx="12"/>
-          </p:nvPr>
-        </p:nvSpPr>
-        <p:spPr/>
-        <p:txBody>
-          <a:bodyPr/>
-          <a:lstStyle/>
-          <a:p>
-            <a:fld id="{8740CB20-F870-467D-84CE-AB32061190A1}" type="slidenum">
-              <a:rPr lang="en-US" smtClean="0"/>
-              <a:t>23</a:t>
-            </a:fld>
-            <a:r>
-              <a:rPr lang="de-DE" smtClean="0"/>
-              <a:t>   </a:t>
-            </a:r>
-            <a:endParaRPr lang="de-DE" dirty="0"/>
           </a:p>
         </p:txBody>
       </p:sp>
@@ -8132,7 +6434,7 @@
 </p:sld>
 </file>
 
-<file path=ppt/slides/slide24.xml><?xml version="1.0" encoding="utf-8"?>
+<file path=ppt/slides/slide18.xml><?xml version="1.0" encoding="utf-8"?>
 <p:sld xmlns:a="http://schemas.openxmlformats.org/drawingml/2006/main" xmlns:r="http://schemas.openxmlformats.org/officeDocument/2006/relationships" xmlns:p="http://schemas.openxmlformats.org/presentationml/2006/main">
   <p:cSld>
     <p:spTree>
@@ -8187,10 +6489,10 @@
           <a:bodyPr/>
           <a:lstStyle/>
           <a:p>
-            <a:fld id="{296000BE-0612-4D88-A1AC-FF1287139C2E}" type="datetime1">
+            <a:r>
               <a:rPr lang="de-DE" smtClean="0"/>
-              <a:t>20.06.2015</a:t>
-            </a:fld>
+              <a:t>23.06.2015</a:t>
+            </a:r>
             <a:endParaRPr lang="de-DE" dirty="0"/>
           </a:p>
         </p:txBody>
@@ -8235,7 +6537,7 @@
           <a:p>
             <a:fld id="{8740CB20-F870-467D-84CE-AB32061190A1}" type="slidenum">
               <a:rPr lang="en-US" smtClean="0"/>
-              <a:t>24</a:t>
+              <a:t>18</a:t>
             </a:fld>
             <a:r>
               <a:rPr lang="de-DE" smtClean="0"/>
@@ -8412,6 +6714,718 @@
 </p:sld>
 </file>
 
+<file path=ppt/slides/slide19.xml><?xml version="1.0" encoding="utf-8"?>
+<p:sld xmlns:a="http://schemas.openxmlformats.org/drawingml/2006/main" xmlns:r="http://schemas.openxmlformats.org/officeDocument/2006/relationships" xmlns:p="http://schemas.openxmlformats.org/presentationml/2006/main" show="0">
+  <p:cSld>
+    <p:spTree>
+      <p:nvGrpSpPr>
+        <p:cNvPr id="1" name=""/>
+        <p:cNvGrpSpPr/>
+        <p:nvPr/>
+      </p:nvGrpSpPr>
+      <p:grpSpPr>
+        <a:xfrm>
+          <a:off x="0" y="0"/>
+          <a:ext cx="0" cy="0"/>
+          <a:chOff x="0" y="0"/>
+          <a:chExt cx="0" cy="0"/>
+        </a:xfrm>
+      </p:grpSpPr>
+      <p:sp>
+        <p:nvSpPr>
+          <p:cNvPr id="2" name="Titel 1"/>
+          <p:cNvSpPr>
+            <a:spLocks noGrp="1"/>
+          </p:cNvSpPr>
+          <p:nvPr>
+            <p:ph type="title"/>
+          </p:nvPr>
+        </p:nvSpPr>
+        <p:spPr/>
+        <p:txBody>
+          <a:bodyPr/>
+          <a:lstStyle/>
+          <a:p>
+            <a:r>
+              <a:rPr lang="de-DE" dirty="0" err="1" smtClean="0"/>
+              <a:t>Raumhall</a:t>
+            </a:r>
+            <a:endParaRPr lang="en-US" dirty="0"/>
+          </a:p>
+        </p:txBody>
+      </p:sp>
+      <p:sp>
+        <p:nvSpPr>
+          <p:cNvPr id="3" name="Inhaltsplatzhalter 2"/>
+          <p:cNvSpPr>
+            <a:spLocks noGrp="1"/>
+          </p:cNvSpPr>
+          <p:nvPr>
+            <p:ph idx="1"/>
+          </p:nvPr>
+        </p:nvSpPr>
+        <p:spPr/>
+        <p:txBody>
+          <a:bodyPr/>
+          <a:lstStyle/>
+          <a:p>
+            <a:r>
+              <a:rPr lang="de-DE" dirty="0" smtClean="0"/>
+              <a:t>Schall wird diffus reflektiert</a:t>
+            </a:r>
+          </a:p>
+          <a:p>
+            <a:r>
+              <a:rPr lang="de-DE" dirty="0" smtClean="0"/>
+              <a:t>unendlich viele Echos entstehen</a:t>
+            </a:r>
+            <a:endParaRPr lang="en-US" dirty="0"/>
+          </a:p>
+        </p:txBody>
+      </p:sp>
+      <p:sp>
+        <p:nvSpPr>
+          <p:cNvPr id="4" name="Datumsplatzhalter 3"/>
+          <p:cNvSpPr>
+            <a:spLocks noGrp="1"/>
+          </p:cNvSpPr>
+          <p:nvPr>
+            <p:ph type="dt" sz="half" idx="10"/>
+          </p:nvPr>
+        </p:nvSpPr>
+        <p:spPr/>
+        <p:txBody>
+          <a:bodyPr/>
+          <a:lstStyle/>
+          <a:p>
+            <a:r>
+              <a:rPr lang="de-DE" smtClean="0"/>
+              <a:t>23.06.2015</a:t>
+            </a:r>
+            <a:endParaRPr lang="de-DE" dirty="0"/>
+          </a:p>
+        </p:txBody>
+      </p:sp>
+      <p:sp>
+        <p:nvSpPr>
+          <p:cNvPr id="5" name="Fußzeilenplatzhalter 4"/>
+          <p:cNvSpPr>
+            <a:spLocks noGrp="1"/>
+          </p:cNvSpPr>
+          <p:nvPr>
+            <p:ph type="ftr" sz="quarter" idx="11"/>
+          </p:nvPr>
+        </p:nvSpPr>
+        <p:spPr/>
+        <p:txBody>
+          <a:bodyPr/>
+          <a:lstStyle/>
+          <a:p>
+            <a:r>
+              <a:rPr lang="de-DE" smtClean="0"/>
+              <a:t>FM-Synthese</a:t>
+            </a:r>
+            <a:endParaRPr lang="de-DE" dirty="0"/>
+          </a:p>
+        </p:txBody>
+      </p:sp>
+      <p:sp>
+        <p:nvSpPr>
+          <p:cNvPr id="6" name="Foliennummernplatzhalter 5"/>
+          <p:cNvSpPr>
+            <a:spLocks noGrp="1"/>
+          </p:cNvSpPr>
+          <p:nvPr>
+            <p:ph type="sldNum" sz="quarter" idx="12"/>
+          </p:nvPr>
+        </p:nvSpPr>
+        <p:spPr/>
+        <p:txBody>
+          <a:bodyPr/>
+          <a:lstStyle/>
+          <a:p>
+            <a:fld id="{8740CB20-F870-467D-84CE-AB32061190A1}" type="slidenum">
+              <a:rPr lang="en-US" smtClean="0"/>
+              <a:t>19</a:t>
+            </a:fld>
+            <a:r>
+              <a:rPr lang="de-DE" smtClean="0"/>
+              <a:t>   </a:t>
+            </a:r>
+            <a:endParaRPr lang="de-DE" dirty="0"/>
+          </a:p>
+        </p:txBody>
+      </p:sp>
+      <p:pic>
+        <p:nvPicPr>
+          <p:cNvPr id="7" name="Grafik 6"/>
+          <p:cNvPicPr>
+            <a:picLocks noChangeAspect="1"/>
+          </p:cNvPicPr>
+          <p:nvPr/>
+        </p:nvPicPr>
+        <p:blipFill>
+          <a:blip r:embed="rId2"/>
+          <a:stretch>
+            <a:fillRect/>
+          </a:stretch>
+        </p:blipFill>
+        <p:spPr>
+          <a:xfrm>
+            <a:off x="2189792" y="2283718"/>
+            <a:ext cx="4779696" cy="2007168"/>
+          </a:xfrm>
+          <a:prstGeom prst="rect">
+            <a:avLst/>
+          </a:prstGeom>
+        </p:spPr>
+      </p:pic>
+      <p:sp>
+        <p:nvSpPr>
+          <p:cNvPr id="8" name="Textfeld 7"/>
+          <p:cNvSpPr txBox="1"/>
+          <p:nvPr/>
+        </p:nvSpPr>
+        <p:spPr>
+          <a:xfrm>
+            <a:off x="2189792" y="4290886"/>
+            <a:ext cx="5976664" cy="276999"/>
+          </a:xfrm>
+          <a:prstGeom prst="rect">
+            <a:avLst/>
+          </a:prstGeom>
+          <a:noFill/>
+        </p:spPr>
+        <p:txBody>
+          <a:bodyPr wrap="square" rtlCol="0">
+            <a:spAutoFit/>
+          </a:bodyPr>
+          <a:lstStyle/>
+          <a:p>
+            <a:r>
+              <a:rPr lang="de-DE" sz="1200" dirty="0" smtClean="0"/>
+              <a:t>Quelle: Computergestützte Audio und Videotechnik [Sto11]</a:t>
+            </a:r>
+            <a:endParaRPr lang="en-US" sz="1200" dirty="0"/>
+          </a:p>
+        </p:txBody>
+      </p:sp>
+    </p:spTree>
+    <p:extLst>
+      <p:ext uri="{BB962C8B-B14F-4D97-AF65-F5344CB8AC3E}">
+        <p14:creationId xmlns:p14="http://schemas.microsoft.com/office/powerpoint/2010/main" val="253928005"/>
+      </p:ext>
+    </p:extLst>
+  </p:cSld>
+  <p:clrMapOvr>
+    <a:masterClrMapping/>
+  </p:clrMapOvr>
+  <mc:AlternateContent xmlns:mc="http://schemas.openxmlformats.org/markup-compatibility/2006">
+    <mc:Choice xmlns:p14="http://schemas.microsoft.com/office/powerpoint/2010/main" Requires="p14">
+      <p:transition spd="med" p14:dur="700">
+        <p:fade/>
+      </p:transition>
+    </mc:Choice>
+    <mc:Fallback>
+      <p:transition spd="med">
+        <p:fade/>
+      </p:transition>
+    </mc:Fallback>
+  </mc:AlternateContent>
+  <p:timing>
+    <p:tnLst>
+      <p:par>
+        <p:cTn id="1" dur="indefinite" restart="never" nodeType="tmRoot">
+          <p:childTnLst>
+            <p:seq concurrent="1" nextAc="seek">
+              <p:cTn id="2" dur="indefinite" nodeType="mainSeq">
+                <p:childTnLst>
+                  <p:par>
+                    <p:cTn id="3" fill="hold">
+                      <p:stCondLst>
+                        <p:cond delay="indefinite"/>
+                      </p:stCondLst>
+                      <p:childTnLst>
+                        <p:par>
+                          <p:cTn id="4" fill="hold">
+                            <p:stCondLst>
+                              <p:cond delay="0"/>
+                            </p:stCondLst>
+                            <p:childTnLst>
+                              <p:par>
+                                <p:cTn id="5" presetID="10" presetClass="entr" presetSubtype="0" fill="hold" nodeType="clickEffect">
+                                  <p:stCondLst>
+                                    <p:cond delay="0"/>
+                                  </p:stCondLst>
+                                  <p:childTnLst>
+                                    <p:set>
+                                      <p:cBhvr>
+                                        <p:cTn id="6" dur="1" fill="hold">
+                                          <p:stCondLst>
+                                            <p:cond delay="0"/>
+                                          </p:stCondLst>
+                                        </p:cTn>
+                                        <p:tgtEl>
+                                          <p:spTgt spid="7"/>
+                                        </p:tgtEl>
+                                        <p:attrNameLst>
+                                          <p:attrName>style.visibility</p:attrName>
+                                        </p:attrNameLst>
+                                      </p:cBhvr>
+                                      <p:to>
+                                        <p:strVal val="visible"/>
+                                      </p:to>
+                                    </p:set>
+                                    <p:animEffect transition="in" filter="fade">
+                                      <p:cBhvr>
+                                        <p:cTn id="7" dur="500"/>
+                                        <p:tgtEl>
+                                          <p:spTgt spid="7"/>
+                                        </p:tgtEl>
+                                      </p:cBhvr>
+                                    </p:animEffect>
+                                  </p:childTnLst>
+                                </p:cTn>
+                              </p:par>
+                              <p:par>
+                                <p:cTn id="8" presetID="10" presetClass="entr" presetSubtype="0" fill="hold" grpId="0" nodeType="withEffect">
+                                  <p:stCondLst>
+                                    <p:cond delay="0"/>
+                                  </p:stCondLst>
+                                  <p:childTnLst>
+                                    <p:set>
+                                      <p:cBhvr>
+                                        <p:cTn id="9" dur="1" fill="hold">
+                                          <p:stCondLst>
+                                            <p:cond delay="0"/>
+                                          </p:stCondLst>
+                                        </p:cTn>
+                                        <p:tgtEl>
+                                          <p:spTgt spid="8"/>
+                                        </p:tgtEl>
+                                        <p:attrNameLst>
+                                          <p:attrName>style.visibility</p:attrName>
+                                        </p:attrNameLst>
+                                      </p:cBhvr>
+                                      <p:to>
+                                        <p:strVal val="visible"/>
+                                      </p:to>
+                                    </p:set>
+                                    <p:animEffect transition="in" filter="fade">
+                                      <p:cBhvr>
+                                        <p:cTn id="10" dur="500"/>
+                                        <p:tgtEl>
+                                          <p:spTgt spid="8"/>
+                                        </p:tgtEl>
+                                      </p:cBhvr>
+                                    </p:animEffect>
+                                  </p:childTnLst>
+                                </p:cTn>
+                              </p:par>
+                            </p:childTnLst>
+                          </p:cTn>
+                        </p:par>
+                      </p:childTnLst>
+                    </p:cTn>
+                  </p:par>
+                </p:childTnLst>
+              </p:cTn>
+              <p:prevCondLst>
+                <p:cond evt="onPrev" delay="0">
+                  <p:tgtEl>
+                    <p:sldTgt/>
+                  </p:tgtEl>
+                </p:cond>
+              </p:prevCondLst>
+              <p:nextCondLst>
+                <p:cond evt="onNext" delay="0">
+                  <p:tgtEl>
+                    <p:sldTgt/>
+                  </p:tgtEl>
+                </p:cond>
+              </p:nextCondLst>
+            </p:seq>
+          </p:childTnLst>
+        </p:cTn>
+      </p:par>
+    </p:tnLst>
+    <p:bldLst>
+      <p:bldP spid="8" grpId="0"/>
+    </p:bldLst>
+  </p:timing>
+</p:sld>
+</file>
+
+<file path=ppt/slides/slide2.xml><?xml version="1.0" encoding="utf-8"?>
+<p:sld xmlns:a="http://schemas.openxmlformats.org/drawingml/2006/main" xmlns:r="http://schemas.openxmlformats.org/officeDocument/2006/relationships" xmlns:p="http://schemas.openxmlformats.org/presentationml/2006/main">
+  <p:cSld>
+    <p:spTree>
+      <p:nvGrpSpPr>
+        <p:cNvPr id="1" name=""/>
+        <p:cNvGrpSpPr/>
+        <p:nvPr/>
+      </p:nvGrpSpPr>
+      <p:grpSpPr>
+        <a:xfrm>
+          <a:off x="0" y="0"/>
+          <a:ext cx="0" cy="0"/>
+          <a:chOff x="0" y="0"/>
+          <a:chExt cx="0" cy="0"/>
+        </a:xfrm>
+      </p:grpSpPr>
+      <p:sp>
+        <p:nvSpPr>
+          <p:cNvPr id="9" name="Titel 1"/>
+          <p:cNvSpPr>
+            <a:spLocks noGrp="1"/>
+          </p:cNvSpPr>
+          <p:nvPr>
+            <p:ph type="title"/>
+          </p:nvPr>
+        </p:nvSpPr>
+        <p:spPr/>
+        <p:txBody>
+          <a:bodyPr/>
+          <a:lstStyle/>
+          <a:p>
+            <a:r>
+              <a:rPr lang="de-DE" dirty="0" smtClean="0"/>
+              <a:t>Gliederung</a:t>
+            </a:r>
+            <a:endParaRPr lang="de-DE" dirty="0"/>
+          </a:p>
+        </p:txBody>
+      </p:sp>
+      <p:sp>
+        <p:nvSpPr>
+          <p:cNvPr id="10" name="Inhaltsplatzhalter 2"/>
+          <p:cNvSpPr txBox="1">
+            <a:spLocks/>
+          </p:cNvSpPr>
+          <p:nvPr/>
+        </p:nvSpPr>
+        <p:spPr>
+          <a:xfrm>
+            <a:off x="457200" y="1200151"/>
+            <a:ext cx="8229600" cy="3394472"/>
+          </a:xfrm>
+          <a:prstGeom prst="rect">
+            <a:avLst/>
+          </a:prstGeom>
+        </p:spPr>
+        <p:txBody>
+          <a:bodyPr vert="horz" lIns="91440" tIns="45720" rIns="91440" bIns="45720" rtlCol="0">
+            <a:normAutofit/>
+          </a:bodyPr>
+          <a:lstStyle>
+            <a:lvl1pPr marL="0" indent="0" algn="ctr" defTabSz="914400" rtl="0" eaLnBrk="1" latinLnBrk="0" hangingPunct="1">
+              <a:spcBef>
+                <a:spcPct val="20000"/>
+              </a:spcBef>
+              <a:buFont typeface="Arial" pitchFamily="34" charset="0"/>
+              <a:buNone/>
+              <a:defRPr sz="2800" kern="1200">
+                <a:solidFill>
+                  <a:schemeClr val="tx1">
+                    <a:tint val="75000"/>
+                  </a:schemeClr>
+                </a:solidFill>
+                <a:latin typeface="Lato" panose="020F0502020204030203" pitchFamily="34" charset="0"/>
+                <a:ea typeface="+mn-ea"/>
+                <a:cs typeface="+mn-cs"/>
+              </a:defRPr>
+            </a:lvl1pPr>
+            <a:lvl2pPr marL="457200" indent="0" algn="ctr" defTabSz="914400" rtl="0" eaLnBrk="1" latinLnBrk="0" hangingPunct="1">
+              <a:spcBef>
+                <a:spcPct val="20000"/>
+              </a:spcBef>
+              <a:buFont typeface="Arial" pitchFamily="34" charset="0"/>
+              <a:buNone/>
+              <a:defRPr sz="2000" kern="1200">
+                <a:solidFill>
+                  <a:schemeClr val="tx1">
+                    <a:tint val="75000"/>
+                  </a:schemeClr>
+                </a:solidFill>
+                <a:latin typeface="Lato" panose="020F0502020204030203" pitchFamily="34" charset="0"/>
+                <a:ea typeface="+mn-ea"/>
+                <a:cs typeface="+mn-cs"/>
+              </a:defRPr>
+            </a:lvl2pPr>
+            <a:lvl3pPr marL="914400" indent="0" algn="ctr" defTabSz="914400" rtl="0" eaLnBrk="1" latinLnBrk="0" hangingPunct="1">
+              <a:spcBef>
+                <a:spcPct val="20000"/>
+              </a:spcBef>
+              <a:buFont typeface="Arial" pitchFamily="34" charset="0"/>
+              <a:buNone/>
+              <a:defRPr sz="1600" kern="1200">
+                <a:solidFill>
+                  <a:schemeClr val="tx1">
+                    <a:tint val="75000"/>
+                  </a:schemeClr>
+                </a:solidFill>
+                <a:latin typeface="Lato" panose="020F0502020204030203" pitchFamily="34" charset="0"/>
+                <a:ea typeface="+mn-ea"/>
+                <a:cs typeface="+mn-cs"/>
+              </a:defRPr>
+            </a:lvl3pPr>
+            <a:lvl4pPr marL="1371600" indent="0" algn="ctr" defTabSz="914400" rtl="0" eaLnBrk="1" latinLnBrk="0" hangingPunct="1">
+              <a:spcBef>
+                <a:spcPct val="20000"/>
+              </a:spcBef>
+              <a:buFont typeface="Arial" pitchFamily="34" charset="0"/>
+              <a:buNone/>
+              <a:defRPr sz="1400" kern="1200">
+                <a:solidFill>
+                  <a:schemeClr val="tx1">
+                    <a:tint val="75000"/>
+                  </a:schemeClr>
+                </a:solidFill>
+                <a:latin typeface="Lato" panose="020F0502020204030203" pitchFamily="34" charset="0"/>
+                <a:ea typeface="+mn-ea"/>
+                <a:cs typeface="+mn-cs"/>
+              </a:defRPr>
+            </a:lvl4pPr>
+            <a:lvl5pPr marL="1828800" indent="0" algn="ctr" defTabSz="914400" rtl="0" eaLnBrk="1" latinLnBrk="0" hangingPunct="1">
+              <a:spcBef>
+                <a:spcPct val="20000"/>
+              </a:spcBef>
+              <a:buFont typeface="Arial" pitchFamily="34" charset="0"/>
+              <a:buNone/>
+              <a:defRPr sz="1400" kern="1200">
+                <a:solidFill>
+                  <a:schemeClr val="tx1">
+                    <a:tint val="75000"/>
+                  </a:schemeClr>
+                </a:solidFill>
+                <a:latin typeface="Lato" panose="020F0502020204030203" pitchFamily="34" charset="0"/>
+                <a:ea typeface="+mn-ea"/>
+                <a:cs typeface="+mn-cs"/>
+              </a:defRPr>
+            </a:lvl5pPr>
+            <a:lvl6pPr marL="2286000" indent="0" algn="ctr" defTabSz="914400" rtl="0" eaLnBrk="1" latinLnBrk="0" hangingPunct="1">
+              <a:spcBef>
+                <a:spcPct val="20000"/>
+              </a:spcBef>
+              <a:buFont typeface="Arial" pitchFamily="34" charset="0"/>
+              <a:buNone/>
+              <a:defRPr sz="2000" kern="1200">
+                <a:solidFill>
+                  <a:schemeClr val="tx1">
+                    <a:tint val="75000"/>
+                  </a:schemeClr>
+                </a:solidFill>
+                <a:latin typeface="+mn-lt"/>
+                <a:ea typeface="+mn-ea"/>
+                <a:cs typeface="+mn-cs"/>
+              </a:defRPr>
+            </a:lvl6pPr>
+            <a:lvl7pPr marL="2743200" indent="0" algn="ctr" defTabSz="914400" rtl="0" eaLnBrk="1" latinLnBrk="0" hangingPunct="1">
+              <a:spcBef>
+                <a:spcPct val="20000"/>
+              </a:spcBef>
+              <a:buFont typeface="Arial" pitchFamily="34" charset="0"/>
+              <a:buNone/>
+              <a:defRPr sz="2000" kern="1200">
+                <a:solidFill>
+                  <a:schemeClr val="tx1">
+                    <a:tint val="75000"/>
+                  </a:schemeClr>
+                </a:solidFill>
+                <a:latin typeface="+mn-lt"/>
+                <a:ea typeface="+mn-ea"/>
+                <a:cs typeface="+mn-cs"/>
+              </a:defRPr>
+            </a:lvl7pPr>
+            <a:lvl8pPr marL="3200400" indent="0" algn="ctr" defTabSz="914400" rtl="0" eaLnBrk="1" latinLnBrk="0" hangingPunct="1">
+              <a:spcBef>
+                <a:spcPct val="20000"/>
+              </a:spcBef>
+              <a:buFont typeface="Arial" pitchFamily="34" charset="0"/>
+              <a:buNone/>
+              <a:defRPr sz="2000" kern="1200">
+                <a:solidFill>
+                  <a:schemeClr val="tx1">
+                    <a:tint val="75000"/>
+                  </a:schemeClr>
+                </a:solidFill>
+                <a:latin typeface="+mn-lt"/>
+                <a:ea typeface="+mn-ea"/>
+                <a:cs typeface="+mn-cs"/>
+              </a:defRPr>
+            </a:lvl8pPr>
+            <a:lvl9pPr marL="3657600" indent="0" algn="ctr" defTabSz="914400" rtl="0" eaLnBrk="1" latinLnBrk="0" hangingPunct="1">
+              <a:spcBef>
+                <a:spcPct val="20000"/>
+              </a:spcBef>
+              <a:buFont typeface="Arial" pitchFamily="34" charset="0"/>
+              <a:buNone/>
+              <a:defRPr sz="2000" kern="1200">
+                <a:solidFill>
+                  <a:schemeClr val="tx1">
+                    <a:tint val="75000"/>
+                  </a:schemeClr>
+                </a:solidFill>
+                <a:latin typeface="+mn-lt"/>
+                <a:ea typeface="+mn-ea"/>
+                <a:cs typeface="+mn-cs"/>
+              </a:defRPr>
+            </a:lvl9pPr>
+          </a:lstStyle>
+          <a:p>
+            <a:pPr marL="457200" indent="-457200" algn="l">
+              <a:buFont typeface="Arial" panose="020B0604020202020204" pitchFamily="34" charset="0"/>
+              <a:buChar char="•"/>
+            </a:pPr>
+            <a:r>
+              <a:rPr lang="de-DE" dirty="0" smtClean="0">
+                <a:solidFill>
+                  <a:schemeClr val="tx1"/>
+                </a:solidFill>
+              </a:rPr>
+              <a:t>Tonnachbildung Theorie</a:t>
+            </a:r>
+          </a:p>
+          <a:p>
+            <a:pPr marL="457200" indent="-457200" algn="l">
+              <a:buFont typeface="Arial" panose="020B0604020202020204" pitchFamily="34" charset="0"/>
+              <a:buChar char="•"/>
+            </a:pPr>
+            <a:r>
+              <a:rPr lang="de-DE" dirty="0" smtClean="0">
+                <a:solidFill>
+                  <a:schemeClr val="tx1"/>
+                </a:solidFill>
+              </a:rPr>
+              <a:t>Tonnachbildung Praxis</a:t>
+            </a:r>
+            <a:endParaRPr lang="de-DE" dirty="0">
+              <a:solidFill>
+                <a:schemeClr val="tx1"/>
+              </a:solidFill>
+            </a:endParaRPr>
+          </a:p>
+          <a:p>
+            <a:pPr marL="457200" indent="-457200" algn="l">
+              <a:buFont typeface="Arial" panose="020B0604020202020204" pitchFamily="34" charset="0"/>
+              <a:buChar char="•"/>
+            </a:pPr>
+            <a:r>
+              <a:rPr lang="de-DE" dirty="0" smtClean="0">
+                <a:solidFill>
+                  <a:schemeClr val="tx1"/>
+                </a:solidFill>
+              </a:rPr>
+              <a:t>FM-Synthesizer in C++</a:t>
+            </a:r>
+            <a:endParaRPr lang="de-DE" dirty="0">
+              <a:solidFill>
+                <a:schemeClr val="tx1"/>
+              </a:solidFill>
+            </a:endParaRPr>
+          </a:p>
+        </p:txBody>
+      </p:sp>
+      <p:sp>
+        <p:nvSpPr>
+          <p:cNvPr id="3" name="Datumsplatzhalter 2"/>
+          <p:cNvSpPr>
+            <a:spLocks noGrp="1"/>
+          </p:cNvSpPr>
+          <p:nvPr>
+            <p:ph type="dt" sz="half" idx="10"/>
+          </p:nvPr>
+        </p:nvSpPr>
+        <p:spPr/>
+        <p:txBody>
+          <a:bodyPr/>
+          <a:lstStyle/>
+          <a:p>
+            <a:r>
+              <a:rPr lang="de-DE" smtClean="0"/>
+              <a:t>23.06.2015</a:t>
+            </a:r>
+            <a:endParaRPr lang="de-DE" dirty="0"/>
+          </a:p>
+        </p:txBody>
+      </p:sp>
+      <p:sp>
+        <p:nvSpPr>
+          <p:cNvPr id="4" name="Fußzeilenplatzhalter 3"/>
+          <p:cNvSpPr>
+            <a:spLocks noGrp="1"/>
+          </p:cNvSpPr>
+          <p:nvPr>
+            <p:ph type="ftr" sz="quarter" idx="11"/>
+          </p:nvPr>
+        </p:nvSpPr>
+        <p:spPr/>
+        <p:txBody>
+          <a:bodyPr/>
+          <a:lstStyle/>
+          <a:p>
+            <a:r>
+              <a:rPr lang="de-DE" smtClean="0"/>
+              <a:t>FM-Synthese</a:t>
+            </a:r>
+            <a:endParaRPr lang="de-DE" dirty="0"/>
+          </a:p>
+        </p:txBody>
+      </p:sp>
+      <p:sp>
+        <p:nvSpPr>
+          <p:cNvPr id="5" name="Foliennummernplatzhalter 4"/>
+          <p:cNvSpPr>
+            <a:spLocks noGrp="1"/>
+          </p:cNvSpPr>
+          <p:nvPr>
+            <p:ph type="sldNum" sz="quarter" idx="12"/>
+          </p:nvPr>
+        </p:nvSpPr>
+        <p:spPr/>
+        <p:txBody>
+          <a:bodyPr/>
+          <a:lstStyle/>
+          <a:p>
+            <a:fld id="{8740CB20-F870-467D-84CE-AB32061190A1}" type="slidenum">
+              <a:rPr lang="en-US" smtClean="0"/>
+              <a:t>2</a:t>
+            </a:fld>
+            <a:r>
+              <a:rPr lang="de-DE" smtClean="0"/>
+              <a:t>   </a:t>
+            </a:r>
+            <a:endParaRPr lang="de-DE" dirty="0"/>
+          </a:p>
+        </p:txBody>
+      </p:sp>
+    </p:spTree>
+  </p:cSld>
+  <p:clrMapOvr>
+    <a:masterClrMapping/>
+  </p:clrMapOvr>
+  <mc:AlternateContent xmlns:mc="http://schemas.openxmlformats.org/markup-compatibility/2006" xmlns:p14="http://schemas.microsoft.com/office/powerpoint/2010/main">
+    <mc:Choice Requires="p14">
+      <p:transition spd="med" p14:dur="700">
+        <p:fade/>
+      </p:transition>
+    </mc:Choice>
+    <mc:Fallback xmlns="">
+      <p:transition spd="med">
+        <p:fade/>
+      </p:transition>
+    </mc:Fallback>
+  </mc:AlternateContent>
+  <p:timing>
+    <p:tnLst>
+      <p:par>
+        <p:cTn id="1" dur="indefinite" restart="never" nodeType="tmRoot"/>
+      </p:par>
+    </p:tnLst>
+  </p:timing>
+</p:sld>
+</file>
+
 <file path=ppt/slides/slide3.xml><?xml version="1.0" encoding="utf-8"?>
 <p:sld xmlns:a="http://schemas.openxmlformats.org/drawingml/2006/main" xmlns:r="http://schemas.openxmlformats.org/officeDocument/2006/relationships" xmlns:p="http://schemas.openxmlformats.org/presentationml/2006/main">
   <p:cSld>
@@ -8486,10 +7500,10 @@
           <a:bodyPr/>
           <a:lstStyle/>
           <a:p>
-            <a:fld id="{D63A8337-BE16-45CB-AB94-830A8AFD22E2}" type="datetime1">
+            <a:r>
               <a:rPr lang="de-DE" smtClean="0"/>
-              <a:t>20.06.2015</a:t>
-            </a:fld>
+              <a:t>23.06.2015</a:t>
+            </a:r>
             <a:endParaRPr lang="de-DE"/>
           </a:p>
         </p:txBody>
@@ -8661,10 +7675,10 @@
           <a:bodyPr/>
           <a:lstStyle/>
           <a:p>
-            <a:fld id="{C80D71F6-99A2-4718-B360-65885A8D0927}" type="datetime1">
+            <a:r>
               <a:rPr lang="de-DE" smtClean="0"/>
-              <a:t>21.06.2015</a:t>
-            </a:fld>
+              <a:t>23.06.2015</a:t>
+            </a:r>
             <a:endParaRPr lang="de-DE"/>
           </a:p>
         </p:txBody>
@@ -8755,13 +7769,13 @@
   <p:clrMapOvr>
     <a:masterClrMapping/>
   </p:clrMapOvr>
-  <mc:AlternateContent xmlns:mc="http://schemas.openxmlformats.org/markup-compatibility/2006">
-    <mc:Choice xmlns:p14="http://schemas.microsoft.com/office/powerpoint/2010/main" Requires="p14">
+  <mc:AlternateContent xmlns:mc="http://schemas.openxmlformats.org/markup-compatibility/2006" xmlns:p14="http://schemas.microsoft.com/office/powerpoint/2010/main">
+    <mc:Choice Requires="p14">
       <p:transition spd="med" p14:dur="700">
         <p:fade/>
       </p:transition>
     </mc:Choice>
-    <mc:Fallback>
+    <mc:Fallback xmlns="">
       <p:transition spd="med">
         <p:fade/>
       </p:transition>
@@ -8986,10 +8000,10 @@
           <a:bodyPr/>
           <a:lstStyle/>
           <a:p>
-            <a:fld id="{296000BE-0612-4D88-A1AC-FF1287139C2E}" type="datetime1">
+            <a:r>
               <a:rPr lang="de-DE" smtClean="0"/>
-              <a:t>20.06.2015</a:t>
-            </a:fld>
+              <a:t>23.06.2015</a:t>
+            </a:r>
             <a:endParaRPr lang="de-DE" dirty="0"/>
           </a:p>
         </p:txBody>
@@ -9923,10 +8937,10 @@
           <a:bodyPr/>
           <a:lstStyle/>
           <a:p>
-            <a:fld id="{296000BE-0612-4D88-A1AC-FF1287139C2E}" type="datetime1">
+            <a:r>
               <a:rPr lang="de-DE" smtClean="0"/>
-              <a:t>20.06.2015</a:t>
-            </a:fld>
+              <a:t>23.06.2015</a:t>
+            </a:r>
             <a:endParaRPr lang="de-DE" dirty="0"/>
           </a:p>
         </p:txBody>
@@ -10386,10 +9400,10 @@
           <a:bodyPr/>
           <a:lstStyle/>
           <a:p>
-            <a:fld id="{296000BE-0612-4D88-A1AC-FF1287139C2E}" type="datetime1">
+            <a:r>
               <a:rPr lang="de-DE" smtClean="0"/>
-              <a:t>20.06.2015</a:t>
-            </a:fld>
+              <a:t>23.06.2015</a:t>
+            </a:r>
             <a:endParaRPr lang="de-DE" dirty="0"/>
           </a:p>
         </p:txBody>
@@ -11092,10 +10106,10 @@
           <a:bodyPr/>
           <a:lstStyle/>
           <a:p>
-            <a:fld id="{296000BE-0612-4D88-A1AC-FF1287139C2E}" type="datetime1">
+            <a:r>
               <a:rPr lang="de-DE" smtClean="0"/>
-              <a:t>20.06.2015</a:t>
-            </a:fld>
+              <a:t>23.06.2015</a:t>
+            </a:r>
             <a:endParaRPr lang="de-DE" dirty="0"/>
           </a:p>
         </p:txBody>
@@ -11337,10 +10351,10 @@
           <a:bodyPr/>
           <a:lstStyle/>
           <a:p>
-            <a:fld id="{296000BE-0612-4D88-A1AC-FF1287139C2E}" type="datetime1">
+            <a:r>
               <a:rPr lang="de-DE" smtClean="0"/>
-              <a:t>20.06.2015</a:t>
-            </a:fld>
+              <a:t>23.06.2015</a:t>
+            </a:r>
             <a:endParaRPr lang="de-DE" dirty="0"/>
           </a:p>
         </p:txBody>

--- a/Praesentation/FMSynthese-Gary.pptx
+++ b/Praesentation/FMSynthese-Gary.pptx
@@ -170,20 +170,6 @@
 </p:cmAuthorLst>
 </file>
 
-<file path=ppt/comments/comment1.xml><?xml version="1.0" encoding="utf-8"?>
-<p:cmLst xmlns:a="http://schemas.openxmlformats.org/drawingml/2006/main" xmlns:r="http://schemas.openxmlformats.org/officeDocument/2006/relationships" xmlns:p="http://schemas.openxmlformats.org/presentationml/2006/main">
-  <p:cm authorId="1" dt="2015-06-20T12:56:09.904" idx="2">
-    <p:pos x="2098" y="2198"/>
-    <p:text>testen ob man mit dem stift im präsi modus schreiben kann</p:text>
-    <p:extLst>
-      <p:ext uri="{C676402C-5697-4E1C-873F-D02D1690AC5C}">
-        <p15:threadingInfo xmlns:p15="http://schemas.microsoft.com/office/powerpoint/2012/main" timeZoneBias="-120"/>
-      </p:ext>
-    </p:extLst>
-  </p:cm>
-</p:cmLst>
-</file>
-
 <file path=ppt/notesMasters/notesMaster1.xml><?xml version="1.0" encoding="utf-8"?>
 <p:notesMaster xmlns:a="http://schemas.openxmlformats.org/drawingml/2006/main" xmlns:r="http://schemas.openxmlformats.org/officeDocument/2006/relationships" xmlns:p="http://schemas.openxmlformats.org/presentationml/2006/main">
   <p:cSld>
@@ -1700,11 +1686,7 @@
             <a:pPr lvl="4"/>
             <a:r>
               <a:rPr lang="de-DE" dirty="0" smtClean="0"/>
-              <a:t>Fünfte </a:t>
-            </a:r>
-            <a:r>
-              <a:rPr lang="de-DE" dirty="0" smtClean="0"/>
-              <a:t>Ebene</a:t>
+              <a:t>Fünfte Ebene</a:t>
             </a:r>
             <a:endParaRPr lang="de-DE" dirty="0"/>
           </a:p>
@@ -5058,13 +5040,13 @@
   <p:clrMapOvr>
     <a:masterClrMapping/>
   </p:clrMapOvr>
-  <mc:AlternateContent xmlns:mc="http://schemas.openxmlformats.org/markup-compatibility/2006">
-    <mc:Choice xmlns:p14="http://schemas.microsoft.com/office/powerpoint/2010/main" Requires="p14">
+  <mc:AlternateContent xmlns:mc="http://schemas.openxmlformats.org/markup-compatibility/2006" xmlns:p14="http://schemas.microsoft.com/office/powerpoint/2010/main">
+    <mc:Choice Requires="p14">
       <p:transition spd="med" p14:dur="700">
         <p:fade/>
       </p:transition>
     </mc:Choice>
-    <mc:Fallback>
+    <mc:Fallback xmlns="">
       <p:transition spd="med">
         <p:fade/>
       </p:transition>
@@ -5453,9 +5435,71 @@
           </a:p>
         </p:txBody>
       </p:sp>
+      <p:sp>
+        <p:nvSpPr>
+          <p:cNvPr id="14" name="Textfeld 13"/>
+          <p:cNvSpPr txBox="1"/>
+          <p:nvPr/>
+        </p:nvSpPr>
+        <p:spPr>
+          <a:xfrm>
+            <a:off x="6522270" y="2189684"/>
+            <a:ext cx="283996" cy="369332"/>
+          </a:xfrm>
+          <a:prstGeom prst="rect">
+            <a:avLst/>
+          </a:prstGeom>
+          <a:noFill/>
+        </p:spPr>
+        <p:txBody>
+          <a:bodyPr wrap="square" rtlCol="0">
+            <a:spAutoFit/>
+          </a:bodyPr>
+          <a:lstStyle/>
+          <a:p>
+            <a:pPr algn="ctr"/>
+            <a:r>
+              <a:rPr lang="de-DE" dirty="0"/>
+              <a:t>4</a:t>
+            </a:r>
+            <a:endParaRPr lang="en-US" dirty="0"/>
+          </a:p>
+        </p:txBody>
+      </p:sp>
+      <p:sp>
+        <p:nvSpPr>
+          <p:cNvPr id="16" name="Textfeld 15"/>
+          <p:cNvSpPr txBox="1"/>
+          <p:nvPr/>
+        </p:nvSpPr>
+        <p:spPr>
+          <a:xfrm>
+            <a:off x="5245264" y="2189684"/>
+            <a:ext cx="223232" cy="369332"/>
+          </a:xfrm>
+          <a:prstGeom prst="rect">
+            <a:avLst/>
+          </a:prstGeom>
+          <a:noFill/>
+        </p:spPr>
+        <p:txBody>
+          <a:bodyPr wrap="square" rtlCol="0">
+            <a:spAutoFit/>
+          </a:bodyPr>
+          <a:lstStyle/>
+          <a:p>
+            <a:pPr algn="ctr"/>
+            <a:r>
+              <a:rPr lang="de-DE" dirty="0" smtClean="0"/>
+              <a:t>3</a:t>
+            </a:r>
+            <a:endParaRPr lang="en-US" dirty="0"/>
+          </a:p>
+        </p:txBody>
+      </p:sp>
       <p:pic>
         <p:nvPicPr>
-          <p:cNvPr id="13" name="Flute Original G5">
+          <p:cNvPr id="8" name="Flute FM G5">
             <a:hlinkClick r:id="" action="ppaction://media"/>
           </p:cNvPr>
           <p:cNvPicPr>
@@ -5466,6 +5510,72 @@
             <p:extLst>
               <p:ext uri="{DAA4B4D4-6D71-4841-9C94-3DE7FCFB9230}">
                 <p14:media xmlns:p14="http://schemas.microsoft.com/office/powerpoint/2010/main" r:embed="rId3"/>
+              </p:ext>
+            </p:extLst>
+          </p:nvPr>
+        </p:nvPicPr>
+        <p:blipFill>
+          <a:blip r:embed="rId11"/>
+          <a:stretch>
+            <a:fillRect/>
+          </a:stretch>
+        </p:blipFill>
+        <p:spPr>
+          <a:xfrm>
+            <a:off x="3663208" y="2640398"/>
+            <a:ext cx="609600" cy="609600"/>
+          </a:xfrm>
+          <a:prstGeom prst="rect">
+            <a:avLst/>
+          </a:prstGeom>
+        </p:spPr>
+      </p:pic>
+      <p:pic>
+        <p:nvPicPr>
+          <p:cNvPr id="11" name="Flute FM8 G5">
+            <a:hlinkClick r:id="" action="ppaction://media"/>
+          </p:cNvPr>
+          <p:cNvPicPr>
+            <a:picLocks noChangeAspect="1"/>
+          </p:cNvPicPr>
+          <p:nvPr>
+            <a:audioFile r:link="rId6"/>
+            <p:extLst>
+              <p:ext uri="{DAA4B4D4-6D71-4841-9C94-3DE7FCFB9230}">
+                <p14:media xmlns:p14="http://schemas.microsoft.com/office/powerpoint/2010/main" r:embed="rId5"/>
+              </p:ext>
+            </p:extLst>
+          </p:nvPr>
+        </p:nvPicPr>
+        <p:blipFill>
+          <a:blip r:embed="rId11"/>
+          <a:stretch>
+            <a:fillRect/>
+          </a:stretch>
+        </p:blipFill>
+        <p:spPr>
+          <a:xfrm>
+            <a:off x="5052080" y="2640398"/>
+            <a:ext cx="609600" cy="609600"/>
+          </a:xfrm>
+          <a:prstGeom prst="rect">
+            <a:avLst/>
+          </a:prstGeom>
+        </p:spPr>
+      </p:pic>
+      <p:pic>
+        <p:nvPicPr>
+          <p:cNvPr id="17" name="Flute Original G5">
+            <a:hlinkClick r:id="" action="ppaction://media"/>
+          </p:cNvPr>
+          <p:cNvPicPr>
+            <a:picLocks noChangeAspect="1"/>
+          </p:cNvPicPr>
+          <p:nvPr>
+            <a:audioFile r:link="rId8"/>
+            <p:extLst>
+              <p:ext uri="{DAA4B4D4-6D71-4841-9C94-3DE7FCFB9230}">
+                <p14:media xmlns:p14="http://schemas.microsoft.com/office/powerpoint/2010/main" r:embed="rId7"/>
               </p:ext>
             </p:extLst>
           </p:nvPr>
@@ -5479,134 +5589,6 @@
         <p:spPr>
           <a:xfrm>
             <a:off x="6359468" y="2640398"/>
-            <a:ext cx="609600" cy="609600"/>
-          </a:xfrm>
-          <a:prstGeom prst="rect">
-            <a:avLst/>
-          </a:prstGeom>
-        </p:spPr>
-      </p:pic>
-      <p:sp>
-        <p:nvSpPr>
-          <p:cNvPr id="14" name="Textfeld 13"/>
-          <p:cNvSpPr txBox="1"/>
-          <p:nvPr/>
-        </p:nvSpPr>
-        <p:spPr>
-          <a:xfrm>
-            <a:off x="6522270" y="2189684"/>
-            <a:ext cx="283996" cy="369332"/>
-          </a:xfrm>
-          <a:prstGeom prst="rect">
-            <a:avLst/>
-          </a:prstGeom>
-          <a:noFill/>
-        </p:spPr>
-        <p:txBody>
-          <a:bodyPr wrap="square" rtlCol="0">
-            <a:spAutoFit/>
-          </a:bodyPr>
-          <a:lstStyle/>
-          <a:p>
-            <a:pPr algn="ctr"/>
-            <a:r>
-              <a:rPr lang="de-DE" dirty="0"/>
-              <a:t>4</a:t>
-            </a:r>
-            <a:endParaRPr lang="en-US" dirty="0"/>
-          </a:p>
-        </p:txBody>
-      </p:sp>
-      <p:pic>
-        <p:nvPicPr>
-          <p:cNvPr id="15" name="Flute FM8 G5">
-            <a:hlinkClick r:id="" action="ppaction://media"/>
-          </p:cNvPr>
-          <p:cNvPicPr>
-            <a:picLocks noChangeAspect="1"/>
-          </p:cNvPicPr>
-          <p:nvPr>
-            <a:audioFile r:link="rId6"/>
-            <p:extLst>
-              <p:ext uri="{DAA4B4D4-6D71-4841-9C94-3DE7FCFB9230}">
-                <p14:media xmlns:p14="http://schemas.microsoft.com/office/powerpoint/2010/main" r:embed="rId5"/>
-              </p:ext>
-            </p:extLst>
-          </p:nvPr>
-        </p:nvPicPr>
-        <p:blipFill>
-          <a:blip r:embed="rId11"/>
-          <a:stretch>
-            <a:fillRect/>
-          </a:stretch>
-        </p:blipFill>
-        <p:spPr>
-          <a:xfrm>
-            <a:off x="5052080" y="2647227"/>
-            <a:ext cx="609600" cy="609600"/>
-          </a:xfrm>
-          <a:prstGeom prst="rect">
-            <a:avLst/>
-          </a:prstGeom>
-        </p:spPr>
-      </p:pic>
-      <p:sp>
-        <p:nvSpPr>
-          <p:cNvPr id="16" name="Textfeld 15"/>
-          <p:cNvSpPr txBox="1"/>
-          <p:nvPr/>
-        </p:nvSpPr>
-        <p:spPr>
-          <a:xfrm>
-            <a:off x="5245264" y="2189684"/>
-            <a:ext cx="223232" cy="369332"/>
-          </a:xfrm>
-          <a:prstGeom prst="rect">
-            <a:avLst/>
-          </a:prstGeom>
-          <a:noFill/>
-        </p:spPr>
-        <p:txBody>
-          <a:bodyPr wrap="square" rtlCol="0">
-            <a:spAutoFit/>
-          </a:bodyPr>
-          <a:lstStyle/>
-          <a:p>
-            <a:pPr algn="ctr"/>
-            <a:r>
-              <a:rPr lang="de-DE" dirty="0" smtClean="0"/>
-              <a:t>3</a:t>
-            </a:r>
-            <a:endParaRPr lang="en-US" dirty="0"/>
-          </a:p>
-        </p:txBody>
-      </p:sp>
-      <p:pic>
-        <p:nvPicPr>
-          <p:cNvPr id="2" name="Flute FM G5">
-            <a:hlinkClick r:id="" action="ppaction://media"/>
-          </p:cNvPr>
-          <p:cNvPicPr>
-            <a:picLocks noChangeAspect="1"/>
-          </p:cNvPicPr>
-          <p:nvPr>
-            <a:audioFile r:link="rId8"/>
-            <p:extLst>
-              <p:ext uri="{DAA4B4D4-6D71-4841-9C94-3DE7FCFB9230}">
-                <p14:media xmlns:p14="http://schemas.microsoft.com/office/powerpoint/2010/main" r:embed="rId7"/>
-              </p:ext>
-            </p:extLst>
-          </p:nvPr>
-        </p:nvPicPr>
-        <p:blipFill>
-          <a:blip r:embed="rId11"/>
-          <a:stretch>
-            <a:fillRect/>
-          </a:stretch>
-        </p:blipFill>
-        <p:spPr>
-          <a:xfrm>
-            <a:off x="3663208" y="2640398"/>
             <a:ext cx="609600" cy="609600"/>
           </a:xfrm>
           <a:prstGeom prst="rect">
@@ -5641,9 +5623,169 @@
       <p:par>
         <p:cTn id="1" dur="indefinite" restart="never" nodeType="tmRoot">
           <p:childTnLst>
+            <p:seq concurrent="1" nextAc="seek">
+              <p:cTn id="2" dur="indefinite" nodeType="mainSeq">
+                <p:childTnLst>
+                  <p:par>
+                    <p:cTn id="3" fill="hold">
+                      <p:stCondLst>
+                        <p:cond delay="indefinite"/>
+                      </p:stCondLst>
+                      <p:childTnLst>
+                        <p:par>
+                          <p:cTn id="4" fill="hold">
+                            <p:stCondLst>
+                              <p:cond delay="0"/>
+                            </p:stCondLst>
+                            <p:childTnLst>
+                              <p:par>
+                                <p:cTn id="5" presetID="1" presetClass="mediacall" presetSubtype="0" fill="hold" nodeType="clickEffect">
+                                  <p:stCondLst>
+                                    <p:cond delay="0"/>
+                                  </p:stCondLst>
+                                  <p:childTnLst>
+                                    <p:cmd type="call" cmd="playFrom(0.0)">
+                                      <p:cBhvr>
+                                        <p:cTn id="6" dur="2194" fill="hold"/>
+                                        <p:tgtEl>
+                                          <p:spTgt spid="9"/>
+                                        </p:tgtEl>
+                                      </p:cBhvr>
+                                    </p:cmd>
+                                  </p:childTnLst>
+                                </p:cTn>
+                              </p:par>
+                            </p:childTnLst>
+                          </p:cTn>
+                        </p:par>
+                      </p:childTnLst>
+                    </p:cTn>
+                  </p:par>
+                  <p:par>
+                    <p:cTn id="7" fill="hold">
+                      <p:stCondLst>
+                        <p:cond delay="indefinite"/>
+                      </p:stCondLst>
+                      <p:childTnLst>
+                        <p:par>
+                          <p:cTn id="8" fill="hold">
+                            <p:stCondLst>
+                              <p:cond delay="0"/>
+                            </p:stCondLst>
+                            <p:childTnLst>
+                              <p:par>
+                                <p:cTn id="9" presetID="1" presetClass="mediacall" presetSubtype="0" fill="hold" nodeType="clickEffect">
+                                  <p:stCondLst>
+                                    <p:cond delay="0"/>
+                                  </p:stCondLst>
+                                  <p:childTnLst>
+                                    <p:cmd type="call" cmd="playFrom(0.0)">
+                                      <p:cBhvr>
+                                        <p:cTn id="10" dur="1541" fill="hold"/>
+                                        <p:tgtEl>
+                                          <p:spTgt spid="8"/>
+                                        </p:tgtEl>
+                                      </p:cBhvr>
+                                    </p:cmd>
+                                  </p:childTnLst>
+                                </p:cTn>
+                              </p:par>
+                            </p:childTnLst>
+                          </p:cTn>
+                        </p:par>
+                      </p:childTnLst>
+                    </p:cTn>
+                  </p:par>
+                  <p:par>
+                    <p:cTn id="11" fill="hold">
+                      <p:stCondLst>
+                        <p:cond delay="indefinite"/>
+                      </p:stCondLst>
+                      <p:childTnLst>
+                        <p:par>
+                          <p:cTn id="12" fill="hold">
+                            <p:stCondLst>
+                              <p:cond delay="0"/>
+                            </p:stCondLst>
+                            <p:childTnLst>
+                              <p:par>
+                                <p:cTn id="13" presetID="1" presetClass="mediacall" presetSubtype="0" fill="hold" nodeType="clickEffect">
+                                  <p:stCondLst>
+                                    <p:cond delay="0"/>
+                                  </p:stCondLst>
+                                  <p:childTnLst>
+                                    <p:cmd type="call" cmd="playFrom(0.0)">
+                                      <p:cBhvr>
+                                        <p:cTn id="14" dur="2899" fill="hold"/>
+                                        <p:tgtEl>
+                                          <p:spTgt spid="11"/>
+                                        </p:tgtEl>
+                                      </p:cBhvr>
+                                    </p:cmd>
+                                  </p:childTnLst>
+                                </p:cTn>
+                              </p:par>
+                            </p:childTnLst>
+                          </p:cTn>
+                        </p:par>
+                      </p:childTnLst>
+                    </p:cTn>
+                  </p:par>
+                  <p:par>
+                    <p:cTn id="15" fill="hold">
+                      <p:stCondLst>
+                        <p:cond delay="indefinite"/>
+                      </p:stCondLst>
+                      <p:childTnLst>
+                        <p:par>
+                          <p:cTn id="16" fill="hold">
+                            <p:stCondLst>
+                              <p:cond delay="0"/>
+                            </p:stCondLst>
+                            <p:childTnLst>
+                              <p:par>
+                                <p:cTn id="17" presetID="1" presetClass="mediacall" presetSubtype="0" fill="hold" nodeType="clickEffect">
+                                  <p:stCondLst>
+                                    <p:cond delay="0"/>
+                                  </p:stCondLst>
+                                  <p:childTnLst>
+                                    <p:cmd type="call" cmd="playFrom(0.0)">
+                                      <p:cBhvr>
+                                        <p:cTn id="18" dur="1384" fill="hold"/>
+                                        <p:tgtEl>
+                                          <p:spTgt spid="17"/>
+                                        </p:tgtEl>
+                                      </p:cBhvr>
+                                    </p:cmd>
+                                  </p:childTnLst>
+                                </p:cTn>
+                              </p:par>
+                            </p:childTnLst>
+                          </p:cTn>
+                        </p:par>
+                      </p:childTnLst>
+                    </p:cTn>
+                  </p:par>
+                </p:childTnLst>
+              </p:cTn>
+              <p:prevCondLst>
+                <p:cond evt="onPrev" delay="0">
+                  <p:tgtEl>
+                    <p:sldTgt/>
+                  </p:tgtEl>
+                </p:cond>
+              </p:prevCondLst>
+              <p:nextCondLst>
+                <p:cond evt="onNext" delay="0">
+                  <p:tgtEl>
+                    <p:sldTgt/>
+                  </p:tgtEl>
+                </p:cond>
+              </p:nextCondLst>
+            </p:seq>
             <p:audio>
               <p:cMediaNode vol="80000">
-                <p:cTn id="2" fill="hold" display="0">
+                <p:cTn id="19" fill="hold" display="0">
                   <p:stCondLst>
                     <p:cond delay="indefinite"/>
                   </p:stCondLst>
@@ -5662,7 +5804,7 @@
             </p:audio>
             <p:audio>
               <p:cMediaNode vol="80000">
-                <p:cTn id="3" fill="hold" display="0">
+                <p:cTn id="20" fill="hold" display="0">
                   <p:stCondLst>
                     <p:cond delay="indefinite"/>
                   </p:stCondLst>
@@ -5675,13 +5817,13 @@
                   </p:endCondLst>
                 </p:cTn>
                 <p:tgtEl>
-                  <p:spTgt spid="13"/>
+                  <p:spTgt spid="8"/>
                 </p:tgtEl>
               </p:cMediaNode>
             </p:audio>
             <p:audio>
               <p:cMediaNode vol="80000">
-                <p:cTn id="4" fill="hold" display="0">
+                <p:cTn id="21" fill="hold" display="0">
                   <p:stCondLst>
                     <p:cond delay="indefinite"/>
                   </p:stCondLst>
@@ -5694,71 +5836,13 @@
                   </p:endCondLst>
                 </p:cTn>
                 <p:tgtEl>
-                  <p:spTgt spid="15"/>
+                  <p:spTgt spid="11"/>
                 </p:tgtEl>
               </p:cMediaNode>
             </p:audio>
-            <p:seq concurrent="1" nextAc="seek">
-              <p:cTn id="5" restart="whenNotActive" fill="hold" evtFilter="cancelBubble" nodeType="interactiveSeq">
-                <p:stCondLst>
-                  <p:cond evt="onClick" delay="0">
-                    <p:tgtEl>
-                      <p:spTgt spid="2"/>
-                    </p:tgtEl>
-                  </p:cond>
-                </p:stCondLst>
-                <p:endSync evt="end" delay="0">
-                  <p:rtn val="all"/>
-                </p:endSync>
-                <p:childTnLst>
-                  <p:par>
-                    <p:cTn id="6" fill="hold">
-                      <p:stCondLst>
-                        <p:cond delay="0"/>
-                      </p:stCondLst>
-                      <p:childTnLst>
-                        <p:par>
-                          <p:cTn id="7" fill="hold">
-                            <p:stCondLst>
-                              <p:cond delay="0"/>
-                            </p:stCondLst>
-                            <p:childTnLst>
-                              <p:par>
-                                <p:cTn id="8" presetID="1" presetClass="mediacall" presetSubtype="0" fill="hold" nodeType="clickEffect">
-                                  <p:stCondLst>
-                                    <p:cond delay="0"/>
-                                  </p:stCondLst>
-                                  <p:childTnLst>
-                                    <p:cmd type="call" cmd="playFrom(0.0)">
-                                      <p:cBhvr>
-                                        <p:cTn id="9" dur="1300" fill="hold"/>
-                                        <p:tgtEl>
-                                          <p:spTgt spid="2"/>
-                                        </p:tgtEl>
-                                      </p:cBhvr>
-                                    </p:cmd>
-                                  </p:childTnLst>
-                                </p:cTn>
-                              </p:par>
-                            </p:childTnLst>
-                          </p:cTn>
-                        </p:par>
-                      </p:childTnLst>
-                    </p:cTn>
-                  </p:par>
-                </p:childTnLst>
-              </p:cTn>
-              <p:nextCondLst>
-                <p:cond evt="onClick" delay="0">
-                  <p:tgtEl>
-                    <p:spTgt spid="2"/>
-                  </p:tgtEl>
-                </p:cond>
-              </p:nextCondLst>
-            </p:seq>
             <p:audio>
               <p:cMediaNode vol="80000">
-                <p:cTn id="10" fill="hold" display="0">
+                <p:cTn id="22" fill="hold" display="0">
                   <p:stCondLst>
                     <p:cond delay="indefinite"/>
                   </p:stCondLst>
@@ -5771,7 +5855,7 @@
                   </p:endCondLst>
                 </p:cTn>
                 <p:tgtEl>
-                  <p:spTgt spid="2"/>
+                  <p:spTgt spid="17"/>
                 </p:tgtEl>
               </p:cMediaNode>
             </p:audio>
@@ -6920,13 +7004,13 @@
   <p:clrMapOvr>
     <a:masterClrMapping/>
   </p:clrMapOvr>
-  <mc:AlternateContent xmlns:mc="http://schemas.openxmlformats.org/markup-compatibility/2006">
-    <mc:Choice xmlns:p14="http://schemas.microsoft.com/office/powerpoint/2010/main" Requires="p14">
+  <mc:AlternateContent xmlns:mc="http://schemas.openxmlformats.org/markup-compatibility/2006" xmlns:p14="http://schemas.microsoft.com/office/powerpoint/2010/main">
+    <mc:Choice Requires="p14">
       <p:transition spd="med" p14:dur="700">
         <p:fade/>
       </p:transition>
     </mc:Choice>
-    <mc:Fallback>
+    <mc:Fallback xmlns="">
       <p:transition spd="med">
         <p:fade/>
       </p:transition>
@@ -7613,10 +7697,12 @@
             <a:picLocks noChangeAspect="1"/>
           </p:cNvPicPr>
           <p:nvPr>
-            <a:audioFile r:link="rId2"/>
+            <a:audioFile r:link="rId1"/>
             <p:extLst>
               <p:ext uri="{DAA4B4D4-6D71-4841-9C94-3DE7FCFB9230}">
-                <p14:media xmlns:p14="http://schemas.microsoft.com/office/powerpoint/2010/main" r:embed="rId1"/>
+                <p14:media xmlns:p14="http://schemas.microsoft.com/office/powerpoint/2010/main" r:embed="rId2">
+                  <p14:trim end="4859"/>
+                </p14:media>
               </p:ext>
             </p:extLst>
           </p:nvPr>
@@ -7802,14 +7888,49 @@
                             </p:stCondLst>
                             <p:childTnLst>
                               <p:par>
-                                <p:cTn id="5" presetID="10" presetClass="entr" presetSubtype="0" fill="hold" nodeType="clickEffect">
+                                <p:cTn id="5" presetID="1" presetClass="mediacall" presetSubtype="0" fill="hold" nodeType="clickEffect">
+                                  <p:stCondLst>
+                                    <p:cond delay="0"/>
+                                  </p:stCondLst>
+                                  <p:childTnLst>
+                                    <p:cmd type="call" cmd="playFrom(0.0)">
+                                      <p:cBhvr>
+                                        <p:cTn id="6" dur="2077" fill="hold"/>
+                                        <p:tgtEl>
+                                          <p:spTgt spid="11"/>
+                                        </p:tgtEl>
+                                      </p:cBhvr>
+                                    </p:cmd>
+                                  </p:childTnLst>
+                                </p:cTn>
+                              </p:par>
+                            </p:childTnLst>
+                          </p:cTn>
+                        </p:par>
+                      </p:childTnLst>
+                    </p:cTn>
+                  </p:par>
+                  <p:par>
+                    <p:cTn id="7" fill="hold">
+                      <p:stCondLst>
+                        <p:cond delay="indefinite"/>
+                      </p:stCondLst>
+                      <p:childTnLst>
+                        <p:par>
+                          <p:cTn id="8" fill="hold">
+                            <p:stCondLst>
+                              <p:cond delay="0"/>
+                            </p:stCondLst>
+                            <p:childTnLst>
+                              <p:par>
+                                <p:cTn id="9" presetID="10" presetClass="entr" presetSubtype="0" fill="hold" nodeType="clickEffect">
                                   <p:stCondLst>
                                     <p:cond delay="0"/>
                                   </p:stCondLst>
                                   <p:childTnLst>
                                     <p:set>
                                       <p:cBhvr>
-                                        <p:cTn id="6" dur="1" fill="hold">
+                                        <p:cTn id="10" dur="1" fill="hold">
                                           <p:stCondLst>
                                             <p:cond delay="0"/>
                                           </p:stCondLst>
@@ -7827,7 +7948,7 @@
                                     </p:set>
                                     <p:animEffect transition="in" filter="fade">
                                       <p:cBhvr>
-                                        <p:cTn id="7" dur="500"/>
+                                        <p:cTn id="11" dur="500"/>
                                         <p:tgtEl>
                                           <p:spTgt spid="9"/>
                                         </p:tgtEl>
@@ -7861,7 +7982,7 @@
             </p:seq>
             <p:audio>
               <p:cMediaNode vol="80000">
-                <p:cTn id="8" fill="hold" display="0">
+                <p:cTn id="12" fill="hold" display="0">
                   <p:stCondLst>
                     <p:cond delay="indefinite"/>
                   </p:stCondLst>
@@ -8094,21 +8215,21 @@
       </p:pic>
       <p:grpSp>
         <p:nvGrpSpPr>
-          <p:cNvPr id="23" name="Gruppieren 22"/>
+          <p:cNvPr id="26" name="Gruppieren 25"/>
           <p:cNvGrpSpPr/>
           <p:nvPr/>
         </p:nvGrpSpPr>
         <p:grpSpPr>
           <a:xfrm>
             <a:off x="3383867" y="2583737"/>
-            <a:ext cx="1512169" cy="1511040"/>
-            <a:chOff x="3160569" y="2340422"/>
-            <a:chExt cx="827790" cy="820442"/>
+            <a:ext cx="1560757" cy="1547465"/>
+            <a:chOff x="3383867" y="2583737"/>
+            <a:chExt cx="1560757" cy="1547465"/>
           </a:xfrm>
         </p:grpSpPr>
         <p:pic>
           <p:nvPicPr>
-            <p:cNvPr id="16" name="Grafik 15"/>
+            <p:cNvPr id="25" name="Grafik 24"/>
             <p:cNvPicPr>
               <a:picLocks noChangeAspect="1"/>
             </p:cNvPicPr>
@@ -8132,8 +8253,8 @@
           </p:blipFill>
           <p:spPr>
             <a:xfrm>
-              <a:off x="3160569" y="2340422"/>
-              <a:ext cx="198148" cy="230156"/>
+              <a:off x="3383867" y="2583737"/>
+              <a:ext cx="396295" cy="460312"/>
             </a:xfrm>
             <a:prstGeom prst="rect">
               <a:avLst/>
@@ -8142,7 +8263,7 @@
         </p:pic>
         <p:pic>
           <p:nvPicPr>
-            <p:cNvPr id="17" name="Grafik 16"/>
+            <p:cNvPr id="21" name="Grafik 20"/>
             <p:cNvPicPr>
               <a:picLocks noChangeAspect="1"/>
             </p:cNvPicPr>
@@ -8166,8 +8287,8 @@
           </p:blipFill>
           <p:spPr>
             <a:xfrm>
-              <a:off x="3419872" y="2657934"/>
-              <a:ext cx="118889" cy="172236"/>
+              <a:off x="3857551" y="3168511"/>
+              <a:ext cx="237777" cy="344472"/>
             </a:xfrm>
             <a:prstGeom prst="rect">
               <a:avLst/>
@@ -8176,7 +8297,7 @@
         </p:pic>
         <p:pic>
           <p:nvPicPr>
-            <p:cNvPr id="18" name="Grafik 17"/>
+            <p:cNvPr id="15" name="Grafik 14"/>
             <p:cNvPicPr>
               <a:picLocks noChangeAspect="1"/>
             </p:cNvPicPr>
@@ -8200,8 +8321,8 @@
           </p:blipFill>
           <p:spPr>
             <a:xfrm>
-              <a:off x="3707904" y="2930708"/>
-              <a:ext cx="280455" cy="230156"/>
+              <a:off x="4383714" y="3670890"/>
+              <a:ext cx="560910" cy="460312"/>
             </a:xfrm>
             <a:prstGeom prst="rect">
               <a:avLst/>
@@ -8370,7 +8491,7 @@
                                           </p:stCondLst>
                                         </p:cTn>
                                         <p:tgtEl>
-                                          <p:spTgt spid="23"/>
+                                          <p:spTgt spid="26"/>
                                         </p:tgtEl>
                                         <p:attrNameLst>
                                           <p:attrName>style.visibility</p:attrName>
@@ -8384,7 +8505,7 @@
                                       <p:cBhvr>
                                         <p:cTn id="7" dur="500"/>
                                         <p:tgtEl>
-                                          <p:spTgt spid="23"/>
+                                          <p:spTgt spid="26"/>
                                         </p:tgtEl>
                                       </p:cBhvr>
                                     </p:animEffect>
@@ -9378,8 +9499,8 @@
           <a:lstStyle/>
           <a:p>
             <a:r>
-              <a:rPr lang="de-DE" dirty="0" smtClean="0"/>
-              <a:t>Spektren der Arten der FM-Synthese</a:t>
+              <a:rPr lang="de-DE" dirty="0"/>
+              <a:t>Wahl der FM-Synthese</a:t>
             </a:r>
             <a:endParaRPr lang="en-US" dirty="0"/>
           </a:p>
@@ -9681,22 +9802,12 @@
         <p:cTn id="1" dur="indefinite" restart="never" nodeType="tmRoot">
           <p:childTnLst>
             <p:seq concurrent="1" nextAc="seek">
-              <p:cTn id="2" restart="whenNotActive" fill="hold" evtFilter="cancelBubble" nodeType="interactiveSeq">
-                <p:stCondLst>
-                  <p:cond evt="onClick" delay="0">
-                    <p:tgtEl>
-                      <p:spTgt spid="7"/>
-                    </p:tgtEl>
-                  </p:cond>
-                </p:stCondLst>
-                <p:endSync evt="end" delay="0">
-                  <p:rtn val="all"/>
-                </p:endSync>
+              <p:cTn id="2" dur="indefinite" nodeType="mainSeq">
                 <p:childTnLst>
                   <p:par>
                     <p:cTn id="3" fill="hold">
                       <p:stCondLst>
-                        <p:cond delay="0"/>
+                        <p:cond delay="indefinite"/>
                       </p:stCondLst>
                       <p:childTnLst>
                         <p:par>
@@ -9728,69 +9839,27 @@
                       </p:childTnLst>
                     </p:cTn>
                   </p:par>
-                </p:childTnLst>
-              </p:cTn>
-              <p:nextCondLst>
-                <p:cond evt="onClick" delay="0">
-                  <p:tgtEl>
-                    <p:spTgt spid="7"/>
-                  </p:tgtEl>
-                </p:cond>
-              </p:nextCondLst>
-            </p:seq>
-            <p:audio>
-              <p:cMediaNode vol="80000">
-                <p:cTn id="7" fill="hold" display="0">
-                  <p:stCondLst>
-                    <p:cond delay="indefinite"/>
-                  </p:stCondLst>
-                  <p:endCondLst>
-                    <p:cond evt="onStopAudio" delay="0">
-                      <p:tgtEl>
-                        <p:sldTgt/>
-                      </p:tgtEl>
-                    </p:cond>
-                  </p:endCondLst>
-                </p:cTn>
-                <p:tgtEl>
-                  <p:spTgt spid="7"/>
-                </p:tgtEl>
-              </p:cMediaNode>
-            </p:audio>
-            <p:seq concurrent="1" nextAc="seek">
-              <p:cTn id="8" restart="whenNotActive" fill="hold" evtFilter="cancelBubble" nodeType="interactiveSeq">
-                <p:stCondLst>
-                  <p:cond evt="onClick" delay="0">
-                    <p:tgtEl>
-                      <p:spTgt spid="8"/>
-                    </p:tgtEl>
-                  </p:cond>
-                </p:stCondLst>
-                <p:endSync evt="end" delay="0">
-                  <p:rtn val="all"/>
-                </p:endSync>
-                <p:childTnLst>
                   <p:par>
-                    <p:cTn id="9" fill="hold">
+                    <p:cTn id="7" fill="hold">
                       <p:stCondLst>
-                        <p:cond delay="0"/>
+                        <p:cond delay="indefinite"/>
                       </p:stCondLst>
                       <p:childTnLst>
                         <p:par>
-                          <p:cTn id="10" fill="hold">
+                          <p:cTn id="8" fill="hold">
                             <p:stCondLst>
                               <p:cond delay="0"/>
                             </p:stCondLst>
                             <p:childTnLst>
                               <p:par>
-                                <p:cTn id="11" presetID="1" presetClass="mediacall" presetSubtype="0" fill="hold" nodeType="clickEffect">
+                                <p:cTn id="9" presetID="1" presetClass="mediacall" presetSubtype="0" fill="hold" nodeType="clickEffect">
                                   <p:stCondLst>
                                     <p:cond delay="0"/>
                                   </p:stCondLst>
                                   <p:childTnLst>
                                     <p:cmd type="call" cmd="playFrom(0.0)">
                                       <p:cBhvr>
-                                        <p:cTn id="12" dur="2037" fill="hold"/>
+                                        <p:cTn id="10" dur="2037" fill="hold"/>
                                         <p:tgtEl>
                                           <p:spTgt spid="8"/>
                                         </p:tgtEl>
@@ -9805,52 +9874,45 @@
                       </p:childTnLst>
                     </p:cTn>
                   </p:par>
-                </p:childTnLst>
-              </p:cTn>
-              <p:nextCondLst>
-                <p:cond evt="onClick" delay="0">
-                  <p:tgtEl>
-                    <p:spTgt spid="8"/>
-                  </p:tgtEl>
-                </p:cond>
-              </p:nextCondLst>
-            </p:seq>
-            <p:audio>
-              <p:cMediaNode vol="80000">
-                <p:cTn id="13" fill="hold" display="0">
-                  <p:stCondLst>
-                    <p:cond delay="indefinite"/>
-                  </p:stCondLst>
-                  <p:endCondLst>
-                    <p:cond evt="onStopAudio" delay="0">
-                      <p:tgtEl>
-                        <p:sldTgt/>
-                      </p:tgtEl>
-                    </p:cond>
-                  </p:endCondLst>
-                </p:cTn>
-                <p:tgtEl>
-                  <p:spTgt spid="8"/>
-                </p:tgtEl>
-              </p:cMediaNode>
-            </p:audio>
-            <p:seq concurrent="1" nextAc="seek">
-              <p:cTn id="14" restart="whenNotActive" fill="hold" evtFilter="cancelBubble" nodeType="interactiveSeq">
-                <p:stCondLst>
-                  <p:cond evt="onClick" delay="0">
-                    <p:tgtEl>
-                      <p:spTgt spid="9"/>
-                    </p:tgtEl>
-                  </p:cond>
-                </p:stCondLst>
-                <p:endSync evt="end" delay="0">
-                  <p:rtn val="all"/>
-                </p:endSync>
-                <p:childTnLst>
+                  <p:par>
+                    <p:cTn id="11" fill="hold">
+                      <p:stCondLst>
+                        <p:cond delay="indefinite"/>
+                      </p:stCondLst>
+                      <p:childTnLst>
+                        <p:par>
+                          <p:cTn id="12" fill="hold">
+                            <p:stCondLst>
+                              <p:cond delay="0"/>
+                            </p:stCondLst>
+                            <p:childTnLst>
+                              <p:par>
+                                <p:cTn id="13" presetID="1" presetClass="mediacall" presetSubtype="0" fill="hold" nodeType="clickEffect">
+                                  <p:stCondLst>
+                                    <p:cond delay="0"/>
+                                  </p:stCondLst>
+                                  <p:childTnLst>
+                                    <p:cmd type="call" cmd="playFrom(0.0)">
+                                      <p:cBhvr>
+                                        <p:cTn id="14" dur="2037" fill="hold"/>
+                                        <p:tgtEl>
+                                          <p:spTgt spid="9"/>
+                                        </p:tgtEl>
+                                      </p:cBhvr>
+                                    </p:cmd>
+                                  </p:childTnLst>
+                                </p:cTn>
+                              </p:par>
+                            </p:childTnLst>
+                          </p:cTn>
+                        </p:par>
+                      </p:childTnLst>
+                    </p:cTn>
+                  </p:par>
                   <p:par>
                     <p:cTn id="15" fill="hold">
                       <p:stCondLst>
-                        <p:cond delay="0"/>
+                        <p:cond delay="indefinite"/>
                       </p:stCondLst>
                       <p:childTnLst>
                         <p:par>
@@ -9869,7 +9931,7 @@
                                       <p:cBhvr>
                                         <p:cTn id="18" dur="2037" fill="hold"/>
                                         <p:tgtEl>
-                                          <p:spTgt spid="9"/>
+                                          <p:spTgt spid="16"/>
                                         </p:tgtEl>
                                       </p:cBhvr>
                                     </p:cmd>
@@ -9884,10 +9946,17 @@
                   </p:par>
                 </p:childTnLst>
               </p:cTn>
+              <p:prevCondLst>
+                <p:cond evt="onPrev" delay="0">
+                  <p:tgtEl>
+                    <p:sldTgt/>
+                  </p:tgtEl>
+                </p:cond>
+              </p:prevCondLst>
               <p:nextCondLst>
-                <p:cond evt="onClick" delay="0">
+                <p:cond evt="onNext" delay="0">
                   <p:tgtEl>
-                    <p:spTgt spid="9"/>
+                    <p:sldTgt/>
                   </p:tgtEl>
                 </p:cond>
               </p:nextCondLst>
@@ -9907,71 +9976,51 @@
                   </p:endCondLst>
                 </p:cTn>
                 <p:tgtEl>
+                  <p:spTgt spid="7"/>
+                </p:tgtEl>
+              </p:cMediaNode>
+            </p:audio>
+            <p:audio>
+              <p:cMediaNode vol="80000">
+                <p:cTn id="20" fill="hold" display="0">
+                  <p:stCondLst>
+                    <p:cond delay="indefinite"/>
+                  </p:stCondLst>
+                  <p:endCondLst>
+                    <p:cond evt="onStopAudio" delay="0">
+                      <p:tgtEl>
+                        <p:sldTgt/>
+                      </p:tgtEl>
+                    </p:cond>
+                  </p:endCondLst>
+                </p:cTn>
+                <p:tgtEl>
+                  <p:spTgt spid="8"/>
+                </p:tgtEl>
+              </p:cMediaNode>
+            </p:audio>
+            <p:audio>
+              <p:cMediaNode vol="80000">
+                <p:cTn id="21" fill="hold" display="0">
+                  <p:stCondLst>
+                    <p:cond delay="indefinite"/>
+                  </p:stCondLst>
+                  <p:endCondLst>
+                    <p:cond evt="onStopAudio" delay="0">
+                      <p:tgtEl>
+                        <p:sldTgt/>
+                      </p:tgtEl>
+                    </p:cond>
+                  </p:endCondLst>
+                </p:cTn>
+                <p:tgtEl>
                   <p:spTgt spid="9"/>
                 </p:tgtEl>
               </p:cMediaNode>
             </p:audio>
-            <p:seq concurrent="1" nextAc="seek">
-              <p:cTn id="20" restart="whenNotActive" fill="hold" evtFilter="cancelBubble" nodeType="interactiveSeq">
-                <p:stCondLst>
-                  <p:cond evt="onClick" delay="0">
-                    <p:tgtEl>
-                      <p:spTgt spid="16"/>
-                    </p:tgtEl>
-                  </p:cond>
-                </p:stCondLst>
-                <p:endSync evt="end" delay="0">
-                  <p:rtn val="all"/>
-                </p:endSync>
-                <p:childTnLst>
-                  <p:par>
-                    <p:cTn id="21" fill="hold">
-                      <p:stCondLst>
-                        <p:cond delay="0"/>
-                      </p:stCondLst>
-                      <p:childTnLst>
-                        <p:par>
-                          <p:cTn id="22" fill="hold">
-                            <p:stCondLst>
-                              <p:cond delay="0"/>
-                            </p:stCondLst>
-                            <p:childTnLst>
-                              <p:par>
-                                <p:cTn id="23" presetID="1" presetClass="mediacall" presetSubtype="0" fill="hold" nodeType="clickEffect">
-                                  <p:stCondLst>
-                                    <p:cond delay="0"/>
-                                  </p:stCondLst>
-                                  <p:childTnLst>
-                                    <p:cmd type="call" cmd="playFrom(0.0)">
-                                      <p:cBhvr>
-                                        <p:cTn id="24" dur="2037" fill="hold"/>
-                                        <p:tgtEl>
-                                          <p:spTgt spid="16"/>
-                                        </p:tgtEl>
-                                      </p:cBhvr>
-                                    </p:cmd>
-                                  </p:childTnLst>
-                                </p:cTn>
-                              </p:par>
-                            </p:childTnLst>
-                          </p:cTn>
-                        </p:par>
-                      </p:childTnLst>
-                    </p:cTn>
-                  </p:par>
-                </p:childTnLst>
-              </p:cTn>
-              <p:nextCondLst>
-                <p:cond evt="onClick" delay="0">
-                  <p:tgtEl>
-                    <p:spTgt spid="16"/>
-                  </p:tgtEl>
-                </p:cond>
-              </p:nextCondLst>
-            </p:seq>
             <p:audio>
               <p:cMediaNode vol="80000">
-                <p:cTn id="25" fill="hold" display="0">
+                <p:cTn id="22" fill="hold" display="0">
                   <p:stCondLst>
                     <p:cond delay="indefinite"/>
                   </p:stCondLst>
@@ -10259,10 +10308,6 @@
           <a:lstStyle/>
           <a:p>
             <a:r>
-              <a:rPr lang="de-DE" dirty="0"/>
-              <a:t>Variierung des </a:t>
-            </a:r>
-            <a:r>
               <a:rPr lang="de-DE" dirty="0" smtClean="0"/>
               <a:t>Modulationsindex</a:t>
             </a:r>
@@ -10330,7 +10375,7 @@
             </a:r>
             <a:r>
               <a:rPr lang="de-DE" dirty="0" smtClean="0"/>
-              <a:t> Modulationsindex mit Hüllkurve modulieren</a:t>
+              <a:t> Modulationsindex mit Hüllkurve variieren</a:t>
             </a:r>
             <a:endParaRPr lang="en-US" dirty="0"/>
           </a:p>
@@ -10461,7 +10506,7 @@
   <p:tag name="ORIGINALHEIGHT" val="113.2658"/>
   <p:tag name="ORIGINALWIDTH" val="97.51362"/>
   <p:tag name="LATEXADDIN" val="\documentclass{article}&#10;\usepackage{amsmath}&#10;\pagestyle{empty}&#10;\begin{document}&#10;&#10;$f_c$&#10;&#10;&#10;\end{document}"/>
-  <p:tag name="IGUANATEXSIZE" val="20"/>
+  <p:tag name="IGUANATEXSIZE" val="40"/>
   <p:tag name="IGUANATEXCURSOR" val="86"/>
   <p:tag name="TRANSPARENCY" val="Wahr"/>
   <p:tag name="FILENAME" val=""/>
@@ -10476,7 +10521,7 @@
   <p:tag name="ORIGINALHEIGHT" val="84.76181"/>
   <p:tag name="ORIGINALWIDTH" val="58.50819"/>
   <p:tag name="LATEXADDIN" val="\documentclass{article}&#10;\usepackage{amsmath}&#10;\pagestyle{empty}&#10;\begin{document}&#10;&#10;$I$&#10;&#10;&#10;\end{document}"/>
-  <p:tag name="IGUANATEXSIZE" val="20"/>
+  <p:tag name="IGUANATEXSIZE" val="40"/>
   <p:tag name="IGUANATEXCURSOR" val="84"/>
   <p:tag name="TRANSPARENCY" val="Wahr"/>
   <p:tag name="FILENAME" val=""/>
@@ -10491,7 +10536,7 @@
   <p:tag name="ORIGINALHEIGHT" val="113.2658"/>
   <p:tag name="ORIGINALWIDTH" val="138.0193"/>
   <p:tag name="LATEXADDIN" val="\documentclass{article}&#10;\usepackage{amsmath}&#10;\pagestyle{empty}&#10;\begin{document}&#10;&#10;$f_m$&#10;&#10;&#10;\end{document}"/>
-  <p:tag name="IGUANATEXSIZE" val="20"/>
+  <p:tag name="IGUANATEXSIZE" val="40"/>
   <p:tag name="IGUANATEXCURSOR" val="86"/>
   <p:tag name="TRANSPARENCY" val="Wahr"/>
   <p:tag name="FILENAME" val=""/>
